--- a/Presentation/lesson-05-events.pptx
+++ b/Presentation/lesson-05-events.pptx
@@ -6,7 +6,7 @@
   </p:sldMasterIdLst>
   <p:sldIdLst>
     <p:sldId id="257" r:id="rId2"/>
-    <p:sldId id="272" r:id="rId3"/>
+    <p:sldId id="285" r:id="rId3"/>
     <p:sldId id="273" r:id="rId4"/>
     <p:sldId id="274" r:id="rId5"/>
     <p:sldId id="275" r:id="rId6"/>
@@ -301,7 +301,7 @@
           <a:p>
             <a:fld id="{FAECF776-F836-4CCD-9497-99E5597B8B5D}" type="datetimeFigureOut">
               <a:rPr lang="en-US" smtClean="0"/>
-              <a:t>12/6/2012</a:t>
+              <a:t>3/27/2013</a:t>
             </a:fld>
             <a:endParaRPr lang="en-US"/>
           </a:p>
@@ -471,7 +471,7 @@
           <a:p>
             <a:fld id="{FAECF776-F836-4CCD-9497-99E5597B8B5D}" type="datetimeFigureOut">
               <a:rPr lang="en-US" smtClean="0"/>
-              <a:t>12/6/2012</a:t>
+              <a:t>3/27/2013</a:t>
             </a:fld>
             <a:endParaRPr lang="en-US"/>
           </a:p>
@@ -651,7 +651,7 @@
           <a:p>
             <a:fld id="{FAECF776-F836-4CCD-9497-99E5597B8B5D}" type="datetimeFigureOut">
               <a:rPr lang="en-US" smtClean="0"/>
-              <a:t>12/6/2012</a:t>
+              <a:t>3/27/2013</a:t>
             </a:fld>
             <a:endParaRPr lang="en-US"/>
           </a:p>
@@ -821,7 +821,7 @@
           <a:p>
             <a:fld id="{FAECF776-F836-4CCD-9497-99E5597B8B5D}" type="datetimeFigureOut">
               <a:rPr lang="en-US" smtClean="0"/>
-              <a:t>12/6/2012</a:t>
+              <a:t>3/27/2013</a:t>
             </a:fld>
             <a:endParaRPr lang="en-US"/>
           </a:p>
@@ -1067,7 +1067,7 @@
           <a:p>
             <a:fld id="{FAECF776-F836-4CCD-9497-99E5597B8B5D}" type="datetimeFigureOut">
               <a:rPr lang="en-US" smtClean="0"/>
-              <a:t>12/6/2012</a:t>
+              <a:t>3/27/2013</a:t>
             </a:fld>
             <a:endParaRPr lang="en-US"/>
           </a:p>
@@ -1355,7 +1355,7 @@
           <a:p>
             <a:fld id="{FAECF776-F836-4CCD-9497-99E5597B8B5D}" type="datetimeFigureOut">
               <a:rPr lang="en-US" smtClean="0"/>
-              <a:t>12/6/2012</a:t>
+              <a:t>3/27/2013</a:t>
             </a:fld>
             <a:endParaRPr lang="en-US"/>
           </a:p>
@@ -1777,7 +1777,7 @@
           <a:p>
             <a:fld id="{FAECF776-F836-4CCD-9497-99E5597B8B5D}" type="datetimeFigureOut">
               <a:rPr lang="en-US" smtClean="0"/>
-              <a:t>12/6/2012</a:t>
+              <a:t>3/27/2013</a:t>
             </a:fld>
             <a:endParaRPr lang="en-US"/>
           </a:p>
@@ -1895,7 +1895,7 @@
           <a:p>
             <a:fld id="{FAECF776-F836-4CCD-9497-99E5597B8B5D}" type="datetimeFigureOut">
               <a:rPr lang="en-US" smtClean="0"/>
-              <a:t>12/6/2012</a:t>
+              <a:t>3/27/2013</a:t>
             </a:fld>
             <a:endParaRPr lang="en-US"/>
           </a:p>
@@ -1990,7 +1990,7 @@
           <a:p>
             <a:fld id="{FAECF776-F836-4CCD-9497-99E5597B8B5D}" type="datetimeFigureOut">
               <a:rPr lang="en-US" smtClean="0"/>
-              <a:t>12/6/2012</a:t>
+              <a:t>3/27/2013</a:t>
             </a:fld>
             <a:endParaRPr lang="en-US"/>
           </a:p>
@@ -2267,7 +2267,7 @@
           <a:p>
             <a:fld id="{FAECF776-F836-4CCD-9497-99E5597B8B5D}" type="datetimeFigureOut">
               <a:rPr lang="en-US" smtClean="0"/>
-              <a:t>12/6/2012</a:t>
+              <a:t>3/27/2013</a:t>
             </a:fld>
             <a:endParaRPr lang="en-US"/>
           </a:p>
@@ -2520,7 +2520,7 @@
           <a:p>
             <a:fld id="{FAECF776-F836-4CCD-9497-99E5597B8B5D}" type="datetimeFigureOut">
               <a:rPr lang="en-US" smtClean="0"/>
-              <a:t>12/6/2012</a:t>
+              <a:t>3/27/2013</a:t>
             </a:fld>
             <a:endParaRPr lang="en-US"/>
           </a:p>
@@ -2733,7 +2733,7 @@
           <a:p>
             <a:fld id="{FAECF776-F836-4CCD-9497-99E5597B8B5D}" type="datetimeFigureOut">
               <a:rPr lang="en-US" smtClean="0"/>
-              <a:t>12/6/2012</a:t>
+              <a:t>3/27/2013</a:t>
             </a:fld>
             <a:endParaRPr lang="en-US"/>
           </a:p>
@@ -7862,59 +7862,162 @@
       </p:grpSpPr>
       <p:sp>
         <p:nvSpPr>
-          <p:cNvPr id="3" name="Rectangle 2"/>
-          <p:cNvSpPr/>
-          <p:nvPr/>
+          <p:cNvPr id="2" name="Title 1"/>
+          <p:cNvSpPr>
+            <a:spLocks noGrp="1"/>
+          </p:cNvSpPr>
+          <p:nvPr>
+            <p:ph type="title"/>
+          </p:nvPr>
         </p:nvSpPr>
-        <p:spPr>
-          <a:xfrm>
-            <a:off x="251520" y="3136613"/>
-            <a:ext cx="8640960" cy="584775"/>
-          </a:xfrm>
-          <a:prstGeom prst="rect">
-            <a:avLst/>
-          </a:prstGeom>
-        </p:spPr>
+        <p:spPr/>
         <p:txBody>
-          <a:bodyPr wrap="square">
-            <a:spAutoFit/>
-          </a:bodyPr>
+          <a:bodyPr/>
           <a:lstStyle/>
           <a:p>
-            <a:pPr lvl="0" algn="ctr"/>
-            <a:r>
-              <a:rPr lang="en-US" sz="3200" dirty="0">
-                <a:solidFill>
-                  <a:schemeClr val="bg1"/>
-                </a:solidFill>
-              </a:rPr>
-              <a:t>https://github.com/bazile/Training</a:t>
-            </a:r>
-            <a:endParaRPr lang="en-US" sz="3200" dirty="0" smtClean="0">
-              <a:solidFill>
-                <a:schemeClr val="bg1"/>
-              </a:solidFill>
-            </a:endParaRPr>
+            <a:r>
+              <a:rPr lang="ru-RU" dirty="0">
+                <a:solidFill>
+                  <a:schemeClr val="bg1"/>
+                </a:solidFill>
+              </a:rPr>
+              <a:t>Материалы для обучения</a:t>
+            </a:r>
+            <a:endParaRPr lang="en-US" dirty="0">
+              <a:solidFill>
+                <a:schemeClr val="bg1"/>
+              </a:solidFill>
+            </a:endParaRPr>
+          </a:p>
+        </p:txBody>
+      </p:sp>
+      <p:sp>
+        <p:nvSpPr>
+          <p:cNvPr id="3" name="Content Placeholder 2"/>
+          <p:cNvSpPr>
+            <a:spLocks noGrp="1"/>
+          </p:cNvSpPr>
+          <p:nvPr>
+            <p:ph idx="1"/>
+          </p:nvPr>
+        </p:nvSpPr>
+        <p:spPr/>
+        <p:txBody>
+          <a:bodyPr/>
+          <a:lstStyle/>
+          <a:p>
+            <a:r>
+              <a:rPr lang="en-US" dirty="0">
+                <a:solidFill>
+                  <a:schemeClr val="bg1"/>
+                </a:solidFill>
+                <a:hlinkClick r:id="rId3"/>
+              </a:rPr>
+              <a:t>https://</a:t>
+            </a:r>
+            <a:r>
+              <a:rPr lang="en-US" dirty="0" smtClean="0">
+                <a:solidFill>
+                  <a:schemeClr val="bg1"/>
+                </a:solidFill>
+                <a:hlinkClick r:id="rId3"/>
+              </a:rPr>
+              <a:t>github.com/bazile/Training</a:t>
+            </a:r>
+            <a:r>
+              <a:rPr lang="en-US" dirty="0" smtClean="0">
+                <a:solidFill>
+                  <a:schemeClr val="bg1"/>
+                </a:solidFill>
+              </a:rPr>
+              <a:t/>
+            </a:r>
+            <a:br>
+              <a:rPr lang="en-US" dirty="0" smtClean="0">
+                <a:solidFill>
+                  <a:schemeClr val="bg1"/>
+                </a:solidFill>
+              </a:rPr>
+            </a:br>
+            <a:r>
+              <a:rPr lang="ru-RU" dirty="0" smtClean="0">
+                <a:solidFill>
+                  <a:schemeClr val="bg1"/>
+                </a:solidFill>
+              </a:rPr>
+              <a:t>Презентации и примеры кода используемые во время занятия</a:t>
+            </a:r>
+          </a:p>
+          <a:p>
+            <a:endParaRPr lang="ru-RU" dirty="0" smtClean="0">
+              <a:solidFill>
+                <a:schemeClr val="bg1"/>
+              </a:solidFill>
+            </a:endParaRPr>
+          </a:p>
+          <a:p>
+            <a:r>
+              <a:rPr lang="en-US" dirty="0">
+                <a:solidFill>
+                  <a:schemeClr val="bg1"/>
+                </a:solidFill>
+                <a:hlinkClick r:id="rId4"/>
+              </a:rPr>
+              <a:t>http://belhard.nullptr.ru</a:t>
+            </a:r>
+            <a:r>
+              <a:rPr lang="en-US" dirty="0" smtClean="0">
+                <a:solidFill>
+                  <a:schemeClr val="bg1"/>
+                </a:solidFill>
+                <a:hlinkClick r:id="rId4"/>
+              </a:rPr>
+              <a:t>/</a:t>
+            </a:r>
+            <a:r>
+              <a:rPr lang="ru-RU" dirty="0" smtClean="0">
+                <a:solidFill>
+                  <a:schemeClr val="bg1"/>
+                </a:solidFill>
+              </a:rPr>
+              <a:t/>
+            </a:r>
+            <a:br>
+              <a:rPr lang="ru-RU" dirty="0" smtClean="0">
+                <a:solidFill>
+                  <a:schemeClr val="bg1"/>
+                </a:solidFill>
+              </a:rPr>
+            </a:br>
+            <a:r>
+              <a:rPr lang="ru-RU" dirty="0" smtClean="0">
+                <a:solidFill>
+                  <a:schemeClr val="bg1"/>
+                </a:solidFill>
+              </a:rPr>
+              <a:t>Книги, примеры к ним и другие полезные файлы.</a:t>
+            </a:r>
+            <a:endParaRPr lang="ru-RU" dirty="0">
+              <a:solidFill>
+                <a:schemeClr val="bg1"/>
+              </a:solidFill>
+            </a:endParaRPr>
+          </a:p>
+          <a:p>
+            <a:endParaRPr lang="en-US" dirty="0"/>
           </a:p>
         </p:txBody>
       </p:sp>
     </p:spTree>
     <p:extLst>
       <p:ext uri="{BB962C8B-B14F-4D97-AF65-F5344CB8AC3E}">
-        <p14:creationId xmlns:p14="http://schemas.microsoft.com/office/powerpoint/2010/main" val="3442816489"/>
+        <p14:creationId xmlns:p14="http://schemas.microsoft.com/office/powerpoint/2010/main" val="3949559832"/>
       </p:ext>
     </p:extLst>
   </p:cSld>
   <p:clrMapOvr>
     <a:masterClrMapping/>
   </p:clrMapOvr>
-  <p:timing>
-    <p:tnLst>
-      <p:par>
-        <p:cTn id="1" dur="indefinite" restart="never" nodeType="tmRoot"/>
-      </p:par>
-    </p:tnLst>
-  </p:timing>
 </p:sld>
 </file>
 

--- a/Presentation/lesson-05-events.pptx
+++ b/Presentation/lesson-05-events.pptx
@@ -301,7 +301,7 @@
           <a:p>
             <a:fld id="{FAECF776-F836-4CCD-9497-99E5597B8B5D}" type="datetimeFigureOut">
               <a:rPr lang="en-US" smtClean="0"/>
-              <a:t>3/27/2013</a:t>
+              <a:t>4/6/2013</a:t>
             </a:fld>
             <a:endParaRPr lang="en-US"/>
           </a:p>
@@ -471,7 +471,7 @@
           <a:p>
             <a:fld id="{FAECF776-F836-4CCD-9497-99E5597B8B5D}" type="datetimeFigureOut">
               <a:rPr lang="en-US" smtClean="0"/>
-              <a:t>3/27/2013</a:t>
+              <a:t>4/6/2013</a:t>
             </a:fld>
             <a:endParaRPr lang="en-US"/>
           </a:p>
@@ -651,7 +651,7 @@
           <a:p>
             <a:fld id="{FAECF776-F836-4CCD-9497-99E5597B8B5D}" type="datetimeFigureOut">
               <a:rPr lang="en-US" smtClean="0"/>
-              <a:t>3/27/2013</a:t>
+              <a:t>4/6/2013</a:t>
             </a:fld>
             <a:endParaRPr lang="en-US"/>
           </a:p>
@@ -821,7 +821,7 @@
           <a:p>
             <a:fld id="{FAECF776-F836-4CCD-9497-99E5597B8B5D}" type="datetimeFigureOut">
               <a:rPr lang="en-US" smtClean="0"/>
-              <a:t>3/27/2013</a:t>
+              <a:t>4/6/2013</a:t>
             </a:fld>
             <a:endParaRPr lang="en-US"/>
           </a:p>
@@ -1067,7 +1067,7 @@
           <a:p>
             <a:fld id="{FAECF776-F836-4CCD-9497-99E5597B8B5D}" type="datetimeFigureOut">
               <a:rPr lang="en-US" smtClean="0"/>
-              <a:t>3/27/2013</a:t>
+              <a:t>4/6/2013</a:t>
             </a:fld>
             <a:endParaRPr lang="en-US"/>
           </a:p>
@@ -1355,7 +1355,7 @@
           <a:p>
             <a:fld id="{FAECF776-F836-4CCD-9497-99E5597B8B5D}" type="datetimeFigureOut">
               <a:rPr lang="en-US" smtClean="0"/>
-              <a:t>3/27/2013</a:t>
+              <a:t>4/6/2013</a:t>
             </a:fld>
             <a:endParaRPr lang="en-US"/>
           </a:p>
@@ -1777,7 +1777,7 @@
           <a:p>
             <a:fld id="{FAECF776-F836-4CCD-9497-99E5597B8B5D}" type="datetimeFigureOut">
               <a:rPr lang="en-US" smtClean="0"/>
-              <a:t>3/27/2013</a:t>
+              <a:t>4/6/2013</a:t>
             </a:fld>
             <a:endParaRPr lang="en-US"/>
           </a:p>
@@ -1895,7 +1895,7 @@
           <a:p>
             <a:fld id="{FAECF776-F836-4CCD-9497-99E5597B8B5D}" type="datetimeFigureOut">
               <a:rPr lang="en-US" smtClean="0"/>
-              <a:t>3/27/2013</a:t>
+              <a:t>4/6/2013</a:t>
             </a:fld>
             <a:endParaRPr lang="en-US"/>
           </a:p>
@@ -1990,7 +1990,7 @@
           <a:p>
             <a:fld id="{FAECF776-F836-4CCD-9497-99E5597B8B5D}" type="datetimeFigureOut">
               <a:rPr lang="en-US" smtClean="0"/>
-              <a:t>3/27/2013</a:t>
+              <a:t>4/6/2013</a:t>
             </a:fld>
             <a:endParaRPr lang="en-US"/>
           </a:p>
@@ -2267,7 +2267,7 @@
           <a:p>
             <a:fld id="{FAECF776-F836-4CCD-9497-99E5597B8B5D}" type="datetimeFigureOut">
               <a:rPr lang="en-US" smtClean="0"/>
-              <a:t>3/27/2013</a:t>
+              <a:t>4/6/2013</a:t>
             </a:fld>
             <a:endParaRPr lang="en-US"/>
           </a:p>
@@ -2520,7 +2520,7 @@
           <a:p>
             <a:fld id="{FAECF776-F836-4CCD-9497-99E5597B8B5D}" type="datetimeFigureOut">
               <a:rPr lang="en-US" smtClean="0"/>
-              <a:t>3/27/2013</a:t>
+              <a:t>4/6/2013</a:t>
             </a:fld>
             <a:endParaRPr lang="en-US"/>
           </a:p>
@@ -2733,7 +2733,7 @@
           <a:p>
             <a:fld id="{FAECF776-F836-4CCD-9497-99E5597B8B5D}" type="datetimeFigureOut">
               <a:rPr lang="en-US" smtClean="0"/>
-              <a:t>3/27/2013</a:t>
+              <a:t>4/6/2013</a:t>
             </a:fld>
             <a:endParaRPr lang="en-US"/>
           </a:p>
@@ -4183,6 +4183,17 @@
               <a:defRPr/>
             </a:pPr>
             <a:r>
+              <a:rPr lang="en-US" sz="1000" dirty="0" smtClean="0">
+                <a:solidFill>
+                  <a:schemeClr val="bg1"/>
+                </a:solidFill>
+                <a:latin typeface="Courier New" pitchFamily="49" charset="0"/>
+                <a:ea typeface="Calibri" pitchFamily="34" charset="0"/>
+                <a:cs typeface="Courier New" pitchFamily="49" charset="0"/>
+              </a:rPr>
+              <a:t>            _</a:t>
+            </a:r>
+            <a:r>
               <a:rPr lang="en-US" sz="1000" dirty="0">
                 <a:solidFill>
                   <a:schemeClr val="bg1"/>
@@ -4191,7 +4202,18 @@
                 <a:ea typeface="Calibri" pitchFamily="34" charset="0"/>
                 <a:cs typeface="Courier New" pitchFamily="49" charset="0"/>
               </a:rPr>
-              <a:t>			_speed += 20;</a:t>
+              <a:t>speed += </a:t>
+            </a:r>
+            <a:r>
+              <a:rPr lang="en-US" sz="1000" dirty="0" smtClean="0">
+                <a:solidFill>
+                  <a:schemeClr val="bg1"/>
+                </a:solidFill>
+                <a:latin typeface="Courier New" pitchFamily="49" charset="0"/>
+                <a:ea typeface="Calibri" pitchFamily="34" charset="0"/>
+                <a:cs typeface="Courier New" pitchFamily="49" charset="0"/>
+              </a:rPr>
+              <a:t>20;</a:t>
             </a:r>
           </a:p>
           <a:p>
@@ -4207,7 +4229,88 @@
                 <a:ea typeface="Calibri" pitchFamily="34" charset="0"/>
                 <a:cs typeface="Courier New" pitchFamily="49" charset="0"/>
               </a:rPr>
-              <a:t>			</a:t>
+              <a:t> </a:t>
+            </a:r>
+            <a:r>
+              <a:rPr lang="en-US" sz="1000" dirty="0" smtClean="0">
+                <a:solidFill>
+                  <a:schemeClr val="bg1"/>
+                </a:solidFill>
+                <a:latin typeface="Courier New" pitchFamily="49" charset="0"/>
+                <a:ea typeface="Calibri" pitchFamily="34" charset="0"/>
+                <a:cs typeface="Courier New" pitchFamily="49" charset="0"/>
+              </a:rPr>
+              <a:t>           </a:t>
+            </a:r>
+            <a:r>
+              <a:rPr lang="en-US" sz="1000" dirty="0" err="1" smtClean="0">
+                <a:solidFill>
+                  <a:schemeClr val="bg1"/>
+                </a:solidFill>
+                <a:latin typeface="Courier New" pitchFamily="49" charset="0"/>
+                <a:ea typeface="Calibri" pitchFamily="34" charset="0"/>
+                <a:cs typeface="Courier New" pitchFamily="49" charset="0"/>
+              </a:rPr>
+              <a:t>Console.WriteLine</a:t>
+            </a:r>
+            <a:r>
+              <a:rPr lang="en-US" sz="1000" dirty="0">
+                <a:solidFill>
+                  <a:schemeClr val="bg1"/>
+                </a:solidFill>
+                <a:latin typeface="Courier New" pitchFamily="49" charset="0"/>
+                <a:ea typeface="Calibri" pitchFamily="34" charset="0"/>
+                <a:cs typeface="Courier New" pitchFamily="49" charset="0"/>
+              </a:rPr>
+              <a:t>("Speed = {0}", _speed);</a:t>
+            </a:r>
+          </a:p>
+          <a:p>
+            <a:pPr eaLnBrk="0" hangingPunct="0">
+              <a:defRPr/>
+            </a:pPr>
+            <a:r>
+              <a:rPr lang="en-US" sz="1000" dirty="0">
+                <a:solidFill>
+                  <a:schemeClr val="bg1"/>
+                </a:solidFill>
+                <a:latin typeface="Courier New" pitchFamily="49" charset="0"/>
+                <a:ea typeface="Calibri" pitchFamily="34" charset="0"/>
+                <a:cs typeface="Courier New" pitchFamily="49" charset="0"/>
+              </a:rPr>
+              <a:t>            if (_speed &gt; 200)</a:t>
+            </a:r>
+          </a:p>
+          <a:p>
+            <a:pPr eaLnBrk="0" hangingPunct="0">
+              <a:defRPr/>
+            </a:pPr>
+            <a:r>
+              <a:rPr lang="en-US" sz="1000" dirty="0">
+                <a:solidFill>
+                  <a:schemeClr val="bg1"/>
+                </a:solidFill>
+                <a:latin typeface="Courier New" pitchFamily="49" charset="0"/>
+                <a:ea typeface="Calibri" pitchFamily="34" charset="0"/>
+                <a:cs typeface="Courier New" pitchFamily="49" charset="0"/>
+              </a:rPr>
+              <a:t>            {</a:t>
+            </a:r>
+          </a:p>
+          <a:p>
+            <a:pPr eaLnBrk="0" hangingPunct="0">
+              <a:defRPr/>
+            </a:pPr>
+            <a:r>
+              <a:rPr lang="en-US" sz="1000" dirty="0">
+                <a:solidFill>
+                  <a:schemeClr val="bg1"/>
+                </a:solidFill>
+                <a:latin typeface="Courier New" pitchFamily="49" charset="0"/>
+                <a:ea typeface="Calibri" pitchFamily="34" charset="0"/>
+                <a:cs typeface="Courier New" pitchFamily="49" charset="0"/>
+              </a:rPr>
+              <a:t>                </a:t>
             </a:r>
             <a:r>
               <a:rPr lang="en-US" sz="1000" dirty="0" err="1">
@@ -4218,7 +4321,7 @@
                 <a:ea typeface="Calibri" pitchFamily="34" charset="0"/>
                 <a:cs typeface="Courier New" pitchFamily="49" charset="0"/>
               </a:rPr>
-              <a:t>Console.WriteLine</a:t>
+              <a:t>Console.Write</a:t>
             </a:r>
             <a:r>
               <a:rPr lang="en-US" sz="1000" dirty="0">
@@ -4229,13 +4332,24 @@
                 <a:ea typeface="Calibri" pitchFamily="34" charset="0"/>
                 <a:cs typeface="Courier New" pitchFamily="49" charset="0"/>
               </a:rPr>
-              <a:t>("Speed = {0}", _speed);</a:t>
-            </a:r>
-          </a:p>
-          <a:p>
-            <a:pPr eaLnBrk="0" hangingPunct="0">
-              <a:defRPr/>
-            </a:pPr>
+              <a:t>("Engine explode...");</a:t>
+            </a:r>
+          </a:p>
+          <a:p>
+            <a:pPr eaLnBrk="0" hangingPunct="0">
+              <a:defRPr/>
+            </a:pPr>
+            <a:r>
+              <a:rPr lang="en-US" sz="1000" dirty="0" smtClean="0">
+                <a:solidFill>
+                  <a:schemeClr val="bg1"/>
+                </a:solidFill>
+                <a:latin typeface="Courier New" pitchFamily="49" charset="0"/>
+                <a:ea typeface="Calibri" pitchFamily="34" charset="0"/>
+                <a:cs typeface="Courier New" pitchFamily="49" charset="0"/>
+              </a:rPr>
+              <a:t>                if </a:t>
+            </a:r>
             <a:r>
               <a:rPr lang="en-US" sz="1000" dirty="0">
                 <a:solidFill>
@@ -4245,7 +4359,7 @@
                 <a:ea typeface="Calibri" pitchFamily="34" charset="0"/>
                 <a:cs typeface="Courier New" pitchFamily="49" charset="0"/>
               </a:rPr>
-              <a:t>            if (_speed &gt; 200)</a:t>
+              <a:t>(Explode != null)</a:t>
             </a:r>
           </a:p>
           <a:p>
@@ -4261,13 +4375,24 @@
                 <a:ea typeface="Calibri" pitchFamily="34" charset="0"/>
                 <a:cs typeface="Courier New" pitchFamily="49" charset="0"/>
               </a:rPr>
-              <a:t>            {</a:t>
-            </a:r>
-          </a:p>
-          <a:p>
-            <a:pPr eaLnBrk="0" hangingPunct="0">
-              <a:defRPr/>
-            </a:pPr>
+              <a:t>                {</a:t>
+            </a:r>
+          </a:p>
+          <a:p>
+            <a:pPr eaLnBrk="0" hangingPunct="0">
+              <a:defRPr/>
+            </a:pPr>
+            <a:r>
+              <a:rPr lang="en-US" sz="1000" dirty="0" smtClean="0">
+                <a:solidFill>
+                  <a:schemeClr val="bg1"/>
+                </a:solidFill>
+                <a:latin typeface="Courier New" pitchFamily="49" charset="0"/>
+                <a:ea typeface="Calibri" pitchFamily="34" charset="0"/>
+                <a:cs typeface="Courier New" pitchFamily="49" charset="0"/>
+              </a:rPr>
+              <a:t>                    Explode</a:t>
+            </a:r>
             <a:r>
               <a:rPr lang="en-US" sz="1000" dirty="0">
                 <a:solidFill>
@@ -4277,105 +4402,54 @@
                 <a:ea typeface="Calibri" pitchFamily="34" charset="0"/>
                 <a:cs typeface="Courier New" pitchFamily="49" charset="0"/>
               </a:rPr>
+              <a:t>(); /</a:t>
+            </a:r>
+            <a:r>
+              <a:rPr lang="be-BY" sz="1000" dirty="0">
+                <a:solidFill>
+                  <a:schemeClr val="bg1"/>
+                </a:solidFill>
+                <a:latin typeface="Courier New" pitchFamily="49" charset="0"/>
+                <a:ea typeface="Calibri" pitchFamily="34" charset="0"/>
+                <a:cs typeface="Courier New" pitchFamily="49" charset="0"/>
+              </a:rPr>
+              <a:t>Шаг 3. Вызов (генерация) события</a:t>
+            </a:r>
+          </a:p>
+          <a:p>
+            <a:pPr eaLnBrk="0" hangingPunct="0">
+              <a:defRPr/>
+            </a:pPr>
+            <a:r>
+              <a:rPr lang="en-US" sz="1000" dirty="0" smtClean="0">
+                <a:solidFill>
+                  <a:schemeClr val="bg1"/>
+                </a:solidFill>
+                <a:latin typeface="Courier New" pitchFamily="49" charset="0"/>
+                <a:ea typeface="Calibri" pitchFamily="34" charset="0"/>
+                <a:cs typeface="Courier New" pitchFamily="49" charset="0"/>
+              </a:rPr>
               <a:t>                </a:t>
             </a:r>
             <a:r>
-              <a:rPr lang="en-US" sz="1000" dirty="0" err="1">
-                <a:solidFill>
-                  <a:schemeClr val="bg1"/>
-                </a:solidFill>
-                <a:latin typeface="Courier New" pitchFamily="49" charset="0"/>
-                <a:ea typeface="Calibri" pitchFamily="34" charset="0"/>
-                <a:cs typeface="Courier New" pitchFamily="49" charset="0"/>
-              </a:rPr>
-              <a:t>Console.Write</a:t>
-            </a:r>
-            <a:r>
-              <a:rPr lang="en-US" sz="1000" dirty="0">
-                <a:solidFill>
-                  <a:schemeClr val="bg1"/>
-                </a:solidFill>
-                <a:latin typeface="Courier New" pitchFamily="49" charset="0"/>
-                <a:ea typeface="Calibri" pitchFamily="34" charset="0"/>
-                <a:cs typeface="Courier New" pitchFamily="49" charset="0"/>
-              </a:rPr>
-              <a:t>("Engine explode...");</a:t>
-            </a:r>
-          </a:p>
-          <a:p>
-            <a:pPr eaLnBrk="0" hangingPunct="0">
-              <a:defRPr/>
-            </a:pPr>
-            <a:r>
-              <a:rPr lang="en-US" sz="1000" dirty="0">
-                <a:solidFill>
-                  <a:schemeClr val="bg1"/>
-                </a:solidFill>
-                <a:latin typeface="Courier New" pitchFamily="49" charset="0"/>
-                <a:ea typeface="Calibri" pitchFamily="34" charset="0"/>
-                <a:cs typeface="Courier New" pitchFamily="49" charset="0"/>
-              </a:rPr>
-              <a:t>				if (Explode != null)</a:t>
-            </a:r>
-          </a:p>
-          <a:p>
-            <a:pPr eaLnBrk="0" hangingPunct="0">
-              <a:defRPr/>
-            </a:pPr>
-            <a:r>
-              <a:rPr lang="en-US" sz="1000" dirty="0">
-                <a:solidFill>
-                  <a:schemeClr val="bg1"/>
-                </a:solidFill>
-                <a:latin typeface="Courier New" pitchFamily="49" charset="0"/>
-                <a:ea typeface="Calibri" pitchFamily="34" charset="0"/>
-                <a:cs typeface="Courier New" pitchFamily="49" charset="0"/>
-              </a:rPr>
-              <a:t>                {</a:t>
-            </a:r>
-          </a:p>
-          <a:p>
-            <a:pPr eaLnBrk="0" hangingPunct="0">
-              <a:defRPr/>
-            </a:pPr>
-            <a:r>
-              <a:rPr lang="en-US" sz="1000" dirty="0">
-                <a:solidFill>
-                  <a:schemeClr val="bg1"/>
-                </a:solidFill>
-                <a:latin typeface="Courier New" pitchFamily="49" charset="0"/>
-                <a:ea typeface="Calibri" pitchFamily="34" charset="0"/>
-                <a:cs typeface="Courier New" pitchFamily="49" charset="0"/>
-              </a:rPr>
-              <a:t>					Explode(); /</a:t>
-            </a:r>
-            <a:r>
-              <a:rPr lang="be-BY" sz="1000" dirty="0">
-                <a:solidFill>
-                  <a:schemeClr val="bg1"/>
-                </a:solidFill>
-                <a:latin typeface="Courier New" pitchFamily="49" charset="0"/>
-                <a:ea typeface="Calibri" pitchFamily="34" charset="0"/>
-                <a:cs typeface="Courier New" pitchFamily="49" charset="0"/>
-              </a:rPr>
-              <a:t>Шаг 3. Вызов (генерация) события</a:t>
-            </a:r>
-          </a:p>
-          <a:p>
-            <a:pPr eaLnBrk="0" hangingPunct="0">
-              <a:defRPr/>
-            </a:pPr>
-            <a:r>
-              <a:rPr lang="be-BY" sz="1000" dirty="0">
-                <a:solidFill>
-                  <a:schemeClr val="bg1"/>
-                </a:solidFill>
-                <a:latin typeface="Courier New" pitchFamily="49" charset="0"/>
-                <a:ea typeface="Calibri" pitchFamily="34" charset="0"/>
-                <a:cs typeface="Courier New" pitchFamily="49" charset="0"/>
-              </a:rPr>
-              <a:t>				}</a:t>
-            </a:r>
+              <a:rPr lang="be-BY" sz="1000" dirty="0" smtClean="0">
+                <a:solidFill>
+                  <a:schemeClr val="bg1"/>
+                </a:solidFill>
+                <a:latin typeface="Courier New" pitchFamily="49" charset="0"/>
+                <a:ea typeface="Calibri" pitchFamily="34" charset="0"/>
+                <a:cs typeface="Courier New" pitchFamily="49" charset="0"/>
+              </a:rPr>
+              <a:t>}</a:t>
+            </a:r>
+            <a:endParaRPr lang="be-BY" sz="1000" dirty="0">
+              <a:solidFill>
+                <a:schemeClr val="bg1"/>
+              </a:solidFill>
+              <a:latin typeface="Courier New" pitchFamily="49" charset="0"/>
+              <a:ea typeface="Calibri" pitchFamily="34" charset="0"/>
+              <a:cs typeface="Courier New" pitchFamily="49" charset="0"/>
+            </a:endParaRPr>
           </a:p>
           <a:p>
             <a:pPr eaLnBrk="0" hangingPunct="0">
@@ -12566,14 +12640,30 @@
           <a:p>
             <a:pPr eaLnBrk="1" hangingPunct="1"/>
             <a:r>
-              <a:rPr lang="ru-RU" sz="1600"/>
-              <a:t>	Для шаблонных делегатов также модно использовать сокращенную запись</a:t>
-            </a:r>
-            <a:r>
-              <a:rPr lang="en-US" sz="1600"/>
+              <a:rPr lang="ru-RU" sz="1600" dirty="0"/>
+              <a:t>	Для шаблонных делегатов также </a:t>
+            </a:r>
+            <a:r>
+              <a:rPr lang="ru-RU" sz="1600" dirty="0" smtClean="0"/>
+              <a:t>мо</a:t>
+            </a:r>
+            <a:r>
+              <a:rPr lang="ru-RU" sz="1600" dirty="0"/>
+              <a:t>ж</a:t>
+            </a:r>
+            <a:r>
+              <a:rPr lang="ru-RU" sz="1600" dirty="0" smtClean="0"/>
+              <a:t>но </a:t>
+            </a:r>
+            <a:r>
+              <a:rPr lang="ru-RU" sz="1600" dirty="0"/>
+              <a:t>использовать сокращенную запись</a:t>
+            </a:r>
+            <a:r>
+              <a:rPr lang="en-US" sz="1600" dirty="0"/>
               <a:t>:</a:t>
             </a:r>
-            <a:endParaRPr lang="be-BY" sz="1600">
+            <a:endParaRPr lang="be-BY" sz="1600" dirty="0">
               <a:solidFill>
                 <a:srgbClr val="008080"/>
               </a:solidFill>

--- a/Presentation/lesson-05-events.pptx
+++ b/Presentation/lesson-05-events.pptx
@@ -301,7 +301,7 @@
           <a:p>
             <a:fld id="{FAECF776-F836-4CCD-9497-99E5597B8B5D}" type="datetimeFigureOut">
               <a:rPr lang="en-US" smtClean="0"/>
-              <a:t>4/6/2013</a:t>
+              <a:t>10/4/2013</a:t>
             </a:fld>
             <a:endParaRPr lang="en-US"/>
           </a:p>
@@ -471,7 +471,7 @@
           <a:p>
             <a:fld id="{FAECF776-F836-4CCD-9497-99E5597B8B5D}" type="datetimeFigureOut">
               <a:rPr lang="en-US" smtClean="0"/>
-              <a:t>4/6/2013</a:t>
+              <a:t>10/4/2013</a:t>
             </a:fld>
             <a:endParaRPr lang="en-US"/>
           </a:p>
@@ -651,7 +651,7 @@
           <a:p>
             <a:fld id="{FAECF776-F836-4CCD-9497-99E5597B8B5D}" type="datetimeFigureOut">
               <a:rPr lang="en-US" smtClean="0"/>
-              <a:t>4/6/2013</a:t>
+              <a:t>10/4/2013</a:t>
             </a:fld>
             <a:endParaRPr lang="en-US"/>
           </a:p>
@@ -821,7 +821,7 @@
           <a:p>
             <a:fld id="{FAECF776-F836-4CCD-9497-99E5597B8B5D}" type="datetimeFigureOut">
               <a:rPr lang="en-US" smtClean="0"/>
-              <a:t>4/6/2013</a:t>
+              <a:t>10/4/2013</a:t>
             </a:fld>
             <a:endParaRPr lang="en-US"/>
           </a:p>
@@ -1067,7 +1067,7 @@
           <a:p>
             <a:fld id="{FAECF776-F836-4CCD-9497-99E5597B8B5D}" type="datetimeFigureOut">
               <a:rPr lang="en-US" smtClean="0"/>
-              <a:t>4/6/2013</a:t>
+              <a:t>10/4/2013</a:t>
             </a:fld>
             <a:endParaRPr lang="en-US"/>
           </a:p>
@@ -1355,7 +1355,7 @@
           <a:p>
             <a:fld id="{FAECF776-F836-4CCD-9497-99E5597B8B5D}" type="datetimeFigureOut">
               <a:rPr lang="en-US" smtClean="0"/>
-              <a:t>4/6/2013</a:t>
+              <a:t>10/4/2013</a:t>
             </a:fld>
             <a:endParaRPr lang="en-US"/>
           </a:p>
@@ -1777,7 +1777,7 @@
           <a:p>
             <a:fld id="{FAECF776-F836-4CCD-9497-99E5597B8B5D}" type="datetimeFigureOut">
               <a:rPr lang="en-US" smtClean="0"/>
-              <a:t>4/6/2013</a:t>
+              <a:t>10/4/2013</a:t>
             </a:fld>
             <a:endParaRPr lang="en-US"/>
           </a:p>
@@ -1895,7 +1895,7 @@
           <a:p>
             <a:fld id="{FAECF776-F836-4CCD-9497-99E5597B8B5D}" type="datetimeFigureOut">
               <a:rPr lang="en-US" smtClean="0"/>
-              <a:t>4/6/2013</a:t>
+              <a:t>10/4/2013</a:t>
             </a:fld>
             <a:endParaRPr lang="en-US"/>
           </a:p>
@@ -1990,7 +1990,7 @@
           <a:p>
             <a:fld id="{FAECF776-F836-4CCD-9497-99E5597B8B5D}" type="datetimeFigureOut">
               <a:rPr lang="en-US" smtClean="0"/>
-              <a:t>4/6/2013</a:t>
+              <a:t>10/4/2013</a:t>
             </a:fld>
             <a:endParaRPr lang="en-US"/>
           </a:p>
@@ -2267,7 +2267,7 @@
           <a:p>
             <a:fld id="{FAECF776-F836-4CCD-9497-99E5597B8B5D}" type="datetimeFigureOut">
               <a:rPr lang="en-US" smtClean="0"/>
-              <a:t>4/6/2013</a:t>
+              <a:t>10/4/2013</a:t>
             </a:fld>
             <a:endParaRPr lang="en-US"/>
           </a:p>
@@ -2520,7 +2520,7 @@
           <a:p>
             <a:fld id="{FAECF776-F836-4CCD-9497-99E5597B8B5D}" type="datetimeFigureOut">
               <a:rPr lang="en-US" smtClean="0"/>
-              <a:t>4/6/2013</a:t>
+              <a:t>10/4/2013</a:t>
             </a:fld>
             <a:endParaRPr lang="en-US"/>
           </a:p>
@@ -2733,7 +2733,7 @@
           <a:p>
             <a:fld id="{FAECF776-F836-4CCD-9497-99E5597B8B5D}" type="datetimeFigureOut">
               <a:rPr lang="en-US" smtClean="0"/>
-              <a:t>4/6/2013</a:t>
+              <a:t>10/4/2013</a:t>
             </a:fld>
             <a:endParaRPr lang="en-US"/>
           </a:p>
@@ -7613,15 +7613,9 @@
   <p:cSld>
     <p:bg>
       <p:bgPr>
-        <a:blipFill dpi="0" rotWithShape="1">
-          <a:blip r:embed="rId2">
-            <a:lum/>
-          </a:blip>
-          <a:srcRect/>
-          <a:stretch>
-            <a:fillRect/>
-          </a:stretch>
-        </a:blipFill>
+        <a:solidFill>
+          <a:srgbClr val="6600CC"/>
+        </a:solidFill>
         <a:effectLst/>
       </p:bgPr>
     </p:bg>
@@ -7688,7 +7682,7 @@
             <a:pPr algn="ctr"/>
             <a:r>
               <a:rPr lang="ru-RU" sz="2400" b="1" dirty="0" smtClean="0"/>
-              <a:t>Практика</a:t>
+              <a:t>Домашнее задание</a:t>
             </a:r>
             <a:endParaRPr lang="ru-RU" sz="2400" b="1" dirty="0"/>
           </a:p>
@@ -7705,7 +7699,7 @@
         <p:spPr bwMode="auto">
           <a:xfrm>
             <a:off x="152400" y="620688"/>
-            <a:ext cx="8839200" cy="369332"/>
+            <a:ext cx="8839200" cy="923330"/>
           </a:xfrm>
           <a:prstGeom prst="rect">
             <a:avLst/>
@@ -7866,20 +7860,41 @@
               <a:rPr lang="en-US" i="1" dirty="0" smtClean="0">
                 <a:cs typeface="Arial" charset="0"/>
               </a:rPr>
-              <a:t>”</a:t>
-            </a:r>
+              <a:t>”.</a:t>
+            </a:r>
+            <a:endParaRPr lang="ru-RU" i="1" dirty="0" smtClean="0">
+              <a:cs typeface="Arial" charset="0"/>
+            </a:endParaRPr>
+          </a:p>
+          <a:p>
+            <a:pPr eaLnBrk="1" hangingPunct="1"/>
+            <a:endParaRPr lang="ru-RU" i="1" dirty="0">
+              <a:cs typeface="Arial" charset="0"/>
+            </a:endParaRPr>
+          </a:p>
+          <a:p>
+            <a:pPr eaLnBrk="1" hangingPunct="1"/>
             <a:r>
               <a:rPr lang="ru-RU" i="1" dirty="0" smtClean="0">
                 <a:cs typeface="Arial" charset="0"/>
               </a:rPr>
-              <a:t> - </a:t>
-            </a:r>
-            <a:r>
-              <a:rPr lang="en-US" i="1" dirty="0">
+              <a:t>Смотрите текст задания</a:t>
+            </a:r>
+            <a:r>
+              <a:rPr lang="ru-RU" i="1" dirty="0" smtClean="0">
                 <a:cs typeface="Arial" charset="0"/>
               </a:rPr>
-              <a:t>task-gui-seconds-counter.docx</a:t>
-            </a:r>
+              <a:t> в файле </a:t>
+            </a:r>
+            <a:r>
+              <a:rPr lang="en-US" i="1" dirty="0" smtClean="0">
+                <a:cs typeface="Arial" charset="0"/>
+              </a:rPr>
+              <a:t>gui-seconds-counter.docx</a:t>
+            </a:r>
+            <a:endParaRPr lang="en-US" i="1" dirty="0">
+              <a:cs typeface="Arial" charset="0"/>
+            </a:endParaRPr>
           </a:p>
         </p:txBody>
       </p:sp>

--- a/Presentation/lesson-05-events.pptx
+++ b/Presentation/lesson-05-events.pptx
@@ -18,7 +18,8 @@
     <p:sldId id="281" r:id="rId12"/>
     <p:sldId id="282" r:id="rId13"/>
     <p:sldId id="283" r:id="rId14"/>
-    <p:sldId id="284" r:id="rId15"/>
+    <p:sldId id="286" r:id="rId15"/>
+    <p:sldId id="284" r:id="rId16"/>
   </p:sldIdLst>
   <p:sldSz cx="9144000" cy="6858000" type="screen4x3"/>
   <p:notesSz cx="6858000" cy="9144000"/>
@@ -301,7 +302,7 @@
           <a:p>
             <a:fld id="{FAECF776-F836-4CCD-9497-99E5597B8B5D}" type="datetimeFigureOut">
               <a:rPr lang="en-US" smtClean="0"/>
-              <a:t>10/4/2013</a:t>
+              <a:t>10/18/2013</a:t>
             </a:fld>
             <a:endParaRPr lang="en-US"/>
           </a:p>
@@ -471,7 +472,7 @@
           <a:p>
             <a:fld id="{FAECF776-F836-4CCD-9497-99E5597B8B5D}" type="datetimeFigureOut">
               <a:rPr lang="en-US" smtClean="0"/>
-              <a:t>10/4/2013</a:t>
+              <a:t>10/18/2013</a:t>
             </a:fld>
             <a:endParaRPr lang="en-US"/>
           </a:p>
@@ -651,7 +652,7 @@
           <a:p>
             <a:fld id="{FAECF776-F836-4CCD-9497-99E5597B8B5D}" type="datetimeFigureOut">
               <a:rPr lang="en-US" smtClean="0"/>
-              <a:t>10/4/2013</a:t>
+              <a:t>10/18/2013</a:t>
             </a:fld>
             <a:endParaRPr lang="en-US"/>
           </a:p>
@@ -821,7 +822,7 @@
           <a:p>
             <a:fld id="{FAECF776-F836-4CCD-9497-99E5597B8B5D}" type="datetimeFigureOut">
               <a:rPr lang="en-US" smtClean="0"/>
-              <a:t>10/4/2013</a:t>
+              <a:t>10/18/2013</a:t>
             </a:fld>
             <a:endParaRPr lang="en-US"/>
           </a:p>
@@ -1067,7 +1068,7 @@
           <a:p>
             <a:fld id="{FAECF776-F836-4CCD-9497-99E5597B8B5D}" type="datetimeFigureOut">
               <a:rPr lang="en-US" smtClean="0"/>
-              <a:t>10/4/2013</a:t>
+              <a:t>10/18/2013</a:t>
             </a:fld>
             <a:endParaRPr lang="en-US"/>
           </a:p>
@@ -1355,7 +1356,7 @@
           <a:p>
             <a:fld id="{FAECF776-F836-4CCD-9497-99E5597B8B5D}" type="datetimeFigureOut">
               <a:rPr lang="en-US" smtClean="0"/>
-              <a:t>10/4/2013</a:t>
+              <a:t>10/18/2013</a:t>
             </a:fld>
             <a:endParaRPr lang="en-US"/>
           </a:p>
@@ -1777,7 +1778,7 @@
           <a:p>
             <a:fld id="{FAECF776-F836-4CCD-9497-99E5597B8B5D}" type="datetimeFigureOut">
               <a:rPr lang="en-US" smtClean="0"/>
-              <a:t>10/4/2013</a:t>
+              <a:t>10/18/2013</a:t>
             </a:fld>
             <a:endParaRPr lang="en-US"/>
           </a:p>
@@ -1895,7 +1896,7 @@
           <a:p>
             <a:fld id="{FAECF776-F836-4CCD-9497-99E5597B8B5D}" type="datetimeFigureOut">
               <a:rPr lang="en-US" smtClean="0"/>
-              <a:t>10/4/2013</a:t>
+              <a:t>10/18/2013</a:t>
             </a:fld>
             <a:endParaRPr lang="en-US"/>
           </a:p>
@@ -1990,7 +1991,7 @@
           <a:p>
             <a:fld id="{FAECF776-F836-4CCD-9497-99E5597B8B5D}" type="datetimeFigureOut">
               <a:rPr lang="en-US" smtClean="0"/>
-              <a:t>10/4/2013</a:t>
+              <a:t>10/18/2013</a:t>
             </a:fld>
             <a:endParaRPr lang="en-US"/>
           </a:p>
@@ -2267,7 +2268,7 @@
           <a:p>
             <a:fld id="{FAECF776-F836-4CCD-9497-99E5597B8B5D}" type="datetimeFigureOut">
               <a:rPr lang="en-US" smtClean="0"/>
-              <a:t>10/4/2013</a:t>
+              <a:t>10/18/2013</a:t>
             </a:fld>
             <a:endParaRPr lang="en-US"/>
           </a:p>
@@ -2520,7 +2521,7 @@
           <a:p>
             <a:fld id="{FAECF776-F836-4CCD-9497-99E5597B8B5D}" type="datetimeFigureOut">
               <a:rPr lang="en-US" smtClean="0"/>
-              <a:t>10/4/2013</a:t>
+              <a:t>10/18/2013</a:t>
             </a:fld>
             <a:endParaRPr lang="en-US"/>
           </a:p>
@@ -2733,7 +2734,7 @@
           <a:p>
             <a:fld id="{FAECF776-F836-4CCD-9497-99E5597B8B5D}" type="datetimeFigureOut">
               <a:rPr lang="en-US" smtClean="0"/>
-              <a:t>10/4/2013</a:t>
+              <a:t>10/18/2013</a:t>
             </a:fld>
             <a:endParaRPr lang="en-US"/>
           </a:p>
@@ -5490,8 +5491,8 @@
         </p:nvSpPr>
         <p:spPr bwMode="auto">
           <a:xfrm>
-            <a:off x="2133600" y="0"/>
-            <a:ext cx="5105400" cy="461963"/>
+            <a:off x="228600" y="0"/>
+            <a:ext cx="8686800" cy="830997"/>
           </a:xfrm>
           <a:prstGeom prst="rect">
             <a:avLst/>
@@ -5521,16 +5522,45 @@
           </a:extLst>
         </p:spPr>
         <p:txBody>
-          <a:bodyPr>
+          <a:bodyPr wrap="square">
             <a:spAutoFit/>
           </a:bodyPr>
           <a:lstStyle/>
           <a:p>
             <a:pPr algn="ctr"/>
             <a:r>
-              <a:rPr lang="ru-RU" sz="2400" b="1"/>
-              <a:t>События.</a:t>
-            </a:r>
+              <a:rPr lang="ru-RU" sz="2400" b="1" dirty="0" smtClean="0"/>
+              <a:t>Делегаты </a:t>
+            </a:r>
+            <a:r>
+              <a:rPr lang="en-US" sz="2400" b="1" dirty="0" err="1" smtClean="0"/>
+              <a:t>System.EventHandler</a:t>
+            </a:r>
+            <a:r>
+              <a:rPr lang="en-US" sz="2400" b="1" dirty="0" smtClean="0"/>
+              <a:t> </a:t>
+            </a:r>
+            <a:r>
+              <a:rPr lang="ru-RU" sz="2400" b="1" dirty="0" smtClean="0"/>
+              <a:t>и </a:t>
+            </a:r>
+            <a:r>
+              <a:rPr lang="en-US" sz="2400" b="1" dirty="0" err="1" smtClean="0"/>
+              <a:t>System.EventHandler</a:t>
+            </a:r>
+            <a:r>
+              <a:rPr lang="en-US" sz="2400" b="1" dirty="0" smtClean="0"/>
+              <a:t>&lt;</a:t>
+            </a:r>
+            <a:r>
+              <a:rPr lang="en-US" sz="2400" b="1" dirty="0" err="1" smtClean="0"/>
+              <a:t>TEventArgs</a:t>
+            </a:r>
+            <a:r>
+              <a:rPr lang="en-US" sz="2400" b="1" dirty="0" smtClean="0"/>
+              <a:t>&gt;</a:t>
+            </a:r>
+            <a:endParaRPr lang="ru-RU" sz="2400" b="1" dirty="0"/>
           </a:p>
         </p:txBody>
       </p:sp>
@@ -5544,7 +5574,7 @@
         </p:nvSpPr>
         <p:spPr bwMode="auto">
           <a:xfrm>
-            <a:off x="152400" y="457200"/>
+            <a:off x="152400" y="1002828"/>
             <a:ext cx="8839200" cy="1138238"/>
           </a:xfrm>
           <a:prstGeom prst="rect">
@@ -5679,12 +5709,68 @@
           <a:p>
             <a:pPr eaLnBrk="1" hangingPunct="1"/>
             <a:r>
+              <a:rPr lang="ru-RU" sz="1600" dirty="0" smtClean="0">
+                <a:solidFill>
+                  <a:schemeClr val="bg1"/>
+                </a:solidFill>
+              </a:rPr>
+              <a:t>Для </a:t>
+            </a:r>
+            <a:r>
               <a:rPr lang="ru-RU" sz="1600" dirty="0">
                 <a:solidFill>
                   <a:schemeClr val="bg1"/>
                 </a:solidFill>
               </a:rPr>
-              <a:t>	Для обработки стандартных событий применяются готовые делегаты</a:t>
+              <a:t>обработки </a:t>
+            </a:r>
+            <a:r>
+              <a:rPr lang="ru-RU" sz="1600" dirty="0">
+                <a:solidFill>
+                  <a:schemeClr val="bg1"/>
+                </a:solidFill>
+              </a:rPr>
+              <a:t>событий в </a:t>
+            </a:r>
+            <a:r>
+              <a:rPr lang="ru-RU" sz="1600" dirty="0" smtClean="0">
+                <a:solidFill>
+                  <a:schemeClr val="bg1"/>
+                </a:solidFill>
+              </a:rPr>
+              <a:t>приложениях </a:t>
+            </a:r>
+            <a:r>
+              <a:rPr lang="en-US" sz="1600" dirty="0" smtClean="0">
+                <a:solidFill>
+                  <a:schemeClr val="bg1"/>
+                </a:solidFill>
+              </a:rPr>
+              <a:t>Windows Forms</a:t>
+            </a:r>
+            <a:r>
+              <a:rPr lang="ru-RU" sz="1600" dirty="0" smtClean="0">
+                <a:solidFill>
+                  <a:schemeClr val="bg1"/>
+                </a:solidFill>
+              </a:rPr>
+              <a:t> </a:t>
+            </a:r>
+            <a:r>
+              <a:rPr lang="ru-RU" sz="1600" dirty="0">
+                <a:solidFill>
+                  <a:schemeClr val="bg1"/>
+                </a:solidFill>
+              </a:rPr>
+              <a:t>применяются </a:t>
+            </a:r>
+            <a:r>
+              <a:rPr lang="ru-RU" sz="1600" dirty="0">
+                <a:solidFill>
+                  <a:schemeClr val="bg1"/>
+                </a:solidFill>
+              </a:rPr>
+              <a:t>готовые делегаты</a:t>
             </a:r>
             <a:r>
               <a:rPr lang="en-US" sz="1600" dirty="0">
@@ -5915,7 +6001,7 @@
         </p:nvSpPr>
         <p:spPr bwMode="auto">
           <a:xfrm>
-            <a:off x="152400" y="1676400"/>
+            <a:off x="152400" y="2222028"/>
             <a:ext cx="8839200" cy="584200"/>
           </a:xfrm>
           <a:prstGeom prst="rect">
@@ -6199,7 +6285,7 @@
         </p:nvSpPr>
         <p:spPr bwMode="auto">
           <a:xfrm>
-            <a:off x="228600" y="3657600"/>
+            <a:off x="228600" y="4203228"/>
             <a:ext cx="8686800" cy="1169988"/>
           </a:xfrm>
           <a:prstGeom prst="rect">
@@ -6406,7 +6492,7 @@
         </p:nvSpPr>
         <p:spPr bwMode="auto">
           <a:xfrm>
-            <a:off x="152400" y="2895600"/>
+            <a:off x="152400" y="3441228"/>
             <a:ext cx="8839200" cy="584200"/>
           </a:xfrm>
           <a:prstGeom prst="rect">
@@ -7613,6 +7699,1534 @@
   <p:cSld>
     <p:bg>
       <p:bgPr>
+        <a:blipFill dpi="0" rotWithShape="1">
+          <a:blip r:embed="rId2">
+            <a:lum/>
+          </a:blip>
+          <a:srcRect/>
+          <a:stretch>
+            <a:fillRect/>
+          </a:stretch>
+        </a:blipFill>
+        <a:effectLst/>
+      </p:bgPr>
+    </p:bg>
+    <p:spTree>
+      <p:nvGrpSpPr>
+        <p:cNvPr id="1" name=""/>
+        <p:cNvGrpSpPr/>
+        <p:nvPr/>
+      </p:nvGrpSpPr>
+      <p:grpSpPr>
+        <a:xfrm>
+          <a:off x="0" y="0"/>
+          <a:ext cx="0" cy="0"/>
+          <a:chOff x="0" y="0"/>
+          <a:chExt cx="0" cy="0"/>
+        </a:xfrm>
+      </p:grpSpPr>
+      <p:sp>
+        <p:nvSpPr>
+          <p:cNvPr id="11266" name="Прямоугольник 2"/>
+          <p:cNvSpPr>
+            <a:spLocks noChangeArrowheads="1"/>
+          </p:cNvSpPr>
+          <p:nvPr/>
+        </p:nvSpPr>
+        <p:spPr bwMode="auto">
+          <a:xfrm>
+            <a:off x="152400" y="0"/>
+            <a:ext cx="8839200" cy="461665"/>
+          </a:xfrm>
+          <a:prstGeom prst="rect">
+            <a:avLst/>
+          </a:prstGeom>
+          <a:noFill/>
+          <a:ln>
+            <a:noFill/>
+          </a:ln>
+          <a:extLst>
+            <a:ext uri="{909E8E84-426E-40DD-AFC4-6F175D3DCCD1}">
+              <a14:hiddenFill xmlns:a14="http://schemas.microsoft.com/office/drawing/2010/main">
+                <a:solidFill>
+                  <a:srgbClr val="FFFFFF"/>
+                </a:solidFill>
+              </a14:hiddenFill>
+            </a:ext>
+            <a:ext uri="{91240B29-F687-4F45-9708-019B960494DF}">
+              <a14:hiddenLine xmlns:a14="http://schemas.microsoft.com/office/drawing/2010/main" w="9525">
+                <a:solidFill>
+                  <a:srgbClr val="000000"/>
+                </a:solidFill>
+                <a:miter lim="800000"/>
+                <a:headEnd/>
+                <a:tailEnd/>
+              </a14:hiddenLine>
+            </a:ext>
+          </a:extLst>
+        </p:spPr>
+        <p:txBody>
+          <a:bodyPr wrap="square">
+            <a:spAutoFit/>
+          </a:bodyPr>
+          <a:lstStyle/>
+          <a:p>
+            <a:pPr algn="ctr"/>
+            <a:r>
+              <a:rPr lang="ru-RU" sz="2400" b="1" dirty="0" smtClean="0"/>
+              <a:t>Создание типов с большим количеством событий.</a:t>
+            </a:r>
+            <a:endParaRPr lang="ru-RU" sz="2400" b="1" dirty="0"/>
+          </a:p>
+        </p:txBody>
+      </p:sp>
+      <p:sp>
+        <p:nvSpPr>
+          <p:cNvPr id="11267" name="TextBox 6"/>
+          <p:cNvSpPr txBox="1">
+            <a:spLocks noChangeArrowheads="1"/>
+          </p:cNvSpPr>
+          <p:nvPr/>
+        </p:nvSpPr>
+        <p:spPr bwMode="auto">
+          <a:xfrm>
+            <a:off x="152400" y="457200"/>
+            <a:ext cx="8839200" cy="1077218"/>
+          </a:xfrm>
+          <a:prstGeom prst="rect">
+            <a:avLst/>
+          </a:prstGeom>
+          <a:noFill/>
+          <a:ln>
+            <a:noFill/>
+          </a:ln>
+          <a:extLst>
+            <a:ext uri="{909E8E84-426E-40DD-AFC4-6F175D3DCCD1}">
+              <a14:hiddenFill xmlns:a14="http://schemas.microsoft.com/office/drawing/2010/main">
+                <a:solidFill>
+                  <a:srgbClr val="FFFFFF"/>
+                </a:solidFill>
+              </a14:hiddenFill>
+            </a:ext>
+            <a:ext uri="{91240B29-F687-4F45-9708-019B960494DF}">
+              <a14:hiddenLine xmlns:a14="http://schemas.microsoft.com/office/drawing/2010/main" w="9525">
+                <a:solidFill>
+                  <a:srgbClr val="000000"/>
+                </a:solidFill>
+                <a:miter lim="800000"/>
+                <a:headEnd/>
+                <a:tailEnd/>
+              </a14:hiddenLine>
+            </a:ext>
+          </a:extLst>
+        </p:spPr>
+        <p:txBody>
+          <a:bodyPr>
+            <a:spAutoFit/>
+          </a:bodyPr>
+          <a:lstStyle>
+            <a:lvl1pPr defTabSz="358775" eaLnBrk="0" hangingPunct="0">
+              <a:defRPr>
+                <a:solidFill>
+                  <a:schemeClr val="tx1"/>
+                </a:solidFill>
+                <a:latin typeface="Arial" charset="0"/>
+              </a:defRPr>
+            </a:lvl1pPr>
+            <a:lvl2pPr marL="742950" indent="-285750" defTabSz="358775" eaLnBrk="0" hangingPunct="0">
+              <a:defRPr>
+                <a:solidFill>
+                  <a:schemeClr val="tx1"/>
+                </a:solidFill>
+                <a:latin typeface="Arial" charset="0"/>
+              </a:defRPr>
+            </a:lvl2pPr>
+            <a:lvl3pPr marL="1143000" indent="-228600" defTabSz="358775" eaLnBrk="0" hangingPunct="0">
+              <a:defRPr>
+                <a:solidFill>
+                  <a:schemeClr val="tx1"/>
+                </a:solidFill>
+                <a:latin typeface="Arial" charset="0"/>
+              </a:defRPr>
+            </a:lvl3pPr>
+            <a:lvl4pPr marL="1600200" indent="-228600" defTabSz="358775" eaLnBrk="0" hangingPunct="0">
+              <a:defRPr>
+                <a:solidFill>
+                  <a:schemeClr val="tx1"/>
+                </a:solidFill>
+                <a:latin typeface="Arial" charset="0"/>
+              </a:defRPr>
+            </a:lvl4pPr>
+            <a:lvl5pPr marL="2057400" indent="-228600" defTabSz="358775" eaLnBrk="0" hangingPunct="0">
+              <a:defRPr>
+                <a:solidFill>
+                  <a:schemeClr val="tx1"/>
+                </a:solidFill>
+                <a:latin typeface="Arial" charset="0"/>
+              </a:defRPr>
+            </a:lvl5pPr>
+            <a:lvl6pPr marL="2514600" indent="-228600" defTabSz="358775" eaLnBrk="0" fontAlgn="base" hangingPunct="0">
+              <a:spcBef>
+                <a:spcPct val="0"/>
+              </a:spcBef>
+              <a:spcAft>
+                <a:spcPct val="0"/>
+              </a:spcAft>
+              <a:defRPr>
+                <a:solidFill>
+                  <a:schemeClr val="tx1"/>
+                </a:solidFill>
+                <a:latin typeface="Arial" charset="0"/>
+              </a:defRPr>
+            </a:lvl6pPr>
+            <a:lvl7pPr marL="2971800" indent="-228600" defTabSz="358775" eaLnBrk="0" fontAlgn="base" hangingPunct="0">
+              <a:spcBef>
+                <a:spcPct val="0"/>
+              </a:spcBef>
+              <a:spcAft>
+                <a:spcPct val="0"/>
+              </a:spcAft>
+              <a:defRPr>
+                <a:solidFill>
+                  <a:schemeClr val="tx1"/>
+                </a:solidFill>
+                <a:latin typeface="Arial" charset="0"/>
+              </a:defRPr>
+            </a:lvl7pPr>
+            <a:lvl8pPr marL="3429000" indent="-228600" defTabSz="358775" eaLnBrk="0" fontAlgn="base" hangingPunct="0">
+              <a:spcBef>
+                <a:spcPct val="0"/>
+              </a:spcBef>
+              <a:spcAft>
+                <a:spcPct val="0"/>
+              </a:spcAft>
+              <a:defRPr>
+                <a:solidFill>
+                  <a:schemeClr val="tx1"/>
+                </a:solidFill>
+                <a:latin typeface="Arial" charset="0"/>
+              </a:defRPr>
+            </a:lvl8pPr>
+            <a:lvl9pPr marL="3886200" indent="-228600" defTabSz="358775" eaLnBrk="0" fontAlgn="base" hangingPunct="0">
+              <a:spcBef>
+                <a:spcPct val="0"/>
+              </a:spcBef>
+              <a:spcAft>
+                <a:spcPct val="0"/>
+              </a:spcAft>
+              <a:defRPr>
+                <a:solidFill>
+                  <a:schemeClr val="tx1"/>
+                </a:solidFill>
+                <a:latin typeface="Arial" charset="0"/>
+              </a:defRPr>
+            </a:lvl9pPr>
+          </a:lstStyle>
+          <a:p>
+            <a:pPr eaLnBrk="1" hangingPunct="1"/>
+            <a:r>
+              <a:rPr lang="ru-RU" sz="1600" dirty="0" smtClean="0"/>
+              <a:t>Если вы пишете класс с большим количеством событий, то вместо объявления событий по отдельности лучше использовать класс </a:t>
+            </a:r>
+            <a:r>
+              <a:rPr lang="en-US" sz="1600" dirty="0" err="1" smtClean="0"/>
+              <a:t>System.ComponentModel.EventHandlerList</a:t>
+            </a:r>
+            <a:r>
+              <a:rPr lang="en-US" sz="1600" dirty="0" smtClean="0"/>
+              <a:t>. </a:t>
+            </a:r>
+            <a:r>
+              <a:rPr lang="ru-RU" sz="1600" dirty="0" smtClean="0"/>
+              <a:t>Это позволит съэкономить память выделяемую под каждый экземпляр. Также можно использовать класс </a:t>
+            </a:r>
+            <a:r>
+              <a:rPr lang="en-US" sz="1600" dirty="0" err="1" smtClean="0"/>
+              <a:t>EventSet</a:t>
+            </a:r>
+            <a:r>
+              <a:rPr lang="en-US" sz="1600" dirty="0" smtClean="0"/>
+              <a:t> </a:t>
+            </a:r>
+            <a:r>
+              <a:rPr lang="ru-RU" sz="1600" dirty="0" smtClean="0"/>
+              <a:t>из книги Джеффри Рихтера.</a:t>
+            </a:r>
+            <a:endParaRPr lang="ru-RU" sz="1600" dirty="0"/>
+          </a:p>
+        </p:txBody>
+      </p:sp>
+      <p:sp>
+        <p:nvSpPr>
+          <p:cNvPr id="35841" name="Rectangle 1"/>
+          <p:cNvSpPr>
+            <a:spLocks noChangeArrowheads="1"/>
+          </p:cNvSpPr>
+          <p:nvPr/>
+        </p:nvSpPr>
+        <p:spPr bwMode="auto">
+          <a:xfrm>
+            <a:off x="152400" y="1712996"/>
+            <a:ext cx="8839200" cy="4339650"/>
+          </a:xfrm>
+          <a:prstGeom prst="rect">
+            <a:avLst/>
+          </a:prstGeom>
+          <a:solidFill>
+            <a:schemeClr val="bg1"/>
+          </a:solidFill>
+          <a:ln w="9525">
+            <a:solidFill>
+              <a:schemeClr val="bg1">
+                <a:lumMod val="65000"/>
+              </a:schemeClr>
+            </a:solidFill>
+            <a:miter lim="800000"/>
+            <a:headEnd/>
+            <a:tailEnd/>
+          </a:ln>
+          <a:effectLst/>
+        </p:spPr>
+        <p:txBody>
+          <a:bodyPr anchor="ctr">
+            <a:spAutoFit/>
+          </a:bodyPr>
+          <a:lstStyle/>
+          <a:p>
+            <a:r>
+              <a:rPr lang="en-US" sz="1200" dirty="0">
+                <a:solidFill>
+                  <a:srgbClr val="0000FF"/>
+                </a:solidFill>
+                <a:latin typeface="Courier New" panose="02070309020205020404" pitchFamily="49" charset="0"/>
+                <a:cs typeface="Courier New" panose="02070309020205020404" pitchFamily="49" charset="0"/>
+              </a:rPr>
+              <a:t>public</a:t>
+            </a:r>
+            <a:r>
+              <a:rPr lang="en-US" sz="1200" dirty="0">
+                <a:solidFill>
+                  <a:prstClr val="black"/>
+                </a:solidFill>
+                <a:latin typeface="Courier New" panose="02070309020205020404" pitchFamily="49" charset="0"/>
+                <a:cs typeface="Courier New" panose="02070309020205020404" pitchFamily="49" charset="0"/>
+              </a:rPr>
+              <a:t> </a:t>
+            </a:r>
+            <a:r>
+              <a:rPr lang="en-US" sz="1200" dirty="0">
+                <a:solidFill>
+                  <a:srgbClr val="0000FF"/>
+                </a:solidFill>
+                <a:latin typeface="Courier New" panose="02070309020205020404" pitchFamily="49" charset="0"/>
+                <a:cs typeface="Courier New" panose="02070309020205020404" pitchFamily="49" charset="0"/>
+              </a:rPr>
+              <a:t>class</a:t>
+            </a:r>
+            <a:r>
+              <a:rPr lang="en-US" sz="1200" dirty="0">
+                <a:solidFill>
+                  <a:prstClr val="black"/>
+                </a:solidFill>
+                <a:latin typeface="Courier New" panose="02070309020205020404" pitchFamily="49" charset="0"/>
+                <a:cs typeface="Courier New" panose="02070309020205020404" pitchFamily="49" charset="0"/>
+              </a:rPr>
+              <a:t> </a:t>
+            </a:r>
+            <a:r>
+              <a:rPr lang="en-US" sz="1200" dirty="0">
+                <a:solidFill>
+                  <a:srgbClr val="2B91AF"/>
+                </a:solidFill>
+                <a:latin typeface="Courier New" panose="02070309020205020404" pitchFamily="49" charset="0"/>
+                <a:cs typeface="Courier New" panose="02070309020205020404" pitchFamily="49" charset="0"/>
+              </a:rPr>
+              <a:t>Book</a:t>
+            </a:r>
+            <a:endParaRPr lang="en-US" sz="1200" dirty="0">
+              <a:solidFill>
+                <a:prstClr val="black"/>
+              </a:solidFill>
+              <a:latin typeface="Courier New" panose="02070309020205020404" pitchFamily="49" charset="0"/>
+              <a:cs typeface="Courier New" panose="02070309020205020404" pitchFamily="49" charset="0"/>
+            </a:endParaRPr>
+          </a:p>
+          <a:p>
+            <a:r>
+              <a:rPr lang="en-US" sz="1200" dirty="0">
+                <a:solidFill>
+                  <a:prstClr val="black"/>
+                </a:solidFill>
+                <a:latin typeface="Courier New" panose="02070309020205020404" pitchFamily="49" charset="0"/>
+                <a:cs typeface="Courier New" panose="02070309020205020404" pitchFamily="49" charset="0"/>
+              </a:rPr>
+              <a:t>{</a:t>
+            </a:r>
+          </a:p>
+          <a:p>
+            <a:r>
+              <a:rPr lang="en-US" sz="1200" dirty="0" smtClean="0">
+                <a:solidFill>
+                  <a:prstClr val="black"/>
+                </a:solidFill>
+                <a:latin typeface="Courier New" panose="02070309020205020404" pitchFamily="49" charset="0"/>
+                <a:cs typeface="Courier New" panose="02070309020205020404" pitchFamily="49" charset="0"/>
+              </a:rPr>
+              <a:t>    </a:t>
+            </a:r>
+            <a:r>
+              <a:rPr lang="en-US" sz="1200" dirty="0" smtClean="0">
+                <a:solidFill>
+                  <a:srgbClr val="0000FF"/>
+                </a:solidFill>
+                <a:latin typeface="Courier New" panose="02070309020205020404" pitchFamily="49" charset="0"/>
+                <a:cs typeface="Courier New" panose="02070309020205020404" pitchFamily="49" charset="0"/>
+              </a:rPr>
+              <a:t>private</a:t>
+            </a:r>
+            <a:r>
+              <a:rPr lang="en-US" sz="1200" dirty="0" smtClean="0">
+                <a:solidFill>
+                  <a:prstClr val="black"/>
+                </a:solidFill>
+                <a:latin typeface="Courier New" panose="02070309020205020404" pitchFamily="49" charset="0"/>
+                <a:cs typeface="Courier New" panose="02070309020205020404" pitchFamily="49" charset="0"/>
+              </a:rPr>
+              <a:t> </a:t>
+            </a:r>
+            <a:r>
+              <a:rPr lang="en-US" sz="1200" dirty="0" err="1" smtClean="0">
+                <a:solidFill>
+                  <a:srgbClr val="0000FF"/>
+                </a:solidFill>
+                <a:latin typeface="Courier New" panose="02070309020205020404" pitchFamily="49" charset="0"/>
+                <a:cs typeface="Courier New" panose="02070309020205020404" pitchFamily="49" charset="0"/>
+              </a:rPr>
+              <a:t>readonly</a:t>
+            </a:r>
+            <a:r>
+              <a:rPr lang="en-US" sz="1200" dirty="0" smtClean="0">
+                <a:solidFill>
+                  <a:prstClr val="black"/>
+                </a:solidFill>
+                <a:latin typeface="Courier New" panose="02070309020205020404" pitchFamily="49" charset="0"/>
+                <a:cs typeface="Courier New" panose="02070309020205020404" pitchFamily="49" charset="0"/>
+              </a:rPr>
+              <a:t> </a:t>
+            </a:r>
+            <a:r>
+              <a:rPr lang="en-US" sz="1200" dirty="0" err="1" smtClean="0">
+                <a:solidFill>
+                  <a:srgbClr val="2B91AF"/>
+                </a:solidFill>
+                <a:latin typeface="Courier New" panose="02070309020205020404" pitchFamily="49" charset="0"/>
+                <a:cs typeface="Courier New" panose="02070309020205020404" pitchFamily="49" charset="0"/>
+              </a:rPr>
+              <a:t>EventHandlerList</a:t>
+            </a:r>
+            <a:r>
+              <a:rPr lang="en-US" sz="1200" dirty="0" smtClean="0">
+                <a:solidFill>
+                  <a:prstClr val="black"/>
+                </a:solidFill>
+                <a:latin typeface="Courier New" panose="02070309020205020404" pitchFamily="49" charset="0"/>
+                <a:cs typeface="Courier New" panose="02070309020205020404" pitchFamily="49" charset="0"/>
+              </a:rPr>
+              <a:t> _</a:t>
+            </a:r>
+            <a:r>
+              <a:rPr lang="en-US" sz="1200" dirty="0" err="1" smtClean="0">
+                <a:solidFill>
+                  <a:prstClr val="black"/>
+                </a:solidFill>
+                <a:latin typeface="Courier New" panose="02070309020205020404" pitchFamily="49" charset="0"/>
+                <a:cs typeface="Courier New" panose="02070309020205020404" pitchFamily="49" charset="0"/>
+              </a:rPr>
+              <a:t>eventHandlerList</a:t>
+            </a:r>
+            <a:r>
+              <a:rPr lang="en-US" sz="1200" dirty="0" smtClean="0">
+                <a:solidFill>
+                  <a:prstClr val="black"/>
+                </a:solidFill>
+                <a:latin typeface="Courier New" panose="02070309020205020404" pitchFamily="49" charset="0"/>
+                <a:cs typeface="Courier New" panose="02070309020205020404" pitchFamily="49" charset="0"/>
+              </a:rPr>
+              <a:t>;</a:t>
+            </a:r>
+          </a:p>
+          <a:p>
+            <a:endParaRPr lang="en-US" sz="1200" dirty="0">
+              <a:solidFill>
+                <a:prstClr val="black"/>
+              </a:solidFill>
+              <a:latin typeface="Courier New" panose="02070309020205020404" pitchFamily="49" charset="0"/>
+              <a:cs typeface="Courier New" panose="02070309020205020404" pitchFamily="49" charset="0"/>
+            </a:endParaRPr>
+          </a:p>
+          <a:p>
+            <a:r>
+              <a:rPr lang="en-US" sz="1200" dirty="0">
+                <a:solidFill>
+                  <a:prstClr val="black"/>
+                </a:solidFill>
+                <a:latin typeface="Courier New" panose="02070309020205020404" pitchFamily="49" charset="0"/>
+                <a:cs typeface="Courier New" panose="02070309020205020404" pitchFamily="49" charset="0"/>
+              </a:rPr>
+              <a:t>    </a:t>
+            </a:r>
+            <a:r>
+              <a:rPr lang="en-US" sz="1200" dirty="0">
+                <a:solidFill>
+                  <a:srgbClr val="0000FF"/>
+                </a:solidFill>
+                <a:latin typeface="Courier New" panose="02070309020205020404" pitchFamily="49" charset="0"/>
+                <a:cs typeface="Courier New" panose="02070309020205020404" pitchFamily="49" charset="0"/>
+              </a:rPr>
+              <a:t>public</a:t>
+            </a:r>
+            <a:r>
+              <a:rPr lang="en-US" sz="1200" dirty="0">
+                <a:solidFill>
+                  <a:prstClr val="black"/>
+                </a:solidFill>
+                <a:latin typeface="Courier New" panose="02070309020205020404" pitchFamily="49" charset="0"/>
+                <a:cs typeface="Courier New" panose="02070309020205020404" pitchFamily="49" charset="0"/>
+              </a:rPr>
+              <a:t> Book(</a:t>
+            </a:r>
+            <a:r>
+              <a:rPr lang="en-US" sz="1200" dirty="0">
+                <a:solidFill>
+                  <a:srgbClr val="0000FF"/>
+                </a:solidFill>
+                <a:latin typeface="Courier New" panose="02070309020205020404" pitchFamily="49" charset="0"/>
+                <a:cs typeface="Courier New" panose="02070309020205020404" pitchFamily="49" charset="0"/>
+              </a:rPr>
+              <a:t>string</a:t>
+            </a:r>
+            <a:r>
+              <a:rPr lang="en-US" sz="1200" dirty="0">
+                <a:solidFill>
+                  <a:prstClr val="black"/>
+                </a:solidFill>
+                <a:latin typeface="Courier New" panose="02070309020205020404" pitchFamily="49" charset="0"/>
+                <a:cs typeface="Courier New" panose="02070309020205020404" pitchFamily="49" charset="0"/>
+              </a:rPr>
+              <a:t> title, </a:t>
+            </a:r>
+            <a:r>
+              <a:rPr lang="en-US" sz="1200" dirty="0" err="1">
+                <a:solidFill>
+                  <a:srgbClr val="0000FF"/>
+                </a:solidFill>
+                <a:latin typeface="Courier New" panose="02070309020205020404" pitchFamily="49" charset="0"/>
+                <a:cs typeface="Courier New" panose="02070309020205020404" pitchFamily="49" charset="0"/>
+              </a:rPr>
+              <a:t>int</a:t>
+            </a:r>
+            <a:r>
+              <a:rPr lang="en-US" sz="1200" dirty="0">
+                <a:solidFill>
+                  <a:prstClr val="black"/>
+                </a:solidFill>
+                <a:latin typeface="Courier New" panose="02070309020205020404" pitchFamily="49" charset="0"/>
+                <a:cs typeface="Courier New" panose="02070309020205020404" pitchFamily="49" charset="0"/>
+              </a:rPr>
+              <a:t> </a:t>
+            </a:r>
+            <a:r>
+              <a:rPr lang="en-US" sz="1200" dirty="0" err="1">
+                <a:solidFill>
+                  <a:prstClr val="black"/>
+                </a:solidFill>
+                <a:latin typeface="Courier New" panose="02070309020205020404" pitchFamily="49" charset="0"/>
+                <a:cs typeface="Courier New" panose="02070309020205020404" pitchFamily="49" charset="0"/>
+              </a:rPr>
+              <a:t>pageCount</a:t>
+            </a:r>
+            <a:r>
+              <a:rPr lang="en-US" sz="1200" dirty="0">
+                <a:solidFill>
+                  <a:prstClr val="black"/>
+                </a:solidFill>
+                <a:latin typeface="Courier New" panose="02070309020205020404" pitchFamily="49" charset="0"/>
+                <a:cs typeface="Courier New" panose="02070309020205020404" pitchFamily="49" charset="0"/>
+              </a:rPr>
+              <a:t>)</a:t>
+            </a:r>
+          </a:p>
+          <a:p>
+            <a:r>
+              <a:rPr lang="en-US" sz="1200" dirty="0">
+                <a:solidFill>
+                  <a:prstClr val="black"/>
+                </a:solidFill>
+                <a:latin typeface="Courier New" panose="02070309020205020404" pitchFamily="49" charset="0"/>
+                <a:cs typeface="Courier New" panose="02070309020205020404" pitchFamily="49" charset="0"/>
+              </a:rPr>
+              <a:t>    {</a:t>
+            </a:r>
+          </a:p>
+          <a:p>
+            <a:r>
+              <a:rPr lang="en-US" sz="1200" dirty="0">
+                <a:solidFill>
+                  <a:prstClr val="black"/>
+                </a:solidFill>
+                <a:latin typeface="Courier New" panose="02070309020205020404" pitchFamily="49" charset="0"/>
+                <a:cs typeface="Courier New" panose="02070309020205020404" pitchFamily="49" charset="0"/>
+              </a:rPr>
+              <a:t>        _</a:t>
+            </a:r>
+            <a:r>
+              <a:rPr lang="en-US" sz="1200" dirty="0" err="1">
+                <a:solidFill>
+                  <a:prstClr val="black"/>
+                </a:solidFill>
+                <a:latin typeface="Courier New" panose="02070309020205020404" pitchFamily="49" charset="0"/>
+                <a:cs typeface="Courier New" panose="02070309020205020404" pitchFamily="49" charset="0"/>
+              </a:rPr>
+              <a:t>eventHandlerList</a:t>
+            </a:r>
+            <a:r>
+              <a:rPr lang="en-US" sz="1200" dirty="0">
+                <a:solidFill>
+                  <a:prstClr val="black"/>
+                </a:solidFill>
+                <a:latin typeface="Courier New" panose="02070309020205020404" pitchFamily="49" charset="0"/>
+                <a:cs typeface="Courier New" panose="02070309020205020404" pitchFamily="49" charset="0"/>
+              </a:rPr>
+              <a:t> = </a:t>
+            </a:r>
+            <a:r>
+              <a:rPr lang="en-US" sz="1200" dirty="0">
+                <a:solidFill>
+                  <a:srgbClr val="0000FF"/>
+                </a:solidFill>
+                <a:latin typeface="Courier New" panose="02070309020205020404" pitchFamily="49" charset="0"/>
+                <a:cs typeface="Courier New" panose="02070309020205020404" pitchFamily="49" charset="0"/>
+              </a:rPr>
+              <a:t>new</a:t>
+            </a:r>
+            <a:r>
+              <a:rPr lang="en-US" sz="1200" dirty="0">
+                <a:solidFill>
+                  <a:prstClr val="black"/>
+                </a:solidFill>
+                <a:latin typeface="Courier New" panose="02070309020205020404" pitchFamily="49" charset="0"/>
+                <a:cs typeface="Courier New" panose="02070309020205020404" pitchFamily="49" charset="0"/>
+              </a:rPr>
+              <a:t> </a:t>
+            </a:r>
+            <a:r>
+              <a:rPr lang="en-US" sz="1200" dirty="0" err="1">
+                <a:solidFill>
+                  <a:srgbClr val="2B91AF"/>
+                </a:solidFill>
+                <a:latin typeface="Courier New" panose="02070309020205020404" pitchFamily="49" charset="0"/>
+                <a:cs typeface="Courier New" panose="02070309020205020404" pitchFamily="49" charset="0"/>
+              </a:rPr>
+              <a:t>EventHandlerList</a:t>
+            </a:r>
+            <a:r>
+              <a:rPr lang="en-US" sz="1200" dirty="0">
+                <a:solidFill>
+                  <a:prstClr val="black"/>
+                </a:solidFill>
+                <a:latin typeface="Courier New" panose="02070309020205020404" pitchFamily="49" charset="0"/>
+                <a:cs typeface="Courier New" panose="02070309020205020404" pitchFamily="49" charset="0"/>
+              </a:rPr>
+              <a:t>();</a:t>
+            </a:r>
+          </a:p>
+          <a:p>
+            <a:r>
+              <a:rPr lang="en-US" sz="1200" dirty="0" smtClean="0">
+                <a:solidFill>
+                  <a:prstClr val="black"/>
+                </a:solidFill>
+                <a:latin typeface="Courier New" panose="02070309020205020404" pitchFamily="49" charset="0"/>
+                <a:cs typeface="Courier New" panose="02070309020205020404" pitchFamily="49" charset="0"/>
+              </a:rPr>
+              <a:t>    }</a:t>
+            </a:r>
+          </a:p>
+          <a:p>
+            <a:endParaRPr lang="en-US" sz="1200" dirty="0">
+              <a:solidFill>
+                <a:prstClr val="black"/>
+              </a:solidFill>
+              <a:latin typeface="Courier New" panose="02070309020205020404" pitchFamily="49" charset="0"/>
+              <a:cs typeface="Courier New" panose="02070309020205020404" pitchFamily="49" charset="0"/>
+            </a:endParaRPr>
+          </a:p>
+          <a:p>
+            <a:r>
+              <a:rPr lang="en-US" sz="1200" dirty="0">
+                <a:solidFill>
+                  <a:prstClr val="black"/>
+                </a:solidFill>
+                <a:latin typeface="Courier New" panose="02070309020205020404" pitchFamily="49" charset="0"/>
+                <a:cs typeface="Courier New" panose="02070309020205020404" pitchFamily="49" charset="0"/>
+              </a:rPr>
+              <a:t>    </a:t>
+            </a:r>
+            <a:r>
+              <a:rPr lang="en-US" sz="1200" dirty="0">
+                <a:solidFill>
+                  <a:srgbClr val="0000FF"/>
+                </a:solidFill>
+                <a:latin typeface="Courier New" panose="02070309020205020404" pitchFamily="49" charset="0"/>
+                <a:cs typeface="Courier New" panose="02070309020205020404" pitchFamily="49" charset="0"/>
+              </a:rPr>
+              <a:t>private</a:t>
+            </a:r>
+            <a:r>
+              <a:rPr lang="en-US" sz="1200" dirty="0">
+                <a:solidFill>
+                  <a:prstClr val="black"/>
+                </a:solidFill>
+                <a:latin typeface="Courier New" panose="02070309020205020404" pitchFamily="49" charset="0"/>
+                <a:cs typeface="Courier New" panose="02070309020205020404" pitchFamily="49" charset="0"/>
+              </a:rPr>
+              <a:t> </a:t>
+            </a:r>
+            <a:r>
+              <a:rPr lang="en-US" sz="1200" dirty="0">
+                <a:solidFill>
+                  <a:srgbClr val="0000FF"/>
+                </a:solidFill>
+                <a:latin typeface="Courier New" panose="02070309020205020404" pitchFamily="49" charset="0"/>
+                <a:cs typeface="Courier New" panose="02070309020205020404" pitchFamily="49" charset="0"/>
+              </a:rPr>
+              <a:t>static</a:t>
+            </a:r>
+            <a:r>
+              <a:rPr lang="en-US" sz="1200" dirty="0">
+                <a:solidFill>
+                  <a:prstClr val="black"/>
+                </a:solidFill>
+                <a:latin typeface="Courier New" panose="02070309020205020404" pitchFamily="49" charset="0"/>
+                <a:cs typeface="Courier New" panose="02070309020205020404" pitchFamily="49" charset="0"/>
+              </a:rPr>
+              <a:t> </a:t>
+            </a:r>
+            <a:r>
+              <a:rPr lang="en-US" sz="1200" dirty="0" err="1">
+                <a:solidFill>
+                  <a:srgbClr val="0000FF"/>
+                </a:solidFill>
+                <a:latin typeface="Courier New" panose="02070309020205020404" pitchFamily="49" charset="0"/>
+                <a:cs typeface="Courier New" panose="02070309020205020404" pitchFamily="49" charset="0"/>
+              </a:rPr>
+              <a:t>readonly</a:t>
+            </a:r>
+            <a:r>
+              <a:rPr lang="en-US" sz="1200" dirty="0">
+                <a:solidFill>
+                  <a:prstClr val="black"/>
+                </a:solidFill>
+                <a:latin typeface="Courier New" panose="02070309020205020404" pitchFamily="49" charset="0"/>
+                <a:cs typeface="Courier New" panose="02070309020205020404" pitchFamily="49" charset="0"/>
+              </a:rPr>
+              <a:t> </a:t>
+            </a:r>
+            <a:r>
+              <a:rPr lang="en-US" sz="1200" dirty="0">
+                <a:solidFill>
+                  <a:srgbClr val="0000FF"/>
+                </a:solidFill>
+                <a:latin typeface="Courier New" panose="02070309020205020404" pitchFamily="49" charset="0"/>
+                <a:cs typeface="Courier New" panose="02070309020205020404" pitchFamily="49" charset="0"/>
+              </a:rPr>
+              <a:t>object</a:t>
+            </a:r>
+            <a:r>
+              <a:rPr lang="en-US" sz="1200" dirty="0">
+                <a:solidFill>
+                  <a:prstClr val="black"/>
+                </a:solidFill>
+                <a:latin typeface="Courier New" panose="02070309020205020404" pitchFamily="49" charset="0"/>
+                <a:cs typeface="Courier New" panose="02070309020205020404" pitchFamily="49" charset="0"/>
+              </a:rPr>
+              <a:t> </a:t>
+            </a:r>
+            <a:r>
+              <a:rPr lang="en-US" sz="1200" dirty="0" err="1">
+                <a:solidFill>
+                  <a:prstClr val="black"/>
+                </a:solidFill>
+                <a:latin typeface="Courier New" panose="02070309020205020404" pitchFamily="49" charset="0"/>
+                <a:cs typeface="Courier New" panose="02070309020205020404" pitchFamily="49" charset="0"/>
+              </a:rPr>
+              <a:t>BookOpenedEventKey</a:t>
+            </a:r>
+            <a:r>
+              <a:rPr lang="en-US" sz="1200" dirty="0">
+                <a:solidFill>
+                  <a:prstClr val="black"/>
+                </a:solidFill>
+                <a:latin typeface="Courier New" panose="02070309020205020404" pitchFamily="49" charset="0"/>
+                <a:cs typeface="Courier New" panose="02070309020205020404" pitchFamily="49" charset="0"/>
+              </a:rPr>
+              <a:t> = </a:t>
+            </a:r>
+            <a:r>
+              <a:rPr lang="en-US" sz="1200" dirty="0">
+                <a:solidFill>
+                  <a:srgbClr val="0000FF"/>
+                </a:solidFill>
+                <a:latin typeface="Courier New" panose="02070309020205020404" pitchFamily="49" charset="0"/>
+                <a:cs typeface="Courier New" panose="02070309020205020404" pitchFamily="49" charset="0"/>
+              </a:rPr>
+              <a:t>new</a:t>
+            </a:r>
+            <a:r>
+              <a:rPr lang="en-US" sz="1200" dirty="0">
+                <a:solidFill>
+                  <a:prstClr val="black"/>
+                </a:solidFill>
+                <a:latin typeface="Courier New" panose="02070309020205020404" pitchFamily="49" charset="0"/>
+                <a:cs typeface="Courier New" panose="02070309020205020404" pitchFamily="49" charset="0"/>
+              </a:rPr>
+              <a:t> </a:t>
+            </a:r>
+            <a:r>
+              <a:rPr lang="en-US" sz="1200" dirty="0">
+                <a:solidFill>
+                  <a:srgbClr val="0000FF"/>
+                </a:solidFill>
+                <a:latin typeface="Courier New" panose="02070309020205020404" pitchFamily="49" charset="0"/>
+                <a:cs typeface="Courier New" panose="02070309020205020404" pitchFamily="49" charset="0"/>
+              </a:rPr>
+              <a:t>object</a:t>
+            </a:r>
+            <a:r>
+              <a:rPr lang="en-US" sz="1200" dirty="0">
+                <a:solidFill>
+                  <a:prstClr val="black"/>
+                </a:solidFill>
+                <a:latin typeface="Courier New" panose="02070309020205020404" pitchFamily="49" charset="0"/>
+                <a:cs typeface="Courier New" panose="02070309020205020404" pitchFamily="49" charset="0"/>
+              </a:rPr>
+              <a:t>();</a:t>
+            </a:r>
+          </a:p>
+          <a:p>
+            <a:endParaRPr lang="en-US" sz="1200" dirty="0">
+              <a:solidFill>
+                <a:prstClr val="black"/>
+              </a:solidFill>
+              <a:latin typeface="Courier New" panose="02070309020205020404" pitchFamily="49" charset="0"/>
+              <a:cs typeface="Courier New" panose="02070309020205020404" pitchFamily="49" charset="0"/>
+            </a:endParaRPr>
+          </a:p>
+          <a:p>
+            <a:r>
+              <a:rPr lang="en-US" sz="1200" dirty="0">
+                <a:solidFill>
+                  <a:prstClr val="black"/>
+                </a:solidFill>
+                <a:latin typeface="Courier New" panose="02070309020205020404" pitchFamily="49" charset="0"/>
+                <a:cs typeface="Courier New" panose="02070309020205020404" pitchFamily="49" charset="0"/>
+              </a:rPr>
+              <a:t>    </a:t>
+            </a:r>
+            <a:r>
+              <a:rPr lang="en-US" sz="1200" dirty="0">
+                <a:solidFill>
+                  <a:srgbClr val="0000FF"/>
+                </a:solidFill>
+                <a:latin typeface="Courier New" panose="02070309020205020404" pitchFamily="49" charset="0"/>
+                <a:cs typeface="Courier New" panose="02070309020205020404" pitchFamily="49" charset="0"/>
+              </a:rPr>
+              <a:t>public</a:t>
+            </a:r>
+            <a:r>
+              <a:rPr lang="en-US" sz="1200" dirty="0">
+                <a:solidFill>
+                  <a:prstClr val="black"/>
+                </a:solidFill>
+                <a:latin typeface="Courier New" panose="02070309020205020404" pitchFamily="49" charset="0"/>
+                <a:cs typeface="Courier New" panose="02070309020205020404" pitchFamily="49" charset="0"/>
+              </a:rPr>
+              <a:t> </a:t>
+            </a:r>
+            <a:r>
+              <a:rPr lang="en-US" sz="1200" dirty="0">
+                <a:solidFill>
+                  <a:srgbClr val="0000FF"/>
+                </a:solidFill>
+                <a:latin typeface="Courier New" panose="02070309020205020404" pitchFamily="49" charset="0"/>
+                <a:cs typeface="Courier New" panose="02070309020205020404" pitchFamily="49" charset="0"/>
+              </a:rPr>
+              <a:t>event</a:t>
+            </a:r>
+            <a:r>
+              <a:rPr lang="en-US" sz="1200" dirty="0">
+                <a:solidFill>
+                  <a:prstClr val="black"/>
+                </a:solidFill>
+                <a:latin typeface="Courier New" panose="02070309020205020404" pitchFamily="49" charset="0"/>
+                <a:cs typeface="Courier New" panose="02070309020205020404" pitchFamily="49" charset="0"/>
+              </a:rPr>
+              <a:t> </a:t>
+            </a:r>
+            <a:r>
+              <a:rPr lang="en-US" sz="1200" dirty="0" err="1">
+                <a:solidFill>
+                  <a:srgbClr val="2B91AF"/>
+                </a:solidFill>
+                <a:latin typeface="Courier New" panose="02070309020205020404" pitchFamily="49" charset="0"/>
+                <a:cs typeface="Courier New" panose="02070309020205020404" pitchFamily="49" charset="0"/>
+              </a:rPr>
+              <a:t>EventHandler</a:t>
+            </a:r>
+            <a:r>
+              <a:rPr lang="en-US" sz="1200" dirty="0">
+                <a:solidFill>
+                  <a:prstClr val="black"/>
+                </a:solidFill>
+                <a:latin typeface="Courier New" panose="02070309020205020404" pitchFamily="49" charset="0"/>
+                <a:cs typeface="Courier New" panose="02070309020205020404" pitchFamily="49" charset="0"/>
+              </a:rPr>
+              <a:t> </a:t>
+            </a:r>
+            <a:r>
+              <a:rPr lang="en-US" sz="1200" dirty="0" err="1">
+                <a:solidFill>
+                  <a:prstClr val="black"/>
+                </a:solidFill>
+                <a:latin typeface="Courier New" panose="02070309020205020404" pitchFamily="49" charset="0"/>
+                <a:cs typeface="Courier New" panose="02070309020205020404" pitchFamily="49" charset="0"/>
+              </a:rPr>
+              <a:t>BookOpened</a:t>
+            </a:r>
+            <a:endParaRPr lang="en-US" sz="1200" dirty="0">
+              <a:solidFill>
+                <a:prstClr val="black"/>
+              </a:solidFill>
+              <a:latin typeface="Courier New" panose="02070309020205020404" pitchFamily="49" charset="0"/>
+              <a:cs typeface="Courier New" panose="02070309020205020404" pitchFamily="49" charset="0"/>
+            </a:endParaRPr>
+          </a:p>
+          <a:p>
+            <a:r>
+              <a:rPr lang="en-US" sz="1200" dirty="0">
+                <a:solidFill>
+                  <a:prstClr val="black"/>
+                </a:solidFill>
+                <a:latin typeface="Courier New" panose="02070309020205020404" pitchFamily="49" charset="0"/>
+                <a:cs typeface="Courier New" panose="02070309020205020404" pitchFamily="49" charset="0"/>
+              </a:rPr>
+              <a:t>    {</a:t>
+            </a:r>
+          </a:p>
+          <a:p>
+            <a:r>
+              <a:rPr lang="en-US" sz="1200" dirty="0">
+                <a:solidFill>
+                  <a:prstClr val="black"/>
+                </a:solidFill>
+                <a:latin typeface="Courier New" panose="02070309020205020404" pitchFamily="49" charset="0"/>
+                <a:cs typeface="Courier New" panose="02070309020205020404" pitchFamily="49" charset="0"/>
+              </a:rPr>
+              <a:t>        </a:t>
+            </a:r>
+            <a:r>
+              <a:rPr lang="en-US" sz="1200" dirty="0">
+                <a:solidFill>
+                  <a:srgbClr val="0000FF"/>
+                </a:solidFill>
+                <a:latin typeface="Courier New" panose="02070309020205020404" pitchFamily="49" charset="0"/>
+                <a:cs typeface="Courier New" panose="02070309020205020404" pitchFamily="49" charset="0"/>
+              </a:rPr>
+              <a:t>add</a:t>
+            </a:r>
+            <a:r>
+              <a:rPr lang="en-US" sz="1200" dirty="0">
+                <a:solidFill>
+                  <a:prstClr val="black"/>
+                </a:solidFill>
+                <a:latin typeface="Courier New" panose="02070309020205020404" pitchFamily="49" charset="0"/>
+                <a:cs typeface="Courier New" panose="02070309020205020404" pitchFamily="49" charset="0"/>
+              </a:rPr>
+              <a:t> { _</a:t>
+            </a:r>
+            <a:r>
+              <a:rPr lang="en-US" sz="1200" dirty="0" err="1">
+                <a:solidFill>
+                  <a:prstClr val="black"/>
+                </a:solidFill>
+                <a:latin typeface="Courier New" panose="02070309020205020404" pitchFamily="49" charset="0"/>
+                <a:cs typeface="Courier New" panose="02070309020205020404" pitchFamily="49" charset="0"/>
+              </a:rPr>
+              <a:t>eventHandlerList.AddHandler</a:t>
+            </a:r>
+            <a:r>
+              <a:rPr lang="en-US" sz="1200" dirty="0">
+                <a:solidFill>
+                  <a:prstClr val="black"/>
+                </a:solidFill>
+                <a:latin typeface="Courier New" panose="02070309020205020404" pitchFamily="49" charset="0"/>
+                <a:cs typeface="Courier New" panose="02070309020205020404" pitchFamily="49" charset="0"/>
+              </a:rPr>
+              <a:t>(</a:t>
+            </a:r>
+            <a:r>
+              <a:rPr lang="en-US" sz="1200" dirty="0" err="1">
+                <a:solidFill>
+                  <a:prstClr val="black"/>
+                </a:solidFill>
+                <a:latin typeface="Courier New" panose="02070309020205020404" pitchFamily="49" charset="0"/>
+                <a:cs typeface="Courier New" panose="02070309020205020404" pitchFamily="49" charset="0"/>
+              </a:rPr>
+              <a:t>BookOpenedEventKey</a:t>
+            </a:r>
+            <a:r>
+              <a:rPr lang="en-US" sz="1200" dirty="0">
+                <a:solidFill>
+                  <a:prstClr val="black"/>
+                </a:solidFill>
+                <a:latin typeface="Courier New" panose="02070309020205020404" pitchFamily="49" charset="0"/>
+                <a:cs typeface="Courier New" panose="02070309020205020404" pitchFamily="49" charset="0"/>
+              </a:rPr>
+              <a:t>, </a:t>
+            </a:r>
+            <a:r>
+              <a:rPr lang="en-US" sz="1200" dirty="0">
+                <a:solidFill>
+                  <a:srgbClr val="0000FF"/>
+                </a:solidFill>
+                <a:latin typeface="Courier New" panose="02070309020205020404" pitchFamily="49" charset="0"/>
+                <a:cs typeface="Courier New" panose="02070309020205020404" pitchFamily="49" charset="0"/>
+              </a:rPr>
+              <a:t>value</a:t>
+            </a:r>
+            <a:r>
+              <a:rPr lang="en-US" sz="1200" dirty="0">
+                <a:solidFill>
+                  <a:prstClr val="black"/>
+                </a:solidFill>
+                <a:latin typeface="Courier New" panose="02070309020205020404" pitchFamily="49" charset="0"/>
+                <a:cs typeface="Courier New" panose="02070309020205020404" pitchFamily="49" charset="0"/>
+              </a:rPr>
+              <a:t>); }</a:t>
+            </a:r>
+          </a:p>
+          <a:p>
+            <a:r>
+              <a:rPr lang="en-US" sz="1200" dirty="0">
+                <a:solidFill>
+                  <a:prstClr val="black"/>
+                </a:solidFill>
+                <a:latin typeface="Courier New" panose="02070309020205020404" pitchFamily="49" charset="0"/>
+                <a:cs typeface="Courier New" panose="02070309020205020404" pitchFamily="49" charset="0"/>
+              </a:rPr>
+              <a:t>        </a:t>
+            </a:r>
+            <a:r>
+              <a:rPr lang="en-US" sz="1200" dirty="0">
+                <a:solidFill>
+                  <a:srgbClr val="0000FF"/>
+                </a:solidFill>
+                <a:latin typeface="Courier New" panose="02070309020205020404" pitchFamily="49" charset="0"/>
+                <a:cs typeface="Courier New" panose="02070309020205020404" pitchFamily="49" charset="0"/>
+              </a:rPr>
+              <a:t>remove</a:t>
+            </a:r>
+            <a:r>
+              <a:rPr lang="en-US" sz="1200" dirty="0">
+                <a:solidFill>
+                  <a:prstClr val="black"/>
+                </a:solidFill>
+                <a:latin typeface="Courier New" panose="02070309020205020404" pitchFamily="49" charset="0"/>
+                <a:cs typeface="Courier New" panose="02070309020205020404" pitchFamily="49" charset="0"/>
+              </a:rPr>
+              <a:t> { _</a:t>
+            </a:r>
+            <a:r>
+              <a:rPr lang="en-US" sz="1200" dirty="0" err="1">
+                <a:solidFill>
+                  <a:prstClr val="black"/>
+                </a:solidFill>
+                <a:latin typeface="Courier New" panose="02070309020205020404" pitchFamily="49" charset="0"/>
+                <a:cs typeface="Courier New" panose="02070309020205020404" pitchFamily="49" charset="0"/>
+              </a:rPr>
+              <a:t>eventHandlerList.RemoveHandler</a:t>
+            </a:r>
+            <a:r>
+              <a:rPr lang="en-US" sz="1200" dirty="0">
+                <a:solidFill>
+                  <a:prstClr val="black"/>
+                </a:solidFill>
+                <a:latin typeface="Courier New" panose="02070309020205020404" pitchFamily="49" charset="0"/>
+                <a:cs typeface="Courier New" panose="02070309020205020404" pitchFamily="49" charset="0"/>
+              </a:rPr>
+              <a:t>(</a:t>
+            </a:r>
+            <a:r>
+              <a:rPr lang="en-US" sz="1200" dirty="0" err="1">
+                <a:solidFill>
+                  <a:prstClr val="black"/>
+                </a:solidFill>
+                <a:latin typeface="Courier New" panose="02070309020205020404" pitchFamily="49" charset="0"/>
+                <a:cs typeface="Courier New" panose="02070309020205020404" pitchFamily="49" charset="0"/>
+              </a:rPr>
+              <a:t>BookOpenedEventKey</a:t>
+            </a:r>
+            <a:r>
+              <a:rPr lang="en-US" sz="1200" dirty="0">
+                <a:solidFill>
+                  <a:prstClr val="black"/>
+                </a:solidFill>
+                <a:latin typeface="Courier New" panose="02070309020205020404" pitchFamily="49" charset="0"/>
+                <a:cs typeface="Courier New" panose="02070309020205020404" pitchFamily="49" charset="0"/>
+              </a:rPr>
+              <a:t>, </a:t>
+            </a:r>
+            <a:r>
+              <a:rPr lang="en-US" sz="1200" dirty="0">
+                <a:solidFill>
+                  <a:srgbClr val="0000FF"/>
+                </a:solidFill>
+                <a:latin typeface="Courier New" panose="02070309020205020404" pitchFamily="49" charset="0"/>
+                <a:cs typeface="Courier New" panose="02070309020205020404" pitchFamily="49" charset="0"/>
+              </a:rPr>
+              <a:t>value</a:t>
+            </a:r>
+            <a:r>
+              <a:rPr lang="en-US" sz="1200" dirty="0">
+                <a:solidFill>
+                  <a:prstClr val="black"/>
+                </a:solidFill>
+                <a:latin typeface="Courier New" panose="02070309020205020404" pitchFamily="49" charset="0"/>
+                <a:cs typeface="Courier New" panose="02070309020205020404" pitchFamily="49" charset="0"/>
+              </a:rPr>
+              <a:t>); }</a:t>
+            </a:r>
+          </a:p>
+          <a:p>
+            <a:r>
+              <a:rPr lang="en-US" sz="1200" dirty="0">
+                <a:solidFill>
+                  <a:prstClr val="black"/>
+                </a:solidFill>
+                <a:latin typeface="Courier New" panose="02070309020205020404" pitchFamily="49" charset="0"/>
+                <a:cs typeface="Courier New" panose="02070309020205020404" pitchFamily="49" charset="0"/>
+              </a:rPr>
+              <a:t>    }</a:t>
+            </a:r>
+          </a:p>
+          <a:p>
+            <a:endParaRPr lang="en-US" sz="1200" dirty="0">
+              <a:solidFill>
+                <a:prstClr val="black"/>
+              </a:solidFill>
+              <a:latin typeface="Courier New" panose="02070309020205020404" pitchFamily="49" charset="0"/>
+              <a:cs typeface="Courier New" panose="02070309020205020404" pitchFamily="49" charset="0"/>
+            </a:endParaRPr>
+          </a:p>
+          <a:p>
+            <a:r>
+              <a:rPr lang="en-US" sz="1200" dirty="0" smtClean="0">
+                <a:solidFill>
+                  <a:prstClr val="black"/>
+                </a:solidFill>
+                <a:latin typeface="Courier New" panose="02070309020205020404" pitchFamily="49" charset="0"/>
+                <a:cs typeface="Courier New" panose="02070309020205020404" pitchFamily="49" charset="0"/>
+              </a:rPr>
+              <a:t>    </a:t>
+            </a:r>
+            <a:r>
+              <a:rPr lang="en-US" sz="1200" dirty="0">
+                <a:solidFill>
+                  <a:srgbClr val="0000FF"/>
+                </a:solidFill>
+                <a:latin typeface="Courier New" panose="02070309020205020404" pitchFamily="49" charset="0"/>
+                <a:cs typeface="Courier New" panose="02070309020205020404" pitchFamily="49" charset="0"/>
+              </a:rPr>
+              <a:t>private</a:t>
+            </a:r>
+            <a:r>
+              <a:rPr lang="en-US" sz="1200" dirty="0">
+                <a:solidFill>
+                  <a:prstClr val="black"/>
+                </a:solidFill>
+                <a:latin typeface="Courier New" panose="02070309020205020404" pitchFamily="49" charset="0"/>
+                <a:cs typeface="Courier New" panose="02070309020205020404" pitchFamily="49" charset="0"/>
+              </a:rPr>
+              <a:t> </a:t>
+            </a:r>
+            <a:r>
+              <a:rPr lang="en-US" sz="1200" dirty="0">
+                <a:solidFill>
+                  <a:srgbClr val="0000FF"/>
+                </a:solidFill>
+                <a:latin typeface="Courier New" panose="02070309020205020404" pitchFamily="49" charset="0"/>
+                <a:cs typeface="Courier New" panose="02070309020205020404" pitchFamily="49" charset="0"/>
+              </a:rPr>
+              <a:t>void</a:t>
+            </a:r>
+            <a:r>
+              <a:rPr lang="en-US" sz="1200" dirty="0">
+                <a:solidFill>
+                  <a:prstClr val="black"/>
+                </a:solidFill>
+                <a:latin typeface="Courier New" panose="02070309020205020404" pitchFamily="49" charset="0"/>
+                <a:cs typeface="Courier New" panose="02070309020205020404" pitchFamily="49" charset="0"/>
+              </a:rPr>
+              <a:t> </a:t>
+            </a:r>
+            <a:r>
+              <a:rPr lang="en-US" sz="1200" dirty="0" err="1">
+                <a:solidFill>
+                  <a:prstClr val="black"/>
+                </a:solidFill>
+                <a:latin typeface="Courier New" panose="02070309020205020404" pitchFamily="49" charset="0"/>
+                <a:cs typeface="Courier New" panose="02070309020205020404" pitchFamily="49" charset="0"/>
+              </a:rPr>
+              <a:t>OnBookOpened</a:t>
+            </a:r>
+            <a:r>
+              <a:rPr lang="en-US" sz="1200" dirty="0">
+                <a:solidFill>
+                  <a:prstClr val="black"/>
+                </a:solidFill>
+                <a:latin typeface="Courier New" panose="02070309020205020404" pitchFamily="49" charset="0"/>
+                <a:cs typeface="Courier New" panose="02070309020205020404" pitchFamily="49" charset="0"/>
+              </a:rPr>
+              <a:t>()</a:t>
+            </a:r>
+          </a:p>
+          <a:p>
+            <a:r>
+              <a:rPr lang="en-US" sz="1200" dirty="0">
+                <a:solidFill>
+                  <a:prstClr val="black"/>
+                </a:solidFill>
+                <a:latin typeface="Courier New" panose="02070309020205020404" pitchFamily="49" charset="0"/>
+                <a:cs typeface="Courier New" panose="02070309020205020404" pitchFamily="49" charset="0"/>
+              </a:rPr>
+              <a:t>    {</a:t>
+            </a:r>
+          </a:p>
+          <a:p>
+            <a:r>
+              <a:rPr lang="en-US" sz="1200" dirty="0">
+                <a:solidFill>
+                  <a:prstClr val="black"/>
+                </a:solidFill>
+                <a:latin typeface="Courier New" panose="02070309020205020404" pitchFamily="49" charset="0"/>
+                <a:cs typeface="Courier New" panose="02070309020205020404" pitchFamily="49" charset="0"/>
+              </a:rPr>
+              <a:t>        </a:t>
+            </a:r>
+            <a:r>
+              <a:rPr lang="en-US" sz="1200" dirty="0" err="1">
+                <a:solidFill>
+                  <a:srgbClr val="0000FF"/>
+                </a:solidFill>
+                <a:latin typeface="Courier New" panose="02070309020205020404" pitchFamily="49" charset="0"/>
+                <a:cs typeface="Courier New" panose="02070309020205020404" pitchFamily="49" charset="0"/>
+              </a:rPr>
+              <a:t>var</a:t>
+            </a:r>
+            <a:r>
+              <a:rPr lang="en-US" sz="1200" dirty="0">
+                <a:solidFill>
+                  <a:prstClr val="black"/>
+                </a:solidFill>
+                <a:latin typeface="Courier New" panose="02070309020205020404" pitchFamily="49" charset="0"/>
+                <a:cs typeface="Courier New" panose="02070309020205020404" pitchFamily="49" charset="0"/>
+              </a:rPr>
+              <a:t> </a:t>
+            </a:r>
+            <a:r>
+              <a:rPr lang="en-US" sz="1200" dirty="0" err="1">
+                <a:solidFill>
+                  <a:prstClr val="black"/>
+                </a:solidFill>
+                <a:latin typeface="Courier New" panose="02070309020205020404" pitchFamily="49" charset="0"/>
+                <a:cs typeface="Courier New" panose="02070309020205020404" pitchFamily="49" charset="0"/>
+              </a:rPr>
+              <a:t>bookOpenedDelegate</a:t>
+            </a:r>
+            <a:r>
+              <a:rPr lang="en-US" sz="1200" dirty="0">
+                <a:solidFill>
+                  <a:prstClr val="black"/>
+                </a:solidFill>
+                <a:latin typeface="Courier New" panose="02070309020205020404" pitchFamily="49" charset="0"/>
+                <a:cs typeface="Courier New" panose="02070309020205020404" pitchFamily="49" charset="0"/>
+              </a:rPr>
+              <a:t> = (</a:t>
+            </a:r>
+            <a:r>
+              <a:rPr lang="en-US" sz="1200" dirty="0" err="1">
+                <a:solidFill>
+                  <a:srgbClr val="2B91AF"/>
+                </a:solidFill>
+                <a:latin typeface="Courier New" panose="02070309020205020404" pitchFamily="49" charset="0"/>
+                <a:cs typeface="Courier New" panose="02070309020205020404" pitchFamily="49" charset="0"/>
+              </a:rPr>
+              <a:t>EventHandler</a:t>
+            </a:r>
+            <a:r>
+              <a:rPr lang="en-US" sz="1200" dirty="0">
+                <a:solidFill>
+                  <a:prstClr val="black"/>
+                </a:solidFill>
+                <a:latin typeface="Courier New" panose="02070309020205020404" pitchFamily="49" charset="0"/>
+                <a:cs typeface="Courier New" panose="02070309020205020404" pitchFamily="49" charset="0"/>
+              </a:rPr>
+              <a:t>)_</a:t>
+            </a:r>
+            <a:r>
+              <a:rPr lang="en-US" sz="1200" dirty="0" err="1">
+                <a:solidFill>
+                  <a:prstClr val="black"/>
+                </a:solidFill>
+                <a:latin typeface="Courier New" panose="02070309020205020404" pitchFamily="49" charset="0"/>
+                <a:cs typeface="Courier New" panose="02070309020205020404" pitchFamily="49" charset="0"/>
+              </a:rPr>
+              <a:t>eventHandlerList</a:t>
+            </a:r>
+            <a:r>
+              <a:rPr lang="en-US" sz="1200" dirty="0">
+                <a:solidFill>
+                  <a:prstClr val="black"/>
+                </a:solidFill>
+                <a:latin typeface="Courier New" panose="02070309020205020404" pitchFamily="49" charset="0"/>
+                <a:cs typeface="Courier New" panose="02070309020205020404" pitchFamily="49" charset="0"/>
+              </a:rPr>
+              <a:t>[</a:t>
+            </a:r>
+            <a:r>
+              <a:rPr lang="en-US" sz="1200" dirty="0" err="1">
+                <a:solidFill>
+                  <a:prstClr val="black"/>
+                </a:solidFill>
+                <a:latin typeface="Courier New" panose="02070309020205020404" pitchFamily="49" charset="0"/>
+                <a:cs typeface="Courier New" panose="02070309020205020404" pitchFamily="49" charset="0"/>
+              </a:rPr>
+              <a:t>BookOpenedEventKey</a:t>
+            </a:r>
+            <a:r>
+              <a:rPr lang="en-US" sz="1200" dirty="0">
+                <a:solidFill>
+                  <a:prstClr val="black"/>
+                </a:solidFill>
+                <a:latin typeface="Courier New" panose="02070309020205020404" pitchFamily="49" charset="0"/>
+                <a:cs typeface="Courier New" panose="02070309020205020404" pitchFamily="49" charset="0"/>
+              </a:rPr>
+              <a:t>];</a:t>
+            </a:r>
+          </a:p>
+          <a:p>
+            <a:r>
+              <a:rPr lang="en-US" sz="1200" dirty="0">
+                <a:solidFill>
+                  <a:prstClr val="black"/>
+                </a:solidFill>
+                <a:latin typeface="Courier New" panose="02070309020205020404" pitchFamily="49" charset="0"/>
+                <a:cs typeface="Courier New" panose="02070309020205020404" pitchFamily="49" charset="0"/>
+              </a:rPr>
+              <a:t>        </a:t>
+            </a:r>
+            <a:r>
+              <a:rPr lang="en-US" sz="1200" dirty="0" err="1">
+                <a:solidFill>
+                  <a:prstClr val="black"/>
+                </a:solidFill>
+                <a:latin typeface="Courier New" panose="02070309020205020404" pitchFamily="49" charset="0"/>
+                <a:cs typeface="Courier New" panose="02070309020205020404" pitchFamily="49" charset="0"/>
+              </a:rPr>
+              <a:t>bookOpenedDelegate</a:t>
+            </a:r>
+            <a:r>
+              <a:rPr lang="en-US" sz="1200" dirty="0">
+                <a:solidFill>
+                  <a:prstClr val="black"/>
+                </a:solidFill>
+                <a:latin typeface="Courier New" panose="02070309020205020404" pitchFamily="49" charset="0"/>
+                <a:cs typeface="Courier New" panose="02070309020205020404" pitchFamily="49" charset="0"/>
+              </a:rPr>
+              <a:t>(</a:t>
+            </a:r>
+            <a:r>
+              <a:rPr lang="en-US" sz="1200" dirty="0">
+                <a:solidFill>
+                  <a:srgbClr val="0000FF"/>
+                </a:solidFill>
+                <a:latin typeface="Courier New" panose="02070309020205020404" pitchFamily="49" charset="0"/>
+                <a:cs typeface="Courier New" panose="02070309020205020404" pitchFamily="49" charset="0"/>
+              </a:rPr>
+              <a:t>this</a:t>
+            </a:r>
+            <a:r>
+              <a:rPr lang="en-US" sz="1200" dirty="0">
+                <a:solidFill>
+                  <a:prstClr val="black"/>
+                </a:solidFill>
+                <a:latin typeface="Courier New" panose="02070309020205020404" pitchFamily="49" charset="0"/>
+                <a:cs typeface="Courier New" panose="02070309020205020404" pitchFamily="49" charset="0"/>
+              </a:rPr>
+              <a:t>, </a:t>
+            </a:r>
+            <a:r>
+              <a:rPr lang="en-US" sz="1200" dirty="0" err="1">
+                <a:solidFill>
+                  <a:srgbClr val="2B91AF"/>
+                </a:solidFill>
+                <a:latin typeface="Courier New" panose="02070309020205020404" pitchFamily="49" charset="0"/>
+                <a:cs typeface="Courier New" panose="02070309020205020404" pitchFamily="49" charset="0"/>
+              </a:rPr>
+              <a:t>EventArgs</a:t>
+            </a:r>
+            <a:r>
+              <a:rPr lang="en-US" sz="1200" dirty="0" err="1">
+                <a:solidFill>
+                  <a:prstClr val="black"/>
+                </a:solidFill>
+                <a:latin typeface="Courier New" panose="02070309020205020404" pitchFamily="49" charset="0"/>
+                <a:cs typeface="Courier New" panose="02070309020205020404" pitchFamily="49" charset="0"/>
+              </a:rPr>
+              <a:t>.Empty</a:t>
+            </a:r>
+            <a:r>
+              <a:rPr lang="en-US" sz="1200" dirty="0">
+                <a:solidFill>
+                  <a:prstClr val="black"/>
+                </a:solidFill>
+                <a:latin typeface="Courier New" panose="02070309020205020404" pitchFamily="49" charset="0"/>
+                <a:cs typeface="Courier New" panose="02070309020205020404" pitchFamily="49" charset="0"/>
+              </a:rPr>
+              <a:t>);</a:t>
+            </a:r>
+          </a:p>
+          <a:p>
+            <a:r>
+              <a:rPr lang="en-US" sz="1200" dirty="0">
+                <a:solidFill>
+                  <a:prstClr val="black"/>
+                </a:solidFill>
+                <a:latin typeface="Courier New" panose="02070309020205020404" pitchFamily="49" charset="0"/>
+                <a:cs typeface="Courier New" panose="02070309020205020404" pitchFamily="49" charset="0"/>
+              </a:rPr>
+              <a:t>    }</a:t>
+            </a:r>
+          </a:p>
+          <a:p>
+            <a:r>
+              <a:rPr lang="en-US" sz="1200" dirty="0" smtClean="0">
+                <a:solidFill>
+                  <a:prstClr val="black"/>
+                </a:solidFill>
+                <a:latin typeface="Courier New" panose="02070309020205020404" pitchFamily="49" charset="0"/>
+                <a:cs typeface="Courier New" panose="02070309020205020404" pitchFamily="49" charset="0"/>
+              </a:rPr>
+              <a:t>}</a:t>
+            </a:r>
+            <a:endParaRPr lang="be-BY" sz="1200" dirty="0">
+              <a:solidFill>
+                <a:schemeClr val="bg1"/>
+              </a:solidFill>
+              <a:latin typeface="Courier New" panose="02070309020205020404" pitchFamily="49" charset="0"/>
+              <a:ea typeface="Calibri" pitchFamily="34" charset="0"/>
+              <a:cs typeface="Courier New" panose="02070309020205020404" pitchFamily="49" charset="0"/>
+            </a:endParaRPr>
+          </a:p>
+        </p:txBody>
+      </p:sp>
+      <p:sp>
+        <p:nvSpPr>
+          <p:cNvPr id="2" name="TextBox 1"/>
+          <p:cNvSpPr txBox="1"/>
+          <p:nvPr/>
+        </p:nvSpPr>
+        <p:spPr>
+          <a:xfrm>
+            <a:off x="152400" y="6300028"/>
+            <a:ext cx="8839200" cy="369332"/>
+          </a:xfrm>
+          <a:prstGeom prst="rect">
+            <a:avLst/>
+          </a:prstGeom>
+          <a:noFill/>
+        </p:spPr>
+        <p:txBody>
+          <a:bodyPr wrap="square" rtlCol="0">
+            <a:spAutoFit/>
+          </a:bodyPr>
+          <a:lstStyle/>
+          <a:p>
+            <a:r>
+              <a:rPr lang="ru-RU" dirty="0" smtClean="0">
+                <a:solidFill>
+                  <a:srgbClr val="FFFF00"/>
+                </a:solidFill>
+              </a:rPr>
+              <a:t>Полный текст программы смотрите в</a:t>
+            </a:r>
+            <a:r>
+              <a:rPr lang="en-US" dirty="0">
+                <a:solidFill>
+                  <a:srgbClr val="FFFF00"/>
+                </a:solidFill>
+              </a:rPr>
+              <a:t> </a:t>
+            </a:r>
+            <a:r>
+              <a:rPr lang="ru-RU" dirty="0" smtClean="0">
+                <a:solidFill>
+                  <a:srgbClr val="FFFF00"/>
+                </a:solidFill>
+              </a:rPr>
+              <a:t>примере </a:t>
+            </a:r>
+            <a:r>
+              <a:rPr lang="en-US" dirty="0" smtClean="0">
+                <a:solidFill>
+                  <a:srgbClr val="FFFF00"/>
+                </a:solidFill>
+              </a:rPr>
+              <a:t>L05-S02-EventHandlerList</a:t>
+            </a:r>
+            <a:endParaRPr lang="en-US" dirty="0">
+              <a:solidFill>
+                <a:srgbClr val="FFFF00"/>
+              </a:solidFill>
+            </a:endParaRPr>
+          </a:p>
+        </p:txBody>
+      </p:sp>
+    </p:spTree>
+    <p:extLst>
+      <p:ext uri="{BB962C8B-B14F-4D97-AF65-F5344CB8AC3E}">
+        <p14:creationId xmlns:p14="http://schemas.microsoft.com/office/powerpoint/2010/main" val="3317838411"/>
+      </p:ext>
+    </p:extLst>
+  </p:cSld>
+  <p:clrMapOvr>
+    <a:masterClrMapping/>
+  </p:clrMapOvr>
+  <p:timing>
+    <p:tnLst>
+      <p:par>
+        <p:cTn id="1" dur="indefinite" restart="never" nodeType="tmRoot"/>
+      </p:par>
+    </p:tnLst>
+  </p:timing>
+</p:sld>
+</file>
+
+<file path=ppt/slides/slide15.xml><?xml version="1.0" encoding="utf-8"?>
+<p:sld xmlns:a="http://schemas.openxmlformats.org/drawingml/2006/main" xmlns:r="http://schemas.openxmlformats.org/officeDocument/2006/relationships" xmlns:p="http://schemas.openxmlformats.org/presentationml/2006/main">
+  <p:cSld>
+    <p:bg>
+      <p:bgPr>
         <a:solidFill>
           <a:srgbClr val="6600CC"/>
         </a:solidFill>
@@ -7878,13 +9492,7 @@
               <a:rPr lang="ru-RU" i="1" dirty="0" smtClean="0">
                 <a:cs typeface="Arial" charset="0"/>
               </a:rPr>
-              <a:t>Смотрите текст задания</a:t>
-            </a:r>
-            <a:r>
-              <a:rPr lang="ru-RU" i="1" dirty="0" smtClean="0">
-                <a:cs typeface="Arial" charset="0"/>
-              </a:rPr>
-              <a:t> в файле </a:t>
+              <a:t>Смотрите текст задания в файле </a:t>
             </a:r>
             <a:r>
               <a:rPr lang="en-US" i="1" dirty="0" smtClean="0">

--- a/Presentation/lesson-05-events.pptx
+++ b/Presentation/lesson-05-events.pptx
@@ -19,7 +19,6 @@
     <p:sldId id="282" r:id="rId13"/>
     <p:sldId id="283" r:id="rId14"/>
     <p:sldId id="286" r:id="rId15"/>
-    <p:sldId id="284" r:id="rId16"/>
   </p:sldIdLst>
   <p:sldSz cx="9144000" cy="6858000" type="screen4x3"/>
   <p:notesSz cx="6858000" cy="9144000"/>
@@ -302,7 +301,7 @@
           <a:p>
             <a:fld id="{FAECF776-F836-4CCD-9497-99E5597B8B5D}" type="datetimeFigureOut">
               <a:rPr lang="en-US" smtClean="0"/>
-              <a:t>10/18/2013</a:t>
+              <a:t>11/5/2013</a:t>
             </a:fld>
             <a:endParaRPr lang="en-US"/>
           </a:p>
@@ -472,7 +471,7 @@
           <a:p>
             <a:fld id="{FAECF776-F836-4CCD-9497-99E5597B8B5D}" type="datetimeFigureOut">
               <a:rPr lang="en-US" smtClean="0"/>
-              <a:t>10/18/2013</a:t>
+              <a:t>11/5/2013</a:t>
             </a:fld>
             <a:endParaRPr lang="en-US"/>
           </a:p>
@@ -652,7 +651,7 @@
           <a:p>
             <a:fld id="{FAECF776-F836-4CCD-9497-99E5597B8B5D}" type="datetimeFigureOut">
               <a:rPr lang="en-US" smtClean="0"/>
-              <a:t>10/18/2013</a:t>
+              <a:t>11/5/2013</a:t>
             </a:fld>
             <a:endParaRPr lang="en-US"/>
           </a:p>
@@ -822,7 +821,7 @@
           <a:p>
             <a:fld id="{FAECF776-F836-4CCD-9497-99E5597B8B5D}" type="datetimeFigureOut">
               <a:rPr lang="en-US" smtClean="0"/>
-              <a:t>10/18/2013</a:t>
+              <a:t>11/5/2013</a:t>
             </a:fld>
             <a:endParaRPr lang="en-US"/>
           </a:p>
@@ -1068,7 +1067,7 @@
           <a:p>
             <a:fld id="{FAECF776-F836-4CCD-9497-99E5597B8B5D}" type="datetimeFigureOut">
               <a:rPr lang="en-US" smtClean="0"/>
-              <a:t>10/18/2013</a:t>
+              <a:t>11/5/2013</a:t>
             </a:fld>
             <a:endParaRPr lang="en-US"/>
           </a:p>
@@ -1356,7 +1355,7 @@
           <a:p>
             <a:fld id="{FAECF776-F836-4CCD-9497-99E5597B8B5D}" type="datetimeFigureOut">
               <a:rPr lang="en-US" smtClean="0"/>
-              <a:t>10/18/2013</a:t>
+              <a:t>11/5/2013</a:t>
             </a:fld>
             <a:endParaRPr lang="en-US"/>
           </a:p>
@@ -1778,7 +1777,7 @@
           <a:p>
             <a:fld id="{FAECF776-F836-4CCD-9497-99E5597B8B5D}" type="datetimeFigureOut">
               <a:rPr lang="en-US" smtClean="0"/>
-              <a:t>10/18/2013</a:t>
+              <a:t>11/5/2013</a:t>
             </a:fld>
             <a:endParaRPr lang="en-US"/>
           </a:p>
@@ -1896,7 +1895,7 @@
           <a:p>
             <a:fld id="{FAECF776-F836-4CCD-9497-99E5597B8B5D}" type="datetimeFigureOut">
               <a:rPr lang="en-US" smtClean="0"/>
-              <a:t>10/18/2013</a:t>
+              <a:t>11/5/2013</a:t>
             </a:fld>
             <a:endParaRPr lang="en-US"/>
           </a:p>
@@ -1991,7 +1990,7 @@
           <a:p>
             <a:fld id="{FAECF776-F836-4CCD-9497-99E5597B8B5D}" type="datetimeFigureOut">
               <a:rPr lang="en-US" smtClean="0"/>
-              <a:t>10/18/2013</a:t>
+              <a:t>11/5/2013</a:t>
             </a:fld>
             <a:endParaRPr lang="en-US"/>
           </a:p>
@@ -2268,7 +2267,7 @@
           <a:p>
             <a:fld id="{FAECF776-F836-4CCD-9497-99E5597B8B5D}" type="datetimeFigureOut">
               <a:rPr lang="en-US" smtClean="0"/>
-              <a:t>10/18/2013</a:t>
+              <a:t>11/5/2013</a:t>
             </a:fld>
             <a:endParaRPr lang="en-US"/>
           </a:p>
@@ -2521,7 +2520,7 @@
           <a:p>
             <a:fld id="{FAECF776-F836-4CCD-9497-99E5597B8B5D}" type="datetimeFigureOut">
               <a:rPr lang="en-US" smtClean="0"/>
-              <a:t>10/18/2013</a:t>
+              <a:t>11/5/2013</a:t>
             </a:fld>
             <a:endParaRPr lang="en-US"/>
           </a:p>
@@ -2734,7 +2733,7 @@
           <a:p>
             <a:fld id="{FAECF776-F836-4CCD-9497-99E5597B8B5D}" type="datetimeFigureOut">
               <a:rPr lang="en-US" smtClean="0"/>
-              <a:t>10/18/2013</a:t>
+              <a:t>11/5/2013</a:t>
             </a:fld>
             <a:endParaRPr lang="en-US"/>
           </a:p>
@@ -5722,7 +5721,31 @@
                   <a:schemeClr val="bg1"/>
                 </a:solidFill>
               </a:rPr>
-              <a:t>обработки </a:t>
+              <a:t>обработки событий в </a:t>
+            </a:r>
+            <a:r>
+              <a:rPr lang="ru-RU" sz="1600" dirty="0" smtClean="0">
+                <a:solidFill>
+                  <a:schemeClr val="bg1"/>
+                </a:solidFill>
+              </a:rPr>
+              <a:t>приложениях </a:t>
+            </a:r>
+            <a:r>
+              <a:rPr lang="en-US" sz="1600" dirty="0" smtClean="0">
+                <a:solidFill>
+                  <a:schemeClr val="bg1"/>
+                </a:solidFill>
+              </a:rPr>
+              <a:t>Windows Forms</a:t>
+            </a:r>
+            <a:r>
+              <a:rPr lang="ru-RU" sz="1600" dirty="0" smtClean="0">
+                <a:solidFill>
+                  <a:schemeClr val="bg1"/>
+                </a:solidFill>
+              </a:rPr>
+              <a:t> </a:t>
             </a:r>
             <a:r>
               <a:rPr lang="ru-RU" sz="1600" dirty="0">
@@ -5730,47 +5753,7 @@
                   <a:schemeClr val="bg1"/>
                 </a:solidFill>
               </a:rPr>
-              <a:t>событий в </a:t>
-            </a:r>
-            <a:r>
-              <a:rPr lang="ru-RU" sz="1600" dirty="0" smtClean="0">
-                <a:solidFill>
-                  <a:schemeClr val="bg1"/>
-                </a:solidFill>
-              </a:rPr>
-              <a:t>приложениях </a:t>
-            </a:r>
-            <a:r>
-              <a:rPr lang="en-US" sz="1600" dirty="0" smtClean="0">
-                <a:solidFill>
-                  <a:schemeClr val="bg1"/>
-                </a:solidFill>
-              </a:rPr>
-              <a:t>Windows Forms</a:t>
-            </a:r>
-            <a:r>
-              <a:rPr lang="ru-RU" sz="1600" dirty="0" smtClean="0">
-                <a:solidFill>
-                  <a:schemeClr val="bg1"/>
-                </a:solidFill>
-              </a:rPr>
-              <a:t> </a:t>
-            </a:r>
-            <a:r>
-              <a:rPr lang="ru-RU" sz="1600" dirty="0">
-                <a:solidFill>
-                  <a:schemeClr val="bg1"/>
-                </a:solidFill>
-              </a:rPr>
-              <a:t>применяются </a:t>
-            </a:r>
-            <a:r>
-              <a:rPr lang="ru-RU" sz="1600" dirty="0">
-                <a:solidFill>
-                  <a:schemeClr val="bg1"/>
-                </a:solidFill>
-              </a:rPr>
-              <a:t>готовые делегаты</a:t>
+              <a:t>применяются готовые делегаты</a:t>
             </a:r>
             <a:r>
               <a:rPr lang="en-US" sz="1600" dirty="0">
@@ -9206,310 +9189,6 @@
     <p:extLst>
       <p:ext uri="{BB962C8B-B14F-4D97-AF65-F5344CB8AC3E}">
         <p14:creationId xmlns:p14="http://schemas.microsoft.com/office/powerpoint/2010/main" val="3317838411"/>
-      </p:ext>
-    </p:extLst>
-  </p:cSld>
-  <p:clrMapOvr>
-    <a:masterClrMapping/>
-  </p:clrMapOvr>
-  <p:timing>
-    <p:tnLst>
-      <p:par>
-        <p:cTn id="1" dur="indefinite" restart="never" nodeType="tmRoot"/>
-      </p:par>
-    </p:tnLst>
-  </p:timing>
-</p:sld>
-</file>
-
-<file path=ppt/slides/slide15.xml><?xml version="1.0" encoding="utf-8"?>
-<p:sld xmlns:a="http://schemas.openxmlformats.org/drawingml/2006/main" xmlns:r="http://schemas.openxmlformats.org/officeDocument/2006/relationships" xmlns:p="http://schemas.openxmlformats.org/presentationml/2006/main">
-  <p:cSld>
-    <p:bg>
-      <p:bgPr>
-        <a:solidFill>
-          <a:srgbClr val="6600CC"/>
-        </a:solidFill>
-        <a:effectLst/>
-      </p:bgPr>
-    </p:bg>
-    <p:spTree>
-      <p:nvGrpSpPr>
-        <p:cNvPr id="1" name=""/>
-        <p:cNvGrpSpPr/>
-        <p:nvPr/>
-      </p:nvGrpSpPr>
-      <p:grpSpPr>
-        <a:xfrm>
-          <a:off x="0" y="0"/>
-          <a:ext cx="0" cy="0"/>
-          <a:chOff x="0" y="0"/>
-          <a:chExt cx="0" cy="0"/>
-        </a:xfrm>
-      </p:grpSpPr>
-      <p:sp>
-        <p:nvSpPr>
-          <p:cNvPr id="12290" name="Прямоугольник 2"/>
-          <p:cNvSpPr>
-            <a:spLocks noChangeArrowheads="1"/>
-          </p:cNvSpPr>
-          <p:nvPr/>
-        </p:nvSpPr>
-        <p:spPr bwMode="auto">
-          <a:xfrm>
-            <a:off x="2133600" y="0"/>
-            <a:ext cx="5105400" cy="461963"/>
-          </a:xfrm>
-          <a:prstGeom prst="rect">
-            <a:avLst/>
-          </a:prstGeom>
-          <a:noFill/>
-          <a:ln>
-            <a:noFill/>
-          </a:ln>
-          <a:extLst>
-            <a:ext uri="{909E8E84-426E-40DD-AFC4-6F175D3DCCD1}">
-              <a14:hiddenFill xmlns:a14="http://schemas.microsoft.com/office/drawing/2010/main">
-                <a:solidFill>
-                  <a:srgbClr val="FFFFFF"/>
-                </a:solidFill>
-              </a14:hiddenFill>
-            </a:ext>
-            <a:ext uri="{91240B29-F687-4F45-9708-019B960494DF}">
-              <a14:hiddenLine xmlns:a14="http://schemas.microsoft.com/office/drawing/2010/main" w="9525">
-                <a:solidFill>
-                  <a:srgbClr val="000000"/>
-                </a:solidFill>
-                <a:miter lim="800000"/>
-                <a:headEnd/>
-                <a:tailEnd/>
-              </a14:hiddenLine>
-            </a:ext>
-          </a:extLst>
-        </p:spPr>
-        <p:txBody>
-          <a:bodyPr>
-            <a:spAutoFit/>
-          </a:bodyPr>
-          <a:lstStyle/>
-          <a:p>
-            <a:pPr algn="ctr"/>
-            <a:r>
-              <a:rPr lang="ru-RU" sz="2400" b="1" dirty="0" smtClean="0"/>
-              <a:t>Домашнее задание</a:t>
-            </a:r>
-            <a:endParaRPr lang="ru-RU" sz="2400" b="1" dirty="0"/>
-          </a:p>
-        </p:txBody>
-      </p:sp>
-      <p:sp>
-        <p:nvSpPr>
-          <p:cNvPr id="8" name="TextBox 6"/>
-          <p:cNvSpPr txBox="1">
-            <a:spLocks noChangeArrowheads="1"/>
-          </p:cNvSpPr>
-          <p:nvPr/>
-        </p:nvSpPr>
-        <p:spPr bwMode="auto">
-          <a:xfrm>
-            <a:off x="152400" y="620688"/>
-            <a:ext cx="8839200" cy="923330"/>
-          </a:xfrm>
-          <a:prstGeom prst="rect">
-            <a:avLst/>
-          </a:prstGeom>
-          <a:noFill/>
-          <a:ln>
-            <a:noFill/>
-          </a:ln>
-          <a:extLst>
-            <a:ext uri="{909E8E84-426E-40DD-AFC4-6F175D3DCCD1}">
-              <a14:hiddenFill xmlns:a14="http://schemas.microsoft.com/office/drawing/2010/main">
-                <a:solidFill>
-                  <a:srgbClr val="FFFFFF"/>
-                </a:solidFill>
-              </a14:hiddenFill>
-            </a:ext>
-            <a:ext uri="{91240B29-F687-4F45-9708-019B960494DF}">
-              <a14:hiddenLine xmlns:a14="http://schemas.microsoft.com/office/drawing/2010/main" w="9525">
-                <a:solidFill>
-                  <a:srgbClr val="000000"/>
-                </a:solidFill>
-                <a:miter lim="800000"/>
-                <a:headEnd/>
-                <a:tailEnd/>
-              </a14:hiddenLine>
-            </a:ext>
-          </a:extLst>
-        </p:spPr>
-        <p:txBody>
-          <a:bodyPr>
-            <a:spAutoFit/>
-          </a:bodyPr>
-          <a:lstStyle>
-            <a:lvl1pPr defTabSz="358775" eaLnBrk="0" hangingPunct="0">
-              <a:defRPr>
-                <a:solidFill>
-                  <a:schemeClr val="tx1"/>
-                </a:solidFill>
-                <a:latin typeface="Arial" charset="0"/>
-              </a:defRPr>
-            </a:lvl1pPr>
-            <a:lvl2pPr marL="742950" indent="-285750" defTabSz="358775" eaLnBrk="0" hangingPunct="0">
-              <a:defRPr>
-                <a:solidFill>
-                  <a:schemeClr val="tx1"/>
-                </a:solidFill>
-                <a:latin typeface="Arial" charset="0"/>
-              </a:defRPr>
-            </a:lvl2pPr>
-            <a:lvl3pPr marL="1143000" indent="-228600" defTabSz="358775" eaLnBrk="0" hangingPunct="0">
-              <a:defRPr>
-                <a:solidFill>
-                  <a:schemeClr val="tx1"/>
-                </a:solidFill>
-                <a:latin typeface="Arial" charset="0"/>
-              </a:defRPr>
-            </a:lvl3pPr>
-            <a:lvl4pPr marL="1600200" indent="-228600" defTabSz="358775" eaLnBrk="0" hangingPunct="0">
-              <a:defRPr>
-                <a:solidFill>
-                  <a:schemeClr val="tx1"/>
-                </a:solidFill>
-                <a:latin typeface="Arial" charset="0"/>
-              </a:defRPr>
-            </a:lvl4pPr>
-            <a:lvl5pPr marL="2057400" indent="-228600" defTabSz="358775" eaLnBrk="0" hangingPunct="0">
-              <a:defRPr>
-                <a:solidFill>
-                  <a:schemeClr val="tx1"/>
-                </a:solidFill>
-                <a:latin typeface="Arial" charset="0"/>
-              </a:defRPr>
-            </a:lvl5pPr>
-            <a:lvl6pPr marL="2514600" indent="-228600" defTabSz="358775" eaLnBrk="0" fontAlgn="base" hangingPunct="0">
-              <a:spcBef>
-                <a:spcPct val="0"/>
-              </a:spcBef>
-              <a:spcAft>
-                <a:spcPct val="0"/>
-              </a:spcAft>
-              <a:defRPr>
-                <a:solidFill>
-                  <a:schemeClr val="tx1"/>
-                </a:solidFill>
-                <a:latin typeface="Arial" charset="0"/>
-              </a:defRPr>
-            </a:lvl6pPr>
-            <a:lvl7pPr marL="2971800" indent="-228600" defTabSz="358775" eaLnBrk="0" fontAlgn="base" hangingPunct="0">
-              <a:spcBef>
-                <a:spcPct val="0"/>
-              </a:spcBef>
-              <a:spcAft>
-                <a:spcPct val="0"/>
-              </a:spcAft>
-              <a:defRPr>
-                <a:solidFill>
-                  <a:schemeClr val="tx1"/>
-                </a:solidFill>
-                <a:latin typeface="Arial" charset="0"/>
-              </a:defRPr>
-            </a:lvl7pPr>
-            <a:lvl8pPr marL="3429000" indent="-228600" defTabSz="358775" eaLnBrk="0" fontAlgn="base" hangingPunct="0">
-              <a:spcBef>
-                <a:spcPct val="0"/>
-              </a:spcBef>
-              <a:spcAft>
-                <a:spcPct val="0"/>
-              </a:spcAft>
-              <a:defRPr>
-                <a:solidFill>
-                  <a:schemeClr val="tx1"/>
-                </a:solidFill>
-                <a:latin typeface="Arial" charset="0"/>
-              </a:defRPr>
-            </a:lvl8pPr>
-            <a:lvl9pPr marL="3886200" indent="-228600" defTabSz="358775" eaLnBrk="0" fontAlgn="base" hangingPunct="0">
-              <a:spcBef>
-                <a:spcPct val="0"/>
-              </a:spcBef>
-              <a:spcAft>
-                <a:spcPct val="0"/>
-              </a:spcAft>
-              <a:defRPr>
-                <a:solidFill>
-                  <a:schemeClr val="tx1"/>
-                </a:solidFill>
-                <a:latin typeface="Arial" charset="0"/>
-              </a:defRPr>
-            </a:lvl9pPr>
-          </a:lstStyle>
-          <a:p>
-            <a:pPr eaLnBrk="1" hangingPunct="1"/>
-            <a:r>
-              <a:rPr lang="ru-RU" i="1" dirty="0" smtClean="0">
-                <a:cs typeface="Arial" charset="0"/>
-              </a:rPr>
-              <a:t>Создание </a:t>
-            </a:r>
-            <a:r>
-              <a:rPr lang="ru-RU" i="1" dirty="0">
-                <a:cs typeface="Arial" charset="0"/>
-              </a:rPr>
-              <a:t>класса </a:t>
-            </a:r>
-            <a:r>
-              <a:rPr lang="en-US" i="1" dirty="0">
-                <a:cs typeface="Arial" charset="0"/>
-              </a:rPr>
-              <a:t>“</a:t>
-            </a:r>
-            <a:r>
-              <a:rPr lang="ru-RU" i="1" dirty="0">
-                <a:cs typeface="Arial" charset="0"/>
-              </a:rPr>
-              <a:t>Секундомер</a:t>
-            </a:r>
-            <a:r>
-              <a:rPr lang="en-US" i="1" dirty="0" smtClean="0">
-                <a:cs typeface="Arial" charset="0"/>
-              </a:rPr>
-              <a:t>”.</a:t>
-            </a:r>
-            <a:endParaRPr lang="ru-RU" i="1" dirty="0" smtClean="0">
-              <a:cs typeface="Arial" charset="0"/>
-            </a:endParaRPr>
-          </a:p>
-          <a:p>
-            <a:pPr eaLnBrk="1" hangingPunct="1"/>
-            <a:endParaRPr lang="ru-RU" i="1" dirty="0">
-              <a:cs typeface="Arial" charset="0"/>
-            </a:endParaRPr>
-          </a:p>
-          <a:p>
-            <a:pPr eaLnBrk="1" hangingPunct="1"/>
-            <a:r>
-              <a:rPr lang="ru-RU" i="1" dirty="0" smtClean="0">
-                <a:cs typeface="Arial" charset="0"/>
-              </a:rPr>
-              <a:t>Смотрите текст задания в файле </a:t>
-            </a:r>
-            <a:r>
-              <a:rPr lang="en-US" i="1" dirty="0" smtClean="0">
-                <a:cs typeface="Arial" charset="0"/>
-              </a:rPr>
-              <a:t>gui-seconds-counter.docx</a:t>
-            </a:r>
-            <a:endParaRPr lang="en-US" i="1" dirty="0">
-              <a:cs typeface="Arial" charset="0"/>
-            </a:endParaRPr>
-          </a:p>
-        </p:txBody>
-      </p:sp>
-    </p:spTree>
-    <p:extLst>
-      <p:ext uri="{BB962C8B-B14F-4D97-AF65-F5344CB8AC3E}">
-        <p14:creationId xmlns:p14="http://schemas.microsoft.com/office/powerpoint/2010/main" val="1333012541"/>
       </p:ext>
     </p:extLst>
   </p:cSld>

--- a/Presentation/lesson-05-events.pptx
+++ b/Presentation/lesson-05-events.pptx
@@ -19,6 +19,7 @@
     <p:sldId id="282" r:id="rId13"/>
     <p:sldId id="283" r:id="rId14"/>
     <p:sldId id="286" r:id="rId15"/>
+    <p:sldId id="287" r:id="rId16"/>
   </p:sldIdLst>
   <p:sldSz cx="9144000" cy="6858000" type="screen4x3"/>
   <p:notesSz cx="6858000" cy="9144000"/>
@@ -301,7 +302,7 @@
           <a:p>
             <a:fld id="{FAECF776-F836-4CCD-9497-99E5597B8B5D}" type="datetimeFigureOut">
               <a:rPr lang="en-US" smtClean="0"/>
-              <a:t>11/5/2013</a:t>
+              <a:t>11/6/2013</a:t>
             </a:fld>
             <a:endParaRPr lang="en-US"/>
           </a:p>
@@ -471,7 +472,7 @@
           <a:p>
             <a:fld id="{FAECF776-F836-4CCD-9497-99E5597B8B5D}" type="datetimeFigureOut">
               <a:rPr lang="en-US" smtClean="0"/>
-              <a:t>11/5/2013</a:t>
+              <a:t>11/6/2013</a:t>
             </a:fld>
             <a:endParaRPr lang="en-US"/>
           </a:p>
@@ -651,7 +652,7 @@
           <a:p>
             <a:fld id="{FAECF776-F836-4CCD-9497-99E5597B8B5D}" type="datetimeFigureOut">
               <a:rPr lang="en-US" smtClean="0"/>
-              <a:t>11/5/2013</a:t>
+              <a:t>11/6/2013</a:t>
             </a:fld>
             <a:endParaRPr lang="en-US"/>
           </a:p>
@@ -821,7 +822,7 @@
           <a:p>
             <a:fld id="{FAECF776-F836-4CCD-9497-99E5597B8B5D}" type="datetimeFigureOut">
               <a:rPr lang="en-US" smtClean="0"/>
-              <a:t>11/5/2013</a:t>
+              <a:t>11/6/2013</a:t>
             </a:fld>
             <a:endParaRPr lang="en-US"/>
           </a:p>
@@ -1067,7 +1068,7 @@
           <a:p>
             <a:fld id="{FAECF776-F836-4CCD-9497-99E5597B8B5D}" type="datetimeFigureOut">
               <a:rPr lang="en-US" smtClean="0"/>
-              <a:t>11/5/2013</a:t>
+              <a:t>11/6/2013</a:t>
             </a:fld>
             <a:endParaRPr lang="en-US"/>
           </a:p>
@@ -1355,7 +1356,7 @@
           <a:p>
             <a:fld id="{FAECF776-F836-4CCD-9497-99E5597B8B5D}" type="datetimeFigureOut">
               <a:rPr lang="en-US" smtClean="0"/>
-              <a:t>11/5/2013</a:t>
+              <a:t>11/6/2013</a:t>
             </a:fld>
             <a:endParaRPr lang="en-US"/>
           </a:p>
@@ -1777,7 +1778,7 @@
           <a:p>
             <a:fld id="{FAECF776-F836-4CCD-9497-99E5597B8B5D}" type="datetimeFigureOut">
               <a:rPr lang="en-US" smtClean="0"/>
-              <a:t>11/5/2013</a:t>
+              <a:t>11/6/2013</a:t>
             </a:fld>
             <a:endParaRPr lang="en-US"/>
           </a:p>
@@ -1895,7 +1896,7 @@
           <a:p>
             <a:fld id="{FAECF776-F836-4CCD-9497-99E5597B8B5D}" type="datetimeFigureOut">
               <a:rPr lang="en-US" smtClean="0"/>
-              <a:t>11/5/2013</a:t>
+              <a:t>11/6/2013</a:t>
             </a:fld>
             <a:endParaRPr lang="en-US"/>
           </a:p>
@@ -1990,7 +1991,7 @@
           <a:p>
             <a:fld id="{FAECF776-F836-4CCD-9497-99E5597B8B5D}" type="datetimeFigureOut">
               <a:rPr lang="en-US" smtClean="0"/>
-              <a:t>11/5/2013</a:t>
+              <a:t>11/6/2013</a:t>
             </a:fld>
             <a:endParaRPr lang="en-US"/>
           </a:p>
@@ -2267,7 +2268,7 @@
           <a:p>
             <a:fld id="{FAECF776-F836-4CCD-9497-99E5597B8B5D}" type="datetimeFigureOut">
               <a:rPr lang="en-US" smtClean="0"/>
-              <a:t>11/5/2013</a:t>
+              <a:t>11/6/2013</a:t>
             </a:fld>
             <a:endParaRPr lang="en-US"/>
           </a:p>
@@ -2520,7 +2521,7 @@
           <a:p>
             <a:fld id="{FAECF776-F836-4CCD-9497-99E5597B8B5D}" type="datetimeFigureOut">
               <a:rPr lang="en-US" smtClean="0"/>
-              <a:t>11/5/2013</a:t>
+              <a:t>11/6/2013</a:t>
             </a:fld>
             <a:endParaRPr lang="en-US"/>
           </a:p>
@@ -2733,7 +2734,7 @@
           <a:p>
             <a:fld id="{FAECF776-F836-4CCD-9497-99E5597B8B5D}" type="datetimeFigureOut">
               <a:rPr lang="en-US" smtClean="0"/>
-              <a:t>11/5/2013</a:t>
+              <a:t>11/6/2013</a:t>
             </a:fld>
             <a:endParaRPr lang="en-US"/>
           </a:p>
@@ -9205,6 +9206,348 @@
 </p:sld>
 </file>
 
+<file path=ppt/slides/slide15.xml><?xml version="1.0" encoding="utf-8"?>
+<p:sld xmlns:a="http://schemas.openxmlformats.org/drawingml/2006/main" xmlns:r="http://schemas.openxmlformats.org/officeDocument/2006/relationships" xmlns:p="http://schemas.openxmlformats.org/presentationml/2006/main">
+  <p:cSld>
+    <p:bg>
+      <p:bgPr>
+        <a:solidFill>
+          <a:srgbClr val="6600CC"/>
+        </a:solidFill>
+        <a:effectLst/>
+      </p:bgPr>
+    </p:bg>
+    <p:spTree>
+      <p:nvGrpSpPr>
+        <p:cNvPr id="1" name=""/>
+        <p:cNvGrpSpPr/>
+        <p:nvPr/>
+      </p:nvGrpSpPr>
+      <p:grpSpPr>
+        <a:xfrm>
+          <a:off x="0" y="0"/>
+          <a:ext cx="0" cy="0"/>
+          <a:chOff x="0" y="0"/>
+          <a:chExt cx="0" cy="0"/>
+        </a:xfrm>
+      </p:grpSpPr>
+      <p:sp>
+        <p:nvSpPr>
+          <p:cNvPr id="12290" name="Прямоугольник 2"/>
+          <p:cNvSpPr>
+            <a:spLocks noChangeArrowheads="1"/>
+          </p:cNvSpPr>
+          <p:nvPr/>
+        </p:nvSpPr>
+        <p:spPr bwMode="auto">
+          <a:xfrm>
+            <a:off x="2133600" y="0"/>
+            <a:ext cx="5105400" cy="461963"/>
+          </a:xfrm>
+          <a:prstGeom prst="rect">
+            <a:avLst/>
+          </a:prstGeom>
+          <a:noFill/>
+          <a:ln>
+            <a:noFill/>
+          </a:ln>
+          <a:extLst>
+            <a:ext uri="{909E8E84-426E-40DD-AFC4-6F175D3DCCD1}">
+              <a14:hiddenFill xmlns:a14="http://schemas.microsoft.com/office/drawing/2010/main">
+                <a:solidFill>
+                  <a:srgbClr val="FFFFFF"/>
+                </a:solidFill>
+              </a14:hiddenFill>
+            </a:ext>
+            <a:ext uri="{91240B29-F687-4F45-9708-019B960494DF}">
+              <a14:hiddenLine xmlns:a14="http://schemas.microsoft.com/office/drawing/2010/main" w="9525">
+                <a:solidFill>
+                  <a:srgbClr val="000000"/>
+                </a:solidFill>
+                <a:miter lim="800000"/>
+                <a:headEnd/>
+                <a:tailEnd/>
+              </a14:hiddenLine>
+            </a:ext>
+          </a:extLst>
+        </p:spPr>
+        <p:txBody>
+          <a:bodyPr>
+            <a:spAutoFit/>
+          </a:bodyPr>
+          <a:lstStyle/>
+          <a:p>
+            <a:pPr algn="ctr"/>
+            <a:r>
+              <a:rPr lang="ru-RU" sz="2400" b="1" dirty="0" smtClean="0">
+                <a:solidFill>
+                  <a:srgbClr val="FFFFFF"/>
+                </a:solidFill>
+              </a:rPr>
+              <a:t>Домашнее задание</a:t>
+            </a:r>
+            <a:endParaRPr lang="ru-RU" sz="2400" b="1" dirty="0">
+              <a:solidFill>
+                <a:srgbClr val="FFFFFF"/>
+              </a:solidFill>
+            </a:endParaRPr>
+          </a:p>
+        </p:txBody>
+      </p:sp>
+      <p:sp>
+        <p:nvSpPr>
+          <p:cNvPr id="8" name="TextBox 6"/>
+          <p:cNvSpPr txBox="1">
+            <a:spLocks noChangeArrowheads="1"/>
+          </p:cNvSpPr>
+          <p:nvPr/>
+        </p:nvSpPr>
+        <p:spPr bwMode="auto">
+          <a:xfrm>
+            <a:off x="152400" y="620688"/>
+            <a:ext cx="8839200" cy="923330"/>
+          </a:xfrm>
+          <a:prstGeom prst="rect">
+            <a:avLst/>
+          </a:prstGeom>
+          <a:noFill/>
+          <a:ln>
+            <a:noFill/>
+          </a:ln>
+          <a:extLst>
+            <a:ext uri="{909E8E84-426E-40DD-AFC4-6F175D3DCCD1}">
+              <a14:hiddenFill xmlns:a14="http://schemas.microsoft.com/office/drawing/2010/main">
+                <a:solidFill>
+                  <a:srgbClr val="FFFFFF"/>
+                </a:solidFill>
+              </a14:hiddenFill>
+            </a:ext>
+            <a:ext uri="{91240B29-F687-4F45-9708-019B960494DF}">
+              <a14:hiddenLine xmlns:a14="http://schemas.microsoft.com/office/drawing/2010/main" w="9525">
+                <a:solidFill>
+                  <a:srgbClr val="000000"/>
+                </a:solidFill>
+                <a:miter lim="800000"/>
+                <a:headEnd/>
+                <a:tailEnd/>
+              </a14:hiddenLine>
+            </a:ext>
+          </a:extLst>
+        </p:spPr>
+        <p:txBody>
+          <a:bodyPr>
+            <a:spAutoFit/>
+          </a:bodyPr>
+          <a:lstStyle>
+            <a:lvl1pPr defTabSz="358775" eaLnBrk="0" hangingPunct="0">
+              <a:defRPr>
+                <a:solidFill>
+                  <a:schemeClr val="tx1"/>
+                </a:solidFill>
+                <a:latin typeface="Arial" charset="0"/>
+              </a:defRPr>
+            </a:lvl1pPr>
+            <a:lvl2pPr marL="742950" indent="-285750" defTabSz="358775" eaLnBrk="0" hangingPunct="0">
+              <a:defRPr>
+                <a:solidFill>
+                  <a:schemeClr val="tx1"/>
+                </a:solidFill>
+                <a:latin typeface="Arial" charset="0"/>
+              </a:defRPr>
+            </a:lvl2pPr>
+            <a:lvl3pPr marL="1143000" indent="-228600" defTabSz="358775" eaLnBrk="0" hangingPunct="0">
+              <a:defRPr>
+                <a:solidFill>
+                  <a:schemeClr val="tx1"/>
+                </a:solidFill>
+                <a:latin typeface="Arial" charset="0"/>
+              </a:defRPr>
+            </a:lvl3pPr>
+            <a:lvl4pPr marL="1600200" indent="-228600" defTabSz="358775" eaLnBrk="0" hangingPunct="0">
+              <a:defRPr>
+                <a:solidFill>
+                  <a:schemeClr val="tx1"/>
+                </a:solidFill>
+                <a:latin typeface="Arial" charset="0"/>
+              </a:defRPr>
+            </a:lvl4pPr>
+            <a:lvl5pPr marL="2057400" indent="-228600" defTabSz="358775" eaLnBrk="0" hangingPunct="0">
+              <a:defRPr>
+                <a:solidFill>
+                  <a:schemeClr val="tx1"/>
+                </a:solidFill>
+                <a:latin typeface="Arial" charset="0"/>
+              </a:defRPr>
+            </a:lvl5pPr>
+            <a:lvl6pPr marL="2514600" indent="-228600" defTabSz="358775" eaLnBrk="0" fontAlgn="base" hangingPunct="0">
+              <a:spcBef>
+                <a:spcPct val="0"/>
+              </a:spcBef>
+              <a:spcAft>
+                <a:spcPct val="0"/>
+              </a:spcAft>
+              <a:defRPr>
+                <a:solidFill>
+                  <a:schemeClr val="tx1"/>
+                </a:solidFill>
+                <a:latin typeface="Arial" charset="0"/>
+              </a:defRPr>
+            </a:lvl6pPr>
+            <a:lvl7pPr marL="2971800" indent="-228600" defTabSz="358775" eaLnBrk="0" fontAlgn="base" hangingPunct="0">
+              <a:spcBef>
+                <a:spcPct val="0"/>
+              </a:spcBef>
+              <a:spcAft>
+                <a:spcPct val="0"/>
+              </a:spcAft>
+              <a:defRPr>
+                <a:solidFill>
+                  <a:schemeClr val="tx1"/>
+                </a:solidFill>
+                <a:latin typeface="Arial" charset="0"/>
+              </a:defRPr>
+            </a:lvl7pPr>
+            <a:lvl8pPr marL="3429000" indent="-228600" defTabSz="358775" eaLnBrk="0" fontAlgn="base" hangingPunct="0">
+              <a:spcBef>
+                <a:spcPct val="0"/>
+              </a:spcBef>
+              <a:spcAft>
+                <a:spcPct val="0"/>
+              </a:spcAft>
+              <a:defRPr>
+                <a:solidFill>
+                  <a:schemeClr val="tx1"/>
+                </a:solidFill>
+                <a:latin typeface="Arial" charset="0"/>
+              </a:defRPr>
+            </a:lvl8pPr>
+            <a:lvl9pPr marL="3886200" indent="-228600" defTabSz="358775" eaLnBrk="0" fontAlgn="base" hangingPunct="0">
+              <a:spcBef>
+                <a:spcPct val="0"/>
+              </a:spcBef>
+              <a:spcAft>
+                <a:spcPct val="0"/>
+              </a:spcAft>
+              <a:defRPr>
+                <a:solidFill>
+                  <a:schemeClr val="tx1"/>
+                </a:solidFill>
+                <a:latin typeface="Arial" charset="0"/>
+              </a:defRPr>
+            </a:lvl9pPr>
+          </a:lstStyle>
+          <a:p>
+            <a:pPr eaLnBrk="1" hangingPunct="1"/>
+            <a:r>
+              <a:rPr lang="ru-RU" i="1" dirty="0" smtClean="0">
+                <a:solidFill>
+                  <a:srgbClr val="FFFFFF"/>
+                </a:solidFill>
+                <a:cs typeface="Arial" charset="0"/>
+              </a:rPr>
+              <a:t>Создание </a:t>
+            </a:r>
+            <a:r>
+              <a:rPr lang="ru-RU" i="1" dirty="0">
+                <a:solidFill>
+                  <a:srgbClr val="FFFFFF"/>
+                </a:solidFill>
+                <a:cs typeface="Arial" charset="0"/>
+              </a:rPr>
+              <a:t>класса </a:t>
+            </a:r>
+            <a:r>
+              <a:rPr lang="en-US" i="1" dirty="0" smtClean="0">
+                <a:solidFill>
+                  <a:srgbClr val="FFFFFF"/>
+                </a:solidFill>
+                <a:cs typeface="Arial" charset="0"/>
+              </a:rPr>
+              <a:t>“</a:t>
+            </a:r>
+            <a:r>
+              <a:rPr lang="ru-RU" i="1" dirty="0" smtClean="0">
+                <a:solidFill>
+                  <a:srgbClr val="FFFFFF"/>
+                </a:solidFill>
+                <a:cs typeface="Arial" charset="0"/>
+              </a:rPr>
+              <a:t>Аккумулятор</a:t>
+            </a:r>
+            <a:r>
+              <a:rPr lang="en-US" i="1" dirty="0" smtClean="0">
+                <a:solidFill>
+                  <a:srgbClr val="FFFFFF"/>
+                </a:solidFill>
+                <a:cs typeface="Arial" charset="0"/>
+              </a:rPr>
+              <a:t>”.</a:t>
+            </a:r>
+            <a:endParaRPr lang="ru-RU" i="1" dirty="0" smtClean="0">
+              <a:solidFill>
+                <a:srgbClr val="FFFFFF"/>
+              </a:solidFill>
+              <a:cs typeface="Arial" charset="0"/>
+            </a:endParaRPr>
+          </a:p>
+          <a:p>
+            <a:pPr eaLnBrk="1" hangingPunct="1"/>
+            <a:endParaRPr lang="ru-RU" i="1" dirty="0">
+              <a:solidFill>
+                <a:srgbClr val="FFFFFF"/>
+              </a:solidFill>
+              <a:cs typeface="Arial" charset="0"/>
+            </a:endParaRPr>
+          </a:p>
+          <a:p>
+            <a:pPr eaLnBrk="1" hangingPunct="1"/>
+            <a:r>
+              <a:rPr lang="ru-RU" i="1" dirty="0" smtClean="0">
+                <a:solidFill>
+                  <a:srgbClr val="FFFFFF"/>
+                </a:solidFill>
+                <a:cs typeface="Arial" charset="0"/>
+              </a:rPr>
+              <a:t>Смотрите текст задания в файле </a:t>
+            </a:r>
+            <a:r>
+              <a:rPr lang="en-US" i="1" smtClean="0">
+                <a:solidFill>
+                  <a:srgbClr val="FFFFFF"/>
+                </a:solidFill>
+                <a:cs typeface="Arial" charset="0"/>
+              </a:rPr>
+              <a:t>Homework\battery.docx</a:t>
+            </a:r>
+            <a:endParaRPr lang="en-US" i="1" dirty="0">
+              <a:solidFill>
+                <a:srgbClr val="FFFFFF"/>
+              </a:solidFill>
+              <a:cs typeface="Arial" charset="0"/>
+            </a:endParaRPr>
+          </a:p>
+        </p:txBody>
+      </p:sp>
+    </p:spTree>
+    <p:extLst>
+      <p:ext uri="{BB962C8B-B14F-4D97-AF65-F5344CB8AC3E}">
+        <p14:creationId xmlns:p14="http://schemas.microsoft.com/office/powerpoint/2010/main" val="428226623"/>
+      </p:ext>
+    </p:extLst>
+  </p:cSld>
+  <p:clrMapOvr>
+    <a:masterClrMapping/>
+  </p:clrMapOvr>
+  <p:timing>
+    <p:tnLst>
+      <p:par>
+        <p:cTn id="1" dur="indefinite" restart="never" nodeType="tmRoot"/>
+      </p:par>
+    </p:tnLst>
+  </p:timing>
+</p:sld>
+</file>
+
 <file path=ppt/slides/slide2.xml><?xml version="1.0" encoding="utf-8"?>
 <p:sld xmlns:a="http://schemas.openxmlformats.org/drawingml/2006/main" xmlns:r="http://schemas.openxmlformats.org/officeDocument/2006/relationships" xmlns:p="http://schemas.openxmlformats.org/presentationml/2006/main">
   <p:cSld>

--- a/Presentation/lesson-05-events.pptx
+++ b/Presentation/lesson-05-events.pptx
@@ -20,6 +20,7 @@
     <p:sldId id="283" r:id="rId14"/>
     <p:sldId id="286" r:id="rId15"/>
     <p:sldId id="287" r:id="rId16"/>
+    <p:sldId id="288" r:id="rId17"/>
   </p:sldIdLst>
   <p:sldSz cx="9144000" cy="6858000" type="screen4x3"/>
   <p:notesSz cx="6858000" cy="9144000"/>
@@ -302,7 +303,7 @@
           <a:p>
             <a:fld id="{FAECF776-F836-4CCD-9497-99E5597B8B5D}" type="datetimeFigureOut">
               <a:rPr lang="en-US" smtClean="0"/>
-              <a:t>11/6/2013</a:t>
+              <a:t>12/14/2013</a:t>
             </a:fld>
             <a:endParaRPr lang="en-US"/>
           </a:p>
@@ -472,7 +473,7 @@
           <a:p>
             <a:fld id="{FAECF776-F836-4CCD-9497-99E5597B8B5D}" type="datetimeFigureOut">
               <a:rPr lang="en-US" smtClean="0"/>
-              <a:t>11/6/2013</a:t>
+              <a:t>12/14/2013</a:t>
             </a:fld>
             <a:endParaRPr lang="en-US"/>
           </a:p>
@@ -652,7 +653,7 @@
           <a:p>
             <a:fld id="{FAECF776-F836-4CCD-9497-99E5597B8B5D}" type="datetimeFigureOut">
               <a:rPr lang="en-US" smtClean="0"/>
-              <a:t>11/6/2013</a:t>
+              <a:t>12/14/2013</a:t>
             </a:fld>
             <a:endParaRPr lang="en-US"/>
           </a:p>
@@ -822,7 +823,7 @@
           <a:p>
             <a:fld id="{FAECF776-F836-4CCD-9497-99E5597B8B5D}" type="datetimeFigureOut">
               <a:rPr lang="en-US" smtClean="0"/>
-              <a:t>11/6/2013</a:t>
+              <a:t>12/14/2013</a:t>
             </a:fld>
             <a:endParaRPr lang="en-US"/>
           </a:p>
@@ -1068,7 +1069,7 @@
           <a:p>
             <a:fld id="{FAECF776-F836-4CCD-9497-99E5597B8B5D}" type="datetimeFigureOut">
               <a:rPr lang="en-US" smtClean="0"/>
-              <a:t>11/6/2013</a:t>
+              <a:t>12/14/2013</a:t>
             </a:fld>
             <a:endParaRPr lang="en-US"/>
           </a:p>
@@ -1356,7 +1357,7 @@
           <a:p>
             <a:fld id="{FAECF776-F836-4CCD-9497-99E5597B8B5D}" type="datetimeFigureOut">
               <a:rPr lang="en-US" smtClean="0"/>
-              <a:t>11/6/2013</a:t>
+              <a:t>12/14/2013</a:t>
             </a:fld>
             <a:endParaRPr lang="en-US"/>
           </a:p>
@@ -1778,7 +1779,7 @@
           <a:p>
             <a:fld id="{FAECF776-F836-4CCD-9497-99E5597B8B5D}" type="datetimeFigureOut">
               <a:rPr lang="en-US" smtClean="0"/>
-              <a:t>11/6/2013</a:t>
+              <a:t>12/14/2013</a:t>
             </a:fld>
             <a:endParaRPr lang="en-US"/>
           </a:p>
@@ -1896,7 +1897,7 @@
           <a:p>
             <a:fld id="{FAECF776-F836-4CCD-9497-99E5597B8B5D}" type="datetimeFigureOut">
               <a:rPr lang="en-US" smtClean="0"/>
-              <a:t>11/6/2013</a:t>
+              <a:t>12/14/2013</a:t>
             </a:fld>
             <a:endParaRPr lang="en-US"/>
           </a:p>
@@ -1991,7 +1992,7 @@
           <a:p>
             <a:fld id="{FAECF776-F836-4CCD-9497-99E5597B8B5D}" type="datetimeFigureOut">
               <a:rPr lang="en-US" smtClean="0"/>
-              <a:t>11/6/2013</a:t>
+              <a:t>12/14/2013</a:t>
             </a:fld>
             <a:endParaRPr lang="en-US"/>
           </a:p>
@@ -2268,7 +2269,7 @@
           <a:p>
             <a:fld id="{FAECF776-F836-4CCD-9497-99E5597B8B5D}" type="datetimeFigureOut">
               <a:rPr lang="en-US" smtClean="0"/>
-              <a:t>11/6/2013</a:t>
+              <a:t>12/14/2013</a:t>
             </a:fld>
             <a:endParaRPr lang="en-US"/>
           </a:p>
@@ -2521,7 +2522,7 @@
           <a:p>
             <a:fld id="{FAECF776-F836-4CCD-9497-99E5597B8B5D}" type="datetimeFigureOut">
               <a:rPr lang="en-US" smtClean="0"/>
-              <a:t>11/6/2013</a:t>
+              <a:t>12/14/2013</a:t>
             </a:fld>
             <a:endParaRPr lang="en-US"/>
           </a:p>
@@ -2734,7 +2735,7 @@
           <a:p>
             <a:fld id="{FAECF776-F836-4CCD-9497-99E5597B8B5D}" type="datetimeFigureOut">
               <a:rPr lang="en-US" smtClean="0"/>
-              <a:t>11/6/2013</a:t>
+              <a:t>12/14/2013</a:t>
             </a:fld>
             <a:endParaRPr lang="en-US"/>
           </a:p>
@@ -9284,7 +9285,15 @@
                   <a:srgbClr val="FFFFFF"/>
                 </a:solidFill>
               </a:rPr>
-              <a:t>Домашнее задание</a:t>
+              <a:t>Самостоятельное </a:t>
+            </a:r>
+            <a:r>
+              <a:rPr lang="ru-RU" sz="2400" b="1" dirty="0" smtClean="0">
+                <a:solidFill>
+                  <a:srgbClr val="FFFFFF"/>
+                </a:solidFill>
+              </a:rPr>
+              <a:t>задание</a:t>
             </a:r>
             <a:endParaRPr lang="ru-RU" sz="2400" b="1" dirty="0">
               <a:solidFill>
@@ -9439,85 +9448,61 @@
           <a:p>
             <a:pPr eaLnBrk="1" hangingPunct="1"/>
             <a:r>
+              <a:rPr lang="ru-RU" dirty="0" smtClean="0">
+                <a:solidFill>
+                  <a:srgbClr val="FFFFFF"/>
+                </a:solidFill>
+                <a:cs typeface="Arial" charset="0"/>
+              </a:rPr>
+              <a:t>Добавление событий к классу</a:t>
+            </a:r>
+            <a:r>
+              <a:rPr lang="en-US" dirty="0" smtClean="0">
+                <a:solidFill>
+                  <a:srgbClr val="FFFFFF"/>
+                </a:solidFill>
+                <a:cs typeface="Arial" charset="0"/>
+              </a:rPr>
+              <a:t>Vehi</a:t>
+            </a:r>
+            <a:r>
+              <a:rPr lang="en-US" dirty="0" smtClean="0">
+                <a:solidFill>
+                  <a:srgbClr val="FFFFFF"/>
+                </a:solidFill>
+                <a:cs typeface="Arial" charset="0"/>
+              </a:rPr>
+              <a:t>cle.</a:t>
+            </a:r>
+          </a:p>
+          <a:p>
+            <a:pPr eaLnBrk="1" hangingPunct="1"/>
+            <a:endParaRPr lang="ru-RU" dirty="0">
+              <a:solidFill>
+                <a:srgbClr val="FFFFFF"/>
+              </a:solidFill>
+              <a:cs typeface="Arial" charset="0"/>
+            </a:endParaRPr>
+          </a:p>
+          <a:p>
+            <a:pPr eaLnBrk="1" hangingPunct="1"/>
+            <a:r>
               <a:rPr lang="ru-RU" i="1" dirty="0" smtClean="0">
                 <a:solidFill>
                   <a:srgbClr val="FFFFFF"/>
                 </a:solidFill>
                 <a:cs typeface="Arial" charset="0"/>
               </a:rPr>
-              <a:t>Создание </a:t>
-            </a:r>
-            <a:r>
-              <a:rPr lang="ru-RU" i="1" dirty="0">
+              <a:t>Смотрите текст задания в файле </a:t>
+            </a:r>
+            <a:r>
+              <a:rPr lang="en-US" i="1" dirty="0">
                 <a:solidFill>
                   <a:srgbClr val="FFFFFF"/>
                 </a:solidFill>
                 <a:cs typeface="Arial" charset="0"/>
               </a:rPr>
-              <a:t>класса </a:t>
-            </a:r>
-            <a:r>
-              <a:rPr lang="en-US" i="1" dirty="0" smtClean="0">
-                <a:solidFill>
-                  <a:srgbClr val="FFFFFF"/>
-                </a:solidFill>
-                <a:cs typeface="Arial" charset="0"/>
-              </a:rPr>
-              <a:t>“</a:t>
-            </a:r>
-            <a:r>
-              <a:rPr lang="ru-RU" i="1" dirty="0" smtClean="0">
-                <a:solidFill>
-                  <a:srgbClr val="FFFFFF"/>
-                </a:solidFill>
-                <a:cs typeface="Arial" charset="0"/>
-              </a:rPr>
-              <a:t>Аккумулятор</a:t>
-            </a:r>
-            <a:r>
-              <a:rPr lang="en-US" i="1" dirty="0" smtClean="0">
-                <a:solidFill>
-                  <a:srgbClr val="FFFFFF"/>
-                </a:solidFill>
-                <a:cs typeface="Arial" charset="0"/>
-              </a:rPr>
-              <a:t>”.</a:t>
-            </a:r>
-            <a:endParaRPr lang="ru-RU" i="1" dirty="0" smtClean="0">
-              <a:solidFill>
-                <a:srgbClr val="FFFFFF"/>
-              </a:solidFill>
-              <a:cs typeface="Arial" charset="0"/>
-            </a:endParaRPr>
-          </a:p>
-          <a:p>
-            <a:pPr eaLnBrk="1" hangingPunct="1"/>
-            <a:endParaRPr lang="ru-RU" i="1" dirty="0">
-              <a:solidFill>
-                <a:srgbClr val="FFFFFF"/>
-              </a:solidFill>
-              <a:cs typeface="Arial" charset="0"/>
-            </a:endParaRPr>
-          </a:p>
-          <a:p>
-            <a:pPr eaLnBrk="1" hangingPunct="1"/>
-            <a:r>
-              <a:rPr lang="ru-RU" i="1" dirty="0" smtClean="0">
-                <a:solidFill>
-                  <a:srgbClr val="FFFFFF"/>
-                </a:solidFill>
-                <a:cs typeface="Arial" charset="0"/>
-              </a:rPr>
-              <a:t>Смотрите текст задания в файле </a:t>
-            </a:r>
-            <a:r>
-              <a:rPr lang="en-US" i="1" smtClean="0">
-                <a:solidFill>
-                  <a:srgbClr val="FFFFFF"/>
-                </a:solidFill>
-                <a:cs typeface="Arial" charset="0"/>
-              </a:rPr>
-              <a:t>Homework\battery.docx</a:t>
+              <a:t>Homework\vehicle-events.docx</a:t>
             </a:r>
             <a:endParaRPr lang="en-US" i="1" dirty="0">
               <a:solidFill>
@@ -9532,6 +9517,348 @@
     <p:extLst>
       <p:ext uri="{BB962C8B-B14F-4D97-AF65-F5344CB8AC3E}">
         <p14:creationId xmlns:p14="http://schemas.microsoft.com/office/powerpoint/2010/main" val="428226623"/>
+      </p:ext>
+    </p:extLst>
+  </p:cSld>
+  <p:clrMapOvr>
+    <a:masterClrMapping/>
+  </p:clrMapOvr>
+  <p:timing>
+    <p:tnLst>
+      <p:par>
+        <p:cTn id="1" dur="indefinite" restart="never" nodeType="tmRoot"/>
+      </p:par>
+    </p:tnLst>
+  </p:timing>
+</p:sld>
+</file>
+
+<file path=ppt/slides/slide16.xml><?xml version="1.0" encoding="utf-8"?>
+<p:sld xmlns:a="http://schemas.openxmlformats.org/drawingml/2006/main" xmlns:r="http://schemas.openxmlformats.org/officeDocument/2006/relationships" xmlns:p="http://schemas.openxmlformats.org/presentationml/2006/main">
+  <p:cSld>
+    <p:bg>
+      <p:bgPr>
+        <a:solidFill>
+          <a:srgbClr val="6600CC"/>
+        </a:solidFill>
+        <a:effectLst/>
+      </p:bgPr>
+    </p:bg>
+    <p:spTree>
+      <p:nvGrpSpPr>
+        <p:cNvPr id="1" name=""/>
+        <p:cNvGrpSpPr/>
+        <p:nvPr/>
+      </p:nvGrpSpPr>
+      <p:grpSpPr>
+        <a:xfrm>
+          <a:off x="0" y="0"/>
+          <a:ext cx="0" cy="0"/>
+          <a:chOff x="0" y="0"/>
+          <a:chExt cx="0" cy="0"/>
+        </a:xfrm>
+      </p:grpSpPr>
+      <p:sp>
+        <p:nvSpPr>
+          <p:cNvPr id="12290" name="Прямоугольник 2"/>
+          <p:cNvSpPr>
+            <a:spLocks noChangeArrowheads="1"/>
+          </p:cNvSpPr>
+          <p:nvPr/>
+        </p:nvSpPr>
+        <p:spPr bwMode="auto">
+          <a:xfrm>
+            <a:off x="2133600" y="0"/>
+            <a:ext cx="5105400" cy="461963"/>
+          </a:xfrm>
+          <a:prstGeom prst="rect">
+            <a:avLst/>
+          </a:prstGeom>
+          <a:noFill/>
+          <a:ln>
+            <a:noFill/>
+          </a:ln>
+          <a:extLst>
+            <a:ext uri="{909E8E84-426E-40DD-AFC4-6F175D3DCCD1}">
+              <a14:hiddenFill xmlns:a14="http://schemas.microsoft.com/office/drawing/2010/main">
+                <a:solidFill>
+                  <a:srgbClr val="FFFFFF"/>
+                </a:solidFill>
+              </a14:hiddenFill>
+            </a:ext>
+            <a:ext uri="{91240B29-F687-4F45-9708-019B960494DF}">
+              <a14:hiddenLine xmlns:a14="http://schemas.microsoft.com/office/drawing/2010/main" w="9525">
+                <a:solidFill>
+                  <a:srgbClr val="000000"/>
+                </a:solidFill>
+                <a:miter lim="800000"/>
+                <a:headEnd/>
+                <a:tailEnd/>
+              </a14:hiddenLine>
+            </a:ext>
+          </a:extLst>
+        </p:spPr>
+        <p:txBody>
+          <a:bodyPr>
+            <a:spAutoFit/>
+          </a:bodyPr>
+          <a:lstStyle/>
+          <a:p>
+            <a:pPr algn="ctr"/>
+            <a:r>
+              <a:rPr lang="ru-RU" sz="2400" b="1" dirty="0" smtClean="0">
+                <a:solidFill>
+                  <a:srgbClr val="FFFFFF"/>
+                </a:solidFill>
+              </a:rPr>
+              <a:t>Домашнее задание</a:t>
+            </a:r>
+            <a:endParaRPr lang="ru-RU" sz="2400" b="1" dirty="0">
+              <a:solidFill>
+                <a:srgbClr val="FFFFFF"/>
+              </a:solidFill>
+            </a:endParaRPr>
+          </a:p>
+        </p:txBody>
+      </p:sp>
+      <p:sp>
+        <p:nvSpPr>
+          <p:cNvPr id="8" name="TextBox 6"/>
+          <p:cNvSpPr txBox="1">
+            <a:spLocks noChangeArrowheads="1"/>
+          </p:cNvSpPr>
+          <p:nvPr/>
+        </p:nvSpPr>
+        <p:spPr bwMode="auto">
+          <a:xfrm>
+            <a:off x="152400" y="620688"/>
+            <a:ext cx="8839200" cy="923330"/>
+          </a:xfrm>
+          <a:prstGeom prst="rect">
+            <a:avLst/>
+          </a:prstGeom>
+          <a:noFill/>
+          <a:ln>
+            <a:noFill/>
+          </a:ln>
+          <a:extLst>
+            <a:ext uri="{909E8E84-426E-40DD-AFC4-6F175D3DCCD1}">
+              <a14:hiddenFill xmlns:a14="http://schemas.microsoft.com/office/drawing/2010/main">
+                <a:solidFill>
+                  <a:srgbClr val="FFFFFF"/>
+                </a:solidFill>
+              </a14:hiddenFill>
+            </a:ext>
+            <a:ext uri="{91240B29-F687-4F45-9708-019B960494DF}">
+              <a14:hiddenLine xmlns:a14="http://schemas.microsoft.com/office/drawing/2010/main" w="9525">
+                <a:solidFill>
+                  <a:srgbClr val="000000"/>
+                </a:solidFill>
+                <a:miter lim="800000"/>
+                <a:headEnd/>
+                <a:tailEnd/>
+              </a14:hiddenLine>
+            </a:ext>
+          </a:extLst>
+        </p:spPr>
+        <p:txBody>
+          <a:bodyPr>
+            <a:spAutoFit/>
+          </a:bodyPr>
+          <a:lstStyle>
+            <a:lvl1pPr defTabSz="358775" eaLnBrk="0" hangingPunct="0">
+              <a:defRPr>
+                <a:solidFill>
+                  <a:schemeClr val="tx1"/>
+                </a:solidFill>
+                <a:latin typeface="Arial" charset="0"/>
+              </a:defRPr>
+            </a:lvl1pPr>
+            <a:lvl2pPr marL="742950" indent="-285750" defTabSz="358775" eaLnBrk="0" hangingPunct="0">
+              <a:defRPr>
+                <a:solidFill>
+                  <a:schemeClr val="tx1"/>
+                </a:solidFill>
+                <a:latin typeface="Arial" charset="0"/>
+              </a:defRPr>
+            </a:lvl2pPr>
+            <a:lvl3pPr marL="1143000" indent="-228600" defTabSz="358775" eaLnBrk="0" hangingPunct="0">
+              <a:defRPr>
+                <a:solidFill>
+                  <a:schemeClr val="tx1"/>
+                </a:solidFill>
+                <a:latin typeface="Arial" charset="0"/>
+              </a:defRPr>
+            </a:lvl3pPr>
+            <a:lvl4pPr marL="1600200" indent="-228600" defTabSz="358775" eaLnBrk="0" hangingPunct="0">
+              <a:defRPr>
+                <a:solidFill>
+                  <a:schemeClr val="tx1"/>
+                </a:solidFill>
+                <a:latin typeface="Arial" charset="0"/>
+              </a:defRPr>
+            </a:lvl4pPr>
+            <a:lvl5pPr marL="2057400" indent="-228600" defTabSz="358775" eaLnBrk="0" hangingPunct="0">
+              <a:defRPr>
+                <a:solidFill>
+                  <a:schemeClr val="tx1"/>
+                </a:solidFill>
+                <a:latin typeface="Arial" charset="0"/>
+              </a:defRPr>
+            </a:lvl5pPr>
+            <a:lvl6pPr marL="2514600" indent="-228600" defTabSz="358775" eaLnBrk="0" fontAlgn="base" hangingPunct="0">
+              <a:spcBef>
+                <a:spcPct val="0"/>
+              </a:spcBef>
+              <a:spcAft>
+                <a:spcPct val="0"/>
+              </a:spcAft>
+              <a:defRPr>
+                <a:solidFill>
+                  <a:schemeClr val="tx1"/>
+                </a:solidFill>
+                <a:latin typeface="Arial" charset="0"/>
+              </a:defRPr>
+            </a:lvl6pPr>
+            <a:lvl7pPr marL="2971800" indent="-228600" defTabSz="358775" eaLnBrk="0" fontAlgn="base" hangingPunct="0">
+              <a:spcBef>
+                <a:spcPct val="0"/>
+              </a:spcBef>
+              <a:spcAft>
+                <a:spcPct val="0"/>
+              </a:spcAft>
+              <a:defRPr>
+                <a:solidFill>
+                  <a:schemeClr val="tx1"/>
+                </a:solidFill>
+                <a:latin typeface="Arial" charset="0"/>
+              </a:defRPr>
+            </a:lvl7pPr>
+            <a:lvl8pPr marL="3429000" indent="-228600" defTabSz="358775" eaLnBrk="0" fontAlgn="base" hangingPunct="0">
+              <a:spcBef>
+                <a:spcPct val="0"/>
+              </a:spcBef>
+              <a:spcAft>
+                <a:spcPct val="0"/>
+              </a:spcAft>
+              <a:defRPr>
+                <a:solidFill>
+                  <a:schemeClr val="tx1"/>
+                </a:solidFill>
+                <a:latin typeface="Arial" charset="0"/>
+              </a:defRPr>
+            </a:lvl8pPr>
+            <a:lvl9pPr marL="3886200" indent="-228600" defTabSz="358775" eaLnBrk="0" fontAlgn="base" hangingPunct="0">
+              <a:spcBef>
+                <a:spcPct val="0"/>
+              </a:spcBef>
+              <a:spcAft>
+                <a:spcPct val="0"/>
+              </a:spcAft>
+              <a:defRPr>
+                <a:solidFill>
+                  <a:schemeClr val="tx1"/>
+                </a:solidFill>
+                <a:latin typeface="Arial" charset="0"/>
+              </a:defRPr>
+            </a:lvl9pPr>
+          </a:lstStyle>
+          <a:p>
+            <a:pPr eaLnBrk="1" hangingPunct="1"/>
+            <a:r>
+              <a:rPr lang="ru-RU" i="1" dirty="0" smtClean="0">
+                <a:solidFill>
+                  <a:srgbClr val="FFFFFF"/>
+                </a:solidFill>
+                <a:cs typeface="Arial" charset="0"/>
+              </a:rPr>
+              <a:t>Создание </a:t>
+            </a:r>
+            <a:r>
+              <a:rPr lang="ru-RU" i="1" dirty="0">
+                <a:solidFill>
+                  <a:srgbClr val="FFFFFF"/>
+                </a:solidFill>
+                <a:cs typeface="Arial" charset="0"/>
+              </a:rPr>
+              <a:t>класса </a:t>
+            </a:r>
+            <a:r>
+              <a:rPr lang="en-US" i="1" dirty="0" smtClean="0">
+                <a:solidFill>
+                  <a:srgbClr val="FFFFFF"/>
+                </a:solidFill>
+                <a:cs typeface="Arial" charset="0"/>
+              </a:rPr>
+              <a:t>“</a:t>
+            </a:r>
+            <a:r>
+              <a:rPr lang="ru-RU" i="1" dirty="0" smtClean="0">
+                <a:solidFill>
+                  <a:srgbClr val="FFFFFF"/>
+                </a:solidFill>
+                <a:cs typeface="Arial" charset="0"/>
+              </a:rPr>
+              <a:t>Аккумулятор</a:t>
+            </a:r>
+            <a:r>
+              <a:rPr lang="en-US" i="1" dirty="0" smtClean="0">
+                <a:solidFill>
+                  <a:srgbClr val="FFFFFF"/>
+                </a:solidFill>
+                <a:cs typeface="Arial" charset="0"/>
+              </a:rPr>
+              <a:t>”.</a:t>
+            </a:r>
+            <a:endParaRPr lang="ru-RU" i="1" dirty="0" smtClean="0">
+              <a:solidFill>
+                <a:srgbClr val="FFFFFF"/>
+              </a:solidFill>
+              <a:cs typeface="Arial" charset="0"/>
+            </a:endParaRPr>
+          </a:p>
+          <a:p>
+            <a:pPr eaLnBrk="1" hangingPunct="1"/>
+            <a:endParaRPr lang="ru-RU" i="1" dirty="0">
+              <a:solidFill>
+                <a:srgbClr val="FFFFFF"/>
+              </a:solidFill>
+              <a:cs typeface="Arial" charset="0"/>
+            </a:endParaRPr>
+          </a:p>
+          <a:p>
+            <a:pPr eaLnBrk="1" hangingPunct="1"/>
+            <a:r>
+              <a:rPr lang="ru-RU" i="1" dirty="0" smtClean="0">
+                <a:solidFill>
+                  <a:srgbClr val="FFFFFF"/>
+                </a:solidFill>
+                <a:cs typeface="Arial" charset="0"/>
+              </a:rPr>
+              <a:t>Смотрите текст задания в файле </a:t>
+            </a:r>
+            <a:r>
+              <a:rPr lang="en-US" i="1" smtClean="0">
+                <a:solidFill>
+                  <a:srgbClr val="FFFFFF"/>
+                </a:solidFill>
+                <a:cs typeface="Arial" charset="0"/>
+              </a:rPr>
+              <a:t>Homework\battery.docx</a:t>
+            </a:r>
+            <a:endParaRPr lang="en-US" i="1" dirty="0">
+              <a:solidFill>
+                <a:srgbClr val="FFFFFF"/>
+              </a:solidFill>
+              <a:cs typeface="Arial" charset="0"/>
+            </a:endParaRPr>
+          </a:p>
+        </p:txBody>
+      </p:sp>
+    </p:spTree>
+    <p:extLst>
+      <p:ext uri="{BB962C8B-B14F-4D97-AF65-F5344CB8AC3E}">
+        <p14:creationId xmlns:p14="http://schemas.microsoft.com/office/powerpoint/2010/main" val="758884923"/>
       </p:ext>
     </p:extLst>
   </p:cSld>

--- a/Presentation/lesson-05-events.pptx
+++ b/Presentation/lesson-05-events.pptx
@@ -17,10 +17,11 @@
     <p:sldId id="280" r:id="rId11"/>
     <p:sldId id="281" r:id="rId12"/>
     <p:sldId id="282" r:id="rId13"/>
-    <p:sldId id="283" r:id="rId14"/>
-    <p:sldId id="286" r:id="rId15"/>
-    <p:sldId id="287" r:id="rId16"/>
-    <p:sldId id="288" r:id="rId17"/>
+    <p:sldId id="289" r:id="rId14"/>
+    <p:sldId id="283" r:id="rId15"/>
+    <p:sldId id="286" r:id="rId16"/>
+    <p:sldId id="287" r:id="rId17"/>
+    <p:sldId id="288" r:id="rId18"/>
   </p:sldIdLst>
   <p:sldSz cx="9144000" cy="6858000" type="screen4x3"/>
   <p:notesSz cx="6858000" cy="9144000"/>
@@ -303,7 +304,7 @@
           <a:p>
             <a:fld id="{FAECF776-F836-4CCD-9497-99E5597B8B5D}" type="datetimeFigureOut">
               <a:rPr lang="en-US" smtClean="0"/>
-              <a:t>12/14/2013</a:t>
+              <a:t>6/4/2014</a:t>
             </a:fld>
             <a:endParaRPr lang="en-US"/>
           </a:p>
@@ -473,7 +474,7 @@
           <a:p>
             <a:fld id="{FAECF776-F836-4CCD-9497-99E5597B8B5D}" type="datetimeFigureOut">
               <a:rPr lang="en-US" smtClean="0"/>
-              <a:t>12/14/2013</a:t>
+              <a:t>6/4/2014</a:t>
             </a:fld>
             <a:endParaRPr lang="en-US"/>
           </a:p>
@@ -653,7 +654,7 @@
           <a:p>
             <a:fld id="{FAECF776-F836-4CCD-9497-99E5597B8B5D}" type="datetimeFigureOut">
               <a:rPr lang="en-US" smtClean="0"/>
-              <a:t>12/14/2013</a:t>
+              <a:t>6/4/2014</a:t>
             </a:fld>
             <a:endParaRPr lang="en-US"/>
           </a:p>
@@ -823,7 +824,7 @@
           <a:p>
             <a:fld id="{FAECF776-F836-4CCD-9497-99E5597B8B5D}" type="datetimeFigureOut">
               <a:rPr lang="en-US" smtClean="0"/>
-              <a:t>12/14/2013</a:t>
+              <a:t>6/4/2014</a:t>
             </a:fld>
             <a:endParaRPr lang="en-US"/>
           </a:p>
@@ -1069,7 +1070,7 @@
           <a:p>
             <a:fld id="{FAECF776-F836-4CCD-9497-99E5597B8B5D}" type="datetimeFigureOut">
               <a:rPr lang="en-US" smtClean="0"/>
-              <a:t>12/14/2013</a:t>
+              <a:t>6/4/2014</a:t>
             </a:fld>
             <a:endParaRPr lang="en-US"/>
           </a:p>
@@ -1357,7 +1358,7 @@
           <a:p>
             <a:fld id="{FAECF776-F836-4CCD-9497-99E5597B8B5D}" type="datetimeFigureOut">
               <a:rPr lang="en-US" smtClean="0"/>
-              <a:t>12/14/2013</a:t>
+              <a:t>6/4/2014</a:t>
             </a:fld>
             <a:endParaRPr lang="en-US"/>
           </a:p>
@@ -1779,7 +1780,7 @@
           <a:p>
             <a:fld id="{FAECF776-F836-4CCD-9497-99E5597B8B5D}" type="datetimeFigureOut">
               <a:rPr lang="en-US" smtClean="0"/>
-              <a:t>12/14/2013</a:t>
+              <a:t>6/4/2014</a:t>
             </a:fld>
             <a:endParaRPr lang="en-US"/>
           </a:p>
@@ -1897,7 +1898,7 @@
           <a:p>
             <a:fld id="{FAECF776-F836-4CCD-9497-99E5597B8B5D}" type="datetimeFigureOut">
               <a:rPr lang="en-US" smtClean="0"/>
-              <a:t>12/14/2013</a:t>
+              <a:t>6/4/2014</a:t>
             </a:fld>
             <a:endParaRPr lang="en-US"/>
           </a:p>
@@ -1992,7 +1993,7 @@
           <a:p>
             <a:fld id="{FAECF776-F836-4CCD-9497-99E5597B8B5D}" type="datetimeFigureOut">
               <a:rPr lang="en-US" smtClean="0"/>
-              <a:t>12/14/2013</a:t>
+              <a:t>6/4/2014</a:t>
             </a:fld>
             <a:endParaRPr lang="en-US"/>
           </a:p>
@@ -2269,7 +2270,7 @@
           <a:p>
             <a:fld id="{FAECF776-F836-4CCD-9497-99E5597B8B5D}" type="datetimeFigureOut">
               <a:rPr lang="en-US" smtClean="0"/>
-              <a:t>12/14/2013</a:t>
+              <a:t>6/4/2014</a:t>
             </a:fld>
             <a:endParaRPr lang="en-US"/>
           </a:p>
@@ -2522,7 +2523,7 @@
           <a:p>
             <a:fld id="{FAECF776-F836-4CCD-9497-99E5597B8B5D}" type="datetimeFigureOut">
               <a:rPr lang="en-US" smtClean="0"/>
-              <a:t>12/14/2013</a:t>
+              <a:t>6/4/2014</a:t>
             </a:fld>
             <a:endParaRPr lang="en-US"/>
           </a:p>
@@ -2735,7 +2736,7 @@
           <a:p>
             <a:fld id="{FAECF776-F836-4CCD-9497-99E5597B8B5D}" type="datetimeFigureOut">
               <a:rPr lang="en-US" smtClean="0"/>
-              <a:t>12/14/2013</a:t>
+              <a:t>6/4/2014</a:t>
             </a:fld>
             <a:endParaRPr lang="en-US"/>
           </a:p>
@@ -5493,6 +5494,886 @@
         <p:spPr bwMode="auto">
           <a:xfrm>
             <a:off x="228600" y="0"/>
+            <a:ext cx="8686800" cy="461665"/>
+          </a:xfrm>
+          <a:prstGeom prst="rect">
+            <a:avLst/>
+          </a:prstGeom>
+          <a:noFill/>
+          <a:ln>
+            <a:noFill/>
+          </a:ln>
+          <a:extLst>
+            <a:ext uri="{909E8E84-426E-40DD-AFC4-6F175D3DCCD1}">
+              <a14:hiddenFill xmlns:a14="http://schemas.microsoft.com/office/drawing/2010/main">
+                <a:solidFill>
+                  <a:srgbClr val="FFFFFF"/>
+                </a:solidFill>
+              </a14:hiddenFill>
+            </a:ext>
+            <a:ext uri="{91240B29-F687-4F45-9708-019B960494DF}">
+              <a14:hiddenLine xmlns:a14="http://schemas.microsoft.com/office/drawing/2010/main" w="9525">
+                <a:solidFill>
+                  <a:srgbClr val="000000"/>
+                </a:solidFill>
+                <a:miter lim="800000"/>
+                <a:headEnd/>
+                <a:tailEnd/>
+              </a14:hiddenLine>
+            </a:ext>
+          </a:extLst>
+        </p:spPr>
+        <p:txBody>
+          <a:bodyPr wrap="square">
+            <a:spAutoFit/>
+          </a:bodyPr>
+          <a:lstStyle/>
+          <a:p>
+            <a:pPr algn="ctr"/>
+            <a:r>
+              <a:rPr lang="ru-RU" sz="2400" b="1" dirty="0" smtClean="0"/>
+              <a:t>Делегаты </a:t>
+            </a:r>
+            <a:r>
+              <a:rPr lang="en-US" sz="2400" b="1" dirty="0" err="1" smtClean="0"/>
+              <a:t>System.Action</a:t>
+            </a:r>
+            <a:r>
+              <a:rPr lang="en-US" sz="2400" b="1" dirty="0" smtClean="0"/>
+              <a:t> </a:t>
+            </a:r>
+            <a:r>
+              <a:rPr lang="ru-RU" sz="2400" b="1" dirty="0" smtClean="0"/>
+              <a:t>и </a:t>
+            </a:r>
+            <a:r>
+              <a:rPr lang="en-US" sz="2400" b="1" dirty="0" err="1" smtClean="0"/>
+              <a:t>System.Func</a:t>
+            </a:r>
+            <a:endParaRPr lang="ru-RU" sz="2400" b="1" dirty="0"/>
+          </a:p>
+        </p:txBody>
+      </p:sp>
+      <p:sp>
+        <p:nvSpPr>
+          <p:cNvPr id="12291" name="TextBox 6"/>
+          <p:cNvSpPr txBox="1">
+            <a:spLocks noChangeArrowheads="1"/>
+          </p:cNvSpPr>
+          <p:nvPr/>
+        </p:nvSpPr>
+        <p:spPr bwMode="auto">
+          <a:xfrm>
+            <a:off x="152400" y="1002828"/>
+            <a:ext cx="8839200" cy="5016758"/>
+          </a:xfrm>
+          <a:prstGeom prst="rect">
+            <a:avLst/>
+          </a:prstGeom>
+          <a:noFill/>
+          <a:ln>
+            <a:noFill/>
+          </a:ln>
+          <a:extLst>
+            <a:ext uri="{909E8E84-426E-40DD-AFC4-6F175D3DCCD1}">
+              <a14:hiddenFill xmlns:a14="http://schemas.microsoft.com/office/drawing/2010/main">
+                <a:solidFill>
+                  <a:srgbClr val="FFFFFF"/>
+                </a:solidFill>
+              </a14:hiddenFill>
+            </a:ext>
+            <a:ext uri="{91240B29-F687-4F45-9708-019B960494DF}">
+              <a14:hiddenLine xmlns:a14="http://schemas.microsoft.com/office/drawing/2010/main" w="9525">
+                <a:solidFill>
+                  <a:srgbClr val="000000"/>
+                </a:solidFill>
+                <a:miter lim="800000"/>
+                <a:headEnd/>
+                <a:tailEnd/>
+              </a14:hiddenLine>
+            </a:ext>
+          </a:extLst>
+        </p:spPr>
+        <p:txBody>
+          <a:bodyPr>
+            <a:spAutoFit/>
+          </a:bodyPr>
+          <a:lstStyle>
+            <a:lvl1pPr defTabSz="358775" eaLnBrk="0" hangingPunct="0">
+              <a:defRPr>
+                <a:solidFill>
+                  <a:schemeClr val="tx1"/>
+                </a:solidFill>
+                <a:latin typeface="Arial" charset="0"/>
+              </a:defRPr>
+            </a:lvl1pPr>
+            <a:lvl2pPr marL="742950" indent="-285750" defTabSz="358775" eaLnBrk="0" hangingPunct="0">
+              <a:defRPr>
+                <a:solidFill>
+                  <a:schemeClr val="tx1"/>
+                </a:solidFill>
+                <a:latin typeface="Arial" charset="0"/>
+              </a:defRPr>
+            </a:lvl2pPr>
+            <a:lvl3pPr marL="1143000" indent="-228600" defTabSz="358775" eaLnBrk="0" hangingPunct="0">
+              <a:defRPr>
+                <a:solidFill>
+                  <a:schemeClr val="tx1"/>
+                </a:solidFill>
+                <a:latin typeface="Arial" charset="0"/>
+              </a:defRPr>
+            </a:lvl3pPr>
+            <a:lvl4pPr marL="1600200" indent="-228600" defTabSz="358775" eaLnBrk="0" hangingPunct="0">
+              <a:defRPr>
+                <a:solidFill>
+                  <a:schemeClr val="tx1"/>
+                </a:solidFill>
+                <a:latin typeface="Arial" charset="0"/>
+              </a:defRPr>
+            </a:lvl4pPr>
+            <a:lvl5pPr marL="2057400" indent="-228600" defTabSz="358775" eaLnBrk="0" hangingPunct="0">
+              <a:defRPr>
+                <a:solidFill>
+                  <a:schemeClr val="tx1"/>
+                </a:solidFill>
+                <a:latin typeface="Arial" charset="0"/>
+              </a:defRPr>
+            </a:lvl5pPr>
+            <a:lvl6pPr marL="2514600" indent="-228600" defTabSz="358775" eaLnBrk="0" fontAlgn="base" hangingPunct="0">
+              <a:spcBef>
+                <a:spcPct val="0"/>
+              </a:spcBef>
+              <a:spcAft>
+                <a:spcPct val="0"/>
+              </a:spcAft>
+              <a:defRPr>
+                <a:solidFill>
+                  <a:schemeClr val="tx1"/>
+                </a:solidFill>
+                <a:latin typeface="Arial" charset="0"/>
+              </a:defRPr>
+            </a:lvl6pPr>
+            <a:lvl7pPr marL="2971800" indent="-228600" defTabSz="358775" eaLnBrk="0" fontAlgn="base" hangingPunct="0">
+              <a:spcBef>
+                <a:spcPct val="0"/>
+              </a:spcBef>
+              <a:spcAft>
+                <a:spcPct val="0"/>
+              </a:spcAft>
+              <a:defRPr>
+                <a:solidFill>
+                  <a:schemeClr val="tx1"/>
+                </a:solidFill>
+                <a:latin typeface="Arial" charset="0"/>
+              </a:defRPr>
+            </a:lvl7pPr>
+            <a:lvl8pPr marL="3429000" indent="-228600" defTabSz="358775" eaLnBrk="0" fontAlgn="base" hangingPunct="0">
+              <a:spcBef>
+                <a:spcPct val="0"/>
+              </a:spcBef>
+              <a:spcAft>
+                <a:spcPct val="0"/>
+              </a:spcAft>
+              <a:defRPr>
+                <a:solidFill>
+                  <a:schemeClr val="tx1"/>
+                </a:solidFill>
+                <a:latin typeface="Arial" charset="0"/>
+              </a:defRPr>
+            </a:lvl8pPr>
+            <a:lvl9pPr marL="3886200" indent="-228600" defTabSz="358775" eaLnBrk="0" fontAlgn="base" hangingPunct="0">
+              <a:spcBef>
+                <a:spcPct val="0"/>
+              </a:spcBef>
+              <a:spcAft>
+                <a:spcPct val="0"/>
+              </a:spcAft>
+              <a:defRPr>
+                <a:solidFill>
+                  <a:schemeClr val="tx1"/>
+                </a:solidFill>
+                <a:latin typeface="Arial" charset="0"/>
+              </a:defRPr>
+            </a:lvl9pPr>
+          </a:lstStyle>
+          <a:p>
+            <a:pPr marL="285750" indent="-285750" eaLnBrk="1" hangingPunct="1">
+              <a:buFont typeface="Arial" panose="020B0604020202020204" pitchFamily="34" charset="0"/>
+              <a:buChar char="•"/>
+            </a:pPr>
+            <a:r>
+              <a:rPr lang="ru-RU" sz="1600" dirty="0" smtClean="0">
+                <a:solidFill>
+                  <a:schemeClr val="bg1"/>
+                </a:solidFill>
+              </a:rPr>
+              <a:t>Делегат</a:t>
+            </a:r>
+            <a:r>
+              <a:rPr lang="ru-RU" sz="1600" dirty="0">
+                <a:solidFill>
+                  <a:schemeClr val="bg1"/>
+                </a:solidFill>
+              </a:rPr>
+              <a:t>ы</a:t>
+            </a:r>
+            <a:r>
+              <a:rPr lang="ru-RU" sz="1600" dirty="0" smtClean="0">
+                <a:solidFill>
+                  <a:schemeClr val="bg1"/>
+                </a:solidFill>
+              </a:rPr>
+              <a:t> </a:t>
+            </a:r>
+            <a:r>
+              <a:rPr lang="en-US" sz="1600" dirty="0" err="1" smtClean="0">
+                <a:solidFill>
+                  <a:schemeClr val="bg1"/>
+                </a:solidFill>
+              </a:rPr>
+              <a:t>System.Action</a:t>
+            </a:r>
+            <a:r>
+              <a:rPr lang="en-US" sz="1600" dirty="0" smtClean="0">
+                <a:solidFill>
+                  <a:schemeClr val="bg1"/>
+                </a:solidFill>
+              </a:rPr>
+              <a:t> </a:t>
+            </a:r>
+            <a:r>
+              <a:rPr lang="ru-RU" sz="1600" dirty="0" smtClean="0">
+                <a:solidFill>
+                  <a:schemeClr val="bg1"/>
+                </a:solidFill>
+              </a:rPr>
+              <a:t>описывают </a:t>
+            </a:r>
+            <a:r>
+              <a:rPr lang="ru-RU" sz="1600" dirty="0" smtClean="0">
+                <a:solidFill>
+                  <a:schemeClr val="bg1"/>
+                </a:solidFill>
+              </a:rPr>
+              <a:t>функцию без возвращаемого </a:t>
+            </a:r>
+            <a:r>
+              <a:rPr lang="ru-RU" sz="1600" dirty="0" smtClean="0">
+                <a:solidFill>
+                  <a:schemeClr val="bg1"/>
+                </a:solidFill>
+              </a:rPr>
+              <a:t>значения </a:t>
+            </a:r>
+            <a:r>
+              <a:rPr lang="ru-RU" sz="1600" dirty="0" smtClean="0">
+                <a:solidFill>
+                  <a:schemeClr val="bg1"/>
+                </a:solidFill>
+              </a:rPr>
+              <a:t>с количеством аргументов от 0 до 16.</a:t>
+            </a:r>
+          </a:p>
+          <a:p>
+            <a:pPr marL="1028700" lvl="1" eaLnBrk="1" hangingPunct="1">
+              <a:buFont typeface="Arial" panose="020B0604020202020204" pitchFamily="34" charset="0"/>
+              <a:buChar char="•"/>
+            </a:pPr>
+            <a:r>
+              <a:rPr lang="en-US" sz="1600" dirty="0" smtClean="0">
+                <a:solidFill>
+                  <a:schemeClr val="bg1"/>
+                </a:solidFill>
+              </a:rPr>
+              <a:t>Action</a:t>
+            </a:r>
+          </a:p>
+          <a:p>
+            <a:pPr marL="1028700" lvl="1" eaLnBrk="1" hangingPunct="1">
+              <a:buFont typeface="Arial" panose="020B0604020202020204" pitchFamily="34" charset="0"/>
+              <a:buChar char="•"/>
+            </a:pPr>
+            <a:r>
+              <a:rPr lang="en-US" sz="1600" dirty="0" smtClean="0">
+                <a:solidFill>
+                  <a:schemeClr val="bg1"/>
+                </a:solidFill>
+              </a:rPr>
+              <a:t>Action&lt;T&gt;</a:t>
+            </a:r>
+          </a:p>
+          <a:p>
+            <a:pPr marL="1028700" lvl="1" eaLnBrk="1" hangingPunct="1">
+              <a:buFont typeface="Arial" panose="020B0604020202020204" pitchFamily="34" charset="0"/>
+              <a:buChar char="•"/>
+            </a:pPr>
+            <a:r>
+              <a:rPr lang="en-US" sz="1600" dirty="0" smtClean="0">
+                <a:solidFill>
+                  <a:schemeClr val="bg1"/>
+                </a:solidFill>
+              </a:rPr>
+              <a:t>Action&lt;T1, T2&gt;</a:t>
+            </a:r>
+          </a:p>
+          <a:p>
+            <a:pPr marL="1028700" lvl="1" eaLnBrk="1" hangingPunct="1">
+              <a:buFont typeface="Arial" panose="020B0604020202020204" pitchFamily="34" charset="0"/>
+              <a:buChar char="•"/>
+            </a:pPr>
+            <a:r>
+              <a:rPr lang="en-US" sz="1600" dirty="0">
+                <a:solidFill>
+                  <a:schemeClr val="bg1"/>
+                </a:solidFill>
+              </a:rPr>
+              <a:t>Action&lt;T1, </a:t>
+            </a:r>
+            <a:r>
+              <a:rPr lang="en-US" sz="1600" dirty="0" smtClean="0">
+                <a:solidFill>
+                  <a:schemeClr val="bg1"/>
+                </a:solidFill>
+              </a:rPr>
+              <a:t>T2, T3&gt;</a:t>
+            </a:r>
+          </a:p>
+          <a:p>
+            <a:pPr marL="1028700" lvl="1" eaLnBrk="1" hangingPunct="1">
+              <a:buFont typeface="Arial" panose="020B0604020202020204" pitchFamily="34" charset="0"/>
+              <a:buChar char="•"/>
+            </a:pPr>
+            <a:r>
+              <a:rPr lang="en-US" sz="1600" dirty="0" smtClean="0">
+                <a:solidFill>
+                  <a:schemeClr val="bg1"/>
+                </a:solidFill>
+              </a:rPr>
+              <a:t>…</a:t>
+            </a:r>
+          </a:p>
+          <a:p>
+            <a:pPr marL="1028700" lvl="1" eaLnBrk="1" hangingPunct="1">
+              <a:buFont typeface="Arial" panose="020B0604020202020204" pitchFamily="34" charset="0"/>
+              <a:buChar char="•"/>
+            </a:pPr>
+            <a:r>
+              <a:rPr lang="en-US" sz="1600" dirty="0">
+                <a:solidFill>
+                  <a:schemeClr val="bg1"/>
+                </a:solidFill>
+              </a:rPr>
+              <a:t>Action&lt;T1, T2, </a:t>
+            </a:r>
+            <a:r>
+              <a:rPr lang="en-US" sz="1600" dirty="0" smtClean="0">
+                <a:solidFill>
+                  <a:schemeClr val="bg1"/>
+                </a:solidFill>
+              </a:rPr>
+              <a:t>T3, T4, T5, T6, T7, T8, T9, T10, T11, T12, T13, T14, T15, T16&gt;</a:t>
+            </a:r>
+          </a:p>
+          <a:p>
+            <a:pPr marL="285750" indent="-285750" eaLnBrk="1" hangingPunct="1">
+              <a:buFont typeface="Arial" panose="020B0604020202020204" pitchFamily="34" charset="0"/>
+              <a:buChar char="•"/>
+            </a:pPr>
+            <a:r>
+              <a:rPr lang="ru-RU" sz="1600" dirty="0" smtClean="0">
+                <a:solidFill>
+                  <a:schemeClr val="bg1"/>
+                </a:solidFill>
+              </a:rPr>
+              <a:t>Делегаты </a:t>
+            </a:r>
+            <a:r>
+              <a:rPr lang="en-US" sz="1600" dirty="0" err="1" smtClean="0">
+                <a:solidFill>
+                  <a:schemeClr val="bg1"/>
+                </a:solidFill>
+              </a:rPr>
+              <a:t>System.Func</a:t>
+            </a:r>
+            <a:r>
+              <a:rPr lang="en-US" sz="1600" dirty="0" smtClean="0">
+                <a:solidFill>
+                  <a:schemeClr val="bg1"/>
+                </a:solidFill>
+              </a:rPr>
+              <a:t> </a:t>
+            </a:r>
+            <a:r>
+              <a:rPr lang="ru-RU" sz="1600" dirty="0" smtClean="0">
+                <a:solidFill>
+                  <a:schemeClr val="bg1"/>
+                </a:solidFill>
+              </a:rPr>
+              <a:t>описывают </a:t>
+            </a:r>
+            <a:r>
+              <a:rPr lang="ru-RU" sz="1600" dirty="0">
+                <a:solidFill>
+                  <a:schemeClr val="bg1"/>
+                </a:solidFill>
+              </a:rPr>
+              <a:t>функцию </a:t>
+            </a:r>
+            <a:r>
+              <a:rPr lang="ru-RU" sz="1600" dirty="0" smtClean="0">
+                <a:solidFill>
+                  <a:schemeClr val="bg1"/>
+                </a:solidFill>
+              </a:rPr>
+              <a:t>с возвращаемым значением с количеством </a:t>
+            </a:r>
+            <a:r>
+              <a:rPr lang="ru-RU" sz="1600" dirty="0">
+                <a:solidFill>
+                  <a:schemeClr val="bg1"/>
+                </a:solidFill>
+              </a:rPr>
+              <a:t>аргументов от 0 до </a:t>
+            </a:r>
+            <a:r>
+              <a:rPr lang="ru-RU" sz="1600" dirty="0" smtClean="0">
+                <a:solidFill>
+                  <a:schemeClr val="bg1"/>
+                </a:solidFill>
+              </a:rPr>
+              <a:t>16.</a:t>
+            </a:r>
+            <a:endParaRPr lang="en-US" sz="1600" dirty="0" smtClean="0">
+              <a:solidFill>
+                <a:schemeClr val="bg1"/>
+              </a:solidFill>
+            </a:endParaRPr>
+          </a:p>
+          <a:p>
+            <a:pPr marL="1028700" lvl="1" eaLnBrk="1" hangingPunct="1">
+              <a:buFont typeface="Arial" panose="020B0604020202020204" pitchFamily="34" charset="0"/>
+              <a:buChar char="•"/>
+            </a:pPr>
+            <a:r>
+              <a:rPr lang="en-US" sz="1600" dirty="0" err="1" smtClean="0">
+                <a:solidFill>
+                  <a:schemeClr val="bg1"/>
+                </a:solidFill>
+              </a:rPr>
+              <a:t>Func</a:t>
+            </a:r>
+            <a:r>
+              <a:rPr lang="en-US" sz="1600" dirty="0" smtClean="0">
+                <a:solidFill>
+                  <a:schemeClr val="bg1"/>
+                </a:solidFill>
+              </a:rPr>
+              <a:t>&lt;</a:t>
+            </a:r>
+            <a:r>
+              <a:rPr lang="en-US" sz="1600" dirty="0" err="1" smtClean="0">
+                <a:solidFill>
+                  <a:schemeClr val="bg1"/>
+                </a:solidFill>
+              </a:rPr>
+              <a:t>TResult</a:t>
+            </a:r>
+            <a:r>
+              <a:rPr lang="en-US" sz="1600" dirty="0" smtClean="0">
+                <a:solidFill>
+                  <a:schemeClr val="bg1"/>
+                </a:solidFill>
+              </a:rPr>
+              <a:t>&gt;</a:t>
+            </a:r>
+            <a:endParaRPr lang="en-US" sz="1600" dirty="0">
+              <a:solidFill>
+                <a:schemeClr val="bg1"/>
+              </a:solidFill>
+            </a:endParaRPr>
+          </a:p>
+          <a:p>
+            <a:pPr marL="1028700" lvl="1" eaLnBrk="1" hangingPunct="1">
+              <a:buFont typeface="Arial" panose="020B0604020202020204" pitchFamily="34" charset="0"/>
+              <a:buChar char="•"/>
+            </a:pPr>
+            <a:r>
+              <a:rPr lang="en-US" sz="1600" dirty="0" err="1" smtClean="0">
+                <a:solidFill>
+                  <a:schemeClr val="bg1"/>
+                </a:solidFill>
+              </a:rPr>
+              <a:t>Func</a:t>
+            </a:r>
+            <a:r>
+              <a:rPr lang="en-US" sz="1600" dirty="0" smtClean="0">
+                <a:solidFill>
+                  <a:schemeClr val="bg1"/>
+                </a:solidFill>
+              </a:rPr>
+              <a:t>&lt;</a:t>
+            </a:r>
+            <a:r>
+              <a:rPr lang="en-US" sz="1600" dirty="0" err="1" smtClean="0">
+                <a:solidFill>
+                  <a:schemeClr val="bg1"/>
+                </a:solidFill>
+              </a:rPr>
+              <a:t>TResult</a:t>
+            </a:r>
+            <a:r>
+              <a:rPr lang="en-US" sz="1600" dirty="0" smtClean="0">
+                <a:solidFill>
+                  <a:schemeClr val="bg1"/>
+                </a:solidFill>
+              </a:rPr>
+              <a:t>, T</a:t>
+            </a:r>
+            <a:r>
+              <a:rPr lang="en-US" sz="1600" dirty="0">
+                <a:solidFill>
+                  <a:schemeClr val="bg1"/>
+                </a:solidFill>
+              </a:rPr>
+              <a:t>&gt;</a:t>
+            </a:r>
+          </a:p>
+          <a:p>
+            <a:pPr marL="1028700" lvl="1" eaLnBrk="1" hangingPunct="1">
+              <a:buFont typeface="Arial" panose="020B0604020202020204" pitchFamily="34" charset="0"/>
+              <a:buChar char="•"/>
+            </a:pPr>
+            <a:r>
+              <a:rPr lang="en-US" sz="1600" dirty="0" err="1" smtClean="0">
+                <a:solidFill>
+                  <a:schemeClr val="bg1"/>
+                </a:solidFill>
+              </a:rPr>
+              <a:t>Func</a:t>
+            </a:r>
+            <a:r>
+              <a:rPr lang="en-US" sz="1600" dirty="0" smtClean="0">
+                <a:solidFill>
+                  <a:schemeClr val="bg1"/>
+                </a:solidFill>
+              </a:rPr>
+              <a:t>&lt;</a:t>
+            </a:r>
+            <a:r>
+              <a:rPr lang="en-US" sz="1600" dirty="0" err="1">
+                <a:solidFill>
+                  <a:schemeClr val="bg1"/>
+                </a:solidFill>
+              </a:rPr>
+              <a:t>TResult</a:t>
+            </a:r>
+            <a:r>
+              <a:rPr lang="en-US" sz="1600" dirty="0">
+                <a:solidFill>
+                  <a:schemeClr val="bg1"/>
+                </a:solidFill>
+              </a:rPr>
+              <a:t>, </a:t>
+            </a:r>
+            <a:r>
+              <a:rPr lang="en-US" sz="1600" dirty="0" smtClean="0">
+                <a:solidFill>
+                  <a:schemeClr val="bg1"/>
+                </a:solidFill>
+              </a:rPr>
+              <a:t>T1</a:t>
+            </a:r>
+            <a:r>
+              <a:rPr lang="en-US" sz="1600" dirty="0">
+                <a:solidFill>
+                  <a:schemeClr val="bg1"/>
+                </a:solidFill>
+              </a:rPr>
+              <a:t>, T2&gt;</a:t>
+            </a:r>
+          </a:p>
+          <a:p>
+            <a:pPr marL="1028700" lvl="1" eaLnBrk="1" hangingPunct="1">
+              <a:buFont typeface="Arial" panose="020B0604020202020204" pitchFamily="34" charset="0"/>
+              <a:buChar char="•"/>
+            </a:pPr>
+            <a:r>
+              <a:rPr lang="en-US" sz="1600" dirty="0" err="1" smtClean="0">
+                <a:solidFill>
+                  <a:schemeClr val="bg1"/>
+                </a:solidFill>
+              </a:rPr>
+              <a:t>Func</a:t>
+            </a:r>
+            <a:r>
+              <a:rPr lang="en-US" sz="1600" dirty="0" smtClean="0">
+                <a:solidFill>
+                  <a:schemeClr val="bg1"/>
+                </a:solidFill>
+              </a:rPr>
+              <a:t>&lt;</a:t>
+            </a:r>
+            <a:r>
+              <a:rPr lang="en-US" sz="1600" dirty="0" err="1">
+                <a:solidFill>
+                  <a:schemeClr val="bg1"/>
+                </a:solidFill>
+              </a:rPr>
+              <a:t>TResult</a:t>
+            </a:r>
+            <a:r>
+              <a:rPr lang="en-US" sz="1600" dirty="0">
+                <a:solidFill>
+                  <a:schemeClr val="bg1"/>
+                </a:solidFill>
+              </a:rPr>
+              <a:t>, </a:t>
+            </a:r>
+            <a:r>
+              <a:rPr lang="en-US" sz="1600" dirty="0" smtClean="0">
+                <a:solidFill>
+                  <a:schemeClr val="bg1"/>
+                </a:solidFill>
+              </a:rPr>
+              <a:t>T1</a:t>
+            </a:r>
+            <a:r>
+              <a:rPr lang="en-US" sz="1600" dirty="0">
+                <a:solidFill>
+                  <a:schemeClr val="bg1"/>
+                </a:solidFill>
+              </a:rPr>
+              <a:t>, T2, T3&gt;</a:t>
+            </a:r>
+          </a:p>
+          <a:p>
+            <a:pPr marL="1028700" lvl="1" eaLnBrk="1" hangingPunct="1">
+              <a:buFont typeface="Arial" panose="020B0604020202020204" pitchFamily="34" charset="0"/>
+              <a:buChar char="•"/>
+            </a:pPr>
+            <a:r>
+              <a:rPr lang="en-US" sz="1600" dirty="0">
+                <a:solidFill>
+                  <a:schemeClr val="bg1"/>
+                </a:solidFill>
+              </a:rPr>
+              <a:t>…</a:t>
+            </a:r>
+          </a:p>
+          <a:p>
+            <a:pPr marL="1028700" lvl="1" eaLnBrk="1" hangingPunct="1">
+              <a:buFont typeface="Arial" panose="020B0604020202020204" pitchFamily="34" charset="0"/>
+              <a:buChar char="•"/>
+            </a:pPr>
+            <a:r>
+              <a:rPr lang="en-US" sz="1600" dirty="0" err="1" smtClean="0">
+                <a:solidFill>
+                  <a:schemeClr val="bg1"/>
+                </a:solidFill>
+              </a:rPr>
+              <a:t>Func</a:t>
+            </a:r>
+            <a:r>
+              <a:rPr lang="en-US" sz="1600" dirty="0" smtClean="0">
+                <a:solidFill>
+                  <a:schemeClr val="bg1"/>
+                </a:solidFill>
+              </a:rPr>
+              <a:t>&lt;</a:t>
+            </a:r>
+            <a:r>
+              <a:rPr lang="en-US" sz="1600" dirty="0" err="1">
+                <a:solidFill>
+                  <a:schemeClr val="bg1"/>
+                </a:solidFill>
+              </a:rPr>
+              <a:t>TResult</a:t>
+            </a:r>
+            <a:r>
+              <a:rPr lang="en-US" sz="1600" dirty="0">
+                <a:solidFill>
+                  <a:schemeClr val="bg1"/>
+                </a:solidFill>
+              </a:rPr>
+              <a:t>, </a:t>
+            </a:r>
+            <a:r>
+              <a:rPr lang="en-US" sz="1600" dirty="0" smtClean="0">
+                <a:solidFill>
+                  <a:schemeClr val="bg1"/>
+                </a:solidFill>
+              </a:rPr>
+              <a:t>T1</a:t>
+            </a:r>
+            <a:r>
+              <a:rPr lang="en-US" sz="1600" dirty="0">
+                <a:solidFill>
+                  <a:schemeClr val="bg1"/>
+                </a:solidFill>
+              </a:rPr>
+              <a:t>, T2, T3, T4, T5, T6, T7, T8, T9, T10, T11, T12, T13, T14, T15, </a:t>
+            </a:r>
+            <a:r>
+              <a:rPr lang="en-US" sz="1600" dirty="0" smtClean="0">
+                <a:solidFill>
+                  <a:schemeClr val="bg1"/>
+                </a:solidFill>
+              </a:rPr>
+              <a:t>T16&gt;</a:t>
+            </a:r>
+          </a:p>
+          <a:p>
+            <a:pPr marL="285750" eaLnBrk="1" hangingPunct="1"/>
+            <a:endParaRPr lang="en-US" sz="1600" dirty="0">
+              <a:solidFill>
+                <a:schemeClr val="bg1"/>
+              </a:solidFill>
+            </a:endParaRPr>
+          </a:p>
+          <a:p>
+            <a:pPr eaLnBrk="1" hangingPunct="1"/>
+            <a:r>
+              <a:rPr lang="ru-RU" sz="1600" dirty="0" smtClean="0">
+                <a:solidFill>
+                  <a:schemeClr val="bg1"/>
+                </a:solidFill>
+              </a:rPr>
+              <a:t>Где </a:t>
+            </a:r>
+            <a:r>
+              <a:rPr lang="en-US" sz="1600" dirty="0" smtClean="0">
+                <a:solidFill>
+                  <a:schemeClr val="bg1"/>
+                </a:solidFill>
+              </a:rPr>
+              <a:t>T1, T2, ,,, T16 </a:t>
+            </a:r>
+            <a:r>
+              <a:rPr lang="ru-RU" sz="1600" dirty="0" smtClean="0">
+                <a:solidFill>
+                  <a:schemeClr val="bg1"/>
+                </a:solidFill>
+              </a:rPr>
+              <a:t>– тип аргумента, </a:t>
+            </a:r>
+            <a:r>
+              <a:rPr lang="en-US" sz="1600" smtClean="0">
+                <a:solidFill>
+                  <a:schemeClr val="bg1"/>
+                </a:solidFill>
+              </a:rPr>
+              <a:t>T</a:t>
+            </a:r>
+            <a:r>
+              <a:rPr lang="en-US" sz="1600">
+                <a:solidFill>
+                  <a:schemeClr val="bg1"/>
+                </a:solidFill>
+              </a:rPr>
+              <a:t>R</a:t>
+            </a:r>
+            <a:r>
+              <a:rPr lang="en-US" sz="1600" smtClean="0">
+                <a:solidFill>
+                  <a:schemeClr val="bg1"/>
+                </a:solidFill>
+              </a:rPr>
+              <a:t>esult</a:t>
+            </a:r>
+            <a:r>
+              <a:rPr lang="en-US" sz="1600" dirty="0" smtClean="0">
+                <a:solidFill>
+                  <a:schemeClr val="bg1"/>
+                </a:solidFill>
+              </a:rPr>
+              <a:t> </a:t>
+            </a:r>
+            <a:r>
+              <a:rPr lang="ru-RU" sz="1600" dirty="0" smtClean="0">
+                <a:solidFill>
+                  <a:schemeClr val="bg1"/>
+                </a:solidFill>
+              </a:rPr>
+              <a:t>тип возвращаемого значения.</a:t>
+            </a:r>
+            <a:endParaRPr lang="ru-RU" sz="1600" dirty="0">
+              <a:solidFill>
+                <a:schemeClr val="bg1"/>
+              </a:solidFill>
+            </a:endParaRPr>
+          </a:p>
+          <a:p>
+            <a:pPr eaLnBrk="1" hangingPunct="1"/>
+            <a:endParaRPr lang="ru-RU" sz="1600" dirty="0">
+              <a:solidFill>
+                <a:schemeClr val="bg1"/>
+              </a:solidFill>
+            </a:endParaRPr>
+          </a:p>
+        </p:txBody>
+      </p:sp>
+    </p:spTree>
+    <p:extLst>
+      <p:ext uri="{BB962C8B-B14F-4D97-AF65-F5344CB8AC3E}">
+        <p14:creationId xmlns:p14="http://schemas.microsoft.com/office/powerpoint/2010/main" val="1894118169"/>
+      </p:ext>
+    </p:extLst>
+  </p:cSld>
+  <p:clrMapOvr>
+    <a:masterClrMapping/>
+  </p:clrMapOvr>
+  <p:timing>
+    <p:tnLst>
+      <p:par>
+        <p:cTn id="1" dur="indefinite" restart="never" nodeType="tmRoot"/>
+      </p:par>
+    </p:tnLst>
+  </p:timing>
+</p:sld>
+</file>
+
+<file path=ppt/slides/slide13.xml><?xml version="1.0" encoding="utf-8"?>
+<p:sld xmlns:a="http://schemas.openxmlformats.org/drawingml/2006/main" xmlns:r="http://schemas.openxmlformats.org/officeDocument/2006/relationships" xmlns:p="http://schemas.openxmlformats.org/presentationml/2006/main">
+  <p:cSld>
+    <p:bg>
+      <p:bgPr>
+        <a:blipFill dpi="0" rotWithShape="1">
+          <a:blip r:embed="rId2">
+            <a:lum/>
+          </a:blip>
+          <a:srcRect/>
+          <a:stretch>
+            <a:fillRect/>
+          </a:stretch>
+        </a:blipFill>
+        <a:effectLst/>
+      </p:bgPr>
+    </p:bg>
+    <p:spTree>
+      <p:nvGrpSpPr>
+        <p:cNvPr id="1" name=""/>
+        <p:cNvGrpSpPr/>
+        <p:nvPr/>
+      </p:nvGrpSpPr>
+      <p:grpSpPr>
+        <a:xfrm>
+          <a:off x="0" y="0"/>
+          <a:ext cx="0" cy="0"/>
+          <a:chOff x="0" y="0"/>
+          <a:chExt cx="0" cy="0"/>
+        </a:xfrm>
+      </p:grpSpPr>
+      <p:sp>
+        <p:nvSpPr>
+          <p:cNvPr id="12290" name="Прямоугольник 2"/>
+          <p:cNvSpPr>
+            <a:spLocks noChangeArrowheads="1"/>
+          </p:cNvSpPr>
+          <p:nvPr/>
+        </p:nvSpPr>
+        <p:spPr bwMode="auto">
+          <a:xfrm>
+            <a:off x="228600" y="0"/>
             <a:ext cx="8686800" cy="830997"/>
           </a:xfrm>
           <a:prstGeom prst="rect">
@@ -6260,373 +7141,10 @@
           </a:p>
         </p:txBody>
       </p:sp>
-      <p:sp>
-        <p:nvSpPr>
-          <p:cNvPr id="12293" name="Rectangle 3"/>
-          <p:cNvSpPr>
-            <a:spLocks noChangeArrowheads="1"/>
-          </p:cNvSpPr>
-          <p:nvPr/>
-        </p:nvSpPr>
-        <p:spPr bwMode="auto">
-          <a:xfrm>
-            <a:off x="228600" y="4203228"/>
-            <a:ext cx="8686800" cy="1169988"/>
-          </a:xfrm>
-          <a:prstGeom prst="rect">
-            <a:avLst/>
-          </a:prstGeom>
-          <a:noFill/>
-          <a:ln w="9525">
-            <a:solidFill>
-              <a:srgbClr val="FF0000"/>
-            </a:solidFill>
-            <a:miter lim="800000"/>
-            <a:headEnd/>
-            <a:tailEnd/>
-          </a:ln>
-          <a:extLst>
-            <a:ext uri="{909E8E84-426E-40DD-AFC4-6F175D3DCCD1}">
-              <a14:hiddenFill xmlns:a14="http://schemas.microsoft.com/office/drawing/2010/main">
-                <a:solidFill>
-                  <a:srgbClr val="FFFFFF"/>
-                </a:solidFill>
-              </a14:hiddenFill>
-            </a:ext>
-          </a:extLst>
-        </p:spPr>
-        <p:txBody>
-          <a:bodyPr anchor="ctr">
-            <a:spAutoFit/>
-          </a:bodyPr>
-          <a:lstStyle/>
-          <a:p>
-            <a:pPr eaLnBrk="0" hangingPunct="0"/>
-            <a:r>
-              <a:rPr lang="en-US" sz="1400" dirty="0">
-                <a:solidFill>
-                  <a:schemeClr val="bg1"/>
-                </a:solidFill>
-                <a:latin typeface="Courier New" pitchFamily="49" charset="0"/>
-                <a:ea typeface="Times New Roman" pitchFamily="18" charset="0"/>
-                <a:cs typeface="Courier New" pitchFamily="49" charset="0"/>
-              </a:rPr>
-              <a:t>e</a:t>
-            </a:r>
-            <a:r>
-              <a:rPr lang="ru-RU" sz="1400" dirty="0">
-                <a:solidFill>
-                  <a:schemeClr val="bg1"/>
-                </a:solidFill>
-                <a:latin typeface="Courier New" pitchFamily="49" charset="0"/>
-                <a:ea typeface="Times New Roman" pitchFamily="18" charset="0"/>
-                <a:cs typeface="Courier New" pitchFamily="49" charset="0"/>
-              </a:rPr>
-              <a:t>vent &lt;имя делегата&gt; &lt;имя события&gt;</a:t>
-            </a:r>
-            <a:endParaRPr lang="be-BY" sz="1400" dirty="0">
-              <a:solidFill>
-                <a:schemeClr val="bg1"/>
-              </a:solidFill>
-              <a:latin typeface="Courier New" pitchFamily="49" charset="0"/>
-              <a:ea typeface="Times New Roman" pitchFamily="18" charset="0"/>
-              <a:cs typeface="Courier New" pitchFamily="49" charset="0"/>
-            </a:endParaRPr>
-          </a:p>
-          <a:p>
-            <a:pPr eaLnBrk="0" hangingPunct="0"/>
-            <a:r>
-              <a:rPr lang="ru-RU" sz="1400" dirty="0">
-                <a:solidFill>
-                  <a:schemeClr val="bg1"/>
-                </a:solidFill>
-                <a:latin typeface="Courier New" pitchFamily="49" charset="0"/>
-                <a:ea typeface="Times New Roman" pitchFamily="18" charset="0"/>
-                <a:cs typeface="Courier New" pitchFamily="49" charset="0"/>
-              </a:rPr>
-              <a:t>{</a:t>
-            </a:r>
-            <a:endParaRPr lang="be-BY" sz="1400" dirty="0">
-              <a:solidFill>
-                <a:schemeClr val="bg1"/>
-              </a:solidFill>
-              <a:latin typeface="Courier New" pitchFamily="49" charset="0"/>
-              <a:ea typeface="Times New Roman" pitchFamily="18" charset="0"/>
-              <a:cs typeface="Courier New" pitchFamily="49" charset="0"/>
-            </a:endParaRPr>
-          </a:p>
-          <a:p>
-            <a:pPr eaLnBrk="0" hangingPunct="0"/>
-            <a:r>
-              <a:rPr lang="ru-RU" sz="1400" dirty="0">
-                <a:solidFill>
-                  <a:schemeClr val="bg1"/>
-                </a:solidFill>
-                <a:latin typeface="Courier New" pitchFamily="49" charset="0"/>
-                <a:ea typeface="Times New Roman" pitchFamily="18" charset="0"/>
-                <a:cs typeface="Courier New" pitchFamily="49" charset="0"/>
-              </a:rPr>
-              <a:t>    </a:t>
-            </a:r>
-            <a:r>
-              <a:rPr lang="en-US" sz="1400" dirty="0">
-                <a:solidFill>
-                  <a:schemeClr val="bg1"/>
-                </a:solidFill>
-                <a:latin typeface="Courier New" pitchFamily="49" charset="0"/>
-                <a:ea typeface="Times New Roman" pitchFamily="18" charset="0"/>
-                <a:cs typeface="Courier New" pitchFamily="49" charset="0"/>
-              </a:rPr>
-              <a:t>add</a:t>
-            </a:r>
-            <a:r>
-              <a:rPr lang="ru-RU" sz="1400" dirty="0">
-                <a:solidFill>
-                  <a:schemeClr val="bg1"/>
-                </a:solidFill>
-                <a:latin typeface="Courier New" pitchFamily="49" charset="0"/>
-                <a:ea typeface="Times New Roman" pitchFamily="18" charset="0"/>
-                <a:cs typeface="Courier New" pitchFamily="49" charset="0"/>
-              </a:rPr>
-              <a:t> { }</a:t>
-            </a:r>
-            <a:endParaRPr lang="be-BY" sz="1400" dirty="0">
-              <a:solidFill>
-                <a:schemeClr val="bg1"/>
-              </a:solidFill>
-              <a:latin typeface="Courier New" pitchFamily="49" charset="0"/>
-              <a:ea typeface="Times New Roman" pitchFamily="18" charset="0"/>
-              <a:cs typeface="Courier New" pitchFamily="49" charset="0"/>
-            </a:endParaRPr>
-          </a:p>
-          <a:p>
-            <a:pPr eaLnBrk="0" hangingPunct="0"/>
-            <a:r>
-              <a:rPr lang="ru-RU" sz="1400" dirty="0">
-                <a:solidFill>
-                  <a:schemeClr val="bg1"/>
-                </a:solidFill>
-                <a:latin typeface="Courier New" pitchFamily="49" charset="0"/>
-                <a:ea typeface="Times New Roman" pitchFamily="18" charset="0"/>
-                <a:cs typeface="Courier New" pitchFamily="49" charset="0"/>
-              </a:rPr>
-              <a:t>    </a:t>
-            </a:r>
-            <a:r>
-              <a:rPr lang="en-US" sz="1400" dirty="0">
-                <a:solidFill>
-                  <a:schemeClr val="bg1"/>
-                </a:solidFill>
-                <a:latin typeface="Courier New" pitchFamily="49" charset="0"/>
-                <a:ea typeface="Times New Roman" pitchFamily="18" charset="0"/>
-                <a:cs typeface="Courier New" pitchFamily="49" charset="0"/>
-              </a:rPr>
-              <a:t>remove</a:t>
-            </a:r>
-            <a:r>
-              <a:rPr lang="ru-RU" sz="1400" dirty="0">
-                <a:solidFill>
-                  <a:schemeClr val="bg1"/>
-                </a:solidFill>
-                <a:latin typeface="Courier New" pitchFamily="49" charset="0"/>
-                <a:ea typeface="Times New Roman" pitchFamily="18" charset="0"/>
-                <a:cs typeface="Courier New" pitchFamily="49" charset="0"/>
-              </a:rPr>
-              <a:t> { }</a:t>
-            </a:r>
-            <a:endParaRPr lang="be-BY" sz="1400" dirty="0">
-              <a:solidFill>
-                <a:schemeClr val="bg1"/>
-              </a:solidFill>
-              <a:latin typeface="Courier New" pitchFamily="49" charset="0"/>
-              <a:ea typeface="Times New Roman" pitchFamily="18" charset="0"/>
-              <a:cs typeface="Courier New" pitchFamily="49" charset="0"/>
-            </a:endParaRPr>
-          </a:p>
-          <a:p>
-            <a:pPr eaLnBrk="0" hangingPunct="0"/>
-            <a:r>
-              <a:rPr lang="ru-RU" sz="1400" dirty="0">
-                <a:solidFill>
-                  <a:schemeClr val="bg1"/>
-                </a:solidFill>
-                <a:latin typeface="Courier New" pitchFamily="49" charset="0"/>
-                <a:ea typeface="Times New Roman" pitchFamily="18" charset="0"/>
-                <a:cs typeface="Courier New" pitchFamily="49" charset="0"/>
-              </a:rPr>
-              <a:t>};</a:t>
-            </a:r>
-            <a:endParaRPr lang="be-BY" sz="1400" dirty="0">
-              <a:solidFill>
-                <a:schemeClr val="bg1"/>
-              </a:solidFill>
-              <a:latin typeface="Courier New" pitchFamily="49" charset="0"/>
-              <a:ea typeface="Times New Roman" pitchFamily="18" charset="0"/>
-              <a:cs typeface="Courier New" pitchFamily="49" charset="0"/>
-            </a:endParaRPr>
-          </a:p>
-        </p:txBody>
-      </p:sp>
-      <p:sp>
-        <p:nvSpPr>
-          <p:cNvPr id="12294" name="TextBox 6"/>
-          <p:cNvSpPr txBox="1">
-            <a:spLocks noChangeArrowheads="1"/>
-          </p:cNvSpPr>
-          <p:nvPr/>
-        </p:nvSpPr>
-        <p:spPr bwMode="auto">
-          <a:xfrm>
-            <a:off x="152400" y="3441228"/>
-            <a:ext cx="8839200" cy="584200"/>
-          </a:xfrm>
-          <a:prstGeom prst="rect">
-            <a:avLst/>
-          </a:prstGeom>
-          <a:noFill/>
-          <a:ln>
-            <a:noFill/>
-          </a:ln>
-          <a:extLst>
-            <a:ext uri="{909E8E84-426E-40DD-AFC4-6F175D3DCCD1}">
-              <a14:hiddenFill xmlns:a14="http://schemas.microsoft.com/office/drawing/2010/main">
-                <a:solidFill>
-                  <a:srgbClr val="FFFFFF"/>
-                </a:solidFill>
-              </a14:hiddenFill>
-            </a:ext>
-            <a:ext uri="{91240B29-F687-4F45-9708-019B960494DF}">
-              <a14:hiddenLine xmlns:a14="http://schemas.microsoft.com/office/drawing/2010/main" w="9525">
-                <a:solidFill>
-                  <a:srgbClr val="000000"/>
-                </a:solidFill>
-                <a:miter lim="800000"/>
-                <a:headEnd/>
-                <a:tailEnd/>
-              </a14:hiddenLine>
-            </a:ext>
-          </a:extLst>
-        </p:spPr>
-        <p:txBody>
-          <a:bodyPr>
-            <a:spAutoFit/>
-          </a:bodyPr>
-          <a:lstStyle>
-            <a:lvl1pPr defTabSz="358775" eaLnBrk="0" hangingPunct="0">
-              <a:defRPr>
-                <a:solidFill>
-                  <a:schemeClr val="tx1"/>
-                </a:solidFill>
-                <a:latin typeface="Arial" charset="0"/>
-              </a:defRPr>
-            </a:lvl1pPr>
-            <a:lvl2pPr marL="742950" indent="-285750" defTabSz="358775" eaLnBrk="0" hangingPunct="0">
-              <a:defRPr>
-                <a:solidFill>
-                  <a:schemeClr val="tx1"/>
-                </a:solidFill>
-                <a:latin typeface="Arial" charset="0"/>
-              </a:defRPr>
-            </a:lvl2pPr>
-            <a:lvl3pPr marL="1143000" indent="-228600" defTabSz="358775" eaLnBrk="0" hangingPunct="0">
-              <a:defRPr>
-                <a:solidFill>
-                  <a:schemeClr val="tx1"/>
-                </a:solidFill>
-                <a:latin typeface="Arial" charset="0"/>
-              </a:defRPr>
-            </a:lvl3pPr>
-            <a:lvl4pPr marL="1600200" indent="-228600" defTabSz="358775" eaLnBrk="0" hangingPunct="0">
-              <a:defRPr>
-                <a:solidFill>
-                  <a:schemeClr val="tx1"/>
-                </a:solidFill>
-                <a:latin typeface="Arial" charset="0"/>
-              </a:defRPr>
-            </a:lvl4pPr>
-            <a:lvl5pPr marL="2057400" indent="-228600" defTabSz="358775" eaLnBrk="0" hangingPunct="0">
-              <a:defRPr>
-                <a:solidFill>
-                  <a:schemeClr val="tx1"/>
-                </a:solidFill>
-                <a:latin typeface="Arial" charset="0"/>
-              </a:defRPr>
-            </a:lvl5pPr>
-            <a:lvl6pPr marL="2514600" indent="-228600" defTabSz="358775" eaLnBrk="0" fontAlgn="base" hangingPunct="0">
-              <a:spcBef>
-                <a:spcPct val="0"/>
-              </a:spcBef>
-              <a:spcAft>
-                <a:spcPct val="0"/>
-              </a:spcAft>
-              <a:defRPr>
-                <a:solidFill>
-                  <a:schemeClr val="tx1"/>
-                </a:solidFill>
-                <a:latin typeface="Arial" charset="0"/>
-              </a:defRPr>
-            </a:lvl6pPr>
-            <a:lvl7pPr marL="2971800" indent="-228600" defTabSz="358775" eaLnBrk="0" fontAlgn="base" hangingPunct="0">
-              <a:spcBef>
-                <a:spcPct val="0"/>
-              </a:spcBef>
-              <a:spcAft>
-                <a:spcPct val="0"/>
-              </a:spcAft>
-              <a:defRPr>
-                <a:solidFill>
-                  <a:schemeClr val="tx1"/>
-                </a:solidFill>
-                <a:latin typeface="Arial" charset="0"/>
-              </a:defRPr>
-            </a:lvl7pPr>
-            <a:lvl8pPr marL="3429000" indent="-228600" defTabSz="358775" eaLnBrk="0" fontAlgn="base" hangingPunct="0">
-              <a:spcBef>
-                <a:spcPct val="0"/>
-              </a:spcBef>
-              <a:spcAft>
-                <a:spcPct val="0"/>
-              </a:spcAft>
-              <a:defRPr>
-                <a:solidFill>
-                  <a:schemeClr val="tx1"/>
-                </a:solidFill>
-                <a:latin typeface="Arial" charset="0"/>
-              </a:defRPr>
-            </a:lvl8pPr>
-            <a:lvl9pPr marL="3886200" indent="-228600" defTabSz="358775" eaLnBrk="0" fontAlgn="base" hangingPunct="0">
-              <a:spcBef>
-                <a:spcPct val="0"/>
-              </a:spcBef>
-              <a:spcAft>
-                <a:spcPct val="0"/>
-              </a:spcAft>
-              <a:defRPr>
-                <a:solidFill>
-                  <a:schemeClr val="tx1"/>
-                </a:solidFill>
-                <a:latin typeface="Arial" charset="0"/>
-              </a:defRPr>
-            </a:lvl9pPr>
-          </a:lstStyle>
-          <a:p>
-            <a:pPr eaLnBrk="1" hangingPunct="1"/>
-            <a:r>
-              <a:rPr lang="ru-RU" sz="1600"/>
-              <a:t>	Методы добавления и удаления делегата из события генерируются автоматически, однако программист может их переопределить, используя следующую запись</a:t>
-            </a:r>
-            <a:r>
-              <a:rPr lang="en-US" sz="1600"/>
-              <a:t>:</a:t>
-            </a:r>
-            <a:endParaRPr lang="ru-RU" sz="1600"/>
-          </a:p>
-        </p:txBody>
-      </p:sp>
     </p:spTree>
     <p:extLst>
       <p:ext uri="{BB962C8B-B14F-4D97-AF65-F5344CB8AC3E}">
-        <p14:creationId xmlns:p14="http://schemas.microsoft.com/office/powerpoint/2010/main" val="1894118169"/>
+        <p14:creationId xmlns:p14="http://schemas.microsoft.com/office/powerpoint/2010/main" val="3940884637"/>
       </p:ext>
     </p:extLst>
   </p:cSld>
@@ -6643,7 +7161,7 @@
 </p:sld>
 </file>
 
-<file path=ppt/slides/slide13.xml><?xml version="1.0" encoding="utf-8"?>
+<file path=ppt/slides/slide14.xml><?xml version="1.0" encoding="utf-8"?>
 <p:sld xmlns:a="http://schemas.openxmlformats.org/drawingml/2006/main" xmlns:r="http://schemas.openxmlformats.org/officeDocument/2006/relationships" xmlns:p="http://schemas.openxmlformats.org/presentationml/2006/main">
   <p:cSld>
     <p:bg>
@@ -7679,7 +8197,7 @@
 </p:sld>
 </file>
 
-<file path=ppt/slides/slide14.xml><?xml version="1.0" encoding="utf-8"?>
+<file path=ppt/slides/slide15.xml><?xml version="1.0" encoding="utf-8"?>
 <p:sld xmlns:a="http://schemas.openxmlformats.org/drawingml/2006/main" xmlns:r="http://schemas.openxmlformats.org/officeDocument/2006/relationships" xmlns:p="http://schemas.openxmlformats.org/presentationml/2006/main">
   <p:cSld>
     <p:bg>
@@ -9207,7 +9725,7 @@
 </p:sld>
 </file>
 
-<file path=ppt/slides/slide15.xml><?xml version="1.0" encoding="utf-8"?>
+<file path=ppt/slides/slide16.xml><?xml version="1.0" encoding="utf-8"?>
 <p:sld xmlns:a="http://schemas.openxmlformats.org/drawingml/2006/main" xmlns:r="http://schemas.openxmlformats.org/officeDocument/2006/relationships" xmlns:p="http://schemas.openxmlformats.org/presentationml/2006/main">
   <p:cSld>
     <p:bg>
@@ -9285,15 +9803,7 @@
                   <a:srgbClr val="FFFFFF"/>
                 </a:solidFill>
               </a:rPr>
-              <a:t>Самостоятельное </a:t>
-            </a:r>
-            <a:r>
-              <a:rPr lang="ru-RU" sz="2400" b="1" dirty="0" smtClean="0">
-                <a:solidFill>
-                  <a:srgbClr val="FFFFFF"/>
-                </a:solidFill>
-              </a:rPr>
-              <a:t>задание</a:t>
+              <a:t>Самостоятельное задание</a:t>
             </a:r>
             <a:endParaRPr lang="ru-RU" sz="2400" b="1" dirty="0">
               <a:solidFill>
@@ -9463,16 +9973,7 @@
                 </a:solidFill>
                 <a:cs typeface="Arial" charset="0"/>
               </a:rPr>
-              <a:t>Vehi</a:t>
-            </a:r>
-            <a:r>
-              <a:rPr lang="en-US" dirty="0" smtClean="0">
-                <a:solidFill>
-                  <a:srgbClr val="FFFFFF"/>
-                </a:solidFill>
-                <a:cs typeface="Arial" charset="0"/>
-              </a:rPr>
-              <a:t>cle.</a:t>
+              <a:t>Vehicle.</a:t>
             </a:r>
           </a:p>
           <a:p>
@@ -9504,12 +10005,6 @@
               </a:rPr>
               <a:t>Homework\vehicle-events.docx</a:t>
             </a:r>
-            <a:endParaRPr lang="en-US" i="1" dirty="0">
-              <a:solidFill>
-                <a:srgbClr val="FFFFFF"/>
-              </a:solidFill>
-              <a:cs typeface="Arial" charset="0"/>
-            </a:endParaRPr>
           </a:p>
         </p:txBody>
       </p:sp>
@@ -9533,7 +10028,7 @@
 </p:sld>
 </file>
 
-<file path=ppt/slides/slide16.xml><?xml version="1.0" encoding="utf-8"?>
+<file path=ppt/slides/slide17.xml><?xml version="1.0" encoding="utf-8"?>
 <p:sld xmlns:a="http://schemas.openxmlformats.org/drawingml/2006/main" xmlns:r="http://schemas.openxmlformats.org/officeDocument/2006/relationships" xmlns:p="http://schemas.openxmlformats.org/presentationml/2006/main">
   <p:cSld>
     <p:bg>
@@ -10064,6 +10559,13 @@
   <p:clrMapOvr>
     <a:masterClrMapping/>
   </p:clrMapOvr>
+  <p:timing>
+    <p:tnLst>
+      <p:par>
+        <p:cTn id="1" dur="indefinite" restart="never" nodeType="tmRoot"/>
+      </p:par>
+    </p:tnLst>
+  </p:timing>
 </p:sld>
 </file>
 
@@ -17195,6 +17697,369 @@
               <a:rPr lang="ru-RU" sz="1600"/>
               <a:t>	3. Вызов(или генерация) события.</a:t>
             </a:r>
+          </a:p>
+        </p:txBody>
+      </p:sp>
+      <p:sp>
+        <p:nvSpPr>
+          <p:cNvPr id="6" name="Rectangle 3"/>
+          <p:cNvSpPr>
+            <a:spLocks noChangeArrowheads="1"/>
+          </p:cNvSpPr>
+          <p:nvPr/>
+        </p:nvSpPr>
+        <p:spPr bwMode="auto">
+          <a:xfrm>
+            <a:off x="228600" y="5427364"/>
+            <a:ext cx="8686800" cy="1169988"/>
+          </a:xfrm>
+          <a:prstGeom prst="rect">
+            <a:avLst/>
+          </a:prstGeom>
+          <a:noFill/>
+          <a:ln w="9525">
+            <a:solidFill>
+              <a:srgbClr val="FF0000"/>
+            </a:solidFill>
+            <a:miter lim="800000"/>
+            <a:headEnd/>
+            <a:tailEnd/>
+          </a:ln>
+          <a:extLst>
+            <a:ext uri="{909E8E84-426E-40DD-AFC4-6F175D3DCCD1}">
+              <a14:hiddenFill xmlns:a14="http://schemas.microsoft.com/office/drawing/2010/main">
+                <a:solidFill>
+                  <a:srgbClr val="FFFFFF"/>
+                </a:solidFill>
+              </a14:hiddenFill>
+            </a:ext>
+          </a:extLst>
+        </p:spPr>
+        <p:txBody>
+          <a:bodyPr anchor="ctr">
+            <a:spAutoFit/>
+          </a:bodyPr>
+          <a:lstStyle/>
+          <a:p>
+            <a:pPr eaLnBrk="0" hangingPunct="0"/>
+            <a:r>
+              <a:rPr lang="en-US" sz="1400" dirty="0">
+                <a:solidFill>
+                  <a:schemeClr val="bg1"/>
+                </a:solidFill>
+                <a:latin typeface="Courier New" pitchFamily="49" charset="0"/>
+                <a:ea typeface="Times New Roman" pitchFamily="18" charset="0"/>
+                <a:cs typeface="Courier New" pitchFamily="49" charset="0"/>
+              </a:rPr>
+              <a:t>e</a:t>
+            </a:r>
+            <a:r>
+              <a:rPr lang="ru-RU" sz="1400" dirty="0">
+                <a:solidFill>
+                  <a:schemeClr val="bg1"/>
+                </a:solidFill>
+                <a:latin typeface="Courier New" pitchFamily="49" charset="0"/>
+                <a:ea typeface="Times New Roman" pitchFamily="18" charset="0"/>
+                <a:cs typeface="Courier New" pitchFamily="49" charset="0"/>
+              </a:rPr>
+              <a:t>vent &lt;имя делегата&gt; &lt;имя события&gt;</a:t>
+            </a:r>
+            <a:endParaRPr lang="be-BY" sz="1400" dirty="0">
+              <a:solidFill>
+                <a:schemeClr val="bg1"/>
+              </a:solidFill>
+              <a:latin typeface="Courier New" pitchFamily="49" charset="0"/>
+              <a:ea typeface="Times New Roman" pitchFamily="18" charset="0"/>
+              <a:cs typeface="Courier New" pitchFamily="49" charset="0"/>
+            </a:endParaRPr>
+          </a:p>
+          <a:p>
+            <a:pPr eaLnBrk="0" hangingPunct="0"/>
+            <a:r>
+              <a:rPr lang="ru-RU" sz="1400" dirty="0">
+                <a:solidFill>
+                  <a:schemeClr val="bg1"/>
+                </a:solidFill>
+                <a:latin typeface="Courier New" pitchFamily="49" charset="0"/>
+                <a:ea typeface="Times New Roman" pitchFamily="18" charset="0"/>
+                <a:cs typeface="Courier New" pitchFamily="49" charset="0"/>
+              </a:rPr>
+              <a:t>{</a:t>
+            </a:r>
+            <a:endParaRPr lang="be-BY" sz="1400" dirty="0">
+              <a:solidFill>
+                <a:schemeClr val="bg1"/>
+              </a:solidFill>
+              <a:latin typeface="Courier New" pitchFamily="49" charset="0"/>
+              <a:ea typeface="Times New Roman" pitchFamily="18" charset="0"/>
+              <a:cs typeface="Courier New" pitchFamily="49" charset="0"/>
+            </a:endParaRPr>
+          </a:p>
+          <a:p>
+            <a:pPr eaLnBrk="0" hangingPunct="0"/>
+            <a:r>
+              <a:rPr lang="ru-RU" sz="1400" dirty="0">
+                <a:solidFill>
+                  <a:schemeClr val="bg1"/>
+                </a:solidFill>
+                <a:latin typeface="Courier New" pitchFamily="49" charset="0"/>
+                <a:ea typeface="Times New Roman" pitchFamily="18" charset="0"/>
+                <a:cs typeface="Courier New" pitchFamily="49" charset="0"/>
+              </a:rPr>
+              <a:t>    </a:t>
+            </a:r>
+            <a:r>
+              <a:rPr lang="en-US" sz="1400" dirty="0">
+                <a:solidFill>
+                  <a:schemeClr val="bg1"/>
+                </a:solidFill>
+                <a:latin typeface="Courier New" pitchFamily="49" charset="0"/>
+                <a:ea typeface="Times New Roman" pitchFamily="18" charset="0"/>
+                <a:cs typeface="Courier New" pitchFamily="49" charset="0"/>
+              </a:rPr>
+              <a:t>add</a:t>
+            </a:r>
+            <a:r>
+              <a:rPr lang="ru-RU" sz="1400" dirty="0">
+                <a:solidFill>
+                  <a:schemeClr val="bg1"/>
+                </a:solidFill>
+                <a:latin typeface="Courier New" pitchFamily="49" charset="0"/>
+                <a:ea typeface="Times New Roman" pitchFamily="18" charset="0"/>
+                <a:cs typeface="Courier New" pitchFamily="49" charset="0"/>
+              </a:rPr>
+              <a:t> { }</a:t>
+            </a:r>
+            <a:endParaRPr lang="be-BY" sz="1400" dirty="0">
+              <a:solidFill>
+                <a:schemeClr val="bg1"/>
+              </a:solidFill>
+              <a:latin typeface="Courier New" pitchFamily="49" charset="0"/>
+              <a:ea typeface="Times New Roman" pitchFamily="18" charset="0"/>
+              <a:cs typeface="Courier New" pitchFamily="49" charset="0"/>
+            </a:endParaRPr>
+          </a:p>
+          <a:p>
+            <a:pPr eaLnBrk="0" hangingPunct="0"/>
+            <a:r>
+              <a:rPr lang="ru-RU" sz="1400" dirty="0">
+                <a:solidFill>
+                  <a:schemeClr val="bg1"/>
+                </a:solidFill>
+                <a:latin typeface="Courier New" pitchFamily="49" charset="0"/>
+                <a:ea typeface="Times New Roman" pitchFamily="18" charset="0"/>
+                <a:cs typeface="Courier New" pitchFamily="49" charset="0"/>
+              </a:rPr>
+              <a:t>    </a:t>
+            </a:r>
+            <a:r>
+              <a:rPr lang="en-US" sz="1400" dirty="0">
+                <a:solidFill>
+                  <a:schemeClr val="bg1"/>
+                </a:solidFill>
+                <a:latin typeface="Courier New" pitchFamily="49" charset="0"/>
+                <a:ea typeface="Times New Roman" pitchFamily="18" charset="0"/>
+                <a:cs typeface="Courier New" pitchFamily="49" charset="0"/>
+              </a:rPr>
+              <a:t>remove</a:t>
+            </a:r>
+            <a:r>
+              <a:rPr lang="ru-RU" sz="1400" dirty="0">
+                <a:solidFill>
+                  <a:schemeClr val="bg1"/>
+                </a:solidFill>
+                <a:latin typeface="Courier New" pitchFamily="49" charset="0"/>
+                <a:ea typeface="Times New Roman" pitchFamily="18" charset="0"/>
+                <a:cs typeface="Courier New" pitchFamily="49" charset="0"/>
+              </a:rPr>
+              <a:t> { }</a:t>
+            </a:r>
+            <a:endParaRPr lang="be-BY" sz="1400" dirty="0">
+              <a:solidFill>
+                <a:schemeClr val="bg1"/>
+              </a:solidFill>
+              <a:latin typeface="Courier New" pitchFamily="49" charset="0"/>
+              <a:ea typeface="Times New Roman" pitchFamily="18" charset="0"/>
+              <a:cs typeface="Courier New" pitchFamily="49" charset="0"/>
+            </a:endParaRPr>
+          </a:p>
+          <a:p>
+            <a:pPr eaLnBrk="0" hangingPunct="0"/>
+            <a:r>
+              <a:rPr lang="ru-RU" sz="1400" dirty="0">
+                <a:solidFill>
+                  <a:schemeClr val="bg1"/>
+                </a:solidFill>
+                <a:latin typeface="Courier New" pitchFamily="49" charset="0"/>
+                <a:ea typeface="Times New Roman" pitchFamily="18" charset="0"/>
+                <a:cs typeface="Courier New" pitchFamily="49" charset="0"/>
+              </a:rPr>
+              <a:t>};</a:t>
+            </a:r>
+            <a:endParaRPr lang="be-BY" sz="1400" dirty="0">
+              <a:solidFill>
+                <a:schemeClr val="bg1"/>
+              </a:solidFill>
+              <a:latin typeface="Courier New" pitchFamily="49" charset="0"/>
+              <a:ea typeface="Times New Roman" pitchFamily="18" charset="0"/>
+              <a:cs typeface="Courier New" pitchFamily="49" charset="0"/>
+            </a:endParaRPr>
+          </a:p>
+        </p:txBody>
+      </p:sp>
+      <p:sp>
+        <p:nvSpPr>
+          <p:cNvPr id="7" name="TextBox 6"/>
+          <p:cNvSpPr txBox="1">
+            <a:spLocks noChangeArrowheads="1"/>
+          </p:cNvSpPr>
+          <p:nvPr/>
+        </p:nvSpPr>
+        <p:spPr bwMode="auto">
+          <a:xfrm>
+            <a:off x="152400" y="4665364"/>
+            <a:ext cx="8839200" cy="584200"/>
+          </a:xfrm>
+          <a:prstGeom prst="rect">
+            <a:avLst/>
+          </a:prstGeom>
+          <a:noFill/>
+          <a:ln>
+            <a:noFill/>
+          </a:ln>
+          <a:extLst>
+            <a:ext uri="{909E8E84-426E-40DD-AFC4-6F175D3DCCD1}">
+              <a14:hiddenFill xmlns:a14="http://schemas.microsoft.com/office/drawing/2010/main">
+                <a:solidFill>
+                  <a:srgbClr val="FFFFFF"/>
+                </a:solidFill>
+              </a14:hiddenFill>
+            </a:ext>
+            <a:ext uri="{91240B29-F687-4F45-9708-019B960494DF}">
+              <a14:hiddenLine xmlns:a14="http://schemas.microsoft.com/office/drawing/2010/main" w="9525">
+                <a:solidFill>
+                  <a:srgbClr val="000000"/>
+                </a:solidFill>
+                <a:miter lim="800000"/>
+                <a:headEnd/>
+                <a:tailEnd/>
+              </a14:hiddenLine>
+            </a:ext>
+          </a:extLst>
+        </p:spPr>
+        <p:txBody>
+          <a:bodyPr>
+            <a:spAutoFit/>
+          </a:bodyPr>
+          <a:lstStyle>
+            <a:lvl1pPr defTabSz="358775" eaLnBrk="0" hangingPunct="0">
+              <a:defRPr>
+                <a:solidFill>
+                  <a:schemeClr val="tx1"/>
+                </a:solidFill>
+                <a:latin typeface="Arial" charset="0"/>
+              </a:defRPr>
+            </a:lvl1pPr>
+            <a:lvl2pPr marL="742950" indent="-285750" defTabSz="358775" eaLnBrk="0" hangingPunct="0">
+              <a:defRPr>
+                <a:solidFill>
+                  <a:schemeClr val="tx1"/>
+                </a:solidFill>
+                <a:latin typeface="Arial" charset="0"/>
+              </a:defRPr>
+            </a:lvl2pPr>
+            <a:lvl3pPr marL="1143000" indent="-228600" defTabSz="358775" eaLnBrk="0" hangingPunct="0">
+              <a:defRPr>
+                <a:solidFill>
+                  <a:schemeClr val="tx1"/>
+                </a:solidFill>
+                <a:latin typeface="Arial" charset="0"/>
+              </a:defRPr>
+            </a:lvl3pPr>
+            <a:lvl4pPr marL="1600200" indent="-228600" defTabSz="358775" eaLnBrk="0" hangingPunct="0">
+              <a:defRPr>
+                <a:solidFill>
+                  <a:schemeClr val="tx1"/>
+                </a:solidFill>
+                <a:latin typeface="Arial" charset="0"/>
+              </a:defRPr>
+            </a:lvl4pPr>
+            <a:lvl5pPr marL="2057400" indent="-228600" defTabSz="358775" eaLnBrk="0" hangingPunct="0">
+              <a:defRPr>
+                <a:solidFill>
+                  <a:schemeClr val="tx1"/>
+                </a:solidFill>
+                <a:latin typeface="Arial" charset="0"/>
+              </a:defRPr>
+            </a:lvl5pPr>
+            <a:lvl6pPr marL="2514600" indent="-228600" defTabSz="358775" eaLnBrk="0" fontAlgn="base" hangingPunct="0">
+              <a:spcBef>
+                <a:spcPct val="0"/>
+              </a:spcBef>
+              <a:spcAft>
+                <a:spcPct val="0"/>
+              </a:spcAft>
+              <a:defRPr>
+                <a:solidFill>
+                  <a:schemeClr val="tx1"/>
+                </a:solidFill>
+                <a:latin typeface="Arial" charset="0"/>
+              </a:defRPr>
+            </a:lvl6pPr>
+            <a:lvl7pPr marL="2971800" indent="-228600" defTabSz="358775" eaLnBrk="0" fontAlgn="base" hangingPunct="0">
+              <a:spcBef>
+                <a:spcPct val="0"/>
+              </a:spcBef>
+              <a:spcAft>
+                <a:spcPct val="0"/>
+              </a:spcAft>
+              <a:defRPr>
+                <a:solidFill>
+                  <a:schemeClr val="tx1"/>
+                </a:solidFill>
+                <a:latin typeface="Arial" charset="0"/>
+              </a:defRPr>
+            </a:lvl7pPr>
+            <a:lvl8pPr marL="3429000" indent="-228600" defTabSz="358775" eaLnBrk="0" fontAlgn="base" hangingPunct="0">
+              <a:spcBef>
+                <a:spcPct val="0"/>
+              </a:spcBef>
+              <a:spcAft>
+                <a:spcPct val="0"/>
+              </a:spcAft>
+              <a:defRPr>
+                <a:solidFill>
+                  <a:schemeClr val="tx1"/>
+                </a:solidFill>
+                <a:latin typeface="Arial" charset="0"/>
+              </a:defRPr>
+            </a:lvl8pPr>
+            <a:lvl9pPr marL="3886200" indent="-228600" defTabSz="358775" eaLnBrk="0" fontAlgn="base" hangingPunct="0">
+              <a:spcBef>
+                <a:spcPct val="0"/>
+              </a:spcBef>
+              <a:spcAft>
+                <a:spcPct val="0"/>
+              </a:spcAft>
+              <a:defRPr>
+                <a:solidFill>
+                  <a:schemeClr val="tx1"/>
+                </a:solidFill>
+                <a:latin typeface="Arial" charset="0"/>
+              </a:defRPr>
+            </a:lvl9pPr>
+          </a:lstStyle>
+          <a:p>
+            <a:pPr eaLnBrk="1" hangingPunct="1"/>
+            <a:r>
+              <a:rPr lang="ru-RU" sz="1600" dirty="0"/>
+              <a:t>	Методы добавления и удаления делегата из события генерируются автоматически, однако программист может их переопределить, используя следующую запись</a:t>
+            </a:r>
+            <a:r>
+              <a:rPr lang="en-US" sz="1600" dirty="0"/>
+              <a:t>:</a:t>
+            </a:r>
+            <a:endParaRPr lang="ru-RU" sz="1600" dirty="0"/>
           </a:p>
         </p:txBody>
       </p:sp>

--- a/Presentation/lesson-05-events.pptx
+++ b/Presentation/lesson-05-events.pptx
@@ -14,14 +14,15 @@
     <p:sldId id="277" r:id="rId8"/>
     <p:sldId id="278" r:id="rId9"/>
     <p:sldId id="279" r:id="rId10"/>
-    <p:sldId id="280" r:id="rId11"/>
-    <p:sldId id="281" r:id="rId12"/>
-    <p:sldId id="282" r:id="rId13"/>
-    <p:sldId id="289" r:id="rId14"/>
-    <p:sldId id="283" r:id="rId15"/>
-    <p:sldId id="286" r:id="rId16"/>
-    <p:sldId id="287" r:id="rId17"/>
-    <p:sldId id="288" r:id="rId18"/>
+    <p:sldId id="290" r:id="rId11"/>
+    <p:sldId id="280" r:id="rId12"/>
+    <p:sldId id="281" r:id="rId13"/>
+    <p:sldId id="282" r:id="rId14"/>
+    <p:sldId id="289" r:id="rId15"/>
+    <p:sldId id="283" r:id="rId16"/>
+    <p:sldId id="286" r:id="rId17"/>
+    <p:sldId id="287" r:id="rId18"/>
+    <p:sldId id="288" r:id="rId19"/>
   </p:sldIdLst>
   <p:sldSz cx="9144000" cy="6858000" type="screen4x3"/>
   <p:notesSz cx="6858000" cy="9144000"/>
@@ -304,7 +305,7 @@
           <a:p>
             <a:fld id="{FAECF776-F836-4CCD-9497-99E5597B8B5D}" type="datetimeFigureOut">
               <a:rPr lang="en-US" smtClean="0"/>
-              <a:t>6/4/2014</a:t>
+              <a:t>10/2/2014</a:t>
             </a:fld>
             <a:endParaRPr lang="en-US"/>
           </a:p>
@@ -474,7 +475,7 @@
           <a:p>
             <a:fld id="{FAECF776-F836-4CCD-9497-99E5597B8B5D}" type="datetimeFigureOut">
               <a:rPr lang="en-US" smtClean="0"/>
-              <a:t>6/4/2014</a:t>
+              <a:t>10/2/2014</a:t>
             </a:fld>
             <a:endParaRPr lang="en-US"/>
           </a:p>
@@ -654,7 +655,7 @@
           <a:p>
             <a:fld id="{FAECF776-F836-4CCD-9497-99E5597B8B5D}" type="datetimeFigureOut">
               <a:rPr lang="en-US" smtClean="0"/>
-              <a:t>6/4/2014</a:t>
+              <a:t>10/2/2014</a:t>
             </a:fld>
             <a:endParaRPr lang="en-US"/>
           </a:p>
@@ -824,7 +825,7 @@
           <a:p>
             <a:fld id="{FAECF776-F836-4CCD-9497-99E5597B8B5D}" type="datetimeFigureOut">
               <a:rPr lang="en-US" smtClean="0"/>
-              <a:t>6/4/2014</a:t>
+              <a:t>10/2/2014</a:t>
             </a:fld>
             <a:endParaRPr lang="en-US"/>
           </a:p>
@@ -1070,7 +1071,7 @@
           <a:p>
             <a:fld id="{FAECF776-F836-4CCD-9497-99E5597B8B5D}" type="datetimeFigureOut">
               <a:rPr lang="en-US" smtClean="0"/>
-              <a:t>6/4/2014</a:t>
+              <a:t>10/2/2014</a:t>
             </a:fld>
             <a:endParaRPr lang="en-US"/>
           </a:p>
@@ -1358,7 +1359,7 @@
           <a:p>
             <a:fld id="{FAECF776-F836-4CCD-9497-99E5597B8B5D}" type="datetimeFigureOut">
               <a:rPr lang="en-US" smtClean="0"/>
-              <a:t>6/4/2014</a:t>
+              <a:t>10/2/2014</a:t>
             </a:fld>
             <a:endParaRPr lang="en-US"/>
           </a:p>
@@ -1780,7 +1781,7 @@
           <a:p>
             <a:fld id="{FAECF776-F836-4CCD-9497-99E5597B8B5D}" type="datetimeFigureOut">
               <a:rPr lang="en-US" smtClean="0"/>
-              <a:t>6/4/2014</a:t>
+              <a:t>10/2/2014</a:t>
             </a:fld>
             <a:endParaRPr lang="en-US"/>
           </a:p>
@@ -1898,7 +1899,7 @@
           <a:p>
             <a:fld id="{FAECF776-F836-4CCD-9497-99E5597B8B5D}" type="datetimeFigureOut">
               <a:rPr lang="en-US" smtClean="0"/>
-              <a:t>6/4/2014</a:t>
+              <a:t>10/2/2014</a:t>
             </a:fld>
             <a:endParaRPr lang="en-US"/>
           </a:p>
@@ -1993,7 +1994,7 @@
           <a:p>
             <a:fld id="{FAECF776-F836-4CCD-9497-99E5597B8B5D}" type="datetimeFigureOut">
               <a:rPr lang="en-US" smtClean="0"/>
-              <a:t>6/4/2014</a:t>
+              <a:t>10/2/2014</a:t>
             </a:fld>
             <a:endParaRPr lang="en-US"/>
           </a:p>
@@ -2270,7 +2271,7 @@
           <a:p>
             <a:fld id="{FAECF776-F836-4CCD-9497-99E5597B8B5D}" type="datetimeFigureOut">
               <a:rPr lang="en-US" smtClean="0"/>
-              <a:t>6/4/2014</a:t>
+              <a:t>10/2/2014</a:t>
             </a:fld>
             <a:endParaRPr lang="en-US"/>
           </a:p>
@@ -2523,7 +2524,7 @@
           <a:p>
             <a:fld id="{FAECF776-F836-4CCD-9497-99E5597B8B5D}" type="datetimeFigureOut">
               <a:rPr lang="en-US" smtClean="0"/>
-              <a:t>6/4/2014</a:t>
+              <a:t>10/2/2014</a:t>
             </a:fld>
             <a:endParaRPr lang="en-US"/>
           </a:p>
@@ -2736,7 +2737,7 @@
           <a:p>
             <a:fld id="{FAECF776-F836-4CCD-9497-99E5597B8B5D}" type="datetimeFigureOut">
               <a:rPr lang="en-US" smtClean="0"/>
-              <a:t>6/4/2014</a:t>
+              <a:t>10/2/2014</a:t>
             </a:fld>
             <a:endParaRPr lang="en-US"/>
           </a:p>
@@ -3327,6 +3328,298 @@
 </file>
 
 <file path=ppt/slides/slide10.xml><?xml version="1.0" encoding="utf-8"?>
+<p:sld xmlns:a="http://schemas.openxmlformats.org/drawingml/2006/main" xmlns:r="http://schemas.openxmlformats.org/officeDocument/2006/relationships" xmlns:p="http://schemas.openxmlformats.org/presentationml/2006/main" show="0">
+  <p:cSld>
+    <p:bg>
+      <p:bgPr>
+        <a:solidFill>
+          <a:srgbClr val="C00000"/>
+        </a:solidFill>
+        <a:effectLst/>
+      </p:bgPr>
+    </p:bg>
+    <p:spTree>
+      <p:nvGrpSpPr>
+        <p:cNvPr id="1" name=""/>
+        <p:cNvGrpSpPr/>
+        <p:nvPr/>
+      </p:nvGrpSpPr>
+      <p:grpSpPr>
+        <a:xfrm>
+          <a:off x="0" y="0"/>
+          <a:ext cx="0" cy="0"/>
+          <a:chOff x="0" y="0"/>
+          <a:chExt cx="0" cy="0"/>
+        </a:xfrm>
+      </p:grpSpPr>
+      <p:sp>
+        <p:nvSpPr>
+          <p:cNvPr id="9218" name="Прямоугольник 2"/>
+          <p:cNvSpPr>
+            <a:spLocks noChangeArrowheads="1"/>
+          </p:cNvSpPr>
+          <p:nvPr/>
+        </p:nvSpPr>
+        <p:spPr bwMode="auto">
+          <a:xfrm>
+            <a:off x="2133600" y="0"/>
+            <a:ext cx="5105400" cy="461963"/>
+          </a:xfrm>
+          <a:prstGeom prst="rect">
+            <a:avLst/>
+          </a:prstGeom>
+          <a:noFill/>
+          <a:ln>
+            <a:noFill/>
+          </a:ln>
+          <a:extLst>
+            <a:ext uri="{909E8E84-426E-40DD-AFC4-6F175D3DCCD1}">
+              <a14:hiddenFill xmlns:a14="http://schemas.microsoft.com/office/drawing/2010/main">
+                <a:solidFill>
+                  <a:srgbClr val="FFFFFF"/>
+                </a:solidFill>
+              </a14:hiddenFill>
+            </a:ext>
+            <a:ext uri="{91240B29-F687-4F45-9708-019B960494DF}">
+              <a14:hiddenLine xmlns:a14="http://schemas.microsoft.com/office/drawing/2010/main" w="9525">
+                <a:solidFill>
+                  <a:srgbClr val="000000"/>
+                </a:solidFill>
+                <a:miter lim="800000"/>
+                <a:headEnd/>
+                <a:tailEnd/>
+              </a14:hiddenLine>
+            </a:ext>
+          </a:extLst>
+        </p:spPr>
+        <p:txBody>
+          <a:bodyPr>
+            <a:spAutoFit/>
+          </a:bodyPr>
+          <a:lstStyle/>
+          <a:p>
+            <a:pPr algn="ctr"/>
+            <a:r>
+              <a:rPr lang="en-US" sz="2400" b="1" dirty="0"/>
+              <a:t>C# 6. Null-Conditional Operator</a:t>
+            </a:r>
+            <a:endParaRPr lang="ru-RU" sz="2400" b="1" dirty="0"/>
+          </a:p>
+        </p:txBody>
+      </p:sp>
+      <p:sp>
+        <p:nvSpPr>
+          <p:cNvPr id="9219" name="TextBox 6"/>
+          <p:cNvSpPr txBox="1">
+            <a:spLocks noChangeArrowheads="1"/>
+          </p:cNvSpPr>
+          <p:nvPr/>
+        </p:nvSpPr>
+        <p:spPr bwMode="auto">
+          <a:xfrm>
+            <a:off x="152400" y="457200"/>
+            <a:ext cx="8839200" cy="830997"/>
+          </a:xfrm>
+          <a:prstGeom prst="rect">
+            <a:avLst/>
+          </a:prstGeom>
+          <a:noFill/>
+          <a:ln>
+            <a:noFill/>
+          </a:ln>
+          <a:extLst>
+            <a:ext uri="{909E8E84-426E-40DD-AFC4-6F175D3DCCD1}">
+              <a14:hiddenFill xmlns:a14="http://schemas.microsoft.com/office/drawing/2010/main">
+                <a:solidFill>
+                  <a:srgbClr val="FFFFFF"/>
+                </a:solidFill>
+              </a14:hiddenFill>
+            </a:ext>
+            <a:ext uri="{91240B29-F687-4F45-9708-019B960494DF}">
+              <a14:hiddenLine xmlns:a14="http://schemas.microsoft.com/office/drawing/2010/main" w="9525">
+                <a:solidFill>
+                  <a:srgbClr val="000000"/>
+                </a:solidFill>
+                <a:miter lim="800000"/>
+                <a:headEnd/>
+                <a:tailEnd/>
+              </a14:hiddenLine>
+            </a:ext>
+          </a:extLst>
+        </p:spPr>
+        <p:txBody>
+          <a:bodyPr>
+            <a:spAutoFit/>
+          </a:bodyPr>
+          <a:lstStyle>
+            <a:lvl1pPr defTabSz="358775" eaLnBrk="0" hangingPunct="0">
+              <a:defRPr>
+                <a:solidFill>
+                  <a:schemeClr val="tx1"/>
+                </a:solidFill>
+                <a:latin typeface="Arial" charset="0"/>
+              </a:defRPr>
+            </a:lvl1pPr>
+            <a:lvl2pPr marL="742950" indent="-285750" defTabSz="358775" eaLnBrk="0" hangingPunct="0">
+              <a:defRPr>
+                <a:solidFill>
+                  <a:schemeClr val="tx1"/>
+                </a:solidFill>
+                <a:latin typeface="Arial" charset="0"/>
+              </a:defRPr>
+            </a:lvl2pPr>
+            <a:lvl3pPr marL="1143000" indent="-228600" defTabSz="358775" eaLnBrk="0" hangingPunct="0">
+              <a:defRPr>
+                <a:solidFill>
+                  <a:schemeClr val="tx1"/>
+                </a:solidFill>
+                <a:latin typeface="Arial" charset="0"/>
+              </a:defRPr>
+            </a:lvl3pPr>
+            <a:lvl4pPr marL="1600200" indent="-228600" defTabSz="358775" eaLnBrk="0" hangingPunct="0">
+              <a:defRPr>
+                <a:solidFill>
+                  <a:schemeClr val="tx1"/>
+                </a:solidFill>
+                <a:latin typeface="Arial" charset="0"/>
+              </a:defRPr>
+            </a:lvl4pPr>
+            <a:lvl5pPr marL="2057400" indent="-228600" defTabSz="358775" eaLnBrk="0" hangingPunct="0">
+              <a:defRPr>
+                <a:solidFill>
+                  <a:schemeClr val="tx1"/>
+                </a:solidFill>
+                <a:latin typeface="Arial" charset="0"/>
+              </a:defRPr>
+            </a:lvl5pPr>
+            <a:lvl6pPr marL="2514600" indent="-228600" defTabSz="358775" eaLnBrk="0" fontAlgn="base" hangingPunct="0">
+              <a:spcBef>
+                <a:spcPct val="0"/>
+              </a:spcBef>
+              <a:spcAft>
+                <a:spcPct val="0"/>
+              </a:spcAft>
+              <a:defRPr>
+                <a:solidFill>
+                  <a:schemeClr val="tx1"/>
+                </a:solidFill>
+                <a:latin typeface="Arial" charset="0"/>
+              </a:defRPr>
+            </a:lvl6pPr>
+            <a:lvl7pPr marL="2971800" indent="-228600" defTabSz="358775" eaLnBrk="0" fontAlgn="base" hangingPunct="0">
+              <a:spcBef>
+                <a:spcPct val="0"/>
+              </a:spcBef>
+              <a:spcAft>
+                <a:spcPct val="0"/>
+              </a:spcAft>
+              <a:defRPr>
+                <a:solidFill>
+                  <a:schemeClr val="tx1"/>
+                </a:solidFill>
+                <a:latin typeface="Arial" charset="0"/>
+              </a:defRPr>
+            </a:lvl7pPr>
+            <a:lvl8pPr marL="3429000" indent="-228600" defTabSz="358775" eaLnBrk="0" fontAlgn="base" hangingPunct="0">
+              <a:spcBef>
+                <a:spcPct val="0"/>
+              </a:spcBef>
+              <a:spcAft>
+                <a:spcPct val="0"/>
+              </a:spcAft>
+              <a:defRPr>
+                <a:solidFill>
+                  <a:schemeClr val="tx1"/>
+                </a:solidFill>
+                <a:latin typeface="Arial" charset="0"/>
+              </a:defRPr>
+            </a:lvl8pPr>
+            <a:lvl9pPr marL="3886200" indent="-228600" defTabSz="358775" eaLnBrk="0" fontAlgn="base" hangingPunct="0">
+              <a:spcBef>
+                <a:spcPct val="0"/>
+              </a:spcBef>
+              <a:spcAft>
+                <a:spcPct val="0"/>
+              </a:spcAft>
+              <a:defRPr>
+                <a:solidFill>
+                  <a:schemeClr val="tx1"/>
+                </a:solidFill>
+                <a:latin typeface="Arial" charset="0"/>
+              </a:defRPr>
+            </a:lvl9pPr>
+          </a:lstStyle>
+          <a:p>
+            <a:pPr eaLnBrk="1" hangingPunct="1"/>
+            <a:r>
+              <a:rPr lang="en-US" sz="1600" dirty="0" err="1" smtClean="0"/>
+              <a:t>eventName</a:t>
+            </a:r>
+            <a:r>
+              <a:rPr lang="en-US" sz="1600" dirty="0" smtClean="0"/>
+              <a:t>?.Invoke()</a:t>
+            </a:r>
+            <a:endParaRPr lang="ru-RU" sz="1600" dirty="0" smtClean="0"/>
+          </a:p>
+          <a:p>
+            <a:pPr eaLnBrk="1" hangingPunct="1"/>
+            <a:endParaRPr lang="en-US" sz="1600" dirty="0" smtClean="0">
+              <a:hlinkClick r:id="rId2"/>
+            </a:endParaRPr>
+          </a:p>
+          <a:p>
+            <a:pPr eaLnBrk="1" hangingPunct="1"/>
+            <a:r>
+              <a:rPr lang="en-US" sz="1600" dirty="0" smtClean="0">
+                <a:hlinkClick r:id="rId2"/>
+              </a:rPr>
+              <a:t>http</a:t>
+            </a:r>
+            <a:r>
+              <a:rPr lang="en-US" sz="1600" dirty="0">
+                <a:hlinkClick r:id="rId2"/>
+              </a:rPr>
+              <a:t>://</a:t>
+            </a:r>
+            <a:r>
+              <a:rPr lang="en-US" sz="1600" dirty="0" smtClean="0">
+                <a:hlinkClick r:id="rId2"/>
+              </a:rPr>
+              <a:t>msdn.microsoft.com/en-us/magazine/dn802602.aspx</a:t>
+            </a:r>
+            <a:endParaRPr lang="ru-RU" sz="1600" dirty="0"/>
+          </a:p>
+        </p:txBody>
+      </p:sp>
+    </p:spTree>
+    <p:extLst>
+      <p:ext uri="{BB962C8B-B14F-4D97-AF65-F5344CB8AC3E}">
+        <p14:creationId xmlns:p14="http://schemas.microsoft.com/office/powerpoint/2010/main" val="1203268294"/>
+      </p:ext>
+    </p:extLst>
+  </p:cSld>
+  <p:clrMapOvr>
+    <a:masterClrMapping/>
+  </p:clrMapOvr>
+  <mc:AlternateContent xmlns:mc="http://schemas.openxmlformats.org/markup-compatibility/2006">
+    <mc:Choice xmlns:p14="http://schemas.microsoft.com/office/powerpoint/2010/main" Requires="p14">
+      <p:transition spd="slow" p14:dur="2000"/>
+    </mc:Choice>
+    <mc:Fallback>
+      <p:transition spd="slow"/>
+    </mc:Fallback>
+  </mc:AlternateContent>
+  <p:timing>
+    <p:tnLst>
+      <p:par>
+        <p:cTn id="1" dur="indefinite" restart="never" nodeType="tmRoot"/>
+      </p:par>
+    </p:tnLst>
+  </p:timing>
+</p:sld>
+</file>
+
+<file path=ppt/slides/slide11.xml><?xml version="1.0" encoding="utf-8"?>
 <p:sld xmlns:a="http://schemas.openxmlformats.org/drawingml/2006/main" xmlns:r="http://schemas.openxmlformats.org/officeDocument/2006/relationships" xmlns:p="http://schemas.openxmlformats.org/presentationml/2006/main">
   <p:cSld>
     <p:bg>
@@ -4630,7 +4923,7 @@
 </p:sld>
 </file>
 
-<file path=ppt/slides/slide11.xml><?xml version="1.0" encoding="utf-8"?>
+<file path=ppt/slides/slide12.xml><?xml version="1.0" encoding="utf-8"?>
 <p:sld xmlns:a="http://schemas.openxmlformats.org/drawingml/2006/main" xmlns:r="http://schemas.openxmlformats.org/officeDocument/2006/relationships" xmlns:p="http://schemas.openxmlformats.org/presentationml/2006/main">
   <p:cSld>
     <p:bg>
@@ -5436,886 +5729,6 @@
     <p:extLst>
       <p:ext uri="{BB962C8B-B14F-4D97-AF65-F5344CB8AC3E}">
         <p14:creationId xmlns:p14="http://schemas.microsoft.com/office/powerpoint/2010/main" val="872955865"/>
-      </p:ext>
-    </p:extLst>
-  </p:cSld>
-  <p:clrMapOvr>
-    <a:masterClrMapping/>
-  </p:clrMapOvr>
-  <p:timing>
-    <p:tnLst>
-      <p:par>
-        <p:cTn id="1" dur="indefinite" restart="never" nodeType="tmRoot"/>
-      </p:par>
-    </p:tnLst>
-  </p:timing>
-</p:sld>
-</file>
-
-<file path=ppt/slides/slide12.xml><?xml version="1.0" encoding="utf-8"?>
-<p:sld xmlns:a="http://schemas.openxmlformats.org/drawingml/2006/main" xmlns:r="http://schemas.openxmlformats.org/officeDocument/2006/relationships" xmlns:p="http://schemas.openxmlformats.org/presentationml/2006/main">
-  <p:cSld>
-    <p:bg>
-      <p:bgPr>
-        <a:blipFill dpi="0" rotWithShape="1">
-          <a:blip r:embed="rId2">
-            <a:lum/>
-          </a:blip>
-          <a:srcRect/>
-          <a:stretch>
-            <a:fillRect/>
-          </a:stretch>
-        </a:blipFill>
-        <a:effectLst/>
-      </p:bgPr>
-    </p:bg>
-    <p:spTree>
-      <p:nvGrpSpPr>
-        <p:cNvPr id="1" name=""/>
-        <p:cNvGrpSpPr/>
-        <p:nvPr/>
-      </p:nvGrpSpPr>
-      <p:grpSpPr>
-        <a:xfrm>
-          <a:off x="0" y="0"/>
-          <a:ext cx="0" cy="0"/>
-          <a:chOff x="0" y="0"/>
-          <a:chExt cx="0" cy="0"/>
-        </a:xfrm>
-      </p:grpSpPr>
-      <p:sp>
-        <p:nvSpPr>
-          <p:cNvPr id="12290" name="Прямоугольник 2"/>
-          <p:cNvSpPr>
-            <a:spLocks noChangeArrowheads="1"/>
-          </p:cNvSpPr>
-          <p:nvPr/>
-        </p:nvSpPr>
-        <p:spPr bwMode="auto">
-          <a:xfrm>
-            <a:off x="228600" y="0"/>
-            <a:ext cx="8686800" cy="461665"/>
-          </a:xfrm>
-          <a:prstGeom prst="rect">
-            <a:avLst/>
-          </a:prstGeom>
-          <a:noFill/>
-          <a:ln>
-            <a:noFill/>
-          </a:ln>
-          <a:extLst>
-            <a:ext uri="{909E8E84-426E-40DD-AFC4-6F175D3DCCD1}">
-              <a14:hiddenFill xmlns:a14="http://schemas.microsoft.com/office/drawing/2010/main">
-                <a:solidFill>
-                  <a:srgbClr val="FFFFFF"/>
-                </a:solidFill>
-              </a14:hiddenFill>
-            </a:ext>
-            <a:ext uri="{91240B29-F687-4F45-9708-019B960494DF}">
-              <a14:hiddenLine xmlns:a14="http://schemas.microsoft.com/office/drawing/2010/main" w="9525">
-                <a:solidFill>
-                  <a:srgbClr val="000000"/>
-                </a:solidFill>
-                <a:miter lim="800000"/>
-                <a:headEnd/>
-                <a:tailEnd/>
-              </a14:hiddenLine>
-            </a:ext>
-          </a:extLst>
-        </p:spPr>
-        <p:txBody>
-          <a:bodyPr wrap="square">
-            <a:spAutoFit/>
-          </a:bodyPr>
-          <a:lstStyle/>
-          <a:p>
-            <a:pPr algn="ctr"/>
-            <a:r>
-              <a:rPr lang="ru-RU" sz="2400" b="1" dirty="0" smtClean="0"/>
-              <a:t>Делегаты </a:t>
-            </a:r>
-            <a:r>
-              <a:rPr lang="en-US" sz="2400" b="1" dirty="0" err="1" smtClean="0"/>
-              <a:t>System.Action</a:t>
-            </a:r>
-            <a:r>
-              <a:rPr lang="en-US" sz="2400" b="1" dirty="0" smtClean="0"/>
-              <a:t> </a:t>
-            </a:r>
-            <a:r>
-              <a:rPr lang="ru-RU" sz="2400" b="1" dirty="0" smtClean="0"/>
-              <a:t>и </a:t>
-            </a:r>
-            <a:r>
-              <a:rPr lang="en-US" sz="2400" b="1" dirty="0" err="1" smtClean="0"/>
-              <a:t>System.Func</a:t>
-            </a:r>
-            <a:endParaRPr lang="ru-RU" sz="2400" b="1" dirty="0"/>
-          </a:p>
-        </p:txBody>
-      </p:sp>
-      <p:sp>
-        <p:nvSpPr>
-          <p:cNvPr id="12291" name="TextBox 6"/>
-          <p:cNvSpPr txBox="1">
-            <a:spLocks noChangeArrowheads="1"/>
-          </p:cNvSpPr>
-          <p:nvPr/>
-        </p:nvSpPr>
-        <p:spPr bwMode="auto">
-          <a:xfrm>
-            <a:off x="152400" y="1002828"/>
-            <a:ext cx="8839200" cy="5016758"/>
-          </a:xfrm>
-          <a:prstGeom prst="rect">
-            <a:avLst/>
-          </a:prstGeom>
-          <a:noFill/>
-          <a:ln>
-            <a:noFill/>
-          </a:ln>
-          <a:extLst>
-            <a:ext uri="{909E8E84-426E-40DD-AFC4-6F175D3DCCD1}">
-              <a14:hiddenFill xmlns:a14="http://schemas.microsoft.com/office/drawing/2010/main">
-                <a:solidFill>
-                  <a:srgbClr val="FFFFFF"/>
-                </a:solidFill>
-              </a14:hiddenFill>
-            </a:ext>
-            <a:ext uri="{91240B29-F687-4F45-9708-019B960494DF}">
-              <a14:hiddenLine xmlns:a14="http://schemas.microsoft.com/office/drawing/2010/main" w="9525">
-                <a:solidFill>
-                  <a:srgbClr val="000000"/>
-                </a:solidFill>
-                <a:miter lim="800000"/>
-                <a:headEnd/>
-                <a:tailEnd/>
-              </a14:hiddenLine>
-            </a:ext>
-          </a:extLst>
-        </p:spPr>
-        <p:txBody>
-          <a:bodyPr>
-            <a:spAutoFit/>
-          </a:bodyPr>
-          <a:lstStyle>
-            <a:lvl1pPr defTabSz="358775" eaLnBrk="0" hangingPunct="0">
-              <a:defRPr>
-                <a:solidFill>
-                  <a:schemeClr val="tx1"/>
-                </a:solidFill>
-                <a:latin typeface="Arial" charset="0"/>
-              </a:defRPr>
-            </a:lvl1pPr>
-            <a:lvl2pPr marL="742950" indent="-285750" defTabSz="358775" eaLnBrk="0" hangingPunct="0">
-              <a:defRPr>
-                <a:solidFill>
-                  <a:schemeClr val="tx1"/>
-                </a:solidFill>
-                <a:latin typeface="Arial" charset="0"/>
-              </a:defRPr>
-            </a:lvl2pPr>
-            <a:lvl3pPr marL="1143000" indent="-228600" defTabSz="358775" eaLnBrk="0" hangingPunct="0">
-              <a:defRPr>
-                <a:solidFill>
-                  <a:schemeClr val="tx1"/>
-                </a:solidFill>
-                <a:latin typeface="Arial" charset="0"/>
-              </a:defRPr>
-            </a:lvl3pPr>
-            <a:lvl4pPr marL="1600200" indent="-228600" defTabSz="358775" eaLnBrk="0" hangingPunct="0">
-              <a:defRPr>
-                <a:solidFill>
-                  <a:schemeClr val="tx1"/>
-                </a:solidFill>
-                <a:latin typeface="Arial" charset="0"/>
-              </a:defRPr>
-            </a:lvl4pPr>
-            <a:lvl5pPr marL="2057400" indent="-228600" defTabSz="358775" eaLnBrk="0" hangingPunct="0">
-              <a:defRPr>
-                <a:solidFill>
-                  <a:schemeClr val="tx1"/>
-                </a:solidFill>
-                <a:latin typeface="Arial" charset="0"/>
-              </a:defRPr>
-            </a:lvl5pPr>
-            <a:lvl6pPr marL="2514600" indent="-228600" defTabSz="358775" eaLnBrk="0" fontAlgn="base" hangingPunct="0">
-              <a:spcBef>
-                <a:spcPct val="0"/>
-              </a:spcBef>
-              <a:spcAft>
-                <a:spcPct val="0"/>
-              </a:spcAft>
-              <a:defRPr>
-                <a:solidFill>
-                  <a:schemeClr val="tx1"/>
-                </a:solidFill>
-                <a:latin typeface="Arial" charset="0"/>
-              </a:defRPr>
-            </a:lvl6pPr>
-            <a:lvl7pPr marL="2971800" indent="-228600" defTabSz="358775" eaLnBrk="0" fontAlgn="base" hangingPunct="0">
-              <a:spcBef>
-                <a:spcPct val="0"/>
-              </a:spcBef>
-              <a:spcAft>
-                <a:spcPct val="0"/>
-              </a:spcAft>
-              <a:defRPr>
-                <a:solidFill>
-                  <a:schemeClr val="tx1"/>
-                </a:solidFill>
-                <a:latin typeface="Arial" charset="0"/>
-              </a:defRPr>
-            </a:lvl7pPr>
-            <a:lvl8pPr marL="3429000" indent="-228600" defTabSz="358775" eaLnBrk="0" fontAlgn="base" hangingPunct="0">
-              <a:spcBef>
-                <a:spcPct val="0"/>
-              </a:spcBef>
-              <a:spcAft>
-                <a:spcPct val="0"/>
-              </a:spcAft>
-              <a:defRPr>
-                <a:solidFill>
-                  <a:schemeClr val="tx1"/>
-                </a:solidFill>
-                <a:latin typeface="Arial" charset="0"/>
-              </a:defRPr>
-            </a:lvl8pPr>
-            <a:lvl9pPr marL="3886200" indent="-228600" defTabSz="358775" eaLnBrk="0" fontAlgn="base" hangingPunct="0">
-              <a:spcBef>
-                <a:spcPct val="0"/>
-              </a:spcBef>
-              <a:spcAft>
-                <a:spcPct val="0"/>
-              </a:spcAft>
-              <a:defRPr>
-                <a:solidFill>
-                  <a:schemeClr val="tx1"/>
-                </a:solidFill>
-                <a:latin typeface="Arial" charset="0"/>
-              </a:defRPr>
-            </a:lvl9pPr>
-          </a:lstStyle>
-          <a:p>
-            <a:pPr marL="285750" indent="-285750" eaLnBrk="1" hangingPunct="1">
-              <a:buFont typeface="Arial" panose="020B0604020202020204" pitchFamily="34" charset="0"/>
-              <a:buChar char="•"/>
-            </a:pPr>
-            <a:r>
-              <a:rPr lang="ru-RU" sz="1600" dirty="0" smtClean="0">
-                <a:solidFill>
-                  <a:schemeClr val="bg1"/>
-                </a:solidFill>
-              </a:rPr>
-              <a:t>Делегат</a:t>
-            </a:r>
-            <a:r>
-              <a:rPr lang="ru-RU" sz="1600" dirty="0">
-                <a:solidFill>
-                  <a:schemeClr val="bg1"/>
-                </a:solidFill>
-              </a:rPr>
-              <a:t>ы</a:t>
-            </a:r>
-            <a:r>
-              <a:rPr lang="ru-RU" sz="1600" dirty="0" smtClean="0">
-                <a:solidFill>
-                  <a:schemeClr val="bg1"/>
-                </a:solidFill>
-              </a:rPr>
-              <a:t> </a:t>
-            </a:r>
-            <a:r>
-              <a:rPr lang="en-US" sz="1600" dirty="0" err="1" smtClean="0">
-                <a:solidFill>
-                  <a:schemeClr val="bg1"/>
-                </a:solidFill>
-              </a:rPr>
-              <a:t>System.Action</a:t>
-            </a:r>
-            <a:r>
-              <a:rPr lang="en-US" sz="1600" dirty="0" smtClean="0">
-                <a:solidFill>
-                  <a:schemeClr val="bg1"/>
-                </a:solidFill>
-              </a:rPr>
-              <a:t> </a:t>
-            </a:r>
-            <a:r>
-              <a:rPr lang="ru-RU" sz="1600" dirty="0" smtClean="0">
-                <a:solidFill>
-                  <a:schemeClr val="bg1"/>
-                </a:solidFill>
-              </a:rPr>
-              <a:t>описывают </a:t>
-            </a:r>
-            <a:r>
-              <a:rPr lang="ru-RU" sz="1600" dirty="0" smtClean="0">
-                <a:solidFill>
-                  <a:schemeClr val="bg1"/>
-                </a:solidFill>
-              </a:rPr>
-              <a:t>функцию без возвращаемого </a:t>
-            </a:r>
-            <a:r>
-              <a:rPr lang="ru-RU" sz="1600" dirty="0" smtClean="0">
-                <a:solidFill>
-                  <a:schemeClr val="bg1"/>
-                </a:solidFill>
-              </a:rPr>
-              <a:t>значения </a:t>
-            </a:r>
-            <a:r>
-              <a:rPr lang="ru-RU" sz="1600" dirty="0" smtClean="0">
-                <a:solidFill>
-                  <a:schemeClr val="bg1"/>
-                </a:solidFill>
-              </a:rPr>
-              <a:t>с количеством аргументов от 0 до 16.</a:t>
-            </a:r>
-          </a:p>
-          <a:p>
-            <a:pPr marL="1028700" lvl="1" eaLnBrk="1" hangingPunct="1">
-              <a:buFont typeface="Arial" panose="020B0604020202020204" pitchFamily="34" charset="0"/>
-              <a:buChar char="•"/>
-            </a:pPr>
-            <a:r>
-              <a:rPr lang="en-US" sz="1600" dirty="0" smtClean="0">
-                <a:solidFill>
-                  <a:schemeClr val="bg1"/>
-                </a:solidFill>
-              </a:rPr>
-              <a:t>Action</a:t>
-            </a:r>
-          </a:p>
-          <a:p>
-            <a:pPr marL="1028700" lvl="1" eaLnBrk="1" hangingPunct="1">
-              <a:buFont typeface="Arial" panose="020B0604020202020204" pitchFamily="34" charset="0"/>
-              <a:buChar char="•"/>
-            </a:pPr>
-            <a:r>
-              <a:rPr lang="en-US" sz="1600" dirty="0" smtClean="0">
-                <a:solidFill>
-                  <a:schemeClr val="bg1"/>
-                </a:solidFill>
-              </a:rPr>
-              <a:t>Action&lt;T&gt;</a:t>
-            </a:r>
-          </a:p>
-          <a:p>
-            <a:pPr marL="1028700" lvl="1" eaLnBrk="1" hangingPunct="1">
-              <a:buFont typeface="Arial" panose="020B0604020202020204" pitchFamily="34" charset="0"/>
-              <a:buChar char="•"/>
-            </a:pPr>
-            <a:r>
-              <a:rPr lang="en-US" sz="1600" dirty="0" smtClean="0">
-                <a:solidFill>
-                  <a:schemeClr val="bg1"/>
-                </a:solidFill>
-              </a:rPr>
-              <a:t>Action&lt;T1, T2&gt;</a:t>
-            </a:r>
-          </a:p>
-          <a:p>
-            <a:pPr marL="1028700" lvl="1" eaLnBrk="1" hangingPunct="1">
-              <a:buFont typeface="Arial" panose="020B0604020202020204" pitchFamily="34" charset="0"/>
-              <a:buChar char="•"/>
-            </a:pPr>
-            <a:r>
-              <a:rPr lang="en-US" sz="1600" dirty="0">
-                <a:solidFill>
-                  <a:schemeClr val="bg1"/>
-                </a:solidFill>
-              </a:rPr>
-              <a:t>Action&lt;T1, </a:t>
-            </a:r>
-            <a:r>
-              <a:rPr lang="en-US" sz="1600" dirty="0" smtClean="0">
-                <a:solidFill>
-                  <a:schemeClr val="bg1"/>
-                </a:solidFill>
-              </a:rPr>
-              <a:t>T2, T3&gt;</a:t>
-            </a:r>
-          </a:p>
-          <a:p>
-            <a:pPr marL="1028700" lvl="1" eaLnBrk="1" hangingPunct="1">
-              <a:buFont typeface="Arial" panose="020B0604020202020204" pitchFamily="34" charset="0"/>
-              <a:buChar char="•"/>
-            </a:pPr>
-            <a:r>
-              <a:rPr lang="en-US" sz="1600" dirty="0" smtClean="0">
-                <a:solidFill>
-                  <a:schemeClr val="bg1"/>
-                </a:solidFill>
-              </a:rPr>
-              <a:t>…</a:t>
-            </a:r>
-          </a:p>
-          <a:p>
-            <a:pPr marL="1028700" lvl="1" eaLnBrk="1" hangingPunct="1">
-              <a:buFont typeface="Arial" panose="020B0604020202020204" pitchFamily="34" charset="0"/>
-              <a:buChar char="•"/>
-            </a:pPr>
-            <a:r>
-              <a:rPr lang="en-US" sz="1600" dirty="0">
-                <a:solidFill>
-                  <a:schemeClr val="bg1"/>
-                </a:solidFill>
-              </a:rPr>
-              <a:t>Action&lt;T1, T2, </a:t>
-            </a:r>
-            <a:r>
-              <a:rPr lang="en-US" sz="1600" dirty="0" smtClean="0">
-                <a:solidFill>
-                  <a:schemeClr val="bg1"/>
-                </a:solidFill>
-              </a:rPr>
-              <a:t>T3, T4, T5, T6, T7, T8, T9, T10, T11, T12, T13, T14, T15, T16&gt;</a:t>
-            </a:r>
-          </a:p>
-          <a:p>
-            <a:pPr marL="285750" indent="-285750" eaLnBrk="1" hangingPunct="1">
-              <a:buFont typeface="Arial" panose="020B0604020202020204" pitchFamily="34" charset="0"/>
-              <a:buChar char="•"/>
-            </a:pPr>
-            <a:r>
-              <a:rPr lang="ru-RU" sz="1600" dirty="0" smtClean="0">
-                <a:solidFill>
-                  <a:schemeClr val="bg1"/>
-                </a:solidFill>
-              </a:rPr>
-              <a:t>Делегаты </a:t>
-            </a:r>
-            <a:r>
-              <a:rPr lang="en-US" sz="1600" dirty="0" err="1" smtClean="0">
-                <a:solidFill>
-                  <a:schemeClr val="bg1"/>
-                </a:solidFill>
-              </a:rPr>
-              <a:t>System.Func</a:t>
-            </a:r>
-            <a:r>
-              <a:rPr lang="en-US" sz="1600" dirty="0" smtClean="0">
-                <a:solidFill>
-                  <a:schemeClr val="bg1"/>
-                </a:solidFill>
-              </a:rPr>
-              <a:t> </a:t>
-            </a:r>
-            <a:r>
-              <a:rPr lang="ru-RU" sz="1600" dirty="0" smtClean="0">
-                <a:solidFill>
-                  <a:schemeClr val="bg1"/>
-                </a:solidFill>
-              </a:rPr>
-              <a:t>описывают </a:t>
-            </a:r>
-            <a:r>
-              <a:rPr lang="ru-RU" sz="1600" dirty="0">
-                <a:solidFill>
-                  <a:schemeClr val="bg1"/>
-                </a:solidFill>
-              </a:rPr>
-              <a:t>функцию </a:t>
-            </a:r>
-            <a:r>
-              <a:rPr lang="ru-RU" sz="1600" dirty="0" smtClean="0">
-                <a:solidFill>
-                  <a:schemeClr val="bg1"/>
-                </a:solidFill>
-              </a:rPr>
-              <a:t>с возвращаемым значением с количеством </a:t>
-            </a:r>
-            <a:r>
-              <a:rPr lang="ru-RU" sz="1600" dirty="0">
-                <a:solidFill>
-                  <a:schemeClr val="bg1"/>
-                </a:solidFill>
-              </a:rPr>
-              <a:t>аргументов от 0 до </a:t>
-            </a:r>
-            <a:r>
-              <a:rPr lang="ru-RU" sz="1600" dirty="0" smtClean="0">
-                <a:solidFill>
-                  <a:schemeClr val="bg1"/>
-                </a:solidFill>
-              </a:rPr>
-              <a:t>16.</a:t>
-            </a:r>
-            <a:endParaRPr lang="en-US" sz="1600" dirty="0" smtClean="0">
-              <a:solidFill>
-                <a:schemeClr val="bg1"/>
-              </a:solidFill>
-            </a:endParaRPr>
-          </a:p>
-          <a:p>
-            <a:pPr marL="1028700" lvl="1" eaLnBrk="1" hangingPunct="1">
-              <a:buFont typeface="Arial" panose="020B0604020202020204" pitchFamily="34" charset="0"/>
-              <a:buChar char="•"/>
-            </a:pPr>
-            <a:r>
-              <a:rPr lang="en-US" sz="1600" dirty="0" err="1" smtClean="0">
-                <a:solidFill>
-                  <a:schemeClr val="bg1"/>
-                </a:solidFill>
-              </a:rPr>
-              <a:t>Func</a:t>
-            </a:r>
-            <a:r>
-              <a:rPr lang="en-US" sz="1600" dirty="0" smtClean="0">
-                <a:solidFill>
-                  <a:schemeClr val="bg1"/>
-                </a:solidFill>
-              </a:rPr>
-              <a:t>&lt;</a:t>
-            </a:r>
-            <a:r>
-              <a:rPr lang="en-US" sz="1600" dirty="0" err="1" smtClean="0">
-                <a:solidFill>
-                  <a:schemeClr val="bg1"/>
-                </a:solidFill>
-              </a:rPr>
-              <a:t>TResult</a:t>
-            </a:r>
-            <a:r>
-              <a:rPr lang="en-US" sz="1600" dirty="0" smtClean="0">
-                <a:solidFill>
-                  <a:schemeClr val="bg1"/>
-                </a:solidFill>
-              </a:rPr>
-              <a:t>&gt;</a:t>
-            </a:r>
-            <a:endParaRPr lang="en-US" sz="1600" dirty="0">
-              <a:solidFill>
-                <a:schemeClr val="bg1"/>
-              </a:solidFill>
-            </a:endParaRPr>
-          </a:p>
-          <a:p>
-            <a:pPr marL="1028700" lvl="1" eaLnBrk="1" hangingPunct="1">
-              <a:buFont typeface="Arial" panose="020B0604020202020204" pitchFamily="34" charset="0"/>
-              <a:buChar char="•"/>
-            </a:pPr>
-            <a:r>
-              <a:rPr lang="en-US" sz="1600" dirty="0" err="1" smtClean="0">
-                <a:solidFill>
-                  <a:schemeClr val="bg1"/>
-                </a:solidFill>
-              </a:rPr>
-              <a:t>Func</a:t>
-            </a:r>
-            <a:r>
-              <a:rPr lang="en-US" sz="1600" dirty="0" smtClean="0">
-                <a:solidFill>
-                  <a:schemeClr val="bg1"/>
-                </a:solidFill>
-              </a:rPr>
-              <a:t>&lt;</a:t>
-            </a:r>
-            <a:r>
-              <a:rPr lang="en-US" sz="1600" dirty="0" err="1" smtClean="0">
-                <a:solidFill>
-                  <a:schemeClr val="bg1"/>
-                </a:solidFill>
-              </a:rPr>
-              <a:t>TResult</a:t>
-            </a:r>
-            <a:r>
-              <a:rPr lang="en-US" sz="1600" dirty="0" smtClean="0">
-                <a:solidFill>
-                  <a:schemeClr val="bg1"/>
-                </a:solidFill>
-              </a:rPr>
-              <a:t>, T</a:t>
-            </a:r>
-            <a:r>
-              <a:rPr lang="en-US" sz="1600" dirty="0">
-                <a:solidFill>
-                  <a:schemeClr val="bg1"/>
-                </a:solidFill>
-              </a:rPr>
-              <a:t>&gt;</a:t>
-            </a:r>
-          </a:p>
-          <a:p>
-            <a:pPr marL="1028700" lvl="1" eaLnBrk="1" hangingPunct="1">
-              <a:buFont typeface="Arial" panose="020B0604020202020204" pitchFamily="34" charset="0"/>
-              <a:buChar char="•"/>
-            </a:pPr>
-            <a:r>
-              <a:rPr lang="en-US" sz="1600" dirty="0" err="1" smtClean="0">
-                <a:solidFill>
-                  <a:schemeClr val="bg1"/>
-                </a:solidFill>
-              </a:rPr>
-              <a:t>Func</a:t>
-            </a:r>
-            <a:r>
-              <a:rPr lang="en-US" sz="1600" dirty="0" smtClean="0">
-                <a:solidFill>
-                  <a:schemeClr val="bg1"/>
-                </a:solidFill>
-              </a:rPr>
-              <a:t>&lt;</a:t>
-            </a:r>
-            <a:r>
-              <a:rPr lang="en-US" sz="1600" dirty="0" err="1">
-                <a:solidFill>
-                  <a:schemeClr val="bg1"/>
-                </a:solidFill>
-              </a:rPr>
-              <a:t>TResult</a:t>
-            </a:r>
-            <a:r>
-              <a:rPr lang="en-US" sz="1600" dirty="0">
-                <a:solidFill>
-                  <a:schemeClr val="bg1"/>
-                </a:solidFill>
-              </a:rPr>
-              <a:t>, </a:t>
-            </a:r>
-            <a:r>
-              <a:rPr lang="en-US" sz="1600" dirty="0" smtClean="0">
-                <a:solidFill>
-                  <a:schemeClr val="bg1"/>
-                </a:solidFill>
-              </a:rPr>
-              <a:t>T1</a:t>
-            </a:r>
-            <a:r>
-              <a:rPr lang="en-US" sz="1600" dirty="0">
-                <a:solidFill>
-                  <a:schemeClr val="bg1"/>
-                </a:solidFill>
-              </a:rPr>
-              <a:t>, T2&gt;</a:t>
-            </a:r>
-          </a:p>
-          <a:p>
-            <a:pPr marL="1028700" lvl="1" eaLnBrk="1" hangingPunct="1">
-              <a:buFont typeface="Arial" panose="020B0604020202020204" pitchFamily="34" charset="0"/>
-              <a:buChar char="•"/>
-            </a:pPr>
-            <a:r>
-              <a:rPr lang="en-US" sz="1600" dirty="0" err="1" smtClean="0">
-                <a:solidFill>
-                  <a:schemeClr val="bg1"/>
-                </a:solidFill>
-              </a:rPr>
-              <a:t>Func</a:t>
-            </a:r>
-            <a:r>
-              <a:rPr lang="en-US" sz="1600" dirty="0" smtClean="0">
-                <a:solidFill>
-                  <a:schemeClr val="bg1"/>
-                </a:solidFill>
-              </a:rPr>
-              <a:t>&lt;</a:t>
-            </a:r>
-            <a:r>
-              <a:rPr lang="en-US" sz="1600" dirty="0" err="1">
-                <a:solidFill>
-                  <a:schemeClr val="bg1"/>
-                </a:solidFill>
-              </a:rPr>
-              <a:t>TResult</a:t>
-            </a:r>
-            <a:r>
-              <a:rPr lang="en-US" sz="1600" dirty="0">
-                <a:solidFill>
-                  <a:schemeClr val="bg1"/>
-                </a:solidFill>
-              </a:rPr>
-              <a:t>, </a:t>
-            </a:r>
-            <a:r>
-              <a:rPr lang="en-US" sz="1600" dirty="0" smtClean="0">
-                <a:solidFill>
-                  <a:schemeClr val="bg1"/>
-                </a:solidFill>
-              </a:rPr>
-              <a:t>T1</a:t>
-            </a:r>
-            <a:r>
-              <a:rPr lang="en-US" sz="1600" dirty="0">
-                <a:solidFill>
-                  <a:schemeClr val="bg1"/>
-                </a:solidFill>
-              </a:rPr>
-              <a:t>, T2, T3&gt;</a:t>
-            </a:r>
-          </a:p>
-          <a:p>
-            <a:pPr marL="1028700" lvl="1" eaLnBrk="1" hangingPunct="1">
-              <a:buFont typeface="Arial" panose="020B0604020202020204" pitchFamily="34" charset="0"/>
-              <a:buChar char="•"/>
-            </a:pPr>
-            <a:r>
-              <a:rPr lang="en-US" sz="1600" dirty="0">
-                <a:solidFill>
-                  <a:schemeClr val="bg1"/>
-                </a:solidFill>
-              </a:rPr>
-              <a:t>…</a:t>
-            </a:r>
-          </a:p>
-          <a:p>
-            <a:pPr marL="1028700" lvl="1" eaLnBrk="1" hangingPunct="1">
-              <a:buFont typeface="Arial" panose="020B0604020202020204" pitchFamily="34" charset="0"/>
-              <a:buChar char="•"/>
-            </a:pPr>
-            <a:r>
-              <a:rPr lang="en-US" sz="1600" dirty="0" err="1" smtClean="0">
-                <a:solidFill>
-                  <a:schemeClr val="bg1"/>
-                </a:solidFill>
-              </a:rPr>
-              <a:t>Func</a:t>
-            </a:r>
-            <a:r>
-              <a:rPr lang="en-US" sz="1600" dirty="0" smtClean="0">
-                <a:solidFill>
-                  <a:schemeClr val="bg1"/>
-                </a:solidFill>
-              </a:rPr>
-              <a:t>&lt;</a:t>
-            </a:r>
-            <a:r>
-              <a:rPr lang="en-US" sz="1600" dirty="0" err="1">
-                <a:solidFill>
-                  <a:schemeClr val="bg1"/>
-                </a:solidFill>
-              </a:rPr>
-              <a:t>TResult</a:t>
-            </a:r>
-            <a:r>
-              <a:rPr lang="en-US" sz="1600" dirty="0">
-                <a:solidFill>
-                  <a:schemeClr val="bg1"/>
-                </a:solidFill>
-              </a:rPr>
-              <a:t>, </a:t>
-            </a:r>
-            <a:r>
-              <a:rPr lang="en-US" sz="1600" dirty="0" smtClean="0">
-                <a:solidFill>
-                  <a:schemeClr val="bg1"/>
-                </a:solidFill>
-              </a:rPr>
-              <a:t>T1</a:t>
-            </a:r>
-            <a:r>
-              <a:rPr lang="en-US" sz="1600" dirty="0">
-                <a:solidFill>
-                  <a:schemeClr val="bg1"/>
-                </a:solidFill>
-              </a:rPr>
-              <a:t>, T2, T3, T4, T5, T6, T7, T8, T9, T10, T11, T12, T13, T14, T15, </a:t>
-            </a:r>
-            <a:r>
-              <a:rPr lang="en-US" sz="1600" dirty="0" smtClean="0">
-                <a:solidFill>
-                  <a:schemeClr val="bg1"/>
-                </a:solidFill>
-              </a:rPr>
-              <a:t>T16&gt;</a:t>
-            </a:r>
-          </a:p>
-          <a:p>
-            <a:pPr marL="285750" eaLnBrk="1" hangingPunct="1"/>
-            <a:endParaRPr lang="en-US" sz="1600" dirty="0">
-              <a:solidFill>
-                <a:schemeClr val="bg1"/>
-              </a:solidFill>
-            </a:endParaRPr>
-          </a:p>
-          <a:p>
-            <a:pPr eaLnBrk="1" hangingPunct="1"/>
-            <a:r>
-              <a:rPr lang="ru-RU" sz="1600" dirty="0" smtClean="0">
-                <a:solidFill>
-                  <a:schemeClr val="bg1"/>
-                </a:solidFill>
-              </a:rPr>
-              <a:t>Где </a:t>
-            </a:r>
-            <a:r>
-              <a:rPr lang="en-US" sz="1600" dirty="0" smtClean="0">
-                <a:solidFill>
-                  <a:schemeClr val="bg1"/>
-                </a:solidFill>
-              </a:rPr>
-              <a:t>T1, T2, ,,, T16 </a:t>
-            </a:r>
-            <a:r>
-              <a:rPr lang="ru-RU" sz="1600" dirty="0" smtClean="0">
-                <a:solidFill>
-                  <a:schemeClr val="bg1"/>
-                </a:solidFill>
-              </a:rPr>
-              <a:t>– тип аргумента, </a:t>
-            </a:r>
-            <a:r>
-              <a:rPr lang="en-US" sz="1600" smtClean="0">
-                <a:solidFill>
-                  <a:schemeClr val="bg1"/>
-                </a:solidFill>
-              </a:rPr>
-              <a:t>T</a:t>
-            </a:r>
-            <a:r>
-              <a:rPr lang="en-US" sz="1600">
-                <a:solidFill>
-                  <a:schemeClr val="bg1"/>
-                </a:solidFill>
-              </a:rPr>
-              <a:t>R</a:t>
-            </a:r>
-            <a:r>
-              <a:rPr lang="en-US" sz="1600" smtClean="0">
-                <a:solidFill>
-                  <a:schemeClr val="bg1"/>
-                </a:solidFill>
-              </a:rPr>
-              <a:t>esult</a:t>
-            </a:r>
-            <a:r>
-              <a:rPr lang="en-US" sz="1600" dirty="0" smtClean="0">
-                <a:solidFill>
-                  <a:schemeClr val="bg1"/>
-                </a:solidFill>
-              </a:rPr>
-              <a:t> </a:t>
-            </a:r>
-            <a:r>
-              <a:rPr lang="ru-RU" sz="1600" dirty="0" smtClean="0">
-                <a:solidFill>
-                  <a:schemeClr val="bg1"/>
-                </a:solidFill>
-              </a:rPr>
-              <a:t>тип возвращаемого значения.</a:t>
-            </a:r>
-            <a:endParaRPr lang="ru-RU" sz="1600" dirty="0">
-              <a:solidFill>
-                <a:schemeClr val="bg1"/>
-              </a:solidFill>
-            </a:endParaRPr>
-          </a:p>
-          <a:p>
-            <a:pPr eaLnBrk="1" hangingPunct="1"/>
-            <a:endParaRPr lang="ru-RU" sz="1600" dirty="0">
-              <a:solidFill>
-                <a:schemeClr val="bg1"/>
-              </a:solidFill>
-            </a:endParaRPr>
-          </a:p>
-        </p:txBody>
-      </p:sp>
-    </p:spTree>
-    <p:extLst>
-      <p:ext uri="{BB962C8B-B14F-4D97-AF65-F5344CB8AC3E}">
-        <p14:creationId xmlns:p14="http://schemas.microsoft.com/office/powerpoint/2010/main" val="1894118169"/>
       </p:ext>
     </p:extLst>
   </p:cSld>
@@ -6374,6 +5787,862 @@
         <p:spPr bwMode="auto">
           <a:xfrm>
             <a:off x="228600" y="0"/>
+            <a:ext cx="8686800" cy="461665"/>
+          </a:xfrm>
+          <a:prstGeom prst="rect">
+            <a:avLst/>
+          </a:prstGeom>
+          <a:noFill/>
+          <a:ln>
+            <a:noFill/>
+          </a:ln>
+          <a:extLst>
+            <a:ext uri="{909E8E84-426E-40DD-AFC4-6F175D3DCCD1}">
+              <a14:hiddenFill xmlns:a14="http://schemas.microsoft.com/office/drawing/2010/main">
+                <a:solidFill>
+                  <a:srgbClr val="FFFFFF"/>
+                </a:solidFill>
+              </a14:hiddenFill>
+            </a:ext>
+            <a:ext uri="{91240B29-F687-4F45-9708-019B960494DF}">
+              <a14:hiddenLine xmlns:a14="http://schemas.microsoft.com/office/drawing/2010/main" w="9525">
+                <a:solidFill>
+                  <a:srgbClr val="000000"/>
+                </a:solidFill>
+                <a:miter lim="800000"/>
+                <a:headEnd/>
+                <a:tailEnd/>
+              </a14:hiddenLine>
+            </a:ext>
+          </a:extLst>
+        </p:spPr>
+        <p:txBody>
+          <a:bodyPr wrap="square">
+            <a:spAutoFit/>
+          </a:bodyPr>
+          <a:lstStyle/>
+          <a:p>
+            <a:pPr algn="ctr"/>
+            <a:r>
+              <a:rPr lang="ru-RU" sz="2400" b="1" dirty="0" smtClean="0"/>
+              <a:t>Делегаты </a:t>
+            </a:r>
+            <a:r>
+              <a:rPr lang="en-US" sz="2400" b="1" dirty="0" err="1" smtClean="0"/>
+              <a:t>System.Action</a:t>
+            </a:r>
+            <a:r>
+              <a:rPr lang="en-US" sz="2400" b="1" dirty="0" smtClean="0"/>
+              <a:t> </a:t>
+            </a:r>
+            <a:r>
+              <a:rPr lang="ru-RU" sz="2400" b="1" dirty="0" smtClean="0"/>
+              <a:t>и </a:t>
+            </a:r>
+            <a:r>
+              <a:rPr lang="en-US" sz="2400" b="1" dirty="0" err="1" smtClean="0"/>
+              <a:t>System.Func</a:t>
+            </a:r>
+            <a:endParaRPr lang="ru-RU" sz="2400" b="1" dirty="0"/>
+          </a:p>
+        </p:txBody>
+      </p:sp>
+      <p:sp>
+        <p:nvSpPr>
+          <p:cNvPr id="12291" name="TextBox 6"/>
+          <p:cNvSpPr txBox="1">
+            <a:spLocks noChangeArrowheads="1"/>
+          </p:cNvSpPr>
+          <p:nvPr/>
+        </p:nvSpPr>
+        <p:spPr bwMode="auto">
+          <a:xfrm>
+            <a:off x="152400" y="1002828"/>
+            <a:ext cx="8839200" cy="5016758"/>
+          </a:xfrm>
+          <a:prstGeom prst="rect">
+            <a:avLst/>
+          </a:prstGeom>
+          <a:noFill/>
+          <a:ln>
+            <a:noFill/>
+          </a:ln>
+          <a:extLst>
+            <a:ext uri="{909E8E84-426E-40DD-AFC4-6F175D3DCCD1}">
+              <a14:hiddenFill xmlns:a14="http://schemas.microsoft.com/office/drawing/2010/main">
+                <a:solidFill>
+                  <a:srgbClr val="FFFFFF"/>
+                </a:solidFill>
+              </a14:hiddenFill>
+            </a:ext>
+            <a:ext uri="{91240B29-F687-4F45-9708-019B960494DF}">
+              <a14:hiddenLine xmlns:a14="http://schemas.microsoft.com/office/drawing/2010/main" w="9525">
+                <a:solidFill>
+                  <a:srgbClr val="000000"/>
+                </a:solidFill>
+                <a:miter lim="800000"/>
+                <a:headEnd/>
+                <a:tailEnd/>
+              </a14:hiddenLine>
+            </a:ext>
+          </a:extLst>
+        </p:spPr>
+        <p:txBody>
+          <a:bodyPr>
+            <a:spAutoFit/>
+          </a:bodyPr>
+          <a:lstStyle>
+            <a:lvl1pPr defTabSz="358775" eaLnBrk="0" hangingPunct="0">
+              <a:defRPr>
+                <a:solidFill>
+                  <a:schemeClr val="tx1"/>
+                </a:solidFill>
+                <a:latin typeface="Arial" charset="0"/>
+              </a:defRPr>
+            </a:lvl1pPr>
+            <a:lvl2pPr marL="742950" indent="-285750" defTabSz="358775" eaLnBrk="0" hangingPunct="0">
+              <a:defRPr>
+                <a:solidFill>
+                  <a:schemeClr val="tx1"/>
+                </a:solidFill>
+                <a:latin typeface="Arial" charset="0"/>
+              </a:defRPr>
+            </a:lvl2pPr>
+            <a:lvl3pPr marL="1143000" indent="-228600" defTabSz="358775" eaLnBrk="0" hangingPunct="0">
+              <a:defRPr>
+                <a:solidFill>
+                  <a:schemeClr val="tx1"/>
+                </a:solidFill>
+                <a:latin typeface="Arial" charset="0"/>
+              </a:defRPr>
+            </a:lvl3pPr>
+            <a:lvl4pPr marL="1600200" indent="-228600" defTabSz="358775" eaLnBrk="0" hangingPunct="0">
+              <a:defRPr>
+                <a:solidFill>
+                  <a:schemeClr val="tx1"/>
+                </a:solidFill>
+                <a:latin typeface="Arial" charset="0"/>
+              </a:defRPr>
+            </a:lvl4pPr>
+            <a:lvl5pPr marL="2057400" indent="-228600" defTabSz="358775" eaLnBrk="0" hangingPunct="0">
+              <a:defRPr>
+                <a:solidFill>
+                  <a:schemeClr val="tx1"/>
+                </a:solidFill>
+                <a:latin typeface="Arial" charset="0"/>
+              </a:defRPr>
+            </a:lvl5pPr>
+            <a:lvl6pPr marL="2514600" indent="-228600" defTabSz="358775" eaLnBrk="0" fontAlgn="base" hangingPunct="0">
+              <a:spcBef>
+                <a:spcPct val="0"/>
+              </a:spcBef>
+              <a:spcAft>
+                <a:spcPct val="0"/>
+              </a:spcAft>
+              <a:defRPr>
+                <a:solidFill>
+                  <a:schemeClr val="tx1"/>
+                </a:solidFill>
+                <a:latin typeface="Arial" charset="0"/>
+              </a:defRPr>
+            </a:lvl6pPr>
+            <a:lvl7pPr marL="2971800" indent="-228600" defTabSz="358775" eaLnBrk="0" fontAlgn="base" hangingPunct="0">
+              <a:spcBef>
+                <a:spcPct val="0"/>
+              </a:spcBef>
+              <a:spcAft>
+                <a:spcPct val="0"/>
+              </a:spcAft>
+              <a:defRPr>
+                <a:solidFill>
+                  <a:schemeClr val="tx1"/>
+                </a:solidFill>
+                <a:latin typeface="Arial" charset="0"/>
+              </a:defRPr>
+            </a:lvl7pPr>
+            <a:lvl8pPr marL="3429000" indent="-228600" defTabSz="358775" eaLnBrk="0" fontAlgn="base" hangingPunct="0">
+              <a:spcBef>
+                <a:spcPct val="0"/>
+              </a:spcBef>
+              <a:spcAft>
+                <a:spcPct val="0"/>
+              </a:spcAft>
+              <a:defRPr>
+                <a:solidFill>
+                  <a:schemeClr val="tx1"/>
+                </a:solidFill>
+                <a:latin typeface="Arial" charset="0"/>
+              </a:defRPr>
+            </a:lvl8pPr>
+            <a:lvl9pPr marL="3886200" indent="-228600" defTabSz="358775" eaLnBrk="0" fontAlgn="base" hangingPunct="0">
+              <a:spcBef>
+                <a:spcPct val="0"/>
+              </a:spcBef>
+              <a:spcAft>
+                <a:spcPct val="0"/>
+              </a:spcAft>
+              <a:defRPr>
+                <a:solidFill>
+                  <a:schemeClr val="tx1"/>
+                </a:solidFill>
+                <a:latin typeface="Arial" charset="0"/>
+              </a:defRPr>
+            </a:lvl9pPr>
+          </a:lstStyle>
+          <a:p>
+            <a:pPr marL="285750" indent="-285750" eaLnBrk="1" hangingPunct="1">
+              <a:buFont typeface="Arial" panose="020B0604020202020204" pitchFamily="34" charset="0"/>
+              <a:buChar char="•"/>
+            </a:pPr>
+            <a:r>
+              <a:rPr lang="ru-RU" sz="1600" dirty="0" smtClean="0">
+                <a:solidFill>
+                  <a:schemeClr val="bg1"/>
+                </a:solidFill>
+              </a:rPr>
+              <a:t>Делегат</a:t>
+            </a:r>
+            <a:r>
+              <a:rPr lang="ru-RU" sz="1600" dirty="0">
+                <a:solidFill>
+                  <a:schemeClr val="bg1"/>
+                </a:solidFill>
+              </a:rPr>
+              <a:t>ы</a:t>
+            </a:r>
+            <a:r>
+              <a:rPr lang="ru-RU" sz="1600" dirty="0" smtClean="0">
+                <a:solidFill>
+                  <a:schemeClr val="bg1"/>
+                </a:solidFill>
+              </a:rPr>
+              <a:t> </a:t>
+            </a:r>
+            <a:r>
+              <a:rPr lang="en-US" sz="1600" dirty="0" err="1" smtClean="0">
+                <a:solidFill>
+                  <a:schemeClr val="bg1"/>
+                </a:solidFill>
+              </a:rPr>
+              <a:t>System.Action</a:t>
+            </a:r>
+            <a:r>
+              <a:rPr lang="en-US" sz="1600" dirty="0" smtClean="0">
+                <a:solidFill>
+                  <a:schemeClr val="bg1"/>
+                </a:solidFill>
+              </a:rPr>
+              <a:t> </a:t>
+            </a:r>
+            <a:r>
+              <a:rPr lang="ru-RU" sz="1600" dirty="0" smtClean="0">
+                <a:solidFill>
+                  <a:schemeClr val="bg1"/>
+                </a:solidFill>
+              </a:rPr>
+              <a:t>описывают функцию без возвращаемого значения с количеством аргументов от 0 до 16.</a:t>
+            </a:r>
+          </a:p>
+          <a:p>
+            <a:pPr marL="1028700" lvl="1" eaLnBrk="1" hangingPunct="1">
+              <a:buFont typeface="Arial" panose="020B0604020202020204" pitchFamily="34" charset="0"/>
+              <a:buChar char="•"/>
+            </a:pPr>
+            <a:r>
+              <a:rPr lang="en-US" sz="1600" dirty="0" smtClean="0">
+                <a:solidFill>
+                  <a:schemeClr val="bg1"/>
+                </a:solidFill>
+              </a:rPr>
+              <a:t>Action</a:t>
+            </a:r>
+          </a:p>
+          <a:p>
+            <a:pPr marL="1028700" lvl="1" eaLnBrk="1" hangingPunct="1">
+              <a:buFont typeface="Arial" panose="020B0604020202020204" pitchFamily="34" charset="0"/>
+              <a:buChar char="•"/>
+            </a:pPr>
+            <a:r>
+              <a:rPr lang="en-US" sz="1600" dirty="0" smtClean="0">
+                <a:solidFill>
+                  <a:schemeClr val="bg1"/>
+                </a:solidFill>
+              </a:rPr>
+              <a:t>Action&lt;T&gt;</a:t>
+            </a:r>
+          </a:p>
+          <a:p>
+            <a:pPr marL="1028700" lvl="1" eaLnBrk="1" hangingPunct="1">
+              <a:buFont typeface="Arial" panose="020B0604020202020204" pitchFamily="34" charset="0"/>
+              <a:buChar char="•"/>
+            </a:pPr>
+            <a:r>
+              <a:rPr lang="en-US" sz="1600" dirty="0" smtClean="0">
+                <a:solidFill>
+                  <a:schemeClr val="bg1"/>
+                </a:solidFill>
+              </a:rPr>
+              <a:t>Action&lt;T1, T2&gt;</a:t>
+            </a:r>
+          </a:p>
+          <a:p>
+            <a:pPr marL="1028700" lvl="1" eaLnBrk="1" hangingPunct="1">
+              <a:buFont typeface="Arial" panose="020B0604020202020204" pitchFamily="34" charset="0"/>
+              <a:buChar char="•"/>
+            </a:pPr>
+            <a:r>
+              <a:rPr lang="en-US" sz="1600" dirty="0">
+                <a:solidFill>
+                  <a:schemeClr val="bg1"/>
+                </a:solidFill>
+              </a:rPr>
+              <a:t>Action&lt;T1, </a:t>
+            </a:r>
+            <a:r>
+              <a:rPr lang="en-US" sz="1600" dirty="0" smtClean="0">
+                <a:solidFill>
+                  <a:schemeClr val="bg1"/>
+                </a:solidFill>
+              </a:rPr>
+              <a:t>T2, T3&gt;</a:t>
+            </a:r>
+          </a:p>
+          <a:p>
+            <a:pPr marL="1028700" lvl="1" eaLnBrk="1" hangingPunct="1">
+              <a:buFont typeface="Arial" panose="020B0604020202020204" pitchFamily="34" charset="0"/>
+              <a:buChar char="•"/>
+            </a:pPr>
+            <a:r>
+              <a:rPr lang="en-US" sz="1600" dirty="0" smtClean="0">
+                <a:solidFill>
+                  <a:schemeClr val="bg1"/>
+                </a:solidFill>
+              </a:rPr>
+              <a:t>…</a:t>
+            </a:r>
+          </a:p>
+          <a:p>
+            <a:pPr marL="1028700" lvl="1" eaLnBrk="1" hangingPunct="1">
+              <a:buFont typeface="Arial" panose="020B0604020202020204" pitchFamily="34" charset="0"/>
+              <a:buChar char="•"/>
+            </a:pPr>
+            <a:r>
+              <a:rPr lang="en-US" sz="1600" dirty="0">
+                <a:solidFill>
+                  <a:schemeClr val="bg1"/>
+                </a:solidFill>
+              </a:rPr>
+              <a:t>Action&lt;T1, T2, </a:t>
+            </a:r>
+            <a:r>
+              <a:rPr lang="en-US" sz="1600" dirty="0" smtClean="0">
+                <a:solidFill>
+                  <a:schemeClr val="bg1"/>
+                </a:solidFill>
+              </a:rPr>
+              <a:t>T3, T4, T5, T6, T7, T8, T9, T10, T11, T12, T13, T14, T15, T16&gt;</a:t>
+            </a:r>
+          </a:p>
+          <a:p>
+            <a:pPr marL="285750" indent="-285750" eaLnBrk="1" hangingPunct="1">
+              <a:buFont typeface="Arial" panose="020B0604020202020204" pitchFamily="34" charset="0"/>
+              <a:buChar char="•"/>
+            </a:pPr>
+            <a:r>
+              <a:rPr lang="ru-RU" sz="1600" dirty="0" smtClean="0">
+                <a:solidFill>
+                  <a:schemeClr val="bg1"/>
+                </a:solidFill>
+              </a:rPr>
+              <a:t>Делегаты </a:t>
+            </a:r>
+            <a:r>
+              <a:rPr lang="en-US" sz="1600" dirty="0" err="1" smtClean="0">
+                <a:solidFill>
+                  <a:schemeClr val="bg1"/>
+                </a:solidFill>
+              </a:rPr>
+              <a:t>System.Func</a:t>
+            </a:r>
+            <a:r>
+              <a:rPr lang="en-US" sz="1600" dirty="0" smtClean="0">
+                <a:solidFill>
+                  <a:schemeClr val="bg1"/>
+                </a:solidFill>
+              </a:rPr>
+              <a:t> </a:t>
+            </a:r>
+            <a:r>
+              <a:rPr lang="ru-RU" sz="1600" dirty="0" smtClean="0">
+                <a:solidFill>
+                  <a:schemeClr val="bg1"/>
+                </a:solidFill>
+              </a:rPr>
+              <a:t>описывают </a:t>
+            </a:r>
+            <a:r>
+              <a:rPr lang="ru-RU" sz="1600" dirty="0">
+                <a:solidFill>
+                  <a:schemeClr val="bg1"/>
+                </a:solidFill>
+              </a:rPr>
+              <a:t>функцию </a:t>
+            </a:r>
+            <a:r>
+              <a:rPr lang="ru-RU" sz="1600" dirty="0" smtClean="0">
+                <a:solidFill>
+                  <a:schemeClr val="bg1"/>
+                </a:solidFill>
+              </a:rPr>
+              <a:t>с возвращаемым значением с количеством </a:t>
+            </a:r>
+            <a:r>
+              <a:rPr lang="ru-RU" sz="1600" dirty="0">
+                <a:solidFill>
+                  <a:schemeClr val="bg1"/>
+                </a:solidFill>
+              </a:rPr>
+              <a:t>аргументов от 0 до </a:t>
+            </a:r>
+            <a:r>
+              <a:rPr lang="ru-RU" sz="1600" dirty="0" smtClean="0">
+                <a:solidFill>
+                  <a:schemeClr val="bg1"/>
+                </a:solidFill>
+              </a:rPr>
+              <a:t>16.</a:t>
+            </a:r>
+            <a:endParaRPr lang="en-US" sz="1600" dirty="0" smtClean="0">
+              <a:solidFill>
+                <a:schemeClr val="bg1"/>
+              </a:solidFill>
+            </a:endParaRPr>
+          </a:p>
+          <a:p>
+            <a:pPr marL="1028700" lvl="1" eaLnBrk="1" hangingPunct="1">
+              <a:buFont typeface="Arial" panose="020B0604020202020204" pitchFamily="34" charset="0"/>
+              <a:buChar char="•"/>
+            </a:pPr>
+            <a:r>
+              <a:rPr lang="en-US" sz="1600" dirty="0" err="1" smtClean="0">
+                <a:solidFill>
+                  <a:schemeClr val="bg1"/>
+                </a:solidFill>
+              </a:rPr>
+              <a:t>Func</a:t>
+            </a:r>
+            <a:r>
+              <a:rPr lang="en-US" sz="1600" dirty="0" smtClean="0">
+                <a:solidFill>
+                  <a:schemeClr val="bg1"/>
+                </a:solidFill>
+              </a:rPr>
+              <a:t>&lt;</a:t>
+            </a:r>
+            <a:r>
+              <a:rPr lang="en-US" sz="1600" dirty="0" err="1" smtClean="0">
+                <a:solidFill>
+                  <a:schemeClr val="bg1"/>
+                </a:solidFill>
+              </a:rPr>
+              <a:t>TResult</a:t>
+            </a:r>
+            <a:r>
+              <a:rPr lang="en-US" sz="1600" dirty="0" smtClean="0">
+                <a:solidFill>
+                  <a:schemeClr val="bg1"/>
+                </a:solidFill>
+              </a:rPr>
+              <a:t>&gt;</a:t>
+            </a:r>
+            <a:endParaRPr lang="en-US" sz="1600" dirty="0">
+              <a:solidFill>
+                <a:schemeClr val="bg1"/>
+              </a:solidFill>
+            </a:endParaRPr>
+          </a:p>
+          <a:p>
+            <a:pPr marL="1028700" lvl="1" eaLnBrk="1" hangingPunct="1">
+              <a:buFont typeface="Arial" panose="020B0604020202020204" pitchFamily="34" charset="0"/>
+              <a:buChar char="•"/>
+            </a:pPr>
+            <a:r>
+              <a:rPr lang="en-US" sz="1600" dirty="0" err="1" smtClean="0">
+                <a:solidFill>
+                  <a:schemeClr val="bg1"/>
+                </a:solidFill>
+              </a:rPr>
+              <a:t>Func</a:t>
+            </a:r>
+            <a:r>
+              <a:rPr lang="en-US" sz="1600" dirty="0" smtClean="0">
+                <a:solidFill>
+                  <a:schemeClr val="bg1"/>
+                </a:solidFill>
+              </a:rPr>
+              <a:t>&lt;</a:t>
+            </a:r>
+            <a:r>
+              <a:rPr lang="en-US" sz="1600" dirty="0" err="1" smtClean="0">
+                <a:solidFill>
+                  <a:schemeClr val="bg1"/>
+                </a:solidFill>
+              </a:rPr>
+              <a:t>TResult</a:t>
+            </a:r>
+            <a:r>
+              <a:rPr lang="en-US" sz="1600" dirty="0" smtClean="0">
+                <a:solidFill>
+                  <a:schemeClr val="bg1"/>
+                </a:solidFill>
+              </a:rPr>
+              <a:t>, T</a:t>
+            </a:r>
+            <a:r>
+              <a:rPr lang="en-US" sz="1600" dirty="0">
+                <a:solidFill>
+                  <a:schemeClr val="bg1"/>
+                </a:solidFill>
+              </a:rPr>
+              <a:t>&gt;</a:t>
+            </a:r>
+          </a:p>
+          <a:p>
+            <a:pPr marL="1028700" lvl="1" eaLnBrk="1" hangingPunct="1">
+              <a:buFont typeface="Arial" panose="020B0604020202020204" pitchFamily="34" charset="0"/>
+              <a:buChar char="•"/>
+            </a:pPr>
+            <a:r>
+              <a:rPr lang="en-US" sz="1600" dirty="0" err="1" smtClean="0">
+                <a:solidFill>
+                  <a:schemeClr val="bg1"/>
+                </a:solidFill>
+              </a:rPr>
+              <a:t>Func</a:t>
+            </a:r>
+            <a:r>
+              <a:rPr lang="en-US" sz="1600" dirty="0" smtClean="0">
+                <a:solidFill>
+                  <a:schemeClr val="bg1"/>
+                </a:solidFill>
+              </a:rPr>
+              <a:t>&lt;</a:t>
+            </a:r>
+            <a:r>
+              <a:rPr lang="en-US" sz="1600" dirty="0" err="1">
+                <a:solidFill>
+                  <a:schemeClr val="bg1"/>
+                </a:solidFill>
+              </a:rPr>
+              <a:t>TResult</a:t>
+            </a:r>
+            <a:r>
+              <a:rPr lang="en-US" sz="1600" dirty="0">
+                <a:solidFill>
+                  <a:schemeClr val="bg1"/>
+                </a:solidFill>
+              </a:rPr>
+              <a:t>, </a:t>
+            </a:r>
+            <a:r>
+              <a:rPr lang="en-US" sz="1600" dirty="0" smtClean="0">
+                <a:solidFill>
+                  <a:schemeClr val="bg1"/>
+                </a:solidFill>
+              </a:rPr>
+              <a:t>T1</a:t>
+            </a:r>
+            <a:r>
+              <a:rPr lang="en-US" sz="1600" dirty="0">
+                <a:solidFill>
+                  <a:schemeClr val="bg1"/>
+                </a:solidFill>
+              </a:rPr>
+              <a:t>, T2&gt;</a:t>
+            </a:r>
+          </a:p>
+          <a:p>
+            <a:pPr marL="1028700" lvl="1" eaLnBrk="1" hangingPunct="1">
+              <a:buFont typeface="Arial" panose="020B0604020202020204" pitchFamily="34" charset="0"/>
+              <a:buChar char="•"/>
+            </a:pPr>
+            <a:r>
+              <a:rPr lang="en-US" sz="1600" dirty="0" err="1" smtClean="0">
+                <a:solidFill>
+                  <a:schemeClr val="bg1"/>
+                </a:solidFill>
+              </a:rPr>
+              <a:t>Func</a:t>
+            </a:r>
+            <a:r>
+              <a:rPr lang="en-US" sz="1600" dirty="0" smtClean="0">
+                <a:solidFill>
+                  <a:schemeClr val="bg1"/>
+                </a:solidFill>
+              </a:rPr>
+              <a:t>&lt;</a:t>
+            </a:r>
+            <a:r>
+              <a:rPr lang="en-US" sz="1600" dirty="0" err="1">
+                <a:solidFill>
+                  <a:schemeClr val="bg1"/>
+                </a:solidFill>
+              </a:rPr>
+              <a:t>TResult</a:t>
+            </a:r>
+            <a:r>
+              <a:rPr lang="en-US" sz="1600" dirty="0">
+                <a:solidFill>
+                  <a:schemeClr val="bg1"/>
+                </a:solidFill>
+              </a:rPr>
+              <a:t>, </a:t>
+            </a:r>
+            <a:r>
+              <a:rPr lang="en-US" sz="1600" dirty="0" smtClean="0">
+                <a:solidFill>
+                  <a:schemeClr val="bg1"/>
+                </a:solidFill>
+              </a:rPr>
+              <a:t>T1</a:t>
+            </a:r>
+            <a:r>
+              <a:rPr lang="en-US" sz="1600" dirty="0">
+                <a:solidFill>
+                  <a:schemeClr val="bg1"/>
+                </a:solidFill>
+              </a:rPr>
+              <a:t>, T2, T3&gt;</a:t>
+            </a:r>
+          </a:p>
+          <a:p>
+            <a:pPr marL="1028700" lvl="1" eaLnBrk="1" hangingPunct="1">
+              <a:buFont typeface="Arial" panose="020B0604020202020204" pitchFamily="34" charset="0"/>
+              <a:buChar char="•"/>
+            </a:pPr>
+            <a:r>
+              <a:rPr lang="en-US" sz="1600" dirty="0">
+                <a:solidFill>
+                  <a:schemeClr val="bg1"/>
+                </a:solidFill>
+              </a:rPr>
+              <a:t>…</a:t>
+            </a:r>
+          </a:p>
+          <a:p>
+            <a:pPr marL="1028700" lvl="1" eaLnBrk="1" hangingPunct="1">
+              <a:buFont typeface="Arial" panose="020B0604020202020204" pitchFamily="34" charset="0"/>
+              <a:buChar char="•"/>
+            </a:pPr>
+            <a:r>
+              <a:rPr lang="en-US" sz="1600" dirty="0" err="1" smtClean="0">
+                <a:solidFill>
+                  <a:schemeClr val="bg1"/>
+                </a:solidFill>
+              </a:rPr>
+              <a:t>Func</a:t>
+            </a:r>
+            <a:r>
+              <a:rPr lang="en-US" sz="1600" dirty="0" smtClean="0">
+                <a:solidFill>
+                  <a:schemeClr val="bg1"/>
+                </a:solidFill>
+              </a:rPr>
+              <a:t>&lt;</a:t>
+            </a:r>
+            <a:r>
+              <a:rPr lang="en-US" sz="1600" dirty="0" err="1">
+                <a:solidFill>
+                  <a:schemeClr val="bg1"/>
+                </a:solidFill>
+              </a:rPr>
+              <a:t>TResult</a:t>
+            </a:r>
+            <a:r>
+              <a:rPr lang="en-US" sz="1600" dirty="0">
+                <a:solidFill>
+                  <a:schemeClr val="bg1"/>
+                </a:solidFill>
+              </a:rPr>
+              <a:t>, </a:t>
+            </a:r>
+            <a:r>
+              <a:rPr lang="en-US" sz="1600" dirty="0" smtClean="0">
+                <a:solidFill>
+                  <a:schemeClr val="bg1"/>
+                </a:solidFill>
+              </a:rPr>
+              <a:t>T1</a:t>
+            </a:r>
+            <a:r>
+              <a:rPr lang="en-US" sz="1600" dirty="0">
+                <a:solidFill>
+                  <a:schemeClr val="bg1"/>
+                </a:solidFill>
+              </a:rPr>
+              <a:t>, T2, T3, T4, T5, T6, T7, T8, T9, T10, T11, T12, T13, T14, T15, </a:t>
+            </a:r>
+            <a:r>
+              <a:rPr lang="en-US" sz="1600" dirty="0" smtClean="0">
+                <a:solidFill>
+                  <a:schemeClr val="bg1"/>
+                </a:solidFill>
+              </a:rPr>
+              <a:t>T16&gt;</a:t>
+            </a:r>
+          </a:p>
+          <a:p>
+            <a:pPr marL="285750" eaLnBrk="1" hangingPunct="1"/>
+            <a:endParaRPr lang="en-US" sz="1600" dirty="0">
+              <a:solidFill>
+                <a:schemeClr val="bg1"/>
+              </a:solidFill>
+            </a:endParaRPr>
+          </a:p>
+          <a:p>
+            <a:pPr eaLnBrk="1" hangingPunct="1"/>
+            <a:r>
+              <a:rPr lang="ru-RU" sz="1600" dirty="0" smtClean="0">
+                <a:solidFill>
+                  <a:schemeClr val="bg1"/>
+                </a:solidFill>
+              </a:rPr>
+              <a:t>Где </a:t>
+            </a:r>
+            <a:r>
+              <a:rPr lang="en-US" sz="1600" dirty="0" smtClean="0">
+                <a:solidFill>
+                  <a:schemeClr val="bg1"/>
+                </a:solidFill>
+              </a:rPr>
+              <a:t>T1, T2, ,,, T16 </a:t>
+            </a:r>
+            <a:r>
+              <a:rPr lang="ru-RU" sz="1600" dirty="0" smtClean="0">
+                <a:solidFill>
+                  <a:schemeClr val="bg1"/>
+                </a:solidFill>
+              </a:rPr>
+              <a:t>– тип аргумента, </a:t>
+            </a:r>
+            <a:r>
+              <a:rPr lang="en-US" sz="1600" smtClean="0">
+                <a:solidFill>
+                  <a:schemeClr val="bg1"/>
+                </a:solidFill>
+              </a:rPr>
+              <a:t>T</a:t>
+            </a:r>
+            <a:r>
+              <a:rPr lang="en-US" sz="1600">
+                <a:solidFill>
+                  <a:schemeClr val="bg1"/>
+                </a:solidFill>
+              </a:rPr>
+              <a:t>R</a:t>
+            </a:r>
+            <a:r>
+              <a:rPr lang="en-US" sz="1600" smtClean="0">
+                <a:solidFill>
+                  <a:schemeClr val="bg1"/>
+                </a:solidFill>
+              </a:rPr>
+              <a:t>esult</a:t>
+            </a:r>
+            <a:r>
+              <a:rPr lang="en-US" sz="1600" dirty="0" smtClean="0">
+                <a:solidFill>
+                  <a:schemeClr val="bg1"/>
+                </a:solidFill>
+              </a:rPr>
+              <a:t> </a:t>
+            </a:r>
+            <a:r>
+              <a:rPr lang="ru-RU" sz="1600" dirty="0" smtClean="0">
+                <a:solidFill>
+                  <a:schemeClr val="bg1"/>
+                </a:solidFill>
+              </a:rPr>
+              <a:t>тип возвращаемого значения.</a:t>
+            </a:r>
+            <a:endParaRPr lang="ru-RU" sz="1600" dirty="0">
+              <a:solidFill>
+                <a:schemeClr val="bg1"/>
+              </a:solidFill>
+            </a:endParaRPr>
+          </a:p>
+          <a:p>
+            <a:pPr eaLnBrk="1" hangingPunct="1"/>
+            <a:endParaRPr lang="ru-RU" sz="1600" dirty="0">
+              <a:solidFill>
+                <a:schemeClr val="bg1"/>
+              </a:solidFill>
+            </a:endParaRPr>
+          </a:p>
+        </p:txBody>
+      </p:sp>
+    </p:spTree>
+    <p:extLst>
+      <p:ext uri="{BB962C8B-B14F-4D97-AF65-F5344CB8AC3E}">
+        <p14:creationId xmlns:p14="http://schemas.microsoft.com/office/powerpoint/2010/main" val="1894118169"/>
+      </p:ext>
+    </p:extLst>
+  </p:cSld>
+  <p:clrMapOvr>
+    <a:masterClrMapping/>
+  </p:clrMapOvr>
+  <p:timing>
+    <p:tnLst>
+      <p:par>
+        <p:cTn id="1" dur="indefinite" restart="never" nodeType="tmRoot"/>
+      </p:par>
+    </p:tnLst>
+  </p:timing>
+</p:sld>
+</file>
+
+<file path=ppt/slides/slide14.xml><?xml version="1.0" encoding="utf-8"?>
+<p:sld xmlns:a="http://schemas.openxmlformats.org/drawingml/2006/main" xmlns:r="http://schemas.openxmlformats.org/officeDocument/2006/relationships" xmlns:p="http://schemas.openxmlformats.org/presentationml/2006/main">
+  <p:cSld>
+    <p:bg>
+      <p:bgPr>
+        <a:blipFill dpi="0" rotWithShape="1">
+          <a:blip r:embed="rId2">
+            <a:lum/>
+          </a:blip>
+          <a:srcRect/>
+          <a:stretch>
+            <a:fillRect/>
+          </a:stretch>
+        </a:blipFill>
+        <a:effectLst/>
+      </p:bgPr>
+    </p:bg>
+    <p:spTree>
+      <p:nvGrpSpPr>
+        <p:cNvPr id="1" name=""/>
+        <p:cNvGrpSpPr/>
+        <p:nvPr/>
+      </p:nvGrpSpPr>
+      <p:grpSpPr>
+        <a:xfrm>
+          <a:off x="0" y="0"/>
+          <a:ext cx="0" cy="0"/>
+          <a:chOff x="0" y="0"/>
+          <a:chExt cx="0" cy="0"/>
+        </a:xfrm>
+      </p:grpSpPr>
+      <p:sp>
+        <p:nvSpPr>
+          <p:cNvPr id="12290" name="Прямоугольник 2"/>
+          <p:cNvSpPr>
+            <a:spLocks noChangeArrowheads="1"/>
+          </p:cNvSpPr>
+          <p:nvPr/>
+        </p:nvSpPr>
+        <p:spPr bwMode="auto">
+          <a:xfrm>
+            <a:off x="228600" y="0"/>
             <a:ext cx="8686800" cy="830997"/>
           </a:xfrm>
           <a:prstGeom prst="rect">
@@ -7161,7 +7430,7 @@
 </p:sld>
 </file>
 
-<file path=ppt/slides/slide14.xml><?xml version="1.0" encoding="utf-8"?>
+<file path=ppt/slides/slide15.xml><?xml version="1.0" encoding="utf-8"?>
 <p:sld xmlns:a="http://schemas.openxmlformats.org/drawingml/2006/main" xmlns:r="http://schemas.openxmlformats.org/officeDocument/2006/relationships" xmlns:p="http://schemas.openxmlformats.org/presentationml/2006/main">
   <p:cSld>
     <p:bg>
@@ -8197,7 +8466,7 @@
 </p:sld>
 </file>
 
-<file path=ppt/slides/slide15.xml><?xml version="1.0" encoding="utf-8"?>
+<file path=ppt/slides/slide16.xml><?xml version="1.0" encoding="utf-8"?>
 <p:sld xmlns:a="http://schemas.openxmlformats.org/drawingml/2006/main" xmlns:r="http://schemas.openxmlformats.org/officeDocument/2006/relationships" xmlns:p="http://schemas.openxmlformats.org/presentationml/2006/main">
   <p:cSld>
     <p:bg>
@@ -9725,7 +9994,7 @@
 </p:sld>
 </file>
 
-<file path=ppt/slides/slide16.xml><?xml version="1.0" encoding="utf-8"?>
+<file path=ppt/slides/slide17.xml><?xml version="1.0" encoding="utf-8"?>
 <p:sld xmlns:a="http://schemas.openxmlformats.org/drawingml/2006/main" xmlns:r="http://schemas.openxmlformats.org/officeDocument/2006/relationships" xmlns:p="http://schemas.openxmlformats.org/presentationml/2006/main">
   <p:cSld>
     <p:bg>
@@ -10028,7 +10297,7 @@
 </p:sld>
 </file>
 
-<file path=ppt/slides/slide17.xml><?xml version="1.0" encoding="utf-8"?>
+<file path=ppt/slides/slide18.xml><?xml version="1.0" encoding="utf-8"?>
 <p:sld xmlns:a="http://schemas.openxmlformats.org/drawingml/2006/main" xmlns:r="http://schemas.openxmlformats.org/officeDocument/2006/relationships" xmlns:p="http://schemas.openxmlformats.org/presentationml/2006/main">
   <p:cSld>
     <p:bg>

--- a/Presentation/lesson-05-events.pptx
+++ b/Presentation/lesson-05-events.pptx
@@ -305,7 +305,7 @@
           <a:p>
             <a:fld id="{FAECF776-F836-4CCD-9497-99E5597B8B5D}" type="datetimeFigureOut">
               <a:rPr lang="en-US" smtClean="0"/>
-              <a:t>10/2/2014</a:t>
+              <a:t>2/2/2015</a:t>
             </a:fld>
             <a:endParaRPr lang="en-US"/>
           </a:p>
@@ -475,7 +475,7 @@
           <a:p>
             <a:fld id="{FAECF776-F836-4CCD-9497-99E5597B8B5D}" type="datetimeFigureOut">
               <a:rPr lang="en-US" smtClean="0"/>
-              <a:t>10/2/2014</a:t>
+              <a:t>2/2/2015</a:t>
             </a:fld>
             <a:endParaRPr lang="en-US"/>
           </a:p>
@@ -655,7 +655,7 @@
           <a:p>
             <a:fld id="{FAECF776-F836-4CCD-9497-99E5597B8B5D}" type="datetimeFigureOut">
               <a:rPr lang="en-US" smtClean="0"/>
-              <a:t>10/2/2014</a:t>
+              <a:t>2/2/2015</a:t>
             </a:fld>
             <a:endParaRPr lang="en-US"/>
           </a:p>
@@ -825,7 +825,7 @@
           <a:p>
             <a:fld id="{FAECF776-F836-4CCD-9497-99E5597B8B5D}" type="datetimeFigureOut">
               <a:rPr lang="en-US" smtClean="0"/>
-              <a:t>10/2/2014</a:t>
+              <a:t>2/2/2015</a:t>
             </a:fld>
             <a:endParaRPr lang="en-US"/>
           </a:p>
@@ -1071,7 +1071,7 @@
           <a:p>
             <a:fld id="{FAECF776-F836-4CCD-9497-99E5597B8B5D}" type="datetimeFigureOut">
               <a:rPr lang="en-US" smtClean="0"/>
-              <a:t>10/2/2014</a:t>
+              <a:t>2/2/2015</a:t>
             </a:fld>
             <a:endParaRPr lang="en-US"/>
           </a:p>
@@ -1359,7 +1359,7 @@
           <a:p>
             <a:fld id="{FAECF776-F836-4CCD-9497-99E5597B8B5D}" type="datetimeFigureOut">
               <a:rPr lang="en-US" smtClean="0"/>
-              <a:t>10/2/2014</a:t>
+              <a:t>2/2/2015</a:t>
             </a:fld>
             <a:endParaRPr lang="en-US"/>
           </a:p>
@@ -1781,7 +1781,7 @@
           <a:p>
             <a:fld id="{FAECF776-F836-4CCD-9497-99E5597B8B5D}" type="datetimeFigureOut">
               <a:rPr lang="en-US" smtClean="0"/>
-              <a:t>10/2/2014</a:t>
+              <a:t>2/2/2015</a:t>
             </a:fld>
             <a:endParaRPr lang="en-US"/>
           </a:p>
@@ -1899,7 +1899,7 @@
           <a:p>
             <a:fld id="{FAECF776-F836-4CCD-9497-99E5597B8B5D}" type="datetimeFigureOut">
               <a:rPr lang="en-US" smtClean="0"/>
-              <a:t>10/2/2014</a:t>
+              <a:t>2/2/2015</a:t>
             </a:fld>
             <a:endParaRPr lang="en-US"/>
           </a:p>
@@ -1994,7 +1994,7 @@
           <a:p>
             <a:fld id="{FAECF776-F836-4CCD-9497-99E5597B8B5D}" type="datetimeFigureOut">
               <a:rPr lang="en-US" smtClean="0"/>
-              <a:t>10/2/2014</a:t>
+              <a:t>2/2/2015</a:t>
             </a:fld>
             <a:endParaRPr lang="en-US"/>
           </a:p>
@@ -2271,7 +2271,7 @@
           <a:p>
             <a:fld id="{FAECF776-F836-4CCD-9497-99E5597B8B5D}" type="datetimeFigureOut">
               <a:rPr lang="en-US" smtClean="0"/>
-              <a:t>10/2/2014</a:t>
+              <a:t>2/2/2015</a:t>
             </a:fld>
             <a:endParaRPr lang="en-US"/>
           </a:p>
@@ -2524,7 +2524,7 @@
           <a:p>
             <a:fld id="{FAECF776-F836-4CCD-9497-99E5597B8B5D}" type="datetimeFigureOut">
               <a:rPr lang="en-US" smtClean="0"/>
-              <a:t>10/2/2014</a:t>
+              <a:t>2/2/2015</a:t>
             </a:fld>
             <a:endParaRPr lang="en-US"/>
           </a:p>
@@ -2737,7 +2737,7 @@
           <a:p>
             <a:fld id="{FAECF776-F836-4CCD-9497-99E5597B8B5D}" type="datetimeFigureOut">
               <a:rPr lang="en-US" smtClean="0"/>
-              <a:t>10/2/2014</a:t>
+              <a:t>2/2/2015</a:t>
             </a:fld>
             <a:endParaRPr lang="en-US"/>
           </a:p>
@@ -3601,11 +3601,11 @@
   <p:clrMapOvr>
     <a:masterClrMapping/>
   </p:clrMapOvr>
-  <mc:AlternateContent xmlns:mc="http://schemas.openxmlformats.org/markup-compatibility/2006">
-    <mc:Choice xmlns:p14="http://schemas.microsoft.com/office/powerpoint/2010/main" Requires="p14">
+  <mc:AlternateContent xmlns:mc="http://schemas.openxmlformats.org/markup-compatibility/2006" xmlns:p14="http://schemas.microsoft.com/office/powerpoint/2010/main">
+    <mc:Choice Requires="p14">
       <p:transition spd="slow" p14:dur="2000"/>
     </mc:Choice>
-    <mc:Fallback>
+    <mc:Fallback xmlns="">
       <p:transition spd="slow"/>
     </mc:Fallback>
   </mc:AlternateContent>
@@ -4281,8 +4281,8 @@
         </p:nvSpPr>
         <p:spPr bwMode="auto">
           <a:xfrm>
-            <a:off x="152400" y="2068830"/>
-            <a:ext cx="8839200" cy="3939540"/>
+            <a:off x="152400" y="1991886"/>
+            <a:ext cx="8839200" cy="4093428"/>
           </a:xfrm>
           <a:prstGeom prst="rect">
             <a:avLst/>
@@ -4628,13 +4628,8 @@
                 <a:ea typeface="Calibri" pitchFamily="34" charset="0"/>
                 <a:cs typeface="Courier New" pitchFamily="49" charset="0"/>
               </a:rPr>
-              <a:t>("Engine explode...");</a:t>
-            </a:r>
-          </a:p>
-          <a:p>
-            <a:pPr eaLnBrk="0" hangingPunct="0">
-              <a:defRPr/>
-            </a:pPr>
+              <a:t>("Engine explode</a:t>
+            </a:r>
             <a:r>
               <a:rPr lang="en-US" sz="1000" dirty="0" smtClean="0">
                 <a:solidFill>
@@ -4644,9 +4639,123 @@
                 <a:ea typeface="Calibri" pitchFamily="34" charset="0"/>
                 <a:cs typeface="Courier New" pitchFamily="49" charset="0"/>
               </a:rPr>
+              <a:t>...");</a:t>
+            </a:r>
+            <a:endParaRPr lang="ru-RU" sz="1000" dirty="0" smtClean="0">
+              <a:solidFill>
+                <a:schemeClr val="bg1"/>
+              </a:solidFill>
+              <a:latin typeface="Courier New" pitchFamily="49" charset="0"/>
+              <a:ea typeface="Calibri" pitchFamily="34" charset="0"/>
+              <a:cs typeface="Courier New" pitchFamily="49" charset="0"/>
+            </a:endParaRPr>
+          </a:p>
+          <a:p>
+            <a:pPr eaLnBrk="0" hangingPunct="0">
+              <a:defRPr/>
+            </a:pPr>
+            <a:r>
+              <a:rPr lang="en-US" sz="1000" dirty="0" smtClean="0">
+                <a:solidFill>
+                  <a:schemeClr val="bg1"/>
+                </a:solidFill>
+                <a:latin typeface="Courier New" pitchFamily="49" charset="0"/>
+                <a:ea typeface="Calibri" pitchFamily="34" charset="0"/>
+                <a:cs typeface="Courier New" pitchFamily="49" charset="0"/>
+              </a:rPr>
+              <a:t>                </a:t>
+            </a:r>
+            <a:r>
+              <a:rPr lang="be-BY" sz="1000" dirty="0" smtClean="0">
+                <a:solidFill>
+                  <a:schemeClr val="bg1"/>
+                </a:solidFill>
+                <a:latin typeface="Courier New" pitchFamily="49" charset="0"/>
+                <a:ea typeface="Calibri" pitchFamily="34" charset="0"/>
+                <a:cs typeface="Courier New" pitchFamily="49" charset="0"/>
+              </a:rPr>
+              <a:t>Explosion </a:t>
+            </a:r>
+            <a:r>
+              <a:rPr lang="en-US" sz="1000" dirty="0" smtClean="0">
+                <a:solidFill>
+                  <a:schemeClr val="bg1"/>
+                </a:solidFill>
+                <a:latin typeface="Courier New" pitchFamily="49" charset="0"/>
+                <a:ea typeface="Calibri" pitchFamily="34" charset="0"/>
+                <a:cs typeface="Courier New" pitchFamily="49" charset="0"/>
+              </a:rPr>
+              <a:t>ex</a:t>
+            </a:r>
+            <a:r>
+              <a:rPr lang="be-BY" sz="1000" dirty="0" smtClean="0">
+                <a:solidFill>
+                  <a:schemeClr val="bg1"/>
+                </a:solidFill>
+                <a:latin typeface="Courier New" pitchFamily="49" charset="0"/>
+                <a:ea typeface="Calibri" pitchFamily="34" charset="0"/>
+                <a:cs typeface="Courier New" pitchFamily="49" charset="0"/>
+              </a:rPr>
+              <a:t>plode</a:t>
+            </a:r>
+            <a:r>
+              <a:rPr lang="en-US" sz="1000" dirty="0">
+                <a:solidFill>
+                  <a:schemeClr val="bg1"/>
+                </a:solidFill>
+                <a:latin typeface="Courier New" pitchFamily="49" charset="0"/>
+                <a:ea typeface="Calibri" pitchFamily="34" charset="0"/>
+                <a:cs typeface="Courier New" pitchFamily="49" charset="0"/>
+              </a:rPr>
+              <a:t> </a:t>
+            </a:r>
+            <a:r>
+              <a:rPr lang="en-US" sz="1000" dirty="0" smtClean="0">
+                <a:solidFill>
+                  <a:schemeClr val="bg1"/>
+                </a:solidFill>
+                <a:latin typeface="Courier New" pitchFamily="49" charset="0"/>
+                <a:ea typeface="Calibri" pitchFamily="34" charset="0"/>
+                <a:cs typeface="Courier New" pitchFamily="49" charset="0"/>
+              </a:rPr>
+              <a:t>= Explode;</a:t>
+            </a:r>
+            <a:endParaRPr lang="en-US" sz="1000" dirty="0">
+              <a:solidFill>
+                <a:schemeClr val="bg1"/>
+              </a:solidFill>
+              <a:latin typeface="Courier New" pitchFamily="49" charset="0"/>
+              <a:ea typeface="Calibri" pitchFamily="34" charset="0"/>
+              <a:cs typeface="Courier New" pitchFamily="49" charset="0"/>
+            </a:endParaRPr>
+          </a:p>
+          <a:p>
+            <a:pPr eaLnBrk="0" hangingPunct="0">
+              <a:defRPr/>
+            </a:pPr>
+            <a:r>
+              <a:rPr lang="en-US" sz="1000" dirty="0" smtClean="0">
+                <a:solidFill>
+                  <a:schemeClr val="bg1"/>
+                </a:solidFill>
+                <a:latin typeface="Courier New" pitchFamily="49" charset="0"/>
+                <a:ea typeface="Calibri" pitchFamily="34" charset="0"/>
+                <a:cs typeface="Courier New" pitchFamily="49" charset="0"/>
+              </a:rPr>
               <a:t>                if </a:t>
             </a:r>
             <a:r>
+              <a:rPr lang="en-US" sz="1000" dirty="0" smtClean="0">
+                <a:solidFill>
+                  <a:schemeClr val="bg1"/>
+                </a:solidFill>
+                <a:latin typeface="Courier New" pitchFamily="49" charset="0"/>
+                <a:ea typeface="Calibri" pitchFamily="34" charset="0"/>
+                <a:cs typeface="Courier New" pitchFamily="49" charset="0"/>
+              </a:rPr>
+              <a:t>(explode </a:t>
+            </a:r>
+            <a:r>
               <a:rPr lang="en-US" sz="1000" dirty="0">
                 <a:solidFill>
                   <a:schemeClr val="bg1"/>
@@ -4655,7 +4764,7 @@
                 <a:ea typeface="Calibri" pitchFamily="34" charset="0"/>
                 <a:cs typeface="Courier New" pitchFamily="49" charset="0"/>
               </a:rPr>
-              <a:t>(Explode != null)</a:t>
+              <a:t>!= null)</a:t>
             </a:r>
           </a:p>
           <a:p>
@@ -4687,7 +4796,29 @@
                 <a:ea typeface="Calibri" pitchFamily="34" charset="0"/>
                 <a:cs typeface="Courier New" pitchFamily="49" charset="0"/>
               </a:rPr>
-              <a:t>                    Explode</a:t>
+              <a:t>                    </a:t>
+            </a:r>
+            <a:r>
+              <a:rPr lang="en-US" sz="1000" dirty="0" err="1" smtClean="0">
+                <a:solidFill>
+                  <a:schemeClr val="bg1"/>
+                </a:solidFill>
+                <a:latin typeface="Courier New" pitchFamily="49" charset="0"/>
+                <a:ea typeface="Calibri" pitchFamily="34" charset="0"/>
+                <a:cs typeface="Courier New" pitchFamily="49" charset="0"/>
+              </a:rPr>
+              <a:t>explode.Invoke</a:t>
+            </a:r>
+            <a:r>
+              <a:rPr lang="en-US" sz="1000" dirty="0" smtClean="0">
+                <a:solidFill>
+                  <a:schemeClr val="bg1"/>
+                </a:solidFill>
+                <a:latin typeface="Courier New" pitchFamily="49" charset="0"/>
+                <a:ea typeface="Calibri" pitchFamily="34" charset="0"/>
+                <a:cs typeface="Courier New" pitchFamily="49" charset="0"/>
+              </a:rPr>
+              <a:t>(); </a:t>
             </a:r>
             <a:r>
               <a:rPr lang="en-US" sz="1000" dirty="0">
@@ -4698,7 +4829,7 @@
                 <a:ea typeface="Calibri" pitchFamily="34" charset="0"/>
                 <a:cs typeface="Courier New" pitchFamily="49" charset="0"/>
               </a:rPr>
-              <a:t>(); /</a:t>
+              <a:t>/</a:t>
             </a:r>
             <a:r>
               <a:rPr lang="be-BY" sz="1000" dirty="0">

--- a/Presentation/lesson-05-events.pptx
+++ b/Presentation/lesson-05-events.pptx
@@ -305,7 +305,7 @@
           <a:p>
             <a:fld id="{FAECF776-F836-4CCD-9497-99E5597B8B5D}" type="datetimeFigureOut">
               <a:rPr lang="en-US" smtClean="0"/>
-              <a:t>2/2/2015</a:t>
+              <a:t>11/29/2015</a:t>
             </a:fld>
             <a:endParaRPr lang="en-US"/>
           </a:p>
@@ -475,7 +475,7 @@
           <a:p>
             <a:fld id="{FAECF776-F836-4CCD-9497-99E5597B8B5D}" type="datetimeFigureOut">
               <a:rPr lang="en-US" smtClean="0"/>
-              <a:t>2/2/2015</a:t>
+              <a:t>11/29/2015</a:t>
             </a:fld>
             <a:endParaRPr lang="en-US"/>
           </a:p>
@@ -655,7 +655,7 @@
           <a:p>
             <a:fld id="{FAECF776-F836-4CCD-9497-99E5597B8B5D}" type="datetimeFigureOut">
               <a:rPr lang="en-US" smtClean="0"/>
-              <a:t>2/2/2015</a:t>
+              <a:t>11/29/2015</a:t>
             </a:fld>
             <a:endParaRPr lang="en-US"/>
           </a:p>
@@ -825,7 +825,7 @@
           <a:p>
             <a:fld id="{FAECF776-F836-4CCD-9497-99E5597B8B5D}" type="datetimeFigureOut">
               <a:rPr lang="en-US" smtClean="0"/>
-              <a:t>2/2/2015</a:t>
+              <a:t>11/29/2015</a:t>
             </a:fld>
             <a:endParaRPr lang="en-US"/>
           </a:p>
@@ -1071,7 +1071,7 @@
           <a:p>
             <a:fld id="{FAECF776-F836-4CCD-9497-99E5597B8B5D}" type="datetimeFigureOut">
               <a:rPr lang="en-US" smtClean="0"/>
-              <a:t>2/2/2015</a:t>
+              <a:t>11/29/2015</a:t>
             </a:fld>
             <a:endParaRPr lang="en-US"/>
           </a:p>
@@ -1359,7 +1359,7 @@
           <a:p>
             <a:fld id="{FAECF776-F836-4CCD-9497-99E5597B8B5D}" type="datetimeFigureOut">
               <a:rPr lang="en-US" smtClean="0"/>
-              <a:t>2/2/2015</a:t>
+              <a:t>11/29/2015</a:t>
             </a:fld>
             <a:endParaRPr lang="en-US"/>
           </a:p>
@@ -1781,7 +1781,7 @@
           <a:p>
             <a:fld id="{FAECF776-F836-4CCD-9497-99E5597B8B5D}" type="datetimeFigureOut">
               <a:rPr lang="en-US" smtClean="0"/>
-              <a:t>2/2/2015</a:t>
+              <a:t>11/29/2015</a:t>
             </a:fld>
             <a:endParaRPr lang="en-US"/>
           </a:p>
@@ -1899,7 +1899,7 @@
           <a:p>
             <a:fld id="{FAECF776-F836-4CCD-9497-99E5597B8B5D}" type="datetimeFigureOut">
               <a:rPr lang="en-US" smtClean="0"/>
-              <a:t>2/2/2015</a:t>
+              <a:t>11/29/2015</a:t>
             </a:fld>
             <a:endParaRPr lang="en-US"/>
           </a:p>
@@ -1994,7 +1994,7 @@
           <a:p>
             <a:fld id="{FAECF776-F836-4CCD-9497-99E5597B8B5D}" type="datetimeFigureOut">
               <a:rPr lang="en-US" smtClean="0"/>
-              <a:t>2/2/2015</a:t>
+              <a:t>11/29/2015</a:t>
             </a:fld>
             <a:endParaRPr lang="en-US"/>
           </a:p>
@@ -2271,7 +2271,7 @@
           <a:p>
             <a:fld id="{FAECF776-F836-4CCD-9497-99E5597B8B5D}" type="datetimeFigureOut">
               <a:rPr lang="en-US" smtClean="0"/>
-              <a:t>2/2/2015</a:t>
+              <a:t>11/29/2015</a:t>
             </a:fld>
             <a:endParaRPr lang="en-US"/>
           </a:p>
@@ -2524,7 +2524,7 @@
           <a:p>
             <a:fld id="{FAECF776-F836-4CCD-9497-99E5597B8B5D}" type="datetimeFigureOut">
               <a:rPr lang="en-US" smtClean="0"/>
-              <a:t>2/2/2015</a:t>
+              <a:t>11/29/2015</a:t>
             </a:fld>
             <a:endParaRPr lang="en-US"/>
           </a:p>
@@ -2737,7 +2737,7 @@
           <a:p>
             <a:fld id="{FAECF776-F836-4CCD-9497-99E5597B8B5D}" type="datetimeFigureOut">
               <a:rPr lang="en-US" smtClean="0"/>
-              <a:t>2/2/2015</a:t>
+              <a:t>11/29/2015</a:t>
             </a:fld>
             <a:endParaRPr lang="en-US"/>
           </a:p>
@@ -4742,18 +4742,7 @@
                 <a:ea typeface="Calibri" pitchFamily="34" charset="0"/>
                 <a:cs typeface="Courier New" pitchFamily="49" charset="0"/>
               </a:rPr>
-              <a:t>                if </a:t>
-            </a:r>
-            <a:r>
-              <a:rPr lang="en-US" sz="1000" dirty="0" smtClean="0">
-                <a:solidFill>
-                  <a:schemeClr val="bg1"/>
-                </a:solidFill>
-                <a:latin typeface="Courier New" pitchFamily="49" charset="0"/>
-                <a:ea typeface="Calibri" pitchFamily="34" charset="0"/>
-                <a:cs typeface="Courier New" pitchFamily="49" charset="0"/>
-              </a:rPr>
-              <a:t>(explode </a:t>
+              <a:t>                if (explode </a:t>
             </a:r>
             <a:r>
               <a:rPr lang="en-US" sz="1000" dirty="0">
@@ -5989,7 +5978,7 @@
         <p:spPr bwMode="auto">
           <a:xfrm>
             <a:off x="152400" y="1002828"/>
-            <a:ext cx="8839200" cy="5016758"/>
+            <a:ext cx="8839200" cy="3970318"/>
           </a:xfrm>
           <a:prstGeom prst="rect">
             <a:avLst/>
@@ -6126,7 +6115,7 @@
               <a:buChar char="•"/>
             </a:pPr>
             <a:r>
-              <a:rPr lang="ru-RU" sz="1600" dirty="0" smtClean="0">
+              <a:rPr lang="ru-RU" sz="1400" dirty="0" smtClean="0">
                 <a:solidFill>
                   <a:schemeClr val="bg1"/>
                 </a:solidFill>
@@ -6134,7 +6123,7 @@
               <a:t>Делегат</a:t>
             </a:r>
             <a:r>
-              <a:rPr lang="ru-RU" sz="1600" dirty="0">
+              <a:rPr lang="ru-RU" sz="1400" dirty="0">
                 <a:solidFill>
                   <a:schemeClr val="bg1"/>
                 </a:solidFill>
@@ -6142,7 +6131,7 @@
               <a:t>ы</a:t>
             </a:r>
             <a:r>
-              <a:rPr lang="ru-RU" sz="1600" dirty="0" smtClean="0">
+              <a:rPr lang="ru-RU" sz="1400" dirty="0" smtClean="0">
                 <a:solidFill>
                   <a:schemeClr val="bg1"/>
                 </a:solidFill>
@@ -6150,7 +6139,7 @@
               <a:t> </a:t>
             </a:r>
             <a:r>
-              <a:rPr lang="en-US" sz="1600" dirty="0" err="1" smtClean="0">
+              <a:rPr lang="en-US" sz="1400" dirty="0" err="1" smtClean="0">
                 <a:solidFill>
                   <a:schemeClr val="bg1"/>
                 </a:solidFill>
@@ -6158,7 +6147,7 @@
               <a:t>System.Action</a:t>
             </a:r>
             <a:r>
-              <a:rPr lang="en-US" sz="1600" dirty="0" smtClean="0">
+              <a:rPr lang="en-US" sz="1400" dirty="0" smtClean="0">
                 <a:solidFill>
                   <a:schemeClr val="bg1"/>
                 </a:solidFill>
@@ -6166,13 +6155,26 @@
               <a:t> </a:t>
             </a:r>
             <a:r>
-              <a:rPr lang="ru-RU" sz="1600" dirty="0" smtClean="0">
-                <a:solidFill>
-                  <a:schemeClr val="bg1"/>
-                </a:solidFill>
-              </a:rPr>
-              <a:t>описывают функцию без возвращаемого значения с количеством аргументов от 0 до 16.</a:t>
-            </a:r>
+              <a:rPr lang="ru-RU" sz="1400" dirty="0" smtClean="0">
+                <a:solidFill>
+                  <a:schemeClr val="bg1"/>
+                </a:solidFill>
+              </a:rPr>
+              <a:t>описывают функцию без возвращаемого значения с количеством аргументов от 0 до </a:t>
+            </a:r>
+            <a:r>
+              <a:rPr lang="ru-RU" sz="1400" dirty="0" smtClean="0">
+                <a:solidFill>
+                  <a:schemeClr val="bg1"/>
+                </a:solidFill>
+              </a:rPr>
+              <a:t>16.</a:t>
+            </a:r>
+            <a:endParaRPr lang="en-US" sz="1400" dirty="0" smtClean="0">
+              <a:solidFill>
+                <a:schemeClr val="bg1"/>
+              </a:solidFill>
+            </a:endParaRPr>
           </a:p>
           <a:p>
             <a:pPr marL="1028700" lvl="1" eaLnBrk="1" hangingPunct="1">
@@ -6180,13 +6182,18 @@
               <a:buChar char="•"/>
             </a:pPr>
             <a:r>
-              <a:rPr lang="en-US" sz="1600" dirty="0" smtClean="0">
+              <a:rPr lang="en-US" sz="1400" dirty="0" smtClean="0">
                 <a:solidFill>
                   <a:schemeClr val="bg1"/>
                 </a:solidFill>
               </a:rPr>
               <a:t>Action</a:t>
             </a:r>
+            <a:endParaRPr lang="en-US" sz="1400" dirty="0" smtClean="0">
+              <a:solidFill>
+                <a:schemeClr val="bg1"/>
+              </a:solidFill>
+            </a:endParaRPr>
           </a:p>
           <a:p>
             <a:pPr marL="1028700" lvl="1" eaLnBrk="1" hangingPunct="1">
@@ -6194,7 +6201,7 @@
               <a:buChar char="•"/>
             </a:pPr>
             <a:r>
-              <a:rPr lang="en-US" sz="1600" dirty="0" smtClean="0">
+              <a:rPr lang="en-US" sz="1400" dirty="0" smtClean="0">
                 <a:solidFill>
                   <a:schemeClr val="bg1"/>
                 </a:solidFill>
@@ -6208,7 +6215,7 @@
               <a:buChar char="•"/>
             </a:pPr>
             <a:r>
-              <a:rPr lang="en-US" sz="1600" dirty="0" smtClean="0">
+              <a:rPr lang="en-US" sz="1400" dirty="0" smtClean="0">
                 <a:solidFill>
                   <a:schemeClr val="bg1"/>
                 </a:solidFill>
@@ -6222,7 +6229,7 @@
               <a:buChar char="•"/>
             </a:pPr>
             <a:r>
-              <a:rPr lang="en-US" sz="1600" dirty="0">
+              <a:rPr lang="en-US" sz="1400" dirty="0">
                 <a:solidFill>
                   <a:schemeClr val="bg1"/>
                 </a:solidFill>
@@ -6230,7 +6237,7 @@
               <a:t>Action&lt;T1, </a:t>
             </a:r>
             <a:r>
-              <a:rPr lang="en-US" sz="1600" dirty="0" smtClean="0">
+              <a:rPr lang="en-US" sz="1400" dirty="0" smtClean="0">
                 <a:solidFill>
                   <a:schemeClr val="bg1"/>
                 </a:solidFill>
@@ -6244,7 +6251,7 @@
               <a:buChar char="•"/>
             </a:pPr>
             <a:r>
-              <a:rPr lang="en-US" sz="1600" dirty="0" smtClean="0">
+              <a:rPr lang="en-US" sz="1400" dirty="0" smtClean="0">
                 <a:solidFill>
                   <a:schemeClr val="bg1"/>
                 </a:solidFill>
@@ -6258,7 +6265,7 @@
               <a:buChar char="•"/>
             </a:pPr>
             <a:r>
-              <a:rPr lang="en-US" sz="1600" dirty="0">
+              <a:rPr lang="en-US" sz="1400" dirty="0">
                 <a:solidFill>
                   <a:schemeClr val="bg1"/>
                 </a:solidFill>
@@ -6266,7 +6273,7 @@
               <a:t>Action&lt;T1, T2, </a:t>
             </a:r>
             <a:r>
-              <a:rPr lang="en-US" sz="1600" dirty="0" smtClean="0">
+              <a:rPr lang="en-US" sz="1400" dirty="0" smtClean="0">
                 <a:solidFill>
                   <a:schemeClr val="bg1"/>
                 </a:solidFill>
@@ -6280,7 +6287,7 @@
               <a:buChar char="•"/>
             </a:pPr>
             <a:r>
-              <a:rPr lang="ru-RU" sz="1600" dirty="0" smtClean="0">
+              <a:rPr lang="ru-RU" sz="1400" dirty="0" smtClean="0">
                 <a:solidFill>
                   <a:schemeClr val="bg1"/>
                 </a:solidFill>
@@ -6288,7 +6295,7 @@
               <a:t>Делегаты </a:t>
             </a:r>
             <a:r>
-              <a:rPr lang="en-US" sz="1600" dirty="0" err="1" smtClean="0">
+              <a:rPr lang="en-US" sz="1400" dirty="0" err="1" smtClean="0">
                 <a:solidFill>
                   <a:schemeClr val="bg1"/>
                 </a:solidFill>
@@ -6296,7 +6303,7 @@
               <a:t>System.Func</a:t>
             </a:r>
             <a:r>
-              <a:rPr lang="en-US" sz="1600" dirty="0" smtClean="0">
+              <a:rPr lang="en-US" sz="1400" dirty="0" smtClean="0">
                 <a:solidFill>
                   <a:schemeClr val="bg1"/>
                 </a:solidFill>
@@ -6304,7 +6311,7 @@
               <a:t> </a:t>
             </a:r>
             <a:r>
-              <a:rPr lang="ru-RU" sz="1600" dirty="0" smtClean="0">
+              <a:rPr lang="ru-RU" sz="1400" dirty="0" smtClean="0">
                 <a:solidFill>
                   <a:schemeClr val="bg1"/>
                 </a:solidFill>
@@ -6312,7 +6319,7 @@
               <a:t>описывают </a:t>
             </a:r>
             <a:r>
-              <a:rPr lang="ru-RU" sz="1600" dirty="0">
+              <a:rPr lang="ru-RU" sz="1400" dirty="0">
                 <a:solidFill>
                   <a:schemeClr val="bg1"/>
                 </a:solidFill>
@@ -6320,7 +6327,7 @@
               <a:t>функцию </a:t>
             </a:r>
             <a:r>
-              <a:rPr lang="ru-RU" sz="1600" dirty="0" smtClean="0">
+              <a:rPr lang="ru-RU" sz="1400" dirty="0" smtClean="0">
                 <a:solidFill>
                   <a:schemeClr val="bg1"/>
                 </a:solidFill>
@@ -6328,7 +6335,7 @@
               <a:t>с возвращаемым значением с количеством </a:t>
             </a:r>
             <a:r>
-              <a:rPr lang="ru-RU" sz="1600" dirty="0">
+              <a:rPr lang="ru-RU" sz="1400" dirty="0">
                 <a:solidFill>
                   <a:schemeClr val="bg1"/>
                 </a:solidFill>
@@ -6336,14 +6343,14 @@
               <a:t>аргументов от 0 до </a:t>
             </a:r>
             <a:r>
-              <a:rPr lang="ru-RU" sz="1600" dirty="0" smtClean="0">
+              <a:rPr lang="ru-RU" sz="1400" dirty="0" smtClean="0">
                 <a:solidFill>
                   <a:schemeClr val="bg1"/>
                 </a:solidFill>
               </a:rPr>
               <a:t>16.</a:t>
             </a:r>
-            <a:endParaRPr lang="en-US" sz="1600" dirty="0" smtClean="0">
+            <a:endParaRPr lang="en-US" sz="1400" dirty="0" smtClean="0">
               <a:solidFill>
                 <a:schemeClr val="bg1"/>
               </a:solidFill>
@@ -6355,7 +6362,7 @@
               <a:buChar char="•"/>
             </a:pPr>
             <a:r>
-              <a:rPr lang="en-US" sz="1600" dirty="0" err="1" smtClean="0">
+              <a:rPr lang="en-US" sz="1400" dirty="0" err="1" smtClean="0">
                 <a:solidFill>
                   <a:schemeClr val="bg1"/>
                 </a:solidFill>
@@ -6363,7 +6370,7 @@
               <a:t>Func</a:t>
             </a:r>
             <a:r>
-              <a:rPr lang="en-US" sz="1600" dirty="0" smtClean="0">
+              <a:rPr lang="en-US" sz="1400" dirty="0" smtClean="0">
                 <a:solidFill>
                   <a:schemeClr val="bg1"/>
                 </a:solidFill>
@@ -6371,7 +6378,7 @@
               <a:t>&lt;</a:t>
             </a:r>
             <a:r>
-              <a:rPr lang="en-US" sz="1600" dirty="0" err="1" smtClean="0">
+              <a:rPr lang="en-US" sz="1400" dirty="0" err="1" smtClean="0">
                 <a:solidFill>
                   <a:schemeClr val="bg1"/>
                 </a:solidFill>
@@ -6379,14 +6386,14 @@
               <a:t>TResult</a:t>
             </a:r>
             <a:r>
-              <a:rPr lang="en-US" sz="1600" dirty="0" smtClean="0">
+              <a:rPr lang="en-US" sz="1400" dirty="0" smtClean="0">
                 <a:solidFill>
                   <a:schemeClr val="bg1"/>
                 </a:solidFill>
               </a:rPr>
               <a:t>&gt;</a:t>
             </a:r>
-            <a:endParaRPr lang="en-US" sz="1600" dirty="0">
+            <a:endParaRPr lang="en-US" sz="1400" dirty="0">
               <a:solidFill>
                 <a:schemeClr val="bg1"/>
               </a:solidFill>
@@ -6398,7 +6405,7 @@
               <a:buChar char="•"/>
             </a:pPr>
             <a:r>
-              <a:rPr lang="en-US" sz="1600" dirty="0" err="1" smtClean="0">
+              <a:rPr lang="en-US" sz="1400" dirty="0" err="1" smtClean="0">
                 <a:solidFill>
                   <a:schemeClr val="bg1"/>
                 </a:solidFill>
@@ -6406,15 +6413,15 @@
               <a:t>Func</a:t>
             </a:r>
             <a:r>
-              <a:rPr lang="en-US" sz="1600" dirty="0" smtClean="0">
-                <a:solidFill>
-                  <a:schemeClr val="bg1"/>
-                </a:solidFill>
-              </a:rPr>
-              <a:t>&lt;</a:t>
-            </a:r>
-            <a:r>
-              <a:rPr lang="en-US" sz="1600" dirty="0" err="1" smtClean="0">
+              <a:rPr lang="en-US" sz="1400" dirty="0" smtClean="0">
+                <a:solidFill>
+                  <a:schemeClr val="bg1"/>
+                </a:solidFill>
+              </a:rPr>
+              <a:t>&lt;T, </a:t>
+            </a:r>
+            <a:r>
+              <a:rPr lang="en-US" sz="1400" dirty="0" err="1" smtClean="0">
                 <a:solidFill>
                   <a:schemeClr val="bg1"/>
                 </a:solidFill>
@@ -6422,21 +6429,18 @@
               <a:t>TResult</a:t>
             </a:r>
             <a:r>
-              <a:rPr lang="en-US" sz="1600" dirty="0" smtClean="0">
-                <a:solidFill>
-                  <a:schemeClr val="bg1"/>
-                </a:solidFill>
-              </a:rPr>
-              <a:t>, T</a:t>
-            </a:r>
-            <a:r>
-              <a:rPr lang="en-US" sz="1600" dirty="0">
+              <a:rPr lang="en-US" sz="1400" dirty="0">
                 <a:solidFill>
                   <a:schemeClr val="bg1"/>
                 </a:solidFill>
               </a:rPr>
               <a:t>&gt;</a:t>
             </a:r>
+            <a:endParaRPr lang="en-US" sz="1400" dirty="0">
+              <a:solidFill>
+                <a:schemeClr val="bg1"/>
+              </a:solidFill>
+            </a:endParaRPr>
           </a:p>
           <a:p>
             <a:pPr marL="1028700" lvl="1" eaLnBrk="1" hangingPunct="1">
@@ -6444,7 +6448,7 @@
               <a:buChar char="•"/>
             </a:pPr>
             <a:r>
-              <a:rPr lang="en-US" sz="1600" dirty="0" err="1" smtClean="0">
+              <a:rPr lang="en-US" sz="1400" dirty="0" err="1" smtClean="0">
                 <a:solidFill>
                   <a:schemeClr val="bg1"/>
                 </a:solidFill>
@@ -6452,15 +6456,23 @@
               <a:t>Func</a:t>
             </a:r>
             <a:r>
-              <a:rPr lang="en-US" sz="1600" dirty="0" smtClean="0">
-                <a:solidFill>
-                  <a:schemeClr val="bg1"/>
-                </a:solidFill>
-              </a:rPr>
-              <a:t>&lt;</a:t>
-            </a:r>
-            <a:r>
-              <a:rPr lang="en-US" sz="1600" dirty="0" err="1">
+              <a:rPr lang="en-US" sz="1400" dirty="0" smtClean="0">
+                <a:solidFill>
+                  <a:schemeClr val="bg1"/>
+                </a:solidFill>
+              </a:rPr>
+              <a:t>&lt;T1, </a:t>
+            </a:r>
+            <a:r>
+              <a:rPr lang="en-US" sz="1400" dirty="0" smtClean="0">
+                <a:solidFill>
+                  <a:schemeClr val="bg1"/>
+                </a:solidFill>
+              </a:rPr>
+              <a:t>T2, </a:t>
+            </a:r>
+            <a:r>
+              <a:rPr lang="en-US" sz="1400" dirty="0" err="1" smtClean="0">
                 <a:solidFill>
                   <a:schemeClr val="bg1"/>
                 </a:solidFill>
@@ -6468,29 +6480,18 @@
               <a:t>TResult</a:t>
             </a:r>
             <a:r>
-              <a:rPr lang="en-US" sz="1600" dirty="0">
-                <a:solidFill>
-                  <a:schemeClr val="bg1"/>
-                </a:solidFill>
-              </a:rPr>
-              <a:t>, </a:t>
-            </a:r>
-            <a:r>
-              <a:rPr lang="en-US" sz="1600" dirty="0" smtClean="0">
-                <a:solidFill>
-                  <a:schemeClr val="bg1"/>
-                </a:solidFill>
-              </a:rPr>
-              <a:t>T1</a:t>
-            </a:r>
-            <a:r>
-              <a:rPr lang="en-US" sz="1600" dirty="0">
-                <a:solidFill>
-                  <a:schemeClr val="bg1"/>
-                </a:solidFill>
-              </a:rPr>
-              <a:t>, T2&gt;</a:t>
-            </a:r>
+              <a:rPr lang="en-US" sz="1400" dirty="0">
+                <a:solidFill>
+                  <a:schemeClr val="bg1"/>
+                </a:solidFill>
+              </a:rPr>
+              <a:t>&gt;</a:t>
+            </a:r>
+            <a:endParaRPr lang="en-US" sz="1400" dirty="0">
+              <a:solidFill>
+                <a:schemeClr val="bg1"/>
+              </a:solidFill>
+            </a:endParaRPr>
           </a:p>
           <a:p>
             <a:pPr marL="1028700" lvl="1" eaLnBrk="1" hangingPunct="1">
@@ -6498,7 +6499,7 @@
               <a:buChar char="•"/>
             </a:pPr>
             <a:r>
-              <a:rPr lang="en-US" sz="1600" dirty="0" err="1" smtClean="0">
+              <a:rPr lang="en-US" sz="1400" dirty="0" err="1" smtClean="0">
                 <a:solidFill>
                   <a:schemeClr val="bg1"/>
                 </a:solidFill>
@@ -6506,15 +6507,31 @@
               <a:t>Func</a:t>
             </a:r>
             <a:r>
-              <a:rPr lang="en-US" sz="1600" dirty="0" smtClean="0">
-                <a:solidFill>
-                  <a:schemeClr val="bg1"/>
-                </a:solidFill>
-              </a:rPr>
-              <a:t>&lt;</a:t>
-            </a:r>
-            <a:r>
-              <a:rPr lang="en-US" sz="1600" dirty="0" err="1">
+              <a:rPr lang="en-US" sz="1400" dirty="0" smtClean="0">
+                <a:solidFill>
+                  <a:schemeClr val="bg1"/>
+                </a:solidFill>
+              </a:rPr>
+              <a:t>&lt;T1</a:t>
+            </a:r>
+            <a:r>
+              <a:rPr lang="en-US" sz="1400" dirty="0">
+                <a:solidFill>
+                  <a:schemeClr val="bg1"/>
+                </a:solidFill>
+              </a:rPr>
+              <a:t>, T2, </a:t>
+            </a:r>
+            <a:r>
+              <a:rPr lang="en-US" sz="1400" dirty="0">
+                <a:solidFill>
+                  <a:schemeClr val="bg1"/>
+                </a:solidFill>
+              </a:rPr>
+              <a:t>T3, </a:t>
+            </a:r>
+            <a:r>
+              <a:rPr lang="en-US" sz="1400" dirty="0" err="1">
                 <a:solidFill>
                   <a:schemeClr val="bg1"/>
                 </a:solidFill>
@@ -6522,29 +6539,18 @@
               <a:t>TResult</a:t>
             </a:r>
             <a:r>
-              <a:rPr lang="en-US" sz="1600" dirty="0">
-                <a:solidFill>
-                  <a:schemeClr val="bg1"/>
-                </a:solidFill>
-              </a:rPr>
-              <a:t>, </a:t>
-            </a:r>
-            <a:r>
-              <a:rPr lang="en-US" sz="1600" dirty="0" smtClean="0">
-                <a:solidFill>
-                  <a:schemeClr val="bg1"/>
-                </a:solidFill>
-              </a:rPr>
-              <a:t>T1</a:t>
-            </a:r>
-            <a:r>
-              <a:rPr lang="en-US" sz="1600" dirty="0">
-                <a:solidFill>
-                  <a:schemeClr val="bg1"/>
-                </a:solidFill>
-              </a:rPr>
-              <a:t>, T2, T3&gt;</a:t>
-            </a:r>
+              <a:rPr lang="en-US" sz="1400" dirty="0">
+                <a:solidFill>
+                  <a:schemeClr val="bg1"/>
+                </a:solidFill>
+              </a:rPr>
+              <a:t>&gt;</a:t>
+            </a:r>
+            <a:endParaRPr lang="en-US" sz="1400" dirty="0">
+              <a:solidFill>
+                <a:schemeClr val="bg1"/>
+              </a:solidFill>
+            </a:endParaRPr>
           </a:p>
           <a:p>
             <a:pPr marL="1028700" lvl="1" eaLnBrk="1" hangingPunct="1">
@@ -6552,7 +6558,7 @@
               <a:buChar char="•"/>
             </a:pPr>
             <a:r>
-              <a:rPr lang="en-US" sz="1600" dirty="0">
+              <a:rPr lang="en-US" sz="1400" dirty="0">
                 <a:solidFill>
                   <a:schemeClr val="bg1"/>
                 </a:solidFill>
@@ -6566,7 +6572,7 @@
               <a:buChar char="•"/>
             </a:pPr>
             <a:r>
-              <a:rPr lang="en-US" sz="1600" dirty="0" err="1" smtClean="0">
+              <a:rPr lang="en-US" sz="1400" dirty="0" err="1" smtClean="0">
                 <a:solidFill>
                   <a:schemeClr val="bg1"/>
                 </a:solidFill>
@@ -6574,15 +6580,31 @@
               <a:t>Func</a:t>
             </a:r>
             <a:r>
-              <a:rPr lang="en-US" sz="1600" dirty="0" smtClean="0">
-                <a:solidFill>
-                  <a:schemeClr val="bg1"/>
-                </a:solidFill>
-              </a:rPr>
-              <a:t>&lt;</a:t>
-            </a:r>
-            <a:r>
-              <a:rPr lang="en-US" sz="1600" dirty="0" err="1">
+              <a:rPr lang="en-US" sz="1400" dirty="0" smtClean="0">
+                <a:solidFill>
+                  <a:schemeClr val="bg1"/>
+                </a:solidFill>
+              </a:rPr>
+              <a:t>&lt;T1</a:t>
+            </a:r>
+            <a:r>
+              <a:rPr lang="en-US" sz="1400" dirty="0">
+                <a:solidFill>
+                  <a:schemeClr val="bg1"/>
+                </a:solidFill>
+              </a:rPr>
+              <a:t>, T2, T3, T4, T5, T6, T7, T8, T9, T10, T11, T12, T13, T14, T15, </a:t>
+            </a:r>
+            <a:r>
+              <a:rPr lang="en-US" sz="1400" dirty="0">
+                <a:solidFill>
+                  <a:schemeClr val="bg1"/>
+                </a:solidFill>
+              </a:rPr>
+              <a:t>T16, </a:t>
+            </a:r>
+            <a:r>
+              <a:rPr lang="en-US" sz="1400" dirty="0" err="1">
                 <a:solidFill>
                   <a:schemeClr val="bg1"/>
                 </a:solidFill>
@@ -6590,41 +6612,22 @@
               <a:t>TResult</a:t>
             </a:r>
             <a:r>
-              <a:rPr lang="en-US" sz="1600" dirty="0">
-                <a:solidFill>
-                  <a:schemeClr val="bg1"/>
-                </a:solidFill>
-              </a:rPr>
-              <a:t>, </a:t>
-            </a:r>
-            <a:r>
-              <a:rPr lang="en-US" sz="1600" dirty="0" smtClean="0">
-                <a:solidFill>
-                  <a:schemeClr val="bg1"/>
-                </a:solidFill>
-              </a:rPr>
-              <a:t>T1</a:t>
-            </a:r>
-            <a:r>
-              <a:rPr lang="en-US" sz="1600" dirty="0">
-                <a:solidFill>
-                  <a:schemeClr val="bg1"/>
-                </a:solidFill>
-              </a:rPr>
-              <a:t>, T2, T3, T4, T5, T6, T7, T8, T9, T10, T11, T12, T13, T14, T15, </a:t>
-            </a:r>
-            <a:r>
-              <a:rPr lang="en-US" sz="1600" dirty="0" smtClean="0">
-                <a:solidFill>
-                  <a:schemeClr val="bg1"/>
-                </a:solidFill>
-              </a:rPr>
-              <a:t>T16&gt;</a:t>
-            </a:r>
+              <a:rPr lang="en-US" sz="1400" dirty="0">
+                <a:solidFill>
+                  <a:schemeClr val="bg1"/>
+                </a:solidFill>
+              </a:rPr>
+              <a:t>&gt;</a:t>
+            </a:r>
+            <a:endParaRPr lang="en-US" sz="1400" dirty="0" smtClean="0">
+              <a:solidFill>
+                <a:schemeClr val="bg1"/>
+              </a:solidFill>
+            </a:endParaRPr>
           </a:p>
           <a:p>
             <a:pPr marL="285750" eaLnBrk="1" hangingPunct="1"/>
-            <a:endParaRPr lang="en-US" sz="1600" dirty="0">
+            <a:endParaRPr lang="en-US" sz="1400" dirty="0">
               <a:solidFill>
                 <a:schemeClr val="bg1"/>
               </a:solidFill>
@@ -6633,7 +6636,7 @@
           <a:p>
             <a:pPr eaLnBrk="1" hangingPunct="1"/>
             <a:r>
-              <a:rPr lang="ru-RU" sz="1600" dirty="0" smtClean="0">
+              <a:rPr lang="ru-RU" sz="1400" dirty="0" smtClean="0">
                 <a:solidFill>
                   <a:schemeClr val="bg1"/>
                 </a:solidFill>
@@ -6641,7 +6644,7 @@
               <a:t>Где </a:t>
             </a:r>
             <a:r>
-              <a:rPr lang="en-US" sz="1600" dirty="0" smtClean="0">
+              <a:rPr lang="en-US" sz="1400" dirty="0" smtClean="0">
                 <a:solidFill>
                   <a:schemeClr val="bg1"/>
                 </a:solidFill>
@@ -6649,7 +6652,7 @@
               <a:t>T1, T2, ,,, T16 </a:t>
             </a:r>
             <a:r>
-              <a:rPr lang="ru-RU" sz="1600" dirty="0" smtClean="0">
+              <a:rPr lang="ru-RU" sz="1400" dirty="0" smtClean="0">
                 <a:solidFill>
                   <a:schemeClr val="bg1"/>
                 </a:solidFill>
@@ -6657,7 +6660,7 @@
               <a:t>– тип аргумента, </a:t>
             </a:r>
             <a:r>
-              <a:rPr lang="en-US" sz="1600" smtClean="0">
+              <a:rPr lang="en-US" sz="1400" dirty="0" err="1" smtClean="0">
                 <a:solidFill>
                   <a:schemeClr val="bg1"/>
                 </a:solidFill>
@@ -6665,7 +6668,7 @@
               <a:t>T</a:t>
             </a:r>
             <a:r>
-              <a:rPr lang="en-US" sz="1600">
+              <a:rPr lang="en-US" sz="1400" dirty="0" err="1">
                 <a:solidFill>
                   <a:schemeClr val="bg1"/>
                 </a:solidFill>
@@ -6673,7 +6676,7 @@
               <a:t>R</a:t>
             </a:r>
             <a:r>
-              <a:rPr lang="en-US" sz="1600" smtClean="0">
+              <a:rPr lang="en-US" sz="1400" dirty="0" err="1" smtClean="0">
                 <a:solidFill>
                   <a:schemeClr val="bg1"/>
                 </a:solidFill>
@@ -6681,7 +6684,7 @@
               <a:t>esult</a:t>
             </a:r>
             <a:r>
-              <a:rPr lang="en-US" sz="1600" dirty="0" smtClean="0">
+              <a:rPr lang="en-US" sz="1400" dirty="0" smtClean="0">
                 <a:solidFill>
                   <a:schemeClr val="bg1"/>
                 </a:solidFill>
@@ -6689,22 +6692,22 @@
               <a:t> </a:t>
             </a:r>
             <a:r>
-              <a:rPr lang="ru-RU" sz="1600" dirty="0" smtClean="0">
-                <a:solidFill>
-                  <a:schemeClr val="bg1"/>
-                </a:solidFill>
-              </a:rPr>
-              <a:t>тип возвращаемого значения.</a:t>
-            </a:r>
-            <a:endParaRPr lang="ru-RU" sz="1600" dirty="0">
-              <a:solidFill>
-                <a:schemeClr val="bg1"/>
-              </a:solidFill>
-            </a:endParaRPr>
-          </a:p>
-          <a:p>
-            <a:pPr eaLnBrk="1" hangingPunct="1"/>
-            <a:endParaRPr lang="ru-RU" sz="1600" dirty="0">
+              <a:rPr lang="ru-RU" sz="1400" dirty="0" smtClean="0">
+                <a:solidFill>
+                  <a:schemeClr val="bg1"/>
+                </a:solidFill>
+              </a:rPr>
+              <a:t>тип возвращаемого значения</a:t>
+            </a:r>
+            <a:r>
+              <a:rPr lang="ru-RU" sz="1400" dirty="0" smtClean="0">
+                <a:solidFill>
+                  <a:schemeClr val="bg1"/>
+                </a:solidFill>
+              </a:rPr>
+              <a:t>.</a:t>
+            </a:r>
+            <a:endParaRPr lang="ru-RU" sz="1400" dirty="0">
               <a:solidFill>
                 <a:schemeClr val="bg1"/>
               </a:solidFill>

--- a/Presentation/lesson-05-events.pptx
+++ b/Presentation/lesson-05-events.pptx
@@ -121,6 +121,46 @@
       </a:defRPr>
     </a:lvl9pPr>
   </p:defaultTextStyle>
+  <p:extLst>
+    <p:ext uri="{521415D9-36F7-43E2-AB2F-B90AF26B5E84}">
+      <p14:sectionLst xmlns:p14="http://schemas.microsoft.com/office/powerpoint/2010/main">
+        <p14:section name="Default Section" id="{F97A4805-1400-486D-9DFA-FC75683CC133}">
+          <p14:sldIdLst>
+            <p14:sldId id="257"/>
+            <p14:sldId id="285"/>
+          </p14:sldIdLst>
+        </p14:section>
+        <p14:section name="Делегаты" id="{7ECA1784-1F88-4A34-BDC5-15DA2528DC50}">
+          <p14:sldIdLst>
+            <p14:sldId id="273"/>
+            <p14:sldId id="274"/>
+            <p14:sldId id="275"/>
+            <p14:sldId id="276"/>
+            <p14:sldId id="277"/>
+            <p14:sldId id="278"/>
+          </p14:sldIdLst>
+        </p14:section>
+        <p14:section name="События" id="{51CD63FA-9B48-429F-B2C7-C63C3B612EDB}">
+          <p14:sldIdLst>
+            <p14:sldId id="279"/>
+            <p14:sldId id="290"/>
+            <p14:sldId id="280"/>
+            <p14:sldId id="281"/>
+            <p14:sldId id="282"/>
+            <p14:sldId id="289"/>
+            <p14:sldId id="283"/>
+            <p14:sldId id="286"/>
+          </p14:sldIdLst>
+        </p14:section>
+        <p14:section name="Задания" id="{AD85C9C5-C26B-4232-9BCE-39CA16F727FF}">
+          <p14:sldIdLst>
+            <p14:sldId id="287"/>
+            <p14:sldId id="288"/>
+          </p14:sldIdLst>
+        </p14:section>
+      </p14:sectionLst>
+    </p:ext>
+  </p:extLst>
 </p:presentation>
 </file>
 
@@ -305,7 +345,7 @@
           <a:p>
             <a:fld id="{FAECF776-F836-4CCD-9497-99E5597B8B5D}" type="datetimeFigureOut">
               <a:rPr lang="en-US" smtClean="0"/>
-              <a:t>11/29/2015</a:t>
+              <a:t>6/23/2016</a:t>
             </a:fld>
             <a:endParaRPr lang="en-US"/>
           </a:p>
@@ -475,7 +515,7 @@
           <a:p>
             <a:fld id="{FAECF776-F836-4CCD-9497-99E5597B8B5D}" type="datetimeFigureOut">
               <a:rPr lang="en-US" smtClean="0"/>
-              <a:t>11/29/2015</a:t>
+              <a:t>6/23/2016</a:t>
             </a:fld>
             <a:endParaRPr lang="en-US"/>
           </a:p>
@@ -655,7 +695,7 @@
           <a:p>
             <a:fld id="{FAECF776-F836-4CCD-9497-99E5597B8B5D}" type="datetimeFigureOut">
               <a:rPr lang="en-US" smtClean="0"/>
-              <a:t>11/29/2015</a:t>
+              <a:t>6/23/2016</a:t>
             </a:fld>
             <a:endParaRPr lang="en-US"/>
           </a:p>
@@ -825,7 +865,7 @@
           <a:p>
             <a:fld id="{FAECF776-F836-4CCD-9497-99E5597B8B5D}" type="datetimeFigureOut">
               <a:rPr lang="en-US" smtClean="0"/>
-              <a:t>11/29/2015</a:t>
+              <a:t>6/23/2016</a:t>
             </a:fld>
             <a:endParaRPr lang="en-US"/>
           </a:p>
@@ -1071,7 +1111,7 @@
           <a:p>
             <a:fld id="{FAECF776-F836-4CCD-9497-99E5597B8B5D}" type="datetimeFigureOut">
               <a:rPr lang="en-US" smtClean="0"/>
-              <a:t>11/29/2015</a:t>
+              <a:t>6/23/2016</a:t>
             </a:fld>
             <a:endParaRPr lang="en-US"/>
           </a:p>
@@ -1359,7 +1399,7 @@
           <a:p>
             <a:fld id="{FAECF776-F836-4CCD-9497-99E5597B8B5D}" type="datetimeFigureOut">
               <a:rPr lang="en-US" smtClean="0"/>
-              <a:t>11/29/2015</a:t>
+              <a:t>6/23/2016</a:t>
             </a:fld>
             <a:endParaRPr lang="en-US"/>
           </a:p>
@@ -1781,7 +1821,7 @@
           <a:p>
             <a:fld id="{FAECF776-F836-4CCD-9497-99E5597B8B5D}" type="datetimeFigureOut">
               <a:rPr lang="en-US" smtClean="0"/>
-              <a:t>11/29/2015</a:t>
+              <a:t>6/23/2016</a:t>
             </a:fld>
             <a:endParaRPr lang="en-US"/>
           </a:p>
@@ -1899,7 +1939,7 @@
           <a:p>
             <a:fld id="{FAECF776-F836-4CCD-9497-99E5597B8B5D}" type="datetimeFigureOut">
               <a:rPr lang="en-US" smtClean="0"/>
-              <a:t>11/29/2015</a:t>
+              <a:t>6/23/2016</a:t>
             </a:fld>
             <a:endParaRPr lang="en-US"/>
           </a:p>
@@ -1994,7 +2034,7 @@
           <a:p>
             <a:fld id="{FAECF776-F836-4CCD-9497-99E5597B8B5D}" type="datetimeFigureOut">
               <a:rPr lang="en-US" smtClean="0"/>
-              <a:t>11/29/2015</a:t>
+              <a:t>6/23/2016</a:t>
             </a:fld>
             <a:endParaRPr lang="en-US"/>
           </a:p>
@@ -2271,7 +2311,7 @@
           <a:p>
             <a:fld id="{FAECF776-F836-4CCD-9497-99E5597B8B5D}" type="datetimeFigureOut">
               <a:rPr lang="en-US" smtClean="0"/>
-              <a:t>11/29/2015</a:t>
+              <a:t>6/23/2016</a:t>
             </a:fld>
             <a:endParaRPr lang="en-US"/>
           </a:p>
@@ -2524,7 +2564,7 @@
           <a:p>
             <a:fld id="{FAECF776-F836-4CCD-9497-99E5597B8B5D}" type="datetimeFigureOut">
               <a:rPr lang="en-US" smtClean="0"/>
-              <a:t>11/29/2015</a:t>
+              <a:t>6/23/2016</a:t>
             </a:fld>
             <a:endParaRPr lang="en-US"/>
           </a:p>
@@ -2737,7 +2777,7 @@
           <a:p>
             <a:fld id="{FAECF776-F836-4CCD-9497-99E5597B8B5D}" type="datetimeFigureOut">
               <a:rPr lang="en-US" smtClean="0"/>
-              <a:t>11/29/2015</a:t>
+              <a:t>6/23/2016</a:t>
             </a:fld>
             <a:endParaRPr lang="en-US"/>
           </a:p>
@@ -6160,15 +6200,7 @@
                   <a:schemeClr val="bg1"/>
                 </a:solidFill>
               </a:rPr>
-              <a:t>описывают функцию без возвращаемого значения с количеством аргументов от 0 до </a:t>
-            </a:r>
-            <a:r>
-              <a:rPr lang="ru-RU" sz="1400" dirty="0" smtClean="0">
-                <a:solidFill>
-                  <a:schemeClr val="bg1"/>
-                </a:solidFill>
-              </a:rPr>
-              <a:t>16.</a:t>
+              <a:t>описывают функцию без возвращаемого значения с количеством аргументов от 0 до 16.</a:t>
             </a:r>
             <a:endParaRPr lang="en-US" sz="1400" dirty="0" smtClean="0">
               <a:solidFill>
@@ -6189,11 +6221,6 @@
               </a:rPr>
               <a:t>Action</a:t>
             </a:r>
-            <a:endParaRPr lang="en-US" sz="1400" dirty="0" smtClean="0">
-              <a:solidFill>
-                <a:schemeClr val="bg1"/>
-              </a:solidFill>
-            </a:endParaRPr>
           </a:p>
           <a:p>
             <a:pPr marL="1028700" lvl="1" eaLnBrk="1" hangingPunct="1">
@@ -6436,11 +6463,6 @@
               </a:rPr>
               <a:t>&gt;</a:t>
             </a:r>
-            <a:endParaRPr lang="en-US" sz="1400" dirty="0">
-              <a:solidFill>
-                <a:schemeClr val="bg1"/>
-              </a:solidFill>
-            </a:endParaRPr>
           </a:p>
           <a:p>
             <a:pPr marL="1028700" lvl="1" eaLnBrk="1" hangingPunct="1">
@@ -6461,15 +6483,7 @@
                   <a:schemeClr val="bg1"/>
                 </a:solidFill>
               </a:rPr>
-              <a:t>&lt;T1, </a:t>
-            </a:r>
-            <a:r>
-              <a:rPr lang="en-US" sz="1400" dirty="0" smtClean="0">
-                <a:solidFill>
-                  <a:schemeClr val="bg1"/>
-                </a:solidFill>
-              </a:rPr>
-              <a:t>T2, </a:t>
+              <a:t>&lt;T1, T2, </a:t>
             </a:r>
             <a:r>
               <a:rPr lang="en-US" sz="1400" dirty="0" err="1" smtClean="0">
@@ -6487,11 +6501,6 @@
               </a:rPr>
               <a:t>&gt;</a:t>
             </a:r>
-            <a:endParaRPr lang="en-US" sz="1400" dirty="0">
-              <a:solidFill>
-                <a:schemeClr val="bg1"/>
-              </a:solidFill>
-            </a:endParaRPr>
           </a:p>
           <a:p>
             <a:pPr marL="1028700" lvl="1" eaLnBrk="1" hangingPunct="1">
@@ -6520,7 +6529,15 @@
                   <a:schemeClr val="bg1"/>
                 </a:solidFill>
               </a:rPr>
-              <a:t>, T2, </a:t>
+              <a:t>, T2, T3, </a:t>
+            </a:r>
+            <a:r>
+              <a:rPr lang="en-US" sz="1400" dirty="0" err="1">
+                <a:solidFill>
+                  <a:schemeClr val="bg1"/>
+                </a:solidFill>
+              </a:rPr>
+              <a:t>TResult</a:t>
             </a:r>
             <a:r>
               <a:rPr lang="en-US" sz="1400" dirty="0">
@@ -6528,29 +6545,8 @@
                   <a:schemeClr val="bg1"/>
                 </a:solidFill>
               </a:rPr>
-              <a:t>T3, </a:t>
-            </a:r>
-            <a:r>
-              <a:rPr lang="en-US" sz="1400" dirty="0" err="1">
-                <a:solidFill>
-                  <a:schemeClr val="bg1"/>
-                </a:solidFill>
-              </a:rPr>
-              <a:t>TResult</a:t>
-            </a:r>
-            <a:r>
-              <a:rPr lang="en-US" sz="1400" dirty="0">
-                <a:solidFill>
-                  <a:schemeClr val="bg1"/>
-                </a:solidFill>
-              </a:rPr>
               <a:t>&gt;</a:t>
             </a:r>
-            <a:endParaRPr lang="en-US" sz="1400" dirty="0">
-              <a:solidFill>
-                <a:schemeClr val="bg1"/>
-              </a:solidFill>
-            </a:endParaRPr>
           </a:p>
           <a:p>
             <a:pPr marL="1028700" lvl="1" eaLnBrk="1" hangingPunct="1">
@@ -6593,15 +6589,7 @@
                   <a:schemeClr val="bg1"/>
                 </a:solidFill>
               </a:rPr>
-              <a:t>, T2, T3, T4, T5, T6, T7, T8, T9, T10, T11, T12, T13, T14, T15, </a:t>
-            </a:r>
-            <a:r>
-              <a:rPr lang="en-US" sz="1400" dirty="0">
-                <a:solidFill>
-                  <a:schemeClr val="bg1"/>
-                </a:solidFill>
-              </a:rPr>
-              <a:t>T16, </a:t>
+              <a:t>, T2, T3, T4, T5, T6, T7, T8, T9, T10, T11, T12, T13, T14, T15, T16, </a:t>
             </a:r>
             <a:r>
               <a:rPr lang="en-US" sz="1400" dirty="0" err="1">
@@ -6697,15 +6685,7 @@
                   <a:schemeClr val="bg1"/>
                 </a:solidFill>
               </a:rPr>
-              <a:t>тип возвращаемого значения</a:t>
-            </a:r>
-            <a:r>
-              <a:rPr lang="ru-RU" sz="1400" dirty="0" smtClean="0">
-                <a:solidFill>
-                  <a:schemeClr val="bg1"/>
-                </a:solidFill>
-              </a:rPr>
-              <a:t>.</a:t>
+              <a:t>тип возвращаемого значения.</a:t>
             </a:r>
             <a:endParaRPr lang="ru-RU" sz="1400" dirty="0">
               <a:solidFill>

--- a/Presentation/lesson-05-events.pptx
+++ b/Presentation/lesson-05-events.pptx
@@ -21,8 +21,9 @@
     <p:sldId id="289" r:id="rId15"/>
     <p:sldId id="283" r:id="rId16"/>
     <p:sldId id="286" r:id="rId17"/>
-    <p:sldId id="287" r:id="rId18"/>
-    <p:sldId id="288" r:id="rId19"/>
+    <p:sldId id="291" r:id="rId18"/>
+    <p:sldId id="287" r:id="rId19"/>
+    <p:sldId id="288" r:id="rId20"/>
   </p:sldIdLst>
   <p:sldSz cx="9144000" cy="6858000" type="screen4x3"/>
   <p:notesSz cx="6858000" cy="9144000"/>
@@ -150,6 +151,7 @@
             <p14:sldId id="289"/>
             <p14:sldId id="283"/>
             <p14:sldId id="286"/>
+            <p14:sldId id="291"/>
           </p14:sldIdLst>
         </p14:section>
         <p14:section name="Задания" id="{AD85C9C5-C26B-4232-9BCE-39CA16F727FF}">
@@ -159,6 +161,20 @@
           </p14:sldIdLst>
         </p14:section>
       </p14:sectionLst>
+    </p:ext>
+    <p:ext uri="{EFAFB233-063F-42B5-8137-9DF3F51BA10A}">
+      <p15:sldGuideLst xmlns:p15="http://schemas.microsoft.com/office/powerpoint/2012/main">
+        <p15:guide id="1" orient="horz" pos="2160">
+          <p15:clr>
+            <a:srgbClr val="A4A3A4"/>
+          </p15:clr>
+        </p15:guide>
+        <p15:guide id="2" pos="2880">
+          <p15:clr>
+            <a:srgbClr val="A4A3A4"/>
+          </p15:clr>
+        </p15:guide>
+      </p15:sldGuideLst>
     </p:ext>
   </p:extLst>
 </p:presentation>
@@ -345,7 +361,7 @@
           <a:p>
             <a:fld id="{FAECF776-F836-4CCD-9497-99E5597B8B5D}" type="datetimeFigureOut">
               <a:rPr lang="en-US" smtClean="0"/>
-              <a:t>6/23/2016</a:t>
+              <a:t>3/22/2017</a:t>
             </a:fld>
             <a:endParaRPr lang="en-US"/>
           </a:p>
@@ -515,7 +531,7 @@
           <a:p>
             <a:fld id="{FAECF776-F836-4CCD-9497-99E5597B8B5D}" type="datetimeFigureOut">
               <a:rPr lang="en-US" smtClean="0"/>
-              <a:t>6/23/2016</a:t>
+              <a:t>3/22/2017</a:t>
             </a:fld>
             <a:endParaRPr lang="en-US"/>
           </a:p>
@@ -695,7 +711,7 @@
           <a:p>
             <a:fld id="{FAECF776-F836-4CCD-9497-99E5597B8B5D}" type="datetimeFigureOut">
               <a:rPr lang="en-US" smtClean="0"/>
-              <a:t>6/23/2016</a:t>
+              <a:t>3/22/2017</a:t>
             </a:fld>
             <a:endParaRPr lang="en-US"/>
           </a:p>
@@ -865,7 +881,7 @@
           <a:p>
             <a:fld id="{FAECF776-F836-4CCD-9497-99E5597B8B5D}" type="datetimeFigureOut">
               <a:rPr lang="en-US" smtClean="0"/>
-              <a:t>6/23/2016</a:t>
+              <a:t>3/22/2017</a:t>
             </a:fld>
             <a:endParaRPr lang="en-US"/>
           </a:p>
@@ -1111,7 +1127,7 @@
           <a:p>
             <a:fld id="{FAECF776-F836-4CCD-9497-99E5597B8B5D}" type="datetimeFigureOut">
               <a:rPr lang="en-US" smtClean="0"/>
-              <a:t>6/23/2016</a:t>
+              <a:t>3/22/2017</a:t>
             </a:fld>
             <a:endParaRPr lang="en-US"/>
           </a:p>
@@ -1399,7 +1415,7 @@
           <a:p>
             <a:fld id="{FAECF776-F836-4CCD-9497-99E5597B8B5D}" type="datetimeFigureOut">
               <a:rPr lang="en-US" smtClean="0"/>
-              <a:t>6/23/2016</a:t>
+              <a:t>3/22/2017</a:t>
             </a:fld>
             <a:endParaRPr lang="en-US"/>
           </a:p>
@@ -1821,7 +1837,7 @@
           <a:p>
             <a:fld id="{FAECF776-F836-4CCD-9497-99E5597B8B5D}" type="datetimeFigureOut">
               <a:rPr lang="en-US" smtClean="0"/>
-              <a:t>6/23/2016</a:t>
+              <a:t>3/22/2017</a:t>
             </a:fld>
             <a:endParaRPr lang="en-US"/>
           </a:p>
@@ -1939,7 +1955,7 @@
           <a:p>
             <a:fld id="{FAECF776-F836-4CCD-9497-99E5597B8B5D}" type="datetimeFigureOut">
               <a:rPr lang="en-US" smtClean="0"/>
-              <a:t>6/23/2016</a:t>
+              <a:t>3/22/2017</a:t>
             </a:fld>
             <a:endParaRPr lang="en-US"/>
           </a:p>
@@ -2034,7 +2050,7 @@
           <a:p>
             <a:fld id="{FAECF776-F836-4CCD-9497-99E5597B8B5D}" type="datetimeFigureOut">
               <a:rPr lang="en-US" smtClean="0"/>
-              <a:t>6/23/2016</a:t>
+              <a:t>3/22/2017</a:t>
             </a:fld>
             <a:endParaRPr lang="en-US"/>
           </a:p>
@@ -2311,7 +2327,7 @@
           <a:p>
             <a:fld id="{FAECF776-F836-4CCD-9497-99E5597B8B5D}" type="datetimeFigureOut">
               <a:rPr lang="en-US" smtClean="0"/>
-              <a:t>6/23/2016</a:t>
+              <a:t>3/22/2017</a:t>
             </a:fld>
             <a:endParaRPr lang="en-US"/>
           </a:p>
@@ -2564,7 +2580,7 @@
           <a:p>
             <a:fld id="{FAECF776-F836-4CCD-9497-99E5597B8B5D}" type="datetimeFigureOut">
               <a:rPr lang="en-US" smtClean="0"/>
-              <a:t>6/23/2016</a:t>
+              <a:t>3/22/2017</a:t>
             </a:fld>
             <a:endParaRPr lang="en-US"/>
           </a:p>
@@ -2777,7 +2793,7 @@
           <a:p>
             <a:fld id="{FAECF776-F836-4CCD-9497-99E5597B8B5D}" type="datetimeFigureOut">
               <a:rPr lang="en-US" smtClean="0"/>
-              <a:t>6/23/2016</a:t>
+              <a:t>3/22/2017</a:t>
             </a:fld>
             <a:endParaRPr lang="en-US"/>
           </a:p>
@@ -10113,6 +10129,165 @@
   <p:cSld>
     <p:bg>
       <p:bgPr>
+        <a:blipFill dpi="0" rotWithShape="1">
+          <a:blip r:embed="rId2">
+            <a:lum/>
+          </a:blip>
+          <a:srcRect/>
+          <a:stretch>
+            <a:fillRect/>
+          </a:stretch>
+        </a:blipFill>
+        <a:effectLst/>
+      </p:bgPr>
+    </p:bg>
+    <p:spTree>
+      <p:nvGrpSpPr>
+        <p:cNvPr id="1" name=""/>
+        <p:cNvGrpSpPr/>
+        <p:nvPr/>
+      </p:nvGrpSpPr>
+      <p:grpSpPr>
+        <a:xfrm>
+          <a:off x="0" y="0"/>
+          <a:ext cx="0" cy="0"/>
+          <a:chOff x="0" y="0"/>
+          <a:chExt cx="0" cy="0"/>
+        </a:xfrm>
+      </p:grpSpPr>
+      <p:sp>
+        <p:nvSpPr>
+          <p:cNvPr id="2" name="Title 1"/>
+          <p:cNvSpPr>
+            <a:spLocks noGrp="1"/>
+          </p:cNvSpPr>
+          <p:nvPr>
+            <p:ph type="title"/>
+          </p:nvPr>
+        </p:nvSpPr>
+        <p:spPr/>
+        <p:txBody>
+          <a:bodyPr/>
+          <a:lstStyle/>
+          <a:p>
+            <a:r>
+              <a:rPr lang="ru-RU" dirty="0" smtClean="0">
+                <a:solidFill>
+                  <a:schemeClr val="bg1"/>
+                </a:solidFill>
+              </a:rPr>
+              <a:t>События- </a:t>
+            </a:r>
+            <a:r>
+              <a:rPr lang="en-US" dirty="0">
+                <a:solidFill>
+                  <a:schemeClr val="bg1"/>
+                </a:solidFill>
+              </a:rPr>
+              <a:t>class vs </a:t>
+            </a:r>
+            <a:r>
+              <a:rPr lang="en-US" dirty="0" err="1">
+                <a:solidFill>
+                  <a:schemeClr val="bg1"/>
+                </a:solidFill>
+              </a:rPr>
+              <a:t>struct</a:t>
+            </a:r>
+            <a:endParaRPr lang="en-US" dirty="0">
+              <a:solidFill>
+                <a:schemeClr val="bg1"/>
+              </a:solidFill>
+            </a:endParaRPr>
+          </a:p>
+        </p:txBody>
+      </p:sp>
+      <p:sp>
+        <p:nvSpPr>
+          <p:cNvPr id="3" name="Content Placeholder 2"/>
+          <p:cNvSpPr>
+            <a:spLocks noGrp="1"/>
+          </p:cNvSpPr>
+          <p:nvPr>
+            <p:ph idx="1"/>
+          </p:nvPr>
+        </p:nvSpPr>
+        <p:spPr/>
+        <p:txBody>
+          <a:bodyPr/>
+          <a:lstStyle/>
+          <a:p>
+            <a:pPr marL="0" indent="0">
+              <a:buNone/>
+            </a:pPr>
+            <a:r>
+              <a:rPr lang="ru-RU" dirty="0" smtClean="0">
+                <a:solidFill>
+                  <a:schemeClr val="bg1"/>
+                </a:solidFill>
+              </a:rPr>
+              <a:t>В структурах можно объявлять события. Проявляйте</a:t>
+            </a:r>
+            <a:r>
+              <a:rPr lang="ru-RU" dirty="0">
+                <a:solidFill>
+                  <a:schemeClr val="bg1"/>
+                </a:solidFill>
+              </a:rPr>
+              <a:t>,</a:t>
+            </a:r>
+            <a:r>
+              <a:rPr lang="ru-RU" dirty="0" smtClean="0">
+                <a:solidFill>
+                  <a:schemeClr val="bg1"/>
+                </a:solidFill>
+              </a:rPr>
+              <a:t> однако, осторожность при их использовании чтобы не подписаться на событие у </a:t>
+            </a:r>
+            <a:r>
+              <a:rPr lang="ru-RU" smtClean="0">
+                <a:solidFill>
+                  <a:schemeClr val="bg1"/>
+                </a:solidFill>
+              </a:rPr>
+              <a:t>копии значения.</a:t>
+            </a:r>
+            <a:endParaRPr lang="ru-RU" dirty="0">
+              <a:solidFill>
+                <a:schemeClr val="bg1"/>
+              </a:solidFill>
+            </a:endParaRPr>
+          </a:p>
+          <a:p>
+            <a:endParaRPr lang="en-US" dirty="0"/>
+          </a:p>
+        </p:txBody>
+      </p:sp>
+    </p:spTree>
+    <p:extLst>
+      <p:ext uri="{BB962C8B-B14F-4D97-AF65-F5344CB8AC3E}">
+        <p14:creationId xmlns:p14="http://schemas.microsoft.com/office/powerpoint/2010/main" val="4290960658"/>
+      </p:ext>
+    </p:extLst>
+  </p:cSld>
+  <p:clrMapOvr>
+    <a:masterClrMapping/>
+  </p:clrMapOvr>
+  <p:timing>
+    <p:tnLst>
+      <p:par>
+        <p:cTn id="1" dur="indefinite" restart="never" nodeType="tmRoot"/>
+      </p:par>
+    </p:tnLst>
+  </p:timing>
+</p:sld>
+</file>
+
+<file path=ppt/slides/slide18.xml><?xml version="1.0" encoding="utf-8"?>
+<p:sld xmlns:a="http://schemas.openxmlformats.org/drawingml/2006/main" xmlns:r="http://schemas.openxmlformats.org/officeDocument/2006/relationships" xmlns:p="http://schemas.openxmlformats.org/presentationml/2006/main">
+  <p:cSld>
+    <p:bg>
+      <p:bgPr>
         <a:solidFill>
           <a:srgbClr val="6600CC"/>
         </a:solidFill>
@@ -10411,7 +10586,7 @@
 </p:sld>
 </file>
 
-<file path=ppt/slides/slide18.xml><?xml version="1.0" encoding="utf-8"?>
+<file path=ppt/slides/slide19.xml><?xml version="1.0" encoding="utf-8"?>
 <p:sld xmlns:a="http://schemas.openxmlformats.org/drawingml/2006/main" xmlns:r="http://schemas.openxmlformats.org/officeDocument/2006/relationships" xmlns:p="http://schemas.openxmlformats.org/presentationml/2006/main">
   <p:cSld>
     <p:bg>

--- a/Presentation/lesson-05-events.pptx
+++ b/Presentation/lesson-05-events.pptx
@@ -22,8 +22,9 @@
     <p:sldId id="283" r:id="rId16"/>
     <p:sldId id="286" r:id="rId17"/>
     <p:sldId id="291" r:id="rId18"/>
-    <p:sldId id="287" r:id="rId19"/>
-    <p:sldId id="288" r:id="rId20"/>
+    <p:sldId id="292" r:id="rId19"/>
+    <p:sldId id="287" r:id="rId20"/>
+    <p:sldId id="288" r:id="rId21"/>
   </p:sldIdLst>
   <p:sldSz cx="9144000" cy="6858000" type="screen4x3"/>
   <p:notesSz cx="6858000" cy="9144000"/>
@@ -152,6 +153,7 @@
             <p14:sldId id="283"/>
             <p14:sldId id="286"/>
             <p14:sldId id="291"/>
+            <p14:sldId id="292"/>
           </p14:sldIdLst>
         </p14:section>
         <p14:section name="Задания" id="{AD85C9C5-C26B-4232-9BCE-39CA16F727FF}">
@@ -361,7 +363,7 @@
           <a:p>
             <a:fld id="{FAECF776-F836-4CCD-9497-99E5597B8B5D}" type="datetimeFigureOut">
               <a:rPr lang="en-US" smtClean="0"/>
-              <a:t>3/22/2017</a:t>
+              <a:t>4/1/2017</a:t>
             </a:fld>
             <a:endParaRPr lang="en-US"/>
           </a:p>
@@ -531,7 +533,7 @@
           <a:p>
             <a:fld id="{FAECF776-F836-4CCD-9497-99E5597B8B5D}" type="datetimeFigureOut">
               <a:rPr lang="en-US" smtClean="0"/>
-              <a:t>3/22/2017</a:t>
+              <a:t>4/1/2017</a:t>
             </a:fld>
             <a:endParaRPr lang="en-US"/>
           </a:p>
@@ -711,7 +713,7 @@
           <a:p>
             <a:fld id="{FAECF776-F836-4CCD-9497-99E5597B8B5D}" type="datetimeFigureOut">
               <a:rPr lang="en-US" smtClean="0"/>
-              <a:t>3/22/2017</a:t>
+              <a:t>4/1/2017</a:t>
             </a:fld>
             <a:endParaRPr lang="en-US"/>
           </a:p>
@@ -881,7 +883,7 @@
           <a:p>
             <a:fld id="{FAECF776-F836-4CCD-9497-99E5597B8B5D}" type="datetimeFigureOut">
               <a:rPr lang="en-US" smtClean="0"/>
-              <a:t>3/22/2017</a:t>
+              <a:t>4/1/2017</a:t>
             </a:fld>
             <a:endParaRPr lang="en-US"/>
           </a:p>
@@ -1127,7 +1129,7 @@
           <a:p>
             <a:fld id="{FAECF776-F836-4CCD-9497-99E5597B8B5D}" type="datetimeFigureOut">
               <a:rPr lang="en-US" smtClean="0"/>
-              <a:t>3/22/2017</a:t>
+              <a:t>4/1/2017</a:t>
             </a:fld>
             <a:endParaRPr lang="en-US"/>
           </a:p>
@@ -1415,7 +1417,7 @@
           <a:p>
             <a:fld id="{FAECF776-F836-4CCD-9497-99E5597B8B5D}" type="datetimeFigureOut">
               <a:rPr lang="en-US" smtClean="0"/>
-              <a:t>3/22/2017</a:t>
+              <a:t>4/1/2017</a:t>
             </a:fld>
             <a:endParaRPr lang="en-US"/>
           </a:p>
@@ -1837,7 +1839,7 @@
           <a:p>
             <a:fld id="{FAECF776-F836-4CCD-9497-99E5597B8B5D}" type="datetimeFigureOut">
               <a:rPr lang="en-US" smtClean="0"/>
-              <a:t>3/22/2017</a:t>
+              <a:t>4/1/2017</a:t>
             </a:fld>
             <a:endParaRPr lang="en-US"/>
           </a:p>
@@ -1955,7 +1957,7 @@
           <a:p>
             <a:fld id="{FAECF776-F836-4CCD-9497-99E5597B8B5D}" type="datetimeFigureOut">
               <a:rPr lang="en-US" smtClean="0"/>
-              <a:t>3/22/2017</a:t>
+              <a:t>4/1/2017</a:t>
             </a:fld>
             <a:endParaRPr lang="en-US"/>
           </a:p>
@@ -2050,7 +2052,7 @@
           <a:p>
             <a:fld id="{FAECF776-F836-4CCD-9497-99E5597B8B5D}" type="datetimeFigureOut">
               <a:rPr lang="en-US" smtClean="0"/>
-              <a:t>3/22/2017</a:t>
+              <a:t>4/1/2017</a:t>
             </a:fld>
             <a:endParaRPr lang="en-US"/>
           </a:p>
@@ -2327,7 +2329,7 @@
           <a:p>
             <a:fld id="{FAECF776-F836-4CCD-9497-99E5597B8B5D}" type="datetimeFigureOut">
               <a:rPr lang="en-US" smtClean="0"/>
-              <a:t>3/22/2017</a:t>
+              <a:t>4/1/2017</a:t>
             </a:fld>
             <a:endParaRPr lang="en-US"/>
           </a:p>
@@ -2580,7 +2582,7 @@
           <a:p>
             <a:fld id="{FAECF776-F836-4CCD-9497-99E5597B8B5D}" type="datetimeFigureOut">
               <a:rPr lang="en-US" smtClean="0"/>
-              <a:t>3/22/2017</a:t>
+              <a:t>4/1/2017</a:t>
             </a:fld>
             <a:endParaRPr lang="en-US"/>
           </a:p>
@@ -2793,7 +2795,7 @@
           <a:p>
             <a:fld id="{FAECF776-F836-4CCD-9497-99E5597B8B5D}" type="datetimeFigureOut">
               <a:rPr lang="en-US" smtClean="0"/>
-              <a:t>3/22/2017</a:t>
+              <a:t>4/1/2017</a:t>
             </a:fld>
             <a:endParaRPr lang="en-US"/>
           </a:p>
@@ -10157,6 +10159,297 @@
       </p:grpSpPr>
       <p:sp>
         <p:nvSpPr>
+          <p:cNvPr id="10" name="Content Placeholder 2"/>
+          <p:cNvSpPr txBox="1">
+            <a:spLocks/>
+          </p:cNvSpPr>
+          <p:nvPr/>
+        </p:nvSpPr>
+        <p:spPr>
+          <a:xfrm>
+            <a:off x="476052" y="4869160"/>
+            <a:ext cx="8210748" cy="964704"/>
+          </a:xfrm>
+          <a:prstGeom prst="rect">
+            <a:avLst/>
+          </a:prstGeom>
+          <a:solidFill>
+            <a:schemeClr val="bg1"/>
+          </a:solidFill>
+        </p:spPr>
+        <p:txBody>
+          <a:bodyPr vert="horz" lIns="91440" tIns="45720" rIns="91440" bIns="45720" rtlCol="0">
+            <a:normAutofit/>
+          </a:bodyPr>
+          <a:lstStyle>
+            <a:lvl1pPr marL="342900" indent="-342900" algn="l" defTabSz="914400" rtl="0" eaLnBrk="1" latinLnBrk="0" hangingPunct="1">
+              <a:spcBef>
+                <a:spcPct val="20000"/>
+              </a:spcBef>
+              <a:buFont typeface="Arial" pitchFamily="34" charset="0"/>
+              <a:buChar char="•"/>
+              <a:defRPr sz="2800" kern="1200">
+                <a:solidFill>
+                  <a:schemeClr val="tx1"/>
+                </a:solidFill>
+                <a:latin typeface="+mn-lt"/>
+                <a:ea typeface="+mn-ea"/>
+                <a:cs typeface="+mn-cs"/>
+              </a:defRPr>
+            </a:lvl1pPr>
+            <a:lvl2pPr marL="742950" indent="-285750" algn="l" defTabSz="914400" rtl="0" eaLnBrk="1" latinLnBrk="0" hangingPunct="1">
+              <a:spcBef>
+                <a:spcPct val="20000"/>
+              </a:spcBef>
+              <a:buFont typeface="Arial" pitchFamily="34" charset="0"/>
+              <a:buChar char="–"/>
+              <a:defRPr sz="2400" kern="1200">
+                <a:solidFill>
+                  <a:schemeClr val="tx1"/>
+                </a:solidFill>
+                <a:latin typeface="+mn-lt"/>
+                <a:ea typeface="+mn-ea"/>
+                <a:cs typeface="+mn-cs"/>
+              </a:defRPr>
+            </a:lvl2pPr>
+            <a:lvl3pPr marL="1143000" indent="-228600" algn="l" defTabSz="914400" rtl="0" eaLnBrk="1" latinLnBrk="0" hangingPunct="1">
+              <a:spcBef>
+                <a:spcPct val="20000"/>
+              </a:spcBef>
+              <a:buFont typeface="Arial" pitchFamily="34" charset="0"/>
+              <a:buChar char="•"/>
+              <a:defRPr sz="2000" kern="1200">
+                <a:solidFill>
+                  <a:schemeClr val="tx1"/>
+                </a:solidFill>
+                <a:latin typeface="+mn-lt"/>
+                <a:ea typeface="+mn-ea"/>
+                <a:cs typeface="+mn-cs"/>
+              </a:defRPr>
+            </a:lvl3pPr>
+            <a:lvl4pPr marL="1600200" indent="-228600" algn="l" defTabSz="914400" rtl="0" eaLnBrk="1" latinLnBrk="0" hangingPunct="1">
+              <a:spcBef>
+                <a:spcPct val="20000"/>
+              </a:spcBef>
+              <a:buFont typeface="Arial" pitchFamily="34" charset="0"/>
+              <a:buChar char="–"/>
+              <a:defRPr sz="1800" kern="1200">
+                <a:solidFill>
+                  <a:schemeClr val="tx1"/>
+                </a:solidFill>
+                <a:latin typeface="+mn-lt"/>
+                <a:ea typeface="+mn-ea"/>
+                <a:cs typeface="+mn-cs"/>
+              </a:defRPr>
+            </a:lvl4pPr>
+            <a:lvl5pPr marL="2057400" indent="-228600" algn="l" defTabSz="914400" rtl="0" eaLnBrk="1" latinLnBrk="0" hangingPunct="1">
+              <a:spcBef>
+                <a:spcPct val="20000"/>
+              </a:spcBef>
+              <a:buFont typeface="Arial" pitchFamily="34" charset="0"/>
+              <a:buChar char="»"/>
+              <a:defRPr sz="1800" kern="1200">
+                <a:solidFill>
+                  <a:schemeClr val="tx1"/>
+                </a:solidFill>
+                <a:latin typeface="+mn-lt"/>
+                <a:ea typeface="+mn-ea"/>
+                <a:cs typeface="+mn-cs"/>
+              </a:defRPr>
+            </a:lvl5pPr>
+            <a:lvl6pPr marL="2514600" indent="-228600" algn="l" defTabSz="914400" rtl="0" eaLnBrk="1" latinLnBrk="0" hangingPunct="1">
+              <a:spcBef>
+                <a:spcPct val="20000"/>
+              </a:spcBef>
+              <a:buFont typeface="Arial" pitchFamily="34" charset="0"/>
+              <a:buChar char="•"/>
+              <a:defRPr sz="1800" kern="1200">
+                <a:solidFill>
+                  <a:schemeClr val="tx1"/>
+                </a:solidFill>
+                <a:latin typeface="+mn-lt"/>
+                <a:ea typeface="+mn-ea"/>
+                <a:cs typeface="+mn-cs"/>
+              </a:defRPr>
+            </a:lvl6pPr>
+            <a:lvl7pPr marL="2971800" indent="-228600" algn="l" defTabSz="914400" rtl="0" eaLnBrk="1" latinLnBrk="0" hangingPunct="1">
+              <a:spcBef>
+                <a:spcPct val="20000"/>
+              </a:spcBef>
+              <a:buFont typeface="Arial" pitchFamily="34" charset="0"/>
+              <a:buChar char="•"/>
+              <a:defRPr sz="1800" kern="1200">
+                <a:solidFill>
+                  <a:schemeClr val="tx1"/>
+                </a:solidFill>
+                <a:latin typeface="+mn-lt"/>
+                <a:ea typeface="+mn-ea"/>
+                <a:cs typeface="+mn-cs"/>
+              </a:defRPr>
+            </a:lvl7pPr>
+            <a:lvl8pPr marL="3429000" indent="-228600" algn="l" defTabSz="914400" rtl="0" eaLnBrk="1" latinLnBrk="0" hangingPunct="1">
+              <a:spcBef>
+                <a:spcPct val="20000"/>
+              </a:spcBef>
+              <a:buFont typeface="Arial" pitchFamily="34" charset="0"/>
+              <a:buChar char="•"/>
+              <a:defRPr sz="1800" kern="1200">
+                <a:solidFill>
+                  <a:schemeClr val="tx1"/>
+                </a:solidFill>
+                <a:latin typeface="+mn-lt"/>
+                <a:ea typeface="+mn-ea"/>
+                <a:cs typeface="+mn-cs"/>
+              </a:defRPr>
+            </a:lvl8pPr>
+            <a:lvl9pPr marL="3886200" indent="-228600" algn="l" defTabSz="914400" rtl="0" eaLnBrk="1" latinLnBrk="0" hangingPunct="1">
+              <a:spcBef>
+                <a:spcPct val="20000"/>
+              </a:spcBef>
+              <a:buFont typeface="Arial" pitchFamily="34" charset="0"/>
+              <a:buChar char="•"/>
+              <a:defRPr sz="1800" kern="1200">
+                <a:solidFill>
+                  <a:schemeClr val="tx1"/>
+                </a:solidFill>
+                <a:latin typeface="+mn-lt"/>
+                <a:ea typeface="+mn-ea"/>
+                <a:cs typeface="+mn-cs"/>
+              </a:defRPr>
+            </a:lvl9pPr>
+          </a:lstStyle>
+          <a:p>
+            <a:pPr marL="0" indent="0">
+              <a:buNone/>
+            </a:pPr>
+            <a:r>
+              <a:rPr lang="en-US" sz="1600" dirty="0" err="1">
+                <a:solidFill>
+                  <a:srgbClr val="2B91AF"/>
+                </a:solidFill>
+                <a:latin typeface="Consolas" panose="020B0609020204030204" pitchFamily="49" charset="0"/>
+              </a:rPr>
+              <a:t>SomeClass</a:t>
+            </a:r>
+            <a:r>
+              <a:rPr lang="en-US" sz="1600" dirty="0">
+                <a:solidFill>
+                  <a:srgbClr val="000000"/>
+                </a:solidFill>
+                <a:latin typeface="Consolas" panose="020B0609020204030204" pitchFamily="49" charset="0"/>
+              </a:rPr>
+              <a:t> example = </a:t>
+            </a:r>
+            <a:r>
+              <a:rPr lang="en-US" sz="1600" dirty="0">
+                <a:solidFill>
+                  <a:srgbClr val="0000FF"/>
+                </a:solidFill>
+                <a:latin typeface="Consolas" panose="020B0609020204030204" pitchFamily="49" charset="0"/>
+              </a:rPr>
+              <a:t>new</a:t>
+            </a:r>
+            <a:r>
+              <a:rPr lang="en-US" sz="1600" dirty="0">
+                <a:solidFill>
+                  <a:srgbClr val="000000"/>
+                </a:solidFill>
+                <a:latin typeface="Consolas" panose="020B0609020204030204" pitchFamily="49" charset="0"/>
+              </a:rPr>
+              <a:t> </a:t>
+            </a:r>
+            <a:r>
+              <a:rPr lang="en-US" sz="1600" dirty="0" err="1">
+                <a:solidFill>
+                  <a:srgbClr val="2B91AF"/>
+                </a:solidFill>
+                <a:latin typeface="Consolas" panose="020B0609020204030204" pitchFamily="49" charset="0"/>
+              </a:rPr>
+              <a:t>SomeClass</a:t>
+            </a:r>
+            <a:r>
+              <a:rPr lang="en-US" sz="1600" dirty="0">
+                <a:solidFill>
+                  <a:srgbClr val="000000"/>
+                </a:solidFill>
+                <a:latin typeface="Consolas" panose="020B0609020204030204" pitchFamily="49" charset="0"/>
+              </a:rPr>
+              <a:t>();</a:t>
+            </a:r>
+          </a:p>
+          <a:p>
+            <a:pPr marL="0" indent="0">
+              <a:buNone/>
+            </a:pPr>
+            <a:r>
+              <a:rPr lang="en-US" sz="1600" dirty="0" smtClean="0">
+                <a:solidFill>
+                  <a:srgbClr val="000000"/>
+                </a:solidFill>
+                <a:latin typeface="Consolas" panose="020B0609020204030204" pitchFamily="49" charset="0"/>
+              </a:rPr>
+              <a:t>…</a:t>
+            </a:r>
+            <a:endParaRPr lang="en-US" sz="1600" dirty="0" smtClean="0">
+              <a:solidFill>
+                <a:srgbClr val="000000"/>
+              </a:solidFill>
+              <a:latin typeface="Consolas" panose="020B0609020204030204" pitchFamily="49" charset="0"/>
+            </a:endParaRPr>
+          </a:p>
+          <a:p>
+            <a:pPr marL="0" indent="0">
+              <a:buNone/>
+            </a:pPr>
+            <a:r>
+              <a:rPr lang="en-US" sz="1600" dirty="0" err="1">
+                <a:solidFill>
+                  <a:srgbClr val="000000"/>
+                </a:solidFill>
+                <a:latin typeface="Consolas" panose="020B0609020204030204" pitchFamily="49" charset="0"/>
+              </a:rPr>
+              <a:t>example.SomeEvent</a:t>
+            </a:r>
+            <a:r>
+              <a:rPr lang="en-US" sz="1600" dirty="0">
+                <a:solidFill>
+                  <a:srgbClr val="000000"/>
+                </a:solidFill>
+                <a:latin typeface="Consolas" panose="020B0609020204030204" pitchFamily="49" charset="0"/>
+              </a:rPr>
+              <a:t> </a:t>
+            </a:r>
+            <a:r>
+              <a:rPr lang="en-US" sz="1600" dirty="0" smtClean="0">
+                <a:solidFill>
+                  <a:srgbClr val="000000"/>
+                </a:solidFill>
+                <a:latin typeface="Consolas" panose="020B0609020204030204" pitchFamily="49" charset="0"/>
+              </a:rPr>
+              <a:t>= null;</a:t>
+            </a:r>
+            <a:endParaRPr lang="en-US" sz="1600" dirty="0">
+              <a:solidFill>
+                <a:srgbClr val="000000"/>
+              </a:solidFill>
+              <a:latin typeface="Consolas" panose="020B0609020204030204" pitchFamily="49" charset="0"/>
+            </a:endParaRPr>
+          </a:p>
+          <a:p>
+            <a:pPr marL="0" indent="0">
+              <a:buNone/>
+            </a:pPr>
+            <a:endParaRPr lang="en-US" sz="1600" dirty="0" smtClean="0">
+              <a:solidFill>
+                <a:srgbClr val="000000"/>
+              </a:solidFill>
+              <a:latin typeface="Consolas" panose="020B0609020204030204" pitchFamily="49" charset="0"/>
+            </a:endParaRPr>
+          </a:p>
+        </p:txBody>
+      </p:sp>
+      <p:sp>
+        <p:nvSpPr>
           <p:cNvPr id="2" name="Title 1"/>
           <p:cNvSpPr>
             <a:spLocks noGrp="1"/>
@@ -10176,23 +10469,31 @@
                   <a:schemeClr val="bg1"/>
                 </a:solidFill>
               </a:rPr>
-              <a:t>События- </a:t>
-            </a:r>
-            <a:r>
-              <a:rPr lang="en-US" dirty="0">
-                <a:solidFill>
-                  <a:schemeClr val="bg1"/>
-                </a:solidFill>
-              </a:rPr>
-              <a:t>class vs </a:t>
-            </a:r>
-            <a:r>
-              <a:rPr lang="en-US" dirty="0" err="1">
-                <a:solidFill>
-                  <a:schemeClr val="bg1"/>
-                </a:solidFill>
-              </a:rPr>
-              <a:t>struct</a:t>
+              <a:t>Событие</a:t>
+            </a:r>
+            <a:r>
+              <a:rPr lang="en-US" dirty="0" smtClean="0">
+                <a:solidFill>
+                  <a:schemeClr val="bg1"/>
+                </a:solidFill>
+              </a:rPr>
+              <a:t> </a:t>
+            </a:r>
+            <a:r>
+              <a:rPr lang="en-US" dirty="0" smtClean="0">
+                <a:solidFill>
+                  <a:schemeClr val="bg1"/>
+                </a:solidFill>
+              </a:rPr>
+              <a:t>vs </a:t>
+            </a:r>
+            <a:r>
+              <a:rPr lang="ru-RU" smtClean="0">
+                <a:solidFill>
+                  <a:schemeClr val="bg1"/>
+                </a:solidFill>
+              </a:rPr>
+              <a:t>поле с делегатом</a:t>
             </a:r>
             <a:endParaRPr lang="en-US" dirty="0">
               <a:solidFill>
@@ -10209,56 +10510,966 @@
             <a:spLocks noGrp="1"/>
           </p:cNvSpPr>
           <p:nvPr>
-            <p:ph idx="1"/>
+            <p:ph sz="half" idx="1"/>
           </p:nvPr>
         </p:nvSpPr>
-        <p:spPr/>
+        <p:spPr>
+          <a:xfrm>
+            <a:off x="457200" y="1600201"/>
+            <a:ext cx="4038600" cy="2620888"/>
+          </a:xfrm>
+          <a:solidFill>
+            <a:schemeClr val="bg1"/>
+          </a:solidFill>
+        </p:spPr>
         <p:txBody>
-          <a:bodyPr/>
+          <a:bodyPr>
+            <a:normAutofit/>
+          </a:bodyPr>
           <a:lstStyle/>
           <a:p>
             <a:pPr marL="0" indent="0">
               <a:buNone/>
             </a:pPr>
             <a:r>
-              <a:rPr lang="ru-RU" dirty="0" smtClean="0">
-                <a:solidFill>
-                  <a:schemeClr val="bg1"/>
-                </a:solidFill>
-              </a:rPr>
-              <a:t>В структурах можно объявлять события. Проявляйте</a:t>
-            </a:r>
-            <a:r>
-              <a:rPr lang="ru-RU" dirty="0">
-                <a:solidFill>
-                  <a:schemeClr val="bg1"/>
-                </a:solidFill>
-              </a:rPr>
-              <a:t>,</a:t>
-            </a:r>
-            <a:r>
-              <a:rPr lang="ru-RU" dirty="0" smtClean="0">
-                <a:solidFill>
-                  <a:schemeClr val="bg1"/>
-                </a:solidFill>
-              </a:rPr>
-              <a:t> однако, осторожность при их использовании чтобы не подписаться на событие у </a:t>
-            </a:r>
-            <a:r>
-              <a:rPr lang="ru-RU" smtClean="0">
-                <a:solidFill>
-                  <a:schemeClr val="bg1"/>
-                </a:solidFill>
-              </a:rPr>
-              <a:t>копии значения.</a:t>
-            </a:r>
-            <a:endParaRPr lang="ru-RU" dirty="0">
-              <a:solidFill>
-                <a:schemeClr val="bg1"/>
-              </a:solidFill>
-            </a:endParaRPr>
-          </a:p>
-          <a:p>
+              <a:rPr lang="en-US" sz="1600" dirty="0">
+                <a:solidFill>
+                  <a:srgbClr val="0000FF"/>
+                </a:solidFill>
+                <a:latin typeface="Consolas" panose="020B0609020204030204" pitchFamily="49" charset="0"/>
+              </a:rPr>
+              <a:t>class</a:t>
+            </a:r>
+            <a:r>
+              <a:rPr lang="en-US" sz="1600" dirty="0">
+                <a:solidFill>
+                  <a:srgbClr val="000000"/>
+                </a:solidFill>
+                <a:latin typeface="Consolas" panose="020B0609020204030204" pitchFamily="49" charset="0"/>
+              </a:rPr>
+              <a:t> </a:t>
+            </a:r>
+            <a:r>
+              <a:rPr lang="en-US" sz="1600" dirty="0" err="1">
+                <a:solidFill>
+                  <a:srgbClr val="2B91AF"/>
+                </a:solidFill>
+                <a:latin typeface="Consolas" panose="020B0609020204030204" pitchFamily="49" charset="0"/>
+              </a:rPr>
+              <a:t>SomeClass</a:t>
+            </a:r>
+            <a:endParaRPr lang="en-US" sz="1600" dirty="0">
+              <a:solidFill>
+                <a:srgbClr val="000000"/>
+              </a:solidFill>
+              <a:latin typeface="Consolas" panose="020B0609020204030204" pitchFamily="49" charset="0"/>
+            </a:endParaRPr>
+          </a:p>
+          <a:p>
+            <a:pPr marL="0" indent="0">
+              <a:buNone/>
+            </a:pPr>
+            <a:r>
+              <a:rPr lang="en-US" sz="1600" dirty="0">
+                <a:solidFill>
+                  <a:srgbClr val="000000"/>
+                </a:solidFill>
+                <a:latin typeface="Consolas" panose="020B0609020204030204" pitchFamily="49" charset="0"/>
+              </a:rPr>
+              <a:t>{</a:t>
+            </a:r>
+          </a:p>
+          <a:p>
+            <a:pPr marL="0" indent="0">
+              <a:buNone/>
+            </a:pPr>
+            <a:r>
+              <a:rPr lang="ru-RU" sz="1600" dirty="0" smtClean="0">
+                <a:solidFill>
+                  <a:srgbClr val="0000FF"/>
+                </a:solidFill>
+                <a:latin typeface="Consolas" panose="020B0609020204030204" pitchFamily="49" charset="0"/>
+              </a:rPr>
+              <a:t>  </a:t>
+            </a:r>
+            <a:r>
+              <a:rPr lang="en-US" sz="1600" dirty="0" smtClean="0">
+                <a:solidFill>
+                  <a:srgbClr val="0000FF"/>
+                </a:solidFill>
+                <a:latin typeface="Consolas" panose="020B0609020204030204" pitchFamily="49" charset="0"/>
+              </a:rPr>
+              <a:t>public</a:t>
+            </a:r>
+            <a:r>
+              <a:rPr lang="en-US" sz="1600" dirty="0" smtClean="0">
+                <a:solidFill>
+                  <a:srgbClr val="000000"/>
+                </a:solidFill>
+                <a:latin typeface="Consolas" panose="020B0609020204030204" pitchFamily="49" charset="0"/>
+              </a:rPr>
+              <a:t> </a:t>
+            </a:r>
+            <a:r>
+              <a:rPr lang="en-US" sz="1600" dirty="0">
+                <a:solidFill>
+                  <a:srgbClr val="2B91AF"/>
+                </a:solidFill>
+                <a:latin typeface="Consolas" panose="020B0609020204030204" pitchFamily="49" charset="0"/>
+              </a:rPr>
+              <a:t>Action</a:t>
+            </a:r>
+            <a:r>
+              <a:rPr lang="en-US" sz="1600" dirty="0">
+                <a:solidFill>
+                  <a:srgbClr val="000000"/>
+                </a:solidFill>
+                <a:latin typeface="Consolas" panose="020B0609020204030204" pitchFamily="49" charset="0"/>
+              </a:rPr>
+              <a:t> </a:t>
+            </a:r>
+            <a:r>
+              <a:rPr lang="en-US" sz="1600" dirty="0" err="1">
+                <a:solidFill>
+                  <a:srgbClr val="000000"/>
+                </a:solidFill>
+                <a:latin typeface="Consolas" panose="020B0609020204030204" pitchFamily="49" charset="0"/>
+              </a:rPr>
+              <a:t>SomeEvent</a:t>
+            </a:r>
+            <a:r>
+              <a:rPr lang="en-US" sz="1600" dirty="0" smtClean="0">
+                <a:solidFill>
+                  <a:srgbClr val="000000"/>
+                </a:solidFill>
+                <a:latin typeface="Consolas" panose="020B0609020204030204" pitchFamily="49" charset="0"/>
+              </a:rPr>
+              <a:t>;</a:t>
+            </a:r>
+          </a:p>
+          <a:p>
+            <a:pPr marL="0" indent="0">
+              <a:buNone/>
+            </a:pPr>
+            <a:r>
+              <a:rPr lang="ru-RU" sz="1600" dirty="0">
+                <a:solidFill>
+                  <a:srgbClr val="008000"/>
+                </a:solidFill>
+                <a:latin typeface="Consolas" panose="020B0609020204030204" pitchFamily="49" charset="0"/>
+              </a:rPr>
+              <a:t> </a:t>
+            </a:r>
+            <a:r>
+              <a:rPr lang="en-US" sz="1600" dirty="0" smtClean="0">
+                <a:solidFill>
+                  <a:srgbClr val="008000"/>
+                </a:solidFill>
+                <a:latin typeface="Consolas" panose="020B0609020204030204" pitchFamily="49" charset="0"/>
+              </a:rPr>
+              <a:t> // </a:t>
+            </a:r>
+            <a:r>
+              <a:rPr lang="ru-RU" sz="1600" dirty="0" smtClean="0">
+                <a:solidFill>
+                  <a:srgbClr val="008000"/>
+                </a:solidFill>
+                <a:latin typeface="Consolas" panose="020B0609020204030204" pitchFamily="49" charset="0"/>
+              </a:rPr>
+              <a:t>Код класса работающий</a:t>
+            </a:r>
+            <a:endParaRPr lang="en-US" sz="1600" dirty="0" smtClean="0">
+              <a:solidFill>
+                <a:srgbClr val="008000"/>
+              </a:solidFill>
+              <a:latin typeface="Consolas" panose="020B0609020204030204" pitchFamily="49" charset="0"/>
+            </a:endParaRPr>
+          </a:p>
+          <a:p>
+            <a:pPr marL="0" indent="0">
+              <a:buNone/>
+            </a:pPr>
+            <a:r>
+              <a:rPr lang="en-US" sz="1600" dirty="0" smtClean="0">
+                <a:solidFill>
+                  <a:srgbClr val="008000"/>
+                </a:solidFill>
+                <a:latin typeface="Consolas" panose="020B0609020204030204" pitchFamily="49" charset="0"/>
+              </a:rPr>
+              <a:t>  //   </a:t>
+            </a:r>
+            <a:r>
+              <a:rPr lang="ru-RU" sz="1600" dirty="0" smtClean="0">
+                <a:solidFill>
+                  <a:srgbClr val="008000"/>
+                </a:solidFill>
+                <a:latin typeface="Consolas" panose="020B0609020204030204" pitchFamily="49" charset="0"/>
+              </a:rPr>
+              <a:t>с </a:t>
+            </a:r>
+            <a:r>
+              <a:rPr lang="en-US" sz="1600" dirty="0" err="1" smtClean="0">
+                <a:solidFill>
+                  <a:srgbClr val="008000"/>
+                </a:solidFill>
+                <a:latin typeface="Consolas" panose="020B0609020204030204" pitchFamily="49" charset="0"/>
+              </a:rPr>
+              <a:t>SomeEvent</a:t>
+            </a:r>
+            <a:endParaRPr lang="en-US" sz="1600" dirty="0">
+              <a:solidFill>
+                <a:srgbClr val="000000"/>
+              </a:solidFill>
+              <a:latin typeface="Consolas" panose="020B0609020204030204" pitchFamily="49" charset="0"/>
+            </a:endParaRPr>
+          </a:p>
+          <a:p>
+            <a:pPr marL="0" indent="0">
+              <a:buNone/>
+            </a:pPr>
+            <a:r>
+              <a:rPr lang="ru-RU" sz="1600" dirty="0" smtClean="0">
+                <a:solidFill>
+                  <a:srgbClr val="008000"/>
+                </a:solidFill>
+                <a:latin typeface="Consolas" panose="020B0609020204030204" pitchFamily="49" charset="0"/>
+              </a:rPr>
+              <a:t>  </a:t>
+            </a:r>
+            <a:r>
+              <a:rPr lang="en-US" sz="1600" dirty="0" smtClean="0">
+                <a:solidFill>
+                  <a:srgbClr val="008000"/>
+                </a:solidFill>
+                <a:latin typeface="Consolas" panose="020B0609020204030204" pitchFamily="49" charset="0"/>
+              </a:rPr>
+              <a:t>//...</a:t>
+            </a:r>
+            <a:endParaRPr lang="en-US" sz="1600" dirty="0">
+              <a:solidFill>
+                <a:srgbClr val="000000"/>
+              </a:solidFill>
+              <a:latin typeface="Consolas" panose="020B0609020204030204" pitchFamily="49" charset="0"/>
+            </a:endParaRPr>
+          </a:p>
+          <a:p>
+            <a:pPr marL="0" indent="0">
+              <a:buNone/>
+            </a:pPr>
+            <a:r>
+              <a:rPr lang="en-US" sz="1600" dirty="0" smtClean="0">
+                <a:solidFill>
+                  <a:srgbClr val="000000"/>
+                </a:solidFill>
+                <a:latin typeface="Consolas" panose="020B0609020204030204" pitchFamily="49" charset="0"/>
+              </a:rPr>
+              <a:t>}</a:t>
+            </a:r>
+            <a:endParaRPr lang="en-US" sz="1600" dirty="0"/>
+          </a:p>
+        </p:txBody>
+      </p:sp>
+      <p:sp>
+        <p:nvSpPr>
+          <p:cNvPr id="4" name="Content Placeholder 3"/>
+          <p:cNvSpPr>
+            <a:spLocks noGrp="1"/>
+          </p:cNvSpPr>
+          <p:nvPr>
+            <p:ph sz="half" idx="2"/>
+          </p:nvPr>
+        </p:nvSpPr>
+        <p:spPr>
+          <a:xfrm>
+            <a:off x="4648200" y="1600200"/>
+            <a:ext cx="4038600" cy="2620889"/>
+          </a:xfrm>
+          <a:solidFill>
+            <a:schemeClr val="bg1"/>
+          </a:solidFill>
+        </p:spPr>
+        <p:txBody>
+          <a:bodyPr>
+            <a:normAutofit/>
+          </a:bodyPr>
+          <a:lstStyle/>
+          <a:p>
+            <a:pPr marL="0" indent="0">
+              <a:buNone/>
+            </a:pPr>
+            <a:r>
+              <a:rPr lang="en-US" sz="1600" dirty="0">
+                <a:solidFill>
+                  <a:srgbClr val="0000FF"/>
+                </a:solidFill>
+                <a:latin typeface="Consolas" panose="020B0609020204030204" pitchFamily="49" charset="0"/>
+              </a:rPr>
+              <a:t>class</a:t>
+            </a:r>
+            <a:r>
+              <a:rPr lang="en-US" sz="1600" dirty="0">
+                <a:solidFill>
+                  <a:srgbClr val="000000"/>
+                </a:solidFill>
+                <a:latin typeface="Consolas" panose="020B0609020204030204" pitchFamily="49" charset="0"/>
+              </a:rPr>
+              <a:t> </a:t>
+            </a:r>
+            <a:r>
+              <a:rPr lang="en-US" sz="1600" dirty="0" err="1">
+                <a:solidFill>
+                  <a:srgbClr val="2B91AF"/>
+                </a:solidFill>
+                <a:latin typeface="Consolas" panose="020B0609020204030204" pitchFamily="49" charset="0"/>
+              </a:rPr>
+              <a:t>SomeClass</a:t>
+            </a:r>
+            <a:endParaRPr lang="en-US" sz="1600" dirty="0">
+              <a:solidFill>
+                <a:srgbClr val="000000"/>
+              </a:solidFill>
+              <a:latin typeface="Consolas" panose="020B0609020204030204" pitchFamily="49" charset="0"/>
+            </a:endParaRPr>
+          </a:p>
+          <a:p>
+            <a:pPr marL="0" indent="0">
+              <a:buNone/>
+            </a:pPr>
+            <a:r>
+              <a:rPr lang="en-US" sz="1600" dirty="0">
+                <a:solidFill>
+                  <a:srgbClr val="000000"/>
+                </a:solidFill>
+                <a:latin typeface="Consolas" panose="020B0609020204030204" pitchFamily="49" charset="0"/>
+              </a:rPr>
+              <a:t>{</a:t>
+            </a:r>
+          </a:p>
+          <a:p>
+            <a:pPr marL="0" indent="0">
+              <a:buNone/>
+            </a:pPr>
+            <a:r>
+              <a:rPr lang="en-US" sz="1600" dirty="0" smtClean="0">
+                <a:solidFill>
+                  <a:srgbClr val="0000FF"/>
+                </a:solidFill>
+                <a:latin typeface="Consolas" panose="020B0609020204030204" pitchFamily="49" charset="0"/>
+              </a:rPr>
+              <a:t>  public</a:t>
+            </a:r>
+            <a:r>
+              <a:rPr lang="en-US" sz="1600" dirty="0" smtClean="0">
+                <a:solidFill>
+                  <a:srgbClr val="000000"/>
+                </a:solidFill>
+                <a:latin typeface="Consolas" panose="020B0609020204030204" pitchFamily="49" charset="0"/>
+              </a:rPr>
+              <a:t> </a:t>
+            </a:r>
+            <a:r>
+              <a:rPr lang="en-US" sz="1600" dirty="0">
+                <a:solidFill>
+                  <a:srgbClr val="0000FF"/>
+                </a:solidFill>
+                <a:latin typeface="Consolas" panose="020B0609020204030204" pitchFamily="49" charset="0"/>
+              </a:rPr>
+              <a:t>event</a:t>
+            </a:r>
+            <a:r>
+              <a:rPr lang="en-US" sz="1600" dirty="0">
+                <a:solidFill>
+                  <a:srgbClr val="000000"/>
+                </a:solidFill>
+                <a:latin typeface="Consolas" panose="020B0609020204030204" pitchFamily="49" charset="0"/>
+              </a:rPr>
+              <a:t> </a:t>
+            </a:r>
+            <a:r>
+              <a:rPr lang="en-US" sz="1600" dirty="0">
+                <a:solidFill>
+                  <a:srgbClr val="2B91AF"/>
+                </a:solidFill>
+                <a:latin typeface="Consolas" panose="020B0609020204030204" pitchFamily="49" charset="0"/>
+              </a:rPr>
+              <a:t>Action</a:t>
+            </a:r>
+            <a:r>
+              <a:rPr lang="en-US" sz="1600" dirty="0">
+                <a:solidFill>
+                  <a:srgbClr val="000000"/>
+                </a:solidFill>
+                <a:latin typeface="Consolas" panose="020B0609020204030204" pitchFamily="49" charset="0"/>
+              </a:rPr>
+              <a:t> </a:t>
+            </a:r>
+            <a:r>
+              <a:rPr lang="en-US" sz="1600" dirty="0" err="1">
+                <a:solidFill>
+                  <a:srgbClr val="000000"/>
+                </a:solidFill>
+                <a:latin typeface="Consolas" panose="020B0609020204030204" pitchFamily="49" charset="0"/>
+              </a:rPr>
+              <a:t>SomeEvent</a:t>
+            </a:r>
+            <a:r>
+              <a:rPr lang="en-US" sz="1600" dirty="0">
+                <a:solidFill>
+                  <a:srgbClr val="000000"/>
+                </a:solidFill>
+                <a:latin typeface="Consolas" panose="020B0609020204030204" pitchFamily="49" charset="0"/>
+              </a:rPr>
+              <a:t>;</a:t>
+            </a:r>
+          </a:p>
+          <a:p>
+            <a:pPr marL="0" indent="0">
+              <a:buNone/>
+            </a:pPr>
+            <a:r>
+              <a:rPr lang="en-US" sz="1600" dirty="0">
+                <a:solidFill>
+                  <a:srgbClr val="008000"/>
+                </a:solidFill>
+                <a:latin typeface="Consolas" panose="020B0609020204030204" pitchFamily="49" charset="0"/>
+              </a:rPr>
+              <a:t> </a:t>
+            </a:r>
+            <a:r>
+              <a:rPr lang="en-US" sz="1600" dirty="0" smtClean="0">
+                <a:solidFill>
+                  <a:srgbClr val="008000"/>
+                </a:solidFill>
+                <a:latin typeface="Consolas" panose="020B0609020204030204" pitchFamily="49" charset="0"/>
+              </a:rPr>
+              <a:t> // </a:t>
+            </a:r>
+            <a:r>
+              <a:rPr lang="ru-RU" sz="1600" dirty="0">
+                <a:solidFill>
+                  <a:srgbClr val="008000"/>
+                </a:solidFill>
+                <a:latin typeface="Consolas" panose="020B0609020204030204" pitchFamily="49" charset="0"/>
+              </a:rPr>
+              <a:t>Код класса работающий</a:t>
+            </a:r>
+            <a:endParaRPr lang="en-US" sz="1600" dirty="0">
+              <a:solidFill>
+                <a:srgbClr val="008000"/>
+              </a:solidFill>
+              <a:latin typeface="Consolas" panose="020B0609020204030204" pitchFamily="49" charset="0"/>
+            </a:endParaRPr>
+          </a:p>
+          <a:p>
+            <a:pPr marL="0" indent="0">
+              <a:buNone/>
+            </a:pPr>
+            <a:r>
+              <a:rPr lang="en-US" sz="1600" dirty="0">
+                <a:solidFill>
+                  <a:srgbClr val="008000"/>
+                </a:solidFill>
+                <a:latin typeface="Consolas" panose="020B0609020204030204" pitchFamily="49" charset="0"/>
+              </a:rPr>
+              <a:t>  //   </a:t>
+            </a:r>
+            <a:r>
+              <a:rPr lang="ru-RU" sz="1600" dirty="0">
+                <a:solidFill>
+                  <a:srgbClr val="008000"/>
+                </a:solidFill>
+                <a:latin typeface="Consolas" panose="020B0609020204030204" pitchFamily="49" charset="0"/>
+              </a:rPr>
+              <a:t>с </a:t>
+            </a:r>
+            <a:r>
+              <a:rPr lang="en-US" sz="1600" dirty="0" err="1">
+                <a:solidFill>
+                  <a:srgbClr val="008000"/>
+                </a:solidFill>
+                <a:latin typeface="Consolas" panose="020B0609020204030204" pitchFamily="49" charset="0"/>
+              </a:rPr>
+              <a:t>SomeEvent</a:t>
+            </a:r>
+            <a:r>
+              <a:rPr lang="en-US" sz="1600" dirty="0" smtClean="0">
+                <a:solidFill>
+                  <a:srgbClr val="008000"/>
+                </a:solidFill>
+                <a:latin typeface="Consolas" panose="020B0609020204030204" pitchFamily="49" charset="0"/>
+              </a:rPr>
+              <a:t>  </a:t>
+            </a:r>
+          </a:p>
+          <a:p>
+            <a:pPr marL="0" indent="0">
+              <a:buNone/>
+            </a:pPr>
+            <a:r>
+              <a:rPr lang="en-US" sz="1600" dirty="0">
+                <a:solidFill>
+                  <a:srgbClr val="008000"/>
+                </a:solidFill>
+                <a:latin typeface="Consolas" panose="020B0609020204030204" pitchFamily="49" charset="0"/>
+              </a:rPr>
+              <a:t> </a:t>
+            </a:r>
+            <a:r>
+              <a:rPr lang="en-US" sz="1600" dirty="0" smtClean="0">
+                <a:solidFill>
+                  <a:srgbClr val="008000"/>
+                </a:solidFill>
+                <a:latin typeface="Consolas" panose="020B0609020204030204" pitchFamily="49" charset="0"/>
+              </a:rPr>
+              <a:t> //...</a:t>
+            </a:r>
+            <a:endParaRPr lang="en-US" sz="1600" dirty="0">
+              <a:solidFill>
+                <a:srgbClr val="000000"/>
+              </a:solidFill>
+              <a:latin typeface="Consolas" panose="020B0609020204030204" pitchFamily="49" charset="0"/>
+            </a:endParaRPr>
+          </a:p>
+          <a:p>
+            <a:pPr marL="0" indent="0">
+              <a:buNone/>
+            </a:pPr>
+            <a:r>
+              <a:rPr lang="en-US" sz="1600" dirty="0">
+                <a:solidFill>
+                  <a:srgbClr val="000000"/>
+                </a:solidFill>
+                <a:latin typeface="Consolas" panose="020B0609020204030204" pitchFamily="49" charset="0"/>
+              </a:rPr>
+              <a:t>}</a:t>
+            </a:r>
+            <a:endParaRPr lang="en-US" sz="1600" dirty="0"/>
+          </a:p>
+        </p:txBody>
+      </p:sp>
+      <p:sp>
+        <p:nvSpPr>
+          <p:cNvPr id="6" name="Content Placeholder 2"/>
+          <p:cNvSpPr txBox="1">
+            <a:spLocks/>
+          </p:cNvSpPr>
+          <p:nvPr/>
+        </p:nvSpPr>
+        <p:spPr>
+          <a:xfrm>
+            <a:off x="476052" y="4869160"/>
+            <a:ext cx="8210748" cy="964704"/>
+          </a:xfrm>
+          <a:prstGeom prst="rect">
+            <a:avLst/>
+          </a:prstGeom>
+          <a:solidFill>
+            <a:schemeClr val="bg1"/>
+          </a:solidFill>
+        </p:spPr>
+        <p:txBody>
+          <a:bodyPr vert="horz" lIns="91440" tIns="45720" rIns="91440" bIns="45720" rtlCol="0">
+            <a:normAutofit/>
+          </a:bodyPr>
+          <a:lstStyle>
+            <a:lvl1pPr marL="342900" indent="-342900" algn="l" defTabSz="914400" rtl="0" eaLnBrk="1" latinLnBrk="0" hangingPunct="1">
+              <a:spcBef>
+                <a:spcPct val="20000"/>
+              </a:spcBef>
+              <a:buFont typeface="Arial" pitchFamily="34" charset="0"/>
+              <a:buChar char="•"/>
+              <a:defRPr sz="2800" kern="1200">
+                <a:solidFill>
+                  <a:schemeClr val="tx1"/>
+                </a:solidFill>
+                <a:latin typeface="+mn-lt"/>
+                <a:ea typeface="+mn-ea"/>
+                <a:cs typeface="+mn-cs"/>
+              </a:defRPr>
+            </a:lvl1pPr>
+            <a:lvl2pPr marL="742950" indent="-285750" algn="l" defTabSz="914400" rtl="0" eaLnBrk="1" latinLnBrk="0" hangingPunct="1">
+              <a:spcBef>
+                <a:spcPct val="20000"/>
+              </a:spcBef>
+              <a:buFont typeface="Arial" pitchFamily="34" charset="0"/>
+              <a:buChar char="–"/>
+              <a:defRPr sz="2400" kern="1200">
+                <a:solidFill>
+                  <a:schemeClr val="tx1"/>
+                </a:solidFill>
+                <a:latin typeface="+mn-lt"/>
+                <a:ea typeface="+mn-ea"/>
+                <a:cs typeface="+mn-cs"/>
+              </a:defRPr>
+            </a:lvl2pPr>
+            <a:lvl3pPr marL="1143000" indent="-228600" algn="l" defTabSz="914400" rtl="0" eaLnBrk="1" latinLnBrk="0" hangingPunct="1">
+              <a:spcBef>
+                <a:spcPct val="20000"/>
+              </a:spcBef>
+              <a:buFont typeface="Arial" pitchFamily="34" charset="0"/>
+              <a:buChar char="•"/>
+              <a:defRPr sz="2000" kern="1200">
+                <a:solidFill>
+                  <a:schemeClr val="tx1"/>
+                </a:solidFill>
+                <a:latin typeface="+mn-lt"/>
+                <a:ea typeface="+mn-ea"/>
+                <a:cs typeface="+mn-cs"/>
+              </a:defRPr>
+            </a:lvl3pPr>
+            <a:lvl4pPr marL="1600200" indent="-228600" algn="l" defTabSz="914400" rtl="0" eaLnBrk="1" latinLnBrk="0" hangingPunct="1">
+              <a:spcBef>
+                <a:spcPct val="20000"/>
+              </a:spcBef>
+              <a:buFont typeface="Arial" pitchFamily="34" charset="0"/>
+              <a:buChar char="–"/>
+              <a:defRPr sz="1800" kern="1200">
+                <a:solidFill>
+                  <a:schemeClr val="tx1"/>
+                </a:solidFill>
+                <a:latin typeface="+mn-lt"/>
+                <a:ea typeface="+mn-ea"/>
+                <a:cs typeface="+mn-cs"/>
+              </a:defRPr>
+            </a:lvl4pPr>
+            <a:lvl5pPr marL="2057400" indent="-228600" algn="l" defTabSz="914400" rtl="0" eaLnBrk="1" latinLnBrk="0" hangingPunct="1">
+              <a:spcBef>
+                <a:spcPct val="20000"/>
+              </a:spcBef>
+              <a:buFont typeface="Arial" pitchFamily="34" charset="0"/>
+              <a:buChar char="»"/>
+              <a:defRPr sz="1800" kern="1200">
+                <a:solidFill>
+                  <a:schemeClr val="tx1"/>
+                </a:solidFill>
+                <a:latin typeface="+mn-lt"/>
+                <a:ea typeface="+mn-ea"/>
+                <a:cs typeface="+mn-cs"/>
+              </a:defRPr>
+            </a:lvl5pPr>
+            <a:lvl6pPr marL="2514600" indent="-228600" algn="l" defTabSz="914400" rtl="0" eaLnBrk="1" latinLnBrk="0" hangingPunct="1">
+              <a:spcBef>
+                <a:spcPct val="20000"/>
+              </a:spcBef>
+              <a:buFont typeface="Arial" pitchFamily="34" charset="0"/>
+              <a:buChar char="•"/>
+              <a:defRPr sz="1800" kern="1200">
+                <a:solidFill>
+                  <a:schemeClr val="tx1"/>
+                </a:solidFill>
+                <a:latin typeface="+mn-lt"/>
+                <a:ea typeface="+mn-ea"/>
+                <a:cs typeface="+mn-cs"/>
+              </a:defRPr>
+            </a:lvl6pPr>
+            <a:lvl7pPr marL="2971800" indent="-228600" algn="l" defTabSz="914400" rtl="0" eaLnBrk="1" latinLnBrk="0" hangingPunct="1">
+              <a:spcBef>
+                <a:spcPct val="20000"/>
+              </a:spcBef>
+              <a:buFont typeface="Arial" pitchFamily="34" charset="0"/>
+              <a:buChar char="•"/>
+              <a:defRPr sz="1800" kern="1200">
+                <a:solidFill>
+                  <a:schemeClr val="tx1"/>
+                </a:solidFill>
+                <a:latin typeface="+mn-lt"/>
+                <a:ea typeface="+mn-ea"/>
+                <a:cs typeface="+mn-cs"/>
+              </a:defRPr>
+            </a:lvl7pPr>
+            <a:lvl8pPr marL="3429000" indent="-228600" algn="l" defTabSz="914400" rtl="0" eaLnBrk="1" latinLnBrk="0" hangingPunct="1">
+              <a:spcBef>
+                <a:spcPct val="20000"/>
+              </a:spcBef>
+              <a:buFont typeface="Arial" pitchFamily="34" charset="0"/>
+              <a:buChar char="•"/>
+              <a:defRPr sz="1800" kern="1200">
+                <a:solidFill>
+                  <a:schemeClr val="tx1"/>
+                </a:solidFill>
+                <a:latin typeface="+mn-lt"/>
+                <a:ea typeface="+mn-ea"/>
+                <a:cs typeface="+mn-cs"/>
+              </a:defRPr>
+            </a:lvl8pPr>
+            <a:lvl9pPr marL="3886200" indent="-228600" algn="l" defTabSz="914400" rtl="0" eaLnBrk="1" latinLnBrk="0" hangingPunct="1">
+              <a:spcBef>
+                <a:spcPct val="20000"/>
+              </a:spcBef>
+              <a:buFont typeface="Arial" pitchFamily="34" charset="0"/>
+              <a:buChar char="•"/>
+              <a:defRPr sz="1800" kern="1200">
+                <a:solidFill>
+                  <a:schemeClr val="tx1"/>
+                </a:solidFill>
+                <a:latin typeface="+mn-lt"/>
+                <a:ea typeface="+mn-ea"/>
+                <a:cs typeface="+mn-cs"/>
+              </a:defRPr>
+            </a:lvl9pPr>
+          </a:lstStyle>
+          <a:p>
+            <a:pPr marL="0" indent="0">
+              <a:buNone/>
+            </a:pPr>
+            <a:r>
+              <a:rPr lang="en-US" sz="1600" dirty="0" err="1">
+                <a:solidFill>
+                  <a:srgbClr val="2B91AF"/>
+                </a:solidFill>
+                <a:latin typeface="Consolas" panose="020B0609020204030204" pitchFamily="49" charset="0"/>
+              </a:rPr>
+              <a:t>SomeClass</a:t>
+            </a:r>
+            <a:r>
+              <a:rPr lang="en-US" sz="1600" dirty="0">
+                <a:solidFill>
+                  <a:srgbClr val="000000"/>
+                </a:solidFill>
+                <a:latin typeface="Consolas" panose="020B0609020204030204" pitchFamily="49" charset="0"/>
+              </a:rPr>
+              <a:t> example = </a:t>
+            </a:r>
+            <a:r>
+              <a:rPr lang="en-US" sz="1600" dirty="0">
+                <a:solidFill>
+                  <a:srgbClr val="0000FF"/>
+                </a:solidFill>
+                <a:latin typeface="Consolas" panose="020B0609020204030204" pitchFamily="49" charset="0"/>
+              </a:rPr>
+              <a:t>new</a:t>
+            </a:r>
+            <a:r>
+              <a:rPr lang="en-US" sz="1600" dirty="0">
+                <a:solidFill>
+                  <a:srgbClr val="000000"/>
+                </a:solidFill>
+                <a:latin typeface="Consolas" panose="020B0609020204030204" pitchFamily="49" charset="0"/>
+              </a:rPr>
+              <a:t> </a:t>
+            </a:r>
+            <a:r>
+              <a:rPr lang="en-US" sz="1600" dirty="0" err="1">
+                <a:solidFill>
+                  <a:srgbClr val="2B91AF"/>
+                </a:solidFill>
+                <a:latin typeface="Consolas" panose="020B0609020204030204" pitchFamily="49" charset="0"/>
+              </a:rPr>
+              <a:t>SomeClass</a:t>
+            </a:r>
+            <a:r>
+              <a:rPr lang="en-US" sz="1600" dirty="0">
+                <a:solidFill>
+                  <a:srgbClr val="000000"/>
+                </a:solidFill>
+                <a:latin typeface="Consolas" panose="020B0609020204030204" pitchFamily="49" charset="0"/>
+              </a:rPr>
+              <a:t>();</a:t>
+            </a:r>
+          </a:p>
+          <a:p>
+            <a:pPr marL="0" indent="0">
+              <a:buNone/>
+            </a:pPr>
+            <a:r>
+              <a:rPr lang="en-US" sz="1600" dirty="0" err="1">
+                <a:solidFill>
+                  <a:srgbClr val="000000"/>
+                </a:solidFill>
+                <a:latin typeface="Consolas" panose="020B0609020204030204" pitchFamily="49" charset="0"/>
+              </a:rPr>
+              <a:t>example.SomeEvent</a:t>
+            </a:r>
+            <a:r>
+              <a:rPr lang="en-US" sz="1600" dirty="0">
+                <a:solidFill>
+                  <a:srgbClr val="000000"/>
+                </a:solidFill>
+                <a:latin typeface="Consolas" panose="020B0609020204030204" pitchFamily="49" charset="0"/>
+              </a:rPr>
+              <a:t> += Foo</a:t>
+            </a:r>
+            <a:r>
+              <a:rPr lang="en-US" sz="1600" dirty="0" smtClean="0">
+                <a:solidFill>
+                  <a:srgbClr val="000000"/>
+                </a:solidFill>
+                <a:latin typeface="Consolas" panose="020B0609020204030204" pitchFamily="49" charset="0"/>
+              </a:rPr>
+              <a:t>;</a:t>
+            </a:r>
+          </a:p>
+          <a:p>
+            <a:pPr marL="0" indent="0">
+              <a:buNone/>
+            </a:pPr>
+            <a:r>
+              <a:rPr lang="en-US" sz="1600" dirty="0" err="1">
+                <a:solidFill>
+                  <a:srgbClr val="000000"/>
+                </a:solidFill>
+                <a:latin typeface="Consolas" panose="020B0609020204030204" pitchFamily="49" charset="0"/>
+              </a:rPr>
+              <a:t>example.SomeEvent</a:t>
+            </a:r>
+            <a:r>
+              <a:rPr lang="en-US" sz="1600" dirty="0">
+                <a:solidFill>
+                  <a:srgbClr val="000000"/>
+                </a:solidFill>
+                <a:latin typeface="Consolas" panose="020B0609020204030204" pitchFamily="49" charset="0"/>
+              </a:rPr>
+              <a:t> </a:t>
+            </a:r>
+            <a:r>
+              <a:rPr lang="en-US" sz="1600" dirty="0" smtClean="0">
+                <a:solidFill>
+                  <a:srgbClr val="000000"/>
+                </a:solidFill>
+                <a:latin typeface="Consolas" panose="020B0609020204030204" pitchFamily="49" charset="0"/>
+              </a:rPr>
+              <a:t>-= Bar;</a:t>
+            </a:r>
+            <a:endParaRPr lang="en-US" sz="1600" dirty="0">
+              <a:solidFill>
+                <a:srgbClr val="000000"/>
+              </a:solidFill>
+              <a:latin typeface="Consolas" panose="020B0609020204030204" pitchFamily="49" charset="0"/>
+            </a:endParaRPr>
+          </a:p>
+          <a:p>
+            <a:pPr marL="0" indent="0">
+              <a:buNone/>
+            </a:pPr>
+            <a:endParaRPr lang="en-US" sz="1600" dirty="0" smtClean="0">
+              <a:solidFill>
+                <a:srgbClr val="000000"/>
+              </a:solidFill>
+              <a:latin typeface="Consolas" panose="020B0609020204030204" pitchFamily="49" charset="0"/>
+            </a:endParaRPr>
+          </a:p>
+        </p:txBody>
+      </p:sp>
+      <p:sp>
+        <p:nvSpPr>
+          <p:cNvPr id="7" name="Down Arrow 6"/>
+          <p:cNvSpPr/>
+          <p:nvPr/>
+        </p:nvSpPr>
+        <p:spPr>
+          <a:xfrm>
+            <a:off x="1907704" y="3645024"/>
+            <a:ext cx="720080" cy="1267544"/>
+          </a:xfrm>
+          <a:prstGeom prst="downArrow">
+            <a:avLst/>
+          </a:prstGeom>
+          <a:solidFill>
+            <a:srgbClr val="92D050"/>
+          </a:solidFill>
+        </p:spPr>
+        <p:style>
+          <a:lnRef idx="2">
+            <a:schemeClr val="accent1">
+              <a:shade val="50000"/>
+            </a:schemeClr>
+          </a:lnRef>
+          <a:fillRef idx="1">
+            <a:schemeClr val="accent1"/>
+          </a:fillRef>
+          <a:effectRef idx="0">
+            <a:schemeClr val="accent1"/>
+          </a:effectRef>
+          <a:fontRef idx="minor">
+            <a:schemeClr val="lt1"/>
+          </a:fontRef>
+        </p:style>
+        <p:txBody>
+          <a:bodyPr rtlCol="0" anchor="ctr"/>
+          <a:lstStyle/>
+          <a:p>
+            <a:pPr algn="ctr"/>
+            <a:endParaRPr lang="en-US"/>
+          </a:p>
+        </p:txBody>
+      </p:sp>
+      <p:sp>
+        <p:nvSpPr>
+          <p:cNvPr id="8" name="Down Arrow 7"/>
+          <p:cNvSpPr/>
+          <p:nvPr/>
+        </p:nvSpPr>
+        <p:spPr>
+          <a:xfrm>
+            <a:off x="6228184" y="3645024"/>
+            <a:ext cx="720080" cy="1267544"/>
+          </a:xfrm>
+          <a:prstGeom prst="downArrow">
+            <a:avLst/>
+          </a:prstGeom>
+          <a:solidFill>
+            <a:srgbClr val="92D050"/>
+          </a:solidFill>
+        </p:spPr>
+        <p:style>
+          <a:lnRef idx="2">
+            <a:schemeClr val="accent1">
+              <a:shade val="50000"/>
+            </a:schemeClr>
+          </a:lnRef>
+          <a:fillRef idx="1">
+            <a:schemeClr val="accent1"/>
+          </a:fillRef>
+          <a:effectRef idx="0">
+            <a:schemeClr val="accent1"/>
+          </a:effectRef>
+          <a:fontRef idx="minor">
+            <a:schemeClr val="lt1"/>
+          </a:fontRef>
+        </p:style>
+        <p:txBody>
+          <a:bodyPr rtlCol="0" anchor="ctr"/>
+          <a:lstStyle/>
+          <a:p>
+            <a:pPr algn="ctr"/>
+            <a:endParaRPr lang="en-US"/>
+          </a:p>
+        </p:txBody>
+      </p:sp>
+      <p:sp>
+        <p:nvSpPr>
+          <p:cNvPr id="9" name="TextBox 8"/>
+          <p:cNvSpPr txBox="1"/>
+          <p:nvPr/>
+        </p:nvSpPr>
+        <p:spPr>
+          <a:xfrm>
+            <a:off x="476052" y="6021288"/>
+            <a:ext cx="8210748" cy="646331"/>
+          </a:xfrm>
+          <a:prstGeom prst="rect">
+            <a:avLst/>
+          </a:prstGeom>
+          <a:noFill/>
+        </p:spPr>
+        <p:txBody>
+          <a:bodyPr wrap="square" rtlCol="0">
+            <a:spAutoFit/>
+          </a:bodyPr>
+          <a:lstStyle/>
+          <a:p>
+            <a:r>
+              <a:rPr lang="ru-RU" dirty="0" smtClean="0"/>
+              <a:t>Если оба класса ведут себя одинаково, то в чем разница? В том кто владеет списком обработчиков (</a:t>
+            </a:r>
+            <a:r>
+              <a:rPr lang="en-US" dirty="0" smtClean="0"/>
+              <a:t>invocation list</a:t>
+            </a:r>
+            <a:r>
+              <a:rPr lang="ru-RU" dirty="0" smtClean="0"/>
+              <a:t>).</a:t>
+            </a:r>
             <a:endParaRPr lang="en-US" dirty="0"/>
           </a:p>
         </p:txBody>
@@ -10273,12 +11484,193 @@
   <p:clrMapOvr>
     <a:masterClrMapping/>
   </p:clrMapOvr>
+  <mc:AlternateContent xmlns:mc="http://schemas.openxmlformats.org/markup-compatibility/2006">
+    <mc:Choice xmlns:p14="http://schemas.microsoft.com/office/powerpoint/2010/main" Requires="p14">
+      <p:transition p14:dur="10"/>
+    </mc:Choice>
+    <mc:Fallback>
+      <p:transition/>
+    </mc:Fallback>
+  </mc:AlternateContent>
   <p:timing>
     <p:tnLst>
       <p:par>
-        <p:cTn id="1" dur="indefinite" restart="never" nodeType="tmRoot"/>
+        <p:cTn id="1" dur="indefinite" restart="never" nodeType="tmRoot">
+          <p:childTnLst>
+            <p:seq concurrent="1" nextAc="seek">
+              <p:cTn id="2" dur="indefinite" nodeType="mainSeq">
+                <p:childTnLst>
+                  <p:par>
+                    <p:cTn id="3" fill="hold">
+                      <p:stCondLst>
+                        <p:cond delay="indefinite"/>
+                      </p:stCondLst>
+                      <p:childTnLst>
+                        <p:par>
+                          <p:cTn id="4" fill="hold">
+                            <p:stCondLst>
+                              <p:cond delay="0"/>
+                            </p:stCondLst>
+                            <p:childTnLst>
+                              <p:par>
+                                <p:cTn id="5" presetID="19" presetClass="emph" presetSubtype="0" fill="hold" grpId="0" nodeType="clickEffect">
+                                  <p:stCondLst>
+                                    <p:cond delay="0"/>
+                                  </p:stCondLst>
+                                  <p:childTnLst>
+                                    <p:animClr clrSpc="rgb" dir="cw">
+                                      <p:cBhvr override="childStyle">
+                                        <p:cTn id="6" dur="500" fill="hold"/>
+                                        <p:tgtEl>
+                                          <p:spTgt spid="8"/>
+                                        </p:tgtEl>
+                                        <p:attrNameLst>
+                                          <p:attrName>style.color</p:attrName>
+                                        </p:attrNameLst>
+                                      </p:cBhvr>
+                                      <p:to>
+                                        <a:srgbClr val="FF0000"/>
+                                      </p:to>
+                                    </p:animClr>
+                                    <p:animClr clrSpc="rgb" dir="cw">
+                                      <p:cBhvr>
+                                        <p:cTn id="7" dur="500" fill="hold"/>
+                                        <p:tgtEl>
+                                          <p:spTgt spid="8"/>
+                                        </p:tgtEl>
+                                        <p:attrNameLst>
+                                          <p:attrName>fillcolor</p:attrName>
+                                        </p:attrNameLst>
+                                      </p:cBhvr>
+                                      <p:to>
+                                        <a:srgbClr val="FF0000"/>
+                                      </p:to>
+                                    </p:animClr>
+                                    <p:set>
+                                      <p:cBhvr>
+                                        <p:cTn id="8" dur="500" fill="hold"/>
+                                        <p:tgtEl>
+                                          <p:spTgt spid="8"/>
+                                        </p:tgtEl>
+                                        <p:attrNameLst>
+                                          <p:attrName>fill.type</p:attrName>
+                                        </p:attrNameLst>
+                                      </p:cBhvr>
+                                      <p:to>
+                                        <p:strVal val="solid"/>
+                                      </p:to>
+                                    </p:set>
+                                    <p:set>
+                                      <p:cBhvr>
+                                        <p:cTn id="9" dur="500" fill="hold"/>
+                                        <p:tgtEl>
+                                          <p:spTgt spid="8"/>
+                                        </p:tgtEl>
+                                        <p:attrNameLst>
+                                          <p:attrName>fill.on</p:attrName>
+                                        </p:attrNameLst>
+                                      </p:cBhvr>
+                                      <p:to>
+                                        <p:strVal val="true"/>
+                                      </p:to>
+                                    </p:set>
+                                  </p:childTnLst>
+                                </p:cTn>
+                              </p:par>
+                              <p:par>
+                                <p:cTn id="10" presetID="10" presetClass="exit" presetSubtype="0" fill="hold" grpId="0" nodeType="withEffect">
+                                  <p:stCondLst>
+                                    <p:cond delay="0"/>
+                                  </p:stCondLst>
+                                  <p:childTnLst>
+                                    <p:animEffect transition="out" filter="fade">
+                                      <p:cBhvr>
+                                        <p:cTn id="11" dur="500"/>
+                                        <p:tgtEl>
+                                          <p:spTgt spid="6"/>
+                                        </p:tgtEl>
+                                      </p:cBhvr>
+                                    </p:animEffect>
+                                    <p:set>
+                                      <p:cBhvr>
+                                        <p:cTn id="12" dur="1" fill="hold">
+                                          <p:stCondLst>
+                                            <p:cond delay="499"/>
+                                          </p:stCondLst>
+                                        </p:cTn>
+                                        <p:tgtEl>
+                                          <p:spTgt spid="6"/>
+                                        </p:tgtEl>
+                                        <p:attrNameLst>
+                                          <p:attrName>style.visibility</p:attrName>
+                                        </p:attrNameLst>
+                                      </p:cBhvr>
+                                      <p:to>
+                                        <p:strVal val="hidden"/>
+                                      </p:to>
+                                    </p:set>
+                                  </p:childTnLst>
+                                </p:cTn>
+                              </p:par>
+                              <p:par>
+                                <p:cTn id="13" presetID="1" presetClass="entr" presetSubtype="0" fill="hold" grpId="0" nodeType="withEffect">
+                                  <p:stCondLst>
+                                    <p:cond delay="0"/>
+                                  </p:stCondLst>
+                                  <p:childTnLst>
+                                    <p:set>
+                                      <p:cBhvr>
+                                        <p:cTn id="14" dur="1" fill="hold">
+                                          <p:stCondLst>
+                                            <p:cond delay="0"/>
+                                          </p:stCondLst>
+                                        </p:cTn>
+                                        <p:tgtEl>
+                                          <p:spTgt spid="10"/>
+                                        </p:tgtEl>
+                                        <p:attrNameLst>
+                                          <p:attrName>style.visibility</p:attrName>
+                                        </p:attrNameLst>
+                                      </p:cBhvr>
+                                      <p:to>
+                                        <p:strVal val="visible"/>
+                                      </p:to>
+                                    </p:set>
+                                  </p:childTnLst>
+                                </p:cTn>
+                              </p:par>
+                            </p:childTnLst>
+                          </p:cTn>
+                        </p:par>
+                      </p:childTnLst>
+                    </p:cTn>
+                  </p:par>
+                </p:childTnLst>
+              </p:cTn>
+              <p:prevCondLst>
+                <p:cond evt="onPrev" delay="0">
+                  <p:tgtEl>
+                    <p:sldTgt/>
+                  </p:tgtEl>
+                </p:cond>
+              </p:prevCondLst>
+              <p:nextCondLst>
+                <p:cond evt="onNext" delay="0">
+                  <p:tgtEl>
+                    <p:sldTgt/>
+                  </p:tgtEl>
+                </p:cond>
+              </p:nextCondLst>
+            </p:seq>
+          </p:childTnLst>
+        </p:cTn>
       </p:par>
     </p:tnLst>
+    <p:bldLst>
+      <p:bldP spid="10" grpId="0" animBg="1"/>
+      <p:bldP spid="6" grpId="0" animBg="1"/>
+      <p:bldP spid="8" grpId="0" animBg="1"/>
+    </p:bldLst>
   </p:timing>
 </p:sld>
 </file>
@@ -10288,9 +11680,15 @@
   <p:cSld>
     <p:bg>
       <p:bgPr>
-        <a:solidFill>
-          <a:srgbClr val="6600CC"/>
-        </a:solidFill>
+        <a:blipFill dpi="0" rotWithShape="1">
+          <a:blip r:embed="rId2">
+            <a:lum/>
+          </a:blip>
+          <a:srcRect/>
+          <a:stretch>
+            <a:fillRect/>
+          </a:stretch>
+        </a:blipFill>
         <a:effectLst/>
       </p:bgPr>
     </p:bg>
@@ -10310,62 +11708,46 @@
       </p:grpSpPr>
       <p:sp>
         <p:nvSpPr>
-          <p:cNvPr id="12290" name="Прямоугольник 2"/>
+          <p:cNvPr id="2" name="Title 1"/>
           <p:cNvSpPr>
-            <a:spLocks noChangeArrowheads="1"/>
+            <a:spLocks noGrp="1"/>
           </p:cNvSpPr>
-          <p:nvPr/>
+          <p:nvPr>
+            <p:ph type="title"/>
+          </p:nvPr>
         </p:nvSpPr>
-        <p:spPr bwMode="auto">
-          <a:xfrm>
-            <a:off x="2133600" y="0"/>
-            <a:ext cx="5105400" cy="461963"/>
-          </a:xfrm>
-          <a:prstGeom prst="rect">
-            <a:avLst/>
-          </a:prstGeom>
-          <a:noFill/>
-          <a:ln>
-            <a:noFill/>
-          </a:ln>
-          <a:extLst>
-            <a:ext uri="{909E8E84-426E-40DD-AFC4-6F175D3DCCD1}">
-              <a14:hiddenFill xmlns:a14="http://schemas.microsoft.com/office/drawing/2010/main">
-                <a:solidFill>
-                  <a:srgbClr val="FFFFFF"/>
-                </a:solidFill>
-              </a14:hiddenFill>
-            </a:ext>
-            <a:ext uri="{91240B29-F687-4F45-9708-019B960494DF}">
-              <a14:hiddenLine xmlns:a14="http://schemas.microsoft.com/office/drawing/2010/main" w="9525">
-                <a:solidFill>
-                  <a:srgbClr val="000000"/>
-                </a:solidFill>
-                <a:miter lim="800000"/>
-                <a:headEnd/>
-                <a:tailEnd/>
-              </a14:hiddenLine>
-            </a:ext>
-          </a:extLst>
-        </p:spPr>
+        <p:spPr/>
         <p:txBody>
-          <a:bodyPr>
-            <a:spAutoFit/>
-          </a:bodyPr>
+          <a:bodyPr/>
           <a:lstStyle/>
           <a:p>
-            <a:pPr algn="ctr"/>
-            <a:r>
-              <a:rPr lang="ru-RU" sz="2400" b="1" dirty="0" smtClean="0">
-                <a:solidFill>
-                  <a:srgbClr val="FFFFFF"/>
-                </a:solidFill>
-              </a:rPr>
-              <a:t>Самостоятельное задание</a:t>
-            </a:r>
-            <a:endParaRPr lang="ru-RU" sz="2400" b="1" dirty="0">
-              <a:solidFill>
-                <a:srgbClr val="FFFFFF"/>
+            <a:r>
+              <a:rPr lang="ru-RU" dirty="0" smtClean="0">
+                <a:solidFill>
+                  <a:schemeClr val="bg1"/>
+                </a:solidFill>
+              </a:rPr>
+              <a:t>События- </a:t>
+            </a:r>
+            <a:r>
+              <a:rPr lang="en-US" dirty="0">
+                <a:solidFill>
+                  <a:schemeClr val="bg1"/>
+                </a:solidFill>
+              </a:rPr>
+              <a:t>class vs </a:t>
+            </a:r>
+            <a:r>
+              <a:rPr lang="en-US" dirty="0" err="1">
+                <a:solidFill>
+                  <a:schemeClr val="bg1"/>
+                </a:solidFill>
+              </a:rPr>
+              <a:t>struct</a:t>
+            </a:r>
+            <a:endParaRPr lang="en-US" dirty="0">
+              <a:solidFill>
+                <a:schemeClr val="bg1"/>
               </a:solidFill>
             </a:endParaRPr>
           </a:p>
@@ -10373,203 +11755,69 @@
       </p:sp>
       <p:sp>
         <p:nvSpPr>
-          <p:cNvPr id="8" name="TextBox 6"/>
-          <p:cNvSpPr txBox="1">
-            <a:spLocks noChangeArrowheads="1"/>
+          <p:cNvPr id="3" name="Content Placeholder 2"/>
+          <p:cNvSpPr>
+            <a:spLocks noGrp="1"/>
           </p:cNvSpPr>
-          <p:nvPr/>
+          <p:nvPr>
+            <p:ph idx="1"/>
+          </p:nvPr>
         </p:nvSpPr>
-        <p:spPr bwMode="auto">
-          <a:xfrm>
-            <a:off x="152400" y="620688"/>
-            <a:ext cx="8839200" cy="923330"/>
-          </a:xfrm>
-          <a:prstGeom prst="rect">
-            <a:avLst/>
-          </a:prstGeom>
-          <a:noFill/>
-          <a:ln>
-            <a:noFill/>
-          </a:ln>
-          <a:extLst>
-            <a:ext uri="{909E8E84-426E-40DD-AFC4-6F175D3DCCD1}">
-              <a14:hiddenFill xmlns:a14="http://schemas.microsoft.com/office/drawing/2010/main">
-                <a:solidFill>
-                  <a:srgbClr val="FFFFFF"/>
-                </a:solidFill>
-              </a14:hiddenFill>
-            </a:ext>
-            <a:ext uri="{91240B29-F687-4F45-9708-019B960494DF}">
-              <a14:hiddenLine xmlns:a14="http://schemas.microsoft.com/office/drawing/2010/main" w="9525">
-                <a:solidFill>
-                  <a:srgbClr val="000000"/>
-                </a:solidFill>
-                <a:miter lim="800000"/>
-                <a:headEnd/>
-                <a:tailEnd/>
-              </a14:hiddenLine>
-            </a:ext>
-          </a:extLst>
-        </p:spPr>
+        <p:spPr/>
         <p:txBody>
-          <a:bodyPr>
-            <a:spAutoFit/>
-          </a:bodyPr>
-          <a:lstStyle>
-            <a:lvl1pPr defTabSz="358775" eaLnBrk="0" hangingPunct="0">
-              <a:defRPr>
-                <a:solidFill>
-                  <a:schemeClr val="tx1"/>
-                </a:solidFill>
-                <a:latin typeface="Arial" charset="0"/>
-              </a:defRPr>
-            </a:lvl1pPr>
-            <a:lvl2pPr marL="742950" indent="-285750" defTabSz="358775" eaLnBrk="0" hangingPunct="0">
-              <a:defRPr>
-                <a:solidFill>
-                  <a:schemeClr val="tx1"/>
-                </a:solidFill>
-                <a:latin typeface="Arial" charset="0"/>
-              </a:defRPr>
-            </a:lvl2pPr>
-            <a:lvl3pPr marL="1143000" indent="-228600" defTabSz="358775" eaLnBrk="0" hangingPunct="0">
-              <a:defRPr>
-                <a:solidFill>
-                  <a:schemeClr val="tx1"/>
-                </a:solidFill>
-                <a:latin typeface="Arial" charset="0"/>
-              </a:defRPr>
-            </a:lvl3pPr>
-            <a:lvl4pPr marL="1600200" indent="-228600" defTabSz="358775" eaLnBrk="0" hangingPunct="0">
-              <a:defRPr>
-                <a:solidFill>
-                  <a:schemeClr val="tx1"/>
-                </a:solidFill>
-                <a:latin typeface="Arial" charset="0"/>
-              </a:defRPr>
-            </a:lvl4pPr>
-            <a:lvl5pPr marL="2057400" indent="-228600" defTabSz="358775" eaLnBrk="0" hangingPunct="0">
-              <a:defRPr>
-                <a:solidFill>
-                  <a:schemeClr val="tx1"/>
-                </a:solidFill>
-                <a:latin typeface="Arial" charset="0"/>
-              </a:defRPr>
-            </a:lvl5pPr>
-            <a:lvl6pPr marL="2514600" indent="-228600" defTabSz="358775" eaLnBrk="0" fontAlgn="base" hangingPunct="0">
-              <a:spcBef>
-                <a:spcPct val="0"/>
-              </a:spcBef>
-              <a:spcAft>
-                <a:spcPct val="0"/>
-              </a:spcAft>
-              <a:defRPr>
-                <a:solidFill>
-                  <a:schemeClr val="tx1"/>
-                </a:solidFill>
-                <a:latin typeface="Arial" charset="0"/>
-              </a:defRPr>
-            </a:lvl6pPr>
-            <a:lvl7pPr marL="2971800" indent="-228600" defTabSz="358775" eaLnBrk="0" fontAlgn="base" hangingPunct="0">
-              <a:spcBef>
-                <a:spcPct val="0"/>
-              </a:spcBef>
-              <a:spcAft>
-                <a:spcPct val="0"/>
-              </a:spcAft>
-              <a:defRPr>
-                <a:solidFill>
-                  <a:schemeClr val="tx1"/>
-                </a:solidFill>
-                <a:latin typeface="Arial" charset="0"/>
-              </a:defRPr>
-            </a:lvl7pPr>
-            <a:lvl8pPr marL="3429000" indent="-228600" defTabSz="358775" eaLnBrk="0" fontAlgn="base" hangingPunct="0">
-              <a:spcBef>
-                <a:spcPct val="0"/>
-              </a:spcBef>
-              <a:spcAft>
-                <a:spcPct val="0"/>
-              </a:spcAft>
-              <a:defRPr>
-                <a:solidFill>
-                  <a:schemeClr val="tx1"/>
-                </a:solidFill>
-                <a:latin typeface="Arial" charset="0"/>
-              </a:defRPr>
-            </a:lvl8pPr>
-            <a:lvl9pPr marL="3886200" indent="-228600" defTabSz="358775" eaLnBrk="0" fontAlgn="base" hangingPunct="0">
-              <a:spcBef>
-                <a:spcPct val="0"/>
-              </a:spcBef>
-              <a:spcAft>
-                <a:spcPct val="0"/>
-              </a:spcAft>
-              <a:defRPr>
-                <a:solidFill>
-                  <a:schemeClr val="tx1"/>
-                </a:solidFill>
-                <a:latin typeface="Arial" charset="0"/>
-              </a:defRPr>
-            </a:lvl9pPr>
-          </a:lstStyle>
-          <a:p>
-            <a:pPr eaLnBrk="1" hangingPunct="1"/>
+          <a:bodyPr/>
+          <a:lstStyle/>
+          <a:p>
+            <a:pPr marL="0" indent="0">
+              <a:buNone/>
+            </a:pPr>
             <a:r>
               <a:rPr lang="ru-RU" dirty="0" smtClean="0">
                 <a:solidFill>
-                  <a:srgbClr val="FFFFFF"/>
-                </a:solidFill>
-                <a:cs typeface="Arial" charset="0"/>
-              </a:rPr>
-              <a:t>Добавление событий к классу</a:t>
-            </a:r>
-            <a:r>
-              <a:rPr lang="en-US" dirty="0" smtClean="0">
-                <a:solidFill>
-                  <a:srgbClr val="FFFFFF"/>
-                </a:solidFill>
-                <a:cs typeface="Arial" charset="0"/>
-              </a:rPr>
-              <a:t>Vehicle.</a:t>
-            </a:r>
-          </a:p>
-          <a:p>
-            <a:pPr eaLnBrk="1" hangingPunct="1"/>
+                  <a:schemeClr val="bg1"/>
+                </a:solidFill>
+              </a:rPr>
+              <a:t>В структурах можно объявлять события. Проявляйте</a:t>
+            </a:r>
+            <a:r>
+              <a:rPr lang="ru-RU" dirty="0">
+                <a:solidFill>
+                  <a:schemeClr val="bg1"/>
+                </a:solidFill>
+              </a:rPr>
+              <a:t>,</a:t>
+            </a:r>
+            <a:r>
+              <a:rPr lang="ru-RU" dirty="0" smtClean="0">
+                <a:solidFill>
+                  <a:schemeClr val="bg1"/>
+                </a:solidFill>
+              </a:rPr>
+              <a:t> однако, осторожность при их использовании чтобы не подписаться на событие у </a:t>
+            </a:r>
+            <a:r>
+              <a:rPr lang="ru-RU" smtClean="0">
+                <a:solidFill>
+                  <a:schemeClr val="bg1"/>
+                </a:solidFill>
+              </a:rPr>
+              <a:t>копии значения.</a:t>
+            </a:r>
             <a:endParaRPr lang="ru-RU" dirty="0">
               <a:solidFill>
-                <a:srgbClr val="FFFFFF"/>
-              </a:solidFill>
-              <a:cs typeface="Arial" charset="0"/>
-            </a:endParaRPr>
-          </a:p>
-          <a:p>
-            <a:pPr eaLnBrk="1" hangingPunct="1"/>
-            <a:r>
-              <a:rPr lang="ru-RU" i="1" dirty="0" smtClean="0">
-                <a:solidFill>
-                  <a:srgbClr val="FFFFFF"/>
-                </a:solidFill>
-                <a:cs typeface="Arial" charset="0"/>
-              </a:rPr>
-              <a:t>Смотрите текст задания в файле </a:t>
-            </a:r>
-            <a:r>
-              <a:rPr lang="en-US" i="1" dirty="0">
-                <a:solidFill>
-                  <a:srgbClr val="FFFFFF"/>
-                </a:solidFill>
-                <a:cs typeface="Arial" charset="0"/>
-              </a:rPr>
-              <a:t>Homework\vehicle-events.docx</a:t>
-            </a:r>
+                <a:schemeClr val="bg1"/>
+              </a:solidFill>
+            </a:endParaRPr>
+          </a:p>
+          <a:p>
+            <a:endParaRPr lang="en-US" dirty="0"/>
           </a:p>
         </p:txBody>
       </p:sp>
     </p:spTree>
     <p:extLst>
       <p:ext uri="{BB962C8B-B14F-4D97-AF65-F5344CB8AC3E}">
-        <p14:creationId xmlns:p14="http://schemas.microsoft.com/office/powerpoint/2010/main" val="428226623"/>
+        <p14:creationId xmlns:p14="http://schemas.microsoft.com/office/powerpoint/2010/main" val="2062112174"/>
       </p:ext>
     </p:extLst>
   </p:cSld>
@@ -10664,7 +11912,7 @@
                   <a:srgbClr val="FFFFFF"/>
                 </a:solidFill>
               </a:rPr>
-              <a:t>Домашнее задание</a:t>
+              <a:t>Самостоятельное задание</a:t>
             </a:r>
             <a:endParaRPr lang="ru-RU" sz="2400" b="1" dirty="0">
               <a:solidFill>
@@ -10819,99 +12067,60 @@
           <a:p>
             <a:pPr eaLnBrk="1" hangingPunct="1"/>
             <a:r>
+              <a:rPr lang="ru-RU" dirty="0" smtClean="0">
+                <a:solidFill>
+                  <a:srgbClr val="FFFFFF"/>
+                </a:solidFill>
+                <a:cs typeface="Arial" charset="0"/>
+              </a:rPr>
+              <a:t>Добавление событий к классу</a:t>
+            </a:r>
+            <a:r>
+              <a:rPr lang="en-US" dirty="0" smtClean="0">
+                <a:solidFill>
+                  <a:srgbClr val="FFFFFF"/>
+                </a:solidFill>
+                <a:cs typeface="Arial" charset="0"/>
+              </a:rPr>
+              <a:t>Vehicle.</a:t>
+            </a:r>
+          </a:p>
+          <a:p>
+            <a:pPr eaLnBrk="1" hangingPunct="1"/>
+            <a:endParaRPr lang="ru-RU" dirty="0">
+              <a:solidFill>
+                <a:srgbClr val="FFFFFF"/>
+              </a:solidFill>
+              <a:cs typeface="Arial" charset="0"/>
+            </a:endParaRPr>
+          </a:p>
+          <a:p>
+            <a:pPr eaLnBrk="1" hangingPunct="1"/>
+            <a:r>
               <a:rPr lang="ru-RU" i="1" dirty="0" smtClean="0">
                 <a:solidFill>
                   <a:srgbClr val="FFFFFF"/>
                 </a:solidFill>
                 <a:cs typeface="Arial" charset="0"/>
               </a:rPr>
-              <a:t>Создание </a:t>
-            </a:r>
-            <a:r>
-              <a:rPr lang="ru-RU" i="1" dirty="0">
+              <a:t>Смотрите текст задания в файле </a:t>
+            </a:r>
+            <a:r>
+              <a:rPr lang="en-US" i="1" dirty="0">
                 <a:solidFill>
                   <a:srgbClr val="FFFFFF"/>
                 </a:solidFill>
                 <a:cs typeface="Arial" charset="0"/>
               </a:rPr>
-              <a:t>класса </a:t>
-            </a:r>
-            <a:r>
-              <a:rPr lang="en-US" i="1" dirty="0" smtClean="0">
-                <a:solidFill>
-                  <a:srgbClr val="FFFFFF"/>
-                </a:solidFill>
-                <a:cs typeface="Arial" charset="0"/>
-              </a:rPr>
-              <a:t>“</a:t>
-            </a:r>
-            <a:r>
-              <a:rPr lang="ru-RU" i="1" dirty="0" smtClean="0">
-                <a:solidFill>
-                  <a:srgbClr val="FFFFFF"/>
-                </a:solidFill>
-                <a:cs typeface="Arial" charset="0"/>
-              </a:rPr>
-              <a:t>Аккумулятор</a:t>
-            </a:r>
-            <a:r>
-              <a:rPr lang="en-US" i="1" dirty="0" smtClean="0">
-                <a:solidFill>
-                  <a:srgbClr val="FFFFFF"/>
-                </a:solidFill>
-                <a:cs typeface="Arial" charset="0"/>
-              </a:rPr>
-              <a:t>”.</a:t>
-            </a:r>
-            <a:endParaRPr lang="ru-RU" i="1" dirty="0" smtClean="0">
-              <a:solidFill>
-                <a:srgbClr val="FFFFFF"/>
-              </a:solidFill>
-              <a:cs typeface="Arial" charset="0"/>
-            </a:endParaRPr>
-          </a:p>
-          <a:p>
-            <a:pPr eaLnBrk="1" hangingPunct="1"/>
-            <a:endParaRPr lang="ru-RU" i="1" dirty="0">
-              <a:solidFill>
-                <a:srgbClr val="FFFFFF"/>
-              </a:solidFill>
-              <a:cs typeface="Arial" charset="0"/>
-            </a:endParaRPr>
-          </a:p>
-          <a:p>
-            <a:pPr eaLnBrk="1" hangingPunct="1"/>
-            <a:r>
-              <a:rPr lang="ru-RU" i="1" dirty="0" smtClean="0">
-                <a:solidFill>
-                  <a:srgbClr val="FFFFFF"/>
-                </a:solidFill>
-                <a:cs typeface="Arial" charset="0"/>
-              </a:rPr>
-              <a:t>Смотрите текст задания в файле </a:t>
-            </a:r>
-            <a:r>
-              <a:rPr lang="en-US" i="1" smtClean="0">
-                <a:solidFill>
-                  <a:srgbClr val="FFFFFF"/>
-                </a:solidFill>
-                <a:cs typeface="Arial" charset="0"/>
-              </a:rPr>
-              <a:t>Homework\battery.docx</a:t>
-            </a:r>
-            <a:endParaRPr lang="en-US" i="1" dirty="0">
-              <a:solidFill>
-                <a:srgbClr val="FFFFFF"/>
-              </a:solidFill>
-              <a:cs typeface="Arial" charset="0"/>
-            </a:endParaRPr>
+              <a:t>Homework\vehicle-events.docx</a:t>
+            </a:r>
           </a:p>
         </p:txBody>
       </p:sp>
     </p:spTree>
     <p:extLst>
       <p:ext uri="{BB962C8B-B14F-4D97-AF65-F5344CB8AC3E}">
-        <p14:creationId xmlns:p14="http://schemas.microsoft.com/office/powerpoint/2010/main" val="758884923"/>
+        <p14:creationId xmlns:p14="http://schemas.microsoft.com/office/powerpoint/2010/main" val="428226623"/>
       </p:ext>
     </p:extLst>
   </p:cSld>
@@ -11111,6 +12320,348 @@
     <p:extLst>
       <p:ext uri="{BB962C8B-B14F-4D97-AF65-F5344CB8AC3E}">
         <p14:creationId xmlns:p14="http://schemas.microsoft.com/office/powerpoint/2010/main" val="3949559832"/>
+      </p:ext>
+    </p:extLst>
+  </p:cSld>
+  <p:clrMapOvr>
+    <a:masterClrMapping/>
+  </p:clrMapOvr>
+  <p:timing>
+    <p:tnLst>
+      <p:par>
+        <p:cTn id="1" dur="indefinite" restart="never" nodeType="tmRoot"/>
+      </p:par>
+    </p:tnLst>
+  </p:timing>
+</p:sld>
+</file>
+
+<file path=ppt/slides/slide20.xml><?xml version="1.0" encoding="utf-8"?>
+<p:sld xmlns:a="http://schemas.openxmlformats.org/drawingml/2006/main" xmlns:r="http://schemas.openxmlformats.org/officeDocument/2006/relationships" xmlns:p="http://schemas.openxmlformats.org/presentationml/2006/main">
+  <p:cSld>
+    <p:bg>
+      <p:bgPr>
+        <a:solidFill>
+          <a:srgbClr val="6600CC"/>
+        </a:solidFill>
+        <a:effectLst/>
+      </p:bgPr>
+    </p:bg>
+    <p:spTree>
+      <p:nvGrpSpPr>
+        <p:cNvPr id="1" name=""/>
+        <p:cNvGrpSpPr/>
+        <p:nvPr/>
+      </p:nvGrpSpPr>
+      <p:grpSpPr>
+        <a:xfrm>
+          <a:off x="0" y="0"/>
+          <a:ext cx="0" cy="0"/>
+          <a:chOff x="0" y="0"/>
+          <a:chExt cx="0" cy="0"/>
+        </a:xfrm>
+      </p:grpSpPr>
+      <p:sp>
+        <p:nvSpPr>
+          <p:cNvPr id="12290" name="Прямоугольник 2"/>
+          <p:cNvSpPr>
+            <a:spLocks noChangeArrowheads="1"/>
+          </p:cNvSpPr>
+          <p:nvPr/>
+        </p:nvSpPr>
+        <p:spPr bwMode="auto">
+          <a:xfrm>
+            <a:off x="2133600" y="0"/>
+            <a:ext cx="5105400" cy="461963"/>
+          </a:xfrm>
+          <a:prstGeom prst="rect">
+            <a:avLst/>
+          </a:prstGeom>
+          <a:noFill/>
+          <a:ln>
+            <a:noFill/>
+          </a:ln>
+          <a:extLst>
+            <a:ext uri="{909E8E84-426E-40DD-AFC4-6F175D3DCCD1}">
+              <a14:hiddenFill xmlns:a14="http://schemas.microsoft.com/office/drawing/2010/main">
+                <a:solidFill>
+                  <a:srgbClr val="FFFFFF"/>
+                </a:solidFill>
+              </a14:hiddenFill>
+            </a:ext>
+            <a:ext uri="{91240B29-F687-4F45-9708-019B960494DF}">
+              <a14:hiddenLine xmlns:a14="http://schemas.microsoft.com/office/drawing/2010/main" w="9525">
+                <a:solidFill>
+                  <a:srgbClr val="000000"/>
+                </a:solidFill>
+                <a:miter lim="800000"/>
+                <a:headEnd/>
+                <a:tailEnd/>
+              </a14:hiddenLine>
+            </a:ext>
+          </a:extLst>
+        </p:spPr>
+        <p:txBody>
+          <a:bodyPr>
+            <a:spAutoFit/>
+          </a:bodyPr>
+          <a:lstStyle/>
+          <a:p>
+            <a:pPr algn="ctr"/>
+            <a:r>
+              <a:rPr lang="ru-RU" sz="2400" b="1" dirty="0" smtClean="0">
+                <a:solidFill>
+                  <a:srgbClr val="FFFFFF"/>
+                </a:solidFill>
+              </a:rPr>
+              <a:t>Домашнее задание</a:t>
+            </a:r>
+            <a:endParaRPr lang="ru-RU" sz="2400" b="1" dirty="0">
+              <a:solidFill>
+                <a:srgbClr val="FFFFFF"/>
+              </a:solidFill>
+            </a:endParaRPr>
+          </a:p>
+        </p:txBody>
+      </p:sp>
+      <p:sp>
+        <p:nvSpPr>
+          <p:cNvPr id="8" name="TextBox 6"/>
+          <p:cNvSpPr txBox="1">
+            <a:spLocks noChangeArrowheads="1"/>
+          </p:cNvSpPr>
+          <p:nvPr/>
+        </p:nvSpPr>
+        <p:spPr bwMode="auto">
+          <a:xfrm>
+            <a:off x="152400" y="620688"/>
+            <a:ext cx="8839200" cy="923330"/>
+          </a:xfrm>
+          <a:prstGeom prst="rect">
+            <a:avLst/>
+          </a:prstGeom>
+          <a:noFill/>
+          <a:ln>
+            <a:noFill/>
+          </a:ln>
+          <a:extLst>
+            <a:ext uri="{909E8E84-426E-40DD-AFC4-6F175D3DCCD1}">
+              <a14:hiddenFill xmlns:a14="http://schemas.microsoft.com/office/drawing/2010/main">
+                <a:solidFill>
+                  <a:srgbClr val="FFFFFF"/>
+                </a:solidFill>
+              </a14:hiddenFill>
+            </a:ext>
+            <a:ext uri="{91240B29-F687-4F45-9708-019B960494DF}">
+              <a14:hiddenLine xmlns:a14="http://schemas.microsoft.com/office/drawing/2010/main" w="9525">
+                <a:solidFill>
+                  <a:srgbClr val="000000"/>
+                </a:solidFill>
+                <a:miter lim="800000"/>
+                <a:headEnd/>
+                <a:tailEnd/>
+              </a14:hiddenLine>
+            </a:ext>
+          </a:extLst>
+        </p:spPr>
+        <p:txBody>
+          <a:bodyPr>
+            <a:spAutoFit/>
+          </a:bodyPr>
+          <a:lstStyle>
+            <a:lvl1pPr defTabSz="358775" eaLnBrk="0" hangingPunct="0">
+              <a:defRPr>
+                <a:solidFill>
+                  <a:schemeClr val="tx1"/>
+                </a:solidFill>
+                <a:latin typeface="Arial" charset="0"/>
+              </a:defRPr>
+            </a:lvl1pPr>
+            <a:lvl2pPr marL="742950" indent="-285750" defTabSz="358775" eaLnBrk="0" hangingPunct="0">
+              <a:defRPr>
+                <a:solidFill>
+                  <a:schemeClr val="tx1"/>
+                </a:solidFill>
+                <a:latin typeface="Arial" charset="0"/>
+              </a:defRPr>
+            </a:lvl2pPr>
+            <a:lvl3pPr marL="1143000" indent="-228600" defTabSz="358775" eaLnBrk="0" hangingPunct="0">
+              <a:defRPr>
+                <a:solidFill>
+                  <a:schemeClr val="tx1"/>
+                </a:solidFill>
+                <a:latin typeface="Arial" charset="0"/>
+              </a:defRPr>
+            </a:lvl3pPr>
+            <a:lvl4pPr marL="1600200" indent="-228600" defTabSz="358775" eaLnBrk="0" hangingPunct="0">
+              <a:defRPr>
+                <a:solidFill>
+                  <a:schemeClr val="tx1"/>
+                </a:solidFill>
+                <a:latin typeface="Arial" charset="0"/>
+              </a:defRPr>
+            </a:lvl4pPr>
+            <a:lvl5pPr marL="2057400" indent="-228600" defTabSz="358775" eaLnBrk="0" hangingPunct="0">
+              <a:defRPr>
+                <a:solidFill>
+                  <a:schemeClr val="tx1"/>
+                </a:solidFill>
+                <a:latin typeface="Arial" charset="0"/>
+              </a:defRPr>
+            </a:lvl5pPr>
+            <a:lvl6pPr marL="2514600" indent="-228600" defTabSz="358775" eaLnBrk="0" fontAlgn="base" hangingPunct="0">
+              <a:spcBef>
+                <a:spcPct val="0"/>
+              </a:spcBef>
+              <a:spcAft>
+                <a:spcPct val="0"/>
+              </a:spcAft>
+              <a:defRPr>
+                <a:solidFill>
+                  <a:schemeClr val="tx1"/>
+                </a:solidFill>
+                <a:latin typeface="Arial" charset="0"/>
+              </a:defRPr>
+            </a:lvl6pPr>
+            <a:lvl7pPr marL="2971800" indent="-228600" defTabSz="358775" eaLnBrk="0" fontAlgn="base" hangingPunct="0">
+              <a:spcBef>
+                <a:spcPct val="0"/>
+              </a:spcBef>
+              <a:spcAft>
+                <a:spcPct val="0"/>
+              </a:spcAft>
+              <a:defRPr>
+                <a:solidFill>
+                  <a:schemeClr val="tx1"/>
+                </a:solidFill>
+                <a:latin typeface="Arial" charset="0"/>
+              </a:defRPr>
+            </a:lvl7pPr>
+            <a:lvl8pPr marL="3429000" indent="-228600" defTabSz="358775" eaLnBrk="0" fontAlgn="base" hangingPunct="0">
+              <a:spcBef>
+                <a:spcPct val="0"/>
+              </a:spcBef>
+              <a:spcAft>
+                <a:spcPct val="0"/>
+              </a:spcAft>
+              <a:defRPr>
+                <a:solidFill>
+                  <a:schemeClr val="tx1"/>
+                </a:solidFill>
+                <a:latin typeface="Arial" charset="0"/>
+              </a:defRPr>
+            </a:lvl8pPr>
+            <a:lvl9pPr marL="3886200" indent="-228600" defTabSz="358775" eaLnBrk="0" fontAlgn="base" hangingPunct="0">
+              <a:spcBef>
+                <a:spcPct val="0"/>
+              </a:spcBef>
+              <a:spcAft>
+                <a:spcPct val="0"/>
+              </a:spcAft>
+              <a:defRPr>
+                <a:solidFill>
+                  <a:schemeClr val="tx1"/>
+                </a:solidFill>
+                <a:latin typeface="Arial" charset="0"/>
+              </a:defRPr>
+            </a:lvl9pPr>
+          </a:lstStyle>
+          <a:p>
+            <a:pPr eaLnBrk="1" hangingPunct="1"/>
+            <a:r>
+              <a:rPr lang="ru-RU" i="1" dirty="0" smtClean="0">
+                <a:solidFill>
+                  <a:srgbClr val="FFFFFF"/>
+                </a:solidFill>
+                <a:cs typeface="Arial" charset="0"/>
+              </a:rPr>
+              <a:t>Создание </a:t>
+            </a:r>
+            <a:r>
+              <a:rPr lang="ru-RU" i="1" dirty="0">
+                <a:solidFill>
+                  <a:srgbClr val="FFFFFF"/>
+                </a:solidFill>
+                <a:cs typeface="Arial" charset="0"/>
+              </a:rPr>
+              <a:t>класса </a:t>
+            </a:r>
+            <a:r>
+              <a:rPr lang="en-US" i="1" dirty="0" smtClean="0">
+                <a:solidFill>
+                  <a:srgbClr val="FFFFFF"/>
+                </a:solidFill>
+                <a:cs typeface="Arial" charset="0"/>
+              </a:rPr>
+              <a:t>“</a:t>
+            </a:r>
+            <a:r>
+              <a:rPr lang="ru-RU" i="1" dirty="0" smtClean="0">
+                <a:solidFill>
+                  <a:srgbClr val="FFFFFF"/>
+                </a:solidFill>
+                <a:cs typeface="Arial" charset="0"/>
+              </a:rPr>
+              <a:t>Аккумулятор</a:t>
+            </a:r>
+            <a:r>
+              <a:rPr lang="en-US" i="1" dirty="0" smtClean="0">
+                <a:solidFill>
+                  <a:srgbClr val="FFFFFF"/>
+                </a:solidFill>
+                <a:cs typeface="Arial" charset="0"/>
+              </a:rPr>
+              <a:t>”.</a:t>
+            </a:r>
+            <a:endParaRPr lang="ru-RU" i="1" dirty="0" smtClean="0">
+              <a:solidFill>
+                <a:srgbClr val="FFFFFF"/>
+              </a:solidFill>
+              <a:cs typeface="Arial" charset="0"/>
+            </a:endParaRPr>
+          </a:p>
+          <a:p>
+            <a:pPr eaLnBrk="1" hangingPunct="1"/>
+            <a:endParaRPr lang="ru-RU" i="1" dirty="0">
+              <a:solidFill>
+                <a:srgbClr val="FFFFFF"/>
+              </a:solidFill>
+              <a:cs typeface="Arial" charset="0"/>
+            </a:endParaRPr>
+          </a:p>
+          <a:p>
+            <a:pPr eaLnBrk="1" hangingPunct="1"/>
+            <a:r>
+              <a:rPr lang="ru-RU" i="1" dirty="0" smtClean="0">
+                <a:solidFill>
+                  <a:srgbClr val="FFFFFF"/>
+                </a:solidFill>
+                <a:cs typeface="Arial" charset="0"/>
+              </a:rPr>
+              <a:t>Смотрите текст задания в файле </a:t>
+            </a:r>
+            <a:r>
+              <a:rPr lang="en-US" i="1" smtClean="0">
+                <a:solidFill>
+                  <a:srgbClr val="FFFFFF"/>
+                </a:solidFill>
+                <a:cs typeface="Arial" charset="0"/>
+              </a:rPr>
+              <a:t>Homework\battery.docx</a:t>
+            </a:r>
+            <a:endParaRPr lang="en-US" i="1" dirty="0">
+              <a:solidFill>
+                <a:srgbClr val="FFFFFF"/>
+              </a:solidFill>
+              <a:cs typeface="Arial" charset="0"/>
+            </a:endParaRPr>
+          </a:p>
+        </p:txBody>
+      </p:sp>
+    </p:spTree>
+    <p:extLst>
+      <p:ext uri="{BB962C8B-B14F-4D97-AF65-F5344CB8AC3E}">
+        <p14:creationId xmlns:p14="http://schemas.microsoft.com/office/powerpoint/2010/main" val="758884923"/>
       </p:ext>
     </p:extLst>
   </p:cSld>

--- a/Presentation/lesson-05-events.pptx
+++ b/Presentation/lesson-05-events.pptx
@@ -22,9 +22,10 @@
     <p:sldId id="283" r:id="rId16"/>
     <p:sldId id="286" r:id="rId17"/>
     <p:sldId id="291" r:id="rId18"/>
-    <p:sldId id="292" r:id="rId19"/>
-    <p:sldId id="287" r:id="rId20"/>
-    <p:sldId id="288" r:id="rId21"/>
+    <p:sldId id="293" r:id="rId19"/>
+    <p:sldId id="294" r:id="rId20"/>
+    <p:sldId id="287" r:id="rId21"/>
+    <p:sldId id="288" r:id="rId22"/>
   </p:sldIdLst>
   <p:sldSz cx="9144000" cy="6858000" type="screen4x3"/>
   <p:notesSz cx="6858000" cy="9144000"/>
@@ -153,7 +154,8 @@
             <p14:sldId id="283"/>
             <p14:sldId id="286"/>
             <p14:sldId id="291"/>
-            <p14:sldId id="292"/>
+            <p14:sldId id="293"/>
+            <p14:sldId id="294"/>
           </p14:sldIdLst>
         </p14:section>
         <p14:section name="Задания" id="{AD85C9C5-C26B-4232-9BCE-39CA16F727FF}">
@@ -363,7 +365,7 @@
           <a:p>
             <a:fld id="{FAECF776-F836-4CCD-9497-99E5597B8B5D}" type="datetimeFigureOut">
               <a:rPr lang="en-US" smtClean="0"/>
-              <a:t>4/1/2017</a:t>
+              <a:t>4/30/2017</a:t>
             </a:fld>
             <a:endParaRPr lang="en-US"/>
           </a:p>
@@ -533,7 +535,7 @@
           <a:p>
             <a:fld id="{FAECF776-F836-4CCD-9497-99E5597B8B5D}" type="datetimeFigureOut">
               <a:rPr lang="en-US" smtClean="0"/>
-              <a:t>4/1/2017</a:t>
+              <a:t>4/30/2017</a:t>
             </a:fld>
             <a:endParaRPr lang="en-US"/>
           </a:p>
@@ -713,7 +715,7 @@
           <a:p>
             <a:fld id="{FAECF776-F836-4CCD-9497-99E5597B8B5D}" type="datetimeFigureOut">
               <a:rPr lang="en-US" smtClean="0"/>
-              <a:t>4/1/2017</a:t>
+              <a:t>4/30/2017</a:t>
             </a:fld>
             <a:endParaRPr lang="en-US"/>
           </a:p>
@@ -883,7 +885,7 @@
           <a:p>
             <a:fld id="{FAECF776-F836-4CCD-9497-99E5597B8B5D}" type="datetimeFigureOut">
               <a:rPr lang="en-US" smtClean="0"/>
-              <a:t>4/1/2017</a:t>
+              <a:t>4/30/2017</a:t>
             </a:fld>
             <a:endParaRPr lang="en-US"/>
           </a:p>
@@ -1129,7 +1131,7 @@
           <a:p>
             <a:fld id="{FAECF776-F836-4CCD-9497-99E5597B8B5D}" type="datetimeFigureOut">
               <a:rPr lang="en-US" smtClean="0"/>
-              <a:t>4/1/2017</a:t>
+              <a:t>4/30/2017</a:t>
             </a:fld>
             <a:endParaRPr lang="en-US"/>
           </a:p>
@@ -1417,7 +1419,7 @@
           <a:p>
             <a:fld id="{FAECF776-F836-4CCD-9497-99E5597B8B5D}" type="datetimeFigureOut">
               <a:rPr lang="en-US" smtClean="0"/>
-              <a:t>4/1/2017</a:t>
+              <a:t>4/30/2017</a:t>
             </a:fld>
             <a:endParaRPr lang="en-US"/>
           </a:p>
@@ -1839,7 +1841,7 @@
           <a:p>
             <a:fld id="{FAECF776-F836-4CCD-9497-99E5597B8B5D}" type="datetimeFigureOut">
               <a:rPr lang="en-US" smtClean="0"/>
-              <a:t>4/1/2017</a:t>
+              <a:t>4/30/2017</a:t>
             </a:fld>
             <a:endParaRPr lang="en-US"/>
           </a:p>
@@ -1957,7 +1959,7 @@
           <a:p>
             <a:fld id="{FAECF776-F836-4CCD-9497-99E5597B8B5D}" type="datetimeFigureOut">
               <a:rPr lang="en-US" smtClean="0"/>
-              <a:t>4/1/2017</a:t>
+              <a:t>4/30/2017</a:t>
             </a:fld>
             <a:endParaRPr lang="en-US"/>
           </a:p>
@@ -2052,7 +2054,7 @@
           <a:p>
             <a:fld id="{FAECF776-F836-4CCD-9497-99E5597B8B5D}" type="datetimeFigureOut">
               <a:rPr lang="en-US" smtClean="0"/>
-              <a:t>4/1/2017</a:t>
+              <a:t>4/30/2017</a:t>
             </a:fld>
             <a:endParaRPr lang="en-US"/>
           </a:p>
@@ -2329,7 +2331,7 @@
           <a:p>
             <a:fld id="{FAECF776-F836-4CCD-9497-99E5597B8B5D}" type="datetimeFigureOut">
               <a:rPr lang="en-US" smtClean="0"/>
-              <a:t>4/1/2017</a:t>
+              <a:t>4/30/2017</a:t>
             </a:fld>
             <a:endParaRPr lang="en-US"/>
           </a:p>
@@ -2582,7 +2584,7 @@
           <a:p>
             <a:fld id="{FAECF776-F836-4CCD-9497-99E5597B8B5D}" type="datetimeFigureOut">
               <a:rPr lang="en-US" smtClean="0"/>
-              <a:t>4/1/2017</a:t>
+              <a:t>4/30/2017</a:t>
             </a:fld>
             <a:endParaRPr lang="en-US"/>
           </a:p>
@@ -2795,7 +2797,7 @@
           <a:p>
             <a:fld id="{FAECF776-F836-4CCD-9497-99E5597B8B5D}" type="datetimeFigureOut">
               <a:rPr lang="en-US" smtClean="0"/>
-              <a:t>4/1/2017</a:t>
+              <a:t>4/30/2017</a:t>
             </a:fld>
             <a:endParaRPr lang="en-US"/>
           </a:p>
@@ -10390,12 +10392,6 @@
               </a:rPr>
               <a:t>…</a:t>
             </a:r>
-            <a:endParaRPr lang="en-US" sz="1600" dirty="0" smtClean="0">
-              <a:solidFill>
-                <a:srgbClr val="000000"/>
-              </a:solidFill>
-              <a:latin typeface="Consolas" panose="020B0609020204030204" pitchFamily="49" charset="0"/>
-            </a:endParaRPr>
           </a:p>
           <a:p>
             <a:pPr marL="0" indent="0">
@@ -10426,11 +10422,82 @@
                 </a:solidFill>
                 <a:latin typeface="Consolas" panose="020B0609020204030204" pitchFamily="49" charset="0"/>
               </a:rPr>
-              <a:t>= null;</a:t>
+              <a:t>= null</a:t>
+            </a:r>
+            <a:r>
+              <a:rPr lang="en-US" sz="1600" dirty="0" smtClean="0">
+                <a:solidFill>
+                  <a:srgbClr val="000000"/>
+                </a:solidFill>
+                <a:latin typeface="Consolas" panose="020B0609020204030204" pitchFamily="49" charset="0"/>
+              </a:rPr>
+              <a:t>;</a:t>
+            </a:r>
+            <a:r>
+              <a:rPr lang="ru-RU" sz="1600" dirty="0" smtClean="0">
+                <a:solidFill>
+                  <a:srgbClr val="000000"/>
+                </a:solidFill>
+                <a:latin typeface="Consolas" panose="020B0609020204030204" pitchFamily="49" charset="0"/>
+              </a:rPr>
+              <a:t> </a:t>
+            </a:r>
+            <a:r>
+              <a:rPr lang="en-US" sz="1600" dirty="0" smtClean="0">
+                <a:solidFill>
+                  <a:schemeClr val="accent4">
+                    <a:lumMod val="50000"/>
+                  </a:schemeClr>
+                </a:solidFill>
+                <a:latin typeface="Consolas" panose="020B0609020204030204" pitchFamily="49" charset="0"/>
+              </a:rPr>
+              <a:t>// </a:t>
+            </a:r>
+            <a:r>
+              <a:rPr lang="ru-RU" sz="1600" dirty="0" smtClean="0">
+                <a:solidFill>
+                  <a:srgbClr val="00B050"/>
+                </a:solidFill>
+                <a:latin typeface="Consolas" panose="020B0609020204030204" pitchFamily="49" charset="0"/>
+              </a:rPr>
+              <a:t>Можно</a:t>
+            </a:r>
+            <a:r>
+              <a:rPr lang="ru-RU" sz="1600" dirty="0" smtClean="0">
+                <a:solidFill>
+                  <a:schemeClr val="accent4">
+                    <a:lumMod val="50000"/>
+                  </a:schemeClr>
+                </a:solidFill>
+                <a:latin typeface="Consolas" panose="020B0609020204030204" pitchFamily="49" charset="0"/>
+              </a:rPr>
+              <a:t> для делегата, но </a:t>
+            </a:r>
+            <a:r>
+              <a:rPr lang="ru-RU" sz="1600" dirty="0" smtClean="0">
+                <a:solidFill>
+                  <a:srgbClr val="FF0000"/>
+                </a:solidFill>
+                <a:latin typeface="Consolas" panose="020B0609020204030204" pitchFamily="49" charset="0"/>
+              </a:rPr>
+              <a:t>нельзя</a:t>
+            </a:r>
+            <a:r>
+              <a:rPr lang="ru-RU" sz="1600" dirty="0" smtClean="0">
+                <a:solidFill>
+                  <a:schemeClr val="accent4">
+                    <a:lumMod val="50000"/>
+                  </a:schemeClr>
+                </a:solidFill>
+                <a:latin typeface="Consolas" panose="020B0609020204030204" pitchFamily="49" charset="0"/>
+              </a:rPr>
+              <a:t> для события</a:t>
             </a:r>
             <a:endParaRPr lang="en-US" sz="1600" dirty="0">
               <a:solidFill>
-                <a:srgbClr val="000000"/>
+                <a:schemeClr val="accent4">
+                  <a:lumMod val="50000"/>
+                </a:schemeClr>
               </a:solidFill>
               <a:latin typeface="Consolas" panose="020B0609020204030204" pitchFamily="49" charset="0"/>
             </a:endParaRPr>
@@ -10445,605 +10512,6 @@
               </a:solidFill>
               <a:latin typeface="Consolas" panose="020B0609020204030204" pitchFamily="49" charset="0"/>
             </a:endParaRPr>
-          </a:p>
-        </p:txBody>
-      </p:sp>
-      <p:sp>
-        <p:nvSpPr>
-          <p:cNvPr id="2" name="Title 1"/>
-          <p:cNvSpPr>
-            <a:spLocks noGrp="1"/>
-          </p:cNvSpPr>
-          <p:nvPr>
-            <p:ph type="title"/>
-          </p:nvPr>
-        </p:nvSpPr>
-        <p:spPr/>
-        <p:txBody>
-          <a:bodyPr/>
-          <a:lstStyle/>
-          <a:p>
-            <a:r>
-              <a:rPr lang="ru-RU" dirty="0" smtClean="0">
-                <a:solidFill>
-                  <a:schemeClr val="bg1"/>
-                </a:solidFill>
-              </a:rPr>
-              <a:t>Событие</a:t>
-            </a:r>
-            <a:r>
-              <a:rPr lang="en-US" dirty="0" smtClean="0">
-                <a:solidFill>
-                  <a:schemeClr val="bg1"/>
-                </a:solidFill>
-              </a:rPr>
-              <a:t> </a:t>
-            </a:r>
-            <a:r>
-              <a:rPr lang="en-US" dirty="0" smtClean="0">
-                <a:solidFill>
-                  <a:schemeClr val="bg1"/>
-                </a:solidFill>
-              </a:rPr>
-              <a:t>vs </a:t>
-            </a:r>
-            <a:r>
-              <a:rPr lang="ru-RU" smtClean="0">
-                <a:solidFill>
-                  <a:schemeClr val="bg1"/>
-                </a:solidFill>
-              </a:rPr>
-              <a:t>поле с делегатом</a:t>
-            </a:r>
-            <a:endParaRPr lang="en-US" dirty="0">
-              <a:solidFill>
-                <a:schemeClr val="bg1"/>
-              </a:solidFill>
-            </a:endParaRPr>
-          </a:p>
-        </p:txBody>
-      </p:sp>
-      <p:sp>
-        <p:nvSpPr>
-          <p:cNvPr id="3" name="Content Placeholder 2"/>
-          <p:cNvSpPr>
-            <a:spLocks noGrp="1"/>
-          </p:cNvSpPr>
-          <p:nvPr>
-            <p:ph sz="half" idx="1"/>
-          </p:nvPr>
-        </p:nvSpPr>
-        <p:spPr>
-          <a:xfrm>
-            <a:off x="457200" y="1600201"/>
-            <a:ext cx="4038600" cy="2620888"/>
-          </a:xfrm>
-          <a:solidFill>
-            <a:schemeClr val="bg1"/>
-          </a:solidFill>
-        </p:spPr>
-        <p:txBody>
-          <a:bodyPr>
-            <a:normAutofit/>
-          </a:bodyPr>
-          <a:lstStyle/>
-          <a:p>
-            <a:pPr marL="0" indent="0">
-              <a:buNone/>
-            </a:pPr>
-            <a:r>
-              <a:rPr lang="en-US" sz="1600" dirty="0">
-                <a:solidFill>
-                  <a:srgbClr val="0000FF"/>
-                </a:solidFill>
-                <a:latin typeface="Consolas" panose="020B0609020204030204" pitchFamily="49" charset="0"/>
-              </a:rPr>
-              <a:t>class</a:t>
-            </a:r>
-            <a:r>
-              <a:rPr lang="en-US" sz="1600" dirty="0">
-                <a:solidFill>
-                  <a:srgbClr val="000000"/>
-                </a:solidFill>
-                <a:latin typeface="Consolas" panose="020B0609020204030204" pitchFamily="49" charset="0"/>
-              </a:rPr>
-              <a:t> </a:t>
-            </a:r>
-            <a:r>
-              <a:rPr lang="en-US" sz="1600" dirty="0" err="1">
-                <a:solidFill>
-                  <a:srgbClr val="2B91AF"/>
-                </a:solidFill>
-                <a:latin typeface="Consolas" panose="020B0609020204030204" pitchFamily="49" charset="0"/>
-              </a:rPr>
-              <a:t>SomeClass</a:t>
-            </a:r>
-            <a:endParaRPr lang="en-US" sz="1600" dirty="0">
-              <a:solidFill>
-                <a:srgbClr val="000000"/>
-              </a:solidFill>
-              <a:latin typeface="Consolas" panose="020B0609020204030204" pitchFamily="49" charset="0"/>
-            </a:endParaRPr>
-          </a:p>
-          <a:p>
-            <a:pPr marL="0" indent="0">
-              <a:buNone/>
-            </a:pPr>
-            <a:r>
-              <a:rPr lang="en-US" sz="1600" dirty="0">
-                <a:solidFill>
-                  <a:srgbClr val="000000"/>
-                </a:solidFill>
-                <a:latin typeface="Consolas" panose="020B0609020204030204" pitchFamily="49" charset="0"/>
-              </a:rPr>
-              <a:t>{</a:t>
-            </a:r>
-          </a:p>
-          <a:p>
-            <a:pPr marL="0" indent="0">
-              <a:buNone/>
-            </a:pPr>
-            <a:r>
-              <a:rPr lang="ru-RU" sz="1600" dirty="0" smtClean="0">
-                <a:solidFill>
-                  <a:srgbClr val="0000FF"/>
-                </a:solidFill>
-                <a:latin typeface="Consolas" panose="020B0609020204030204" pitchFamily="49" charset="0"/>
-              </a:rPr>
-              <a:t>  </a:t>
-            </a:r>
-            <a:r>
-              <a:rPr lang="en-US" sz="1600" dirty="0" smtClean="0">
-                <a:solidFill>
-                  <a:srgbClr val="0000FF"/>
-                </a:solidFill>
-                <a:latin typeface="Consolas" panose="020B0609020204030204" pitchFamily="49" charset="0"/>
-              </a:rPr>
-              <a:t>public</a:t>
-            </a:r>
-            <a:r>
-              <a:rPr lang="en-US" sz="1600" dirty="0" smtClean="0">
-                <a:solidFill>
-                  <a:srgbClr val="000000"/>
-                </a:solidFill>
-                <a:latin typeface="Consolas" panose="020B0609020204030204" pitchFamily="49" charset="0"/>
-              </a:rPr>
-              <a:t> </a:t>
-            </a:r>
-            <a:r>
-              <a:rPr lang="en-US" sz="1600" dirty="0">
-                <a:solidFill>
-                  <a:srgbClr val="2B91AF"/>
-                </a:solidFill>
-                <a:latin typeface="Consolas" panose="020B0609020204030204" pitchFamily="49" charset="0"/>
-              </a:rPr>
-              <a:t>Action</a:t>
-            </a:r>
-            <a:r>
-              <a:rPr lang="en-US" sz="1600" dirty="0">
-                <a:solidFill>
-                  <a:srgbClr val="000000"/>
-                </a:solidFill>
-                <a:latin typeface="Consolas" panose="020B0609020204030204" pitchFamily="49" charset="0"/>
-              </a:rPr>
-              <a:t> </a:t>
-            </a:r>
-            <a:r>
-              <a:rPr lang="en-US" sz="1600" dirty="0" err="1">
-                <a:solidFill>
-                  <a:srgbClr val="000000"/>
-                </a:solidFill>
-                <a:latin typeface="Consolas" panose="020B0609020204030204" pitchFamily="49" charset="0"/>
-              </a:rPr>
-              <a:t>SomeEvent</a:t>
-            </a:r>
-            <a:r>
-              <a:rPr lang="en-US" sz="1600" dirty="0" smtClean="0">
-                <a:solidFill>
-                  <a:srgbClr val="000000"/>
-                </a:solidFill>
-                <a:latin typeface="Consolas" panose="020B0609020204030204" pitchFamily="49" charset="0"/>
-              </a:rPr>
-              <a:t>;</a:t>
-            </a:r>
-          </a:p>
-          <a:p>
-            <a:pPr marL="0" indent="0">
-              <a:buNone/>
-            </a:pPr>
-            <a:r>
-              <a:rPr lang="ru-RU" sz="1600" dirty="0">
-                <a:solidFill>
-                  <a:srgbClr val="008000"/>
-                </a:solidFill>
-                <a:latin typeface="Consolas" panose="020B0609020204030204" pitchFamily="49" charset="0"/>
-              </a:rPr>
-              <a:t> </a:t>
-            </a:r>
-            <a:r>
-              <a:rPr lang="en-US" sz="1600" dirty="0" smtClean="0">
-                <a:solidFill>
-                  <a:srgbClr val="008000"/>
-                </a:solidFill>
-                <a:latin typeface="Consolas" panose="020B0609020204030204" pitchFamily="49" charset="0"/>
-              </a:rPr>
-              <a:t> // </a:t>
-            </a:r>
-            <a:r>
-              <a:rPr lang="ru-RU" sz="1600" dirty="0" smtClean="0">
-                <a:solidFill>
-                  <a:srgbClr val="008000"/>
-                </a:solidFill>
-                <a:latin typeface="Consolas" panose="020B0609020204030204" pitchFamily="49" charset="0"/>
-              </a:rPr>
-              <a:t>Код класса работающий</a:t>
-            </a:r>
-            <a:endParaRPr lang="en-US" sz="1600" dirty="0" smtClean="0">
-              <a:solidFill>
-                <a:srgbClr val="008000"/>
-              </a:solidFill>
-              <a:latin typeface="Consolas" panose="020B0609020204030204" pitchFamily="49" charset="0"/>
-            </a:endParaRPr>
-          </a:p>
-          <a:p>
-            <a:pPr marL="0" indent="0">
-              <a:buNone/>
-            </a:pPr>
-            <a:r>
-              <a:rPr lang="en-US" sz="1600" dirty="0" smtClean="0">
-                <a:solidFill>
-                  <a:srgbClr val="008000"/>
-                </a:solidFill>
-                <a:latin typeface="Consolas" panose="020B0609020204030204" pitchFamily="49" charset="0"/>
-              </a:rPr>
-              <a:t>  //   </a:t>
-            </a:r>
-            <a:r>
-              <a:rPr lang="ru-RU" sz="1600" dirty="0" smtClean="0">
-                <a:solidFill>
-                  <a:srgbClr val="008000"/>
-                </a:solidFill>
-                <a:latin typeface="Consolas" panose="020B0609020204030204" pitchFamily="49" charset="0"/>
-              </a:rPr>
-              <a:t>с </a:t>
-            </a:r>
-            <a:r>
-              <a:rPr lang="en-US" sz="1600" dirty="0" err="1" smtClean="0">
-                <a:solidFill>
-                  <a:srgbClr val="008000"/>
-                </a:solidFill>
-                <a:latin typeface="Consolas" panose="020B0609020204030204" pitchFamily="49" charset="0"/>
-              </a:rPr>
-              <a:t>SomeEvent</a:t>
-            </a:r>
-            <a:endParaRPr lang="en-US" sz="1600" dirty="0">
-              <a:solidFill>
-                <a:srgbClr val="000000"/>
-              </a:solidFill>
-              <a:latin typeface="Consolas" panose="020B0609020204030204" pitchFamily="49" charset="0"/>
-            </a:endParaRPr>
-          </a:p>
-          <a:p>
-            <a:pPr marL="0" indent="0">
-              <a:buNone/>
-            </a:pPr>
-            <a:r>
-              <a:rPr lang="ru-RU" sz="1600" dirty="0" smtClean="0">
-                <a:solidFill>
-                  <a:srgbClr val="008000"/>
-                </a:solidFill>
-                <a:latin typeface="Consolas" panose="020B0609020204030204" pitchFamily="49" charset="0"/>
-              </a:rPr>
-              <a:t>  </a:t>
-            </a:r>
-            <a:r>
-              <a:rPr lang="en-US" sz="1600" dirty="0" smtClean="0">
-                <a:solidFill>
-                  <a:srgbClr val="008000"/>
-                </a:solidFill>
-                <a:latin typeface="Consolas" panose="020B0609020204030204" pitchFamily="49" charset="0"/>
-              </a:rPr>
-              <a:t>//...</a:t>
-            </a:r>
-            <a:endParaRPr lang="en-US" sz="1600" dirty="0">
-              <a:solidFill>
-                <a:srgbClr val="000000"/>
-              </a:solidFill>
-              <a:latin typeface="Consolas" panose="020B0609020204030204" pitchFamily="49" charset="0"/>
-            </a:endParaRPr>
-          </a:p>
-          <a:p>
-            <a:pPr marL="0" indent="0">
-              <a:buNone/>
-            </a:pPr>
-            <a:r>
-              <a:rPr lang="en-US" sz="1600" dirty="0" smtClean="0">
-                <a:solidFill>
-                  <a:srgbClr val="000000"/>
-                </a:solidFill>
-                <a:latin typeface="Consolas" panose="020B0609020204030204" pitchFamily="49" charset="0"/>
-              </a:rPr>
-              <a:t>}</a:t>
-            </a:r>
-            <a:endParaRPr lang="en-US" sz="1600" dirty="0"/>
-          </a:p>
-        </p:txBody>
-      </p:sp>
-      <p:sp>
-        <p:nvSpPr>
-          <p:cNvPr id="4" name="Content Placeholder 3"/>
-          <p:cNvSpPr>
-            <a:spLocks noGrp="1"/>
-          </p:cNvSpPr>
-          <p:nvPr>
-            <p:ph sz="half" idx="2"/>
-          </p:nvPr>
-        </p:nvSpPr>
-        <p:spPr>
-          <a:xfrm>
-            <a:off x="4648200" y="1600200"/>
-            <a:ext cx="4038600" cy="2620889"/>
-          </a:xfrm>
-          <a:solidFill>
-            <a:schemeClr val="bg1"/>
-          </a:solidFill>
-        </p:spPr>
-        <p:txBody>
-          <a:bodyPr>
-            <a:normAutofit/>
-          </a:bodyPr>
-          <a:lstStyle/>
-          <a:p>
-            <a:pPr marL="0" indent="0">
-              <a:buNone/>
-            </a:pPr>
-            <a:r>
-              <a:rPr lang="en-US" sz="1600" dirty="0">
-                <a:solidFill>
-                  <a:srgbClr val="0000FF"/>
-                </a:solidFill>
-                <a:latin typeface="Consolas" panose="020B0609020204030204" pitchFamily="49" charset="0"/>
-              </a:rPr>
-              <a:t>class</a:t>
-            </a:r>
-            <a:r>
-              <a:rPr lang="en-US" sz="1600" dirty="0">
-                <a:solidFill>
-                  <a:srgbClr val="000000"/>
-                </a:solidFill>
-                <a:latin typeface="Consolas" panose="020B0609020204030204" pitchFamily="49" charset="0"/>
-              </a:rPr>
-              <a:t> </a:t>
-            </a:r>
-            <a:r>
-              <a:rPr lang="en-US" sz="1600" dirty="0" err="1">
-                <a:solidFill>
-                  <a:srgbClr val="2B91AF"/>
-                </a:solidFill>
-                <a:latin typeface="Consolas" panose="020B0609020204030204" pitchFamily="49" charset="0"/>
-              </a:rPr>
-              <a:t>SomeClass</a:t>
-            </a:r>
-            <a:endParaRPr lang="en-US" sz="1600" dirty="0">
-              <a:solidFill>
-                <a:srgbClr val="000000"/>
-              </a:solidFill>
-              <a:latin typeface="Consolas" panose="020B0609020204030204" pitchFamily="49" charset="0"/>
-            </a:endParaRPr>
-          </a:p>
-          <a:p>
-            <a:pPr marL="0" indent="0">
-              <a:buNone/>
-            </a:pPr>
-            <a:r>
-              <a:rPr lang="en-US" sz="1600" dirty="0">
-                <a:solidFill>
-                  <a:srgbClr val="000000"/>
-                </a:solidFill>
-                <a:latin typeface="Consolas" panose="020B0609020204030204" pitchFamily="49" charset="0"/>
-              </a:rPr>
-              <a:t>{</a:t>
-            </a:r>
-          </a:p>
-          <a:p>
-            <a:pPr marL="0" indent="0">
-              <a:buNone/>
-            </a:pPr>
-            <a:r>
-              <a:rPr lang="en-US" sz="1600" dirty="0" smtClean="0">
-                <a:solidFill>
-                  <a:srgbClr val="0000FF"/>
-                </a:solidFill>
-                <a:latin typeface="Consolas" panose="020B0609020204030204" pitchFamily="49" charset="0"/>
-              </a:rPr>
-              <a:t>  public</a:t>
-            </a:r>
-            <a:r>
-              <a:rPr lang="en-US" sz="1600" dirty="0" smtClean="0">
-                <a:solidFill>
-                  <a:srgbClr val="000000"/>
-                </a:solidFill>
-                <a:latin typeface="Consolas" panose="020B0609020204030204" pitchFamily="49" charset="0"/>
-              </a:rPr>
-              <a:t> </a:t>
-            </a:r>
-            <a:r>
-              <a:rPr lang="en-US" sz="1600" dirty="0">
-                <a:solidFill>
-                  <a:srgbClr val="0000FF"/>
-                </a:solidFill>
-                <a:latin typeface="Consolas" panose="020B0609020204030204" pitchFamily="49" charset="0"/>
-              </a:rPr>
-              <a:t>event</a:t>
-            </a:r>
-            <a:r>
-              <a:rPr lang="en-US" sz="1600" dirty="0">
-                <a:solidFill>
-                  <a:srgbClr val="000000"/>
-                </a:solidFill>
-                <a:latin typeface="Consolas" panose="020B0609020204030204" pitchFamily="49" charset="0"/>
-              </a:rPr>
-              <a:t> </a:t>
-            </a:r>
-            <a:r>
-              <a:rPr lang="en-US" sz="1600" dirty="0">
-                <a:solidFill>
-                  <a:srgbClr val="2B91AF"/>
-                </a:solidFill>
-                <a:latin typeface="Consolas" panose="020B0609020204030204" pitchFamily="49" charset="0"/>
-              </a:rPr>
-              <a:t>Action</a:t>
-            </a:r>
-            <a:r>
-              <a:rPr lang="en-US" sz="1600" dirty="0">
-                <a:solidFill>
-                  <a:srgbClr val="000000"/>
-                </a:solidFill>
-                <a:latin typeface="Consolas" panose="020B0609020204030204" pitchFamily="49" charset="0"/>
-              </a:rPr>
-              <a:t> </a:t>
-            </a:r>
-            <a:r>
-              <a:rPr lang="en-US" sz="1600" dirty="0" err="1">
-                <a:solidFill>
-                  <a:srgbClr val="000000"/>
-                </a:solidFill>
-                <a:latin typeface="Consolas" panose="020B0609020204030204" pitchFamily="49" charset="0"/>
-              </a:rPr>
-              <a:t>SomeEvent</a:t>
-            </a:r>
-            <a:r>
-              <a:rPr lang="en-US" sz="1600" dirty="0">
-                <a:solidFill>
-                  <a:srgbClr val="000000"/>
-                </a:solidFill>
-                <a:latin typeface="Consolas" panose="020B0609020204030204" pitchFamily="49" charset="0"/>
-              </a:rPr>
-              <a:t>;</a:t>
-            </a:r>
-          </a:p>
-          <a:p>
-            <a:pPr marL="0" indent="0">
-              <a:buNone/>
-            </a:pPr>
-            <a:r>
-              <a:rPr lang="en-US" sz="1600" dirty="0">
-                <a:solidFill>
-                  <a:srgbClr val="008000"/>
-                </a:solidFill>
-                <a:latin typeface="Consolas" panose="020B0609020204030204" pitchFamily="49" charset="0"/>
-              </a:rPr>
-              <a:t> </a:t>
-            </a:r>
-            <a:r>
-              <a:rPr lang="en-US" sz="1600" dirty="0" smtClean="0">
-                <a:solidFill>
-                  <a:srgbClr val="008000"/>
-                </a:solidFill>
-                <a:latin typeface="Consolas" panose="020B0609020204030204" pitchFamily="49" charset="0"/>
-              </a:rPr>
-              <a:t> // </a:t>
-            </a:r>
-            <a:r>
-              <a:rPr lang="ru-RU" sz="1600" dirty="0">
-                <a:solidFill>
-                  <a:srgbClr val="008000"/>
-                </a:solidFill>
-                <a:latin typeface="Consolas" panose="020B0609020204030204" pitchFamily="49" charset="0"/>
-              </a:rPr>
-              <a:t>Код класса работающий</a:t>
-            </a:r>
-            <a:endParaRPr lang="en-US" sz="1600" dirty="0">
-              <a:solidFill>
-                <a:srgbClr val="008000"/>
-              </a:solidFill>
-              <a:latin typeface="Consolas" panose="020B0609020204030204" pitchFamily="49" charset="0"/>
-            </a:endParaRPr>
-          </a:p>
-          <a:p>
-            <a:pPr marL="0" indent="0">
-              <a:buNone/>
-            </a:pPr>
-            <a:r>
-              <a:rPr lang="en-US" sz="1600" dirty="0">
-                <a:solidFill>
-                  <a:srgbClr val="008000"/>
-                </a:solidFill>
-                <a:latin typeface="Consolas" panose="020B0609020204030204" pitchFamily="49" charset="0"/>
-              </a:rPr>
-              <a:t>  //   </a:t>
-            </a:r>
-            <a:r>
-              <a:rPr lang="ru-RU" sz="1600" dirty="0">
-                <a:solidFill>
-                  <a:srgbClr val="008000"/>
-                </a:solidFill>
-                <a:latin typeface="Consolas" panose="020B0609020204030204" pitchFamily="49" charset="0"/>
-              </a:rPr>
-              <a:t>с </a:t>
-            </a:r>
-            <a:r>
-              <a:rPr lang="en-US" sz="1600" dirty="0" err="1">
-                <a:solidFill>
-                  <a:srgbClr val="008000"/>
-                </a:solidFill>
-                <a:latin typeface="Consolas" panose="020B0609020204030204" pitchFamily="49" charset="0"/>
-              </a:rPr>
-              <a:t>SomeEvent</a:t>
-            </a:r>
-            <a:r>
-              <a:rPr lang="en-US" sz="1600" dirty="0" smtClean="0">
-                <a:solidFill>
-                  <a:srgbClr val="008000"/>
-                </a:solidFill>
-                <a:latin typeface="Consolas" panose="020B0609020204030204" pitchFamily="49" charset="0"/>
-              </a:rPr>
-              <a:t>  </a:t>
-            </a:r>
-          </a:p>
-          <a:p>
-            <a:pPr marL="0" indent="0">
-              <a:buNone/>
-            </a:pPr>
-            <a:r>
-              <a:rPr lang="en-US" sz="1600" dirty="0">
-                <a:solidFill>
-                  <a:srgbClr val="008000"/>
-                </a:solidFill>
-                <a:latin typeface="Consolas" panose="020B0609020204030204" pitchFamily="49" charset="0"/>
-              </a:rPr>
-              <a:t> </a:t>
-            </a:r>
-            <a:r>
-              <a:rPr lang="en-US" sz="1600" dirty="0" smtClean="0">
-                <a:solidFill>
-                  <a:srgbClr val="008000"/>
-                </a:solidFill>
-                <a:latin typeface="Consolas" panose="020B0609020204030204" pitchFamily="49" charset="0"/>
-              </a:rPr>
-              <a:t> //...</a:t>
-            </a:r>
-            <a:endParaRPr lang="en-US" sz="1600" dirty="0">
-              <a:solidFill>
-                <a:srgbClr val="000000"/>
-              </a:solidFill>
-              <a:latin typeface="Consolas" panose="020B0609020204030204" pitchFamily="49" charset="0"/>
-            </a:endParaRPr>
-          </a:p>
-          <a:p>
-            <a:pPr marL="0" indent="0">
-              <a:buNone/>
-            </a:pPr>
-            <a:r>
-              <a:rPr lang="en-US" sz="1600" dirty="0">
-                <a:solidFill>
-                  <a:srgbClr val="000000"/>
-                </a:solidFill>
-                <a:latin typeface="Consolas" panose="020B0609020204030204" pitchFamily="49" charset="0"/>
-              </a:rPr>
-              <a:t>}</a:t>
-            </a:r>
-            <a:endParaRPr lang="en-US" sz="1600" dirty="0"/>
           </a:p>
         </p:txBody>
       </p:sp>
@@ -11347,6 +10815,597 @@
               </a:solidFill>
               <a:latin typeface="Consolas" panose="020B0609020204030204" pitchFamily="49" charset="0"/>
             </a:endParaRPr>
+          </a:p>
+        </p:txBody>
+      </p:sp>
+      <p:sp>
+        <p:nvSpPr>
+          <p:cNvPr id="2" name="Title 1"/>
+          <p:cNvSpPr>
+            <a:spLocks noGrp="1"/>
+          </p:cNvSpPr>
+          <p:nvPr>
+            <p:ph type="title"/>
+          </p:nvPr>
+        </p:nvSpPr>
+        <p:spPr/>
+        <p:txBody>
+          <a:bodyPr/>
+          <a:lstStyle/>
+          <a:p>
+            <a:r>
+              <a:rPr lang="ru-RU" dirty="0" smtClean="0">
+                <a:solidFill>
+                  <a:schemeClr val="bg1"/>
+                </a:solidFill>
+              </a:rPr>
+              <a:t>Событие</a:t>
+            </a:r>
+            <a:r>
+              <a:rPr lang="en-US" dirty="0" smtClean="0">
+                <a:solidFill>
+                  <a:schemeClr val="bg1"/>
+                </a:solidFill>
+              </a:rPr>
+              <a:t> vs </a:t>
+            </a:r>
+            <a:r>
+              <a:rPr lang="ru-RU" dirty="0" smtClean="0">
+                <a:solidFill>
+                  <a:schemeClr val="bg1"/>
+                </a:solidFill>
+              </a:rPr>
+              <a:t>поле с делегатом</a:t>
+            </a:r>
+            <a:endParaRPr lang="en-US" dirty="0">
+              <a:solidFill>
+                <a:schemeClr val="bg1"/>
+              </a:solidFill>
+            </a:endParaRPr>
+          </a:p>
+        </p:txBody>
+      </p:sp>
+      <p:sp>
+        <p:nvSpPr>
+          <p:cNvPr id="3" name="Content Placeholder 2"/>
+          <p:cNvSpPr>
+            <a:spLocks noGrp="1"/>
+          </p:cNvSpPr>
+          <p:nvPr>
+            <p:ph sz="half" idx="1"/>
+          </p:nvPr>
+        </p:nvSpPr>
+        <p:spPr>
+          <a:xfrm>
+            <a:off x="457200" y="1600201"/>
+            <a:ext cx="4038600" cy="2620888"/>
+          </a:xfrm>
+          <a:solidFill>
+            <a:schemeClr val="bg1"/>
+          </a:solidFill>
+        </p:spPr>
+        <p:txBody>
+          <a:bodyPr>
+            <a:normAutofit/>
+          </a:bodyPr>
+          <a:lstStyle/>
+          <a:p>
+            <a:pPr marL="0" indent="0">
+              <a:buNone/>
+            </a:pPr>
+            <a:r>
+              <a:rPr lang="en-US" sz="1600" dirty="0">
+                <a:solidFill>
+                  <a:srgbClr val="0000FF"/>
+                </a:solidFill>
+                <a:latin typeface="Consolas" panose="020B0609020204030204" pitchFamily="49" charset="0"/>
+              </a:rPr>
+              <a:t>class</a:t>
+            </a:r>
+            <a:r>
+              <a:rPr lang="en-US" sz="1600" dirty="0">
+                <a:solidFill>
+                  <a:srgbClr val="000000"/>
+                </a:solidFill>
+                <a:latin typeface="Consolas" panose="020B0609020204030204" pitchFamily="49" charset="0"/>
+              </a:rPr>
+              <a:t> </a:t>
+            </a:r>
+            <a:r>
+              <a:rPr lang="en-US" sz="1600" dirty="0" err="1">
+                <a:solidFill>
+                  <a:srgbClr val="2B91AF"/>
+                </a:solidFill>
+                <a:latin typeface="Consolas" panose="020B0609020204030204" pitchFamily="49" charset="0"/>
+              </a:rPr>
+              <a:t>SomeClass</a:t>
+            </a:r>
+            <a:endParaRPr lang="en-US" sz="1600" dirty="0">
+              <a:solidFill>
+                <a:srgbClr val="000000"/>
+              </a:solidFill>
+              <a:latin typeface="Consolas" panose="020B0609020204030204" pitchFamily="49" charset="0"/>
+            </a:endParaRPr>
+          </a:p>
+          <a:p>
+            <a:pPr marL="0" indent="0">
+              <a:buNone/>
+            </a:pPr>
+            <a:r>
+              <a:rPr lang="en-US" sz="1600" dirty="0">
+                <a:solidFill>
+                  <a:srgbClr val="000000"/>
+                </a:solidFill>
+                <a:latin typeface="Consolas" panose="020B0609020204030204" pitchFamily="49" charset="0"/>
+              </a:rPr>
+              <a:t>{</a:t>
+            </a:r>
+          </a:p>
+          <a:p>
+            <a:pPr marL="0" indent="0">
+              <a:buNone/>
+            </a:pPr>
+            <a:r>
+              <a:rPr lang="ru-RU" sz="1600" dirty="0" smtClean="0">
+                <a:solidFill>
+                  <a:srgbClr val="0000FF"/>
+                </a:solidFill>
+                <a:latin typeface="Consolas" panose="020B0609020204030204" pitchFamily="49" charset="0"/>
+              </a:rPr>
+              <a:t>  </a:t>
+            </a:r>
+            <a:r>
+              <a:rPr lang="en-US" sz="1600" dirty="0" smtClean="0">
+                <a:solidFill>
+                  <a:srgbClr val="0000FF"/>
+                </a:solidFill>
+                <a:latin typeface="Consolas" panose="020B0609020204030204" pitchFamily="49" charset="0"/>
+              </a:rPr>
+              <a:t>public</a:t>
+            </a:r>
+            <a:r>
+              <a:rPr lang="en-US" sz="1600" dirty="0" smtClean="0">
+                <a:solidFill>
+                  <a:srgbClr val="000000"/>
+                </a:solidFill>
+                <a:latin typeface="Consolas" panose="020B0609020204030204" pitchFamily="49" charset="0"/>
+              </a:rPr>
+              <a:t> </a:t>
+            </a:r>
+            <a:r>
+              <a:rPr lang="en-US" sz="1600" dirty="0">
+                <a:solidFill>
+                  <a:srgbClr val="2B91AF"/>
+                </a:solidFill>
+                <a:latin typeface="Consolas" panose="020B0609020204030204" pitchFamily="49" charset="0"/>
+              </a:rPr>
+              <a:t>Action</a:t>
+            </a:r>
+            <a:r>
+              <a:rPr lang="en-US" sz="1600" dirty="0">
+                <a:solidFill>
+                  <a:srgbClr val="000000"/>
+                </a:solidFill>
+                <a:latin typeface="Consolas" panose="020B0609020204030204" pitchFamily="49" charset="0"/>
+              </a:rPr>
+              <a:t> </a:t>
+            </a:r>
+            <a:r>
+              <a:rPr lang="en-US" sz="1600" dirty="0" err="1">
+                <a:solidFill>
+                  <a:srgbClr val="000000"/>
+                </a:solidFill>
+                <a:latin typeface="Consolas" panose="020B0609020204030204" pitchFamily="49" charset="0"/>
+              </a:rPr>
+              <a:t>SomeEvent</a:t>
+            </a:r>
+            <a:r>
+              <a:rPr lang="en-US" sz="1600" dirty="0" smtClean="0">
+                <a:solidFill>
+                  <a:srgbClr val="000000"/>
+                </a:solidFill>
+                <a:latin typeface="Consolas" panose="020B0609020204030204" pitchFamily="49" charset="0"/>
+              </a:rPr>
+              <a:t>;</a:t>
+            </a:r>
+          </a:p>
+          <a:p>
+            <a:pPr marL="0" indent="0">
+              <a:buNone/>
+            </a:pPr>
+            <a:r>
+              <a:rPr lang="ru-RU" sz="1600" dirty="0">
+                <a:solidFill>
+                  <a:srgbClr val="008000"/>
+                </a:solidFill>
+                <a:latin typeface="Consolas" panose="020B0609020204030204" pitchFamily="49" charset="0"/>
+              </a:rPr>
+              <a:t> </a:t>
+            </a:r>
+            <a:r>
+              <a:rPr lang="en-US" sz="1600" dirty="0" smtClean="0">
+                <a:solidFill>
+                  <a:srgbClr val="008000"/>
+                </a:solidFill>
+                <a:latin typeface="Consolas" panose="020B0609020204030204" pitchFamily="49" charset="0"/>
+              </a:rPr>
+              <a:t> // </a:t>
+            </a:r>
+            <a:r>
+              <a:rPr lang="ru-RU" sz="1600" dirty="0" smtClean="0">
+                <a:solidFill>
+                  <a:srgbClr val="008000"/>
+                </a:solidFill>
+                <a:latin typeface="Consolas" panose="020B0609020204030204" pitchFamily="49" charset="0"/>
+              </a:rPr>
+              <a:t>Код класса работающий</a:t>
+            </a:r>
+            <a:endParaRPr lang="en-US" sz="1600" dirty="0" smtClean="0">
+              <a:solidFill>
+                <a:srgbClr val="008000"/>
+              </a:solidFill>
+              <a:latin typeface="Consolas" panose="020B0609020204030204" pitchFamily="49" charset="0"/>
+            </a:endParaRPr>
+          </a:p>
+          <a:p>
+            <a:pPr marL="0" indent="0">
+              <a:buNone/>
+            </a:pPr>
+            <a:r>
+              <a:rPr lang="en-US" sz="1600" dirty="0" smtClean="0">
+                <a:solidFill>
+                  <a:srgbClr val="008000"/>
+                </a:solidFill>
+                <a:latin typeface="Consolas" panose="020B0609020204030204" pitchFamily="49" charset="0"/>
+              </a:rPr>
+              <a:t>  //   </a:t>
+            </a:r>
+            <a:r>
+              <a:rPr lang="ru-RU" sz="1600" dirty="0" smtClean="0">
+                <a:solidFill>
+                  <a:srgbClr val="008000"/>
+                </a:solidFill>
+                <a:latin typeface="Consolas" panose="020B0609020204030204" pitchFamily="49" charset="0"/>
+              </a:rPr>
+              <a:t>с </a:t>
+            </a:r>
+            <a:r>
+              <a:rPr lang="en-US" sz="1600" dirty="0" err="1" smtClean="0">
+                <a:solidFill>
+                  <a:srgbClr val="008000"/>
+                </a:solidFill>
+                <a:latin typeface="Consolas" panose="020B0609020204030204" pitchFamily="49" charset="0"/>
+              </a:rPr>
+              <a:t>SomeEvent</a:t>
+            </a:r>
+            <a:endParaRPr lang="en-US" sz="1600" dirty="0">
+              <a:solidFill>
+                <a:srgbClr val="000000"/>
+              </a:solidFill>
+              <a:latin typeface="Consolas" panose="020B0609020204030204" pitchFamily="49" charset="0"/>
+            </a:endParaRPr>
+          </a:p>
+          <a:p>
+            <a:pPr marL="0" indent="0">
+              <a:buNone/>
+            </a:pPr>
+            <a:r>
+              <a:rPr lang="ru-RU" sz="1600" dirty="0" smtClean="0">
+                <a:solidFill>
+                  <a:srgbClr val="008000"/>
+                </a:solidFill>
+                <a:latin typeface="Consolas" panose="020B0609020204030204" pitchFamily="49" charset="0"/>
+              </a:rPr>
+              <a:t>  </a:t>
+            </a:r>
+            <a:r>
+              <a:rPr lang="en-US" sz="1600" dirty="0" smtClean="0">
+                <a:solidFill>
+                  <a:srgbClr val="008000"/>
+                </a:solidFill>
+                <a:latin typeface="Consolas" panose="020B0609020204030204" pitchFamily="49" charset="0"/>
+              </a:rPr>
+              <a:t>//...</a:t>
+            </a:r>
+            <a:endParaRPr lang="en-US" sz="1600" dirty="0">
+              <a:solidFill>
+                <a:srgbClr val="000000"/>
+              </a:solidFill>
+              <a:latin typeface="Consolas" panose="020B0609020204030204" pitchFamily="49" charset="0"/>
+            </a:endParaRPr>
+          </a:p>
+          <a:p>
+            <a:pPr marL="0" indent="0">
+              <a:buNone/>
+            </a:pPr>
+            <a:r>
+              <a:rPr lang="en-US" sz="1600" dirty="0" smtClean="0">
+                <a:solidFill>
+                  <a:srgbClr val="000000"/>
+                </a:solidFill>
+                <a:latin typeface="Consolas" panose="020B0609020204030204" pitchFamily="49" charset="0"/>
+              </a:rPr>
+              <a:t>}</a:t>
+            </a:r>
+            <a:endParaRPr lang="en-US" sz="1600" dirty="0"/>
+          </a:p>
+        </p:txBody>
+      </p:sp>
+      <p:sp>
+        <p:nvSpPr>
+          <p:cNvPr id="4" name="Content Placeholder 3"/>
+          <p:cNvSpPr>
+            <a:spLocks noGrp="1"/>
+          </p:cNvSpPr>
+          <p:nvPr>
+            <p:ph sz="half" idx="2"/>
+          </p:nvPr>
+        </p:nvSpPr>
+        <p:spPr>
+          <a:xfrm>
+            <a:off x="4648200" y="1600200"/>
+            <a:ext cx="4038600" cy="2620889"/>
+          </a:xfrm>
+          <a:solidFill>
+            <a:schemeClr val="bg1"/>
+          </a:solidFill>
+        </p:spPr>
+        <p:txBody>
+          <a:bodyPr>
+            <a:normAutofit/>
+          </a:bodyPr>
+          <a:lstStyle/>
+          <a:p>
+            <a:pPr marL="0" indent="0">
+              <a:buNone/>
+            </a:pPr>
+            <a:r>
+              <a:rPr lang="en-US" sz="1600" dirty="0">
+                <a:solidFill>
+                  <a:srgbClr val="0000FF"/>
+                </a:solidFill>
+                <a:latin typeface="Consolas" panose="020B0609020204030204" pitchFamily="49" charset="0"/>
+              </a:rPr>
+              <a:t>class</a:t>
+            </a:r>
+            <a:r>
+              <a:rPr lang="en-US" sz="1600" dirty="0">
+                <a:solidFill>
+                  <a:srgbClr val="000000"/>
+                </a:solidFill>
+                <a:latin typeface="Consolas" panose="020B0609020204030204" pitchFamily="49" charset="0"/>
+              </a:rPr>
+              <a:t> </a:t>
+            </a:r>
+            <a:r>
+              <a:rPr lang="en-US" sz="1600" dirty="0" err="1">
+                <a:solidFill>
+                  <a:srgbClr val="2B91AF"/>
+                </a:solidFill>
+                <a:latin typeface="Consolas" panose="020B0609020204030204" pitchFamily="49" charset="0"/>
+              </a:rPr>
+              <a:t>SomeClass</a:t>
+            </a:r>
+            <a:endParaRPr lang="en-US" sz="1600" dirty="0">
+              <a:solidFill>
+                <a:srgbClr val="000000"/>
+              </a:solidFill>
+              <a:latin typeface="Consolas" panose="020B0609020204030204" pitchFamily="49" charset="0"/>
+            </a:endParaRPr>
+          </a:p>
+          <a:p>
+            <a:pPr marL="0" indent="0">
+              <a:buNone/>
+            </a:pPr>
+            <a:r>
+              <a:rPr lang="en-US" sz="1600" dirty="0">
+                <a:solidFill>
+                  <a:srgbClr val="000000"/>
+                </a:solidFill>
+                <a:latin typeface="Consolas" panose="020B0609020204030204" pitchFamily="49" charset="0"/>
+              </a:rPr>
+              <a:t>{</a:t>
+            </a:r>
+          </a:p>
+          <a:p>
+            <a:pPr marL="0" indent="0">
+              <a:buNone/>
+            </a:pPr>
+            <a:r>
+              <a:rPr lang="en-US" sz="1600" dirty="0" smtClean="0">
+                <a:solidFill>
+                  <a:srgbClr val="0000FF"/>
+                </a:solidFill>
+                <a:latin typeface="Consolas" panose="020B0609020204030204" pitchFamily="49" charset="0"/>
+              </a:rPr>
+              <a:t>  public</a:t>
+            </a:r>
+            <a:r>
+              <a:rPr lang="en-US" sz="1600" dirty="0" smtClean="0">
+                <a:solidFill>
+                  <a:srgbClr val="000000"/>
+                </a:solidFill>
+                <a:latin typeface="Consolas" panose="020B0609020204030204" pitchFamily="49" charset="0"/>
+              </a:rPr>
+              <a:t> </a:t>
+            </a:r>
+            <a:r>
+              <a:rPr lang="en-US" sz="1600" dirty="0">
+                <a:solidFill>
+                  <a:srgbClr val="0000FF"/>
+                </a:solidFill>
+                <a:latin typeface="Consolas" panose="020B0609020204030204" pitchFamily="49" charset="0"/>
+              </a:rPr>
+              <a:t>event</a:t>
+            </a:r>
+            <a:r>
+              <a:rPr lang="en-US" sz="1600" dirty="0">
+                <a:solidFill>
+                  <a:srgbClr val="000000"/>
+                </a:solidFill>
+                <a:latin typeface="Consolas" panose="020B0609020204030204" pitchFamily="49" charset="0"/>
+              </a:rPr>
+              <a:t> </a:t>
+            </a:r>
+            <a:r>
+              <a:rPr lang="en-US" sz="1600" dirty="0">
+                <a:solidFill>
+                  <a:srgbClr val="2B91AF"/>
+                </a:solidFill>
+                <a:latin typeface="Consolas" panose="020B0609020204030204" pitchFamily="49" charset="0"/>
+              </a:rPr>
+              <a:t>Action</a:t>
+            </a:r>
+            <a:r>
+              <a:rPr lang="en-US" sz="1600" dirty="0">
+                <a:solidFill>
+                  <a:srgbClr val="000000"/>
+                </a:solidFill>
+                <a:latin typeface="Consolas" panose="020B0609020204030204" pitchFamily="49" charset="0"/>
+              </a:rPr>
+              <a:t> </a:t>
+            </a:r>
+            <a:r>
+              <a:rPr lang="en-US" sz="1600" dirty="0" err="1">
+                <a:solidFill>
+                  <a:srgbClr val="000000"/>
+                </a:solidFill>
+                <a:latin typeface="Consolas" panose="020B0609020204030204" pitchFamily="49" charset="0"/>
+              </a:rPr>
+              <a:t>SomeEvent</a:t>
+            </a:r>
+            <a:r>
+              <a:rPr lang="en-US" sz="1600" dirty="0">
+                <a:solidFill>
+                  <a:srgbClr val="000000"/>
+                </a:solidFill>
+                <a:latin typeface="Consolas" panose="020B0609020204030204" pitchFamily="49" charset="0"/>
+              </a:rPr>
+              <a:t>;</a:t>
+            </a:r>
+          </a:p>
+          <a:p>
+            <a:pPr marL="0" indent="0">
+              <a:buNone/>
+            </a:pPr>
+            <a:r>
+              <a:rPr lang="en-US" sz="1600" dirty="0">
+                <a:solidFill>
+                  <a:srgbClr val="008000"/>
+                </a:solidFill>
+                <a:latin typeface="Consolas" panose="020B0609020204030204" pitchFamily="49" charset="0"/>
+              </a:rPr>
+              <a:t> </a:t>
+            </a:r>
+            <a:r>
+              <a:rPr lang="en-US" sz="1600" dirty="0" smtClean="0">
+                <a:solidFill>
+                  <a:srgbClr val="008000"/>
+                </a:solidFill>
+                <a:latin typeface="Consolas" panose="020B0609020204030204" pitchFamily="49" charset="0"/>
+              </a:rPr>
+              <a:t> // </a:t>
+            </a:r>
+            <a:r>
+              <a:rPr lang="ru-RU" sz="1600" dirty="0">
+                <a:solidFill>
+                  <a:srgbClr val="008000"/>
+                </a:solidFill>
+                <a:latin typeface="Consolas" panose="020B0609020204030204" pitchFamily="49" charset="0"/>
+              </a:rPr>
+              <a:t>Код класса работающий</a:t>
+            </a:r>
+            <a:endParaRPr lang="en-US" sz="1600" dirty="0">
+              <a:solidFill>
+                <a:srgbClr val="008000"/>
+              </a:solidFill>
+              <a:latin typeface="Consolas" panose="020B0609020204030204" pitchFamily="49" charset="0"/>
+            </a:endParaRPr>
+          </a:p>
+          <a:p>
+            <a:pPr marL="0" indent="0">
+              <a:buNone/>
+            </a:pPr>
+            <a:r>
+              <a:rPr lang="en-US" sz="1600" dirty="0">
+                <a:solidFill>
+                  <a:srgbClr val="008000"/>
+                </a:solidFill>
+                <a:latin typeface="Consolas" panose="020B0609020204030204" pitchFamily="49" charset="0"/>
+              </a:rPr>
+              <a:t>  //   </a:t>
+            </a:r>
+            <a:r>
+              <a:rPr lang="ru-RU" sz="1600" dirty="0">
+                <a:solidFill>
+                  <a:srgbClr val="008000"/>
+                </a:solidFill>
+                <a:latin typeface="Consolas" panose="020B0609020204030204" pitchFamily="49" charset="0"/>
+              </a:rPr>
+              <a:t>с </a:t>
+            </a:r>
+            <a:r>
+              <a:rPr lang="en-US" sz="1600" dirty="0" err="1">
+                <a:solidFill>
+                  <a:srgbClr val="008000"/>
+                </a:solidFill>
+                <a:latin typeface="Consolas" panose="020B0609020204030204" pitchFamily="49" charset="0"/>
+              </a:rPr>
+              <a:t>SomeEvent</a:t>
+            </a:r>
+            <a:r>
+              <a:rPr lang="en-US" sz="1600" dirty="0" smtClean="0">
+                <a:solidFill>
+                  <a:srgbClr val="008000"/>
+                </a:solidFill>
+                <a:latin typeface="Consolas" panose="020B0609020204030204" pitchFamily="49" charset="0"/>
+              </a:rPr>
+              <a:t>  </a:t>
+            </a:r>
+          </a:p>
+          <a:p>
+            <a:pPr marL="0" indent="0">
+              <a:buNone/>
+            </a:pPr>
+            <a:r>
+              <a:rPr lang="en-US" sz="1600" dirty="0">
+                <a:solidFill>
+                  <a:srgbClr val="008000"/>
+                </a:solidFill>
+                <a:latin typeface="Consolas" panose="020B0609020204030204" pitchFamily="49" charset="0"/>
+              </a:rPr>
+              <a:t> </a:t>
+            </a:r>
+            <a:r>
+              <a:rPr lang="en-US" sz="1600" dirty="0" smtClean="0">
+                <a:solidFill>
+                  <a:srgbClr val="008000"/>
+                </a:solidFill>
+                <a:latin typeface="Consolas" panose="020B0609020204030204" pitchFamily="49" charset="0"/>
+              </a:rPr>
+              <a:t> //...</a:t>
+            </a:r>
+            <a:endParaRPr lang="en-US" sz="1600" dirty="0">
+              <a:solidFill>
+                <a:srgbClr val="000000"/>
+              </a:solidFill>
+              <a:latin typeface="Consolas" panose="020B0609020204030204" pitchFamily="49" charset="0"/>
+            </a:endParaRPr>
+          </a:p>
+          <a:p>
+            <a:pPr marL="0" indent="0">
+              <a:buNone/>
+            </a:pPr>
+            <a:r>
+              <a:rPr lang="en-US" sz="1600" dirty="0">
+                <a:solidFill>
+                  <a:srgbClr val="000000"/>
+                </a:solidFill>
+                <a:latin typeface="Consolas" panose="020B0609020204030204" pitchFamily="49" charset="0"/>
+              </a:rPr>
+              <a:t>}</a:t>
+            </a:r>
+            <a:endParaRPr lang="en-US" sz="1600" dirty="0"/>
           </a:p>
         </p:txBody>
       </p:sp>
@@ -11444,8 +11503,8 @@
         </p:nvSpPr>
         <p:spPr>
           <a:xfrm>
-            <a:off x="476052" y="6021288"/>
-            <a:ext cx="8210748" cy="646331"/>
+            <a:off x="476052" y="5877272"/>
+            <a:ext cx="8210748" cy="584775"/>
           </a:xfrm>
           <a:prstGeom prst="rect">
             <a:avLst/>
@@ -11459,18 +11518,26 @@
           <a:lstStyle/>
           <a:p>
             <a:r>
-              <a:rPr lang="ru-RU" dirty="0" smtClean="0"/>
+              <a:rPr lang="ru-RU" sz="1600" dirty="0" smtClean="0"/>
               <a:t>Если оба класса ведут себя одинаково, то в чем разница? В том кто владеет списком обработчиков (</a:t>
             </a:r>
             <a:r>
-              <a:rPr lang="en-US" dirty="0" smtClean="0"/>
+              <a:rPr lang="en-US" sz="1600" dirty="0" smtClean="0"/>
               <a:t>invocation list</a:t>
             </a:r>
             <a:r>
-              <a:rPr lang="ru-RU" dirty="0" smtClean="0"/>
+              <a:rPr lang="ru-RU" sz="1600" dirty="0" smtClean="0"/>
               <a:t>).</a:t>
             </a:r>
-            <a:endParaRPr lang="en-US" dirty="0"/>
+            <a:r>
+              <a:rPr lang="en-US" sz="1600" dirty="0" smtClean="0"/>
+              <a:t> </a:t>
+            </a:r>
+            <a:r>
+              <a:rPr lang="ru-RU" sz="1600" dirty="0" smtClean="0"/>
+              <a:t>Другой класс не может очистить список подписчиков.</a:t>
+            </a:r>
+            <a:endParaRPr lang="en-US" sz="1600" dirty="0"/>
           </a:p>
         </p:txBody>
       </p:sp>
@@ -11484,11 +11551,11 @@
   <p:clrMapOvr>
     <a:masterClrMapping/>
   </p:clrMapOvr>
-  <mc:AlternateContent xmlns:mc="http://schemas.openxmlformats.org/markup-compatibility/2006">
-    <mc:Choice xmlns:p14="http://schemas.microsoft.com/office/powerpoint/2010/main" Requires="p14">
+  <mc:AlternateContent xmlns:mc="http://schemas.openxmlformats.org/markup-compatibility/2006" xmlns:p14="http://schemas.microsoft.com/office/powerpoint/2010/main">
+    <mc:Choice Requires="p14">
       <p:transition p14:dur="10"/>
     </mc:Choice>
-    <mc:Fallback>
+    <mc:Fallback xmlns="">
       <p:transition/>
     </mc:Fallback>
   </mc:AlternateContent>
@@ -11727,23 +11794,7 @@
                   <a:schemeClr val="bg1"/>
                 </a:solidFill>
               </a:rPr>
-              <a:t>События- </a:t>
-            </a:r>
-            <a:r>
-              <a:rPr lang="en-US" dirty="0">
-                <a:solidFill>
-                  <a:schemeClr val="bg1"/>
-                </a:solidFill>
-              </a:rPr>
-              <a:t>class vs </a:t>
-            </a:r>
-            <a:r>
-              <a:rPr lang="en-US" dirty="0" err="1">
-                <a:solidFill>
-                  <a:schemeClr val="bg1"/>
-                </a:solidFill>
-              </a:rPr>
-              <a:t>struct</a:t>
+              <a:t>События и наследование</a:t>
             </a:r>
             <a:endParaRPr lang="en-US" dirty="0">
               <a:solidFill>
@@ -11777,31 +11828,7 @@
                   <a:schemeClr val="bg1"/>
                 </a:solidFill>
               </a:rPr>
-              <a:t>В структурах можно объявлять события. Проявляйте</a:t>
-            </a:r>
-            <a:r>
-              <a:rPr lang="ru-RU" dirty="0">
-                <a:solidFill>
-                  <a:schemeClr val="bg1"/>
-                </a:solidFill>
-              </a:rPr>
-              <a:t>,</a:t>
-            </a:r>
-            <a:r>
-              <a:rPr lang="ru-RU" dirty="0" smtClean="0">
-                <a:solidFill>
-                  <a:schemeClr val="bg1"/>
-                </a:solidFill>
-              </a:rPr>
-              <a:t> однако, осторожность при их использовании чтобы не подписаться на событие у </a:t>
-            </a:r>
-            <a:r>
-              <a:rPr lang="ru-RU" smtClean="0">
-                <a:solidFill>
-                  <a:schemeClr val="bg1"/>
-                </a:solidFill>
-              </a:rPr>
-              <a:t>копии значения.</a:t>
+              <a:t>Наследники не могут генерировать события родительских классов. Или говоря проще – событие может быть сгенерировано только типом в котором оно объявлено.</a:t>
             </a:r>
             <a:endParaRPr lang="ru-RU" dirty="0">
               <a:solidFill>
@@ -11817,7 +11844,7 @@
     </p:spTree>
     <p:extLst>
       <p:ext uri="{BB962C8B-B14F-4D97-AF65-F5344CB8AC3E}">
-        <p14:creationId xmlns:p14="http://schemas.microsoft.com/office/powerpoint/2010/main" val="2062112174"/>
+        <p14:creationId xmlns:p14="http://schemas.microsoft.com/office/powerpoint/2010/main" val="3789171591"/>
       </p:ext>
     </p:extLst>
   </p:cSld>
@@ -11839,9 +11866,15 @@
   <p:cSld>
     <p:bg>
       <p:bgPr>
-        <a:solidFill>
-          <a:srgbClr val="6600CC"/>
-        </a:solidFill>
+        <a:blipFill dpi="0" rotWithShape="1">
+          <a:blip r:embed="rId2">
+            <a:lum/>
+          </a:blip>
+          <a:srcRect/>
+          <a:stretch>
+            <a:fillRect/>
+          </a:stretch>
+        </a:blipFill>
         <a:effectLst/>
       </p:bgPr>
     </p:bg>
@@ -11861,62 +11894,46 @@
       </p:grpSpPr>
       <p:sp>
         <p:nvSpPr>
-          <p:cNvPr id="12290" name="Прямоугольник 2"/>
+          <p:cNvPr id="2" name="Title 1"/>
           <p:cNvSpPr>
-            <a:spLocks noChangeArrowheads="1"/>
+            <a:spLocks noGrp="1"/>
           </p:cNvSpPr>
-          <p:nvPr/>
+          <p:nvPr>
+            <p:ph type="title"/>
+          </p:nvPr>
         </p:nvSpPr>
-        <p:spPr bwMode="auto">
-          <a:xfrm>
-            <a:off x="2133600" y="0"/>
-            <a:ext cx="5105400" cy="461963"/>
-          </a:xfrm>
-          <a:prstGeom prst="rect">
-            <a:avLst/>
-          </a:prstGeom>
-          <a:noFill/>
-          <a:ln>
-            <a:noFill/>
-          </a:ln>
-          <a:extLst>
-            <a:ext uri="{909E8E84-426E-40DD-AFC4-6F175D3DCCD1}">
-              <a14:hiddenFill xmlns:a14="http://schemas.microsoft.com/office/drawing/2010/main">
-                <a:solidFill>
-                  <a:srgbClr val="FFFFFF"/>
-                </a:solidFill>
-              </a14:hiddenFill>
-            </a:ext>
-            <a:ext uri="{91240B29-F687-4F45-9708-019B960494DF}">
-              <a14:hiddenLine xmlns:a14="http://schemas.microsoft.com/office/drawing/2010/main" w="9525">
-                <a:solidFill>
-                  <a:srgbClr val="000000"/>
-                </a:solidFill>
-                <a:miter lim="800000"/>
-                <a:headEnd/>
-                <a:tailEnd/>
-              </a14:hiddenLine>
-            </a:ext>
-          </a:extLst>
-        </p:spPr>
+        <p:spPr/>
         <p:txBody>
-          <a:bodyPr>
-            <a:spAutoFit/>
-          </a:bodyPr>
+          <a:bodyPr/>
           <a:lstStyle/>
           <a:p>
-            <a:pPr algn="ctr"/>
-            <a:r>
-              <a:rPr lang="ru-RU" sz="2400" b="1" dirty="0" smtClean="0">
-                <a:solidFill>
-                  <a:srgbClr val="FFFFFF"/>
-                </a:solidFill>
-              </a:rPr>
-              <a:t>Самостоятельное задание</a:t>
-            </a:r>
-            <a:endParaRPr lang="ru-RU" sz="2400" b="1" dirty="0">
-              <a:solidFill>
-                <a:srgbClr val="FFFFFF"/>
+            <a:r>
+              <a:rPr lang="ru-RU" dirty="0" smtClean="0">
+                <a:solidFill>
+                  <a:schemeClr val="bg1"/>
+                </a:solidFill>
+              </a:rPr>
+              <a:t>События: </a:t>
+            </a:r>
+            <a:r>
+              <a:rPr lang="en-US" dirty="0">
+                <a:solidFill>
+                  <a:schemeClr val="bg1"/>
+                </a:solidFill>
+              </a:rPr>
+              <a:t>class vs </a:t>
+            </a:r>
+            <a:r>
+              <a:rPr lang="en-US" dirty="0" err="1">
+                <a:solidFill>
+                  <a:schemeClr val="bg1"/>
+                </a:solidFill>
+              </a:rPr>
+              <a:t>struct</a:t>
+            </a:r>
+            <a:endParaRPr lang="en-US" dirty="0">
+              <a:solidFill>
+                <a:schemeClr val="bg1"/>
               </a:solidFill>
             </a:endParaRPr>
           </a:p>
@@ -11924,203 +11941,69 @@
       </p:sp>
       <p:sp>
         <p:nvSpPr>
-          <p:cNvPr id="8" name="TextBox 6"/>
-          <p:cNvSpPr txBox="1">
-            <a:spLocks noChangeArrowheads="1"/>
+          <p:cNvPr id="3" name="Content Placeholder 2"/>
+          <p:cNvSpPr>
+            <a:spLocks noGrp="1"/>
           </p:cNvSpPr>
-          <p:nvPr/>
+          <p:nvPr>
+            <p:ph idx="1"/>
+          </p:nvPr>
         </p:nvSpPr>
-        <p:spPr bwMode="auto">
-          <a:xfrm>
-            <a:off x="152400" y="620688"/>
-            <a:ext cx="8839200" cy="923330"/>
-          </a:xfrm>
-          <a:prstGeom prst="rect">
-            <a:avLst/>
-          </a:prstGeom>
-          <a:noFill/>
-          <a:ln>
-            <a:noFill/>
-          </a:ln>
-          <a:extLst>
-            <a:ext uri="{909E8E84-426E-40DD-AFC4-6F175D3DCCD1}">
-              <a14:hiddenFill xmlns:a14="http://schemas.microsoft.com/office/drawing/2010/main">
-                <a:solidFill>
-                  <a:srgbClr val="FFFFFF"/>
-                </a:solidFill>
-              </a14:hiddenFill>
-            </a:ext>
-            <a:ext uri="{91240B29-F687-4F45-9708-019B960494DF}">
-              <a14:hiddenLine xmlns:a14="http://schemas.microsoft.com/office/drawing/2010/main" w="9525">
-                <a:solidFill>
-                  <a:srgbClr val="000000"/>
-                </a:solidFill>
-                <a:miter lim="800000"/>
-                <a:headEnd/>
-                <a:tailEnd/>
-              </a14:hiddenLine>
-            </a:ext>
-          </a:extLst>
-        </p:spPr>
+        <p:spPr/>
         <p:txBody>
-          <a:bodyPr>
-            <a:spAutoFit/>
-          </a:bodyPr>
-          <a:lstStyle>
-            <a:lvl1pPr defTabSz="358775" eaLnBrk="0" hangingPunct="0">
-              <a:defRPr>
-                <a:solidFill>
-                  <a:schemeClr val="tx1"/>
-                </a:solidFill>
-                <a:latin typeface="Arial" charset="0"/>
-              </a:defRPr>
-            </a:lvl1pPr>
-            <a:lvl2pPr marL="742950" indent="-285750" defTabSz="358775" eaLnBrk="0" hangingPunct="0">
-              <a:defRPr>
-                <a:solidFill>
-                  <a:schemeClr val="tx1"/>
-                </a:solidFill>
-                <a:latin typeface="Arial" charset="0"/>
-              </a:defRPr>
-            </a:lvl2pPr>
-            <a:lvl3pPr marL="1143000" indent="-228600" defTabSz="358775" eaLnBrk="0" hangingPunct="0">
-              <a:defRPr>
-                <a:solidFill>
-                  <a:schemeClr val="tx1"/>
-                </a:solidFill>
-                <a:latin typeface="Arial" charset="0"/>
-              </a:defRPr>
-            </a:lvl3pPr>
-            <a:lvl4pPr marL="1600200" indent="-228600" defTabSz="358775" eaLnBrk="0" hangingPunct="0">
-              <a:defRPr>
-                <a:solidFill>
-                  <a:schemeClr val="tx1"/>
-                </a:solidFill>
-                <a:latin typeface="Arial" charset="0"/>
-              </a:defRPr>
-            </a:lvl4pPr>
-            <a:lvl5pPr marL="2057400" indent="-228600" defTabSz="358775" eaLnBrk="0" hangingPunct="0">
-              <a:defRPr>
-                <a:solidFill>
-                  <a:schemeClr val="tx1"/>
-                </a:solidFill>
-                <a:latin typeface="Arial" charset="0"/>
-              </a:defRPr>
-            </a:lvl5pPr>
-            <a:lvl6pPr marL="2514600" indent="-228600" defTabSz="358775" eaLnBrk="0" fontAlgn="base" hangingPunct="0">
-              <a:spcBef>
-                <a:spcPct val="0"/>
-              </a:spcBef>
-              <a:spcAft>
-                <a:spcPct val="0"/>
-              </a:spcAft>
-              <a:defRPr>
-                <a:solidFill>
-                  <a:schemeClr val="tx1"/>
-                </a:solidFill>
-                <a:latin typeface="Arial" charset="0"/>
-              </a:defRPr>
-            </a:lvl6pPr>
-            <a:lvl7pPr marL="2971800" indent="-228600" defTabSz="358775" eaLnBrk="0" fontAlgn="base" hangingPunct="0">
-              <a:spcBef>
-                <a:spcPct val="0"/>
-              </a:spcBef>
-              <a:spcAft>
-                <a:spcPct val="0"/>
-              </a:spcAft>
-              <a:defRPr>
-                <a:solidFill>
-                  <a:schemeClr val="tx1"/>
-                </a:solidFill>
-                <a:latin typeface="Arial" charset="0"/>
-              </a:defRPr>
-            </a:lvl7pPr>
-            <a:lvl8pPr marL="3429000" indent="-228600" defTabSz="358775" eaLnBrk="0" fontAlgn="base" hangingPunct="0">
-              <a:spcBef>
-                <a:spcPct val="0"/>
-              </a:spcBef>
-              <a:spcAft>
-                <a:spcPct val="0"/>
-              </a:spcAft>
-              <a:defRPr>
-                <a:solidFill>
-                  <a:schemeClr val="tx1"/>
-                </a:solidFill>
-                <a:latin typeface="Arial" charset="0"/>
-              </a:defRPr>
-            </a:lvl8pPr>
-            <a:lvl9pPr marL="3886200" indent="-228600" defTabSz="358775" eaLnBrk="0" fontAlgn="base" hangingPunct="0">
-              <a:spcBef>
-                <a:spcPct val="0"/>
-              </a:spcBef>
-              <a:spcAft>
-                <a:spcPct val="0"/>
-              </a:spcAft>
-              <a:defRPr>
-                <a:solidFill>
-                  <a:schemeClr val="tx1"/>
-                </a:solidFill>
-                <a:latin typeface="Arial" charset="0"/>
-              </a:defRPr>
-            </a:lvl9pPr>
-          </a:lstStyle>
-          <a:p>
-            <a:pPr eaLnBrk="1" hangingPunct="1"/>
+          <a:bodyPr/>
+          <a:lstStyle/>
+          <a:p>
+            <a:pPr marL="0" indent="0">
+              <a:buNone/>
+            </a:pPr>
             <a:r>
               <a:rPr lang="ru-RU" dirty="0" smtClean="0">
                 <a:solidFill>
-                  <a:srgbClr val="FFFFFF"/>
-                </a:solidFill>
-                <a:cs typeface="Arial" charset="0"/>
-              </a:rPr>
-              <a:t>Добавление событий к классу</a:t>
-            </a:r>
-            <a:r>
-              <a:rPr lang="en-US" dirty="0" smtClean="0">
-                <a:solidFill>
-                  <a:srgbClr val="FFFFFF"/>
-                </a:solidFill>
-                <a:cs typeface="Arial" charset="0"/>
-              </a:rPr>
-              <a:t>Vehicle.</a:t>
-            </a:r>
-          </a:p>
-          <a:p>
-            <a:pPr eaLnBrk="1" hangingPunct="1"/>
+                  <a:schemeClr val="bg1"/>
+                </a:solidFill>
+              </a:rPr>
+              <a:t>В структурах можно объявлять события. Проявляйте</a:t>
+            </a:r>
+            <a:r>
+              <a:rPr lang="ru-RU" dirty="0">
+                <a:solidFill>
+                  <a:schemeClr val="bg1"/>
+                </a:solidFill>
+              </a:rPr>
+              <a:t>,</a:t>
+            </a:r>
+            <a:r>
+              <a:rPr lang="ru-RU" dirty="0" smtClean="0">
+                <a:solidFill>
+                  <a:schemeClr val="bg1"/>
+                </a:solidFill>
+              </a:rPr>
+              <a:t> однако, осторожность при их использовании чтобы не подписаться на событие у </a:t>
+            </a:r>
+            <a:r>
+              <a:rPr lang="ru-RU" smtClean="0">
+                <a:solidFill>
+                  <a:schemeClr val="bg1"/>
+                </a:solidFill>
+              </a:rPr>
+              <a:t>копии значения.</a:t>
+            </a:r>
             <a:endParaRPr lang="ru-RU" dirty="0">
               <a:solidFill>
-                <a:srgbClr val="FFFFFF"/>
-              </a:solidFill>
-              <a:cs typeface="Arial" charset="0"/>
-            </a:endParaRPr>
-          </a:p>
-          <a:p>
-            <a:pPr eaLnBrk="1" hangingPunct="1"/>
-            <a:r>
-              <a:rPr lang="ru-RU" i="1" dirty="0" smtClean="0">
-                <a:solidFill>
-                  <a:srgbClr val="FFFFFF"/>
-                </a:solidFill>
-                <a:cs typeface="Arial" charset="0"/>
-              </a:rPr>
-              <a:t>Смотрите текст задания в файле </a:t>
-            </a:r>
-            <a:r>
-              <a:rPr lang="en-US" i="1" dirty="0">
-                <a:solidFill>
-                  <a:srgbClr val="FFFFFF"/>
-                </a:solidFill>
-                <a:cs typeface="Arial" charset="0"/>
-              </a:rPr>
-              <a:t>Homework\vehicle-events.docx</a:t>
-            </a:r>
+                <a:schemeClr val="bg1"/>
+              </a:solidFill>
+            </a:endParaRPr>
+          </a:p>
+          <a:p>
+            <a:endParaRPr lang="en-US" dirty="0"/>
           </a:p>
         </p:txBody>
       </p:sp>
     </p:spTree>
     <p:extLst>
       <p:ext uri="{BB962C8B-B14F-4D97-AF65-F5344CB8AC3E}">
-        <p14:creationId xmlns:p14="http://schemas.microsoft.com/office/powerpoint/2010/main" val="428226623"/>
+        <p14:creationId xmlns:p14="http://schemas.microsoft.com/office/powerpoint/2010/main" val="1663105596"/>
       </p:ext>
     </p:extLst>
   </p:cSld>
@@ -12337,6 +12220,309 @@
 </file>
 
 <file path=ppt/slides/slide20.xml><?xml version="1.0" encoding="utf-8"?>
+<p:sld xmlns:a="http://schemas.openxmlformats.org/drawingml/2006/main" xmlns:r="http://schemas.openxmlformats.org/officeDocument/2006/relationships" xmlns:p="http://schemas.openxmlformats.org/presentationml/2006/main">
+  <p:cSld>
+    <p:bg>
+      <p:bgPr>
+        <a:solidFill>
+          <a:srgbClr val="6600CC"/>
+        </a:solidFill>
+        <a:effectLst/>
+      </p:bgPr>
+    </p:bg>
+    <p:spTree>
+      <p:nvGrpSpPr>
+        <p:cNvPr id="1" name=""/>
+        <p:cNvGrpSpPr/>
+        <p:nvPr/>
+      </p:nvGrpSpPr>
+      <p:grpSpPr>
+        <a:xfrm>
+          <a:off x="0" y="0"/>
+          <a:ext cx="0" cy="0"/>
+          <a:chOff x="0" y="0"/>
+          <a:chExt cx="0" cy="0"/>
+        </a:xfrm>
+      </p:grpSpPr>
+      <p:sp>
+        <p:nvSpPr>
+          <p:cNvPr id="12290" name="Прямоугольник 2"/>
+          <p:cNvSpPr>
+            <a:spLocks noChangeArrowheads="1"/>
+          </p:cNvSpPr>
+          <p:nvPr/>
+        </p:nvSpPr>
+        <p:spPr bwMode="auto">
+          <a:xfrm>
+            <a:off x="2133600" y="0"/>
+            <a:ext cx="5105400" cy="461963"/>
+          </a:xfrm>
+          <a:prstGeom prst="rect">
+            <a:avLst/>
+          </a:prstGeom>
+          <a:noFill/>
+          <a:ln>
+            <a:noFill/>
+          </a:ln>
+          <a:extLst>
+            <a:ext uri="{909E8E84-426E-40DD-AFC4-6F175D3DCCD1}">
+              <a14:hiddenFill xmlns:a14="http://schemas.microsoft.com/office/drawing/2010/main">
+                <a:solidFill>
+                  <a:srgbClr val="FFFFFF"/>
+                </a:solidFill>
+              </a14:hiddenFill>
+            </a:ext>
+            <a:ext uri="{91240B29-F687-4F45-9708-019B960494DF}">
+              <a14:hiddenLine xmlns:a14="http://schemas.microsoft.com/office/drawing/2010/main" w="9525">
+                <a:solidFill>
+                  <a:srgbClr val="000000"/>
+                </a:solidFill>
+                <a:miter lim="800000"/>
+                <a:headEnd/>
+                <a:tailEnd/>
+              </a14:hiddenLine>
+            </a:ext>
+          </a:extLst>
+        </p:spPr>
+        <p:txBody>
+          <a:bodyPr>
+            <a:spAutoFit/>
+          </a:bodyPr>
+          <a:lstStyle/>
+          <a:p>
+            <a:pPr algn="ctr"/>
+            <a:r>
+              <a:rPr lang="ru-RU" sz="2400" b="1" dirty="0" smtClean="0">
+                <a:solidFill>
+                  <a:srgbClr val="FFFFFF"/>
+                </a:solidFill>
+              </a:rPr>
+              <a:t>Самостоятельное задание</a:t>
+            </a:r>
+            <a:endParaRPr lang="ru-RU" sz="2400" b="1" dirty="0">
+              <a:solidFill>
+                <a:srgbClr val="FFFFFF"/>
+              </a:solidFill>
+            </a:endParaRPr>
+          </a:p>
+        </p:txBody>
+      </p:sp>
+      <p:sp>
+        <p:nvSpPr>
+          <p:cNvPr id="8" name="TextBox 6"/>
+          <p:cNvSpPr txBox="1">
+            <a:spLocks noChangeArrowheads="1"/>
+          </p:cNvSpPr>
+          <p:nvPr/>
+        </p:nvSpPr>
+        <p:spPr bwMode="auto">
+          <a:xfrm>
+            <a:off x="152400" y="620688"/>
+            <a:ext cx="8839200" cy="923330"/>
+          </a:xfrm>
+          <a:prstGeom prst="rect">
+            <a:avLst/>
+          </a:prstGeom>
+          <a:noFill/>
+          <a:ln>
+            <a:noFill/>
+          </a:ln>
+          <a:extLst>
+            <a:ext uri="{909E8E84-426E-40DD-AFC4-6F175D3DCCD1}">
+              <a14:hiddenFill xmlns:a14="http://schemas.microsoft.com/office/drawing/2010/main">
+                <a:solidFill>
+                  <a:srgbClr val="FFFFFF"/>
+                </a:solidFill>
+              </a14:hiddenFill>
+            </a:ext>
+            <a:ext uri="{91240B29-F687-4F45-9708-019B960494DF}">
+              <a14:hiddenLine xmlns:a14="http://schemas.microsoft.com/office/drawing/2010/main" w="9525">
+                <a:solidFill>
+                  <a:srgbClr val="000000"/>
+                </a:solidFill>
+                <a:miter lim="800000"/>
+                <a:headEnd/>
+                <a:tailEnd/>
+              </a14:hiddenLine>
+            </a:ext>
+          </a:extLst>
+        </p:spPr>
+        <p:txBody>
+          <a:bodyPr>
+            <a:spAutoFit/>
+          </a:bodyPr>
+          <a:lstStyle>
+            <a:lvl1pPr defTabSz="358775" eaLnBrk="0" hangingPunct="0">
+              <a:defRPr>
+                <a:solidFill>
+                  <a:schemeClr val="tx1"/>
+                </a:solidFill>
+                <a:latin typeface="Arial" charset="0"/>
+              </a:defRPr>
+            </a:lvl1pPr>
+            <a:lvl2pPr marL="742950" indent="-285750" defTabSz="358775" eaLnBrk="0" hangingPunct="0">
+              <a:defRPr>
+                <a:solidFill>
+                  <a:schemeClr val="tx1"/>
+                </a:solidFill>
+                <a:latin typeface="Arial" charset="0"/>
+              </a:defRPr>
+            </a:lvl2pPr>
+            <a:lvl3pPr marL="1143000" indent="-228600" defTabSz="358775" eaLnBrk="0" hangingPunct="0">
+              <a:defRPr>
+                <a:solidFill>
+                  <a:schemeClr val="tx1"/>
+                </a:solidFill>
+                <a:latin typeface="Arial" charset="0"/>
+              </a:defRPr>
+            </a:lvl3pPr>
+            <a:lvl4pPr marL="1600200" indent="-228600" defTabSz="358775" eaLnBrk="0" hangingPunct="0">
+              <a:defRPr>
+                <a:solidFill>
+                  <a:schemeClr val="tx1"/>
+                </a:solidFill>
+                <a:latin typeface="Arial" charset="0"/>
+              </a:defRPr>
+            </a:lvl4pPr>
+            <a:lvl5pPr marL="2057400" indent="-228600" defTabSz="358775" eaLnBrk="0" hangingPunct="0">
+              <a:defRPr>
+                <a:solidFill>
+                  <a:schemeClr val="tx1"/>
+                </a:solidFill>
+                <a:latin typeface="Arial" charset="0"/>
+              </a:defRPr>
+            </a:lvl5pPr>
+            <a:lvl6pPr marL="2514600" indent="-228600" defTabSz="358775" eaLnBrk="0" fontAlgn="base" hangingPunct="0">
+              <a:spcBef>
+                <a:spcPct val="0"/>
+              </a:spcBef>
+              <a:spcAft>
+                <a:spcPct val="0"/>
+              </a:spcAft>
+              <a:defRPr>
+                <a:solidFill>
+                  <a:schemeClr val="tx1"/>
+                </a:solidFill>
+                <a:latin typeface="Arial" charset="0"/>
+              </a:defRPr>
+            </a:lvl6pPr>
+            <a:lvl7pPr marL="2971800" indent="-228600" defTabSz="358775" eaLnBrk="0" fontAlgn="base" hangingPunct="0">
+              <a:spcBef>
+                <a:spcPct val="0"/>
+              </a:spcBef>
+              <a:spcAft>
+                <a:spcPct val="0"/>
+              </a:spcAft>
+              <a:defRPr>
+                <a:solidFill>
+                  <a:schemeClr val="tx1"/>
+                </a:solidFill>
+                <a:latin typeface="Arial" charset="0"/>
+              </a:defRPr>
+            </a:lvl7pPr>
+            <a:lvl8pPr marL="3429000" indent="-228600" defTabSz="358775" eaLnBrk="0" fontAlgn="base" hangingPunct="0">
+              <a:spcBef>
+                <a:spcPct val="0"/>
+              </a:spcBef>
+              <a:spcAft>
+                <a:spcPct val="0"/>
+              </a:spcAft>
+              <a:defRPr>
+                <a:solidFill>
+                  <a:schemeClr val="tx1"/>
+                </a:solidFill>
+                <a:latin typeface="Arial" charset="0"/>
+              </a:defRPr>
+            </a:lvl8pPr>
+            <a:lvl9pPr marL="3886200" indent="-228600" defTabSz="358775" eaLnBrk="0" fontAlgn="base" hangingPunct="0">
+              <a:spcBef>
+                <a:spcPct val="0"/>
+              </a:spcBef>
+              <a:spcAft>
+                <a:spcPct val="0"/>
+              </a:spcAft>
+              <a:defRPr>
+                <a:solidFill>
+                  <a:schemeClr val="tx1"/>
+                </a:solidFill>
+                <a:latin typeface="Arial" charset="0"/>
+              </a:defRPr>
+            </a:lvl9pPr>
+          </a:lstStyle>
+          <a:p>
+            <a:pPr eaLnBrk="1" hangingPunct="1"/>
+            <a:r>
+              <a:rPr lang="ru-RU" dirty="0" smtClean="0">
+                <a:solidFill>
+                  <a:srgbClr val="FFFFFF"/>
+                </a:solidFill>
+                <a:cs typeface="Arial" charset="0"/>
+              </a:rPr>
+              <a:t>Добавление событий к классу</a:t>
+            </a:r>
+            <a:r>
+              <a:rPr lang="en-US" dirty="0" smtClean="0">
+                <a:solidFill>
+                  <a:srgbClr val="FFFFFF"/>
+                </a:solidFill>
+                <a:cs typeface="Arial" charset="0"/>
+              </a:rPr>
+              <a:t>Vehicle.</a:t>
+            </a:r>
+          </a:p>
+          <a:p>
+            <a:pPr eaLnBrk="1" hangingPunct="1"/>
+            <a:endParaRPr lang="ru-RU" dirty="0">
+              <a:solidFill>
+                <a:srgbClr val="FFFFFF"/>
+              </a:solidFill>
+              <a:cs typeface="Arial" charset="0"/>
+            </a:endParaRPr>
+          </a:p>
+          <a:p>
+            <a:pPr eaLnBrk="1" hangingPunct="1"/>
+            <a:r>
+              <a:rPr lang="ru-RU" i="1" dirty="0" smtClean="0">
+                <a:solidFill>
+                  <a:srgbClr val="FFFFFF"/>
+                </a:solidFill>
+                <a:cs typeface="Arial" charset="0"/>
+              </a:rPr>
+              <a:t>Смотрите текст задания в файле </a:t>
+            </a:r>
+            <a:r>
+              <a:rPr lang="en-US" i="1" dirty="0">
+                <a:solidFill>
+                  <a:srgbClr val="FFFFFF"/>
+                </a:solidFill>
+                <a:cs typeface="Arial" charset="0"/>
+              </a:rPr>
+              <a:t>Homework\vehicle-events.docx</a:t>
+            </a:r>
+          </a:p>
+        </p:txBody>
+      </p:sp>
+    </p:spTree>
+    <p:extLst>
+      <p:ext uri="{BB962C8B-B14F-4D97-AF65-F5344CB8AC3E}">
+        <p14:creationId xmlns:p14="http://schemas.microsoft.com/office/powerpoint/2010/main" val="428226623"/>
+      </p:ext>
+    </p:extLst>
+  </p:cSld>
+  <p:clrMapOvr>
+    <a:masterClrMapping/>
+  </p:clrMapOvr>
+  <p:timing>
+    <p:tnLst>
+      <p:par>
+        <p:cTn id="1" dur="indefinite" restart="never" nodeType="tmRoot"/>
+      </p:par>
+    </p:tnLst>
+  </p:timing>
+</p:sld>
+</file>
+
+<file path=ppt/slides/slide21.xml><?xml version="1.0" encoding="utf-8"?>
 <p:sld xmlns:a="http://schemas.openxmlformats.org/drawingml/2006/main" xmlns:r="http://schemas.openxmlformats.org/officeDocument/2006/relationships" xmlns:p="http://schemas.openxmlformats.org/presentationml/2006/main">
   <p:cSld>
     <p:bg>

--- a/Presentation/lesson-05-events.pptx
+++ b/Presentation/lesson-05-events.pptx
@@ -9,23 +9,25 @@
     <p:sldId id="285" r:id="rId3"/>
     <p:sldId id="273" r:id="rId4"/>
     <p:sldId id="274" r:id="rId5"/>
-    <p:sldId id="275" r:id="rId6"/>
-    <p:sldId id="276" r:id="rId7"/>
-    <p:sldId id="277" r:id="rId8"/>
-    <p:sldId id="278" r:id="rId9"/>
-    <p:sldId id="279" r:id="rId10"/>
-    <p:sldId id="290" r:id="rId11"/>
+    <p:sldId id="295" r:id="rId6"/>
+    <p:sldId id="275" r:id="rId7"/>
+    <p:sldId id="276" r:id="rId8"/>
+    <p:sldId id="277" r:id="rId9"/>
+    <p:sldId id="278" r:id="rId10"/>
+    <p:sldId id="279" r:id="rId11"/>
     <p:sldId id="280" r:id="rId12"/>
     <p:sldId id="281" r:id="rId13"/>
-    <p:sldId id="282" r:id="rId14"/>
-    <p:sldId id="289" r:id="rId15"/>
-    <p:sldId id="283" r:id="rId16"/>
-    <p:sldId id="286" r:id="rId17"/>
-    <p:sldId id="291" r:id="rId18"/>
-    <p:sldId id="293" r:id="rId19"/>
-    <p:sldId id="294" r:id="rId20"/>
-    <p:sldId id="287" r:id="rId21"/>
-    <p:sldId id="288" r:id="rId22"/>
+    <p:sldId id="290" r:id="rId14"/>
+    <p:sldId id="296" r:id="rId15"/>
+    <p:sldId id="282" r:id="rId16"/>
+    <p:sldId id="289" r:id="rId17"/>
+    <p:sldId id="283" r:id="rId18"/>
+    <p:sldId id="286" r:id="rId19"/>
+    <p:sldId id="291" r:id="rId20"/>
+    <p:sldId id="293" r:id="rId21"/>
+    <p:sldId id="294" r:id="rId22"/>
+    <p:sldId id="287" r:id="rId23"/>
+    <p:sldId id="288" r:id="rId24"/>
   </p:sldIdLst>
   <p:sldSz cx="9144000" cy="6858000" type="screen4x3"/>
   <p:notesSz cx="6858000" cy="9144000"/>
@@ -137,6 +139,7 @@
           <p14:sldIdLst>
             <p14:sldId id="273"/>
             <p14:sldId id="274"/>
+            <p14:sldId id="295"/>
             <p14:sldId id="275"/>
             <p14:sldId id="276"/>
             <p14:sldId id="277"/>
@@ -146,9 +149,10 @@
         <p14:section name="События" id="{51CD63FA-9B48-429F-B2C7-C63C3B612EDB}">
           <p14:sldIdLst>
             <p14:sldId id="279"/>
-            <p14:sldId id="290"/>
             <p14:sldId id="280"/>
             <p14:sldId id="281"/>
+            <p14:sldId id="290"/>
+            <p14:sldId id="296"/>
             <p14:sldId id="282"/>
             <p14:sldId id="289"/>
             <p14:sldId id="283"/>
@@ -365,7 +369,7 @@
           <a:p>
             <a:fld id="{FAECF776-F836-4CCD-9497-99E5597B8B5D}" type="datetimeFigureOut">
               <a:rPr lang="en-US" smtClean="0"/>
-              <a:t>4/30/2017</a:t>
+              <a:t>10/23/2017</a:t>
             </a:fld>
             <a:endParaRPr lang="en-US"/>
           </a:p>
@@ -535,7 +539,7 @@
           <a:p>
             <a:fld id="{FAECF776-F836-4CCD-9497-99E5597B8B5D}" type="datetimeFigureOut">
               <a:rPr lang="en-US" smtClean="0"/>
-              <a:t>4/30/2017</a:t>
+              <a:t>10/23/2017</a:t>
             </a:fld>
             <a:endParaRPr lang="en-US"/>
           </a:p>
@@ -715,7 +719,7 @@
           <a:p>
             <a:fld id="{FAECF776-F836-4CCD-9497-99E5597B8B5D}" type="datetimeFigureOut">
               <a:rPr lang="en-US" smtClean="0"/>
-              <a:t>4/30/2017</a:t>
+              <a:t>10/23/2017</a:t>
             </a:fld>
             <a:endParaRPr lang="en-US"/>
           </a:p>
@@ -885,7 +889,7 @@
           <a:p>
             <a:fld id="{FAECF776-F836-4CCD-9497-99E5597B8B5D}" type="datetimeFigureOut">
               <a:rPr lang="en-US" smtClean="0"/>
-              <a:t>4/30/2017</a:t>
+              <a:t>10/23/2017</a:t>
             </a:fld>
             <a:endParaRPr lang="en-US"/>
           </a:p>
@@ -1131,7 +1135,7 @@
           <a:p>
             <a:fld id="{FAECF776-F836-4CCD-9497-99E5597B8B5D}" type="datetimeFigureOut">
               <a:rPr lang="en-US" smtClean="0"/>
-              <a:t>4/30/2017</a:t>
+              <a:t>10/23/2017</a:t>
             </a:fld>
             <a:endParaRPr lang="en-US"/>
           </a:p>
@@ -1419,7 +1423,7 @@
           <a:p>
             <a:fld id="{FAECF776-F836-4CCD-9497-99E5597B8B5D}" type="datetimeFigureOut">
               <a:rPr lang="en-US" smtClean="0"/>
-              <a:t>4/30/2017</a:t>
+              <a:t>10/23/2017</a:t>
             </a:fld>
             <a:endParaRPr lang="en-US"/>
           </a:p>
@@ -1841,7 +1845,7 @@
           <a:p>
             <a:fld id="{FAECF776-F836-4CCD-9497-99E5597B8B5D}" type="datetimeFigureOut">
               <a:rPr lang="en-US" smtClean="0"/>
-              <a:t>4/30/2017</a:t>
+              <a:t>10/23/2017</a:t>
             </a:fld>
             <a:endParaRPr lang="en-US"/>
           </a:p>
@@ -1959,7 +1963,7 @@
           <a:p>
             <a:fld id="{FAECF776-F836-4CCD-9497-99E5597B8B5D}" type="datetimeFigureOut">
               <a:rPr lang="en-US" smtClean="0"/>
-              <a:t>4/30/2017</a:t>
+              <a:t>10/23/2017</a:t>
             </a:fld>
             <a:endParaRPr lang="en-US"/>
           </a:p>
@@ -2054,7 +2058,7 @@
           <a:p>
             <a:fld id="{FAECF776-F836-4CCD-9497-99E5597B8B5D}" type="datetimeFigureOut">
               <a:rPr lang="en-US" smtClean="0"/>
-              <a:t>4/30/2017</a:t>
+              <a:t>10/23/2017</a:t>
             </a:fld>
             <a:endParaRPr lang="en-US"/>
           </a:p>
@@ -2331,7 +2335,7 @@
           <a:p>
             <a:fld id="{FAECF776-F836-4CCD-9497-99E5597B8B5D}" type="datetimeFigureOut">
               <a:rPr lang="en-US" smtClean="0"/>
-              <a:t>4/30/2017</a:t>
+              <a:t>10/23/2017</a:t>
             </a:fld>
             <a:endParaRPr lang="en-US"/>
           </a:p>
@@ -2584,7 +2588,7 @@
           <a:p>
             <a:fld id="{FAECF776-F836-4CCD-9497-99E5597B8B5D}" type="datetimeFigureOut">
               <a:rPr lang="en-US" smtClean="0"/>
-              <a:t>4/30/2017</a:t>
+              <a:t>10/23/2017</a:t>
             </a:fld>
             <a:endParaRPr lang="en-US"/>
           </a:p>
@@ -2797,7 +2801,7 @@
           <a:p>
             <a:fld id="{FAECF776-F836-4CCD-9497-99E5597B8B5D}" type="datetimeFigureOut">
               <a:rPr lang="en-US" smtClean="0"/>
-              <a:t>4/30/2017</a:t>
+              <a:t>10/23/2017</a:t>
             </a:fld>
             <a:endParaRPr lang="en-US"/>
           </a:p>
@@ -3388,13 +3392,19 @@
 </file>
 
 <file path=ppt/slides/slide10.xml><?xml version="1.0" encoding="utf-8"?>
-<p:sld xmlns:a="http://schemas.openxmlformats.org/drawingml/2006/main" xmlns:r="http://schemas.openxmlformats.org/officeDocument/2006/relationships" xmlns:p="http://schemas.openxmlformats.org/presentationml/2006/main" show="0">
+<p:sld xmlns:a="http://schemas.openxmlformats.org/drawingml/2006/main" xmlns:r="http://schemas.openxmlformats.org/officeDocument/2006/relationships" xmlns:p="http://schemas.openxmlformats.org/presentationml/2006/main">
   <p:cSld>
     <p:bg>
       <p:bgPr>
-        <a:solidFill>
-          <a:srgbClr val="C00000"/>
-        </a:solidFill>
+        <a:blipFill dpi="0" rotWithShape="1">
+          <a:blip r:embed="rId2">
+            <a:lum/>
+          </a:blip>
+          <a:srcRect/>
+          <a:stretch>
+            <a:fillRect/>
+          </a:stretch>
+        </a:blipFill>
         <a:effectLst/>
       </p:bgPr>
     </p:bg>
@@ -3460,10 +3470,9 @@
           <a:p>
             <a:pPr algn="ctr"/>
             <a:r>
-              <a:rPr lang="en-US" sz="2400" b="1" dirty="0"/>
-              <a:t>C# 6. Null-Conditional Operator</a:t>
-            </a:r>
-            <a:endParaRPr lang="ru-RU" sz="2400" b="1" dirty="0"/>
+              <a:rPr lang="ru-RU" sz="2400" b="1"/>
+              <a:t>События.</a:t>
+            </a:r>
           </a:p>
         </p:txBody>
       </p:sp>
@@ -3478,7 +3487,7 @@
         <p:spPr bwMode="auto">
           <a:xfrm>
             <a:off x="152400" y="457200"/>
-            <a:ext cx="8839200" cy="830997"/>
+            <a:ext cx="8839200" cy="1816100"/>
           </a:xfrm>
           <a:prstGeom prst="rect">
             <a:avLst/>
@@ -3612,40 +3621,779 @@
           <a:p>
             <a:pPr eaLnBrk="1" hangingPunct="1"/>
             <a:r>
-              <a:rPr lang="en-US" sz="1600" dirty="0" err="1" smtClean="0"/>
-              <a:t>eventName</a:t>
-            </a:r>
-            <a:r>
-              <a:rPr lang="en-US" sz="1600" dirty="0" smtClean="0"/>
-              <a:t>?.Invoke()</a:t>
-            </a:r>
-            <a:endParaRPr lang="ru-RU" sz="1600" dirty="0" smtClean="0"/>
+              <a:rPr lang="ru-RU" sz="1600" dirty="0"/>
+              <a:t>	Концептуальная роль событий заключается в следующем</a:t>
+            </a:r>
+            <a:r>
+              <a:rPr lang="en-US" sz="1600" dirty="0"/>
+              <a:t>:</a:t>
+            </a:r>
+            <a:r>
+              <a:rPr lang="ru-RU" sz="1600" dirty="0"/>
+              <a:t> Если</a:t>
+            </a:r>
+            <a:r>
+              <a:rPr lang="en-US" sz="1600" dirty="0"/>
+              <a:t> </a:t>
+            </a:r>
+            <a:r>
+              <a:rPr lang="ru-RU" sz="1600" dirty="0"/>
+              <a:t>какой-то объект хочет оповестить других о смене своего состояния, он запускает событие (или сигнал). Это событие может быть отловлено любым количеством объектом. Реакцией на событие, как правило, является вызов метода в отлавливающем объекте.</a:t>
+            </a:r>
           </a:p>
           <a:p>
             <a:pPr eaLnBrk="1" hangingPunct="1"/>
-            <a:endParaRPr lang="en-US" sz="1600" dirty="0" smtClean="0">
-              <a:hlinkClick r:id="rId2"/>
-            </a:endParaRPr>
+            <a:r>
+              <a:rPr lang="ru-RU" sz="1600" dirty="0"/>
+              <a:t>	В языку </a:t>
+            </a:r>
+            <a:r>
+              <a:rPr lang="en-US" sz="1600" dirty="0"/>
+              <a:t>C# </a:t>
+            </a:r>
+            <a:r>
+              <a:rPr lang="ru-RU" sz="1600" dirty="0"/>
+              <a:t>события являются более развитой системой использование групповых делегатов.</a:t>
+            </a:r>
           </a:p>
           <a:p>
             <a:pPr eaLnBrk="1" hangingPunct="1"/>
             <a:r>
-              <a:rPr lang="en-US" sz="1600" dirty="0" smtClean="0">
-                <a:hlinkClick r:id="rId2"/>
-              </a:rPr>
-              <a:t>http</a:t>
-            </a:r>
-            <a:r>
-              <a:rPr lang="en-US" sz="1600" dirty="0">
-                <a:hlinkClick r:id="rId2"/>
-              </a:rPr>
-              <a:t>://</a:t>
-            </a:r>
-            <a:r>
-              <a:rPr lang="en-US" sz="1600" dirty="0" smtClean="0">
-                <a:hlinkClick r:id="rId2"/>
-              </a:rPr>
-              <a:t>msdn.microsoft.com/en-us/magazine/dn802602.aspx</a:t>
+              <a:rPr lang="ru-RU" sz="1600" dirty="0"/>
+              <a:t>	При создании события его необходимо объявить</a:t>
+            </a:r>
+            <a:r>
+              <a:rPr lang="en-US" sz="1600" dirty="0"/>
+              <a:t>:</a:t>
+            </a:r>
+            <a:endParaRPr lang="ru-RU" sz="1600" dirty="0"/>
+          </a:p>
+        </p:txBody>
+      </p:sp>
+      <p:sp>
+        <p:nvSpPr>
+          <p:cNvPr id="9220" name="Rectangle 1"/>
+          <p:cNvSpPr>
+            <a:spLocks noChangeArrowheads="1"/>
+          </p:cNvSpPr>
+          <p:nvPr/>
+        </p:nvSpPr>
+        <p:spPr bwMode="auto">
+          <a:xfrm>
+            <a:off x="152400" y="2286000"/>
+            <a:ext cx="8839200" cy="307975"/>
+          </a:xfrm>
+          <a:prstGeom prst="rect">
+            <a:avLst/>
+          </a:prstGeom>
+          <a:noFill/>
+          <a:ln w="9525">
+            <a:solidFill>
+              <a:srgbClr val="FF0000"/>
+            </a:solidFill>
+            <a:miter lim="800000"/>
+            <a:headEnd/>
+            <a:tailEnd/>
+          </a:ln>
+          <a:extLst>
+            <a:ext uri="{909E8E84-426E-40DD-AFC4-6F175D3DCCD1}">
+              <a14:hiddenFill xmlns:a14="http://schemas.microsoft.com/office/drawing/2010/main">
+                <a:solidFill>
+                  <a:srgbClr val="FFFFFF"/>
+                </a:solidFill>
+              </a14:hiddenFill>
+            </a:ext>
+          </a:extLst>
+        </p:spPr>
+        <p:txBody>
+          <a:bodyPr anchor="ctr">
+            <a:spAutoFit/>
+          </a:bodyPr>
+          <a:lstStyle/>
+          <a:p>
+            <a:pPr algn="ctr" eaLnBrk="0" hangingPunct="0"/>
+            <a:r>
+              <a:rPr lang="en-US" sz="1400" dirty="0">
+                <a:latin typeface="Courier New" pitchFamily="49" charset="0"/>
+                <a:ea typeface="Calibri" pitchFamily="34" charset="0"/>
+                <a:cs typeface="Courier New" pitchFamily="49" charset="0"/>
+              </a:rPr>
+              <a:t>&lt; </a:t>
+            </a:r>
+            <a:r>
+              <a:rPr lang="ru-RU" sz="1400" dirty="0">
+                <a:latin typeface="Courier New" pitchFamily="49" charset="0"/>
+                <a:ea typeface="Calibri" pitchFamily="34" charset="0"/>
+                <a:cs typeface="Courier New" pitchFamily="49" charset="0"/>
+              </a:rPr>
+              <a:t>Модификатор доступа</a:t>
+            </a:r>
+            <a:r>
+              <a:rPr lang="en-US" sz="1400" dirty="0">
+                <a:latin typeface="Courier New" pitchFamily="49" charset="0"/>
+                <a:ea typeface="Calibri" pitchFamily="34" charset="0"/>
+                <a:cs typeface="Courier New" pitchFamily="49" charset="0"/>
+              </a:rPr>
+              <a:t> &gt;</a:t>
+            </a:r>
+            <a:r>
+              <a:rPr lang="be-BY" sz="1400" dirty="0">
+                <a:latin typeface="Courier New" pitchFamily="49" charset="0"/>
+                <a:ea typeface="Calibri" pitchFamily="34" charset="0"/>
+                <a:cs typeface="Courier New" pitchFamily="49" charset="0"/>
+              </a:rPr>
+              <a:t> </a:t>
+            </a:r>
+            <a:r>
+              <a:rPr lang="be-BY" sz="1400" dirty="0">
+                <a:solidFill>
+                  <a:srgbClr val="FFC000"/>
+                </a:solidFill>
+                <a:latin typeface="Courier New" pitchFamily="49" charset="0"/>
+                <a:ea typeface="Calibri" pitchFamily="34" charset="0"/>
+                <a:cs typeface="Courier New" pitchFamily="49" charset="0"/>
+              </a:rPr>
+              <a:t>e</a:t>
+            </a:r>
+            <a:r>
+              <a:rPr lang="en-US" sz="1400" dirty="0">
+                <a:solidFill>
+                  <a:srgbClr val="FFC000"/>
+                </a:solidFill>
+                <a:latin typeface="Courier New" pitchFamily="49" charset="0"/>
+                <a:ea typeface="Calibri" pitchFamily="34" charset="0"/>
+                <a:cs typeface="Courier New" pitchFamily="49" charset="0"/>
+              </a:rPr>
+              <a:t>vent</a:t>
+            </a:r>
+            <a:r>
+              <a:rPr lang="be-BY" sz="1400" dirty="0">
+                <a:latin typeface="Courier New" pitchFamily="49" charset="0"/>
+                <a:ea typeface="Calibri" pitchFamily="34" charset="0"/>
+                <a:cs typeface="Courier New" pitchFamily="49" charset="0"/>
+              </a:rPr>
+              <a:t> </a:t>
+            </a:r>
+            <a:r>
+              <a:rPr lang="en-US" sz="1400" dirty="0">
+                <a:latin typeface="Courier New" pitchFamily="49" charset="0"/>
+                <a:ea typeface="Calibri" pitchFamily="34" charset="0"/>
+                <a:cs typeface="Courier New" pitchFamily="49" charset="0"/>
+              </a:rPr>
+              <a:t>&lt; </a:t>
+            </a:r>
+            <a:r>
+              <a:rPr lang="ru-RU" sz="1400" dirty="0">
+                <a:latin typeface="Courier New" pitchFamily="49" charset="0"/>
+                <a:ea typeface="Calibri" pitchFamily="34" charset="0"/>
+                <a:cs typeface="Courier New" pitchFamily="49" charset="0"/>
+              </a:rPr>
+              <a:t>Тип делегата </a:t>
+            </a:r>
+            <a:r>
+              <a:rPr lang="en-US" sz="1400" dirty="0">
+                <a:latin typeface="Courier New" pitchFamily="49" charset="0"/>
+                <a:ea typeface="Calibri" pitchFamily="34" charset="0"/>
+                <a:cs typeface="Courier New" pitchFamily="49" charset="0"/>
+              </a:rPr>
+              <a:t>&gt;</a:t>
+            </a:r>
+            <a:r>
+              <a:rPr lang="ru-RU" sz="1400" dirty="0">
+                <a:latin typeface="Courier New" pitchFamily="49" charset="0"/>
+                <a:ea typeface="Calibri" pitchFamily="34" charset="0"/>
+                <a:cs typeface="Courier New" pitchFamily="49" charset="0"/>
+              </a:rPr>
+              <a:t> </a:t>
+            </a:r>
+            <a:r>
+              <a:rPr lang="en-US" sz="1400" dirty="0">
+                <a:latin typeface="Courier New" pitchFamily="49" charset="0"/>
+                <a:ea typeface="Calibri" pitchFamily="34" charset="0"/>
+                <a:cs typeface="Courier New" pitchFamily="49" charset="0"/>
+              </a:rPr>
+              <a:t>&lt;</a:t>
+            </a:r>
+            <a:r>
+              <a:rPr lang="ru-RU" sz="1400" dirty="0">
+                <a:latin typeface="Courier New" pitchFamily="49" charset="0"/>
+                <a:ea typeface="Calibri" pitchFamily="34" charset="0"/>
+                <a:cs typeface="Courier New" pitchFamily="49" charset="0"/>
+              </a:rPr>
+              <a:t> Имя события</a:t>
+            </a:r>
+            <a:r>
+              <a:rPr lang="en-US" sz="1400" dirty="0">
+                <a:latin typeface="Courier New" pitchFamily="49" charset="0"/>
+                <a:ea typeface="Calibri" pitchFamily="34" charset="0"/>
+                <a:cs typeface="Courier New" pitchFamily="49" charset="0"/>
+              </a:rPr>
+              <a:t>&gt;</a:t>
+            </a:r>
+            <a:r>
+              <a:rPr lang="be-BY" sz="1400" dirty="0">
+                <a:latin typeface="Courier New" pitchFamily="49" charset="0"/>
+                <a:ea typeface="Calibri" pitchFamily="34" charset="0"/>
+                <a:cs typeface="Courier New" pitchFamily="49" charset="0"/>
+              </a:rPr>
+              <a:t>;</a:t>
+            </a:r>
+            <a:endParaRPr lang="be-BY" sz="1400" dirty="0">
+              <a:ea typeface="Calibri" pitchFamily="34" charset="0"/>
+              <a:cs typeface="Courier New" pitchFamily="49" charset="0"/>
+            </a:endParaRPr>
+          </a:p>
+        </p:txBody>
+      </p:sp>
+      <p:sp>
+        <p:nvSpPr>
+          <p:cNvPr id="9221" name="TextBox 6"/>
+          <p:cNvSpPr txBox="1">
+            <a:spLocks noChangeArrowheads="1"/>
+          </p:cNvSpPr>
+          <p:nvPr/>
+        </p:nvSpPr>
+        <p:spPr bwMode="auto">
+          <a:xfrm>
+            <a:off x="152400" y="2679700"/>
+            <a:ext cx="8839200" cy="1816100"/>
+          </a:xfrm>
+          <a:prstGeom prst="rect">
+            <a:avLst/>
+          </a:prstGeom>
+          <a:noFill/>
+          <a:ln>
+            <a:noFill/>
+          </a:ln>
+          <a:extLst>
+            <a:ext uri="{909E8E84-426E-40DD-AFC4-6F175D3DCCD1}">
+              <a14:hiddenFill xmlns:a14="http://schemas.microsoft.com/office/drawing/2010/main">
+                <a:solidFill>
+                  <a:srgbClr val="FFFFFF"/>
+                </a:solidFill>
+              </a14:hiddenFill>
+            </a:ext>
+            <a:ext uri="{91240B29-F687-4F45-9708-019B960494DF}">
+              <a14:hiddenLine xmlns:a14="http://schemas.microsoft.com/office/drawing/2010/main" w="9525">
+                <a:solidFill>
+                  <a:srgbClr val="000000"/>
+                </a:solidFill>
+                <a:miter lim="800000"/>
+                <a:headEnd/>
+                <a:tailEnd/>
+              </a14:hiddenLine>
+            </a:ext>
+          </a:extLst>
+        </p:spPr>
+        <p:txBody>
+          <a:bodyPr>
+            <a:spAutoFit/>
+          </a:bodyPr>
+          <a:lstStyle>
+            <a:lvl1pPr defTabSz="358775" eaLnBrk="0" hangingPunct="0">
+              <a:defRPr>
+                <a:solidFill>
+                  <a:schemeClr val="tx1"/>
+                </a:solidFill>
+                <a:latin typeface="Arial" charset="0"/>
+              </a:defRPr>
+            </a:lvl1pPr>
+            <a:lvl2pPr marL="742950" indent="-285750" defTabSz="358775" eaLnBrk="0" hangingPunct="0">
+              <a:defRPr>
+                <a:solidFill>
+                  <a:schemeClr val="tx1"/>
+                </a:solidFill>
+                <a:latin typeface="Arial" charset="0"/>
+              </a:defRPr>
+            </a:lvl2pPr>
+            <a:lvl3pPr marL="1143000" indent="-228600" defTabSz="358775" eaLnBrk="0" hangingPunct="0">
+              <a:defRPr>
+                <a:solidFill>
+                  <a:schemeClr val="tx1"/>
+                </a:solidFill>
+                <a:latin typeface="Arial" charset="0"/>
+              </a:defRPr>
+            </a:lvl3pPr>
+            <a:lvl4pPr marL="1600200" indent="-228600" defTabSz="358775" eaLnBrk="0" hangingPunct="0">
+              <a:defRPr>
+                <a:solidFill>
+                  <a:schemeClr val="tx1"/>
+                </a:solidFill>
+                <a:latin typeface="Arial" charset="0"/>
+              </a:defRPr>
+            </a:lvl4pPr>
+            <a:lvl5pPr marL="2057400" indent="-228600" defTabSz="358775" eaLnBrk="0" hangingPunct="0">
+              <a:defRPr>
+                <a:solidFill>
+                  <a:schemeClr val="tx1"/>
+                </a:solidFill>
+                <a:latin typeface="Arial" charset="0"/>
+              </a:defRPr>
+            </a:lvl5pPr>
+            <a:lvl6pPr marL="2514600" indent="-228600" defTabSz="358775" eaLnBrk="0" fontAlgn="base" hangingPunct="0">
+              <a:spcBef>
+                <a:spcPct val="0"/>
+              </a:spcBef>
+              <a:spcAft>
+                <a:spcPct val="0"/>
+              </a:spcAft>
+              <a:defRPr>
+                <a:solidFill>
+                  <a:schemeClr val="tx1"/>
+                </a:solidFill>
+                <a:latin typeface="Arial" charset="0"/>
+              </a:defRPr>
+            </a:lvl6pPr>
+            <a:lvl7pPr marL="2971800" indent="-228600" defTabSz="358775" eaLnBrk="0" fontAlgn="base" hangingPunct="0">
+              <a:spcBef>
+                <a:spcPct val="0"/>
+              </a:spcBef>
+              <a:spcAft>
+                <a:spcPct val="0"/>
+              </a:spcAft>
+              <a:defRPr>
+                <a:solidFill>
+                  <a:schemeClr val="tx1"/>
+                </a:solidFill>
+                <a:latin typeface="Arial" charset="0"/>
+              </a:defRPr>
+            </a:lvl7pPr>
+            <a:lvl8pPr marL="3429000" indent="-228600" defTabSz="358775" eaLnBrk="0" fontAlgn="base" hangingPunct="0">
+              <a:spcBef>
+                <a:spcPct val="0"/>
+              </a:spcBef>
+              <a:spcAft>
+                <a:spcPct val="0"/>
+              </a:spcAft>
+              <a:defRPr>
+                <a:solidFill>
+                  <a:schemeClr val="tx1"/>
+                </a:solidFill>
+                <a:latin typeface="Arial" charset="0"/>
+              </a:defRPr>
+            </a:lvl8pPr>
+            <a:lvl9pPr marL="3886200" indent="-228600" defTabSz="358775" eaLnBrk="0" fontAlgn="base" hangingPunct="0">
+              <a:spcBef>
+                <a:spcPct val="0"/>
+              </a:spcBef>
+              <a:spcAft>
+                <a:spcPct val="0"/>
+              </a:spcAft>
+              <a:defRPr>
+                <a:solidFill>
+                  <a:schemeClr val="tx1"/>
+                </a:solidFill>
+                <a:latin typeface="Arial" charset="0"/>
+              </a:defRPr>
+            </a:lvl9pPr>
+          </a:lstStyle>
+          <a:p>
+            <a:pPr eaLnBrk="1" hangingPunct="1"/>
+            <a:r>
+              <a:rPr lang="ru-RU" sz="1600"/>
+              <a:t>…таким образом событие имеет сигнатуру делегата. Вызов события происходит также как и вызов делегата.</a:t>
+            </a:r>
+          </a:p>
+          <a:p>
+            <a:pPr eaLnBrk="1" hangingPunct="1"/>
+            <a:endParaRPr lang="ru-RU" sz="1600"/>
+          </a:p>
+          <a:p>
+            <a:pPr eaLnBrk="1" hangingPunct="1"/>
+            <a:r>
+              <a:rPr lang="ru-RU" sz="1600"/>
+              <a:t>	Работа с событиями состоит из 3-х шагов</a:t>
+            </a:r>
+            <a:r>
+              <a:rPr lang="en-US" sz="1600"/>
+              <a:t>:</a:t>
+            </a:r>
+          </a:p>
+          <a:p>
+            <a:pPr eaLnBrk="1" hangingPunct="1"/>
+            <a:r>
+              <a:rPr lang="en-US" sz="1600"/>
+              <a:t>	1</a:t>
+            </a:r>
+            <a:r>
+              <a:rPr lang="ru-RU" sz="1600"/>
+              <a:t>. Создание события.</a:t>
+            </a:r>
+          </a:p>
+          <a:p>
+            <a:pPr eaLnBrk="1" hangingPunct="1"/>
+            <a:r>
+              <a:rPr lang="ru-RU" sz="1600"/>
+              <a:t>	2. Регистрация обработчика события.</a:t>
+            </a:r>
+          </a:p>
+          <a:p>
+            <a:pPr eaLnBrk="1" hangingPunct="1"/>
+            <a:r>
+              <a:rPr lang="ru-RU" sz="1600"/>
+              <a:t>	3. Вызов(или генерация) события.</a:t>
+            </a:r>
+          </a:p>
+        </p:txBody>
+      </p:sp>
+      <p:sp>
+        <p:nvSpPr>
+          <p:cNvPr id="6" name="Rectangle 3"/>
+          <p:cNvSpPr>
+            <a:spLocks noChangeArrowheads="1"/>
+          </p:cNvSpPr>
+          <p:nvPr/>
+        </p:nvSpPr>
+        <p:spPr bwMode="auto">
+          <a:xfrm>
+            <a:off x="228600" y="5427364"/>
+            <a:ext cx="8686800" cy="1169988"/>
+          </a:xfrm>
+          <a:prstGeom prst="rect">
+            <a:avLst/>
+          </a:prstGeom>
+          <a:noFill/>
+          <a:ln w="9525">
+            <a:solidFill>
+              <a:srgbClr val="FF0000"/>
+            </a:solidFill>
+            <a:miter lim="800000"/>
+            <a:headEnd/>
+            <a:tailEnd/>
+          </a:ln>
+          <a:extLst>
+            <a:ext uri="{909E8E84-426E-40DD-AFC4-6F175D3DCCD1}">
+              <a14:hiddenFill xmlns:a14="http://schemas.microsoft.com/office/drawing/2010/main">
+                <a:solidFill>
+                  <a:srgbClr val="FFFFFF"/>
+                </a:solidFill>
+              </a14:hiddenFill>
+            </a:ext>
+          </a:extLst>
+        </p:spPr>
+        <p:txBody>
+          <a:bodyPr anchor="ctr">
+            <a:spAutoFit/>
+          </a:bodyPr>
+          <a:lstStyle/>
+          <a:p>
+            <a:pPr eaLnBrk="0" hangingPunct="0"/>
+            <a:r>
+              <a:rPr lang="en-US" sz="1400" dirty="0">
+                <a:solidFill>
+                  <a:schemeClr val="bg1"/>
+                </a:solidFill>
+                <a:latin typeface="Courier New" pitchFamily="49" charset="0"/>
+                <a:ea typeface="Times New Roman" pitchFamily="18" charset="0"/>
+                <a:cs typeface="Courier New" pitchFamily="49" charset="0"/>
+              </a:rPr>
+              <a:t>e</a:t>
+            </a:r>
+            <a:r>
+              <a:rPr lang="ru-RU" sz="1400" dirty="0">
+                <a:solidFill>
+                  <a:schemeClr val="bg1"/>
+                </a:solidFill>
+                <a:latin typeface="Courier New" pitchFamily="49" charset="0"/>
+                <a:ea typeface="Times New Roman" pitchFamily="18" charset="0"/>
+                <a:cs typeface="Courier New" pitchFamily="49" charset="0"/>
+              </a:rPr>
+              <a:t>vent &lt;имя делегата&gt; &lt;имя события&gt;</a:t>
+            </a:r>
+            <a:endParaRPr lang="be-BY" sz="1400" dirty="0">
+              <a:solidFill>
+                <a:schemeClr val="bg1"/>
+              </a:solidFill>
+              <a:latin typeface="Courier New" pitchFamily="49" charset="0"/>
+              <a:ea typeface="Times New Roman" pitchFamily="18" charset="0"/>
+              <a:cs typeface="Courier New" pitchFamily="49" charset="0"/>
+            </a:endParaRPr>
+          </a:p>
+          <a:p>
+            <a:pPr eaLnBrk="0" hangingPunct="0"/>
+            <a:r>
+              <a:rPr lang="ru-RU" sz="1400" dirty="0">
+                <a:solidFill>
+                  <a:schemeClr val="bg1"/>
+                </a:solidFill>
+                <a:latin typeface="Courier New" pitchFamily="49" charset="0"/>
+                <a:ea typeface="Times New Roman" pitchFamily="18" charset="0"/>
+                <a:cs typeface="Courier New" pitchFamily="49" charset="0"/>
+              </a:rPr>
+              <a:t>{</a:t>
+            </a:r>
+            <a:endParaRPr lang="be-BY" sz="1400" dirty="0">
+              <a:solidFill>
+                <a:schemeClr val="bg1"/>
+              </a:solidFill>
+              <a:latin typeface="Courier New" pitchFamily="49" charset="0"/>
+              <a:ea typeface="Times New Roman" pitchFamily="18" charset="0"/>
+              <a:cs typeface="Courier New" pitchFamily="49" charset="0"/>
+            </a:endParaRPr>
+          </a:p>
+          <a:p>
+            <a:pPr eaLnBrk="0" hangingPunct="0"/>
+            <a:r>
+              <a:rPr lang="ru-RU" sz="1400" dirty="0">
+                <a:solidFill>
+                  <a:schemeClr val="bg1"/>
+                </a:solidFill>
+                <a:latin typeface="Courier New" pitchFamily="49" charset="0"/>
+                <a:ea typeface="Times New Roman" pitchFamily="18" charset="0"/>
+                <a:cs typeface="Courier New" pitchFamily="49" charset="0"/>
+              </a:rPr>
+              <a:t>    </a:t>
+            </a:r>
+            <a:r>
+              <a:rPr lang="en-US" sz="1400" dirty="0">
+                <a:solidFill>
+                  <a:schemeClr val="bg1"/>
+                </a:solidFill>
+                <a:latin typeface="Courier New" pitchFamily="49" charset="0"/>
+                <a:ea typeface="Times New Roman" pitchFamily="18" charset="0"/>
+                <a:cs typeface="Courier New" pitchFamily="49" charset="0"/>
+              </a:rPr>
+              <a:t>add</a:t>
+            </a:r>
+            <a:r>
+              <a:rPr lang="ru-RU" sz="1400" dirty="0">
+                <a:solidFill>
+                  <a:schemeClr val="bg1"/>
+                </a:solidFill>
+                <a:latin typeface="Courier New" pitchFamily="49" charset="0"/>
+                <a:ea typeface="Times New Roman" pitchFamily="18" charset="0"/>
+                <a:cs typeface="Courier New" pitchFamily="49" charset="0"/>
+              </a:rPr>
+              <a:t> { }</a:t>
+            </a:r>
+            <a:endParaRPr lang="be-BY" sz="1400" dirty="0">
+              <a:solidFill>
+                <a:schemeClr val="bg1"/>
+              </a:solidFill>
+              <a:latin typeface="Courier New" pitchFamily="49" charset="0"/>
+              <a:ea typeface="Times New Roman" pitchFamily="18" charset="0"/>
+              <a:cs typeface="Courier New" pitchFamily="49" charset="0"/>
+            </a:endParaRPr>
+          </a:p>
+          <a:p>
+            <a:pPr eaLnBrk="0" hangingPunct="0"/>
+            <a:r>
+              <a:rPr lang="ru-RU" sz="1400" dirty="0">
+                <a:solidFill>
+                  <a:schemeClr val="bg1"/>
+                </a:solidFill>
+                <a:latin typeface="Courier New" pitchFamily="49" charset="0"/>
+                <a:ea typeface="Times New Roman" pitchFamily="18" charset="0"/>
+                <a:cs typeface="Courier New" pitchFamily="49" charset="0"/>
+              </a:rPr>
+              <a:t>    </a:t>
+            </a:r>
+            <a:r>
+              <a:rPr lang="en-US" sz="1400" dirty="0">
+                <a:solidFill>
+                  <a:schemeClr val="bg1"/>
+                </a:solidFill>
+                <a:latin typeface="Courier New" pitchFamily="49" charset="0"/>
+                <a:ea typeface="Times New Roman" pitchFamily="18" charset="0"/>
+                <a:cs typeface="Courier New" pitchFamily="49" charset="0"/>
+              </a:rPr>
+              <a:t>remove</a:t>
+            </a:r>
+            <a:r>
+              <a:rPr lang="ru-RU" sz="1400" dirty="0">
+                <a:solidFill>
+                  <a:schemeClr val="bg1"/>
+                </a:solidFill>
+                <a:latin typeface="Courier New" pitchFamily="49" charset="0"/>
+                <a:ea typeface="Times New Roman" pitchFamily="18" charset="0"/>
+                <a:cs typeface="Courier New" pitchFamily="49" charset="0"/>
+              </a:rPr>
+              <a:t> { }</a:t>
+            </a:r>
+            <a:endParaRPr lang="be-BY" sz="1400" dirty="0">
+              <a:solidFill>
+                <a:schemeClr val="bg1"/>
+              </a:solidFill>
+              <a:latin typeface="Courier New" pitchFamily="49" charset="0"/>
+              <a:ea typeface="Times New Roman" pitchFamily="18" charset="0"/>
+              <a:cs typeface="Courier New" pitchFamily="49" charset="0"/>
+            </a:endParaRPr>
+          </a:p>
+          <a:p>
+            <a:pPr eaLnBrk="0" hangingPunct="0"/>
+            <a:r>
+              <a:rPr lang="ru-RU" sz="1400" dirty="0">
+                <a:solidFill>
+                  <a:schemeClr val="bg1"/>
+                </a:solidFill>
+                <a:latin typeface="Courier New" pitchFamily="49" charset="0"/>
+                <a:ea typeface="Times New Roman" pitchFamily="18" charset="0"/>
+                <a:cs typeface="Courier New" pitchFamily="49" charset="0"/>
+              </a:rPr>
+              <a:t>};</a:t>
+            </a:r>
+            <a:endParaRPr lang="be-BY" sz="1400" dirty="0">
+              <a:solidFill>
+                <a:schemeClr val="bg1"/>
+              </a:solidFill>
+              <a:latin typeface="Courier New" pitchFamily="49" charset="0"/>
+              <a:ea typeface="Times New Roman" pitchFamily="18" charset="0"/>
+              <a:cs typeface="Courier New" pitchFamily="49" charset="0"/>
+            </a:endParaRPr>
+          </a:p>
+        </p:txBody>
+      </p:sp>
+      <p:sp>
+        <p:nvSpPr>
+          <p:cNvPr id="7" name="TextBox 6"/>
+          <p:cNvSpPr txBox="1">
+            <a:spLocks noChangeArrowheads="1"/>
+          </p:cNvSpPr>
+          <p:nvPr/>
+        </p:nvSpPr>
+        <p:spPr bwMode="auto">
+          <a:xfrm>
+            <a:off x="152400" y="4665364"/>
+            <a:ext cx="8839200" cy="584200"/>
+          </a:xfrm>
+          <a:prstGeom prst="rect">
+            <a:avLst/>
+          </a:prstGeom>
+          <a:noFill/>
+          <a:ln>
+            <a:noFill/>
+          </a:ln>
+          <a:extLst>
+            <a:ext uri="{909E8E84-426E-40DD-AFC4-6F175D3DCCD1}">
+              <a14:hiddenFill xmlns:a14="http://schemas.microsoft.com/office/drawing/2010/main">
+                <a:solidFill>
+                  <a:srgbClr val="FFFFFF"/>
+                </a:solidFill>
+              </a14:hiddenFill>
+            </a:ext>
+            <a:ext uri="{91240B29-F687-4F45-9708-019B960494DF}">
+              <a14:hiddenLine xmlns:a14="http://schemas.microsoft.com/office/drawing/2010/main" w="9525">
+                <a:solidFill>
+                  <a:srgbClr val="000000"/>
+                </a:solidFill>
+                <a:miter lim="800000"/>
+                <a:headEnd/>
+                <a:tailEnd/>
+              </a14:hiddenLine>
+            </a:ext>
+          </a:extLst>
+        </p:spPr>
+        <p:txBody>
+          <a:bodyPr>
+            <a:spAutoFit/>
+          </a:bodyPr>
+          <a:lstStyle>
+            <a:lvl1pPr defTabSz="358775" eaLnBrk="0" hangingPunct="0">
+              <a:defRPr>
+                <a:solidFill>
+                  <a:schemeClr val="tx1"/>
+                </a:solidFill>
+                <a:latin typeface="Arial" charset="0"/>
+              </a:defRPr>
+            </a:lvl1pPr>
+            <a:lvl2pPr marL="742950" indent="-285750" defTabSz="358775" eaLnBrk="0" hangingPunct="0">
+              <a:defRPr>
+                <a:solidFill>
+                  <a:schemeClr val="tx1"/>
+                </a:solidFill>
+                <a:latin typeface="Arial" charset="0"/>
+              </a:defRPr>
+            </a:lvl2pPr>
+            <a:lvl3pPr marL="1143000" indent="-228600" defTabSz="358775" eaLnBrk="0" hangingPunct="0">
+              <a:defRPr>
+                <a:solidFill>
+                  <a:schemeClr val="tx1"/>
+                </a:solidFill>
+                <a:latin typeface="Arial" charset="0"/>
+              </a:defRPr>
+            </a:lvl3pPr>
+            <a:lvl4pPr marL="1600200" indent="-228600" defTabSz="358775" eaLnBrk="0" hangingPunct="0">
+              <a:defRPr>
+                <a:solidFill>
+                  <a:schemeClr val="tx1"/>
+                </a:solidFill>
+                <a:latin typeface="Arial" charset="0"/>
+              </a:defRPr>
+            </a:lvl4pPr>
+            <a:lvl5pPr marL="2057400" indent="-228600" defTabSz="358775" eaLnBrk="0" hangingPunct="0">
+              <a:defRPr>
+                <a:solidFill>
+                  <a:schemeClr val="tx1"/>
+                </a:solidFill>
+                <a:latin typeface="Arial" charset="0"/>
+              </a:defRPr>
+            </a:lvl5pPr>
+            <a:lvl6pPr marL="2514600" indent="-228600" defTabSz="358775" eaLnBrk="0" fontAlgn="base" hangingPunct="0">
+              <a:spcBef>
+                <a:spcPct val="0"/>
+              </a:spcBef>
+              <a:spcAft>
+                <a:spcPct val="0"/>
+              </a:spcAft>
+              <a:defRPr>
+                <a:solidFill>
+                  <a:schemeClr val="tx1"/>
+                </a:solidFill>
+                <a:latin typeface="Arial" charset="0"/>
+              </a:defRPr>
+            </a:lvl6pPr>
+            <a:lvl7pPr marL="2971800" indent="-228600" defTabSz="358775" eaLnBrk="0" fontAlgn="base" hangingPunct="0">
+              <a:spcBef>
+                <a:spcPct val="0"/>
+              </a:spcBef>
+              <a:spcAft>
+                <a:spcPct val="0"/>
+              </a:spcAft>
+              <a:defRPr>
+                <a:solidFill>
+                  <a:schemeClr val="tx1"/>
+                </a:solidFill>
+                <a:latin typeface="Arial" charset="0"/>
+              </a:defRPr>
+            </a:lvl7pPr>
+            <a:lvl8pPr marL="3429000" indent="-228600" defTabSz="358775" eaLnBrk="0" fontAlgn="base" hangingPunct="0">
+              <a:spcBef>
+                <a:spcPct val="0"/>
+              </a:spcBef>
+              <a:spcAft>
+                <a:spcPct val="0"/>
+              </a:spcAft>
+              <a:defRPr>
+                <a:solidFill>
+                  <a:schemeClr val="tx1"/>
+                </a:solidFill>
+                <a:latin typeface="Arial" charset="0"/>
+              </a:defRPr>
+            </a:lvl8pPr>
+            <a:lvl9pPr marL="3886200" indent="-228600" defTabSz="358775" eaLnBrk="0" fontAlgn="base" hangingPunct="0">
+              <a:spcBef>
+                <a:spcPct val="0"/>
+              </a:spcBef>
+              <a:spcAft>
+                <a:spcPct val="0"/>
+              </a:spcAft>
+              <a:defRPr>
+                <a:solidFill>
+                  <a:schemeClr val="tx1"/>
+                </a:solidFill>
+                <a:latin typeface="Arial" charset="0"/>
+              </a:defRPr>
+            </a:lvl9pPr>
+          </a:lstStyle>
+          <a:p>
+            <a:pPr eaLnBrk="1" hangingPunct="1"/>
+            <a:r>
+              <a:rPr lang="ru-RU" sz="1600" dirty="0"/>
+              <a:t>	Методы добавления и удаления делегата из события генерируются автоматически, однако программист может их переопределить, используя следующую запись</a:t>
+            </a:r>
+            <a:r>
+              <a:rPr lang="en-US" sz="1600" dirty="0"/>
+              <a:t>:</a:t>
             </a:r>
             <a:endParaRPr lang="ru-RU" sz="1600" dirty="0"/>
           </a:p>
@@ -3654,21 +4402,13 @@
     </p:spTree>
     <p:extLst>
       <p:ext uri="{BB962C8B-B14F-4D97-AF65-F5344CB8AC3E}">
-        <p14:creationId xmlns:p14="http://schemas.microsoft.com/office/powerpoint/2010/main" val="1203268294"/>
+        <p14:creationId xmlns:p14="http://schemas.microsoft.com/office/powerpoint/2010/main" val="3908035695"/>
       </p:ext>
     </p:extLst>
   </p:cSld>
   <p:clrMapOvr>
     <a:masterClrMapping/>
   </p:clrMapOvr>
-  <mc:AlternateContent xmlns:mc="http://schemas.openxmlformats.org/markup-compatibility/2006" xmlns:p14="http://schemas.microsoft.com/office/powerpoint/2010/main">
-    <mc:Choice Requires="p14">
-      <p:transition spd="slow" p14:dur="2000"/>
-    </mc:Choice>
-    <mc:Fallback xmlns="">
-      <p:transition spd="slow"/>
-    </mc:Fallback>
-  </mc:AlternateContent>
   <p:timing>
     <p:tnLst>
       <p:par>
@@ -5926,6 +6666,417 @@
 </file>
 
 <file path=ppt/slides/slide13.xml><?xml version="1.0" encoding="utf-8"?>
+<p:sld xmlns:a="http://schemas.openxmlformats.org/drawingml/2006/main" xmlns:r="http://schemas.openxmlformats.org/officeDocument/2006/relationships" xmlns:p="http://schemas.openxmlformats.org/presentationml/2006/main" show="0">
+  <p:cSld>
+    <p:bg>
+      <p:bgPr>
+        <a:solidFill>
+          <a:srgbClr val="C00000"/>
+        </a:solidFill>
+        <a:effectLst/>
+      </p:bgPr>
+    </p:bg>
+    <p:spTree>
+      <p:nvGrpSpPr>
+        <p:cNvPr id="1" name=""/>
+        <p:cNvGrpSpPr/>
+        <p:nvPr/>
+      </p:nvGrpSpPr>
+      <p:grpSpPr>
+        <a:xfrm>
+          <a:off x="0" y="0"/>
+          <a:ext cx="0" cy="0"/>
+          <a:chOff x="0" y="0"/>
+          <a:chExt cx="0" cy="0"/>
+        </a:xfrm>
+      </p:grpSpPr>
+      <p:sp>
+        <p:nvSpPr>
+          <p:cNvPr id="9218" name="Прямоугольник 2"/>
+          <p:cNvSpPr>
+            <a:spLocks noChangeArrowheads="1"/>
+          </p:cNvSpPr>
+          <p:nvPr/>
+        </p:nvSpPr>
+        <p:spPr bwMode="auto">
+          <a:xfrm>
+            <a:off x="2133600" y="0"/>
+            <a:ext cx="5105400" cy="461963"/>
+          </a:xfrm>
+          <a:prstGeom prst="rect">
+            <a:avLst/>
+          </a:prstGeom>
+          <a:noFill/>
+          <a:ln>
+            <a:noFill/>
+          </a:ln>
+          <a:extLst>
+            <a:ext uri="{909E8E84-426E-40DD-AFC4-6F175D3DCCD1}">
+              <a14:hiddenFill xmlns:a14="http://schemas.microsoft.com/office/drawing/2010/main">
+                <a:solidFill>
+                  <a:srgbClr val="FFFFFF"/>
+                </a:solidFill>
+              </a14:hiddenFill>
+            </a:ext>
+            <a:ext uri="{91240B29-F687-4F45-9708-019B960494DF}">
+              <a14:hiddenLine xmlns:a14="http://schemas.microsoft.com/office/drawing/2010/main" w="9525">
+                <a:solidFill>
+                  <a:srgbClr val="000000"/>
+                </a:solidFill>
+                <a:miter lim="800000"/>
+                <a:headEnd/>
+                <a:tailEnd/>
+              </a14:hiddenLine>
+            </a:ext>
+          </a:extLst>
+        </p:spPr>
+        <p:txBody>
+          <a:bodyPr>
+            <a:spAutoFit/>
+          </a:bodyPr>
+          <a:lstStyle/>
+          <a:p>
+            <a:pPr algn="ctr"/>
+            <a:r>
+              <a:rPr lang="en-US" sz="2400" b="1" dirty="0"/>
+              <a:t>C# 6. Null-Conditional Operator</a:t>
+            </a:r>
+            <a:endParaRPr lang="ru-RU" sz="2400" b="1" dirty="0"/>
+          </a:p>
+        </p:txBody>
+      </p:sp>
+      <p:sp>
+        <p:nvSpPr>
+          <p:cNvPr id="9219" name="TextBox 6"/>
+          <p:cNvSpPr txBox="1">
+            <a:spLocks noChangeArrowheads="1"/>
+          </p:cNvSpPr>
+          <p:nvPr/>
+        </p:nvSpPr>
+        <p:spPr bwMode="auto">
+          <a:xfrm>
+            <a:off x="152400" y="457200"/>
+            <a:ext cx="8839200" cy="830997"/>
+          </a:xfrm>
+          <a:prstGeom prst="rect">
+            <a:avLst/>
+          </a:prstGeom>
+          <a:noFill/>
+          <a:ln>
+            <a:noFill/>
+          </a:ln>
+          <a:extLst>
+            <a:ext uri="{909E8E84-426E-40DD-AFC4-6F175D3DCCD1}">
+              <a14:hiddenFill xmlns:a14="http://schemas.microsoft.com/office/drawing/2010/main">
+                <a:solidFill>
+                  <a:srgbClr val="FFFFFF"/>
+                </a:solidFill>
+              </a14:hiddenFill>
+            </a:ext>
+            <a:ext uri="{91240B29-F687-4F45-9708-019B960494DF}">
+              <a14:hiddenLine xmlns:a14="http://schemas.microsoft.com/office/drawing/2010/main" w="9525">
+                <a:solidFill>
+                  <a:srgbClr val="000000"/>
+                </a:solidFill>
+                <a:miter lim="800000"/>
+                <a:headEnd/>
+                <a:tailEnd/>
+              </a14:hiddenLine>
+            </a:ext>
+          </a:extLst>
+        </p:spPr>
+        <p:txBody>
+          <a:bodyPr>
+            <a:spAutoFit/>
+          </a:bodyPr>
+          <a:lstStyle>
+            <a:lvl1pPr defTabSz="358775" eaLnBrk="0" hangingPunct="0">
+              <a:defRPr>
+                <a:solidFill>
+                  <a:schemeClr val="tx1"/>
+                </a:solidFill>
+                <a:latin typeface="Arial" charset="0"/>
+              </a:defRPr>
+            </a:lvl1pPr>
+            <a:lvl2pPr marL="742950" indent="-285750" defTabSz="358775" eaLnBrk="0" hangingPunct="0">
+              <a:defRPr>
+                <a:solidFill>
+                  <a:schemeClr val="tx1"/>
+                </a:solidFill>
+                <a:latin typeface="Arial" charset="0"/>
+              </a:defRPr>
+            </a:lvl2pPr>
+            <a:lvl3pPr marL="1143000" indent="-228600" defTabSz="358775" eaLnBrk="0" hangingPunct="0">
+              <a:defRPr>
+                <a:solidFill>
+                  <a:schemeClr val="tx1"/>
+                </a:solidFill>
+                <a:latin typeface="Arial" charset="0"/>
+              </a:defRPr>
+            </a:lvl3pPr>
+            <a:lvl4pPr marL="1600200" indent="-228600" defTabSz="358775" eaLnBrk="0" hangingPunct="0">
+              <a:defRPr>
+                <a:solidFill>
+                  <a:schemeClr val="tx1"/>
+                </a:solidFill>
+                <a:latin typeface="Arial" charset="0"/>
+              </a:defRPr>
+            </a:lvl4pPr>
+            <a:lvl5pPr marL="2057400" indent="-228600" defTabSz="358775" eaLnBrk="0" hangingPunct="0">
+              <a:defRPr>
+                <a:solidFill>
+                  <a:schemeClr val="tx1"/>
+                </a:solidFill>
+                <a:latin typeface="Arial" charset="0"/>
+              </a:defRPr>
+            </a:lvl5pPr>
+            <a:lvl6pPr marL="2514600" indent="-228600" defTabSz="358775" eaLnBrk="0" fontAlgn="base" hangingPunct="0">
+              <a:spcBef>
+                <a:spcPct val="0"/>
+              </a:spcBef>
+              <a:spcAft>
+                <a:spcPct val="0"/>
+              </a:spcAft>
+              <a:defRPr>
+                <a:solidFill>
+                  <a:schemeClr val="tx1"/>
+                </a:solidFill>
+                <a:latin typeface="Arial" charset="0"/>
+              </a:defRPr>
+            </a:lvl6pPr>
+            <a:lvl7pPr marL="2971800" indent="-228600" defTabSz="358775" eaLnBrk="0" fontAlgn="base" hangingPunct="0">
+              <a:spcBef>
+                <a:spcPct val="0"/>
+              </a:spcBef>
+              <a:spcAft>
+                <a:spcPct val="0"/>
+              </a:spcAft>
+              <a:defRPr>
+                <a:solidFill>
+                  <a:schemeClr val="tx1"/>
+                </a:solidFill>
+                <a:latin typeface="Arial" charset="0"/>
+              </a:defRPr>
+            </a:lvl7pPr>
+            <a:lvl8pPr marL="3429000" indent="-228600" defTabSz="358775" eaLnBrk="0" fontAlgn="base" hangingPunct="0">
+              <a:spcBef>
+                <a:spcPct val="0"/>
+              </a:spcBef>
+              <a:spcAft>
+                <a:spcPct val="0"/>
+              </a:spcAft>
+              <a:defRPr>
+                <a:solidFill>
+                  <a:schemeClr val="tx1"/>
+                </a:solidFill>
+                <a:latin typeface="Arial" charset="0"/>
+              </a:defRPr>
+            </a:lvl8pPr>
+            <a:lvl9pPr marL="3886200" indent="-228600" defTabSz="358775" eaLnBrk="0" fontAlgn="base" hangingPunct="0">
+              <a:spcBef>
+                <a:spcPct val="0"/>
+              </a:spcBef>
+              <a:spcAft>
+                <a:spcPct val="0"/>
+              </a:spcAft>
+              <a:defRPr>
+                <a:solidFill>
+                  <a:schemeClr val="tx1"/>
+                </a:solidFill>
+                <a:latin typeface="Arial" charset="0"/>
+              </a:defRPr>
+            </a:lvl9pPr>
+          </a:lstStyle>
+          <a:p>
+            <a:pPr eaLnBrk="1" hangingPunct="1"/>
+            <a:r>
+              <a:rPr lang="en-US" sz="1600" dirty="0" err="1" smtClean="0"/>
+              <a:t>eventName</a:t>
+            </a:r>
+            <a:r>
+              <a:rPr lang="en-US" sz="1600" dirty="0" smtClean="0"/>
+              <a:t>?.Invoke()</a:t>
+            </a:r>
+            <a:endParaRPr lang="ru-RU" sz="1600" dirty="0" smtClean="0"/>
+          </a:p>
+          <a:p>
+            <a:pPr eaLnBrk="1" hangingPunct="1"/>
+            <a:endParaRPr lang="en-US" sz="1600" dirty="0" smtClean="0">
+              <a:hlinkClick r:id="rId2"/>
+            </a:endParaRPr>
+          </a:p>
+          <a:p>
+            <a:pPr eaLnBrk="1" hangingPunct="1"/>
+            <a:r>
+              <a:rPr lang="en-US" sz="1600" dirty="0" smtClean="0">
+                <a:hlinkClick r:id="rId2"/>
+              </a:rPr>
+              <a:t>http</a:t>
+            </a:r>
+            <a:r>
+              <a:rPr lang="en-US" sz="1600" dirty="0">
+                <a:hlinkClick r:id="rId2"/>
+              </a:rPr>
+              <a:t>://</a:t>
+            </a:r>
+            <a:r>
+              <a:rPr lang="en-US" sz="1600" dirty="0" smtClean="0">
+                <a:hlinkClick r:id="rId2"/>
+              </a:rPr>
+              <a:t>msdn.microsoft.com/en-us/magazine/dn802602.aspx</a:t>
+            </a:r>
+            <a:endParaRPr lang="ru-RU" sz="1600" dirty="0"/>
+          </a:p>
+        </p:txBody>
+      </p:sp>
+    </p:spTree>
+    <p:extLst>
+      <p:ext uri="{BB962C8B-B14F-4D97-AF65-F5344CB8AC3E}">
+        <p14:creationId xmlns:p14="http://schemas.microsoft.com/office/powerpoint/2010/main" val="1203268294"/>
+      </p:ext>
+    </p:extLst>
+  </p:cSld>
+  <p:clrMapOvr>
+    <a:masterClrMapping/>
+  </p:clrMapOvr>
+  <mc:AlternateContent xmlns:mc="http://schemas.openxmlformats.org/markup-compatibility/2006" xmlns:p14="http://schemas.microsoft.com/office/powerpoint/2010/main">
+    <mc:Choice Requires="p14">
+      <p:transition spd="slow" p14:dur="2000"/>
+    </mc:Choice>
+    <mc:Fallback xmlns="">
+      <p:transition spd="slow"/>
+    </mc:Fallback>
+  </mc:AlternateContent>
+  <p:timing>
+    <p:tnLst>
+      <p:par>
+        <p:cTn id="1" dur="indefinite" restart="never" nodeType="tmRoot"/>
+      </p:par>
+    </p:tnLst>
+  </p:timing>
+</p:sld>
+</file>
+
+<file path=ppt/slides/slide14.xml><?xml version="1.0" encoding="utf-8"?>
+<p:sld xmlns:a="http://schemas.openxmlformats.org/drawingml/2006/main" xmlns:r="http://schemas.openxmlformats.org/officeDocument/2006/relationships" xmlns:p="http://schemas.openxmlformats.org/presentationml/2006/main">
+  <p:cSld>
+    <p:bg>
+      <p:bgPr>
+        <a:blipFill dpi="0" rotWithShape="1">
+          <a:blip r:embed="rId2">
+            <a:lum/>
+          </a:blip>
+          <a:srcRect/>
+          <a:stretch>
+            <a:fillRect/>
+          </a:stretch>
+        </a:blipFill>
+        <a:effectLst/>
+      </p:bgPr>
+    </p:bg>
+    <p:spTree>
+      <p:nvGrpSpPr>
+        <p:cNvPr id="1" name=""/>
+        <p:cNvGrpSpPr/>
+        <p:nvPr/>
+      </p:nvGrpSpPr>
+      <p:grpSpPr>
+        <a:xfrm>
+          <a:off x="0" y="0"/>
+          <a:ext cx="0" cy="0"/>
+          <a:chOff x="0" y="0"/>
+          <a:chExt cx="0" cy="0"/>
+        </a:xfrm>
+      </p:grpSpPr>
+      <p:sp>
+        <p:nvSpPr>
+          <p:cNvPr id="2" name="Title 1"/>
+          <p:cNvSpPr>
+            <a:spLocks noGrp="1"/>
+          </p:cNvSpPr>
+          <p:nvPr>
+            <p:ph type="title"/>
+          </p:nvPr>
+        </p:nvSpPr>
+        <p:spPr/>
+        <p:txBody>
+          <a:bodyPr/>
+          <a:lstStyle/>
+          <a:p>
+            <a:r>
+              <a:rPr lang="ru-RU" dirty="0" smtClean="0">
+                <a:solidFill>
+                  <a:schemeClr val="bg1"/>
+                </a:solidFill>
+              </a:rPr>
+              <a:t>Упрощенная генерация событий</a:t>
+            </a:r>
+            <a:endParaRPr lang="en-US" dirty="0">
+              <a:solidFill>
+                <a:schemeClr val="bg1"/>
+              </a:solidFill>
+            </a:endParaRPr>
+          </a:p>
+        </p:txBody>
+      </p:sp>
+      <p:sp>
+        <p:nvSpPr>
+          <p:cNvPr id="3" name="Content Placeholder 2"/>
+          <p:cNvSpPr>
+            <a:spLocks noGrp="1"/>
+          </p:cNvSpPr>
+          <p:nvPr>
+            <p:ph idx="1"/>
+          </p:nvPr>
+        </p:nvSpPr>
+        <p:spPr/>
+        <p:txBody>
+          <a:bodyPr/>
+          <a:lstStyle/>
+          <a:p>
+            <a:pPr marL="0" indent="0">
+              <a:buNone/>
+            </a:pPr>
+            <a:r>
+              <a:rPr lang="ru-RU" dirty="0" smtClean="0">
+                <a:solidFill>
+                  <a:schemeClr val="bg1"/>
+                </a:solidFill>
+              </a:rPr>
+              <a:t>?.</a:t>
+            </a:r>
+            <a:endParaRPr lang="ru-RU" dirty="0">
+              <a:solidFill>
+                <a:schemeClr val="bg1"/>
+              </a:solidFill>
+            </a:endParaRPr>
+          </a:p>
+          <a:p>
+            <a:endParaRPr lang="en-US" dirty="0"/>
+          </a:p>
+        </p:txBody>
+      </p:sp>
+    </p:spTree>
+    <p:extLst>
+      <p:ext uri="{BB962C8B-B14F-4D97-AF65-F5344CB8AC3E}">
+        <p14:creationId xmlns:p14="http://schemas.microsoft.com/office/powerpoint/2010/main" val="1187197052"/>
+      </p:ext>
+    </p:extLst>
+  </p:cSld>
+  <p:clrMapOvr>
+    <a:masterClrMapping/>
+  </p:clrMapOvr>
+  <p:timing>
+    <p:tnLst>
+      <p:par>
+        <p:cTn id="1" dur="indefinite" restart="never" nodeType="tmRoot"/>
+      </p:par>
+    </p:tnLst>
+  </p:timing>
+</p:sld>
+</file>
+
+<file path=ppt/slides/slide15.xml><?xml version="1.0" encoding="utf-8"?>
 <p:sld xmlns:a="http://schemas.openxmlformats.org/drawingml/2006/main" xmlns:r="http://schemas.openxmlformats.org/officeDocument/2006/relationships" xmlns:p="http://schemas.openxmlformats.org/presentationml/2006/main">
   <p:cSld>
     <p:bg>
@@ -6735,7 +7886,7 @@
 </p:sld>
 </file>
 
-<file path=ppt/slides/slide14.xml><?xml version="1.0" encoding="utf-8"?>
+<file path=ppt/slides/slide16.xml><?xml version="1.0" encoding="utf-8"?>
 <p:sld xmlns:a="http://schemas.openxmlformats.org/drawingml/2006/main" xmlns:r="http://schemas.openxmlformats.org/officeDocument/2006/relationships" xmlns:p="http://schemas.openxmlformats.org/presentationml/2006/main">
   <p:cSld>
     <p:bg>
@@ -7564,7 +8715,7 @@
 </p:sld>
 </file>
 
-<file path=ppt/slides/slide15.xml><?xml version="1.0" encoding="utf-8"?>
+<file path=ppt/slides/slide17.xml><?xml version="1.0" encoding="utf-8"?>
 <p:sld xmlns:a="http://schemas.openxmlformats.org/drawingml/2006/main" xmlns:r="http://schemas.openxmlformats.org/officeDocument/2006/relationships" xmlns:p="http://schemas.openxmlformats.org/presentationml/2006/main">
   <p:cSld>
     <p:bg>
@@ -8600,7 +9751,7 @@
 </p:sld>
 </file>
 
-<file path=ppt/slides/slide16.xml><?xml version="1.0" encoding="utf-8"?>
+<file path=ppt/slides/slide18.xml><?xml version="1.0" encoding="utf-8"?>
 <p:sld xmlns:a="http://schemas.openxmlformats.org/drawingml/2006/main" xmlns:r="http://schemas.openxmlformats.org/officeDocument/2006/relationships" xmlns:p="http://schemas.openxmlformats.org/presentationml/2006/main">
   <p:cSld>
     <p:bg>
@@ -10128,7 +11279,7 @@
 </p:sld>
 </file>
 
-<file path=ppt/slides/slide17.xml><?xml version="1.0" encoding="utf-8"?>
+<file path=ppt/slides/slide19.xml><?xml version="1.0" encoding="utf-8"?>
 <p:sld xmlns:a="http://schemas.openxmlformats.org/drawingml/2006/main" xmlns:r="http://schemas.openxmlformats.org/officeDocument/2006/relationships" xmlns:p="http://schemas.openxmlformats.org/presentationml/2006/main">
   <p:cSld>
     <p:bg>
@@ -10422,16 +11573,7 @@
                 </a:solidFill>
                 <a:latin typeface="Consolas" panose="020B0609020204030204" pitchFamily="49" charset="0"/>
               </a:rPr>
-              <a:t>= null</a:t>
-            </a:r>
-            <a:r>
-              <a:rPr lang="en-US" sz="1600" dirty="0" smtClean="0">
-                <a:solidFill>
-                  <a:srgbClr val="000000"/>
-                </a:solidFill>
-                <a:latin typeface="Consolas" panose="020B0609020204030204" pitchFamily="49" charset="0"/>
-              </a:rPr>
-              <a:t>;</a:t>
+              <a:t>= null;</a:t>
             </a:r>
             <a:r>
               <a:rPr lang="ru-RU" sz="1600" dirty="0" smtClean="0">
@@ -11742,284 +12884,6 @@
 </p:sld>
 </file>
 
-<file path=ppt/slides/slide18.xml><?xml version="1.0" encoding="utf-8"?>
-<p:sld xmlns:a="http://schemas.openxmlformats.org/drawingml/2006/main" xmlns:r="http://schemas.openxmlformats.org/officeDocument/2006/relationships" xmlns:p="http://schemas.openxmlformats.org/presentationml/2006/main">
-  <p:cSld>
-    <p:bg>
-      <p:bgPr>
-        <a:blipFill dpi="0" rotWithShape="1">
-          <a:blip r:embed="rId2">
-            <a:lum/>
-          </a:blip>
-          <a:srcRect/>
-          <a:stretch>
-            <a:fillRect/>
-          </a:stretch>
-        </a:blipFill>
-        <a:effectLst/>
-      </p:bgPr>
-    </p:bg>
-    <p:spTree>
-      <p:nvGrpSpPr>
-        <p:cNvPr id="1" name=""/>
-        <p:cNvGrpSpPr/>
-        <p:nvPr/>
-      </p:nvGrpSpPr>
-      <p:grpSpPr>
-        <a:xfrm>
-          <a:off x="0" y="0"/>
-          <a:ext cx="0" cy="0"/>
-          <a:chOff x="0" y="0"/>
-          <a:chExt cx="0" cy="0"/>
-        </a:xfrm>
-      </p:grpSpPr>
-      <p:sp>
-        <p:nvSpPr>
-          <p:cNvPr id="2" name="Title 1"/>
-          <p:cNvSpPr>
-            <a:spLocks noGrp="1"/>
-          </p:cNvSpPr>
-          <p:nvPr>
-            <p:ph type="title"/>
-          </p:nvPr>
-        </p:nvSpPr>
-        <p:spPr/>
-        <p:txBody>
-          <a:bodyPr/>
-          <a:lstStyle/>
-          <a:p>
-            <a:r>
-              <a:rPr lang="ru-RU" dirty="0" smtClean="0">
-                <a:solidFill>
-                  <a:schemeClr val="bg1"/>
-                </a:solidFill>
-              </a:rPr>
-              <a:t>События и наследование</a:t>
-            </a:r>
-            <a:endParaRPr lang="en-US" dirty="0">
-              <a:solidFill>
-                <a:schemeClr val="bg1"/>
-              </a:solidFill>
-            </a:endParaRPr>
-          </a:p>
-        </p:txBody>
-      </p:sp>
-      <p:sp>
-        <p:nvSpPr>
-          <p:cNvPr id="3" name="Content Placeholder 2"/>
-          <p:cNvSpPr>
-            <a:spLocks noGrp="1"/>
-          </p:cNvSpPr>
-          <p:nvPr>
-            <p:ph idx="1"/>
-          </p:nvPr>
-        </p:nvSpPr>
-        <p:spPr/>
-        <p:txBody>
-          <a:bodyPr/>
-          <a:lstStyle/>
-          <a:p>
-            <a:pPr marL="0" indent="0">
-              <a:buNone/>
-            </a:pPr>
-            <a:r>
-              <a:rPr lang="ru-RU" dirty="0" smtClean="0">
-                <a:solidFill>
-                  <a:schemeClr val="bg1"/>
-                </a:solidFill>
-              </a:rPr>
-              <a:t>Наследники не могут генерировать события родительских классов. Или говоря проще – событие может быть сгенерировано только типом в котором оно объявлено.</a:t>
-            </a:r>
-            <a:endParaRPr lang="ru-RU" dirty="0">
-              <a:solidFill>
-                <a:schemeClr val="bg1"/>
-              </a:solidFill>
-            </a:endParaRPr>
-          </a:p>
-          <a:p>
-            <a:endParaRPr lang="en-US" dirty="0"/>
-          </a:p>
-        </p:txBody>
-      </p:sp>
-    </p:spTree>
-    <p:extLst>
-      <p:ext uri="{BB962C8B-B14F-4D97-AF65-F5344CB8AC3E}">
-        <p14:creationId xmlns:p14="http://schemas.microsoft.com/office/powerpoint/2010/main" val="3789171591"/>
-      </p:ext>
-    </p:extLst>
-  </p:cSld>
-  <p:clrMapOvr>
-    <a:masterClrMapping/>
-  </p:clrMapOvr>
-  <p:timing>
-    <p:tnLst>
-      <p:par>
-        <p:cTn id="1" dur="indefinite" restart="never" nodeType="tmRoot"/>
-      </p:par>
-    </p:tnLst>
-  </p:timing>
-</p:sld>
-</file>
-
-<file path=ppt/slides/slide19.xml><?xml version="1.0" encoding="utf-8"?>
-<p:sld xmlns:a="http://schemas.openxmlformats.org/drawingml/2006/main" xmlns:r="http://schemas.openxmlformats.org/officeDocument/2006/relationships" xmlns:p="http://schemas.openxmlformats.org/presentationml/2006/main">
-  <p:cSld>
-    <p:bg>
-      <p:bgPr>
-        <a:blipFill dpi="0" rotWithShape="1">
-          <a:blip r:embed="rId2">
-            <a:lum/>
-          </a:blip>
-          <a:srcRect/>
-          <a:stretch>
-            <a:fillRect/>
-          </a:stretch>
-        </a:blipFill>
-        <a:effectLst/>
-      </p:bgPr>
-    </p:bg>
-    <p:spTree>
-      <p:nvGrpSpPr>
-        <p:cNvPr id="1" name=""/>
-        <p:cNvGrpSpPr/>
-        <p:nvPr/>
-      </p:nvGrpSpPr>
-      <p:grpSpPr>
-        <a:xfrm>
-          <a:off x="0" y="0"/>
-          <a:ext cx="0" cy="0"/>
-          <a:chOff x="0" y="0"/>
-          <a:chExt cx="0" cy="0"/>
-        </a:xfrm>
-      </p:grpSpPr>
-      <p:sp>
-        <p:nvSpPr>
-          <p:cNvPr id="2" name="Title 1"/>
-          <p:cNvSpPr>
-            <a:spLocks noGrp="1"/>
-          </p:cNvSpPr>
-          <p:nvPr>
-            <p:ph type="title"/>
-          </p:nvPr>
-        </p:nvSpPr>
-        <p:spPr/>
-        <p:txBody>
-          <a:bodyPr/>
-          <a:lstStyle/>
-          <a:p>
-            <a:r>
-              <a:rPr lang="ru-RU" dirty="0" smtClean="0">
-                <a:solidFill>
-                  <a:schemeClr val="bg1"/>
-                </a:solidFill>
-              </a:rPr>
-              <a:t>События: </a:t>
-            </a:r>
-            <a:r>
-              <a:rPr lang="en-US" dirty="0">
-                <a:solidFill>
-                  <a:schemeClr val="bg1"/>
-                </a:solidFill>
-              </a:rPr>
-              <a:t>class vs </a:t>
-            </a:r>
-            <a:r>
-              <a:rPr lang="en-US" dirty="0" err="1">
-                <a:solidFill>
-                  <a:schemeClr val="bg1"/>
-                </a:solidFill>
-              </a:rPr>
-              <a:t>struct</a:t>
-            </a:r>
-            <a:endParaRPr lang="en-US" dirty="0">
-              <a:solidFill>
-                <a:schemeClr val="bg1"/>
-              </a:solidFill>
-            </a:endParaRPr>
-          </a:p>
-        </p:txBody>
-      </p:sp>
-      <p:sp>
-        <p:nvSpPr>
-          <p:cNvPr id="3" name="Content Placeholder 2"/>
-          <p:cNvSpPr>
-            <a:spLocks noGrp="1"/>
-          </p:cNvSpPr>
-          <p:nvPr>
-            <p:ph idx="1"/>
-          </p:nvPr>
-        </p:nvSpPr>
-        <p:spPr/>
-        <p:txBody>
-          <a:bodyPr/>
-          <a:lstStyle/>
-          <a:p>
-            <a:pPr marL="0" indent="0">
-              <a:buNone/>
-            </a:pPr>
-            <a:r>
-              <a:rPr lang="ru-RU" dirty="0" smtClean="0">
-                <a:solidFill>
-                  <a:schemeClr val="bg1"/>
-                </a:solidFill>
-              </a:rPr>
-              <a:t>В структурах можно объявлять события. Проявляйте</a:t>
-            </a:r>
-            <a:r>
-              <a:rPr lang="ru-RU" dirty="0">
-                <a:solidFill>
-                  <a:schemeClr val="bg1"/>
-                </a:solidFill>
-              </a:rPr>
-              <a:t>,</a:t>
-            </a:r>
-            <a:r>
-              <a:rPr lang="ru-RU" dirty="0" smtClean="0">
-                <a:solidFill>
-                  <a:schemeClr val="bg1"/>
-                </a:solidFill>
-              </a:rPr>
-              <a:t> однако, осторожность при их использовании чтобы не подписаться на событие у </a:t>
-            </a:r>
-            <a:r>
-              <a:rPr lang="ru-RU" smtClean="0">
-                <a:solidFill>
-                  <a:schemeClr val="bg1"/>
-                </a:solidFill>
-              </a:rPr>
-              <a:t>копии значения.</a:t>
-            </a:r>
-            <a:endParaRPr lang="ru-RU" dirty="0">
-              <a:solidFill>
-                <a:schemeClr val="bg1"/>
-              </a:solidFill>
-            </a:endParaRPr>
-          </a:p>
-          <a:p>
-            <a:endParaRPr lang="en-US" dirty="0"/>
-          </a:p>
-        </p:txBody>
-      </p:sp>
-    </p:spTree>
-    <p:extLst>
-      <p:ext uri="{BB962C8B-B14F-4D97-AF65-F5344CB8AC3E}">
-        <p14:creationId xmlns:p14="http://schemas.microsoft.com/office/powerpoint/2010/main" val="1663105596"/>
-      </p:ext>
-    </p:extLst>
-  </p:cSld>
-  <p:clrMapOvr>
-    <a:masterClrMapping/>
-  </p:clrMapOvr>
-  <p:timing>
-    <p:tnLst>
-      <p:par>
-        <p:cTn id="1" dur="indefinite" restart="never" nodeType="tmRoot"/>
-      </p:par>
-    </p:tnLst>
-  </p:timing>
-</p:sld>
-</file>
-
 <file path=ppt/slides/slide2.xml><?xml version="1.0" encoding="utf-8"?>
 <p:sld xmlns:a="http://schemas.openxmlformats.org/drawingml/2006/main" xmlns:r="http://schemas.openxmlformats.org/officeDocument/2006/relationships" xmlns:p="http://schemas.openxmlformats.org/presentationml/2006/main">
   <p:cSld>
@@ -12220,6 +13084,284 @@
 </file>
 
 <file path=ppt/slides/slide20.xml><?xml version="1.0" encoding="utf-8"?>
+<p:sld xmlns:a="http://schemas.openxmlformats.org/drawingml/2006/main" xmlns:r="http://schemas.openxmlformats.org/officeDocument/2006/relationships" xmlns:p="http://schemas.openxmlformats.org/presentationml/2006/main">
+  <p:cSld>
+    <p:bg>
+      <p:bgPr>
+        <a:blipFill dpi="0" rotWithShape="1">
+          <a:blip r:embed="rId2">
+            <a:lum/>
+          </a:blip>
+          <a:srcRect/>
+          <a:stretch>
+            <a:fillRect/>
+          </a:stretch>
+        </a:blipFill>
+        <a:effectLst/>
+      </p:bgPr>
+    </p:bg>
+    <p:spTree>
+      <p:nvGrpSpPr>
+        <p:cNvPr id="1" name=""/>
+        <p:cNvGrpSpPr/>
+        <p:nvPr/>
+      </p:nvGrpSpPr>
+      <p:grpSpPr>
+        <a:xfrm>
+          <a:off x="0" y="0"/>
+          <a:ext cx="0" cy="0"/>
+          <a:chOff x="0" y="0"/>
+          <a:chExt cx="0" cy="0"/>
+        </a:xfrm>
+      </p:grpSpPr>
+      <p:sp>
+        <p:nvSpPr>
+          <p:cNvPr id="2" name="Title 1"/>
+          <p:cNvSpPr>
+            <a:spLocks noGrp="1"/>
+          </p:cNvSpPr>
+          <p:nvPr>
+            <p:ph type="title"/>
+          </p:nvPr>
+        </p:nvSpPr>
+        <p:spPr/>
+        <p:txBody>
+          <a:bodyPr/>
+          <a:lstStyle/>
+          <a:p>
+            <a:r>
+              <a:rPr lang="ru-RU" dirty="0" smtClean="0">
+                <a:solidFill>
+                  <a:schemeClr val="bg1"/>
+                </a:solidFill>
+              </a:rPr>
+              <a:t>События и наследование</a:t>
+            </a:r>
+            <a:endParaRPr lang="en-US" dirty="0">
+              <a:solidFill>
+                <a:schemeClr val="bg1"/>
+              </a:solidFill>
+            </a:endParaRPr>
+          </a:p>
+        </p:txBody>
+      </p:sp>
+      <p:sp>
+        <p:nvSpPr>
+          <p:cNvPr id="3" name="Content Placeholder 2"/>
+          <p:cNvSpPr>
+            <a:spLocks noGrp="1"/>
+          </p:cNvSpPr>
+          <p:nvPr>
+            <p:ph idx="1"/>
+          </p:nvPr>
+        </p:nvSpPr>
+        <p:spPr/>
+        <p:txBody>
+          <a:bodyPr/>
+          <a:lstStyle/>
+          <a:p>
+            <a:pPr marL="0" indent="0">
+              <a:buNone/>
+            </a:pPr>
+            <a:r>
+              <a:rPr lang="ru-RU" dirty="0" smtClean="0">
+                <a:solidFill>
+                  <a:schemeClr val="bg1"/>
+                </a:solidFill>
+              </a:rPr>
+              <a:t>Наследники не могут генерировать события родительских классов. Или говоря проще – событие может быть сгенерировано только типом в котором оно объявлено.</a:t>
+            </a:r>
+            <a:endParaRPr lang="ru-RU" dirty="0">
+              <a:solidFill>
+                <a:schemeClr val="bg1"/>
+              </a:solidFill>
+            </a:endParaRPr>
+          </a:p>
+          <a:p>
+            <a:endParaRPr lang="en-US" dirty="0"/>
+          </a:p>
+        </p:txBody>
+      </p:sp>
+    </p:spTree>
+    <p:extLst>
+      <p:ext uri="{BB962C8B-B14F-4D97-AF65-F5344CB8AC3E}">
+        <p14:creationId xmlns:p14="http://schemas.microsoft.com/office/powerpoint/2010/main" val="3789171591"/>
+      </p:ext>
+    </p:extLst>
+  </p:cSld>
+  <p:clrMapOvr>
+    <a:masterClrMapping/>
+  </p:clrMapOvr>
+  <p:timing>
+    <p:tnLst>
+      <p:par>
+        <p:cTn id="1" dur="indefinite" restart="never" nodeType="tmRoot"/>
+      </p:par>
+    </p:tnLst>
+  </p:timing>
+</p:sld>
+</file>
+
+<file path=ppt/slides/slide21.xml><?xml version="1.0" encoding="utf-8"?>
+<p:sld xmlns:a="http://schemas.openxmlformats.org/drawingml/2006/main" xmlns:r="http://schemas.openxmlformats.org/officeDocument/2006/relationships" xmlns:p="http://schemas.openxmlformats.org/presentationml/2006/main">
+  <p:cSld>
+    <p:bg>
+      <p:bgPr>
+        <a:blipFill dpi="0" rotWithShape="1">
+          <a:blip r:embed="rId2">
+            <a:lum/>
+          </a:blip>
+          <a:srcRect/>
+          <a:stretch>
+            <a:fillRect/>
+          </a:stretch>
+        </a:blipFill>
+        <a:effectLst/>
+      </p:bgPr>
+    </p:bg>
+    <p:spTree>
+      <p:nvGrpSpPr>
+        <p:cNvPr id="1" name=""/>
+        <p:cNvGrpSpPr/>
+        <p:nvPr/>
+      </p:nvGrpSpPr>
+      <p:grpSpPr>
+        <a:xfrm>
+          <a:off x="0" y="0"/>
+          <a:ext cx="0" cy="0"/>
+          <a:chOff x="0" y="0"/>
+          <a:chExt cx="0" cy="0"/>
+        </a:xfrm>
+      </p:grpSpPr>
+      <p:sp>
+        <p:nvSpPr>
+          <p:cNvPr id="2" name="Title 1"/>
+          <p:cNvSpPr>
+            <a:spLocks noGrp="1"/>
+          </p:cNvSpPr>
+          <p:nvPr>
+            <p:ph type="title"/>
+          </p:nvPr>
+        </p:nvSpPr>
+        <p:spPr/>
+        <p:txBody>
+          <a:bodyPr/>
+          <a:lstStyle/>
+          <a:p>
+            <a:r>
+              <a:rPr lang="ru-RU" dirty="0" smtClean="0">
+                <a:solidFill>
+                  <a:schemeClr val="bg1"/>
+                </a:solidFill>
+              </a:rPr>
+              <a:t>События: </a:t>
+            </a:r>
+            <a:r>
+              <a:rPr lang="en-US" dirty="0">
+                <a:solidFill>
+                  <a:schemeClr val="bg1"/>
+                </a:solidFill>
+              </a:rPr>
+              <a:t>class vs </a:t>
+            </a:r>
+            <a:r>
+              <a:rPr lang="en-US" dirty="0" err="1">
+                <a:solidFill>
+                  <a:schemeClr val="bg1"/>
+                </a:solidFill>
+              </a:rPr>
+              <a:t>struct</a:t>
+            </a:r>
+            <a:endParaRPr lang="en-US" dirty="0">
+              <a:solidFill>
+                <a:schemeClr val="bg1"/>
+              </a:solidFill>
+            </a:endParaRPr>
+          </a:p>
+        </p:txBody>
+      </p:sp>
+      <p:sp>
+        <p:nvSpPr>
+          <p:cNvPr id="3" name="Content Placeholder 2"/>
+          <p:cNvSpPr>
+            <a:spLocks noGrp="1"/>
+          </p:cNvSpPr>
+          <p:nvPr>
+            <p:ph idx="1"/>
+          </p:nvPr>
+        </p:nvSpPr>
+        <p:spPr/>
+        <p:txBody>
+          <a:bodyPr/>
+          <a:lstStyle/>
+          <a:p>
+            <a:pPr marL="0" indent="0">
+              <a:buNone/>
+            </a:pPr>
+            <a:r>
+              <a:rPr lang="ru-RU" dirty="0" smtClean="0">
+                <a:solidFill>
+                  <a:schemeClr val="bg1"/>
+                </a:solidFill>
+              </a:rPr>
+              <a:t>В структурах можно объявлять события. Проявляйте</a:t>
+            </a:r>
+            <a:r>
+              <a:rPr lang="ru-RU" dirty="0">
+                <a:solidFill>
+                  <a:schemeClr val="bg1"/>
+                </a:solidFill>
+              </a:rPr>
+              <a:t>,</a:t>
+            </a:r>
+            <a:r>
+              <a:rPr lang="ru-RU" dirty="0" smtClean="0">
+                <a:solidFill>
+                  <a:schemeClr val="bg1"/>
+                </a:solidFill>
+              </a:rPr>
+              <a:t> однако, осторожность при их использовании чтобы не подписаться на событие у </a:t>
+            </a:r>
+            <a:r>
+              <a:rPr lang="ru-RU" smtClean="0">
+                <a:solidFill>
+                  <a:schemeClr val="bg1"/>
+                </a:solidFill>
+              </a:rPr>
+              <a:t>копии значения.</a:t>
+            </a:r>
+            <a:endParaRPr lang="ru-RU" dirty="0">
+              <a:solidFill>
+                <a:schemeClr val="bg1"/>
+              </a:solidFill>
+            </a:endParaRPr>
+          </a:p>
+          <a:p>
+            <a:endParaRPr lang="en-US" dirty="0"/>
+          </a:p>
+        </p:txBody>
+      </p:sp>
+    </p:spTree>
+    <p:extLst>
+      <p:ext uri="{BB962C8B-B14F-4D97-AF65-F5344CB8AC3E}">
+        <p14:creationId xmlns:p14="http://schemas.microsoft.com/office/powerpoint/2010/main" val="1663105596"/>
+      </p:ext>
+    </p:extLst>
+  </p:cSld>
+  <p:clrMapOvr>
+    <a:masterClrMapping/>
+  </p:clrMapOvr>
+  <p:timing>
+    <p:tnLst>
+      <p:par>
+        <p:cTn id="1" dur="indefinite" restart="never" nodeType="tmRoot"/>
+      </p:par>
+    </p:tnLst>
+  </p:timing>
+</p:sld>
+</file>
+
+<file path=ppt/slides/slide22.xml><?xml version="1.0" encoding="utf-8"?>
 <p:sld xmlns:a="http://schemas.openxmlformats.org/drawingml/2006/main" xmlns:r="http://schemas.openxmlformats.org/officeDocument/2006/relationships" xmlns:p="http://schemas.openxmlformats.org/presentationml/2006/main">
   <p:cSld>
     <p:bg>
@@ -12522,7 +13664,7 @@
 </p:sld>
 </file>
 
-<file path=ppt/slides/slide21.xml><?xml version="1.0" encoding="utf-8"?>
+<file path=ppt/slides/slide23.xml><?xml version="1.0" encoding="utf-8"?>
 <p:sld xmlns:a="http://schemas.openxmlformats.org/drawingml/2006/main" xmlns:r="http://schemas.openxmlformats.org/officeDocument/2006/relationships" xmlns:p="http://schemas.openxmlformats.org/presentationml/2006/main">
   <p:cSld>
     <p:bg>
@@ -15358,6 +16500,100 @@
 <file path=ppt/slides/slide5.xml><?xml version="1.0" encoding="utf-8"?>
 <p:sld xmlns:a="http://schemas.openxmlformats.org/drawingml/2006/main" xmlns:r="http://schemas.openxmlformats.org/officeDocument/2006/relationships" xmlns:p="http://schemas.openxmlformats.org/presentationml/2006/main">
   <p:cSld>
+    <p:spTree>
+      <p:nvGrpSpPr>
+        <p:cNvPr id="1" name=""/>
+        <p:cNvGrpSpPr/>
+        <p:nvPr/>
+      </p:nvGrpSpPr>
+      <p:grpSpPr>
+        <a:xfrm>
+          <a:off x="0" y="0"/>
+          <a:ext cx="0" cy="0"/>
+          <a:chOff x="0" y="0"/>
+          <a:chExt cx="0" cy="0"/>
+        </a:xfrm>
+      </p:grpSpPr>
+      <p:sp>
+        <p:nvSpPr>
+          <p:cNvPr id="2" name="Title 1"/>
+          <p:cNvSpPr>
+            <a:spLocks noGrp="1"/>
+          </p:cNvSpPr>
+          <p:nvPr>
+            <p:ph type="title"/>
+          </p:nvPr>
+        </p:nvSpPr>
+        <p:spPr/>
+        <p:txBody>
+          <a:bodyPr>
+            <a:normAutofit fontScale="90000"/>
+          </a:bodyPr>
+          <a:lstStyle/>
+          <a:p>
+            <a:r>
+              <a:rPr lang="ru-RU" dirty="0" smtClean="0">
+                <a:solidFill>
+                  <a:srgbClr val="002060"/>
+                </a:solidFill>
+              </a:rPr>
+              <a:t>Иерархия наследования делегатов</a:t>
+            </a:r>
+            <a:endParaRPr lang="en-US" dirty="0">
+              <a:solidFill>
+                <a:srgbClr val="002060"/>
+              </a:solidFill>
+            </a:endParaRPr>
+          </a:p>
+        </p:txBody>
+      </p:sp>
+      <p:pic>
+        <p:nvPicPr>
+          <p:cNvPr id="3" name="Picture 2"/>
+          <p:cNvPicPr>
+            <a:picLocks noChangeAspect="1"/>
+          </p:cNvPicPr>
+          <p:nvPr/>
+        </p:nvPicPr>
+        <p:blipFill>
+          <a:blip r:embed="rId2"/>
+          <a:stretch>
+            <a:fillRect/>
+          </a:stretch>
+        </p:blipFill>
+        <p:spPr>
+          <a:xfrm>
+            <a:off x="3524143" y="1633749"/>
+            <a:ext cx="2095714" cy="4847143"/>
+          </a:xfrm>
+          <a:prstGeom prst="rect">
+            <a:avLst/>
+          </a:prstGeom>
+        </p:spPr>
+      </p:pic>
+    </p:spTree>
+    <p:extLst>
+      <p:ext uri="{BB962C8B-B14F-4D97-AF65-F5344CB8AC3E}">
+        <p14:creationId xmlns:p14="http://schemas.microsoft.com/office/powerpoint/2010/main" val="10873256"/>
+      </p:ext>
+    </p:extLst>
+  </p:cSld>
+  <p:clrMapOvr>
+    <a:masterClrMapping/>
+  </p:clrMapOvr>
+  <p:timing>
+    <p:tnLst>
+      <p:par>
+        <p:cTn id="1" dur="indefinite" restart="never" nodeType="tmRoot"/>
+      </p:par>
+    </p:tnLst>
+  </p:timing>
+</p:sld>
+</file>
+
+<file path=ppt/slides/slide6.xml><?xml version="1.0" encoding="utf-8"?>
+<p:sld xmlns:a="http://schemas.openxmlformats.org/drawingml/2006/main" xmlns:r="http://schemas.openxmlformats.org/officeDocument/2006/relationships" xmlns:p="http://schemas.openxmlformats.org/presentationml/2006/main">
+  <p:cSld>
     <p:bg>
       <p:bgPr>
         <a:blipFill dpi="0" rotWithShape="1">
@@ -16370,7 +17606,7 @@
 </p:sld>
 </file>
 
-<file path=ppt/slides/slide6.xml><?xml version="1.0" encoding="utf-8"?>
+<file path=ppt/slides/slide7.xml><?xml version="1.0" encoding="utf-8"?>
 <p:sld xmlns:a="http://schemas.openxmlformats.org/drawingml/2006/main" xmlns:r="http://schemas.openxmlformats.org/officeDocument/2006/relationships" xmlns:p="http://schemas.openxmlformats.org/presentationml/2006/main">
   <p:cSld>
     <p:bg>
@@ -17462,7 +18698,7 @@
 </p:sld>
 </file>
 
-<file path=ppt/slides/slide7.xml><?xml version="1.0" encoding="utf-8"?>
+<file path=ppt/slides/slide8.xml><?xml version="1.0" encoding="utf-8"?>
 <p:sld xmlns:a="http://schemas.openxmlformats.org/drawingml/2006/main" xmlns:r="http://schemas.openxmlformats.org/officeDocument/2006/relationships" xmlns:p="http://schemas.openxmlformats.org/presentationml/2006/main">
   <p:cSld>
     <p:bg>
@@ -18345,7 +19581,7 @@
 </p:sld>
 </file>
 
-<file path=ppt/slides/slide8.xml><?xml version="1.0" encoding="utf-8"?>
+<file path=ppt/slides/slide9.xml><?xml version="1.0" encoding="utf-8"?>
 <p:sld xmlns:a="http://schemas.openxmlformats.org/drawingml/2006/main" xmlns:r="http://schemas.openxmlformats.org/officeDocument/2006/relationships" xmlns:p="http://schemas.openxmlformats.org/presentationml/2006/main">
   <p:cSld>
     <p:bg>
@@ -19334,1034 +20570,6 @@
     <p:extLst>
       <p:ext uri="{BB962C8B-B14F-4D97-AF65-F5344CB8AC3E}">
         <p14:creationId xmlns:p14="http://schemas.microsoft.com/office/powerpoint/2010/main" val="2009776621"/>
-      </p:ext>
-    </p:extLst>
-  </p:cSld>
-  <p:clrMapOvr>
-    <a:masterClrMapping/>
-  </p:clrMapOvr>
-  <p:timing>
-    <p:tnLst>
-      <p:par>
-        <p:cTn id="1" dur="indefinite" restart="never" nodeType="tmRoot"/>
-      </p:par>
-    </p:tnLst>
-  </p:timing>
-</p:sld>
-</file>
-
-<file path=ppt/slides/slide9.xml><?xml version="1.0" encoding="utf-8"?>
-<p:sld xmlns:a="http://schemas.openxmlformats.org/drawingml/2006/main" xmlns:r="http://schemas.openxmlformats.org/officeDocument/2006/relationships" xmlns:p="http://schemas.openxmlformats.org/presentationml/2006/main">
-  <p:cSld>
-    <p:bg>
-      <p:bgPr>
-        <a:blipFill dpi="0" rotWithShape="1">
-          <a:blip r:embed="rId2">
-            <a:lum/>
-          </a:blip>
-          <a:srcRect/>
-          <a:stretch>
-            <a:fillRect/>
-          </a:stretch>
-        </a:blipFill>
-        <a:effectLst/>
-      </p:bgPr>
-    </p:bg>
-    <p:spTree>
-      <p:nvGrpSpPr>
-        <p:cNvPr id="1" name=""/>
-        <p:cNvGrpSpPr/>
-        <p:nvPr/>
-      </p:nvGrpSpPr>
-      <p:grpSpPr>
-        <a:xfrm>
-          <a:off x="0" y="0"/>
-          <a:ext cx="0" cy="0"/>
-          <a:chOff x="0" y="0"/>
-          <a:chExt cx="0" cy="0"/>
-        </a:xfrm>
-      </p:grpSpPr>
-      <p:sp>
-        <p:nvSpPr>
-          <p:cNvPr id="9218" name="Прямоугольник 2"/>
-          <p:cNvSpPr>
-            <a:spLocks noChangeArrowheads="1"/>
-          </p:cNvSpPr>
-          <p:nvPr/>
-        </p:nvSpPr>
-        <p:spPr bwMode="auto">
-          <a:xfrm>
-            <a:off x="2133600" y="0"/>
-            <a:ext cx="5105400" cy="461963"/>
-          </a:xfrm>
-          <a:prstGeom prst="rect">
-            <a:avLst/>
-          </a:prstGeom>
-          <a:noFill/>
-          <a:ln>
-            <a:noFill/>
-          </a:ln>
-          <a:extLst>
-            <a:ext uri="{909E8E84-426E-40DD-AFC4-6F175D3DCCD1}">
-              <a14:hiddenFill xmlns:a14="http://schemas.microsoft.com/office/drawing/2010/main">
-                <a:solidFill>
-                  <a:srgbClr val="FFFFFF"/>
-                </a:solidFill>
-              </a14:hiddenFill>
-            </a:ext>
-            <a:ext uri="{91240B29-F687-4F45-9708-019B960494DF}">
-              <a14:hiddenLine xmlns:a14="http://schemas.microsoft.com/office/drawing/2010/main" w="9525">
-                <a:solidFill>
-                  <a:srgbClr val="000000"/>
-                </a:solidFill>
-                <a:miter lim="800000"/>
-                <a:headEnd/>
-                <a:tailEnd/>
-              </a14:hiddenLine>
-            </a:ext>
-          </a:extLst>
-        </p:spPr>
-        <p:txBody>
-          <a:bodyPr>
-            <a:spAutoFit/>
-          </a:bodyPr>
-          <a:lstStyle/>
-          <a:p>
-            <a:pPr algn="ctr"/>
-            <a:r>
-              <a:rPr lang="ru-RU" sz="2400" b="1"/>
-              <a:t>События.</a:t>
-            </a:r>
-          </a:p>
-        </p:txBody>
-      </p:sp>
-      <p:sp>
-        <p:nvSpPr>
-          <p:cNvPr id="9219" name="TextBox 6"/>
-          <p:cNvSpPr txBox="1">
-            <a:spLocks noChangeArrowheads="1"/>
-          </p:cNvSpPr>
-          <p:nvPr/>
-        </p:nvSpPr>
-        <p:spPr bwMode="auto">
-          <a:xfrm>
-            <a:off x="152400" y="457200"/>
-            <a:ext cx="8839200" cy="1816100"/>
-          </a:xfrm>
-          <a:prstGeom prst="rect">
-            <a:avLst/>
-          </a:prstGeom>
-          <a:noFill/>
-          <a:ln>
-            <a:noFill/>
-          </a:ln>
-          <a:extLst>
-            <a:ext uri="{909E8E84-426E-40DD-AFC4-6F175D3DCCD1}">
-              <a14:hiddenFill xmlns:a14="http://schemas.microsoft.com/office/drawing/2010/main">
-                <a:solidFill>
-                  <a:srgbClr val="FFFFFF"/>
-                </a:solidFill>
-              </a14:hiddenFill>
-            </a:ext>
-            <a:ext uri="{91240B29-F687-4F45-9708-019B960494DF}">
-              <a14:hiddenLine xmlns:a14="http://schemas.microsoft.com/office/drawing/2010/main" w="9525">
-                <a:solidFill>
-                  <a:srgbClr val="000000"/>
-                </a:solidFill>
-                <a:miter lim="800000"/>
-                <a:headEnd/>
-                <a:tailEnd/>
-              </a14:hiddenLine>
-            </a:ext>
-          </a:extLst>
-        </p:spPr>
-        <p:txBody>
-          <a:bodyPr>
-            <a:spAutoFit/>
-          </a:bodyPr>
-          <a:lstStyle>
-            <a:lvl1pPr defTabSz="358775" eaLnBrk="0" hangingPunct="0">
-              <a:defRPr>
-                <a:solidFill>
-                  <a:schemeClr val="tx1"/>
-                </a:solidFill>
-                <a:latin typeface="Arial" charset="0"/>
-              </a:defRPr>
-            </a:lvl1pPr>
-            <a:lvl2pPr marL="742950" indent="-285750" defTabSz="358775" eaLnBrk="0" hangingPunct="0">
-              <a:defRPr>
-                <a:solidFill>
-                  <a:schemeClr val="tx1"/>
-                </a:solidFill>
-                <a:latin typeface="Arial" charset="0"/>
-              </a:defRPr>
-            </a:lvl2pPr>
-            <a:lvl3pPr marL="1143000" indent="-228600" defTabSz="358775" eaLnBrk="0" hangingPunct="0">
-              <a:defRPr>
-                <a:solidFill>
-                  <a:schemeClr val="tx1"/>
-                </a:solidFill>
-                <a:latin typeface="Arial" charset="0"/>
-              </a:defRPr>
-            </a:lvl3pPr>
-            <a:lvl4pPr marL="1600200" indent="-228600" defTabSz="358775" eaLnBrk="0" hangingPunct="0">
-              <a:defRPr>
-                <a:solidFill>
-                  <a:schemeClr val="tx1"/>
-                </a:solidFill>
-                <a:latin typeface="Arial" charset="0"/>
-              </a:defRPr>
-            </a:lvl4pPr>
-            <a:lvl5pPr marL="2057400" indent="-228600" defTabSz="358775" eaLnBrk="0" hangingPunct="0">
-              <a:defRPr>
-                <a:solidFill>
-                  <a:schemeClr val="tx1"/>
-                </a:solidFill>
-                <a:latin typeface="Arial" charset="0"/>
-              </a:defRPr>
-            </a:lvl5pPr>
-            <a:lvl6pPr marL="2514600" indent="-228600" defTabSz="358775" eaLnBrk="0" fontAlgn="base" hangingPunct="0">
-              <a:spcBef>
-                <a:spcPct val="0"/>
-              </a:spcBef>
-              <a:spcAft>
-                <a:spcPct val="0"/>
-              </a:spcAft>
-              <a:defRPr>
-                <a:solidFill>
-                  <a:schemeClr val="tx1"/>
-                </a:solidFill>
-                <a:latin typeface="Arial" charset="0"/>
-              </a:defRPr>
-            </a:lvl6pPr>
-            <a:lvl7pPr marL="2971800" indent="-228600" defTabSz="358775" eaLnBrk="0" fontAlgn="base" hangingPunct="0">
-              <a:spcBef>
-                <a:spcPct val="0"/>
-              </a:spcBef>
-              <a:spcAft>
-                <a:spcPct val="0"/>
-              </a:spcAft>
-              <a:defRPr>
-                <a:solidFill>
-                  <a:schemeClr val="tx1"/>
-                </a:solidFill>
-                <a:latin typeface="Arial" charset="0"/>
-              </a:defRPr>
-            </a:lvl7pPr>
-            <a:lvl8pPr marL="3429000" indent="-228600" defTabSz="358775" eaLnBrk="0" fontAlgn="base" hangingPunct="0">
-              <a:spcBef>
-                <a:spcPct val="0"/>
-              </a:spcBef>
-              <a:spcAft>
-                <a:spcPct val="0"/>
-              </a:spcAft>
-              <a:defRPr>
-                <a:solidFill>
-                  <a:schemeClr val="tx1"/>
-                </a:solidFill>
-                <a:latin typeface="Arial" charset="0"/>
-              </a:defRPr>
-            </a:lvl8pPr>
-            <a:lvl9pPr marL="3886200" indent="-228600" defTabSz="358775" eaLnBrk="0" fontAlgn="base" hangingPunct="0">
-              <a:spcBef>
-                <a:spcPct val="0"/>
-              </a:spcBef>
-              <a:spcAft>
-                <a:spcPct val="0"/>
-              </a:spcAft>
-              <a:defRPr>
-                <a:solidFill>
-                  <a:schemeClr val="tx1"/>
-                </a:solidFill>
-                <a:latin typeface="Arial" charset="0"/>
-              </a:defRPr>
-            </a:lvl9pPr>
-          </a:lstStyle>
-          <a:p>
-            <a:pPr eaLnBrk="1" hangingPunct="1"/>
-            <a:r>
-              <a:rPr lang="ru-RU" sz="1600" dirty="0"/>
-              <a:t>	Концептуальная роль событий заключается в следующем</a:t>
-            </a:r>
-            <a:r>
-              <a:rPr lang="en-US" sz="1600" dirty="0"/>
-              <a:t>:</a:t>
-            </a:r>
-            <a:r>
-              <a:rPr lang="ru-RU" sz="1600" dirty="0"/>
-              <a:t> Если</a:t>
-            </a:r>
-            <a:r>
-              <a:rPr lang="en-US" sz="1600" dirty="0"/>
-              <a:t> </a:t>
-            </a:r>
-            <a:r>
-              <a:rPr lang="ru-RU" sz="1600" dirty="0"/>
-              <a:t>какой-то объект хочет оповестить других о смене своего состояния, он запускает событие (или сигнал). Это событие может быть отловлено любым количеством объектом. Реакцией на событие, как правило, является вызов метода в отлавливающем объекте.</a:t>
-            </a:r>
-          </a:p>
-          <a:p>
-            <a:pPr eaLnBrk="1" hangingPunct="1"/>
-            <a:r>
-              <a:rPr lang="ru-RU" sz="1600" dirty="0"/>
-              <a:t>	В языку </a:t>
-            </a:r>
-            <a:r>
-              <a:rPr lang="en-US" sz="1600" dirty="0"/>
-              <a:t>C# </a:t>
-            </a:r>
-            <a:r>
-              <a:rPr lang="ru-RU" sz="1600" dirty="0"/>
-              <a:t>события являются более развитой системой использование групповых делегатов.</a:t>
-            </a:r>
-          </a:p>
-          <a:p>
-            <a:pPr eaLnBrk="1" hangingPunct="1"/>
-            <a:r>
-              <a:rPr lang="ru-RU" sz="1600" dirty="0"/>
-              <a:t>	При создании события его необходимо объявить</a:t>
-            </a:r>
-            <a:r>
-              <a:rPr lang="en-US" sz="1600" dirty="0"/>
-              <a:t>:</a:t>
-            </a:r>
-            <a:endParaRPr lang="ru-RU" sz="1600" dirty="0"/>
-          </a:p>
-        </p:txBody>
-      </p:sp>
-      <p:sp>
-        <p:nvSpPr>
-          <p:cNvPr id="9220" name="Rectangle 1"/>
-          <p:cNvSpPr>
-            <a:spLocks noChangeArrowheads="1"/>
-          </p:cNvSpPr>
-          <p:nvPr/>
-        </p:nvSpPr>
-        <p:spPr bwMode="auto">
-          <a:xfrm>
-            <a:off x="152400" y="2286000"/>
-            <a:ext cx="8839200" cy="307975"/>
-          </a:xfrm>
-          <a:prstGeom prst="rect">
-            <a:avLst/>
-          </a:prstGeom>
-          <a:noFill/>
-          <a:ln w="9525">
-            <a:solidFill>
-              <a:srgbClr val="FF0000"/>
-            </a:solidFill>
-            <a:miter lim="800000"/>
-            <a:headEnd/>
-            <a:tailEnd/>
-          </a:ln>
-          <a:extLst>
-            <a:ext uri="{909E8E84-426E-40DD-AFC4-6F175D3DCCD1}">
-              <a14:hiddenFill xmlns:a14="http://schemas.microsoft.com/office/drawing/2010/main">
-                <a:solidFill>
-                  <a:srgbClr val="FFFFFF"/>
-                </a:solidFill>
-              </a14:hiddenFill>
-            </a:ext>
-          </a:extLst>
-        </p:spPr>
-        <p:txBody>
-          <a:bodyPr anchor="ctr">
-            <a:spAutoFit/>
-          </a:bodyPr>
-          <a:lstStyle/>
-          <a:p>
-            <a:pPr algn="ctr" eaLnBrk="0" hangingPunct="0"/>
-            <a:r>
-              <a:rPr lang="en-US" sz="1400" dirty="0">
-                <a:latin typeface="Courier New" pitchFamily="49" charset="0"/>
-                <a:ea typeface="Calibri" pitchFamily="34" charset="0"/>
-                <a:cs typeface="Courier New" pitchFamily="49" charset="0"/>
-              </a:rPr>
-              <a:t>&lt; </a:t>
-            </a:r>
-            <a:r>
-              <a:rPr lang="ru-RU" sz="1400" dirty="0">
-                <a:latin typeface="Courier New" pitchFamily="49" charset="0"/>
-                <a:ea typeface="Calibri" pitchFamily="34" charset="0"/>
-                <a:cs typeface="Courier New" pitchFamily="49" charset="0"/>
-              </a:rPr>
-              <a:t>Модификатор доступа</a:t>
-            </a:r>
-            <a:r>
-              <a:rPr lang="en-US" sz="1400" dirty="0">
-                <a:latin typeface="Courier New" pitchFamily="49" charset="0"/>
-                <a:ea typeface="Calibri" pitchFamily="34" charset="0"/>
-                <a:cs typeface="Courier New" pitchFamily="49" charset="0"/>
-              </a:rPr>
-              <a:t> &gt;</a:t>
-            </a:r>
-            <a:r>
-              <a:rPr lang="be-BY" sz="1400" dirty="0">
-                <a:latin typeface="Courier New" pitchFamily="49" charset="0"/>
-                <a:ea typeface="Calibri" pitchFamily="34" charset="0"/>
-                <a:cs typeface="Courier New" pitchFamily="49" charset="0"/>
-              </a:rPr>
-              <a:t> </a:t>
-            </a:r>
-            <a:r>
-              <a:rPr lang="be-BY" sz="1400" dirty="0">
-                <a:solidFill>
-                  <a:srgbClr val="FFC000"/>
-                </a:solidFill>
-                <a:latin typeface="Courier New" pitchFamily="49" charset="0"/>
-                <a:ea typeface="Calibri" pitchFamily="34" charset="0"/>
-                <a:cs typeface="Courier New" pitchFamily="49" charset="0"/>
-              </a:rPr>
-              <a:t>e</a:t>
-            </a:r>
-            <a:r>
-              <a:rPr lang="en-US" sz="1400" dirty="0">
-                <a:solidFill>
-                  <a:srgbClr val="FFC000"/>
-                </a:solidFill>
-                <a:latin typeface="Courier New" pitchFamily="49" charset="0"/>
-                <a:ea typeface="Calibri" pitchFamily="34" charset="0"/>
-                <a:cs typeface="Courier New" pitchFamily="49" charset="0"/>
-              </a:rPr>
-              <a:t>vent</a:t>
-            </a:r>
-            <a:r>
-              <a:rPr lang="be-BY" sz="1400" dirty="0">
-                <a:latin typeface="Courier New" pitchFamily="49" charset="0"/>
-                <a:ea typeface="Calibri" pitchFamily="34" charset="0"/>
-                <a:cs typeface="Courier New" pitchFamily="49" charset="0"/>
-              </a:rPr>
-              <a:t> </a:t>
-            </a:r>
-            <a:r>
-              <a:rPr lang="en-US" sz="1400" dirty="0">
-                <a:latin typeface="Courier New" pitchFamily="49" charset="0"/>
-                <a:ea typeface="Calibri" pitchFamily="34" charset="0"/>
-                <a:cs typeface="Courier New" pitchFamily="49" charset="0"/>
-              </a:rPr>
-              <a:t>&lt; </a:t>
-            </a:r>
-            <a:r>
-              <a:rPr lang="ru-RU" sz="1400" dirty="0">
-                <a:latin typeface="Courier New" pitchFamily="49" charset="0"/>
-                <a:ea typeface="Calibri" pitchFamily="34" charset="0"/>
-                <a:cs typeface="Courier New" pitchFamily="49" charset="0"/>
-              </a:rPr>
-              <a:t>Тип делегата </a:t>
-            </a:r>
-            <a:r>
-              <a:rPr lang="en-US" sz="1400" dirty="0">
-                <a:latin typeface="Courier New" pitchFamily="49" charset="0"/>
-                <a:ea typeface="Calibri" pitchFamily="34" charset="0"/>
-                <a:cs typeface="Courier New" pitchFamily="49" charset="0"/>
-              </a:rPr>
-              <a:t>&gt;</a:t>
-            </a:r>
-            <a:r>
-              <a:rPr lang="ru-RU" sz="1400" dirty="0">
-                <a:latin typeface="Courier New" pitchFamily="49" charset="0"/>
-                <a:ea typeface="Calibri" pitchFamily="34" charset="0"/>
-                <a:cs typeface="Courier New" pitchFamily="49" charset="0"/>
-              </a:rPr>
-              <a:t> </a:t>
-            </a:r>
-            <a:r>
-              <a:rPr lang="en-US" sz="1400" dirty="0">
-                <a:latin typeface="Courier New" pitchFamily="49" charset="0"/>
-                <a:ea typeface="Calibri" pitchFamily="34" charset="0"/>
-                <a:cs typeface="Courier New" pitchFamily="49" charset="0"/>
-              </a:rPr>
-              <a:t>&lt;</a:t>
-            </a:r>
-            <a:r>
-              <a:rPr lang="ru-RU" sz="1400" dirty="0">
-                <a:latin typeface="Courier New" pitchFamily="49" charset="0"/>
-                <a:ea typeface="Calibri" pitchFamily="34" charset="0"/>
-                <a:cs typeface="Courier New" pitchFamily="49" charset="0"/>
-              </a:rPr>
-              <a:t> Имя события</a:t>
-            </a:r>
-            <a:r>
-              <a:rPr lang="en-US" sz="1400" dirty="0">
-                <a:latin typeface="Courier New" pitchFamily="49" charset="0"/>
-                <a:ea typeface="Calibri" pitchFamily="34" charset="0"/>
-                <a:cs typeface="Courier New" pitchFamily="49" charset="0"/>
-              </a:rPr>
-              <a:t>&gt;</a:t>
-            </a:r>
-            <a:r>
-              <a:rPr lang="be-BY" sz="1400" dirty="0">
-                <a:latin typeface="Courier New" pitchFamily="49" charset="0"/>
-                <a:ea typeface="Calibri" pitchFamily="34" charset="0"/>
-                <a:cs typeface="Courier New" pitchFamily="49" charset="0"/>
-              </a:rPr>
-              <a:t>;</a:t>
-            </a:r>
-            <a:endParaRPr lang="be-BY" sz="1400" dirty="0">
-              <a:ea typeface="Calibri" pitchFamily="34" charset="0"/>
-              <a:cs typeface="Courier New" pitchFamily="49" charset="0"/>
-            </a:endParaRPr>
-          </a:p>
-        </p:txBody>
-      </p:sp>
-      <p:sp>
-        <p:nvSpPr>
-          <p:cNvPr id="9221" name="TextBox 6"/>
-          <p:cNvSpPr txBox="1">
-            <a:spLocks noChangeArrowheads="1"/>
-          </p:cNvSpPr>
-          <p:nvPr/>
-        </p:nvSpPr>
-        <p:spPr bwMode="auto">
-          <a:xfrm>
-            <a:off x="152400" y="2679700"/>
-            <a:ext cx="8839200" cy="1816100"/>
-          </a:xfrm>
-          <a:prstGeom prst="rect">
-            <a:avLst/>
-          </a:prstGeom>
-          <a:noFill/>
-          <a:ln>
-            <a:noFill/>
-          </a:ln>
-          <a:extLst>
-            <a:ext uri="{909E8E84-426E-40DD-AFC4-6F175D3DCCD1}">
-              <a14:hiddenFill xmlns:a14="http://schemas.microsoft.com/office/drawing/2010/main">
-                <a:solidFill>
-                  <a:srgbClr val="FFFFFF"/>
-                </a:solidFill>
-              </a14:hiddenFill>
-            </a:ext>
-            <a:ext uri="{91240B29-F687-4F45-9708-019B960494DF}">
-              <a14:hiddenLine xmlns:a14="http://schemas.microsoft.com/office/drawing/2010/main" w="9525">
-                <a:solidFill>
-                  <a:srgbClr val="000000"/>
-                </a:solidFill>
-                <a:miter lim="800000"/>
-                <a:headEnd/>
-                <a:tailEnd/>
-              </a14:hiddenLine>
-            </a:ext>
-          </a:extLst>
-        </p:spPr>
-        <p:txBody>
-          <a:bodyPr>
-            <a:spAutoFit/>
-          </a:bodyPr>
-          <a:lstStyle>
-            <a:lvl1pPr defTabSz="358775" eaLnBrk="0" hangingPunct="0">
-              <a:defRPr>
-                <a:solidFill>
-                  <a:schemeClr val="tx1"/>
-                </a:solidFill>
-                <a:latin typeface="Arial" charset="0"/>
-              </a:defRPr>
-            </a:lvl1pPr>
-            <a:lvl2pPr marL="742950" indent="-285750" defTabSz="358775" eaLnBrk="0" hangingPunct="0">
-              <a:defRPr>
-                <a:solidFill>
-                  <a:schemeClr val="tx1"/>
-                </a:solidFill>
-                <a:latin typeface="Arial" charset="0"/>
-              </a:defRPr>
-            </a:lvl2pPr>
-            <a:lvl3pPr marL="1143000" indent="-228600" defTabSz="358775" eaLnBrk="0" hangingPunct="0">
-              <a:defRPr>
-                <a:solidFill>
-                  <a:schemeClr val="tx1"/>
-                </a:solidFill>
-                <a:latin typeface="Arial" charset="0"/>
-              </a:defRPr>
-            </a:lvl3pPr>
-            <a:lvl4pPr marL="1600200" indent="-228600" defTabSz="358775" eaLnBrk="0" hangingPunct="0">
-              <a:defRPr>
-                <a:solidFill>
-                  <a:schemeClr val="tx1"/>
-                </a:solidFill>
-                <a:latin typeface="Arial" charset="0"/>
-              </a:defRPr>
-            </a:lvl4pPr>
-            <a:lvl5pPr marL="2057400" indent="-228600" defTabSz="358775" eaLnBrk="0" hangingPunct="0">
-              <a:defRPr>
-                <a:solidFill>
-                  <a:schemeClr val="tx1"/>
-                </a:solidFill>
-                <a:latin typeface="Arial" charset="0"/>
-              </a:defRPr>
-            </a:lvl5pPr>
-            <a:lvl6pPr marL="2514600" indent="-228600" defTabSz="358775" eaLnBrk="0" fontAlgn="base" hangingPunct="0">
-              <a:spcBef>
-                <a:spcPct val="0"/>
-              </a:spcBef>
-              <a:spcAft>
-                <a:spcPct val="0"/>
-              </a:spcAft>
-              <a:defRPr>
-                <a:solidFill>
-                  <a:schemeClr val="tx1"/>
-                </a:solidFill>
-                <a:latin typeface="Arial" charset="0"/>
-              </a:defRPr>
-            </a:lvl6pPr>
-            <a:lvl7pPr marL="2971800" indent="-228600" defTabSz="358775" eaLnBrk="0" fontAlgn="base" hangingPunct="0">
-              <a:spcBef>
-                <a:spcPct val="0"/>
-              </a:spcBef>
-              <a:spcAft>
-                <a:spcPct val="0"/>
-              </a:spcAft>
-              <a:defRPr>
-                <a:solidFill>
-                  <a:schemeClr val="tx1"/>
-                </a:solidFill>
-                <a:latin typeface="Arial" charset="0"/>
-              </a:defRPr>
-            </a:lvl7pPr>
-            <a:lvl8pPr marL="3429000" indent="-228600" defTabSz="358775" eaLnBrk="0" fontAlgn="base" hangingPunct="0">
-              <a:spcBef>
-                <a:spcPct val="0"/>
-              </a:spcBef>
-              <a:spcAft>
-                <a:spcPct val="0"/>
-              </a:spcAft>
-              <a:defRPr>
-                <a:solidFill>
-                  <a:schemeClr val="tx1"/>
-                </a:solidFill>
-                <a:latin typeface="Arial" charset="0"/>
-              </a:defRPr>
-            </a:lvl8pPr>
-            <a:lvl9pPr marL="3886200" indent="-228600" defTabSz="358775" eaLnBrk="0" fontAlgn="base" hangingPunct="0">
-              <a:spcBef>
-                <a:spcPct val="0"/>
-              </a:spcBef>
-              <a:spcAft>
-                <a:spcPct val="0"/>
-              </a:spcAft>
-              <a:defRPr>
-                <a:solidFill>
-                  <a:schemeClr val="tx1"/>
-                </a:solidFill>
-                <a:latin typeface="Arial" charset="0"/>
-              </a:defRPr>
-            </a:lvl9pPr>
-          </a:lstStyle>
-          <a:p>
-            <a:pPr eaLnBrk="1" hangingPunct="1"/>
-            <a:r>
-              <a:rPr lang="ru-RU" sz="1600"/>
-              <a:t>…таким образом событие имеет сигнатуру делегата. Вызов события происходит также как и вызов делегата.</a:t>
-            </a:r>
-          </a:p>
-          <a:p>
-            <a:pPr eaLnBrk="1" hangingPunct="1"/>
-            <a:endParaRPr lang="ru-RU" sz="1600"/>
-          </a:p>
-          <a:p>
-            <a:pPr eaLnBrk="1" hangingPunct="1"/>
-            <a:r>
-              <a:rPr lang="ru-RU" sz="1600"/>
-              <a:t>	Работа с событиями состоит из 3-х шагов</a:t>
-            </a:r>
-            <a:r>
-              <a:rPr lang="en-US" sz="1600"/>
-              <a:t>:</a:t>
-            </a:r>
-          </a:p>
-          <a:p>
-            <a:pPr eaLnBrk="1" hangingPunct="1"/>
-            <a:r>
-              <a:rPr lang="en-US" sz="1600"/>
-              <a:t>	1</a:t>
-            </a:r>
-            <a:r>
-              <a:rPr lang="ru-RU" sz="1600"/>
-              <a:t>. Создание события.</a:t>
-            </a:r>
-          </a:p>
-          <a:p>
-            <a:pPr eaLnBrk="1" hangingPunct="1"/>
-            <a:r>
-              <a:rPr lang="ru-RU" sz="1600"/>
-              <a:t>	2. Регистрация обработчика события.</a:t>
-            </a:r>
-          </a:p>
-          <a:p>
-            <a:pPr eaLnBrk="1" hangingPunct="1"/>
-            <a:r>
-              <a:rPr lang="ru-RU" sz="1600"/>
-              <a:t>	3. Вызов(или генерация) события.</a:t>
-            </a:r>
-          </a:p>
-        </p:txBody>
-      </p:sp>
-      <p:sp>
-        <p:nvSpPr>
-          <p:cNvPr id="6" name="Rectangle 3"/>
-          <p:cNvSpPr>
-            <a:spLocks noChangeArrowheads="1"/>
-          </p:cNvSpPr>
-          <p:nvPr/>
-        </p:nvSpPr>
-        <p:spPr bwMode="auto">
-          <a:xfrm>
-            <a:off x="228600" y="5427364"/>
-            <a:ext cx="8686800" cy="1169988"/>
-          </a:xfrm>
-          <a:prstGeom prst="rect">
-            <a:avLst/>
-          </a:prstGeom>
-          <a:noFill/>
-          <a:ln w="9525">
-            <a:solidFill>
-              <a:srgbClr val="FF0000"/>
-            </a:solidFill>
-            <a:miter lim="800000"/>
-            <a:headEnd/>
-            <a:tailEnd/>
-          </a:ln>
-          <a:extLst>
-            <a:ext uri="{909E8E84-426E-40DD-AFC4-6F175D3DCCD1}">
-              <a14:hiddenFill xmlns:a14="http://schemas.microsoft.com/office/drawing/2010/main">
-                <a:solidFill>
-                  <a:srgbClr val="FFFFFF"/>
-                </a:solidFill>
-              </a14:hiddenFill>
-            </a:ext>
-          </a:extLst>
-        </p:spPr>
-        <p:txBody>
-          <a:bodyPr anchor="ctr">
-            <a:spAutoFit/>
-          </a:bodyPr>
-          <a:lstStyle/>
-          <a:p>
-            <a:pPr eaLnBrk="0" hangingPunct="0"/>
-            <a:r>
-              <a:rPr lang="en-US" sz="1400" dirty="0">
-                <a:solidFill>
-                  <a:schemeClr val="bg1"/>
-                </a:solidFill>
-                <a:latin typeface="Courier New" pitchFamily="49" charset="0"/>
-                <a:ea typeface="Times New Roman" pitchFamily="18" charset="0"/>
-                <a:cs typeface="Courier New" pitchFamily="49" charset="0"/>
-              </a:rPr>
-              <a:t>e</a:t>
-            </a:r>
-            <a:r>
-              <a:rPr lang="ru-RU" sz="1400" dirty="0">
-                <a:solidFill>
-                  <a:schemeClr val="bg1"/>
-                </a:solidFill>
-                <a:latin typeface="Courier New" pitchFamily="49" charset="0"/>
-                <a:ea typeface="Times New Roman" pitchFamily="18" charset="0"/>
-                <a:cs typeface="Courier New" pitchFamily="49" charset="0"/>
-              </a:rPr>
-              <a:t>vent &lt;имя делегата&gt; &lt;имя события&gt;</a:t>
-            </a:r>
-            <a:endParaRPr lang="be-BY" sz="1400" dirty="0">
-              <a:solidFill>
-                <a:schemeClr val="bg1"/>
-              </a:solidFill>
-              <a:latin typeface="Courier New" pitchFamily="49" charset="0"/>
-              <a:ea typeface="Times New Roman" pitchFamily="18" charset="0"/>
-              <a:cs typeface="Courier New" pitchFamily="49" charset="0"/>
-            </a:endParaRPr>
-          </a:p>
-          <a:p>
-            <a:pPr eaLnBrk="0" hangingPunct="0"/>
-            <a:r>
-              <a:rPr lang="ru-RU" sz="1400" dirty="0">
-                <a:solidFill>
-                  <a:schemeClr val="bg1"/>
-                </a:solidFill>
-                <a:latin typeface="Courier New" pitchFamily="49" charset="0"/>
-                <a:ea typeface="Times New Roman" pitchFamily="18" charset="0"/>
-                <a:cs typeface="Courier New" pitchFamily="49" charset="0"/>
-              </a:rPr>
-              <a:t>{</a:t>
-            </a:r>
-            <a:endParaRPr lang="be-BY" sz="1400" dirty="0">
-              <a:solidFill>
-                <a:schemeClr val="bg1"/>
-              </a:solidFill>
-              <a:latin typeface="Courier New" pitchFamily="49" charset="0"/>
-              <a:ea typeface="Times New Roman" pitchFamily="18" charset="0"/>
-              <a:cs typeface="Courier New" pitchFamily="49" charset="0"/>
-            </a:endParaRPr>
-          </a:p>
-          <a:p>
-            <a:pPr eaLnBrk="0" hangingPunct="0"/>
-            <a:r>
-              <a:rPr lang="ru-RU" sz="1400" dirty="0">
-                <a:solidFill>
-                  <a:schemeClr val="bg1"/>
-                </a:solidFill>
-                <a:latin typeface="Courier New" pitchFamily="49" charset="0"/>
-                <a:ea typeface="Times New Roman" pitchFamily="18" charset="0"/>
-                <a:cs typeface="Courier New" pitchFamily="49" charset="0"/>
-              </a:rPr>
-              <a:t>    </a:t>
-            </a:r>
-            <a:r>
-              <a:rPr lang="en-US" sz="1400" dirty="0">
-                <a:solidFill>
-                  <a:schemeClr val="bg1"/>
-                </a:solidFill>
-                <a:latin typeface="Courier New" pitchFamily="49" charset="0"/>
-                <a:ea typeface="Times New Roman" pitchFamily="18" charset="0"/>
-                <a:cs typeface="Courier New" pitchFamily="49" charset="0"/>
-              </a:rPr>
-              <a:t>add</a:t>
-            </a:r>
-            <a:r>
-              <a:rPr lang="ru-RU" sz="1400" dirty="0">
-                <a:solidFill>
-                  <a:schemeClr val="bg1"/>
-                </a:solidFill>
-                <a:latin typeface="Courier New" pitchFamily="49" charset="0"/>
-                <a:ea typeface="Times New Roman" pitchFamily="18" charset="0"/>
-                <a:cs typeface="Courier New" pitchFamily="49" charset="0"/>
-              </a:rPr>
-              <a:t> { }</a:t>
-            </a:r>
-            <a:endParaRPr lang="be-BY" sz="1400" dirty="0">
-              <a:solidFill>
-                <a:schemeClr val="bg1"/>
-              </a:solidFill>
-              <a:latin typeface="Courier New" pitchFamily="49" charset="0"/>
-              <a:ea typeface="Times New Roman" pitchFamily="18" charset="0"/>
-              <a:cs typeface="Courier New" pitchFamily="49" charset="0"/>
-            </a:endParaRPr>
-          </a:p>
-          <a:p>
-            <a:pPr eaLnBrk="0" hangingPunct="0"/>
-            <a:r>
-              <a:rPr lang="ru-RU" sz="1400" dirty="0">
-                <a:solidFill>
-                  <a:schemeClr val="bg1"/>
-                </a:solidFill>
-                <a:latin typeface="Courier New" pitchFamily="49" charset="0"/>
-                <a:ea typeface="Times New Roman" pitchFamily="18" charset="0"/>
-                <a:cs typeface="Courier New" pitchFamily="49" charset="0"/>
-              </a:rPr>
-              <a:t>    </a:t>
-            </a:r>
-            <a:r>
-              <a:rPr lang="en-US" sz="1400" dirty="0">
-                <a:solidFill>
-                  <a:schemeClr val="bg1"/>
-                </a:solidFill>
-                <a:latin typeface="Courier New" pitchFamily="49" charset="0"/>
-                <a:ea typeface="Times New Roman" pitchFamily="18" charset="0"/>
-                <a:cs typeface="Courier New" pitchFamily="49" charset="0"/>
-              </a:rPr>
-              <a:t>remove</a:t>
-            </a:r>
-            <a:r>
-              <a:rPr lang="ru-RU" sz="1400" dirty="0">
-                <a:solidFill>
-                  <a:schemeClr val="bg1"/>
-                </a:solidFill>
-                <a:latin typeface="Courier New" pitchFamily="49" charset="0"/>
-                <a:ea typeface="Times New Roman" pitchFamily="18" charset="0"/>
-                <a:cs typeface="Courier New" pitchFamily="49" charset="0"/>
-              </a:rPr>
-              <a:t> { }</a:t>
-            </a:r>
-            <a:endParaRPr lang="be-BY" sz="1400" dirty="0">
-              <a:solidFill>
-                <a:schemeClr val="bg1"/>
-              </a:solidFill>
-              <a:latin typeface="Courier New" pitchFamily="49" charset="0"/>
-              <a:ea typeface="Times New Roman" pitchFamily="18" charset="0"/>
-              <a:cs typeface="Courier New" pitchFamily="49" charset="0"/>
-            </a:endParaRPr>
-          </a:p>
-          <a:p>
-            <a:pPr eaLnBrk="0" hangingPunct="0"/>
-            <a:r>
-              <a:rPr lang="ru-RU" sz="1400" dirty="0">
-                <a:solidFill>
-                  <a:schemeClr val="bg1"/>
-                </a:solidFill>
-                <a:latin typeface="Courier New" pitchFamily="49" charset="0"/>
-                <a:ea typeface="Times New Roman" pitchFamily="18" charset="0"/>
-                <a:cs typeface="Courier New" pitchFamily="49" charset="0"/>
-              </a:rPr>
-              <a:t>};</a:t>
-            </a:r>
-            <a:endParaRPr lang="be-BY" sz="1400" dirty="0">
-              <a:solidFill>
-                <a:schemeClr val="bg1"/>
-              </a:solidFill>
-              <a:latin typeface="Courier New" pitchFamily="49" charset="0"/>
-              <a:ea typeface="Times New Roman" pitchFamily="18" charset="0"/>
-              <a:cs typeface="Courier New" pitchFamily="49" charset="0"/>
-            </a:endParaRPr>
-          </a:p>
-        </p:txBody>
-      </p:sp>
-      <p:sp>
-        <p:nvSpPr>
-          <p:cNvPr id="7" name="TextBox 6"/>
-          <p:cNvSpPr txBox="1">
-            <a:spLocks noChangeArrowheads="1"/>
-          </p:cNvSpPr>
-          <p:nvPr/>
-        </p:nvSpPr>
-        <p:spPr bwMode="auto">
-          <a:xfrm>
-            <a:off x="152400" y="4665364"/>
-            <a:ext cx="8839200" cy="584200"/>
-          </a:xfrm>
-          <a:prstGeom prst="rect">
-            <a:avLst/>
-          </a:prstGeom>
-          <a:noFill/>
-          <a:ln>
-            <a:noFill/>
-          </a:ln>
-          <a:extLst>
-            <a:ext uri="{909E8E84-426E-40DD-AFC4-6F175D3DCCD1}">
-              <a14:hiddenFill xmlns:a14="http://schemas.microsoft.com/office/drawing/2010/main">
-                <a:solidFill>
-                  <a:srgbClr val="FFFFFF"/>
-                </a:solidFill>
-              </a14:hiddenFill>
-            </a:ext>
-            <a:ext uri="{91240B29-F687-4F45-9708-019B960494DF}">
-              <a14:hiddenLine xmlns:a14="http://schemas.microsoft.com/office/drawing/2010/main" w="9525">
-                <a:solidFill>
-                  <a:srgbClr val="000000"/>
-                </a:solidFill>
-                <a:miter lim="800000"/>
-                <a:headEnd/>
-                <a:tailEnd/>
-              </a14:hiddenLine>
-            </a:ext>
-          </a:extLst>
-        </p:spPr>
-        <p:txBody>
-          <a:bodyPr>
-            <a:spAutoFit/>
-          </a:bodyPr>
-          <a:lstStyle>
-            <a:lvl1pPr defTabSz="358775" eaLnBrk="0" hangingPunct="0">
-              <a:defRPr>
-                <a:solidFill>
-                  <a:schemeClr val="tx1"/>
-                </a:solidFill>
-                <a:latin typeface="Arial" charset="0"/>
-              </a:defRPr>
-            </a:lvl1pPr>
-            <a:lvl2pPr marL="742950" indent="-285750" defTabSz="358775" eaLnBrk="0" hangingPunct="0">
-              <a:defRPr>
-                <a:solidFill>
-                  <a:schemeClr val="tx1"/>
-                </a:solidFill>
-                <a:latin typeface="Arial" charset="0"/>
-              </a:defRPr>
-            </a:lvl2pPr>
-            <a:lvl3pPr marL="1143000" indent="-228600" defTabSz="358775" eaLnBrk="0" hangingPunct="0">
-              <a:defRPr>
-                <a:solidFill>
-                  <a:schemeClr val="tx1"/>
-                </a:solidFill>
-                <a:latin typeface="Arial" charset="0"/>
-              </a:defRPr>
-            </a:lvl3pPr>
-            <a:lvl4pPr marL="1600200" indent="-228600" defTabSz="358775" eaLnBrk="0" hangingPunct="0">
-              <a:defRPr>
-                <a:solidFill>
-                  <a:schemeClr val="tx1"/>
-                </a:solidFill>
-                <a:latin typeface="Arial" charset="0"/>
-              </a:defRPr>
-            </a:lvl4pPr>
-            <a:lvl5pPr marL="2057400" indent="-228600" defTabSz="358775" eaLnBrk="0" hangingPunct="0">
-              <a:defRPr>
-                <a:solidFill>
-                  <a:schemeClr val="tx1"/>
-                </a:solidFill>
-                <a:latin typeface="Arial" charset="0"/>
-              </a:defRPr>
-            </a:lvl5pPr>
-            <a:lvl6pPr marL="2514600" indent="-228600" defTabSz="358775" eaLnBrk="0" fontAlgn="base" hangingPunct="0">
-              <a:spcBef>
-                <a:spcPct val="0"/>
-              </a:spcBef>
-              <a:spcAft>
-                <a:spcPct val="0"/>
-              </a:spcAft>
-              <a:defRPr>
-                <a:solidFill>
-                  <a:schemeClr val="tx1"/>
-                </a:solidFill>
-                <a:latin typeface="Arial" charset="0"/>
-              </a:defRPr>
-            </a:lvl6pPr>
-            <a:lvl7pPr marL="2971800" indent="-228600" defTabSz="358775" eaLnBrk="0" fontAlgn="base" hangingPunct="0">
-              <a:spcBef>
-                <a:spcPct val="0"/>
-              </a:spcBef>
-              <a:spcAft>
-                <a:spcPct val="0"/>
-              </a:spcAft>
-              <a:defRPr>
-                <a:solidFill>
-                  <a:schemeClr val="tx1"/>
-                </a:solidFill>
-                <a:latin typeface="Arial" charset="0"/>
-              </a:defRPr>
-            </a:lvl7pPr>
-            <a:lvl8pPr marL="3429000" indent="-228600" defTabSz="358775" eaLnBrk="0" fontAlgn="base" hangingPunct="0">
-              <a:spcBef>
-                <a:spcPct val="0"/>
-              </a:spcBef>
-              <a:spcAft>
-                <a:spcPct val="0"/>
-              </a:spcAft>
-              <a:defRPr>
-                <a:solidFill>
-                  <a:schemeClr val="tx1"/>
-                </a:solidFill>
-                <a:latin typeface="Arial" charset="0"/>
-              </a:defRPr>
-            </a:lvl8pPr>
-            <a:lvl9pPr marL="3886200" indent="-228600" defTabSz="358775" eaLnBrk="0" fontAlgn="base" hangingPunct="0">
-              <a:spcBef>
-                <a:spcPct val="0"/>
-              </a:spcBef>
-              <a:spcAft>
-                <a:spcPct val="0"/>
-              </a:spcAft>
-              <a:defRPr>
-                <a:solidFill>
-                  <a:schemeClr val="tx1"/>
-                </a:solidFill>
-                <a:latin typeface="Arial" charset="0"/>
-              </a:defRPr>
-            </a:lvl9pPr>
-          </a:lstStyle>
-          <a:p>
-            <a:pPr eaLnBrk="1" hangingPunct="1"/>
-            <a:r>
-              <a:rPr lang="ru-RU" sz="1600" dirty="0"/>
-              <a:t>	Методы добавления и удаления делегата из события генерируются автоматически, однако программист может их переопределить, используя следующую запись</a:t>
-            </a:r>
-            <a:r>
-              <a:rPr lang="en-US" sz="1600" dirty="0"/>
-              <a:t>:</a:t>
-            </a:r>
-            <a:endParaRPr lang="ru-RU" sz="1600" dirty="0"/>
-          </a:p>
-        </p:txBody>
-      </p:sp>
-    </p:spTree>
-    <p:extLst>
-      <p:ext uri="{BB962C8B-B14F-4D97-AF65-F5344CB8AC3E}">
-        <p14:creationId xmlns:p14="http://schemas.microsoft.com/office/powerpoint/2010/main" val="3908035695"/>
       </p:ext>
     </p:extLst>
   </p:cSld>

--- a/Presentation/lesson-05-events.pptx
+++ b/Presentation/lesson-05-events.pptx
@@ -369,7 +369,7 @@
           <a:p>
             <a:fld id="{FAECF776-F836-4CCD-9497-99E5597B8B5D}" type="datetimeFigureOut">
               <a:rPr lang="en-US" smtClean="0"/>
-              <a:t>10/23/2017</a:t>
+              <a:t>1/20/2018</a:t>
             </a:fld>
             <a:endParaRPr lang="en-US"/>
           </a:p>
@@ -539,7 +539,7 @@
           <a:p>
             <a:fld id="{FAECF776-F836-4CCD-9497-99E5597B8B5D}" type="datetimeFigureOut">
               <a:rPr lang="en-US" smtClean="0"/>
-              <a:t>10/23/2017</a:t>
+              <a:t>1/20/2018</a:t>
             </a:fld>
             <a:endParaRPr lang="en-US"/>
           </a:p>
@@ -719,7 +719,7 @@
           <a:p>
             <a:fld id="{FAECF776-F836-4CCD-9497-99E5597B8B5D}" type="datetimeFigureOut">
               <a:rPr lang="en-US" smtClean="0"/>
-              <a:t>10/23/2017</a:t>
+              <a:t>1/20/2018</a:t>
             </a:fld>
             <a:endParaRPr lang="en-US"/>
           </a:p>
@@ -889,7 +889,7 @@
           <a:p>
             <a:fld id="{FAECF776-F836-4CCD-9497-99E5597B8B5D}" type="datetimeFigureOut">
               <a:rPr lang="en-US" smtClean="0"/>
-              <a:t>10/23/2017</a:t>
+              <a:t>1/20/2018</a:t>
             </a:fld>
             <a:endParaRPr lang="en-US"/>
           </a:p>
@@ -1135,7 +1135,7 @@
           <a:p>
             <a:fld id="{FAECF776-F836-4CCD-9497-99E5597B8B5D}" type="datetimeFigureOut">
               <a:rPr lang="en-US" smtClean="0"/>
-              <a:t>10/23/2017</a:t>
+              <a:t>1/20/2018</a:t>
             </a:fld>
             <a:endParaRPr lang="en-US"/>
           </a:p>
@@ -1423,7 +1423,7 @@
           <a:p>
             <a:fld id="{FAECF776-F836-4CCD-9497-99E5597B8B5D}" type="datetimeFigureOut">
               <a:rPr lang="en-US" smtClean="0"/>
-              <a:t>10/23/2017</a:t>
+              <a:t>1/20/2018</a:t>
             </a:fld>
             <a:endParaRPr lang="en-US"/>
           </a:p>
@@ -1845,7 +1845,7 @@
           <a:p>
             <a:fld id="{FAECF776-F836-4CCD-9497-99E5597B8B5D}" type="datetimeFigureOut">
               <a:rPr lang="en-US" smtClean="0"/>
-              <a:t>10/23/2017</a:t>
+              <a:t>1/20/2018</a:t>
             </a:fld>
             <a:endParaRPr lang="en-US"/>
           </a:p>
@@ -1963,7 +1963,7 @@
           <a:p>
             <a:fld id="{FAECF776-F836-4CCD-9497-99E5597B8B5D}" type="datetimeFigureOut">
               <a:rPr lang="en-US" smtClean="0"/>
-              <a:t>10/23/2017</a:t>
+              <a:t>1/20/2018</a:t>
             </a:fld>
             <a:endParaRPr lang="en-US"/>
           </a:p>
@@ -2058,7 +2058,7 @@
           <a:p>
             <a:fld id="{FAECF776-F836-4CCD-9497-99E5597B8B5D}" type="datetimeFigureOut">
               <a:rPr lang="en-US" smtClean="0"/>
-              <a:t>10/23/2017</a:t>
+              <a:t>1/20/2018</a:t>
             </a:fld>
             <a:endParaRPr lang="en-US"/>
           </a:p>
@@ -2335,7 +2335,7 @@
           <a:p>
             <a:fld id="{FAECF776-F836-4CCD-9497-99E5597B8B5D}" type="datetimeFigureOut">
               <a:rPr lang="en-US" smtClean="0"/>
-              <a:t>10/23/2017</a:t>
+              <a:t>1/20/2018</a:t>
             </a:fld>
             <a:endParaRPr lang="en-US"/>
           </a:p>
@@ -2588,7 +2588,7 @@
           <a:p>
             <a:fld id="{FAECF776-F836-4CCD-9497-99E5597B8B5D}" type="datetimeFigureOut">
               <a:rPr lang="en-US" smtClean="0"/>
-              <a:t>10/23/2017</a:t>
+              <a:t>1/20/2018</a:t>
             </a:fld>
             <a:endParaRPr lang="en-US"/>
           </a:p>
@@ -2801,7 +2801,7 @@
           <a:p>
             <a:fld id="{FAECF776-F836-4CCD-9497-99E5597B8B5D}" type="datetimeFigureOut">
               <a:rPr lang="en-US" smtClean="0"/>
-              <a:t>10/23/2017</a:t>
+              <a:t>1/20/2018</a:t>
             </a:fld>
             <a:endParaRPr lang="en-US"/>
           </a:p>
@@ -11491,11 +11491,38 @@
                 </a:solidFill>
                 <a:latin typeface="Consolas" panose="020B0609020204030204" pitchFamily="49" charset="0"/>
               </a:rPr>
-              <a:t> example = </a:t>
+              <a:t> </a:t>
+            </a:r>
+            <a:r>
+              <a:rPr lang="en-US" sz="1600" dirty="0" err="1" smtClean="0">
+                <a:solidFill>
+                  <a:srgbClr val="000000"/>
+                </a:solidFill>
+                <a:latin typeface="Consolas" panose="020B0609020204030204" pitchFamily="49" charset="0"/>
+              </a:rPr>
+              <a:t>obj</a:t>
+            </a:r>
+            <a:r>
+              <a:rPr lang="en-US" sz="1600" dirty="0" smtClean="0">
+                <a:solidFill>
+                  <a:srgbClr val="000000"/>
+                </a:solidFill>
+                <a:latin typeface="Consolas" panose="020B0609020204030204" pitchFamily="49" charset="0"/>
+              </a:rPr>
+              <a:t> </a:t>
             </a:r>
             <a:r>
               <a:rPr lang="en-US" sz="1600" dirty="0">
                 <a:solidFill>
+                  <a:srgbClr val="000000"/>
+                </a:solidFill>
+                <a:latin typeface="Consolas" panose="020B0609020204030204" pitchFamily="49" charset="0"/>
+              </a:rPr>
+              <a:t>= </a:t>
+            </a:r>
+            <a:r>
+              <a:rPr lang="en-US" sz="1600" dirty="0">
+                <a:solidFill>
                   <a:srgbClr val="0000FF"/>
                 </a:solidFill>
                 <a:latin typeface="Consolas" panose="020B0609020204030204" pitchFamily="49" charset="0"/>
@@ -11521,7 +11548,7 @@
               <a:t>SomeClass</a:t>
             </a:r>
             <a:r>
-              <a:rPr lang="en-US" sz="1600" dirty="0">
+              <a:rPr lang="en-US" sz="1600" dirty="0" smtClean="0">
                 <a:solidFill>
                   <a:srgbClr val="000000"/>
                 </a:solidFill>
@@ -11535,30 +11562,105 @@
               <a:buNone/>
             </a:pPr>
             <a:r>
+              <a:rPr lang="en-US" sz="1600" dirty="0" err="1" smtClean="0">
+                <a:solidFill>
+                  <a:srgbClr val="000000"/>
+                </a:solidFill>
+                <a:latin typeface="Consolas" panose="020B0609020204030204" pitchFamily="49" charset="0"/>
+              </a:rPr>
+              <a:t>obj.Example</a:t>
+            </a:r>
+            <a:r>
               <a:rPr lang="en-US" sz="1600" dirty="0" smtClean="0">
                 <a:solidFill>
                   <a:srgbClr val="000000"/>
                 </a:solidFill>
                 <a:latin typeface="Consolas" panose="020B0609020204030204" pitchFamily="49" charset="0"/>
               </a:rPr>
-              <a:t>…</a:t>
-            </a:r>
+              <a:t>();</a:t>
+            </a:r>
+            <a:r>
+              <a:rPr lang="ru-RU" sz="1600" dirty="0" smtClean="0">
+                <a:solidFill>
+                  <a:srgbClr val="000000"/>
+                </a:solidFill>
+                <a:latin typeface="Consolas" panose="020B0609020204030204" pitchFamily="49" charset="0"/>
+              </a:rPr>
+              <a:t> </a:t>
+            </a:r>
+            <a:r>
+              <a:rPr lang="en-US" sz="1600" dirty="0">
+                <a:solidFill>
+                  <a:schemeClr val="accent4">
+                    <a:lumMod val="50000"/>
+                  </a:schemeClr>
+                </a:solidFill>
+                <a:latin typeface="Consolas" panose="020B0609020204030204" pitchFamily="49" charset="0"/>
+              </a:rPr>
+              <a:t>// </a:t>
+            </a:r>
+            <a:r>
+              <a:rPr lang="ru-RU" sz="1600" dirty="0">
+                <a:solidFill>
+                  <a:srgbClr val="00B050"/>
+                </a:solidFill>
+                <a:latin typeface="Consolas" panose="020B0609020204030204" pitchFamily="49" charset="0"/>
+              </a:rPr>
+              <a:t>Можно</a:t>
+            </a:r>
+            <a:r>
+              <a:rPr lang="ru-RU" sz="1600" dirty="0">
+                <a:solidFill>
+                  <a:schemeClr val="accent4">
+                    <a:lumMod val="50000"/>
+                  </a:schemeClr>
+                </a:solidFill>
+                <a:latin typeface="Consolas" panose="020B0609020204030204" pitchFamily="49" charset="0"/>
+              </a:rPr>
+              <a:t> для делегата, но </a:t>
+            </a:r>
+            <a:r>
+              <a:rPr lang="ru-RU" sz="1600" dirty="0">
+                <a:solidFill>
+                  <a:srgbClr val="FF0000"/>
+                </a:solidFill>
+                <a:latin typeface="Consolas" panose="020B0609020204030204" pitchFamily="49" charset="0"/>
+              </a:rPr>
+              <a:t>нельзя</a:t>
+            </a:r>
+            <a:r>
+              <a:rPr lang="ru-RU" sz="1600" dirty="0">
+                <a:solidFill>
+                  <a:schemeClr val="accent4">
+                    <a:lumMod val="50000"/>
+                  </a:schemeClr>
+                </a:solidFill>
+                <a:latin typeface="Consolas" panose="020B0609020204030204" pitchFamily="49" charset="0"/>
+              </a:rPr>
+              <a:t> для события</a:t>
+            </a:r>
+            <a:endParaRPr lang="en-US" sz="1600" dirty="0" smtClean="0">
+              <a:solidFill>
+                <a:srgbClr val="000000"/>
+              </a:solidFill>
+              <a:latin typeface="Consolas" panose="020B0609020204030204" pitchFamily="49" charset="0"/>
+            </a:endParaRPr>
           </a:p>
           <a:p>
             <a:pPr marL="0" indent="0">
               <a:buNone/>
             </a:pPr>
             <a:r>
-              <a:rPr lang="en-US" sz="1600" dirty="0" err="1">
+              <a:rPr lang="en-US" sz="1600" dirty="0" err="1" smtClean="0">
                 <a:solidFill>
                   <a:srgbClr val="000000"/>
                 </a:solidFill>
                 <a:latin typeface="Consolas" panose="020B0609020204030204" pitchFamily="49" charset="0"/>
               </a:rPr>
-              <a:t>example.SomeEvent</a:t>
-            </a:r>
-            <a:r>
-              <a:rPr lang="en-US" sz="1600" dirty="0">
+              <a:t>obj.Example</a:t>
+            </a:r>
+            <a:r>
+              <a:rPr lang="en-US" sz="1600" dirty="0" smtClean="0">
                 <a:solidFill>
                   <a:srgbClr val="000000"/>
                 </a:solidFill>
@@ -11838,7 +11940,34 @@
                 </a:solidFill>
                 <a:latin typeface="Consolas" panose="020B0609020204030204" pitchFamily="49" charset="0"/>
               </a:rPr>
-              <a:t> example = </a:t>
+              <a:t> </a:t>
+            </a:r>
+            <a:r>
+              <a:rPr lang="en-US" sz="1600" dirty="0" err="1" smtClean="0">
+                <a:solidFill>
+                  <a:srgbClr val="000000"/>
+                </a:solidFill>
+                <a:latin typeface="Consolas" panose="020B0609020204030204" pitchFamily="49" charset="0"/>
+              </a:rPr>
+              <a:t>obj</a:t>
+            </a:r>
+            <a:r>
+              <a:rPr lang="en-US" sz="1600" dirty="0" smtClean="0">
+                <a:solidFill>
+                  <a:srgbClr val="000000"/>
+                </a:solidFill>
+                <a:latin typeface="Consolas" panose="020B0609020204030204" pitchFamily="49" charset="0"/>
+              </a:rPr>
+              <a:t> </a:t>
+            </a:r>
+            <a:r>
+              <a:rPr lang="en-US" sz="1600" dirty="0">
+                <a:solidFill>
+                  <a:srgbClr val="000000"/>
+                </a:solidFill>
+                <a:latin typeface="Consolas" panose="020B0609020204030204" pitchFamily="49" charset="0"/>
+              </a:rPr>
+              <a:t>= </a:t>
             </a:r>
             <a:r>
               <a:rPr lang="en-US" sz="1600" dirty="0">
@@ -11882,13 +12011,22 @@
               <a:buNone/>
             </a:pPr>
             <a:r>
-              <a:rPr lang="en-US" sz="1600" dirty="0" err="1">
+              <a:rPr lang="en-US" sz="1600" dirty="0" err="1" smtClean="0">
                 <a:solidFill>
                   <a:srgbClr val="000000"/>
                 </a:solidFill>
                 <a:latin typeface="Consolas" panose="020B0609020204030204" pitchFamily="49" charset="0"/>
               </a:rPr>
-              <a:t>example.SomeEvent</a:t>
+              <a:t>obj.Example</a:t>
+            </a:r>
+            <a:r>
+              <a:rPr lang="en-US" sz="1600" dirty="0" smtClean="0">
+                <a:solidFill>
+                  <a:srgbClr val="000000"/>
+                </a:solidFill>
+                <a:latin typeface="Consolas" panose="020B0609020204030204" pitchFamily="49" charset="0"/>
+              </a:rPr>
+              <a:t> </a:t>
             </a:r>
             <a:r>
               <a:rPr lang="en-US" sz="1600" dirty="0">
@@ -11897,7 +12035,7 @@
                 </a:solidFill>
                 <a:latin typeface="Consolas" panose="020B0609020204030204" pitchFamily="49" charset="0"/>
               </a:rPr>
-              <a:t> += Foo</a:t>
+              <a:t>+= </a:t>
             </a:r>
             <a:r>
               <a:rPr lang="en-US" sz="1600" dirty="0" smtClean="0">
@@ -11906,24 +12044,39 @@
                 </a:solidFill>
                 <a:latin typeface="Consolas" panose="020B0609020204030204" pitchFamily="49" charset="0"/>
               </a:rPr>
+              <a:t>DoSomething</a:t>
+            </a:r>
+            <a:r>
+              <a:rPr lang="en-US" sz="1600" dirty="0" smtClean="0">
+                <a:solidFill>
+                  <a:srgbClr val="000000"/>
+                </a:solidFill>
+                <a:latin typeface="Consolas" panose="020B0609020204030204" pitchFamily="49" charset="0"/>
+              </a:rPr>
               <a:t>;</a:t>
             </a:r>
+            <a:endParaRPr lang="en-US" sz="1600" dirty="0" smtClean="0">
+              <a:solidFill>
+                <a:srgbClr val="000000"/>
+              </a:solidFill>
+              <a:latin typeface="Consolas" panose="020B0609020204030204" pitchFamily="49" charset="0"/>
+            </a:endParaRPr>
           </a:p>
           <a:p>
             <a:pPr marL="0" indent="0">
               <a:buNone/>
             </a:pPr>
             <a:r>
-              <a:rPr lang="en-US" sz="1600" dirty="0" err="1">
+              <a:rPr lang="en-US" sz="1600" dirty="0" err="1" smtClean="0">
                 <a:solidFill>
                   <a:srgbClr val="000000"/>
                 </a:solidFill>
                 <a:latin typeface="Consolas" panose="020B0609020204030204" pitchFamily="49" charset="0"/>
               </a:rPr>
-              <a:t>example.SomeEvent</a:t>
-            </a:r>
-            <a:r>
-              <a:rPr lang="en-US" sz="1600" dirty="0">
+              <a:t>obj.Example</a:t>
+            </a:r>
+            <a:r>
+              <a:rPr lang="en-US" sz="1600" dirty="0" smtClean="0">
                 <a:solidFill>
                   <a:srgbClr val="000000"/>
                 </a:solidFill>
@@ -11932,13 +12085,22 @@
               <a:t> </a:t>
             </a:r>
             <a:r>
-              <a:rPr lang="en-US" sz="1600" dirty="0" smtClean="0">
+              <a:rPr lang="en-US" sz="1600" smtClean="0">
                 <a:solidFill>
                   <a:srgbClr val="000000"/>
                 </a:solidFill>
                 <a:latin typeface="Consolas" panose="020B0609020204030204" pitchFamily="49" charset="0"/>
               </a:rPr>
-              <a:t>-= Bar;</a:t>
+              <a:t>-= </a:t>
+            </a:r>
+            <a:r>
+              <a:rPr lang="en-US" sz="1600">
+                <a:solidFill>
+                  <a:srgbClr val="000000"/>
+                </a:solidFill>
+                <a:latin typeface="Consolas" panose="020B0609020204030204" pitchFamily="49" charset="0"/>
+              </a:rPr>
+              <a:t>DoSomething;</a:t>
             </a:r>
             <a:endParaRPr lang="en-US" sz="1600" dirty="0">
               <a:solidFill>
@@ -12028,7 +12190,7 @@
         </p:spPr>
         <p:txBody>
           <a:bodyPr>
-            <a:normAutofit/>
+            <a:normAutofit lnSpcReduction="10000"/>
           </a:bodyPr>
           <a:lstStyle/>
           <a:p>
@@ -12088,67 +12250,31 @@
               <a:buNone/>
             </a:pPr>
             <a:r>
-              <a:rPr lang="ru-RU" sz="1600" dirty="0" smtClean="0">
+              <a:rPr lang="en-US" sz="1600" dirty="0" smtClean="0">
                 <a:solidFill>
                   <a:srgbClr val="0000FF"/>
                 </a:solidFill>
                 <a:latin typeface="Consolas" panose="020B0609020204030204" pitchFamily="49" charset="0"/>
               </a:rPr>
-              <a:t>  </a:t>
+              <a:t>    public</a:t>
             </a:r>
             <a:r>
               <a:rPr lang="en-US" sz="1600" dirty="0" smtClean="0">
                 <a:solidFill>
-                  <a:srgbClr val="0000FF"/>
+                  <a:srgbClr val="000000"/>
                 </a:solidFill>
                 <a:latin typeface="Consolas" panose="020B0609020204030204" pitchFamily="49" charset="0"/>
               </a:rPr>
-              <a:t>public</a:t>
-            </a:r>
-            <a:r>
-              <a:rPr lang="en-US" sz="1600" dirty="0" smtClean="0">
+              <a:t> </a:t>
+            </a:r>
+            <a:r>
+              <a:rPr lang="en-US" sz="1600" dirty="0">
                 <a:solidFill>
                   <a:srgbClr val="000000"/>
                 </a:solidFill>
                 <a:latin typeface="Consolas" panose="020B0609020204030204" pitchFamily="49" charset="0"/>
               </a:rPr>
-              <a:t> </a:t>
-            </a:r>
-            <a:r>
-              <a:rPr lang="en-US" sz="1600" dirty="0">
-                <a:solidFill>
-                  <a:srgbClr val="2B91AF"/>
-                </a:solidFill>
-                <a:latin typeface="Consolas" panose="020B0609020204030204" pitchFamily="49" charset="0"/>
-              </a:rPr>
-              <a:t>Action</a:t>
-            </a:r>
-            <a:r>
-              <a:rPr lang="en-US" sz="1600" dirty="0">
-                <a:solidFill>
-                  <a:srgbClr val="000000"/>
-                </a:solidFill>
-                <a:latin typeface="Consolas" panose="020B0609020204030204" pitchFamily="49" charset="0"/>
-              </a:rPr>
-              <a:t> </a:t>
-            </a:r>
-            <a:r>
-              <a:rPr lang="en-US" sz="1600" dirty="0" err="1">
-                <a:solidFill>
-                  <a:srgbClr val="000000"/>
-                </a:solidFill>
-                <a:latin typeface="Consolas" panose="020B0609020204030204" pitchFamily="49" charset="0"/>
-              </a:rPr>
-              <a:t>SomeEvent</a:t>
-            </a:r>
-            <a:r>
-              <a:rPr lang="en-US" sz="1600" dirty="0" smtClean="0">
-                <a:solidFill>
-                  <a:srgbClr val="000000"/>
-                </a:solidFill>
-                <a:latin typeface="Consolas" panose="020B0609020204030204" pitchFamily="49" charset="0"/>
-              </a:rPr>
-              <a:t>;</a:t>
+              <a:t>Action Example;</a:t>
             </a:r>
           </a:p>
           <a:p>
@@ -12156,38 +12282,32 @@
               <a:buNone/>
             </a:pPr>
             <a:r>
-              <a:rPr lang="ru-RU" sz="1600" dirty="0">
-                <a:solidFill>
-                  <a:srgbClr val="008000"/>
+              <a:rPr lang="en-US" sz="1600" dirty="0" smtClean="0">
+                <a:solidFill>
+                  <a:srgbClr val="0000FF"/>
                 </a:solidFill>
                 <a:latin typeface="Consolas" panose="020B0609020204030204" pitchFamily="49" charset="0"/>
               </a:rPr>
+              <a:t>    void</a:t>
+            </a:r>
+            <a:r>
+              <a:rPr lang="en-US" sz="1600" dirty="0" smtClean="0">
+                <a:solidFill>
+                  <a:srgbClr val="000000"/>
+                </a:solidFill>
+                <a:latin typeface="Consolas" panose="020B0609020204030204" pitchFamily="49" charset="0"/>
+              </a:rPr>
               <a:t> </a:t>
             </a:r>
             <a:r>
-              <a:rPr lang="en-US" sz="1600" dirty="0" smtClean="0">
-                <a:solidFill>
-                  <a:srgbClr val="008000"/>
+              <a:rPr lang="en-US" sz="1600" dirty="0">
+                <a:solidFill>
+                  <a:srgbClr val="000000"/>
                 </a:solidFill>
                 <a:latin typeface="Consolas" panose="020B0609020204030204" pitchFamily="49" charset="0"/>
               </a:rPr>
-              <a:t> // </a:t>
-            </a:r>
-            <a:r>
-              <a:rPr lang="ru-RU" sz="1600" dirty="0" smtClean="0">
-                <a:solidFill>
-                  <a:srgbClr val="008000"/>
-                </a:solidFill>
-                <a:latin typeface="Consolas" panose="020B0609020204030204" pitchFamily="49" charset="0"/>
-              </a:rPr>
-              <a:t>Код класса работающий</a:t>
-            </a:r>
-            <a:endParaRPr lang="en-US" sz="1600" dirty="0" smtClean="0">
-              <a:solidFill>
-                <a:srgbClr val="008000"/>
-              </a:solidFill>
-              <a:latin typeface="Consolas" panose="020B0609020204030204" pitchFamily="49" charset="0"/>
-            </a:endParaRPr>
+              <a:t>Foo()</a:t>
+            </a:r>
           </a:p>
           <a:p>
             <a:pPr marL="0" indent="0">
@@ -12196,29 +12316,11 @@
             <a:r>
               <a:rPr lang="en-US" sz="1600" dirty="0" smtClean="0">
                 <a:solidFill>
-                  <a:srgbClr val="008000"/>
+                  <a:srgbClr val="000000"/>
                 </a:solidFill>
                 <a:latin typeface="Consolas" panose="020B0609020204030204" pitchFamily="49" charset="0"/>
               </a:rPr>
-              <a:t>  //   </a:t>
-            </a:r>
-            <a:r>
-              <a:rPr lang="ru-RU" sz="1600" dirty="0" smtClean="0">
-                <a:solidFill>
-                  <a:srgbClr val="008000"/>
-                </a:solidFill>
-                <a:latin typeface="Consolas" panose="020B0609020204030204" pitchFamily="49" charset="0"/>
-              </a:rPr>
-              <a:t>с </a:t>
-            </a:r>
-            <a:r>
-              <a:rPr lang="en-US" sz="1600" dirty="0" err="1" smtClean="0">
-                <a:solidFill>
-                  <a:srgbClr val="008000"/>
-                </a:solidFill>
-                <a:latin typeface="Consolas" panose="020B0609020204030204" pitchFamily="49" charset="0"/>
-              </a:rPr>
-              <a:t>SomeEvent</a:t>
+              <a:t>    {</a:t>
             </a:r>
             <a:endParaRPr lang="en-US" sz="1600" dirty="0">
               <a:solidFill>
@@ -12232,24 +12334,33 @@
               <a:buNone/>
             </a:pPr>
             <a:r>
+              <a:rPr lang="en-US" sz="1600" dirty="0" smtClean="0">
+                <a:solidFill>
+                  <a:srgbClr val="008000"/>
+                </a:solidFill>
+                <a:latin typeface="Consolas" panose="020B0609020204030204" pitchFamily="49" charset="0"/>
+              </a:rPr>
+              <a:t>        </a:t>
+            </a:r>
+            <a:r>
               <a:rPr lang="ru-RU" sz="1600" dirty="0" smtClean="0">
                 <a:solidFill>
                   <a:srgbClr val="008000"/>
                 </a:solidFill>
                 <a:latin typeface="Consolas" panose="020B0609020204030204" pitchFamily="49" charset="0"/>
               </a:rPr>
-              <a:t>  </a:t>
-            </a:r>
-            <a:r>
-              <a:rPr lang="en-US" sz="1600" dirty="0" smtClean="0">
+              <a:t>// </a:t>
+            </a:r>
+            <a:r>
+              <a:rPr lang="ru-RU" sz="1600" dirty="0">
                 <a:solidFill>
                   <a:srgbClr val="008000"/>
                 </a:solidFill>
                 <a:latin typeface="Consolas" panose="020B0609020204030204" pitchFamily="49" charset="0"/>
               </a:rPr>
-              <a:t>//...</a:t>
-            </a:r>
-            <a:endParaRPr lang="en-US" sz="1600" dirty="0">
+              <a:t>Вызов делегата</a:t>
+            </a:r>
+            <a:endParaRPr lang="ru-RU" sz="1600" dirty="0">
               <a:solidFill>
                 <a:srgbClr val="000000"/>
               </a:solidFill>
@@ -12262,6 +12373,49 @@
             </a:pPr>
             <a:r>
               <a:rPr lang="en-US" sz="1600" dirty="0" smtClean="0">
+                <a:solidFill>
+                  <a:srgbClr val="000000"/>
+                </a:solidFill>
+                <a:latin typeface="Consolas" panose="020B0609020204030204" pitchFamily="49" charset="0"/>
+              </a:rPr>
+              <a:t>        Example</a:t>
+            </a:r>
+            <a:r>
+              <a:rPr lang="en-US" sz="1600" dirty="0">
+                <a:solidFill>
+                  <a:srgbClr val="000000"/>
+                </a:solidFill>
+                <a:latin typeface="Consolas" panose="020B0609020204030204" pitchFamily="49" charset="0"/>
+              </a:rPr>
+              <a:t>();</a:t>
+            </a:r>
+          </a:p>
+          <a:p>
+            <a:pPr marL="0" indent="0">
+              <a:buNone/>
+            </a:pPr>
+            <a:r>
+              <a:rPr lang="en-US" sz="1600" dirty="0" smtClean="0">
+                <a:solidFill>
+                  <a:srgbClr val="000000"/>
+                </a:solidFill>
+                <a:latin typeface="Consolas" panose="020B0609020204030204" pitchFamily="49" charset="0"/>
+              </a:rPr>
+              <a:t>    }</a:t>
+            </a:r>
+            <a:endParaRPr lang="en-US" sz="1600" dirty="0">
+              <a:solidFill>
+                <a:srgbClr val="000000"/>
+              </a:solidFill>
+              <a:latin typeface="Consolas" panose="020B0609020204030204" pitchFamily="49" charset="0"/>
+            </a:endParaRPr>
+          </a:p>
+          <a:p>
+            <a:pPr marL="0" indent="0">
+              <a:buNone/>
+            </a:pPr>
+            <a:r>
+              <a:rPr lang="en-US" sz="1600" dirty="0">
                 <a:solidFill>
                   <a:srgbClr val="000000"/>
                 </a:solidFill>
@@ -12294,7 +12448,7 @@
         </p:spPr>
         <p:txBody>
           <a:bodyPr>
-            <a:normAutofit/>
+            <a:normAutofit lnSpcReduction="10000"/>
           </a:bodyPr>
           <a:lstStyle/>
           <a:p>
@@ -12360,7 +12514,7 @@
                 </a:solidFill>
                 <a:latin typeface="Consolas" panose="020B0609020204030204" pitchFamily="49" charset="0"/>
               </a:rPr>
-              <a:t>  public</a:t>
+              <a:t>    public</a:t>
             </a:r>
             <a:r>
               <a:rPr lang="en-US" sz="1600" dirty="0" smtClean="0">
@@ -12387,43 +12541,7 @@
                 </a:solidFill>
                 <a:latin typeface="Consolas" panose="020B0609020204030204" pitchFamily="49" charset="0"/>
               </a:rPr>
-              <a:t> </a:t>
-            </a:r>
-            <a:r>
-              <a:rPr lang="en-US" sz="1600" dirty="0">
-                <a:solidFill>
-                  <a:srgbClr val="2B91AF"/>
-                </a:solidFill>
-                <a:latin typeface="Consolas" panose="020B0609020204030204" pitchFamily="49" charset="0"/>
-              </a:rPr>
-              <a:t>Action</a:t>
-            </a:r>
-            <a:r>
-              <a:rPr lang="en-US" sz="1600" dirty="0">
-                <a:solidFill>
-                  <a:srgbClr val="000000"/>
-                </a:solidFill>
-                <a:latin typeface="Consolas" panose="020B0609020204030204" pitchFamily="49" charset="0"/>
-              </a:rPr>
-              <a:t> </a:t>
-            </a:r>
-            <a:r>
-              <a:rPr lang="en-US" sz="1600" dirty="0" err="1">
-                <a:solidFill>
-                  <a:srgbClr val="000000"/>
-                </a:solidFill>
-                <a:latin typeface="Consolas" panose="020B0609020204030204" pitchFamily="49" charset="0"/>
-              </a:rPr>
-              <a:t>SomeEvent</a:t>
-            </a:r>
-            <a:r>
-              <a:rPr lang="en-US" sz="1600" dirty="0">
-                <a:solidFill>
-                  <a:srgbClr val="000000"/>
-                </a:solidFill>
-                <a:latin typeface="Consolas" panose="020B0609020204030204" pitchFamily="49" charset="0"/>
-              </a:rPr>
-              <a:t>;</a:t>
+              <a:t> Action Example;</a:t>
             </a:r>
           </a:p>
           <a:p>
@@ -12431,101 +12549,126 @@
               <a:buNone/>
             </a:pPr>
             <a:r>
+              <a:rPr lang="en-US" sz="1600" dirty="0" smtClean="0">
+                <a:solidFill>
+                  <a:srgbClr val="0000FF"/>
+                </a:solidFill>
+                <a:latin typeface="Consolas" panose="020B0609020204030204" pitchFamily="49" charset="0"/>
+              </a:rPr>
+              <a:t>    void</a:t>
+            </a:r>
+            <a:r>
+              <a:rPr lang="en-US" sz="1600" dirty="0" smtClean="0">
+                <a:solidFill>
+                  <a:srgbClr val="000000"/>
+                </a:solidFill>
+                <a:latin typeface="Consolas" panose="020B0609020204030204" pitchFamily="49" charset="0"/>
+              </a:rPr>
+              <a:t> </a:t>
+            </a:r>
+            <a:r>
               <a:rPr lang="en-US" sz="1600" dirty="0">
                 <a:solidFill>
-                  <a:srgbClr val="008000"/>
+                  <a:srgbClr val="000000"/>
                 </a:solidFill>
                 <a:latin typeface="Consolas" panose="020B0609020204030204" pitchFamily="49" charset="0"/>
               </a:rPr>
-              <a:t> </a:t>
-            </a:r>
-            <a:r>
-              <a:rPr lang="en-US" sz="1600" dirty="0" smtClean="0">
-                <a:solidFill>
-                  <a:srgbClr val="008000"/>
-                </a:solidFill>
-                <a:latin typeface="Consolas" panose="020B0609020204030204" pitchFamily="49" charset="0"/>
-              </a:rPr>
-              <a:t> // </a:t>
-            </a:r>
-            <a:r>
-              <a:rPr lang="ru-RU" sz="1600" dirty="0">
-                <a:solidFill>
-                  <a:srgbClr val="008000"/>
-                </a:solidFill>
-                <a:latin typeface="Consolas" panose="020B0609020204030204" pitchFamily="49" charset="0"/>
-              </a:rPr>
-              <a:t>Код класса работающий</a:t>
-            </a:r>
-            <a:endParaRPr lang="en-US" sz="1600" dirty="0">
-              <a:solidFill>
-                <a:srgbClr val="008000"/>
-              </a:solidFill>
-              <a:latin typeface="Consolas" panose="020B0609020204030204" pitchFamily="49" charset="0"/>
-            </a:endParaRPr>
+              <a:t>Foo()</a:t>
+            </a:r>
           </a:p>
           <a:p>
             <a:pPr marL="0" indent="0">
               <a:buNone/>
             </a:pPr>
             <a:r>
-              <a:rPr lang="en-US" sz="1600" dirty="0">
-                <a:solidFill>
-                  <a:srgbClr val="008000"/>
+              <a:rPr lang="en-US" sz="1600" dirty="0" smtClean="0">
+                <a:solidFill>
+                  <a:srgbClr val="000000"/>
                 </a:solidFill>
                 <a:latin typeface="Consolas" panose="020B0609020204030204" pitchFamily="49" charset="0"/>
               </a:rPr>
-              <a:t>  //   </a:t>
-            </a:r>
-            <a:r>
-              <a:rPr lang="ru-RU" sz="1600" dirty="0">
-                <a:solidFill>
-                  <a:srgbClr val="008000"/>
-                </a:solidFill>
-                <a:latin typeface="Consolas" panose="020B0609020204030204" pitchFamily="49" charset="0"/>
-              </a:rPr>
-              <a:t>с </a:t>
-            </a:r>
-            <a:r>
-              <a:rPr lang="en-US" sz="1600" dirty="0" err="1">
-                <a:solidFill>
-                  <a:srgbClr val="008000"/>
-                </a:solidFill>
-                <a:latin typeface="Consolas" panose="020B0609020204030204" pitchFamily="49" charset="0"/>
-              </a:rPr>
-              <a:t>SomeEvent</a:t>
-            </a:r>
-            <a:r>
-              <a:rPr lang="en-US" sz="1600" dirty="0" smtClean="0">
-                <a:solidFill>
-                  <a:srgbClr val="008000"/>
-                </a:solidFill>
-                <a:latin typeface="Consolas" panose="020B0609020204030204" pitchFamily="49" charset="0"/>
-              </a:rPr>
-              <a:t>  </a:t>
-            </a:r>
+              <a:t>    {</a:t>
+            </a:r>
+            <a:endParaRPr lang="en-US" sz="1600" dirty="0">
+              <a:solidFill>
+                <a:srgbClr val="000000"/>
+              </a:solidFill>
+              <a:latin typeface="Consolas" panose="020B0609020204030204" pitchFamily="49" charset="0"/>
+            </a:endParaRPr>
           </a:p>
           <a:p>
             <a:pPr marL="0" indent="0">
               <a:buNone/>
             </a:pPr>
             <a:r>
+              <a:rPr lang="en-US" sz="1600" dirty="0" smtClean="0">
+                <a:solidFill>
+                  <a:srgbClr val="008000"/>
+                </a:solidFill>
+                <a:latin typeface="Consolas" panose="020B0609020204030204" pitchFamily="49" charset="0"/>
+              </a:rPr>
+              <a:t>        </a:t>
+            </a:r>
+            <a:r>
+              <a:rPr lang="ru-RU" sz="1600" dirty="0" smtClean="0">
+                <a:solidFill>
+                  <a:srgbClr val="008000"/>
+                </a:solidFill>
+                <a:latin typeface="Consolas" panose="020B0609020204030204" pitchFamily="49" charset="0"/>
+              </a:rPr>
+              <a:t>// </a:t>
+            </a:r>
+            <a:r>
+              <a:rPr lang="ru-RU" sz="1600" dirty="0">
+                <a:solidFill>
+                  <a:srgbClr val="008000"/>
+                </a:solidFill>
+                <a:latin typeface="Consolas" panose="020B0609020204030204" pitchFamily="49" charset="0"/>
+              </a:rPr>
+              <a:t>Генерация события</a:t>
+            </a:r>
+            <a:endParaRPr lang="ru-RU" sz="1600" dirty="0">
+              <a:solidFill>
+                <a:srgbClr val="000000"/>
+              </a:solidFill>
+              <a:latin typeface="Consolas" panose="020B0609020204030204" pitchFamily="49" charset="0"/>
+            </a:endParaRPr>
+          </a:p>
+          <a:p>
+            <a:pPr marL="0" indent="0">
+              <a:buNone/>
+            </a:pPr>
+            <a:r>
+              <a:rPr lang="en-US" sz="1600" dirty="0" smtClean="0">
+                <a:solidFill>
+                  <a:srgbClr val="000000"/>
+                </a:solidFill>
+                <a:latin typeface="Consolas" panose="020B0609020204030204" pitchFamily="49" charset="0"/>
+              </a:rPr>
+              <a:t>        Example</a:t>
+            </a:r>
+            <a:r>
               <a:rPr lang="en-US" sz="1600" dirty="0">
                 <a:solidFill>
-                  <a:srgbClr val="008000"/>
+                  <a:srgbClr val="000000"/>
                 </a:solidFill>
                 <a:latin typeface="Consolas" panose="020B0609020204030204" pitchFamily="49" charset="0"/>
               </a:rPr>
-              <a:t> </a:t>
-            </a:r>
+              <a:t>();</a:t>
+            </a:r>
+          </a:p>
+          <a:p>
+            <a:pPr marL="0" indent="0">
+              <a:buNone/>
+            </a:pPr>
             <a:r>
               <a:rPr lang="en-US" sz="1600" dirty="0" smtClean="0">
                 <a:solidFill>
-                  <a:srgbClr val="008000"/>
+                  <a:srgbClr val="000000"/>
                 </a:solidFill>
                 <a:latin typeface="Consolas" panose="020B0609020204030204" pitchFamily="49" charset="0"/>
               </a:rPr>
-              <a:t> //...</a:t>
+              <a:t>    }</a:t>
             </a:r>
             <a:endParaRPr lang="en-US" sz="1600" dirty="0">
               <a:solidFill>

--- a/Presentation/lesson-05-events.pptx
+++ b/Presentation/lesson-05-events.pptx
@@ -14,20 +14,21 @@
     <p:sldId id="276" r:id="rId8"/>
     <p:sldId id="277" r:id="rId9"/>
     <p:sldId id="278" r:id="rId10"/>
-    <p:sldId id="279" r:id="rId11"/>
-    <p:sldId id="280" r:id="rId12"/>
-    <p:sldId id="281" r:id="rId13"/>
-    <p:sldId id="290" r:id="rId14"/>
-    <p:sldId id="296" r:id="rId15"/>
-    <p:sldId id="282" r:id="rId16"/>
-    <p:sldId id="289" r:id="rId17"/>
-    <p:sldId id="283" r:id="rId18"/>
-    <p:sldId id="286" r:id="rId19"/>
-    <p:sldId id="291" r:id="rId20"/>
-    <p:sldId id="293" r:id="rId21"/>
-    <p:sldId id="294" r:id="rId22"/>
-    <p:sldId id="287" r:id="rId23"/>
-    <p:sldId id="288" r:id="rId24"/>
+    <p:sldId id="297" r:id="rId11"/>
+    <p:sldId id="279" r:id="rId12"/>
+    <p:sldId id="280" r:id="rId13"/>
+    <p:sldId id="281" r:id="rId14"/>
+    <p:sldId id="290" r:id="rId15"/>
+    <p:sldId id="296" r:id="rId16"/>
+    <p:sldId id="282" r:id="rId17"/>
+    <p:sldId id="289" r:id="rId18"/>
+    <p:sldId id="283" r:id="rId19"/>
+    <p:sldId id="286" r:id="rId20"/>
+    <p:sldId id="291" r:id="rId21"/>
+    <p:sldId id="293" r:id="rId22"/>
+    <p:sldId id="294" r:id="rId23"/>
+    <p:sldId id="287" r:id="rId24"/>
+    <p:sldId id="288" r:id="rId25"/>
   </p:sldIdLst>
   <p:sldSz cx="9144000" cy="6858000" type="screen4x3"/>
   <p:notesSz cx="6858000" cy="9144000"/>
@@ -144,6 +145,7 @@
             <p14:sldId id="276"/>
             <p14:sldId id="277"/>
             <p14:sldId id="278"/>
+            <p14:sldId id="297"/>
           </p14:sldIdLst>
         </p14:section>
         <p14:section name="События" id="{51CD63FA-9B48-429F-B2C7-C63C3B612EDB}">
@@ -226,10 +228,9 @@
           <a:lstStyle/>
           <a:p>
             <a:r>
-              <a:rPr lang="en-US" smtClean="0"/>
+              <a:rPr lang="en-US"/>
               <a:t>Click to edit Master title style</a:t>
             </a:r>
-            <a:endParaRPr lang="en-US"/>
           </a:p>
         </p:txBody>
       </p:sp>
@@ -345,10 +346,9 @@
           </a:lstStyle>
           <a:p>
             <a:r>
-              <a:rPr lang="en-US" smtClean="0"/>
+              <a:rPr lang="en-US"/>
               <a:t>Click to edit Master subtitle style</a:t>
             </a:r>
-            <a:endParaRPr lang="en-US"/>
           </a:p>
         </p:txBody>
       </p:sp>
@@ -369,7 +369,7 @@
           <a:p>
             <a:fld id="{FAECF776-F836-4CCD-9497-99E5597B8B5D}" type="datetimeFigureOut">
               <a:rPr lang="en-US" smtClean="0"/>
-              <a:t>1/20/2018</a:t>
+              <a:t>7/1/18</a:t>
             </a:fld>
             <a:endParaRPr lang="en-US"/>
           </a:p>
@@ -463,10 +463,9 @@
           <a:lstStyle/>
           <a:p>
             <a:r>
-              <a:rPr lang="en-US" smtClean="0"/>
+              <a:rPr lang="en-US"/>
               <a:t>Click to edit Master title style</a:t>
             </a:r>
-            <a:endParaRPr lang="en-US"/>
           </a:p>
         </p:txBody>
       </p:sp>
@@ -487,38 +486,37 @@
           <a:p>
             <a:pPr lvl="0"/>
             <a:r>
-              <a:rPr lang="en-US" smtClean="0"/>
+              <a:rPr lang="en-US"/>
               <a:t>Click to edit Master text styles</a:t>
             </a:r>
           </a:p>
           <a:p>
             <a:pPr lvl="1"/>
             <a:r>
-              <a:rPr lang="en-US" smtClean="0"/>
+              <a:rPr lang="en-US"/>
               <a:t>Second level</a:t>
             </a:r>
           </a:p>
           <a:p>
             <a:pPr lvl="2"/>
             <a:r>
-              <a:rPr lang="en-US" smtClean="0"/>
+              <a:rPr lang="en-US"/>
               <a:t>Third level</a:t>
             </a:r>
           </a:p>
           <a:p>
             <a:pPr lvl="3"/>
             <a:r>
-              <a:rPr lang="en-US" smtClean="0"/>
+              <a:rPr lang="en-US"/>
               <a:t>Fourth level</a:t>
             </a:r>
           </a:p>
           <a:p>
             <a:pPr lvl="4"/>
             <a:r>
-              <a:rPr lang="en-US" smtClean="0"/>
+              <a:rPr lang="en-US"/>
               <a:t>Fifth level</a:t>
             </a:r>
-            <a:endParaRPr lang="en-US"/>
           </a:p>
         </p:txBody>
       </p:sp>
@@ -539,7 +537,7 @@
           <a:p>
             <a:fld id="{FAECF776-F836-4CCD-9497-99E5597B8B5D}" type="datetimeFigureOut">
               <a:rPr lang="en-US" smtClean="0"/>
-              <a:t>1/20/2018</a:t>
+              <a:t>7/1/18</a:t>
             </a:fld>
             <a:endParaRPr lang="en-US"/>
           </a:p>
@@ -638,10 +636,9 @@
           <a:lstStyle/>
           <a:p>
             <a:r>
-              <a:rPr lang="en-US" smtClean="0"/>
+              <a:rPr lang="en-US"/>
               <a:t>Click to edit Master title style</a:t>
             </a:r>
-            <a:endParaRPr lang="en-US"/>
           </a:p>
         </p:txBody>
       </p:sp>
@@ -667,38 +664,37 @@
           <a:p>
             <a:pPr lvl="0"/>
             <a:r>
-              <a:rPr lang="en-US" smtClean="0"/>
+              <a:rPr lang="en-US"/>
               <a:t>Click to edit Master text styles</a:t>
             </a:r>
           </a:p>
           <a:p>
             <a:pPr lvl="1"/>
             <a:r>
-              <a:rPr lang="en-US" smtClean="0"/>
+              <a:rPr lang="en-US"/>
               <a:t>Second level</a:t>
             </a:r>
           </a:p>
           <a:p>
             <a:pPr lvl="2"/>
             <a:r>
-              <a:rPr lang="en-US" smtClean="0"/>
+              <a:rPr lang="en-US"/>
               <a:t>Third level</a:t>
             </a:r>
           </a:p>
           <a:p>
             <a:pPr lvl="3"/>
             <a:r>
-              <a:rPr lang="en-US" smtClean="0"/>
+              <a:rPr lang="en-US"/>
               <a:t>Fourth level</a:t>
             </a:r>
           </a:p>
           <a:p>
             <a:pPr lvl="4"/>
             <a:r>
-              <a:rPr lang="en-US" smtClean="0"/>
+              <a:rPr lang="en-US"/>
               <a:t>Fifth level</a:t>
             </a:r>
-            <a:endParaRPr lang="en-US"/>
           </a:p>
         </p:txBody>
       </p:sp>
@@ -719,7 +715,7 @@
           <a:p>
             <a:fld id="{FAECF776-F836-4CCD-9497-99E5597B8B5D}" type="datetimeFigureOut">
               <a:rPr lang="en-US" smtClean="0"/>
-              <a:t>1/20/2018</a:t>
+              <a:t>7/1/18</a:t>
             </a:fld>
             <a:endParaRPr lang="en-US"/>
           </a:p>
@@ -813,10 +809,9 @@
           <a:lstStyle/>
           <a:p>
             <a:r>
-              <a:rPr lang="en-US" smtClean="0"/>
+              <a:rPr lang="en-US"/>
               <a:t>Click to edit Master title style</a:t>
             </a:r>
-            <a:endParaRPr lang="en-US"/>
           </a:p>
         </p:txBody>
       </p:sp>
@@ -837,38 +832,37 @@
           <a:p>
             <a:pPr lvl="0"/>
             <a:r>
-              <a:rPr lang="en-US" smtClean="0"/>
+              <a:rPr lang="en-US"/>
               <a:t>Click to edit Master text styles</a:t>
             </a:r>
           </a:p>
           <a:p>
             <a:pPr lvl="1"/>
             <a:r>
-              <a:rPr lang="en-US" smtClean="0"/>
+              <a:rPr lang="en-US"/>
               <a:t>Second level</a:t>
             </a:r>
           </a:p>
           <a:p>
             <a:pPr lvl="2"/>
             <a:r>
-              <a:rPr lang="en-US" smtClean="0"/>
+              <a:rPr lang="en-US"/>
               <a:t>Third level</a:t>
             </a:r>
           </a:p>
           <a:p>
             <a:pPr lvl="3"/>
             <a:r>
-              <a:rPr lang="en-US" smtClean="0"/>
+              <a:rPr lang="en-US"/>
               <a:t>Fourth level</a:t>
             </a:r>
           </a:p>
           <a:p>
             <a:pPr lvl="4"/>
             <a:r>
-              <a:rPr lang="en-US" smtClean="0"/>
+              <a:rPr lang="en-US"/>
               <a:t>Fifth level</a:t>
             </a:r>
-            <a:endParaRPr lang="en-US"/>
           </a:p>
         </p:txBody>
       </p:sp>
@@ -889,7 +883,7 @@
           <a:p>
             <a:fld id="{FAECF776-F836-4CCD-9497-99E5597B8B5D}" type="datetimeFigureOut">
               <a:rPr lang="en-US" smtClean="0"/>
-              <a:t>1/20/2018</a:t>
+              <a:t>7/1/18</a:t>
             </a:fld>
             <a:endParaRPr lang="en-US"/>
           </a:p>
@@ -992,10 +986,9 @@
           </a:lstStyle>
           <a:p>
             <a:r>
-              <a:rPr lang="en-US" smtClean="0"/>
+              <a:rPr lang="en-US"/>
               <a:t>Click to edit Master title style</a:t>
             </a:r>
-            <a:endParaRPr lang="en-US"/>
           </a:p>
         </p:txBody>
       </p:sp>
@@ -1112,7 +1105,7 @@
           <a:p>
             <a:pPr lvl="0"/>
             <a:r>
-              <a:rPr lang="en-US" smtClean="0"/>
+              <a:rPr lang="en-US"/>
               <a:t>Click to edit Master text styles</a:t>
             </a:r>
           </a:p>
@@ -1135,7 +1128,7 @@
           <a:p>
             <a:fld id="{FAECF776-F836-4CCD-9497-99E5597B8B5D}" type="datetimeFigureOut">
               <a:rPr lang="en-US" smtClean="0"/>
-              <a:t>1/20/2018</a:t>
+              <a:t>7/1/18</a:t>
             </a:fld>
             <a:endParaRPr lang="en-US"/>
           </a:p>
@@ -1229,10 +1222,9 @@
           <a:lstStyle/>
           <a:p>
             <a:r>
-              <a:rPr lang="en-US" smtClean="0"/>
+              <a:rPr lang="en-US"/>
               <a:t>Click to edit Master title style</a:t>
             </a:r>
-            <a:endParaRPr lang="en-US"/>
           </a:p>
         </p:txBody>
       </p:sp>
@@ -1286,38 +1278,37 @@
           <a:p>
             <a:pPr lvl="0"/>
             <a:r>
-              <a:rPr lang="en-US" smtClean="0"/>
+              <a:rPr lang="en-US"/>
               <a:t>Click to edit Master text styles</a:t>
             </a:r>
           </a:p>
           <a:p>
             <a:pPr lvl="1"/>
             <a:r>
-              <a:rPr lang="en-US" smtClean="0"/>
+              <a:rPr lang="en-US"/>
               <a:t>Second level</a:t>
             </a:r>
           </a:p>
           <a:p>
             <a:pPr lvl="2"/>
             <a:r>
-              <a:rPr lang="en-US" smtClean="0"/>
+              <a:rPr lang="en-US"/>
               <a:t>Third level</a:t>
             </a:r>
           </a:p>
           <a:p>
             <a:pPr lvl="3"/>
             <a:r>
-              <a:rPr lang="en-US" smtClean="0"/>
+              <a:rPr lang="en-US"/>
               <a:t>Fourth level</a:t>
             </a:r>
           </a:p>
           <a:p>
             <a:pPr lvl="4"/>
             <a:r>
-              <a:rPr lang="en-US" smtClean="0"/>
+              <a:rPr lang="en-US"/>
               <a:t>Fifth level</a:t>
             </a:r>
-            <a:endParaRPr lang="en-US"/>
           </a:p>
         </p:txBody>
       </p:sp>
@@ -1371,38 +1362,37 @@
           <a:p>
             <a:pPr lvl="0"/>
             <a:r>
-              <a:rPr lang="en-US" smtClean="0"/>
+              <a:rPr lang="en-US"/>
               <a:t>Click to edit Master text styles</a:t>
             </a:r>
           </a:p>
           <a:p>
             <a:pPr lvl="1"/>
             <a:r>
-              <a:rPr lang="en-US" smtClean="0"/>
+              <a:rPr lang="en-US"/>
               <a:t>Second level</a:t>
             </a:r>
           </a:p>
           <a:p>
             <a:pPr lvl="2"/>
             <a:r>
-              <a:rPr lang="en-US" smtClean="0"/>
+              <a:rPr lang="en-US"/>
               <a:t>Third level</a:t>
             </a:r>
           </a:p>
           <a:p>
             <a:pPr lvl="3"/>
             <a:r>
-              <a:rPr lang="en-US" smtClean="0"/>
+              <a:rPr lang="en-US"/>
               <a:t>Fourth level</a:t>
             </a:r>
           </a:p>
           <a:p>
             <a:pPr lvl="4"/>
             <a:r>
-              <a:rPr lang="en-US" smtClean="0"/>
+              <a:rPr lang="en-US"/>
               <a:t>Fifth level</a:t>
             </a:r>
-            <a:endParaRPr lang="en-US"/>
           </a:p>
         </p:txBody>
       </p:sp>
@@ -1423,7 +1413,7 @@
           <a:p>
             <a:fld id="{FAECF776-F836-4CCD-9497-99E5597B8B5D}" type="datetimeFigureOut">
               <a:rPr lang="en-US" smtClean="0"/>
-              <a:t>1/20/2018</a:t>
+              <a:t>7/1/18</a:t>
             </a:fld>
             <a:endParaRPr lang="en-US"/>
           </a:p>
@@ -1521,10 +1511,9 @@
           </a:lstStyle>
           <a:p>
             <a:r>
-              <a:rPr lang="en-US" smtClean="0"/>
+              <a:rPr lang="en-US"/>
               <a:t>Click to edit Master title style</a:t>
             </a:r>
-            <a:endParaRPr lang="en-US"/>
           </a:p>
         </p:txBody>
       </p:sp>
@@ -1587,7 +1576,7 @@
           <a:p>
             <a:pPr lvl="0"/>
             <a:r>
-              <a:rPr lang="en-US" smtClean="0"/>
+              <a:rPr lang="en-US"/>
               <a:t>Click to edit Master text styles</a:t>
             </a:r>
           </a:p>
@@ -1643,38 +1632,37 @@
           <a:p>
             <a:pPr lvl="0"/>
             <a:r>
-              <a:rPr lang="en-US" smtClean="0"/>
+              <a:rPr lang="en-US"/>
               <a:t>Click to edit Master text styles</a:t>
             </a:r>
           </a:p>
           <a:p>
             <a:pPr lvl="1"/>
             <a:r>
-              <a:rPr lang="en-US" smtClean="0"/>
+              <a:rPr lang="en-US"/>
               <a:t>Second level</a:t>
             </a:r>
           </a:p>
           <a:p>
             <a:pPr lvl="2"/>
             <a:r>
-              <a:rPr lang="en-US" smtClean="0"/>
+              <a:rPr lang="en-US"/>
               <a:t>Third level</a:t>
             </a:r>
           </a:p>
           <a:p>
             <a:pPr lvl="3"/>
             <a:r>
-              <a:rPr lang="en-US" smtClean="0"/>
+              <a:rPr lang="en-US"/>
               <a:t>Fourth level</a:t>
             </a:r>
           </a:p>
           <a:p>
             <a:pPr lvl="4"/>
             <a:r>
-              <a:rPr lang="en-US" smtClean="0"/>
+              <a:rPr lang="en-US"/>
               <a:t>Fifth level</a:t>
             </a:r>
-            <a:endParaRPr lang="en-US"/>
           </a:p>
         </p:txBody>
       </p:sp>
@@ -1737,7 +1725,7 @@
           <a:p>
             <a:pPr lvl="0"/>
             <a:r>
-              <a:rPr lang="en-US" smtClean="0"/>
+              <a:rPr lang="en-US"/>
               <a:t>Click to edit Master text styles</a:t>
             </a:r>
           </a:p>
@@ -1793,38 +1781,37 @@
           <a:p>
             <a:pPr lvl="0"/>
             <a:r>
-              <a:rPr lang="en-US" smtClean="0"/>
+              <a:rPr lang="en-US"/>
               <a:t>Click to edit Master text styles</a:t>
             </a:r>
           </a:p>
           <a:p>
             <a:pPr lvl="1"/>
             <a:r>
-              <a:rPr lang="en-US" smtClean="0"/>
+              <a:rPr lang="en-US"/>
               <a:t>Second level</a:t>
             </a:r>
           </a:p>
           <a:p>
             <a:pPr lvl="2"/>
             <a:r>
-              <a:rPr lang="en-US" smtClean="0"/>
+              <a:rPr lang="en-US"/>
               <a:t>Third level</a:t>
             </a:r>
           </a:p>
           <a:p>
             <a:pPr lvl="3"/>
             <a:r>
-              <a:rPr lang="en-US" smtClean="0"/>
+              <a:rPr lang="en-US"/>
               <a:t>Fourth level</a:t>
             </a:r>
           </a:p>
           <a:p>
             <a:pPr lvl="4"/>
             <a:r>
-              <a:rPr lang="en-US" smtClean="0"/>
+              <a:rPr lang="en-US"/>
               <a:t>Fifth level</a:t>
             </a:r>
-            <a:endParaRPr lang="en-US"/>
           </a:p>
         </p:txBody>
       </p:sp>
@@ -1845,7 +1832,7 @@
           <a:p>
             <a:fld id="{FAECF776-F836-4CCD-9497-99E5597B8B5D}" type="datetimeFigureOut">
               <a:rPr lang="en-US" smtClean="0"/>
-              <a:t>1/20/2018</a:t>
+              <a:t>7/1/18</a:t>
             </a:fld>
             <a:endParaRPr lang="en-US"/>
           </a:p>
@@ -1939,10 +1926,9 @@
           <a:lstStyle/>
           <a:p>
             <a:r>
-              <a:rPr lang="en-US" smtClean="0"/>
+              <a:rPr lang="en-US"/>
               <a:t>Click to edit Master title style</a:t>
             </a:r>
-            <a:endParaRPr lang="en-US"/>
           </a:p>
         </p:txBody>
       </p:sp>
@@ -1963,7 +1949,7 @@
           <a:p>
             <a:fld id="{FAECF776-F836-4CCD-9497-99E5597B8B5D}" type="datetimeFigureOut">
               <a:rPr lang="en-US" smtClean="0"/>
-              <a:t>1/20/2018</a:t>
+              <a:t>7/1/18</a:t>
             </a:fld>
             <a:endParaRPr lang="en-US"/>
           </a:p>
@@ -2058,7 +2044,7 @@
           <a:p>
             <a:fld id="{FAECF776-F836-4CCD-9497-99E5597B8B5D}" type="datetimeFigureOut">
               <a:rPr lang="en-US" smtClean="0"/>
-              <a:t>1/20/2018</a:t>
+              <a:t>7/1/18</a:t>
             </a:fld>
             <a:endParaRPr lang="en-US"/>
           </a:p>
@@ -2161,10 +2147,9 @@
           </a:lstStyle>
           <a:p>
             <a:r>
-              <a:rPr lang="en-US" smtClean="0"/>
+              <a:rPr lang="en-US"/>
               <a:t>Click to edit Master title style</a:t>
             </a:r>
-            <a:endParaRPr lang="en-US"/>
           </a:p>
         </p:txBody>
       </p:sp>
@@ -2218,38 +2203,37 @@
           <a:p>
             <a:pPr lvl="0"/>
             <a:r>
-              <a:rPr lang="en-US" smtClean="0"/>
+              <a:rPr lang="en-US"/>
               <a:t>Click to edit Master text styles</a:t>
             </a:r>
           </a:p>
           <a:p>
             <a:pPr lvl="1"/>
             <a:r>
-              <a:rPr lang="en-US" smtClean="0"/>
+              <a:rPr lang="en-US"/>
               <a:t>Second level</a:t>
             </a:r>
           </a:p>
           <a:p>
             <a:pPr lvl="2"/>
             <a:r>
-              <a:rPr lang="en-US" smtClean="0"/>
+              <a:rPr lang="en-US"/>
               <a:t>Third level</a:t>
             </a:r>
           </a:p>
           <a:p>
             <a:pPr lvl="3"/>
             <a:r>
-              <a:rPr lang="en-US" smtClean="0"/>
+              <a:rPr lang="en-US"/>
               <a:t>Fourth level</a:t>
             </a:r>
           </a:p>
           <a:p>
             <a:pPr lvl="4"/>
             <a:r>
-              <a:rPr lang="en-US" smtClean="0"/>
+              <a:rPr lang="en-US"/>
               <a:t>Fifth level</a:t>
             </a:r>
-            <a:endParaRPr lang="en-US"/>
           </a:p>
         </p:txBody>
       </p:sp>
@@ -2312,7 +2296,7 @@
           <a:p>
             <a:pPr lvl="0"/>
             <a:r>
-              <a:rPr lang="en-US" smtClean="0"/>
+              <a:rPr lang="en-US"/>
               <a:t>Click to edit Master text styles</a:t>
             </a:r>
           </a:p>
@@ -2335,7 +2319,7 @@
           <a:p>
             <a:fld id="{FAECF776-F836-4CCD-9497-99E5597B8B5D}" type="datetimeFigureOut">
               <a:rPr lang="en-US" smtClean="0"/>
-              <a:t>1/20/2018</a:t>
+              <a:t>7/1/18</a:t>
             </a:fld>
             <a:endParaRPr lang="en-US"/>
           </a:p>
@@ -2438,10 +2422,9 @@
           </a:lstStyle>
           <a:p>
             <a:r>
-              <a:rPr lang="en-US" smtClean="0"/>
+              <a:rPr lang="en-US"/>
               <a:t>Click to edit Master title style</a:t>
             </a:r>
-            <a:endParaRPr lang="en-US"/>
           </a:p>
         </p:txBody>
       </p:sp>
@@ -2565,7 +2548,7 @@
           <a:p>
             <a:pPr lvl="0"/>
             <a:r>
-              <a:rPr lang="en-US" smtClean="0"/>
+              <a:rPr lang="en-US"/>
               <a:t>Click to edit Master text styles</a:t>
             </a:r>
           </a:p>
@@ -2588,7 +2571,7 @@
           <a:p>
             <a:fld id="{FAECF776-F836-4CCD-9497-99E5597B8B5D}" type="datetimeFigureOut">
               <a:rPr lang="en-US" smtClean="0"/>
-              <a:t>1/20/2018</a:t>
+              <a:t>7/1/18</a:t>
             </a:fld>
             <a:endParaRPr lang="en-US"/>
           </a:p>
@@ -2697,10 +2680,9 @@
           <a:lstStyle/>
           <a:p>
             <a:r>
-              <a:rPr lang="en-US" smtClean="0"/>
+              <a:rPr lang="en-US"/>
               <a:t>Click to edit Master title style</a:t>
             </a:r>
-            <a:endParaRPr lang="en-US"/>
           </a:p>
         </p:txBody>
       </p:sp>
@@ -2731,38 +2713,37 @@
           <a:p>
             <a:pPr lvl="0"/>
             <a:r>
-              <a:rPr lang="en-US" smtClean="0"/>
+              <a:rPr lang="en-US"/>
               <a:t>Click to edit Master text styles</a:t>
             </a:r>
           </a:p>
           <a:p>
             <a:pPr lvl="1"/>
             <a:r>
-              <a:rPr lang="en-US" smtClean="0"/>
+              <a:rPr lang="en-US"/>
               <a:t>Second level</a:t>
             </a:r>
           </a:p>
           <a:p>
             <a:pPr lvl="2"/>
             <a:r>
-              <a:rPr lang="en-US" smtClean="0"/>
+              <a:rPr lang="en-US"/>
               <a:t>Third level</a:t>
             </a:r>
           </a:p>
           <a:p>
             <a:pPr lvl="3"/>
             <a:r>
-              <a:rPr lang="en-US" smtClean="0"/>
+              <a:rPr lang="en-US"/>
               <a:t>Fourth level</a:t>
             </a:r>
           </a:p>
           <a:p>
             <a:pPr lvl="4"/>
             <a:r>
-              <a:rPr lang="en-US" smtClean="0"/>
+              <a:rPr lang="en-US"/>
               <a:t>Fifth level</a:t>
             </a:r>
-            <a:endParaRPr lang="en-US"/>
           </a:p>
         </p:txBody>
       </p:sp>
@@ -2801,7 +2782,7 @@
           <a:p>
             <a:fld id="{FAECF776-F836-4CCD-9497-99E5597B8B5D}" type="datetimeFigureOut">
               <a:rPr lang="en-US" smtClean="0"/>
-              <a:t>1/20/2018</a:t>
+              <a:t>7/1/18</a:t>
             </a:fld>
             <a:endParaRPr lang="en-US"/>
           </a:p>
@@ -3199,7 +3180,7 @@
         <p:spPr>
           <a:xfrm>
             <a:off x="143508" y="1304764"/>
-            <a:ext cx="8856984" cy="646331"/>
+            <a:ext cx="8856984" cy="523220"/>
           </a:xfrm>
           <a:prstGeom prst="rect">
             <a:avLst/>
@@ -3213,7 +3194,7 @@
           <a:p>
             <a:pPr algn="ctr"/>
             <a:r>
-              <a:rPr lang="ru-RU" sz="3600" b="1" i="1" dirty="0" smtClean="0">
+              <a:rPr lang="ru-RU" sz="2800" i="1" dirty="0">
                 <a:solidFill>
                   <a:schemeClr val="bg1"/>
                 </a:solidFill>
@@ -3221,14 +3202,14 @@
               <a:t>Основы программирования на </a:t>
             </a:r>
             <a:r>
-              <a:rPr lang="en-US" sz="3600" b="1" i="1" dirty="0" smtClean="0">
+              <a:rPr lang="en-US" sz="2800" i="1" dirty="0">
                 <a:solidFill>
                   <a:schemeClr val="bg1"/>
                 </a:solidFill>
               </a:rPr>
               <a:t>C#</a:t>
             </a:r>
-            <a:endParaRPr lang="ru-RU" sz="3600" b="1" i="1" dirty="0">
+            <a:endParaRPr lang="ru-RU" sz="2800" i="1" dirty="0">
               <a:solidFill>
                 <a:schemeClr val="bg1"/>
               </a:solidFill>
@@ -3236,70 +3217,6 @@
           </a:p>
         </p:txBody>
       </p:sp>
-      <p:pic>
-        <p:nvPicPr>
-          <p:cNvPr id="1029" name="Picture 5"/>
-          <p:cNvPicPr>
-            <a:picLocks noChangeAspect="1" noChangeArrowheads="1"/>
-          </p:cNvPicPr>
-          <p:nvPr/>
-        </p:nvPicPr>
-        <p:blipFill>
-          <a:blip r:embed="rId3">
-            <a:extLst>
-              <a:ext uri="{28A0092B-C50C-407E-A947-70E740481C1C}">
-                <a14:useLocalDpi xmlns:a14="http://schemas.microsoft.com/office/drawing/2010/main" val="0"/>
-              </a:ext>
-            </a:extLst>
-          </a:blip>
-          <a:srcRect/>
-          <a:stretch>
-            <a:fillRect/>
-          </a:stretch>
-        </p:blipFill>
-        <p:spPr bwMode="auto">
-          <a:xfrm>
-            <a:off x="1638300" y="3829211"/>
-            <a:ext cx="5867400" cy="1724025"/>
-          </a:xfrm>
-          <a:prstGeom prst="rect">
-            <a:avLst/>
-          </a:prstGeom>
-          <a:noFill/>
-          <a:ln>
-            <a:noFill/>
-          </a:ln>
-          <a:effectLst/>
-          <a:extLst>
-            <a:ext uri="{909E8E84-426E-40DD-AFC4-6F175D3DCCD1}">
-              <a14:hiddenFill xmlns:a14="http://schemas.microsoft.com/office/drawing/2010/main">
-                <a:solidFill>
-                  <a:schemeClr val="accent1"/>
-                </a:solidFill>
-              </a14:hiddenFill>
-            </a:ext>
-            <a:ext uri="{91240B29-F687-4F45-9708-019B960494DF}">
-              <a14:hiddenLine xmlns:a14="http://schemas.microsoft.com/office/drawing/2010/main" w="9525">
-                <a:solidFill>
-                  <a:schemeClr val="tx1"/>
-                </a:solidFill>
-                <a:miter lim="800000"/>
-                <a:headEnd/>
-                <a:tailEnd/>
-              </a14:hiddenLine>
-            </a:ext>
-            <a:ext uri="{AF507438-7753-43E0-B8FC-AC1667EBCBE1}">
-              <a14:hiddenEffects xmlns:a14="http://schemas.microsoft.com/office/drawing/2010/main">
-                <a:effectLst>
-                  <a:outerShdw dist="35921" dir="2700000" algn="ctr" rotWithShape="0">
-                    <a:schemeClr val="bg2"/>
-                  </a:outerShdw>
-                </a:effectLst>
-              </a14:hiddenEffects>
-            </a:ext>
-          </a:extLst>
-        </p:spPr>
-      </p:pic>
       <p:sp>
         <p:nvSpPr>
           <p:cNvPr id="2" name="TextBox 1"/>
@@ -3309,7 +3226,7 @@
         <p:spPr>
           <a:xfrm>
             <a:off x="143508" y="2528900"/>
-            <a:ext cx="8856983" cy="461665"/>
+            <a:ext cx="8856983" cy="646331"/>
           </a:xfrm>
           <a:prstGeom prst="rect">
             <a:avLst/>
@@ -3324,49 +3241,133 @@
           <a:p>
             <a:pPr algn="ctr"/>
             <a:r>
-              <a:rPr lang="ru-RU" sz="2400" dirty="0">
-                <a:solidFill>
-                  <a:schemeClr val="bg1"/>
-                </a:solidFill>
-              </a:rPr>
-              <a:t>Занятие </a:t>
-            </a:r>
-            <a:r>
-              <a:rPr lang="ru-RU" sz="2400" dirty="0" smtClean="0">
-                <a:solidFill>
-                  <a:schemeClr val="bg1"/>
-                </a:solidFill>
-              </a:rPr>
-              <a:t>№</a:t>
-            </a:r>
-            <a:r>
-              <a:rPr lang="en-US" sz="2400" dirty="0">
-                <a:solidFill>
-                  <a:schemeClr val="bg1"/>
-                </a:solidFill>
-              </a:rPr>
-              <a:t>5</a:t>
-            </a:r>
-            <a:r>
-              <a:rPr lang="ru-RU" sz="2400" dirty="0">
-                <a:solidFill>
-                  <a:schemeClr val="bg1"/>
-                </a:solidFill>
-              </a:rPr>
-              <a:t>. Делегаты и </a:t>
-            </a:r>
-            <a:r>
-              <a:rPr lang="ru-RU" sz="2400" dirty="0" smtClean="0">
-                <a:solidFill>
-                  <a:schemeClr val="bg1"/>
-                </a:solidFill>
-              </a:rPr>
-              <a:t>события</a:t>
-            </a:r>
-            <a:endParaRPr lang="en-US" sz="2400" dirty="0">
-              <a:solidFill>
-                <a:schemeClr val="bg1"/>
-              </a:solidFill>
+              <a:rPr lang="ru-RU" sz="3600" b="1" dirty="0">
+                <a:solidFill>
+                  <a:schemeClr val="bg1"/>
+                </a:solidFill>
+                <a:latin typeface="Footlight MT Light" panose="0204060206030A020304" pitchFamily="18" charset="77"/>
+              </a:rPr>
+              <a:t>§ Делегаты и события</a:t>
+            </a:r>
+            <a:endParaRPr lang="en-US" sz="3600" b="1" dirty="0">
+              <a:solidFill>
+                <a:schemeClr val="bg1"/>
+              </a:solidFill>
+              <a:latin typeface="Footlight MT Light" panose="0204060206030A020304" pitchFamily="18" charset="77"/>
+            </a:endParaRPr>
+          </a:p>
+        </p:txBody>
+      </p:sp>
+      <p:sp>
+        <p:nvSpPr>
+          <p:cNvPr id="5" name="TextBox 4">
+            <a:extLst>
+              <a:ext uri="{FF2B5EF4-FFF2-40B4-BE49-F238E27FC236}">
+                <a16:creationId xmlns:a16="http://schemas.microsoft.com/office/drawing/2014/main" id="{79596117-FA9C-1A48-B099-EA32BBC62F23}"/>
+              </a:ext>
+            </a:extLst>
+          </p:cNvPr>
+          <p:cNvSpPr txBox="1"/>
+          <p:nvPr/>
+        </p:nvSpPr>
+        <p:spPr>
+          <a:xfrm>
+            <a:off x="2339752" y="4984720"/>
+            <a:ext cx="4464496" cy="1138773"/>
+          </a:xfrm>
+          <a:prstGeom prst="rect">
+            <a:avLst/>
+          </a:prstGeom>
+          <a:noFill/>
+        </p:spPr>
+        <p:txBody>
+          <a:bodyPr wrap="square" rtlCol="0">
+            <a:spAutoFit/>
+          </a:bodyPr>
+          <a:lstStyle/>
+          <a:p>
+            <a:r>
+              <a:rPr lang="ru-RU" sz="2000" dirty="0">
+                <a:solidFill>
+                  <a:schemeClr val="bg1"/>
+                </a:solidFill>
+                <a:effectLst>
+                  <a:outerShdw blurRad="50800" dist="38100" dir="5400000" algn="t" rotWithShape="0">
+                    <a:prstClr val="black">
+                      <a:alpha val="40000"/>
+                    </a:prstClr>
+                  </a:outerShdw>
+                </a:effectLst>
+                <a:latin typeface="Segoe Print" panose="02000800000000000000" pitchFamily="2" charset="0"/>
+              </a:rPr>
+              <a:t>Центр Обучающих Технологий</a:t>
+            </a:r>
+          </a:p>
+          <a:p>
+            <a:pPr algn="ctr"/>
+            <a:r>
+              <a:rPr lang="ru-RU" sz="1600" dirty="0">
+                <a:solidFill>
+                  <a:schemeClr val="bg1"/>
+                </a:solidFill>
+                <a:effectLst>
+                  <a:outerShdw blurRad="50800" dist="38100" dir="5400000" algn="t" rotWithShape="0">
+                    <a:prstClr val="black">
+                      <a:alpha val="40000"/>
+                    </a:prstClr>
+                  </a:outerShdw>
+                </a:effectLst>
+                <a:latin typeface="Segoe Print" panose="02000800000000000000" pitchFamily="2" charset="0"/>
+              </a:rPr>
+              <a:t>основан в 2002 году</a:t>
+            </a:r>
+          </a:p>
+          <a:p>
+            <a:pPr algn="ctr"/>
+            <a:endParaRPr lang="ru-RU" sz="1600" dirty="0">
+              <a:solidFill>
+                <a:schemeClr val="bg1"/>
+              </a:solidFill>
+              <a:effectLst>
+                <a:outerShdw blurRad="50800" dist="38100" dir="5400000" algn="t" rotWithShape="0">
+                  <a:prstClr val="black">
+                    <a:alpha val="40000"/>
+                  </a:prstClr>
+                </a:outerShdw>
+              </a:effectLst>
+              <a:latin typeface="Segoe Print" panose="02000800000000000000" pitchFamily="2" charset="0"/>
+            </a:endParaRPr>
+          </a:p>
+          <a:p>
+            <a:pPr algn="ctr"/>
+            <a:r>
+              <a:rPr lang="en-US" sz="1600" dirty="0" err="1">
+                <a:solidFill>
+                  <a:schemeClr val="bg1"/>
+                </a:solidFill>
+                <a:effectLst>
+                  <a:outerShdw blurRad="50800" dist="38100" dir="5400000" algn="t" rotWithShape="0">
+                    <a:prstClr val="black">
+                      <a:alpha val="40000"/>
+                    </a:prstClr>
+                  </a:outerShdw>
+                </a:effectLst>
+                <a:latin typeface="Segoe Print" panose="02000800000000000000" pitchFamily="2" charset="0"/>
+              </a:rPr>
+              <a:t>trainingcenter.by</a:t>
+            </a:r>
+            <a:endParaRPr lang="en-US" sz="1600" dirty="0">
+              <a:solidFill>
+                <a:schemeClr val="bg1"/>
+              </a:solidFill>
+              <a:effectLst>
+                <a:outerShdw blurRad="50800" dist="38100" dir="5400000" algn="t" rotWithShape="0">
+                  <a:prstClr val="black">
+                    <a:alpha val="40000"/>
+                  </a:prstClr>
+                </a:outerShdw>
+              </a:effectLst>
+              <a:latin typeface="Segoe Print" panose="02000800000000000000" pitchFamily="2" charset="0"/>
             </a:endParaRPr>
           </a:p>
         </p:txBody>
@@ -3381,17 +3382,154 @@
   <p:clrMapOvr>
     <a:masterClrMapping/>
   </p:clrMapOvr>
-  <p:timing>
-    <p:tnLst>
-      <p:par>
-        <p:cTn id="1" dur="indefinite" restart="never" nodeType="tmRoot"/>
-      </p:par>
-    </p:tnLst>
-  </p:timing>
 </p:sld>
 </file>
 
 <file path=ppt/slides/slide10.xml><?xml version="1.0" encoding="utf-8"?>
+<p:sld xmlns:a="http://schemas.openxmlformats.org/drawingml/2006/main" xmlns:r="http://schemas.openxmlformats.org/officeDocument/2006/relationships" xmlns:p="http://schemas.openxmlformats.org/presentationml/2006/main">
+  <p:cSld>
+    <p:bg>
+      <p:bgPr>
+        <a:blipFill dpi="0" rotWithShape="1">
+          <a:blip r:embed="rId2">
+            <a:lum/>
+          </a:blip>
+          <a:srcRect/>
+          <a:stretch>
+            <a:fillRect/>
+          </a:stretch>
+        </a:blipFill>
+        <a:effectLst/>
+      </p:bgPr>
+    </p:bg>
+    <p:spTree>
+      <p:nvGrpSpPr>
+        <p:cNvPr id="1" name=""/>
+        <p:cNvGrpSpPr/>
+        <p:nvPr/>
+      </p:nvGrpSpPr>
+      <p:grpSpPr>
+        <a:xfrm>
+          <a:off x="0" y="0"/>
+          <a:ext cx="0" cy="0"/>
+          <a:chOff x="0" y="0"/>
+          <a:chExt cx="0" cy="0"/>
+        </a:xfrm>
+      </p:grpSpPr>
+      <p:sp>
+        <p:nvSpPr>
+          <p:cNvPr id="2" name="Title 1"/>
+          <p:cNvSpPr>
+            <a:spLocks noGrp="1"/>
+          </p:cNvSpPr>
+          <p:nvPr>
+            <p:ph type="title"/>
+          </p:nvPr>
+        </p:nvSpPr>
+        <p:spPr/>
+        <p:txBody>
+          <a:bodyPr/>
+          <a:lstStyle/>
+          <a:p>
+            <a:r>
+              <a:rPr lang="ru-RU" dirty="0">
+                <a:solidFill>
+                  <a:schemeClr val="bg1"/>
+                </a:solidFill>
+              </a:rPr>
+              <a:t>Делегаты с возвратом значений</a:t>
+            </a:r>
+            <a:endParaRPr lang="en-US" dirty="0">
+              <a:solidFill>
+                <a:schemeClr val="bg1"/>
+              </a:solidFill>
+            </a:endParaRPr>
+          </a:p>
+        </p:txBody>
+      </p:sp>
+      <p:sp>
+        <p:nvSpPr>
+          <p:cNvPr id="3" name="Content Placeholder 2"/>
+          <p:cNvSpPr>
+            <a:spLocks noGrp="1"/>
+          </p:cNvSpPr>
+          <p:nvPr>
+            <p:ph idx="1"/>
+          </p:nvPr>
+        </p:nvSpPr>
+        <p:spPr>
+          <a:xfrm>
+            <a:off x="457200" y="1600201"/>
+            <a:ext cx="8229600" cy="1684784"/>
+          </a:xfrm>
+        </p:spPr>
+        <p:txBody>
+          <a:bodyPr/>
+          <a:lstStyle/>
+          <a:p>
+            <a:pPr marL="0" indent="0">
+              <a:buNone/>
+            </a:pPr>
+            <a:r>
+              <a:rPr lang="ru-RU" dirty="0">
+                <a:solidFill>
+                  <a:schemeClr val="bg1"/>
+                </a:solidFill>
+              </a:rPr>
+              <a:t>При вызове многоадресного (</a:t>
+            </a:r>
+            <a:r>
+              <a:rPr lang="en-US" dirty="0">
+                <a:solidFill>
+                  <a:schemeClr val="bg1"/>
+                </a:solidFill>
+              </a:rPr>
+              <a:t>multicast</a:t>
+            </a:r>
+            <a:r>
+              <a:rPr lang="ru-RU" dirty="0">
+                <a:solidFill>
+                  <a:schemeClr val="bg1"/>
+                </a:solidFill>
+              </a:rPr>
+              <a:t>)</a:t>
+            </a:r>
+            <a:r>
+              <a:rPr lang="en-US" dirty="0">
+                <a:solidFill>
+                  <a:schemeClr val="bg1"/>
+                </a:solidFill>
+              </a:rPr>
+              <a:t> </a:t>
+            </a:r>
+            <a:r>
+              <a:rPr lang="ru-RU" dirty="0">
+                <a:solidFill>
+                  <a:schemeClr val="bg1"/>
+                </a:solidFill>
+              </a:rPr>
+              <a:t>делегата мы получим значение которое вернул последний метод в списке вызовов.</a:t>
+            </a:r>
+          </a:p>
+          <a:p>
+            <a:endParaRPr lang="en-US" dirty="0"/>
+          </a:p>
+        </p:txBody>
+      </p:sp>
+    </p:spTree>
+    <p:extLst>
+      <p:ext uri="{BB962C8B-B14F-4D97-AF65-F5344CB8AC3E}">
+        <p14:creationId xmlns:p14="http://schemas.microsoft.com/office/powerpoint/2010/main" val="887225517"/>
+      </p:ext>
+    </p:extLst>
+  </p:cSld>
+  <p:clrMapOvr>
+    <a:masterClrMapping/>
+  </p:clrMapOvr>
+</p:sld>
+</file>
+
+<file path=ppt/slides/slide11.xml><?xml version="1.0" encoding="utf-8"?>
 <p:sld xmlns:a="http://schemas.openxmlformats.org/drawingml/2006/main" xmlns:r="http://schemas.openxmlformats.org/officeDocument/2006/relationships" xmlns:p="http://schemas.openxmlformats.org/presentationml/2006/main">
   <p:cSld>
     <p:bg>
@@ -4409,17 +4547,10 @@
   <p:clrMapOvr>
     <a:masterClrMapping/>
   </p:clrMapOvr>
-  <p:timing>
-    <p:tnLst>
-      <p:par>
-        <p:cTn id="1" dur="indefinite" restart="never" nodeType="tmRoot"/>
-      </p:par>
-    </p:tnLst>
-  </p:timing>
 </p:sld>
 </file>
 
-<file path=ppt/slides/slide11.xml><?xml version="1.0" encoding="utf-8"?>
+<file path=ppt/slides/slide12.xml><?xml version="1.0" encoding="utf-8"?>
 <p:sld xmlns:a="http://schemas.openxmlformats.org/drawingml/2006/main" xmlns:r="http://schemas.openxmlformats.org/officeDocument/2006/relationships" xmlns:p="http://schemas.openxmlformats.org/presentationml/2006/main">
   <p:cSld>
     <p:bg>
@@ -4623,7 +4754,7 @@
               <a:t>        public event Explosion </a:t>
             </a:r>
             <a:r>
-              <a:rPr lang="en-US" sz="1000" dirty="0" smtClean="0">
+              <a:rPr lang="en-US" sz="1000" dirty="0">
                 <a:solidFill>
                   <a:schemeClr val="bg1"/>
                 </a:solidFill>
@@ -4634,17 +4765,6 @@
               <a:t>E</a:t>
             </a:r>
             <a:r>
-              <a:rPr lang="be-BY" sz="1000" dirty="0" smtClean="0">
-                <a:solidFill>
-                  <a:schemeClr val="bg1"/>
-                </a:solidFill>
-                <a:latin typeface="Courier New" pitchFamily="49" charset="0"/>
-                <a:ea typeface="Calibri" pitchFamily="34" charset="0"/>
-                <a:cs typeface="Courier New" pitchFamily="49" charset="0"/>
-              </a:rPr>
-              <a:t>xplode</a:t>
-            </a:r>
-            <a:r>
               <a:rPr lang="be-BY" sz="1000" dirty="0">
                 <a:solidFill>
                   <a:schemeClr val="bg1"/>
@@ -4653,20 +4773,9 @@
                 <a:ea typeface="Calibri" pitchFamily="34" charset="0"/>
                 <a:cs typeface="Courier New" pitchFamily="49" charset="0"/>
               </a:rPr>
-              <a:t>;	//Шаг 1. Объявление </a:t>
-            </a:r>
-            <a:r>
-              <a:rPr lang="be-BY" sz="1000" dirty="0" smtClean="0">
-                <a:solidFill>
-                  <a:schemeClr val="bg1"/>
-                </a:solidFill>
-                <a:latin typeface="Courier New" pitchFamily="49" charset="0"/>
-                <a:ea typeface="Calibri" pitchFamily="34" charset="0"/>
-                <a:cs typeface="Courier New" pitchFamily="49" charset="0"/>
-              </a:rPr>
-              <a:t>события</a:t>
-            </a:r>
-            <a:endParaRPr lang="en-US" sz="1000" dirty="0" smtClean="0">
+              <a:t>xplode;	//Шаг 1. Объявление события</a:t>
+            </a:r>
+            <a:endParaRPr lang="en-US" sz="1000" dirty="0">
               <a:solidFill>
                 <a:schemeClr val="bg1"/>
               </a:solidFill>
@@ -4688,21 +4797,10 @@
                 <a:ea typeface="Calibri" pitchFamily="34" charset="0"/>
                 <a:cs typeface="Courier New" pitchFamily="49" charset="0"/>
               </a:rPr>
-              <a:t> </a:t>
-            </a:r>
-            <a:r>
-              <a:rPr lang="en-US" sz="1000" dirty="0" smtClean="0">
-                <a:solidFill>
-                  <a:schemeClr val="bg1"/>
-                </a:solidFill>
-                <a:latin typeface="Courier New" pitchFamily="49" charset="0"/>
-                <a:ea typeface="Calibri" pitchFamily="34" charset="0"/>
-                <a:cs typeface="Courier New" pitchFamily="49" charset="0"/>
-              </a:rPr>
-              <a:t>       private </a:t>
-            </a:r>
-            <a:r>
-              <a:rPr lang="en-US" sz="1000" dirty="0" err="1" smtClean="0">
+              <a:t>        private </a:t>
+            </a:r>
+            <a:r>
+              <a:rPr lang="en-US" sz="1000" dirty="0" err="1">
                 <a:solidFill>
                   <a:schemeClr val="bg1"/>
                 </a:solidFill>
@@ -4713,7 +4811,7 @@
               <a:t>int</a:t>
             </a:r>
             <a:r>
-              <a:rPr lang="en-US" sz="1000" dirty="0" smtClean="0">
+              <a:rPr lang="en-US" sz="1000" dirty="0">
                 <a:solidFill>
                   <a:schemeClr val="bg1"/>
                 </a:solidFill>
@@ -5134,29 +5232,7 @@
                 <a:ea typeface="Calibri" pitchFamily="34" charset="0"/>
                 <a:cs typeface="Courier New" pitchFamily="49" charset="0"/>
               </a:rPr>
-              <a:t> </a:t>
-            </a:r>
-            <a:r>
-              <a:rPr lang="en-US" sz="1000" dirty="0" smtClean="0">
-                <a:solidFill>
-                  <a:schemeClr val="bg1"/>
-                </a:solidFill>
-                <a:latin typeface="Courier New" pitchFamily="49" charset="0"/>
-                <a:ea typeface="Calibri" pitchFamily="34" charset="0"/>
-                <a:cs typeface="Courier New" pitchFamily="49" charset="0"/>
-              </a:rPr>
-              <a:t>       public </a:t>
-            </a:r>
-            <a:r>
-              <a:rPr lang="en-US" sz="1000" dirty="0">
-                <a:solidFill>
-                  <a:schemeClr val="bg1"/>
-                </a:solidFill>
-                <a:latin typeface="Courier New" pitchFamily="49" charset="0"/>
-                <a:ea typeface="Calibri" pitchFamily="34" charset="0"/>
-                <a:cs typeface="Courier New" pitchFamily="49" charset="0"/>
-              </a:rPr>
-              <a:t>Car()</a:t>
+              <a:t>        public Car()</a:t>
             </a:r>
           </a:p>
           <a:p>
@@ -5279,17 +5355,6 @@
               <a:defRPr/>
             </a:pPr>
             <a:r>
-              <a:rPr lang="en-US" sz="1000" dirty="0" smtClean="0">
-                <a:solidFill>
-                  <a:schemeClr val="bg1"/>
-                </a:solidFill>
-                <a:latin typeface="Courier New" pitchFamily="49" charset="0"/>
-                <a:ea typeface="Calibri" pitchFamily="34" charset="0"/>
-                <a:cs typeface="Courier New" pitchFamily="49" charset="0"/>
-              </a:rPr>
-              <a:t>            _</a:t>
-            </a:r>
-            <a:r>
               <a:rPr lang="en-US" sz="1000" dirty="0">
                 <a:solidFill>
                   <a:schemeClr val="bg1"/>
@@ -5298,18 +5363,7 @@
                 <a:ea typeface="Calibri" pitchFamily="34" charset="0"/>
                 <a:cs typeface="Courier New" pitchFamily="49" charset="0"/>
               </a:rPr>
-              <a:t>speed += </a:t>
-            </a:r>
-            <a:r>
-              <a:rPr lang="en-US" sz="1000" dirty="0" smtClean="0">
-                <a:solidFill>
-                  <a:schemeClr val="bg1"/>
-                </a:solidFill>
-                <a:latin typeface="Courier New" pitchFamily="49" charset="0"/>
-                <a:ea typeface="Calibri" pitchFamily="34" charset="0"/>
-                <a:cs typeface="Courier New" pitchFamily="49" charset="0"/>
-              </a:rPr>
-              <a:t>20;</a:t>
+              <a:t>            _speed += 20;</a:t>
             </a:r>
           </a:p>
           <a:p>
@@ -5325,21 +5379,10 @@
                 <a:ea typeface="Calibri" pitchFamily="34" charset="0"/>
                 <a:cs typeface="Courier New" pitchFamily="49" charset="0"/>
               </a:rPr>
-              <a:t> </a:t>
-            </a:r>
-            <a:r>
-              <a:rPr lang="en-US" sz="1000" dirty="0" smtClean="0">
-                <a:solidFill>
-                  <a:schemeClr val="bg1"/>
-                </a:solidFill>
-                <a:latin typeface="Courier New" pitchFamily="49" charset="0"/>
-                <a:ea typeface="Calibri" pitchFamily="34" charset="0"/>
-                <a:cs typeface="Courier New" pitchFamily="49" charset="0"/>
-              </a:rPr>
-              <a:t>           </a:t>
-            </a:r>
-            <a:r>
-              <a:rPr lang="en-US" sz="1000" dirty="0" err="1" smtClean="0">
+              <a:t>            </a:t>
+            </a:r>
+            <a:r>
+              <a:rPr lang="en-US" sz="1000" dirty="0" err="1">
                 <a:solidFill>
                   <a:schemeClr val="bg1"/>
                 </a:solidFill>
@@ -5428,20 +5471,9 @@
                 <a:ea typeface="Calibri" pitchFamily="34" charset="0"/>
                 <a:cs typeface="Courier New" pitchFamily="49" charset="0"/>
               </a:rPr>
-              <a:t>("Engine explode</a:t>
-            </a:r>
-            <a:r>
-              <a:rPr lang="en-US" sz="1000" dirty="0" smtClean="0">
-                <a:solidFill>
-                  <a:schemeClr val="bg1"/>
-                </a:solidFill>
-                <a:latin typeface="Courier New" pitchFamily="49" charset="0"/>
-                <a:ea typeface="Calibri" pitchFamily="34" charset="0"/>
-                <a:cs typeface="Courier New" pitchFamily="49" charset="0"/>
-              </a:rPr>
-              <a:t>...");</a:t>
-            </a:r>
-            <a:endParaRPr lang="ru-RU" sz="1000" dirty="0" smtClean="0">
+              <a:t>("Engine explode...");</a:t>
+            </a:r>
+            <a:endParaRPr lang="ru-RU" sz="1000" dirty="0">
               <a:solidFill>
                 <a:schemeClr val="bg1"/>
               </a:solidFill>
@@ -5455,7 +5487,7 @@
               <a:defRPr/>
             </a:pPr>
             <a:r>
-              <a:rPr lang="en-US" sz="1000" dirty="0" smtClean="0">
+              <a:rPr lang="en-US" sz="1000" dirty="0">
                 <a:solidFill>
                   <a:schemeClr val="bg1"/>
                 </a:solidFill>
@@ -5466,7 +5498,7 @@
               <a:t>                </a:t>
             </a:r>
             <a:r>
-              <a:rPr lang="be-BY" sz="1000" dirty="0" smtClean="0">
+              <a:rPr lang="be-BY" sz="1000" dirty="0">
                 <a:solidFill>
                   <a:schemeClr val="bg1"/>
                 </a:solidFill>
@@ -5477,7 +5509,7 @@
               <a:t>Explosion </a:t>
             </a:r>
             <a:r>
-              <a:rPr lang="en-US" sz="1000" dirty="0" smtClean="0">
+              <a:rPr lang="en-US" sz="1000" dirty="0">
                 <a:solidFill>
                   <a:schemeClr val="bg1"/>
                 </a:solidFill>
@@ -5488,7 +5520,7 @@
               <a:t>ex</a:t>
             </a:r>
             <a:r>
-              <a:rPr lang="be-BY" sz="1000" dirty="0" smtClean="0">
+              <a:rPr lang="be-BY" sz="1000" dirty="0">
                 <a:solidFill>
                   <a:schemeClr val="bg1"/>
                 </a:solidFill>
@@ -5507,20 +5539,154 @@
                 <a:ea typeface="Calibri" pitchFamily="34" charset="0"/>
                 <a:cs typeface="Courier New" pitchFamily="49" charset="0"/>
               </a:rPr>
-              <a:t> </a:t>
-            </a:r>
-            <a:r>
-              <a:rPr lang="en-US" sz="1000" dirty="0" smtClean="0">
-                <a:solidFill>
-                  <a:schemeClr val="bg1"/>
-                </a:solidFill>
-                <a:latin typeface="Courier New" pitchFamily="49" charset="0"/>
-                <a:ea typeface="Calibri" pitchFamily="34" charset="0"/>
-                <a:cs typeface="Courier New" pitchFamily="49" charset="0"/>
-              </a:rPr>
-              <a:t>= Explode;</a:t>
-            </a:r>
-            <a:endParaRPr lang="en-US" sz="1000" dirty="0">
+              <a:t> = Explode;</a:t>
+            </a:r>
+          </a:p>
+          <a:p>
+            <a:pPr eaLnBrk="0" hangingPunct="0">
+              <a:defRPr/>
+            </a:pPr>
+            <a:r>
+              <a:rPr lang="en-US" sz="1000" dirty="0">
+                <a:solidFill>
+                  <a:schemeClr val="bg1"/>
+                </a:solidFill>
+                <a:latin typeface="Courier New" pitchFamily="49" charset="0"/>
+                <a:ea typeface="Calibri" pitchFamily="34" charset="0"/>
+                <a:cs typeface="Courier New" pitchFamily="49" charset="0"/>
+              </a:rPr>
+              <a:t>                if (explode != null)</a:t>
+            </a:r>
+          </a:p>
+          <a:p>
+            <a:pPr eaLnBrk="0" hangingPunct="0">
+              <a:defRPr/>
+            </a:pPr>
+            <a:r>
+              <a:rPr lang="en-US" sz="1000" dirty="0">
+                <a:solidFill>
+                  <a:schemeClr val="bg1"/>
+                </a:solidFill>
+                <a:latin typeface="Courier New" pitchFamily="49" charset="0"/>
+                <a:ea typeface="Calibri" pitchFamily="34" charset="0"/>
+                <a:cs typeface="Courier New" pitchFamily="49" charset="0"/>
+              </a:rPr>
+              <a:t>                {</a:t>
+            </a:r>
+          </a:p>
+          <a:p>
+            <a:pPr eaLnBrk="0" hangingPunct="0">
+              <a:defRPr/>
+            </a:pPr>
+            <a:r>
+              <a:rPr lang="en-US" sz="1000" dirty="0">
+                <a:solidFill>
+                  <a:schemeClr val="bg1"/>
+                </a:solidFill>
+                <a:latin typeface="Courier New" pitchFamily="49" charset="0"/>
+                <a:ea typeface="Calibri" pitchFamily="34" charset="0"/>
+                <a:cs typeface="Courier New" pitchFamily="49" charset="0"/>
+              </a:rPr>
+              <a:t>                    </a:t>
+            </a:r>
+            <a:r>
+              <a:rPr lang="en-US" sz="1000" dirty="0" err="1">
+                <a:solidFill>
+                  <a:schemeClr val="bg1"/>
+                </a:solidFill>
+                <a:latin typeface="Courier New" pitchFamily="49" charset="0"/>
+                <a:ea typeface="Calibri" pitchFamily="34" charset="0"/>
+                <a:cs typeface="Courier New" pitchFamily="49" charset="0"/>
+              </a:rPr>
+              <a:t>explode.Invoke</a:t>
+            </a:r>
+            <a:r>
+              <a:rPr lang="en-US" sz="1000" dirty="0">
+                <a:solidFill>
+                  <a:schemeClr val="bg1"/>
+                </a:solidFill>
+                <a:latin typeface="Courier New" pitchFamily="49" charset="0"/>
+                <a:ea typeface="Calibri" pitchFamily="34" charset="0"/>
+                <a:cs typeface="Courier New" pitchFamily="49" charset="0"/>
+              </a:rPr>
+              <a:t>(); /</a:t>
+            </a:r>
+            <a:r>
+              <a:rPr lang="be-BY" sz="1000" dirty="0">
+                <a:solidFill>
+                  <a:schemeClr val="bg1"/>
+                </a:solidFill>
+                <a:latin typeface="Courier New" pitchFamily="49" charset="0"/>
+                <a:ea typeface="Calibri" pitchFamily="34" charset="0"/>
+                <a:cs typeface="Courier New" pitchFamily="49" charset="0"/>
+              </a:rPr>
+              <a:t>Шаг 3. Вызов (генерация) события</a:t>
+            </a:r>
+          </a:p>
+          <a:p>
+            <a:pPr eaLnBrk="0" hangingPunct="0">
+              <a:defRPr/>
+            </a:pPr>
+            <a:r>
+              <a:rPr lang="en-US" sz="1000" dirty="0">
+                <a:solidFill>
+                  <a:schemeClr val="bg1"/>
+                </a:solidFill>
+                <a:latin typeface="Courier New" pitchFamily="49" charset="0"/>
+                <a:ea typeface="Calibri" pitchFamily="34" charset="0"/>
+                <a:cs typeface="Courier New" pitchFamily="49" charset="0"/>
+              </a:rPr>
+              <a:t>                </a:t>
+            </a:r>
+            <a:r>
+              <a:rPr lang="be-BY" sz="1000" dirty="0">
+                <a:solidFill>
+                  <a:schemeClr val="bg1"/>
+                </a:solidFill>
+                <a:latin typeface="Courier New" pitchFamily="49" charset="0"/>
+                <a:ea typeface="Calibri" pitchFamily="34" charset="0"/>
+                <a:cs typeface="Courier New" pitchFamily="49" charset="0"/>
+              </a:rPr>
+              <a:t>}</a:t>
+            </a:r>
+          </a:p>
+          <a:p>
+            <a:pPr eaLnBrk="0" hangingPunct="0">
+              <a:defRPr/>
+            </a:pPr>
+            <a:r>
+              <a:rPr lang="be-BY" sz="1000" dirty="0">
+                <a:solidFill>
+                  <a:schemeClr val="bg1"/>
+                </a:solidFill>
+                <a:latin typeface="Courier New" pitchFamily="49" charset="0"/>
+                <a:ea typeface="Calibri" pitchFamily="34" charset="0"/>
+                <a:cs typeface="Courier New" pitchFamily="49" charset="0"/>
+              </a:rPr>
+              <a:t>            }</a:t>
+            </a:r>
+          </a:p>
+          <a:p>
+            <a:pPr eaLnBrk="0" hangingPunct="0">
+              <a:defRPr/>
+            </a:pPr>
+            <a:r>
+              <a:rPr lang="be-BY" sz="1000" dirty="0">
+                <a:solidFill>
+                  <a:schemeClr val="bg1"/>
+                </a:solidFill>
+                <a:latin typeface="Courier New" pitchFamily="49" charset="0"/>
+                <a:ea typeface="Calibri" pitchFamily="34" charset="0"/>
+                <a:cs typeface="Courier New" pitchFamily="49" charset="0"/>
+              </a:rPr>
+              <a:t>        }</a:t>
+            </a:r>
+          </a:p>
+          <a:p>
+            <a:pPr eaLnBrk="0" hangingPunct="0">
+              <a:defRPr/>
+            </a:pPr>
+            <a:endParaRPr lang="be-BY" sz="1000" dirty="0">
               <a:solidFill>
                 <a:schemeClr val="bg1"/>
               </a:solidFill>
@@ -5534,15 +5700,15 @@
               <a:defRPr/>
             </a:pPr>
             <a:r>
-              <a:rPr lang="en-US" sz="1000" dirty="0" smtClean="0">
-                <a:solidFill>
-                  <a:schemeClr val="bg1"/>
-                </a:solidFill>
-                <a:latin typeface="Courier New" pitchFamily="49" charset="0"/>
-                <a:ea typeface="Calibri" pitchFamily="34" charset="0"/>
-                <a:cs typeface="Courier New" pitchFamily="49" charset="0"/>
-              </a:rPr>
-              <a:t>                if (explode </a:t>
+              <a:rPr lang="be-BY" sz="1000" dirty="0">
+                <a:solidFill>
+                  <a:schemeClr val="bg1"/>
+                </a:solidFill>
+                <a:latin typeface="Courier New" pitchFamily="49" charset="0"/>
+                <a:ea typeface="Calibri" pitchFamily="34" charset="0"/>
+                <a:cs typeface="Courier New" pitchFamily="49" charset="0"/>
+              </a:rPr>
+              <a:t>        </a:t>
             </a:r>
             <a:r>
               <a:rPr lang="en-US" sz="1000" dirty="0">
@@ -5553,7 +5719,7 @@
                 <a:ea typeface="Calibri" pitchFamily="34" charset="0"/>
                 <a:cs typeface="Courier New" pitchFamily="49" charset="0"/>
               </a:rPr>
-              <a:t>!= null)</a:t>
+              <a:t>public void Repair()</a:t>
             </a:r>
           </a:p>
           <a:p>
@@ -5569,46 +5735,13 @@
                 <a:ea typeface="Calibri" pitchFamily="34" charset="0"/>
                 <a:cs typeface="Courier New" pitchFamily="49" charset="0"/>
               </a:rPr>
-              <a:t>                {</a:t>
-            </a:r>
-          </a:p>
-          <a:p>
-            <a:pPr eaLnBrk="0" hangingPunct="0">
-              <a:defRPr/>
-            </a:pPr>
-            <a:r>
-              <a:rPr lang="en-US" sz="1000" dirty="0" smtClean="0">
-                <a:solidFill>
-                  <a:schemeClr val="bg1"/>
-                </a:solidFill>
-                <a:latin typeface="Courier New" pitchFamily="49" charset="0"/>
-                <a:ea typeface="Calibri" pitchFamily="34" charset="0"/>
-                <a:cs typeface="Courier New" pitchFamily="49" charset="0"/>
-              </a:rPr>
-              <a:t>                    </a:t>
-            </a:r>
-            <a:r>
-              <a:rPr lang="en-US" sz="1000" dirty="0" err="1" smtClean="0">
-                <a:solidFill>
-                  <a:schemeClr val="bg1"/>
-                </a:solidFill>
-                <a:latin typeface="Courier New" pitchFamily="49" charset="0"/>
-                <a:ea typeface="Calibri" pitchFamily="34" charset="0"/>
-                <a:cs typeface="Courier New" pitchFamily="49" charset="0"/>
-              </a:rPr>
-              <a:t>explode.Invoke</a:t>
-            </a:r>
-            <a:r>
-              <a:rPr lang="en-US" sz="1000" dirty="0" smtClean="0">
-                <a:solidFill>
-                  <a:schemeClr val="bg1"/>
-                </a:solidFill>
-                <a:latin typeface="Courier New" pitchFamily="49" charset="0"/>
-                <a:ea typeface="Calibri" pitchFamily="34" charset="0"/>
-                <a:cs typeface="Courier New" pitchFamily="49" charset="0"/>
-              </a:rPr>
-              <a:t>(); </a:t>
-            </a:r>
+              <a:t>        {</a:t>
+            </a:r>
+          </a:p>
+          <a:p>
+            <a:pPr eaLnBrk="0" hangingPunct="0">
+              <a:defRPr/>
+            </a:pPr>
             <a:r>
               <a:rPr lang="en-US" sz="1000" dirty="0">
                 <a:solidFill>
@@ -5618,192 +5751,31 @@
                 <a:ea typeface="Calibri" pitchFamily="34" charset="0"/>
                 <a:cs typeface="Courier New" pitchFamily="49" charset="0"/>
               </a:rPr>
-              <a:t>/</a:t>
-            </a:r>
+              <a:t>            _speed = 0;</a:t>
+            </a:r>
+          </a:p>
+          <a:p>
+            <a:pPr eaLnBrk="0" hangingPunct="0">
+              <a:defRPr/>
+            </a:pPr>
+            <a:r>
+              <a:rPr lang="en-US" sz="1000" dirty="0">
+                <a:solidFill>
+                  <a:schemeClr val="bg1"/>
+                </a:solidFill>
+                <a:latin typeface="Courier New" pitchFamily="49" charset="0"/>
+                <a:ea typeface="Calibri" pitchFamily="34" charset="0"/>
+                <a:cs typeface="Courier New" pitchFamily="49" charset="0"/>
+              </a:rPr>
+              <a:t>        }</a:t>
+            </a:r>
+          </a:p>
+          <a:p>
+            <a:pPr eaLnBrk="0" hangingPunct="0">
+              <a:defRPr/>
+            </a:pPr>
             <a:r>
               <a:rPr lang="be-BY" sz="1000" dirty="0">
-                <a:solidFill>
-                  <a:schemeClr val="bg1"/>
-                </a:solidFill>
-                <a:latin typeface="Courier New" pitchFamily="49" charset="0"/>
-                <a:ea typeface="Calibri" pitchFamily="34" charset="0"/>
-                <a:cs typeface="Courier New" pitchFamily="49" charset="0"/>
-              </a:rPr>
-              <a:t>Шаг 3. Вызов (генерация) события</a:t>
-            </a:r>
-          </a:p>
-          <a:p>
-            <a:pPr eaLnBrk="0" hangingPunct="0">
-              <a:defRPr/>
-            </a:pPr>
-            <a:r>
-              <a:rPr lang="en-US" sz="1000" dirty="0" smtClean="0">
-                <a:solidFill>
-                  <a:schemeClr val="bg1"/>
-                </a:solidFill>
-                <a:latin typeface="Courier New" pitchFamily="49" charset="0"/>
-                <a:ea typeface="Calibri" pitchFamily="34" charset="0"/>
-                <a:cs typeface="Courier New" pitchFamily="49" charset="0"/>
-              </a:rPr>
-              <a:t>                </a:t>
-            </a:r>
-            <a:r>
-              <a:rPr lang="be-BY" sz="1000" dirty="0" smtClean="0">
-                <a:solidFill>
-                  <a:schemeClr val="bg1"/>
-                </a:solidFill>
-                <a:latin typeface="Courier New" pitchFamily="49" charset="0"/>
-                <a:ea typeface="Calibri" pitchFamily="34" charset="0"/>
-                <a:cs typeface="Courier New" pitchFamily="49" charset="0"/>
-              </a:rPr>
-              <a:t>}</a:t>
-            </a:r>
-            <a:endParaRPr lang="be-BY" sz="1000" dirty="0">
-              <a:solidFill>
-                <a:schemeClr val="bg1"/>
-              </a:solidFill>
-              <a:latin typeface="Courier New" pitchFamily="49" charset="0"/>
-              <a:ea typeface="Calibri" pitchFamily="34" charset="0"/>
-              <a:cs typeface="Courier New" pitchFamily="49" charset="0"/>
-            </a:endParaRPr>
-          </a:p>
-          <a:p>
-            <a:pPr eaLnBrk="0" hangingPunct="0">
-              <a:defRPr/>
-            </a:pPr>
-            <a:r>
-              <a:rPr lang="be-BY" sz="1000" dirty="0">
-                <a:solidFill>
-                  <a:schemeClr val="bg1"/>
-                </a:solidFill>
-                <a:latin typeface="Courier New" pitchFamily="49" charset="0"/>
-                <a:ea typeface="Calibri" pitchFamily="34" charset="0"/>
-                <a:cs typeface="Courier New" pitchFamily="49" charset="0"/>
-              </a:rPr>
-              <a:t>            }</a:t>
-            </a:r>
-          </a:p>
-          <a:p>
-            <a:pPr eaLnBrk="0" hangingPunct="0">
-              <a:defRPr/>
-            </a:pPr>
-            <a:r>
-              <a:rPr lang="be-BY" sz="1000" dirty="0">
-                <a:solidFill>
-                  <a:schemeClr val="bg1"/>
-                </a:solidFill>
-                <a:latin typeface="Courier New" pitchFamily="49" charset="0"/>
-                <a:ea typeface="Calibri" pitchFamily="34" charset="0"/>
-                <a:cs typeface="Courier New" pitchFamily="49" charset="0"/>
-              </a:rPr>
-              <a:t>        }</a:t>
-            </a:r>
-          </a:p>
-          <a:p>
-            <a:pPr eaLnBrk="0" hangingPunct="0">
-              <a:defRPr/>
-            </a:pPr>
-            <a:endParaRPr lang="be-BY" sz="1000" dirty="0">
-              <a:solidFill>
-                <a:schemeClr val="bg1"/>
-              </a:solidFill>
-              <a:latin typeface="Courier New" pitchFamily="49" charset="0"/>
-              <a:ea typeface="Calibri" pitchFamily="34" charset="0"/>
-              <a:cs typeface="Courier New" pitchFamily="49" charset="0"/>
-            </a:endParaRPr>
-          </a:p>
-          <a:p>
-            <a:pPr eaLnBrk="0" hangingPunct="0">
-              <a:defRPr/>
-            </a:pPr>
-            <a:r>
-              <a:rPr lang="be-BY" sz="1000" dirty="0">
-                <a:solidFill>
-                  <a:schemeClr val="bg1"/>
-                </a:solidFill>
-                <a:latin typeface="Courier New" pitchFamily="49" charset="0"/>
-                <a:ea typeface="Calibri" pitchFamily="34" charset="0"/>
-                <a:cs typeface="Courier New" pitchFamily="49" charset="0"/>
-              </a:rPr>
-              <a:t>        </a:t>
-            </a:r>
-            <a:r>
-              <a:rPr lang="en-US" sz="1000" dirty="0">
-                <a:solidFill>
-                  <a:schemeClr val="bg1"/>
-                </a:solidFill>
-                <a:latin typeface="Courier New" pitchFamily="49" charset="0"/>
-                <a:ea typeface="Calibri" pitchFamily="34" charset="0"/>
-                <a:cs typeface="Courier New" pitchFamily="49" charset="0"/>
-              </a:rPr>
-              <a:t>public void Repair()</a:t>
-            </a:r>
-          </a:p>
-          <a:p>
-            <a:pPr eaLnBrk="0" hangingPunct="0">
-              <a:defRPr/>
-            </a:pPr>
-            <a:r>
-              <a:rPr lang="en-US" sz="1000" dirty="0">
-                <a:solidFill>
-                  <a:schemeClr val="bg1"/>
-                </a:solidFill>
-                <a:latin typeface="Courier New" pitchFamily="49" charset="0"/>
-                <a:ea typeface="Calibri" pitchFamily="34" charset="0"/>
-                <a:cs typeface="Courier New" pitchFamily="49" charset="0"/>
-              </a:rPr>
-              <a:t>        {</a:t>
-            </a:r>
-          </a:p>
-          <a:p>
-            <a:pPr eaLnBrk="0" hangingPunct="0">
-              <a:defRPr/>
-            </a:pPr>
-            <a:r>
-              <a:rPr lang="en-US" sz="1000" dirty="0">
-                <a:solidFill>
-                  <a:schemeClr val="bg1"/>
-                </a:solidFill>
-                <a:latin typeface="Courier New" pitchFamily="49" charset="0"/>
-                <a:ea typeface="Calibri" pitchFamily="34" charset="0"/>
-                <a:cs typeface="Courier New" pitchFamily="49" charset="0"/>
-              </a:rPr>
-              <a:t>            _speed = 0;</a:t>
-            </a:r>
-          </a:p>
-          <a:p>
-            <a:pPr eaLnBrk="0" hangingPunct="0">
-              <a:defRPr/>
-            </a:pPr>
-            <a:r>
-              <a:rPr lang="en-US" sz="1000" dirty="0">
-                <a:solidFill>
-                  <a:schemeClr val="bg1"/>
-                </a:solidFill>
-                <a:latin typeface="Courier New" pitchFamily="49" charset="0"/>
-                <a:ea typeface="Calibri" pitchFamily="34" charset="0"/>
-                <a:cs typeface="Courier New" pitchFamily="49" charset="0"/>
-              </a:rPr>
-              <a:t>        </a:t>
-            </a:r>
-            <a:r>
-              <a:rPr lang="en-US" sz="1000" dirty="0" smtClean="0">
-                <a:solidFill>
-                  <a:schemeClr val="bg1"/>
-                </a:solidFill>
-                <a:latin typeface="Courier New" pitchFamily="49" charset="0"/>
-                <a:ea typeface="Calibri" pitchFamily="34" charset="0"/>
-                <a:cs typeface="Courier New" pitchFamily="49" charset="0"/>
-              </a:rPr>
-              <a:t>}</a:t>
-            </a:r>
-          </a:p>
-          <a:p>
-            <a:pPr eaLnBrk="0" hangingPunct="0">
-              <a:defRPr/>
-            </a:pPr>
-            <a:r>
-              <a:rPr lang="be-BY" sz="1000" dirty="0" smtClean="0">
                 <a:solidFill>
                   <a:schemeClr val="bg1"/>
                 </a:solidFill>
@@ -5833,17 +5805,10 @@
   <p:clrMapOvr>
     <a:masterClrMapping/>
   </p:clrMapOvr>
-  <p:timing>
-    <p:tnLst>
-      <p:par>
-        <p:cTn id="1" dur="indefinite" restart="never" nodeType="tmRoot"/>
-      </p:par>
-    </p:tnLst>
-  </p:timing>
 </p:sld>
 </file>
 
-<file path=ppt/slides/slide12.xml><?xml version="1.0" encoding="utf-8"?>
+<file path=ppt/slides/slide13.xml><?xml version="1.0" encoding="utf-8"?>
 <p:sld xmlns:a="http://schemas.openxmlformats.org/drawingml/2006/main" xmlns:r="http://schemas.openxmlformats.org/officeDocument/2006/relationships" xmlns:p="http://schemas.openxmlformats.org/presentationml/2006/main">
   <p:cSld>
     <p:bg>
@@ -6655,17 +6620,10 @@
   <p:clrMapOvr>
     <a:masterClrMapping/>
   </p:clrMapOvr>
-  <p:timing>
-    <p:tnLst>
-      <p:par>
-        <p:cTn id="1" dur="indefinite" restart="never" nodeType="tmRoot"/>
-      </p:par>
-    </p:tnLst>
-  </p:timing>
 </p:sld>
 </file>
 
-<file path=ppt/slides/slide13.xml><?xml version="1.0" encoding="utf-8"?>
+<file path=ppt/slides/slide14.xml><?xml version="1.0" encoding="utf-8"?>
 <p:sld xmlns:a="http://schemas.openxmlformats.org/drawingml/2006/main" xmlns:r="http://schemas.openxmlformats.org/officeDocument/2006/relationships" xmlns:p="http://schemas.openxmlformats.org/presentationml/2006/main" show="0">
   <p:cSld>
     <p:bg>
@@ -6890,40 +6848,28 @@
           <a:p>
             <a:pPr eaLnBrk="1" hangingPunct="1"/>
             <a:r>
-              <a:rPr lang="en-US" sz="1600" dirty="0" err="1" smtClean="0"/>
+              <a:rPr lang="en-US" sz="1600" dirty="0" err="1"/>
               <a:t>eventName</a:t>
             </a:r>
             <a:r>
-              <a:rPr lang="en-US" sz="1600" dirty="0" smtClean="0"/>
+              <a:rPr lang="en-US" sz="1600" dirty="0"/>
               <a:t>?.Invoke()</a:t>
             </a:r>
-            <a:endParaRPr lang="ru-RU" sz="1600" dirty="0" smtClean="0"/>
+            <a:endParaRPr lang="ru-RU" sz="1600" dirty="0"/>
           </a:p>
           <a:p>
             <a:pPr eaLnBrk="1" hangingPunct="1"/>
-            <a:endParaRPr lang="en-US" sz="1600" dirty="0" smtClean="0">
+            <a:endParaRPr lang="en-US" sz="1600" dirty="0">
               <a:hlinkClick r:id="rId2"/>
             </a:endParaRPr>
           </a:p>
           <a:p>
             <a:pPr eaLnBrk="1" hangingPunct="1"/>
-            <a:r>
-              <a:rPr lang="en-US" sz="1600" dirty="0" smtClean="0">
-                <a:hlinkClick r:id="rId2"/>
-              </a:rPr>
-              <a:t>http</a:t>
-            </a:r>
             <a:r>
               <a:rPr lang="en-US" sz="1600" dirty="0">
                 <a:hlinkClick r:id="rId2"/>
               </a:rPr>
-              <a:t>://</a:t>
-            </a:r>
-            <a:r>
-              <a:rPr lang="en-US" sz="1600" dirty="0" smtClean="0">
-                <a:hlinkClick r:id="rId2"/>
-              </a:rPr>
-              <a:t>msdn.microsoft.com/en-us/magazine/dn802602.aspx</a:t>
+              <a:t>http://msdn.microsoft.com/en-us/magazine/dn802602.aspx</a:t>
             </a:r>
             <a:endParaRPr lang="ru-RU" sz="1600" dirty="0"/>
           </a:p>
@@ -6939,25 +6885,10 @@
   <p:clrMapOvr>
     <a:masterClrMapping/>
   </p:clrMapOvr>
-  <mc:AlternateContent xmlns:mc="http://schemas.openxmlformats.org/markup-compatibility/2006" xmlns:p14="http://schemas.microsoft.com/office/powerpoint/2010/main">
-    <mc:Choice Requires="p14">
-      <p:transition spd="slow" p14:dur="2000"/>
-    </mc:Choice>
-    <mc:Fallback xmlns="">
-      <p:transition spd="slow"/>
-    </mc:Fallback>
-  </mc:AlternateContent>
-  <p:timing>
-    <p:tnLst>
-      <p:par>
-        <p:cTn id="1" dur="indefinite" restart="never" nodeType="tmRoot"/>
-      </p:par>
-    </p:tnLst>
-  </p:timing>
 </p:sld>
 </file>
 
-<file path=ppt/slides/slide14.xml><?xml version="1.0" encoding="utf-8"?>
+<file path=ppt/slides/slide15.xml><?xml version="1.0" encoding="utf-8"?>
 <p:sld xmlns:a="http://schemas.openxmlformats.org/drawingml/2006/main" xmlns:r="http://schemas.openxmlformats.org/officeDocument/2006/relationships" xmlns:p="http://schemas.openxmlformats.org/presentationml/2006/main">
   <p:cSld>
     <p:bg>
@@ -7004,7 +6935,7 @@
           <a:lstStyle/>
           <a:p>
             <a:r>
-              <a:rPr lang="ru-RU" dirty="0" smtClean="0">
+              <a:rPr lang="ru-RU" dirty="0">
                 <a:solidFill>
                   <a:schemeClr val="bg1"/>
                 </a:solidFill>
@@ -7038,18 +6969,13 @@
               <a:buNone/>
             </a:pPr>
             <a:r>
-              <a:rPr lang="ru-RU" dirty="0" smtClean="0">
+              <a:rPr lang="ru-RU" dirty="0">
                 <a:solidFill>
                   <a:schemeClr val="bg1"/>
                 </a:solidFill>
               </a:rPr>
               <a:t>?.</a:t>
             </a:r>
-            <a:endParaRPr lang="ru-RU" dirty="0">
-              <a:solidFill>
-                <a:schemeClr val="bg1"/>
-              </a:solidFill>
-            </a:endParaRPr>
           </a:p>
           <a:p>
             <a:endParaRPr lang="en-US" dirty="0"/>
@@ -7066,17 +6992,10 @@
   <p:clrMapOvr>
     <a:masterClrMapping/>
   </p:clrMapOvr>
-  <p:timing>
-    <p:tnLst>
-      <p:par>
-        <p:cTn id="1" dur="indefinite" restart="never" nodeType="tmRoot"/>
-      </p:par>
-    </p:tnLst>
-  </p:timing>
 </p:sld>
 </file>
 
-<file path=ppt/slides/slide15.xml><?xml version="1.0" encoding="utf-8"?>
+<file path=ppt/slides/slide16.xml><?xml version="1.0" encoding="utf-8"?>
 <p:sld xmlns:a="http://schemas.openxmlformats.org/drawingml/2006/main" xmlns:r="http://schemas.openxmlformats.org/officeDocument/2006/relationships" xmlns:p="http://schemas.openxmlformats.org/presentationml/2006/main">
   <p:cSld>
     <p:bg>
@@ -7155,23 +7074,23 @@
           <a:p>
             <a:pPr algn="ctr"/>
             <a:r>
-              <a:rPr lang="ru-RU" sz="2400" b="1" dirty="0" smtClean="0"/>
+              <a:rPr lang="ru-RU" sz="2400" b="1" dirty="0"/>
               <a:t>Делегаты </a:t>
             </a:r>
             <a:r>
-              <a:rPr lang="en-US" sz="2400" b="1" dirty="0" err="1" smtClean="0"/>
+              <a:rPr lang="en-US" sz="2400" b="1" dirty="0" err="1"/>
               <a:t>System.Action</a:t>
             </a:r>
             <a:r>
-              <a:rPr lang="en-US" sz="2400" b="1" dirty="0" smtClean="0"/>
+              <a:rPr lang="en-US" sz="2400" b="1" dirty="0"/>
               <a:t> </a:t>
             </a:r>
             <a:r>
-              <a:rPr lang="ru-RU" sz="2400" b="1" dirty="0" smtClean="0"/>
+              <a:rPr lang="ru-RU" sz="2400" b="1" dirty="0"/>
               <a:t>и </a:t>
             </a:r>
             <a:r>
-              <a:rPr lang="en-US" sz="2400" b="1" dirty="0" err="1" smtClean="0"/>
+              <a:rPr lang="en-US" sz="2400" b="1" dirty="0" err="1"/>
               <a:t>System.Func</a:t>
             </a:r>
             <a:endParaRPr lang="ru-RU" sz="2400" b="1" dirty="0"/>
@@ -7326,23 +7245,23 @@
               <a:buChar char="•"/>
             </a:pPr>
             <a:r>
-              <a:rPr lang="ru-RU" sz="1400" dirty="0" smtClean="0">
-                <a:solidFill>
-                  <a:schemeClr val="bg1"/>
-                </a:solidFill>
-              </a:rPr>
-              <a:t>Делегат</a:t>
-            </a:r>
-            <a:r>
               <a:rPr lang="ru-RU" sz="1400" dirty="0">
                 <a:solidFill>
                   <a:schemeClr val="bg1"/>
                 </a:solidFill>
               </a:rPr>
-              <a:t>ы</a:t>
-            </a:r>
-            <a:r>
-              <a:rPr lang="ru-RU" sz="1400" dirty="0" smtClean="0">
+              <a:t>Делегаты </a:t>
+            </a:r>
+            <a:r>
+              <a:rPr lang="en-US" sz="1400" dirty="0" err="1">
+                <a:solidFill>
+                  <a:schemeClr val="bg1"/>
+                </a:solidFill>
+              </a:rPr>
+              <a:t>System.Action</a:t>
+            </a:r>
+            <a:r>
+              <a:rPr lang="en-US" sz="1400" dirty="0">
                 <a:solidFill>
                   <a:schemeClr val="bg1"/>
                 </a:solidFill>
@@ -7350,30 +7269,14 @@
               <a:t> </a:t>
             </a:r>
             <a:r>
-              <a:rPr lang="en-US" sz="1400" dirty="0" err="1" smtClean="0">
-                <a:solidFill>
-                  <a:schemeClr val="bg1"/>
-                </a:solidFill>
-              </a:rPr>
-              <a:t>System.Action</a:t>
-            </a:r>
-            <a:r>
-              <a:rPr lang="en-US" sz="1400" dirty="0" smtClean="0">
-                <a:solidFill>
-                  <a:schemeClr val="bg1"/>
-                </a:solidFill>
-              </a:rPr>
-              <a:t> </a:t>
-            </a:r>
-            <a:r>
-              <a:rPr lang="ru-RU" sz="1400" dirty="0" smtClean="0">
+              <a:rPr lang="ru-RU" sz="1400" dirty="0">
                 <a:solidFill>
                   <a:schemeClr val="bg1"/>
                 </a:solidFill>
               </a:rPr>
               <a:t>описывают функцию без возвращаемого значения с количеством аргументов от 0 до 16.</a:t>
             </a:r>
-            <a:endParaRPr lang="en-US" sz="1400" dirty="0" smtClean="0">
+            <a:endParaRPr lang="en-US" sz="1400" dirty="0">
               <a:solidFill>
                 <a:schemeClr val="bg1"/>
               </a:solidFill>
@@ -7385,7 +7288,7 @@
               <a:buChar char="•"/>
             </a:pPr>
             <a:r>
-              <a:rPr lang="en-US" sz="1400" dirty="0" smtClean="0">
+              <a:rPr lang="en-US" sz="1400" dirty="0">
                 <a:solidFill>
                   <a:schemeClr val="bg1"/>
                 </a:solidFill>
@@ -7399,7 +7302,7 @@
               <a:buChar char="•"/>
             </a:pPr>
             <a:r>
-              <a:rPr lang="en-US" sz="1400" dirty="0" smtClean="0">
+              <a:rPr lang="en-US" sz="1400" dirty="0">
                 <a:solidFill>
                   <a:schemeClr val="bg1"/>
                 </a:solidFill>
@@ -7413,7 +7316,7 @@
               <a:buChar char="•"/>
             </a:pPr>
             <a:r>
-              <a:rPr lang="en-US" sz="1400" dirty="0" smtClean="0">
+              <a:rPr lang="en-US" sz="1400" dirty="0">
                 <a:solidFill>
                   <a:schemeClr val="bg1"/>
                 </a:solidFill>
@@ -7432,15 +7335,7 @@
                   <a:schemeClr val="bg1"/>
                 </a:solidFill>
               </a:rPr>
-              <a:t>Action&lt;T1, </a:t>
-            </a:r>
-            <a:r>
-              <a:rPr lang="en-US" sz="1400" dirty="0" smtClean="0">
-                <a:solidFill>
-                  <a:schemeClr val="bg1"/>
-                </a:solidFill>
-              </a:rPr>
-              <a:t>T2, T3&gt;</a:t>
+              <a:t>Action&lt;T1, T2, T3&gt;</a:t>
             </a:r>
           </a:p>
           <a:p>
@@ -7449,7 +7344,7 @@
               <a:buChar char="•"/>
             </a:pPr>
             <a:r>
-              <a:rPr lang="en-US" sz="1400" dirty="0" smtClean="0">
+              <a:rPr lang="en-US" sz="1400" dirty="0">
                 <a:solidFill>
                   <a:schemeClr val="bg1"/>
                 </a:solidFill>
@@ -7468,15 +7363,7 @@
                   <a:schemeClr val="bg1"/>
                 </a:solidFill>
               </a:rPr>
-              <a:t>Action&lt;T1, T2, </a:t>
-            </a:r>
-            <a:r>
-              <a:rPr lang="en-US" sz="1400" dirty="0" smtClean="0">
-                <a:solidFill>
-                  <a:schemeClr val="bg1"/>
-                </a:solidFill>
-              </a:rPr>
-              <a:t>T3, T4, T5, T6, T7, T8, T9, T10, T11, T12, T13, T14, T15, T16&gt;</a:t>
+              <a:t>Action&lt;T1, T2, T3, T4, T5, T6, T7, T8, T9, T10, T11, T12, T13, T14, T15, T16&gt;</a:t>
             </a:r>
           </a:p>
           <a:p>
@@ -7485,7 +7372,7 @@
               <a:buChar char="•"/>
             </a:pPr>
             <a:r>
-              <a:rPr lang="ru-RU" sz="1400" dirty="0" smtClean="0">
+              <a:rPr lang="ru-RU" sz="1400" dirty="0">
                 <a:solidFill>
                   <a:schemeClr val="bg1"/>
                 </a:solidFill>
@@ -7493,7 +7380,7 @@
               <a:t>Делегаты </a:t>
             </a:r>
             <a:r>
-              <a:rPr lang="en-US" sz="1400" dirty="0" err="1" smtClean="0">
+              <a:rPr lang="en-US" sz="1400" dirty="0" err="1">
                 <a:solidFill>
                   <a:schemeClr val="bg1"/>
                 </a:solidFill>
@@ -7501,7 +7388,7 @@
               <a:t>System.Func</a:t>
             </a:r>
             <a:r>
-              <a:rPr lang="en-US" sz="1400" dirty="0" smtClean="0">
+              <a:rPr lang="en-US" sz="1400" dirty="0">
                 <a:solidFill>
                   <a:schemeClr val="bg1"/>
                 </a:solidFill>
@@ -7509,46 +7396,14 @@
               <a:t> </a:t>
             </a:r>
             <a:r>
-              <a:rPr lang="ru-RU" sz="1400" dirty="0" smtClean="0">
-                <a:solidFill>
-                  <a:schemeClr val="bg1"/>
-                </a:solidFill>
-              </a:rPr>
-              <a:t>описывают </a:t>
-            </a:r>
-            <a:r>
               <a:rPr lang="ru-RU" sz="1400" dirty="0">
                 <a:solidFill>
                   <a:schemeClr val="bg1"/>
                 </a:solidFill>
               </a:rPr>
-              <a:t>функцию </a:t>
-            </a:r>
-            <a:r>
-              <a:rPr lang="ru-RU" sz="1400" dirty="0" smtClean="0">
-                <a:solidFill>
-                  <a:schemeClr val="bg1"/>
-                </a:solidFill>
-              </a:rPr>
-              <a:t>с возвращаемым значением с количеством </a:t>
-            </a:r>
-            <a:r>
-              <a:rPr lang="ru-RU" sz="1400" dirty="0">
-                <a:solidFill>
-                  <a:schemeClr val="bg1"/>
-                </a:solidFill>
-              </a:rPr>
-              <a:t>аргументов от 0 до </a:t>
-            </a:r>
-            <a:r>
-              <a:rPr lang="ru-RU" sz="1400" dirty="0" smtClean="0">
-                <a:solidFill>
-                  <a:schemeClr val="bg1"/>
-                </a:solidFill>
-              </a:rPr>
-              <a:t>16.</a:t>
-            </a:r>
-            <a:endParaRPr lang="en-US" sz="1400" dirty="0" smtClean="0">
+              <a:t>описывают функцию с возвращаемым значением с количеством аргументов от 0 до 16.</a:t>
+            </a:r>
+            <a:endParaRPr lang="en-US" sz="1400" dirty="0">
               <a:solidFill>
                 <a:schemeClr val="bg1"/>
               </a:solidFill>
@@ -7560,7 +7415,7 @@
               <a:buChar char="•"/>
             </a:pPr>
             <a:r>
-              <a:rPr lang="en-US" sz="1400" dirty="0" err="1" smtClean="0">
+              <a:rPr lang="en-US" sz="1400" dirty="0" err="1">
                 <a:solidFill>
                   <a:schemeClr val="bg1"/>
                 </a:solidFill>
@@ -7568,7 +7423,7 @@
               <a:t>Func</a:t>
             </a:r>
             <a:r>
-              <a:rPr lang="en-US" sz="1400" dirty="0" smtClean="0">
+              <a:rPr lang="en-US" sz="1400" dirty="0">
                 <a:solidFill>
                   <a:schemeClr val="bg1"/>
                 </a:solidFill>
@@ -7576,7 +7431,7 @@
               <a:t>&lt;</a:t>
             </a:r>
             <a:r>
-              <a:rPr lang="en-US" sz="1400" dirty="0" err="1" smtClean="0">
+              <a:rPr lang="en-US" sz="1400" dirty="0" err="1">
                 <a:solidFill>
                   <a:schemeClr val="bg1"/>
                 </a:solidFill>
@@ -7584,18 +7439,13 @@
               <a:t>TResult</a:t>
             </a:r>
             <a:r>
-              <a:rPr lang="en-US" sz="1400" dirty="0" smtClean="0">
+              <a:rPr lang="en-US" sz="1400" dirty="0">
                 <a:solidFill>
                   <a:schemeClr val="bg1"/>
                 </a:solidFill>
               </a:rPr>
               <a:t>&gt;</a:t>
             </a:r>
-            <a:endParaRPr lang="en-US" sz="1400" dirty="0">
-              <a:solidFill>
-                <a:schemeClr val="bg1"/>
-              </a:solidFill>
-            </a:endParaRPr>
           </a:p>
           <a:p>
             <a:pPr marL="1028700" lvl="1" eaLnBrk="1" hangingPunct="1">
@@ -7603,7 +7453,7 @@
               <a:buChar char="•"/>
             </a:pPr>
             <a:r>
-              <a:rPr lang="en-US" sz="1400" dirty="0" err="1" smtClean="0">
+              <a:rPr lang="en-US" sz="1400" dirty="0" err="1">
                 <a:solidFill>
                   <a:schemeClr val="bg1"/>
                 </a:solidFill>
@@ -7611,7 +7461,7 @@
               <a:t>Func</a:t>
             </a:r>
             <a:r>
-              <a:rPr lang="en-US" sz="1400" dirty="0" smtClean="0">
+              <a:rPr lang="en-US" sz="1400" dirty="0">
                 <a:solidFill>
                   <a:schemeClr val="bg1"/>
                 </a:solidFill>
@@ -7619,7 +7469,7 @@
               <a:t>&lt;T, </a:t>
             </a:r>
             <a:r>
-              <a:rPr lang="en-US" sz="1400" dirty="0" err="1" smtClean="0">
+              <a:rPr lang="en-US" sz="1400" dirty="0" err="1">
                 <a:solidFill>
                   <a:schemeClr val="bg1"/>
                 </a:solidFill>
@@ -7641,7 +7491,7 @@
               <a:buChar char="•"/>
             </a:pPr>
             <a:r>
-              <a:rPr lang="en-US" sz="1400" dirty="0" err="1" smtClean="0">
+              <a:rPr lang="en-US" sz="1400" dirty="0" err="1">
                 <a:solidFill>
                   <a:schemeClr val="bg1"/>
                 </a:solidFill>
@@ -7649,7 +7499,7 @@
               <a:t>Func</a:t>
             </a:r>
             <a:r>
-              <a:rPr lang="en-US" sz="1400" dirty="0" smtClean="0">
+              <a:rPr lang="en-US" sz="1400" dirty="0">
                 <a:solidFill>
                   <a:schemeClr val="bg1"/>
                 </a:solidFill>
@@ -7657,7 +7507,7 @@
               <a:t>&lt;T1, T2, </a:t>
             </a:r>
             <a:r>
-              <a:rPr lang="en-US" sz="1400" dirty="0" err="1" smtClean="0">
+              <a:rPr lang="en-US" sz="1400" dirty="0" err="1">
                 <a:solidFill>
                   <a:schemeClr val="bg1"/>
                 </a:solidFill>
@@ -7679,7 +7529,7 @@
               <a:buChar char="•"/>
             </a:pPr>
             <a:r>
-              <a:rPr lang="en-US" sz="1400" dirty="0" err="1" smtClean="0">
+              <a:rPr lang="en-US" sz="1400" dirty="0" err="1">
                 <a:solidFill>
                   <a:schemeClr val="bg1"/>
                 </a:solidFill>
@@ -7687,20 +7537,12 @@
               <a:t>Func</a:t>
             </a:r>
             <a:r>
-              <a:rPr lang="en-US" sz="1400" dirty="0" smtClean="0">
-                <a:solidFill>
-                  <a:schemeClr val="bg1"/>
-                </a:solidFill>
-              </a:rPr>
-              <a:t>&lt;T1</a:t>
-            </a:r>
-            <a:r>
               <a:rPr lang="en-US" sz="1400" dirty="0">
                 <a:solidFill>
                   <a:schemeClr val="bg1"/>
                 </a:solidFill>
               </a:rPr>
-              <a:t>, T2, T3, </a:t>
+              <a:t>&lt;T1, T2, T3, </a:t>
             </a:r>
             <a:r>
               <a:rPr lang="en-US" sz="1400" dirty="0" err="1">
@@ -7739,7 +7581,7 @@
               <a:buChar char="•"/>
             </a:pPr>
             <a:r>
-              <a:rPr lang="en-US" sz="1400" dirty="0" err="1" smtClean="0">
+              <a:rPr lang="en-US" sz="1400" dirty="0" err="1">
                 <a:solidFill>
                   <a:schemeClr val="bg1"/>
                 </a:solidFill>
@@ -7747,20 +7589,12 @@
               <a:t>Func</a:t>
             </a:r>
             <a:r>
-              <a:rPr lang="en-US" sz="1400" dirty="0" smtClean="0">
-                <a:solidFill>
-                  <a:schemeClr val="bg1"/>
-                </a:solidFill>
-              </a:rPr>
-              <a:t>&lt;T1</a:t>
-            </a:r>
-            <a:r>
               <a:rPr lang="en-US" sz="1400" dirty="0">
                 <a:solidFill>
                   <a:schemeClr val="bg1"/>
                 </a:solidFill>
               </a:rPr>
-              <a:t>, T2, T3, T4, T5, T6, T7, T8, T9, T10, T11, T12, T13, T14, T15, T16, </a:t>
+              <a:t>&lt;T1, T2, T3, T4, T5, T6, T7, T8, T9, T10, T11, T12, T13, T14, T15, T16, </a:t>
             </a:r>
             <a:r>
               <a:rPr lang="en-US" sz="1400" dirty="0" err="1">
@@ -7778,11 +7612,6 @@
               </a:rPr>
               <a:t>&gt;</a:t>
             </a:r>
-            <a:endParaRPr lang="en-US" sz="1400" dirty="0" smtClean="0">
-              <a:solidFill>
-                <a:schemeClr val="bg1"/>
-              </a:solidFill>
-            </a:endParaRPr>
           </a:p>
           <a:p>
             <a:pPr marL="285750" eaLnBrk="1" hangingPunct="1"/>
@@ -7795,7 +7624,7 @@
           <a:p>
             <a:pPr eaLnBrk="1" hangingPunct="1"/>
             <a:r>
-              <a:rPr lang="ru-RU" sz="1400" dirty="0" smtClean="0">
+              <a:rPr lang="ru-RU" sz="1400" dirty="0">
                 <a:solidFill>
                   <a:schemeClr val="bg1"/>
                 </a:solidFill>
@@ -7803,7 +7632,7 @@
               <a:t>Где </a:t>
             </a:r>
             <a:r>
-              <a:rPr lang="en-US" sz="1400" dirty="0" smtClean="0">
+              <a:rPr lang="en-US" sz="1400" dirty="0">
                 <a:solidFill>
                   <a:schemeClr val="bg1"/>
                 </a:solidFill>
@@ -7811,7 +7640,7 @@
               <a:t>T1, T2, ,,, T16 </a:t>
             </a:r>
             <a:r>
-              <a:rPr lang="ru-RU" sz="1400" dirty="0" smtClean="0">
+              <a:rPr lang="ru-RU" sz="1400" dirty="0">
                 <a:solidFill>
                   <a:schemeClr val="bg1"/>
                 </a:solidFill>
@@ -7819,31 +7648,15 @@
               <a:t>– тип аргумента, </a:t>
             </a:r>
             <a:r>
-              <a:rPr lang="en-US" sz="1400" dirty="0" err="1" smtClean="0">
-                <a:solidFill>
-                  <a:schemeClr val="bg1"/>
-                </a:solidFill>
-              </a:rPr>
-              <a:t>T</a:t>
-            </a:r>
-            <a:r>
               <a:rPr lang="en-US" sz="1400" dirty="0" err="1">
                 <a:solidFill>
                   <a:schemeClr val="bg1"/>
                 </a:solidFill>
               </a:rPr>
-              <a:t>R</a:t>
-            </a:r>
-            <a:r>
-              <a:rPr lang="en-US" sz="1400" dirty="0" err="1" smtClean="0">
-                <a:solidFill>
-                  <a:schemeClr val="bg1"/>
-                </a:solidFill>
-              </a:rPr>
-              <a:t>esult</a:t>
-            </a:r>
-            <a:r>
-              <a:rPr lang="en-US" sz="1400" dirty="0" smtClean="0">
+              <a:t>TResult</a:t>
+            </a:r>
+            <a:r>
+              <a:rPr lang="en-US" sz="1400" dirty="0">
                 <a:solidFill>
                   <a:schemeClr val="bg1"/>
                 </a:solidFill>
@@ -7851,18 +7664,13 @@
               <a:t> </a:t>
             </a:r>
             <a:r>
-              <a:rPr lang="ru-RU" sz="1400" dirty="0" smtClean="0">
+              <a:rPr lang="ru-RU" sz="1400" dirty="0">
                 <a:solidFill>
                   <a:schemeClr val="bg1"/>
                 </a:solidFill>
               </a:rPr>
               <a:t>тип возвращаемого значения.</a:t>
             </a:r>
-            <a:endParaRPr lang="ru-RU" sz="1400" dirty="0">
-              <a:solidFill>
-                <a:schemeClr val="bg1"/>
-              </a:solidFill>
-            </a:endParaRPr>
           </a:p>
         </p:txBody>
       </p:sp>
@@ -7876,17 +7684,10 @@
   <p:clrMapOvr>
     <a:masterClrMapping/>
   </p:clrMapOvr>
-  <p:timing>
-    <p:tnLst>
-      <p:par>
-        <p:cTn id="1" dur="indefinite" restart="never" nodeType="tmRoot"/>
-      </p:par>
-    </p:tnLst>
-  </p:timing>
 </p:sld>
 </file>
 
-<file path=ppt/slides/slide16.xml><?xml version="1.0" encoding="utf-8"?>
+<file path=ppt/slides/slide17.xml><?xml version="1.0" encoding="utf-8"?>
 <p:sld xmlns:a="http://schemas.openxmlformats.org/drawingml/2006/main" xmlns:r="http://schemas.openxmlformats.org/officeDocument/2006/relationships" xmlns:p="http://schemas.openxmlformats.org/presentationml/2006/main">
   <p:cSld>
     <p:bg>
@@ -7965,35 +7766,35 @@
           <a:p>
             <a:pPr algn="ctr"/>
             <a:r>
-              <a:rPr lang="ru-RU" sz="2400" b="1" dirty="0" smtClean="0"/>
+              <a:rPr lang="ru-RU" sz="2400" b="1" dirty="0"/>
               <a:t>Делегаты </a:t>
             </a:r>
             <a:r>
-              <a:rPr lang="en-US" sz="2400" b="1" dirty="0" err="1" smtClean="0"/>
+              <a:rPr lang="en-US" sz="2400" b="1" dirty="0" err="1"/>
               <a:t>System.EventHandler</a:t>
             </a:r>
             <a:r>
-              <a:rPr lang="en-US" sz="2400" b="1" dirty="0" smtClean="0"/>
+              <a:rPr lang="en-US" sz="2400" b="1" dirty="0"/>
               <a:t> </a:t>
             </a:r>
             <a:r>
-              <a:rPr lang="ru-RU" sz="2400" b="1" dirty="0" smtClean="0"/>
+              <a:rPr lang="ru-RU" sz="2400" b="1" dirty="0"/>
               <a:t>и </a:t>
             </a:r>
             <a:r>
-              <a:rPr lang="en-US" sz="2400" b="1" dirty="0" err="1" smtClean="0"/>
+              <a:rPr lang="en-US" sz="2400" b="1" dirty="0" err="1"/>
               <a:t>System.EventHandler</a:t>
             </a:r>
             <a:r>
-              <a:rPr lang="en-US" sz="2400" b="1" dirty="0" smtClean="0"/>
+              <a:rPr lang="en-US" sz="2400" b="1" dirty="0"/>
               <a:t>&lt;</a:t>
             </a:r>
             <a:r>
-              <a:rPr lang="en-US" sz="2400" b="1" dirty="0" err="1" smtClean="0"/>
+              <a:rPr lang="en-US" sz="2400" b="1" dirty="0" err="1"/>
               <a:t>TEventArgs</a:t>
             </a:r>
             <a:r>
-              <a:rPr lang="en-US" sz="2400" b="1" dirty="0" smtClean="0"/>
+              <a:rPr lang="en-US" sz="2400" b="1" dirty="0"/>
               <a:t>&gt;</a:t>
             </a:r>
             <a:endParaRPr lang="ru-RU" sz="2400" b="1" dirty="0"/>
@@ -8145,31 +7946,15 @@
           <a:p>
             <a:pPr eaLnBrk="1" hangingPunct="1"/>
             <a:r>
-              <a:rPr lang="ru-RU" sz="1600" dirty="0" smtClean="0">
-                <a:solidFill>
-                  <a:schemeClr val="bg1"/>
-                </a:solidFill>
-              </a:rPr>
-              <a:t>Для </a:t>
-            </a:r>
-            <a:r>
               <a:rPr lang="ru-RU" sz="1600" dirty="0">
                 <a:solidFill>
                   <a:schemeClr val="bg1"/>
                 </a:solidFill>
               </a:rPr>
-              <a:t>обработки событий в </a:t>
-            </a:r>
-            <a:r>
-              <a:rPr lang="ru-RU" sz="1600" dirty="0" smtClean="0">
-                <a:solidFill>
-                  <a:schemeClr val="bg1"/>
-                </a:solidFill>
-              </a:rPr>
-              <a:t>приложениях </a:t>
-            </a:r>
-            <a:r>
-              <a:rPr lang="en-US" sz="1600" dirty="0" smtClean="0">
+              <a:t>Для обработки событий в приложениях </a:t>
+            </a:r>
+            <a:r>
+              <a:rPr lang="en-US" sz="1600" dirty="0">
                 <a:solidFill>
                   <a:schemeClr val="bg1"/>
                 </a:solidFill>
@@ -8177,20 +7962,12 @@
               <a:t>Windows Forms</a:t>
             </a:r>
             <a:r>
-              <a:rPr lang="ru-RU" sz="1600" dirty="0" smtClean="0">
-                <a:solidFill>
-                  <a:schemeClr val="bg1"/>
-                </a:solidFill>
-              </a:rPr>
-              <a:t> </a:t>
-            </a:r>
-            <a:r>
               <a:rPr lang="ru-RU" sz="1600" dirty="0">
                 <a:solidFill>
                   <a:schemeClr val="bg1"/>
                 </a:solidFill>
               </a:rPr>
-              <a:t>применяются готовые делегаты</a:t>
+              <a:t> применяются готовые делегаты</a:t>
             </a:r>
             <a:r>
               <a:rPr lang="en-US" sz="1600" dirty="0">
@@ -8705,17 +8482,10 @@
   <p:clrMapOvr>
     <a:masterClrMapping/>
   </p:clrMapOvr>
-  <p:timing>
-    <p:tnLst>
-      <p:par>
-        <p:cTn id="1" dur="indefinite" restart="never" nodeType="tmRoot"/>
-      </p:par>
-    </p:tnLst>
-  </p:timing>
 </p:sld>
 </file>
 
-<file path=ppt/slides/slide17.xml><?xml version="1.0" encoding="utf-8"?>
+<file path=ppt/slides/slide18.xml><?xml version="1.0" encoding="utf-8"?>
 <p:sld xmlns:a="http://schemas.openxmlformats.org/drawingml/2006/main" xmlns:r="http://schemas.openxmlformats.org/officeDocument/2006/relationships" xmlns:p="http://schemas.openxmlformats.org/presentationml/2006/main">
   <p:cSld>
     <p:bg>
@@ -9741,17 +9511,10 @@
   <p:clrMapOvr>
     <a:masterClrMapping/>
   </p:clrMapOvr>
-  <p:timing>
-    <p:tnLst>
-      <p:par>
-        <p:cTn id="1" dur="indefinite" restart="never" nodeType="tmRoot"/>
-      </p:par>
-    </p:tnLst>
-  </p:timing>
 </p:sld>
 </file>
 
-<file path=ppt/slides/slide18.xml><?xml version="1.0" encoding="utf-8"?>
+<file path=ppt/slides/slide19.xml><?xml version="1.0" encoding="utf-8"?>
 <p:sld xmlns:a="http://schemas.openxmlformats.org/drawingml/2006/main" xmlns:r="http://schemas.openxmlformats.org/officeDocument/2006/relationships" xmlns:p="http://schemas.openxmlformats.org/presentationml/2006/main">
   <p:cSld>
     <p:bg>
@@ -9830,10 +9593,9 @@
           <a:p>
             <a:pPr algn="ctr"/>
             <a:r>
-              <a:rPr lang="ru-RU" sz="2400" b="1" dirty="0" smtClean="0"/>
+              <a:rPr lang="ru-RU" sz="2400" b="1" dirty="0"/>
               <a:t>Создание типов с большим количеством событий.</a:t>
             </a:r>
-            <a:endParaRPr lang="ru-RU" sz="2400" b="1" dirty="0"/>
           </a:p>
         </p:txBody>
       </p:sp>
@@ -9982,34 +9744,33 @@
           <a:p>
             <a:pPr eaLnBrk="1" hangingPunct="1"/>
             <a:r>
-              <a:rPr lang="ru-RU" sz="1600" dirty="0" smtClean="0"/>
+              <a:rPr lang="ru-RU" sz="1600" dirty="0"/>
               <a:t>Если вы пишете класс с большим количеством событий, то вместо объявления событий по отдельности лучше использовать класс </a:t>
             </a:r>
             <a:r>
-              <a:rPr lang="en-US" sz="1600" dirty="0" err="1" smtClean="0"/>
+              <a:rPr lang="en-US" sz="1600" dirty="0" err="1"/>
               <a:t>System.ComponentModel.EventHandlerList</a:t>
             </a:r>
             <a:r>
-              <a:rPr lang="en-US" sz="1600" dirty="0" smtClean="0"/>
+              <a:rPr lang="en-US" sz="1600" dirty="0"/>
               <a:t>. </a:t>
             </a:r>
             <a:r>
-              <a:rPr lang="ru-RU" sz="1600" dirty="0" smtClean="0"/>
+              <a:rPr lang="ru-RU" sz="1600" dirty="0"/>
               <a:t>Это позволит съэкономить память выделяемую под каждый экземпляр. Также можно использовать класс </a:t>
             </a:r>
             <a:r>
-              <a:rPr lang="en-US" sz="1600" dirty="0" err="1" smtClean="0"/>
+              <a:rPr lang="en-US" sz="1600" dirty="0" err="1"/>
               <a:t>EventSet</a:t>
             </a:r>
             <a:r>
-              <a:rPr lang="en-US" sz="1600" dirty="0" smtClean="0"/>
+              <a:rPr lang="en-US" sz="1600" dirty="0"/>
               <a:t> </a:t>
             </a:r>
             <a:r>
-              <a:rPr lang="ru-RU" sz="1600" dirty="0" smtClean="0"/>
+              <a:rPr lang="ru-RU" sz="1600" dirty="0"/>
               <a:t>из книги Джеффри Рихтера.</a:t>
             </a:r>
-            <a:endParaRPr lang="ru-RU" sz="1600" dirty="0"/>
           </a:p>
         </p:txBody>
       </p:sp>
@@ -10122,7 +9883,7 @@
           </a:p>
           <a:p>
             <a:r>
-              <a:rPr lang="en-US" sz="1200" dirty="0" smtClean="0">
+              <a:rPr lang="en-US" sz="1200" dirty="0">
                 <a:solidFill>
                   <a:prstClr val="black"/>
                 </a:solidFill>
@@ -10132,7 +9893,7 @@
               <a:t>    </a:t>
             </a:r>
             <a:r>
-              <a:rPr lang="en-US" sz="1200" dirty="0" smtClean="0">
+              <a:rPr lang="en-US" sz="1200" dirty="0">
                 <a:solidFill>
                   <a:srgbClr val="0000FF"/>
                 </a:solidFill>
@@ -10142,7 +9903,7 @@
               <a:t>private</a:t>
             </a:r>
             <a:r>
-              <a:rPr lang="en-US" sz="1200" dirty="0" smtClean="0">
+              <a:rPr lang="en-US" sz="1200" dirty="0">
                 <a:solidFill>
                   <a:prstClr val="black"/>
                 </a:solidFill>
@@ -10152,7 +9913,7 @@
               <a:t> </a:t>
             </a:r>
             <a:r>
-              <a:rPr lang="en-US" sz="1200" dirty="0" err="1" smtClean="0">
+              <a:rPr lang="en-US" sz="1200" dirty="0" err="1">
                 <a:solidFill>
                   <a:srgbClr val="0000FF"/>
                 </a:solidFill>
@@ -10162,7 +9923,7 @@
               <a:t>readonly</a:t>
             </a:r>
             <a:r>
-              <a:rPr lang="en-US" sz="1200" dirty="0" smtClean="0">
+              <a:rPr lang="en-US" sz="1200" dirty="0">
                 <a:solidFill>
                   <a:prstClr val="black"/>
                 </a:solidFill>
@@ -10172,7 +9933,7 @@
               <a:t> </a:t>
             </a:r>
             <a:r>
-              <a:rPr lang="en-US" sz="1200" dirty="0" err="1" smtClean="0">
+              <a:rPr lang="en-US" sz="1200" dirty="0" err="1">
                 <a:solidFill>
                   <a:srgbClr val="2B91AF"/>
                 </a:solidFill>
@@ -10182,7 +9943,7 @@
               <a:t>EventHandlerList</a:t>
             </a:r>
             <a:r>
-              <a:rPr lang="en-US" sz="1200" dirty="0" smtClean="0">
+              <a:rPr lang="en-US" sz="1200" dirty="0">
                 <a:solidFill>
                   <a:prstClr val="black"/>
                 </a:solidFill>
@@ -10192,7 +9953,7 @@
               <a:t> _</a:t>
             </a:r>
             <a:r>
-              <a:rPr lang="en-US" sz="1200" dirty="0" err="1" smtClean="0">
+              <a:rPr lang="en-US" sz="1200" dirty="0" err="1">
                 <a:solidFill>
                   <a:prstClr val="black"/>
                 </a:solidFill>
@@ -10202,7 +9963,7 @@
               <a:t>eventHandlerList</a:t>
             </a:r>
             <a:r>
-              <a:rPr lang="en-US" sz="1200" dirty="0" smtClean="0">
+              <a:rPr lang="en-US" sz="1200" dirty="0">
                 <a:solidFill>
                   <a:prstClr val="black"/>
                 </a:solidFill>
@@ -10399,7 +10160,7 @@
           </a:p>
           <a:p>
             <a:r>
-              <a:rPr lang="en-US" sz="1200" dirty="0" smtClean="0">
+              <a:rPr lang="en-US" sz="1200" dirty="0">
                 <a:solidFill>
                   <a:prstClr val="black"/>
                 </a:solidFill>
@@ -10887,7 +10648,7 @@
           </a:p>
           <a:p>
             <a:r>
-              <a:rPr lang="en-US" sz="1200" dirty="0" smtClean="0">
+              <a:rPr lang="en-US" sz="1200" dirty="0">
                 <a:solidFill>
                   <a:prstClr val="black"/>
                 </a:solidFill>
@@ -11177,7 +10938,7 @@
           </a:p>
           <a:p>
             <a:r>
-              <a:rPr lang="en-US" sz="1200" dirty="0" smtClean="0">
+              <a:rPr lang="en-US" sz="1200" dirty="0">
                 <a:solidFill>
                   <a:prstClr val="black"/>
                 </a:solidFill>
@@ -11220,7 +10981,7 @@
           <a:lstStyle/>
           <a:p>
             <a:r>
-              <a:rPr lang="ru-RU" dirty="0" smtClean="0">
+              <a:rPr lang="ru-RU" dirty="0">
                 <a:solidFill>
                   <a:srgbClr val="FFFF00"/>
                 </a:solidFill>
@@ -11236,7 +10997,7 @@
               <a:t> </a:t>
             </a:r>
             <a:r>
-              <a:rPr lang="ru-RU" dirty="0" smtClean="0">
+              <a:rPr lang="ru-RU" dirty="0">
                 <a:solidFill>
                   <a:srgbClr val="FFFF00"/>
                 </a:solidFill>
@@ -11244,18 +11005,13 @@
               <a:t>примере </a:t>
             </a:r>
             <a:r>
-              <a:rPr lang="en-US" dirty="0" smtClean="0">
+              <a:rPr lang="en-US" dirty="0">
                 <a:solidFill>
                   <a:srgbClr val="FFFF00"/>
                 </a:solidFill>
               </a:rPr>
               <a:t>L05-S02-EventHandlerList</a:t>
             </a:r>
-            <a:endParaRPr lang="en-US" dirty="0">
-              <a:solidFill>
-                <a:srgbClr val="FFFF00"/>
-              </a:solidFill>
-            </a:endParaRPr>
           </a:p>
         </p:txBody>
       </p:sp>
@@ -11269,17 +11025,163 @@
   <p:clrMapOvr>
     <a:masterClrMapping/>
   </p:clrMapOvr>
-  <p:timing>
-    <p:tnLst>
-      <p:par>
-        <p:cTn id="1" dur="indefinite" restart="never" nodeType="tmRoot"/>
-      </p:par>
-    </p:tnLst>
-  </p:timing>
 </p:sld>
 </file>
 
-<file path=ppt/slides/slide19.xml><?xml version="1.0" encoding="utf-8"?>
+<file path=ppt/slides/slide2.xml><?xml version="1.0" encoding="utf-8"?>
+<p:sld xmlns:a="http://schemas.openxmlformats.org/drawingml/2006/main" xmlns:r="http://schemas.openxmlformats.org/officeDocument/2006/relationships" xmlns:p="http://schemas.openxmlformats.org/presentationml/2006/main">
+  <p:cSld>
+    <p:bg>
+      <p:bgPr>
+        <a:blipFill dpi="0" rotWithShape="1">
+          <a:blip r:embed="rId2">
+            <a:lum/>
+          </a:blip>
+          <a:srcRect/>
+          <a:stretch>
+            <a:fillRect/>
+          </a:stretch>
+        </a:blipFill>
+        <a:effectLst/>
+      </p:bgPr>
+    </p:bg>
+    <p:spTree>
+      <p:nvGrpSpPr>
+        <p:cNvPr id="1" name=""/>
+        <p:cNvGrpSpPr/>
+        <p:nvPr/>
+      </p:nvGrpSpPr>
+      <p:grpSpPr>
+        <a:xfrm>
+          <a:off x="0" y="0"/>
+          <a:ext cx="0" cy="0"/>
+          <a:chOff x="0" y="0"/>
+          <a:chExt cx="0" cy="0"/>
+        </a:xfrm>
+      </p:grpSpPr>
+      <p:sp>
+        <p:nvSpPr>
+          <p:cNvPr id="2" name="Title 1"/>
+          <p:cNvSpPr>
+            <a:spLocks noGrp="1"/>
+          </p:cNvSpPr>
+          <p:nvPr>
+            <p:ph type="title"/>
+          </p:nvPr>
+        </p:nvSpPr>
+        <p:spPr/>
+        <p:txBody>
+          <a:bodyPr/>
+          <a:lstStyle/>
+          <a:p>
+            <a:r>
+              <a:rPr lang="ru-RU" dirty="0">
+                <a:solidFill>
+                  <a:schemeClr val="bg1"/>
+                </a:solidFill>
+              </a:rPr>
+              <a:t>Материалы для обучения</a:t>
+            </a:r>
+            <a:endParaRPr lang="en-US" dirty="0">
+              <a:solidFill>
+                <a:schemeClr val="bg1"/>
+              </a:solidFill>
+            </a:endParaRPr>
+          </a:p>
+        </p:txBody>
+      </p:sp>
+      <p:sp>
+        <p:nvSpPr>
+          <p:cNvPr id="3" name="Content Placeholder 2"/>
+          <p:cNvSpPr>
+            <a:spLocks noGrp="1"/>
+          </p:cNvSpPr>
+          <p:nvPr>
+            <p:ph idx="1"/>
+          </p:nvPr>
+        </p:nvSpPr>
+        <p:spPr/>
+        <p:txBody>
+          <a:bodyPr/>
+          <a:lstStyle/>
+          <a:p>
+            <a:r>
+              <a:rPr lang="en-US" dirty="0">
+                <a:solidFill>
+                  <a:schemeClr val="bg1"/>
+                </a:solidFill>
+                <a:hlinkClick r:id="rId3"/>
+              </a:rPr>
+              <a:t>https://github.com/bazile/Training</a:t>
+            </a:r>
+            <a:br>
+              <a:rPr lang="en-US" dirty="0">
+                <a:solidFill>
+                  <a:schemeClr val="bg1"/>
+                </a:solidFill>
+              </a:rPr>
+            </a:br>
+            <a:r>
+              <a:rPr lang="ru-RU" dirty="0">
+                <a:solidFill>
+                  <a:schemeClr val="bg1"/>
+                </a:solidFill>
+              </a:rPr>
+              <a:t>Презентации и примеры кода используемые во время занятия</a:t>
+            </a:r>
+          </a:p>
+          <a:p>
+            <a:endParaRPr lang="ru-RU" dirty="0">
+              <a:solidFill>
+                <a:schemeClr val="bg1"/>
+              </a:solidFill>
+            </a:endParaRPr>
+          </a:p>
+          <a:p>
+            <a:r>
+              <a:rPr lang="en-US" dirty="0">
+                <a:solidFill>
+                  <a:schemeClr val="bg1"/>
+                </a:solidFill>
+                <a:hlinkClick r:id="rId4"/>
+              </a:rPr>
+              <a:t>http://belhard.nullptr.ru/</a:t>
+            </a:r>
+            <a:br>
+              <a:rPr lang="ru-RU" dirty="0">
+                <a:solidFill>
+                  <a:schemeClr val="bg1"/>
+                </a:solidFill>
+              </a:rPr>
+            </a:br>
+            <a:r>
+              <a:rPr lang="ru-RU" dirty="0">
+                <a:solidFill>
+                  <a:schemeClr val="bg1"/>
+                </a:solidFill>
+              </a:rPr>
+              <a:t>Книги, примеры к ним и другие полезные файлы.</a:t>
+            </a:r>
+          </a:p>
+          <a:p>
+            <a:endParaRPr lang="en-US" dirty="0"/>
+          </a:p>
+        </p:txBody>
+      </p:sp>
+    </p:spTree>
+    <p:extLst>
+      <p:ext uri="{BB962C8B-B14F-4D97-AF65-F5344CB8AC3E}">
+        <p14:creationId xmlns:p14="http://schemas.microsoft.com/office/powerpoint/2010/main" val="3949559832"/>
+      </p:ext>
+    </p:extLst>
+  </p:cSld>
+  <p:clrMapOvr>
+    <a:masterClrMapping/>
+  </p:clrMapOvr>
+</p:sld>
+</file>
+
+<file path=ppt/slides/slide20.xml><?xml version="1.0" encoding="utf-8"?>
 <p:sld xmlns:a="http://schemas.openxmlformats.org/drawingml/2006/main" xmlns:r="http://schemas.openxmlformats.org/officeDocument/2006/relationships" xmlns:p="http://schemas.openxmlformats.org/presentationml/2006/main">
   <p:cSld>
     <p:bg>
@@ -11494,7 +11396,7 @@
               <a:t> </a:t>
             </a:r>
             <a:r>
-              <a:rPr lang="en-US" sz="1600" dirty="0" err="1" smtClean="0">
+              <a:rPr lang="en-US" sz="1600" dirty="0" err="1">
                 <a:solidFill>
                   <a:srgbClr val="000000"/>
                 </a:solidFill>
@@ -11503,52 +11405,43 @@
               <a:t>obj</a:t>
             </a:r>
             <a:r>
-              <a:rPr lang="en-US" sz="1600" dirty="0" smtClean="0">
+              <a:rPr lang="en-US" sz="1600" dirty="0">
                 <a:solidFill>
                   <a:srgbClr val="000000"/>
                 </a:solidFill>
                 <a:latin typeface="Consolas" panose="020B0609020204030204" pitchFamily="49" charset="0"/>
               </a:rPr>
+              <a:t> = </a:t>
+            </a:r>
+            <a:r>
+              <a:rPr lang="en-US" sz="1600" dirty="0">
+                <a:solidFill>
+                  <a:srgbClr val="0000FF"/>
+                </a:solidFill>
+                <a:latin typeface="Consolas" panose="020B0609020204030204" pitchFamily="49" charset="0"/>
+              </a:rPr>
+              <a:t>new</a:t>
+            </a:r>
+            <a:r>
+              <a:rPr lang="en-US" sz="1600" dirty="0">
+                <a:solidFill>
+                  <a:srgbClr val="000000"/>
+                </a:solidFill>
+                <a:latin typeface="Consolas" panose="020B0609020204030204" pitchFamily="49" charset="0"/>
+              </a:rPr>
               <a:t> </a:t>
             </a:r>
             <a:r>
+              <a:rPr lang="en-US" sz="1600" dirty="0" err="1">
+                <a:solidFill>
+                  <a:srgbClr val="2B91AF"/>
+                </a:solidFill>
+                <a:latin typeface="Consolas" panose="020B0609020204030204" pitchFamily="49" charset="0"/>
+              </a:rPr>
+              <a:t>SomeClass</a:t>
+            </a:r>
+            <a:r>
               <a:rPr lang="en-US" sz="1600" dirty="0">
-                <a:solidFill>
-                  <a:srgbClr val="000000"/>
-                </a:solidFill>
-                <a:latin typeface="Consolas" panose="020B0609020204030204" pitchFamily="49" charset="0"/>
-              </a:rPr>
-              <a:t>= </a:t>
-            </a:r>
-            <a:r>
-              <a:rPr lang="en-US" sz="1600" dirty="0">
-                <a:solidFill>
-                  <a:srgbClr val="0000FF"/>
-                </a:solidFill>
-                <a:latin typeface="Consolas" panose="020B0609020204030204" pitchFamily="49" charset="0"/>
-              </a:rPr>
-              <a:t>new</a:t>
-            </a:r>
-            <a:r>
-              <a:rPr lang="en-US" sz="1600" dirty="0">
-                <a:solidFill>
-                  <a:srgbClr val="000000"/>
-                </a:solidFill>
-                <a:latin typeface="Consolas" panose="020B0609020204030204" pitchFamily="49" charset="0"/>
-              </a:rPr>
-              <a:t> </a:t>
-            </a:r>
-            <a:r>
-              <a:rPr lang="en-US" sz="1600" dirty="0" err="1">
-                <a:solidFill>
-                  <a:srgbClr val="2B91AF"/>
-                </a:solidFill>
-                <a:latin typeface="Consolas" panose="020B0609020204030204" pitchFamily="49" charset="0"/>
-              </a:rPr>
-              <a:t>SomeClass</a:t>
-            </a:r>
-            <a:r>
-              <a:rPr lang="en-US" sz="1600" dirty="0" smtClean="0">
                 <a:solidFill>
                   <a:srgbClr val="000000"/>
                 </a:solidFill>
@@ -11562,7 +11455,7 @@
               <a:buNone/>
             </a:pPr>
             <a:r>
-              <a:rPr lang="en-US" sz="1600" dirty="0" err="1" smtClean="0">
+              <a:rPr lang="en-US" sz="1600" dirty="0" err="1">
                 <a:solidFill>
                   <a:srgbClr val="000000"/>
                 </a:solidFill>
@@ -11571,7 +11464,7 @@
               <a:t>obj.Example</a:t>
             </a:r>
             <a:r>
-              <a:rPr lang="en-US" sz="1600" dirty="0" smtClean="0">
+              <a:rPr lang="en-US" sz="1600" dirty="0">
                 <a:solidFill>
                   <a:srgbClr val="000000"/>
                 </a:solidFill>
@@ -11580,7 +11473,7 @@
               <a:t>();</a:t>
             </a:r>
             <a:r>
-              <a:rPr lang="ru-RU" sz="1600" dirty="0" smtClean="0">
+              <a:rPr lang="ru-RU" sz="1600" dirty="0">
                 <a:solidFill>
                   <a:srgbClr val="000000"/>
                 </a:solidFill>
@@ -11639,7 +11532,7 @@
               </a:rPr>
               <a:t> для события</a:t>
             </a:r>
-            <a:endParaRPr lang="en-US" sz="1600" dirty="0" smtClean="0">
+            <a:endParaRPr lang="en-US" sz="1600" dirty="0">
               <a:solidFill>
                 <a:srgbClr val="000000"/>
               </a:solidFill>
@@ -11651,7 +11544,7 @@
               <a:buNone/>
             </a:pPr>
             <a:r>
-              <a:rPr lang="en-US" sz="1600" dirty="0" err="1" smtClean="0">
+              <a:rPr lang="en-US" sz="1600" dirty="0" err="1">
                 <a:solidFill>
                   <a:srgbClr val="000000"/>
                 </a:solidFill>
@@ -11660,34 +11553,25 @@
               <a:t>obj.Example</a:t>
             </a:r>
             <a:r>
-              <a:rPr lang="en-US" sz="1600" dirty="0" smtClean="0">
+              <a:rPr lang="en-US" sz="1600" dirty="0">
                 <a:solidFill>
                   <a:srgbClr val="000000"/>
                 </a:solidFill>
                 <a:latin typeface="Consolas" panose="020B0609020204030204" pitchFamily="49" charset="0"/>
               </a:rPr>
+              <a:t> = null;</a:t>
+            </a:r>
+            <a:r>
+              <a:rPr lang="ru-RU" sz="1600" dirty="0">
+                <a:solidFill>
+                  <a:srgbClr val="000000"/>
+                </a:solidFill>
+                <a:latin typeface="Consolas" panose="020B0609020204030204" pitchFamily="49" charset="0"/>
+              </a:rPr>
               <a:t> </a:t>
             </a:r>
             <a:r>
-              <a:rPr lang="en-US" sz="1600" dirty="0" smtClean="0">
-                <a:solidFill>
-                  <a:srgbClr val="000000"/>
-                </a:solidFill>
-                <a:latin typeface="Consolas" panose="020B0609020204030204" pitchFamily="49" charset="0"/>
-              </a:rPr>
-              <a:t>= null;</a:t>
-            </a:r>
-            <a:r>
-              <a:rPr lang="ru-RU" sz="1600" dirty="0" smtClean="0">
-                <a:solidFill>
-                  <a:srgbClr val="000000"/>
-                </a:solidFill>
-                <a:latin typeface="Consolas" panose="020B0609020204030204" pitchFamily="49" charset="0"/>
-              </a:rPr>
-              <a:t> </a:t>
-            </a:r>
-            <a:r>
-              <a:rPr lang="en-US" sz="1600" dirty="0" smtClean="0">
+              <a:rPr lang="en-US" sz="1600" dirty="0">
                 <a:solidFill>
                   <a:schemeClr val="accent4">
                     <a:lumMod val="50000"/>
@@ -11698,7 +11582,7 @@
               <a:t>// </a:t>
             </a:r>
             <a:r>
-              <a:rPr lang="ru-RU" sz="1600" dirty="0" smtClean="0">
+              <a:rPr lang="ru-RU" sz="1600" dirty="0">
                 <a:solidFill>
                   <a:srgbClr val="00B050"/>
                 </a:solidFill>
@@ -11707,7 +11591,7 @@
               <a:t>Можно</a:t>
             </a:r>
             <a:r>
-              <a:rPr lang="ru-RU" sz="1600" dirty="0" smtClean="0">
+              <a:rPr lang="ru-RU" sz="1600" dirty="0">
                 <a:solidFill>
                   <a:schemeClr val="accent4">
                     <a:lumMod val="50000"/>
@@ -11718,7 +11602,7 @@
               <a:t> для делегата, но </a:t>
             </a:r>
             <a:r>
-              <a:rPr lang="ru-RU" sz="1600" dirty="0" smtClean="0">
+              <a:rPr lang="ru-RU" sz="1600" dirty="0">
                 <a:solidFill>
                   <a:srgbClr val="FF0000"/>
                 </a:solidFill>
@@ -11727,7 +11611,7 @@
               <a:t>нельзя</a:t>
             </a:r>
             <a:r>
-              <a:rPr lang="ru-RU" sz="1600" dirty="0" smtClean="0">
+              <a:rPr lang="ru-RU" sz="1600" dirty="0">
                 <a:solidFill>
                   <a:schemeClr val="accent4">
                     <a:lumMod val="50000"/>
@@ -11750,7 +11634,7 @@
             <a:pPr marL="0" indent="0">
               <a:buNone/>
             </a:pPr>
-            <a:endParaRPr lang="en-US" sz="1600" dirty="0" smtClean="0">
+            <a:endParaRPr lang="en-US" sz="1600" dirty="0">
               <a:solidFill>
                 <a:srgbClr val="000000"/>
               </a:solidFill>
@@ -11943,7 +11827,7 @@
               <a:t> </a:t>
             </a:r>
             <a:r>
-              <a:rPr lang="en-US" sz="1600" dirty="0" err="1" smtClean="0">
+              <a:rPr lang="en-US" sz="1600" dirty="0" err="1">
                 <a:solidFill>
                   <a:srgbClr val="000000"/>
                 </a:solidFill>
@@ -11952,22 +11836,13 @@
               <a:t>obj</a:t>
             </a:r>
             <a:r>
-              <a:rPr lang="en-US" sz="1600" dirty="0" smtClean="0">
+              <a:rPr lang="en-US" sz="1600" dirty="0">
                 <a:solidFill>
                   <a:srgbClr val="000000"/>
                 </a:solidFill>
                 <a:latin typeface="Consolas" panose="020B0609020204030204" pitchFamily="49" charset="0"/>
               </a:rPr>
-              <a:t> </a:t>
-            </a:r>
-            <a:r>
-              <a:rPr lang="en-US" sz="1600" dirty="0">
-                <a:solidFill>
-                  <a:srgbClr val="000000"/>
-                </a:solidFill>
-                <a:latin typeface="Consolas" panose="020B0609020204030204" pitchFamily="49" charset="0"/>
-              </a:rPr>
-              <a:t>= </a:t>
+              <a:t> = </a:t>
             </a:r>
             <a:r>
               <a:rPr lang="en-US" sz="1600" dirty="0">
@@ -12011,7 +11886,7 @@
               <a:buNone/>
             </a:pPr>
             <a:r>
-              <a:rPr lang="en-US" sz="1600" dirty="0" err="1" smtClean="0">
+              <a:rPr lang="en-US" sz="1600" dirty="0" err="1">
                 <a:solidFill>
                   <a:srgbClr val="000000"/>
                 </a:solidFill>
@@ -12020,54 +11895,21 @@
               <a:t>obj.Example</a:t>
             </a:r>
             <a:r>
-              <a:rPr lang="en-US" sz="1600" dirty="0" smtClean="0">
+              <a:rPr lang="en-US" sz="1600" dirty="0">
                 <a:solidFill>
                   <a:srgbClr val="000000"/>
                 </a:solidFill>
                 <a:latin typeface="Consolas" panose="020B0609020204030204" pitchFamily="49" charset="0"/>
               </a:rPr>
-              <a:t> </a:t>
-            </a:r>
-            <a:r>
-              <a:rPr lang="en-US" sz="1600" dirty="0">
-                <a:solidFill>
-                  <a:srgbClr val="000000"/>
-                </a:solidFill>
-                <a:latin typeface="Consolas" panose="020B0609020204030204" pitchFamily="49" charset="0"/>
-              </a:rPr>
-              <a:t>+= </a:t>
-            </a:r>
-            <a:r>
-              <a:rPr lang="en-US" sz="1600" dirty="0" smtClean="0">
-                <a:solidFill>
-                  <a:srgbClr val="000000"/>
-                </a:solidFill>
-                <a:latin typeface="Consolas" panose="020B0609020204030204" pitchFamily="49" charset="0"/>
-              </a:rPr>
-              <a:t>DoSomething</a:t>
-            </a:r>
-            <a:r>
-              <a:rPr lang="en-US" sz="1600" dirty="0" smtClean="0">
-                <a:solidFill>
-                  <a:srgbClr val="000000"/>
-                </a:solidFill>
-                <a:latin typeface="Consolas" panose="020B0609020204030204" pitchFamily="49" charset="0"/>
-              </a:rPr>
-              <a:t>;</a:t>
-            </a:r>
-            <a:endParaRPr lang="en-US" sz="1600" dirty="0" smtClean="0">
-              <a:solidFill>
-                <a:srgbClr val="000000"/>
-              </a:solidFill>
-              <a:latin typeface="Consolas" panose="020B0609020204030204" pitchFamily="49" charset="0"/>
-            </a:endParaRPr>
+              <a:t> += DoSomething;</a:t>
+            </a:r>
           </a:p>
           <a:p>
             <a:pPr marL="0" indent="0">
               <a:buNone/>
             </a:pPr>
             <a:r>
-              <a:rPr lang="en-US" sz="1600" dirty="0" err="1" smtClean="0">
+              <a:rPr lang="en-US" sz="1600" dirty="0" err="1">
                 <a:solidFill>
                   <a:srgbClr val="000000"/>
                 </a:solidFill>
@@ -12076,7 +11918,7 @@
               <a:t>obj.Example</a:t>
             </a:r>
             <a:r>
-              <a:rPr lang="en-US" sz="1600" dirty="0" smtClean="0">
+              <a:rPr lang="en-US" sz="1600" dirty="0">
                 <a:solidFill>
                   <a:srgbClr val="000000"/>
                 </a:solidFill>
@@ -12085,22 +11927,13 @@
               <a:t> </a:t>
             </a:r>
             <a:r>
-              <a:rPr lang="en-US" sz="1600" smtClean="0">
+              <a:rPr lang="en-US" sz="1600">
                 <a:solidFill>
                   <a:srgbClr val="000000"/>
                 </a:solidFill>
                 <a:latin typeface="Consolas" panose="020B0609020204030204" pitchFamily="49" charset="0"/>
               </a:rPr>
-              <a:t>-= </a:t>
-            </a:r>
-            <a:r>
-              <a:rPr lang="en-US" sz="1600">
-                <a:solidFill>
-                  <a:srgbClr val="000000"/>
-                </a:solidFill>
-                <a:latin typeface="Consolas" panose="020B0609020204030204" pitchFamily="49" charset="0"/>
-              </a:rPr>
-              <a:t>DoSomething;</a:t>
+              <a:t>-= DoSomething;</a:t>
             </a:r>
             <a:endParaRPr lang="en-US" sz="1600" dirty="0">
               <a:solidFill>
@@ -12113,7 +11946,7 @@
             <a:pPr marL="0" indent="0">
               <a:buNone/>
             </a:pPr>
-            <a:endParaRPr lang="en-US" sz="1600" dirty="0" smtClean="0">
+            <a:endParaRPr lang="en-US" sz="1600" dirty="0">
               <a:solidFill>
                 <a:srgbClr val="000000"/>
               </a:solidFill>
@@ -12138,7 +11971,7 @@
           <a:lstStyle/>
           <a:p>
             <a:r>
-              <a:rPr lang="ru-RU" dirty="0" smtClean="0">
+              <a:rPr lang="ru-RU" dirty="0">
                 <a:solidFill>
                   <a:schemeClr val="bg1"/>
                 </a:solidFill>
@@ -12146,7 +11979,7 @@
               <a:t>Событие</a:t>
             </a:r>
             <a:r>
-              <a:rPr lang="en-US" dirty="0" smtClean="0">
+              <a:rPr lang="en-US" dirty="0">
                 <a:solidFill>
                   <a:schemeClr val="bg1"/>
                 </a:solidFill>
@@ -12154,7 +11987,7 @@
               <a:t> vs </a:t>
             </a:r>
             <a:r>
-              <a:rPr lang="ru-RU" dirty="0" smtClean="0">
+              <a:rPr lang="ru-RU" dirty="0">
                 <a:solidFill>
                   <a:schemeClr val="bg1"/>
                 </a:solidFill>
@@ -12250,7 +12083,7 @@
               <a:buNone/>
             </a:pPr>
             <a:r>
-              <a:rPr lang="en-US" sz="1600" dirty="0" smtClean="0">
+              <a:rPr lang="en-US" sz="1600" dirty="0">
                 <a:solidFill>
                   <a:srgbClr val="0000FF"/>
                 </a:solidFill>
@@ -12259,22 +12092,13 @@
               <a:t>    public</a:t>
             </a:r>
             <a:r>
-              <a:rPr lang="en-US" sz="1600" dirty="0" smtClean="0">
+              <a:rPr lang="en-US" sz="1600" dirty="0">
                 <a:solidFill>
                   <a:srgbClr val="000000"/>
                 </a:solidFill>
                 <a:latin typeface="Consolas" panose="020B0609020204030204" pitchFamily="49" charset="0"/>
               </a:rPr>
-              <a:t> </a:t>
-            </a:r>
-            <a:r>
-              <a:rPr lang="en-US" sz="1600" dirty="0">
-                <a:solidFill>
-                  <a:srgbClr val="000000"/>
-                </a:solidFill>
-                <a:latin typeface="Consolas" panose="020B0609020204030204" pitchFamily="49" charset="0"/>
-              </a:rPr>
-              <a:t>Action Example;</a:t>
+              <a:t> Action Example;</a:t>
             </a:r>
           </a:p>
           <a:p>
@@ -12282,7 +12106,7 @@
               <a:buNone/>
             </a:pPr>
             <a:r>
-              <a:rPr lang="en-US" sz="1600" dirty="0" smtClean="0">
+              <a:rPr lang="en-US" sz="1600" dirty="0">
                 <a:solidFill>
                   <a:srgbClr val="0000FF"/>
                 </a:solidFill>
@@ -12291,22 +12115,13 @@
               <a:t>    void</a:t>
             </a:r>
             <a:r>
-              <a:rPr lang="en-US" sz="1600" dirty="0" smtClean="0">
+              <a:rPr lang="en-US" sz="1600" dirty="0">
                 <a:solidFill>
                   <a:srgbClr val="000000"/>
                 </a:solidFill>
                 <a:latin typeface="Consolas" panose="020B0609020204030204" pitchFamily="49" charset="0"/>
               </a:rPr>
-              <a:t> </a:t>
-            </a:r>
-            <a:r>
-              <a:rPr lang="en-US" sz="1600" dirty="0">
-                <a:solidFill>
-                  <a:srgbClr val="000000"/>
-                </a:solidFill>
-                <a:latin typeface="Consolas" panose="020B0609020204030204" pitchFamily="49" charset="0"/>
-              </a:rPr>
-              <a:t>Foo()</a:t>
+              <a:t> Foo()</a:t>
             </a:r>
           </a:p>
           <a:p>
@@ -12314,7 +12129,7 @@
               <a:buNone/>
             </a:pPr>
             <a:r>
-              <a:rPr lang="en-US" sz="1600" dirty="0" smtClean="0">
+              <a:rPr lang="en-US" sz="1600" dirty="0">
                 <a:solidFill>
                   <a:srgbClr val="000000"/>
                 </a:solidFill>
@@ -12322,19 +12137,13 @@
               </a:rPr>
               <a:t>    {</a:t>
             </a:r>
-            <a:endParaRPr lang="en-US" sz="1600" dirty="0">
-              <a:solidFill>
-                <a:srgbClr val="000000"/>
-              </a:solidFill>
-              <a:latin typeface="Consolas" panose="020B0609020204030204" pitchFamily="49" charset="0"/>
-            </a:endParaRPr>
           </a:p>
           <a:p>
             <a:pPr marL="0" indent="0">
               <a:buNone/>
             </a:pPr>
             <a:r>
-              <a:rPr lang="en-US" sz="1600" dirty="0" smtClean="0">
+              <a:rPr lang="en-US" sz="1600" dirty="0">
                 <a:solidFill>
                   <a:srgbClr val="008000"/>
                 </a:solidFill>
@@ -12343,22 +12152,13 @@
               <a:t>        </a:t>
             </a:r>
             <a:r>
-              <a:rPr lang="ru-RU" sz="1600" dirty="0" smtClean="0">
+              <a:rPr lang="ru-RU" sz="1600" dirty="0">
                 <a:solidFill>
                   <a:srgbClr val="008000"/>
                 </a:solidFill>
                 <a:latin typeface="Consolas" panose="020B0609020204030204" pitchFamily="49" charset="0"/>
               </a:rPr>
-              <a:t>// </a:t>
-            </a:r>
-            <a:r>
-              <a:rPr lang="ru-RU" sz="1600" dirty="0">
-                <a:solidFill>
-                  <a:srgbClr val="008000"/>
-                </a:solidFill>
-                <a:latin typeface="Consolas" panose="020B0609020204030204" pitchFamily="49" charset="0"/>
-              </a:rPr>
-              <a:t>Вызов делегата</a:t>
+              <a:t>// Вызов делегата</a:t>
             </a:r>
             <a:endParaRPr lang="ru-RU" sz="1600" dirty="0">
               <a:solidFill>
@@ -12372,22 +12172,13 @@
               <a:buNone/>
             </a:pPr>
             <a:r>
-              <a:rPr lang="en-US" sz="1600" dirty="0" smtClean="0">
+              <a:rPr lang="en-US" sz="1600" dirty="0">
                 <a:solidFill>
                   <a:srgbClr val="000000"/>
                 </a:solidFill>
                 <a:latin typeface="Consolas" panose="020B0609020204030204" pitchFamily="49" charset="0"/>
               </a:rPr>
-              <a:t>        Example</a:t>
-            </a:r>
-            <a:r>
-              <a:rPr lang="en-US" sz="1600" dirty="0">
-                <a:solidFill>
-                  <a:srgbClr val="000000"/>
-                </a:solidFill>
-                <a:latin typeface="Consolas" panose="020B0609020204030204" pitchFamily="49" charset="0"/>
-              </a:rPr>
-              <a:t>();</a:t>
+              <a:t>        Example();</a:t>
             </a:r>
           </a:p>
           <a:p>
@@ -12395,7 +12186,7 @@
               <a:buNone/>
             </a:pPr>
             <a:r>
-              <a:rPr lang="en-US" sz="1600" dirty="0" smtClean="0">
+              <a:rPr lang="en-US" sz="1600" dirty="0">
                 <a:solidFill>
                   <a:srgbClr val="000000"/>
                 </a:solidFill>
@@ -12403,12 +12194,6 @@
               </a:rPr>
               <a:t>    }</a:t>
             </a:r>
-            <a:endParaRPr lang="en-US" sz="1600" dirty="0">
-              <a:solidFill>
-                <a:srgbClr val="000000"/>
-              </a:solidFill>
-              <a:latin typeface="Consolas" panose="020B0609020204030204" pitchFamily="49" charset="0"/>
-            </a:endParaRPr>
           </a:p>
           <a:p>
             <a:pPr marL="0" indent="0">
@@ -12508,7 +12293,7 @@
               <a:buNone/>
             </a:pPr>
             <a:r>
-              <a:rPr lang="en-US" sz="1600" dirty="0" smtClean="0">
+              <a:rPr lang="en-US" sz="1600" dirty="0">
                 <a:solidFill>
                   <a:srgbClr val="0000FF"/>
                 </a:solidFill>
@@ -12517,7 +12302,7 @@
               <a:t>    public</a:t>
             </a:r>
             <a:r>
-              <a:rPr lang="en-US" sz="1600" dirty="0" smtClean="0">
+              <a:rPr lang="en-US" sz="1600" dirty="0">
                 <a:solidFill>
                   <a:srgbClr val="000000"/>
                 </a:solidFill>
@@ -12549,7 +12334,7 @@
               <a:buNone/>
             </a:pPr>
             <a:r>
-              <a:rPr lang="en-US" sz="1600" dirty="0" smtClean="0">
+              <a:rPr lang="en-US" sz="1600" dirty="0">
                 <a:solidFill>
                   <a:srgbClr val="0000FF"/>
                 </a:solidFill>
@@ -12558,22 +12343,13 @@
               <a:t>    void</a:t>
             </a:r>
             <a:r>
-              <a:rPr lang="en-US" sz="1600" dirty="0" smtClean="0">
+              <a:rPr lang="en-US" sz="1600" dirty="0">
                 <a:solidFill>
                   <a:srgbClr val="000000"/>
                 </a:solidFill>
                 <a:latin typeface="Consolas" panose="020B0609020204030204" pitchFamily="49" charset="0"/>
               </a:rPr>
-              <a:t> </a:t>
-            </a:r>
-            <a:r>
-              <a:rPr lang="en-US" sz="1600" dirty="0">
-                <a:solidFill>
-                  <a:srgbClr val="000000"/>
-                </a:solidFill>
-                <a:latin typeface="Consolas" panose="020B0609020204030204" pitchFamily="49" charset="0"/>
-              </a:rPr>
-              <a:t>Foo()</a:t>
+              <a:t> Foo()</a:t>
             </a:r>
           </a:p>
           <a:p>
@@ -12581,7 +12357,7 @@
               <a:buNone/>
             </a:pPr>
             <a:r>
-              <a:rPr lang="en-US" sz="1600" dirty="0" smtClean="0">
+              <a:rPr lang="en-US" sz="1600" dirty="0">
                 <a:solidFill>
                   <a:srgbClr val="000000"/>
                 </a:solidFill>
@@ -12589,19 +12365,13 @@
               </a:rPr>
               <a:t>    {</a:t>
             </a:r>
-            <a:endParaRPr lang="en-US" sz="1600" dirty="0">
-              <a:solidFill>
-                <a:srgbClr val="000000"/>
-              </a:solidFill>
-              <a:latin typeface="Consolas" panose="020B0609020204030204" pitchFamily="49" charset="0"/>
-            </a:endParaRPr>
           </a:p>
           <a:p>
             <a:pPr marL="0" indent="0">
               <a:buNone/>
             </a:pPr>
             <a:r>
-              <a:rPr lang="en-US" sz="1600" dirty="0" smtClean="0">
+              <a:rPr lang="en-US" sz="1600" dirty="0">
                 <a:solidFill>
                   <a:srgbClr val="008000"/>
                 </a:solidFill>
@@ -12610,22 +12380,13 @@
               <a:t>        </a:t>
             </a:r>
             <a:r>
-              <a:rPr lang="ru-RU" sz="1600" dirty="0" smtClean="0">
+              <a:rPr lang="ru-RU" sz="1600" dirty="0">
                 <a:solidFill>
                   <a:srgbClr val="008000"/>
                 </a:solidFill>
                 <a:latin typeface="Consolas" panose="020B0609020204030204" pitchFamily="49" charset="0"/>
               </a:rPr>
-              <a:t>// </a:t>
-            </a:r>
-            <a:r>
-              <a:rPr lang="ru-RU" sz="1600" dirty="0">
-                <a:solidFill>
-                  <a:srgbClr val="008000"/>
-                </a:solidFill>
-                <a:latin typeface="Consolas" panose="020B0609020204030204" pitchFamily="49" charset="0"/>
-              </a:rPr>
-              <a:t>Генерация события</a:t>
+              <a:t>// Генерация события</a:t>
             </a:r>
             <a:endParaRPr lang="ru-RU" sz="1600" dirty="0">
               <a:solidFill>
@@ -12639,22 +12400,13 @@
               <a:buNone/>
             </a:pPr>
             <a:r>
-              <a:rPr lang="en-US" sz="1600" dirty="0" smtClean="0">
+              <a:rPr lang="en-US" sz="1600" dirty="0">
                 <a:solidFill>
                   <a:srgbClr val="000000"/>
                 </a:solidFill>
                 <a:latin typeface="Consolas" panose="020B0609020204030204" pitchFamily="49" charset="0"/>
               </a:rPr>
-              <a:t>        Example</a:t>
-            </a:r>
-            <a:r>
-              <a:rPr lang="en-US" sz="1600" dirty="0">
-                <a:solidFill>
-                  <a:srgbClr val="000000"/>
-                </a:solidFill>
-                <a:latin typeface="Consolas" panose="020B0609020204030204" pitchFamily="49" charset="0"/>
-              </a:rPr>
-              <a:t>();</a:t>
+              <a:t>        Example();</a:t>
             </a:r>
           </a:p>
           <a:p>
@@ -12662,7 +12414,7 @@
               <a:buNone/>
             </a:pPr>
             <a:r>
-              <a:rPr lang="en-US" sz="1600" dirty="0" smtClean="0">
+              <a:rPr lang="en-US" sz="1600" dirty="0">
                 <a:solidFill>
                   <a:srgbClr val="000000"/>
                 </a:solidFill>
@@ -12670,12 +12422,6 @@
               </a:rPr>
               <a:t>    }</a:t>
             </a:r>
-            <a:endParaRPr lang="en-US" sz="1600" dirty="0">
-              <a:solidFill>
-                <a:srgbClr val="000000"/>
-              </a:solidFill>
-              <a:latin typeface="Consolas" panose="020B0609020204030204" pitchFamily="49" charset="0"/>
-            </a:endParaRPr>
           </a:p>
           <a:p>
             <a:pPr marL="0" indent="0">
@@ -12803,23 +12549,23 @@
           <a:lstStyle/>
           <a:p>
             <a:r>
-              <a:rPr lang="ru-RU" sz="1600" dirty="0" smtClean="0"/>
+              <a:rPr lang="ru-RU" sz="1600" dirty="0"/>
               <a:t>Если оба класса ведут себя одинаково, то в чем разница? В том кто владеет списком обработчиков (</a:t>
             </a:r>
             <a:r>
-              <a:rPr lang="en-US" sz="1600" dirty="0" smtClean="0"/>
+              <a:rPr lang="en-US" sz="1600" dirty="0"/>
               <a:t>invocation list</a:t>
             </a:r>
             <a:r>
-              <a:rPr lang="ru-RU" sz="1600" dirty="0" smtClean="0"/>
+              <a:rPr lang="ru-RU" sz="1600" dirty="0"/>
               <a:t>).</a:t>
             </a:r>
             <a:r>
-              <a:rPr lang="en-US" sz="1600" dirty="0" smtClean="0"/>
+              <a:rPr lang="en-US" sz="1600" dirty="0"/>
               <a:t> </a:t>
             </a:r>
             <a:r>
-              <a:rPr lang="ru-RU" sz="1600" dirty="0" smtClean="0"/>
+              <a:rPr lang="ru-RU" sz="1600" dirty="0"/>
               <a:t>Другой класс не может очистить список подписчиков.</a:t>
             </a:r>
             <a:endParaRPr lang="en-US" sz="1600" dirty="0"/>
@@ -13027,324 +12773,6 @@
 </p:sld>
 </file>
 
-<file path=ppt/slides/slide2.xml><?xml version="1.0" encoding="utf-8"?>
-<p:sld xmlns:a="http://schemas.openxmlformats.org/drawingml/2006/main" xmlns:r="http://schemas.openxmlformats.org/officeDocument/2006/relationships" xmlns:p="http://schemas.openxmlformats.org/presentationml/2006/main">
-  <p:cSld>
-    <p:bg>
-      <p:bgPr>
-        <a:blipFill dpi="0" rotWithShape="1">
-          <a:blip r:embed="rId2">
-            <a:lum/>
-          </a:blip>
-          <a:srcRect/>
-          <a:stretch>
-            <a:fillRect/>
-          </a:stretch>
-        </a:blipFill>
-        <a:effectLst/>
-      </p:bgPr>
-    </p:bg>
-    <p:spTree>
-      <p:nvGrpSpPr>
-        <p:cNvPr id="1" name=""/>
-        <p:cNvGrpSpPr/>
-        <p:nvPr/>
-      </p:nvGrpSpPr>
-      <p:grpSpPr>
-        <a:xfrm>
-          <a:off x="0" y="0"/>
-          <a:ext cx="0" cy="0"/>
-          <a:chOff x="0" y="0"/>
-          <a:chExt cx="0" cy="0"/>
-        </a:xfrm>
-      </p:grpSpPr>
-      <p:sp>
-        <p:nvSpPr>
-          <p:cNvPr id="2" name="Title 1"/>
-          <p:cNvSpPr>
-            <a:spLocks noGrp="1"/>
-          </p:cNvSpPr>
-          <p:nvPr>
-            <p:ph type="title"/>
-          </p:nvPr>
-        </p:nvSpPr>
-        <p:spPr/>
-        <p:txBody>
-          <a:bodyPr/>
-          <a:lstStyle/>
-          <a:p>
-            <a:r>
-              <a:rPr lang="ru-RU" dirty="0">
-                <a:solidFill>
-                  <a:schemeClr val="bg1"/>
-                </a:solidFill>
-              </a:rPr>
-              <a:t>Материалы для обучения</a:t>
-            </a:r>
-            <a:endParaRPr lang="en-US" dirty="0">
-              <a:solidFill>
-                <a:schemeClr val="bg1"/>
-              </a:solidFill>
-            </a:endParaRPr>
-          </a:p>
-        </p:txBody>
-      </p:sp>
-      <p:sp>
-        <p:nvSpPr>
-          <p:cNvPr id="3" name="Content Placeholder 2"/>
-          <p:cNvSpPr>
-            <a:spLocks noGrp="1"/>
-          </p:cNvSpPr>
-          <p:nvPr>
-            <p:ph idx="1"/>
-          </p:nvPr>
-        </p:nvSpPr>
-        <p:spPr/>
-        <p:txBody>
-          <a:bodyPr/>
-          <a:lstStyle/>
-          <a:p>
-            <a:r>
-              <a:rPr lang="en-US" dirty="0">
-                <a:solidFill>
-                  <a:schemeClr val="bg1"/>
-                </a:solidFill>
-                <a:hlinkClick r:id="rId3"/>
-              </a:rPr>
-              <a:t>https://</a:t>
-            </a:r>
-            <a:r>
-              <a:rPr lang="en-US" dirty="0" smtClean="0">
-                <a:solidFill>
-                  <a:schemeClr val="bg1"/>
-                </a:solidFill>
-                <a:hlinkClick r:id="rId3"/>
-              </a:rPr>
-              <a:t>github.com/bazile/Training</a:t>
-            </a:r>
-            <a:r>
-              <a:rPr lang="en-US" dirty="0" smtClean="0">
-                <a:solidFill>
-                  <a:schemeClr val="bg1"/>
-                </a:solidFill>
-              </a:rPr>
-              <a:t/>
-            </a:r>
-            <a:br>
-              <a:rPr lang="en-US" dirty="0" smtClean="0">
-                <a:solidFill>
-                  <a:schemeClr val="bg1"/>
-                </a:solidFill>
-              </a:rPr>
-            </a:br>
-            <a:r>
-              <a:rPr lang="ru-RU" dirty="0" smtClean="0">
-                <a:solidFill>
-                  <a:schemeClr val="bg1"/>
-                </a:solidFill>
-              </a:rPr>
-              <a:t>Презентации и примеры кода используемые во время занятия</a:t>
-            </a:r>
-          </a:p>
-          <a:p>
-            <a:endParaRPr lang="ru-RU" dirty="0" smtClean="0">
-              <a:solidFill>
-                <a:schemeClr val="bg1"/>
-              </a:solidFill>
-            </a:endParaRPr>
-          </a:p>
-          <a:p>
-            <a:r>
-              <a:rPr lang="en-US" dirty="0">
-                <a:solidFill>
-                  <a:schemeClr val="bg1"/>
-                </a:solidFill>
-                <a:hlinkClick r:id="rId4"/>
-              </a:rPr>
-              <a:t>http://belhard.nullptr.ru</a:t>
-            </a:r>
-            <a:r>
-              <a:rPr lang="en-US" dirty="0" smtClean="0">
-                <a:solidFill>
-                  <a:schemeClr val="bg1"/>
-                </a:solidFill>
-                <a:hlinkClick r:id="rId4"/>
-              </a:rPr>
-              <a:t>/</a:t>
-            </a:r>
-            <a:r>
-              <a:rPr lang="ru-RU" dirty="0" smtClean="0">
-                <a:solidFill>
-                  <a:schemeClr val="bg1"/>
-                </a:solidFill>
-              </a:rPr>
-              <a:t/>
-            </a:r>
-            <a:br>
-              <a:rPr lang="ru-RU" dirty="0" smtClean="0">
-                <a:solidFill>
-                  <a:schemeClr val="bg1"/>
-                </a:solidFill>
-              </a:rPr>
-            </a:br>
-            <a:r>
-              <a:rPr lang="ru-RU" dirty="0" smtClean="0">
-                <a:solidFill>
-                  <a:schemeClr val="bg1"/>
-                </a:solidFill>
-              </a:rPr>
-              <a:t>Книги, примеры к ним и другие полезные файлы.</a:t>
-            </a:r>
-            <a:endParaRPr lang="ru-RU" dirty="0">
-              <a:solidFill>
-                <a:schemeClr val="bg1"/>
-              </a:solidFill>
-            </a:endParaRPr>
-          </a:p>
-          <a:p>
-            <a:endParaRPr lang="en-US" dirty="0"/>
-          </a:p>
-        </p:txBody>
-      </p:sp>
-    </p:spTree>
-    <p:extLst>
-      <p:ext uri="{BB962C8B-B14F-4D97-AF65-F5344CB8AC3E}">
-        <p14:creationId xmlns:p14="http://schemas.microsoft.com/office/powerpoint/2010/main" val="3949559832"/>
-      </p:ext>
-    </p:extLst>
-  </p:cSld>
-  <p:clrMapOvr>
-    <a:masterClrMapping/>
-  </p:clrMapOvr>
-  <p:timing>
-    <p:tnLst>
-      <p:par>
-        <p:cTn id="1" dur="indefinite" restart="never" nodeType="tmRoot"/>
-      </p:par>
-    </p:tnLst>
-  </p:timing>
-</p:sld>
-</file>
-
-<file path=ppt/slides/slide20.xml><?xml version="1.0" encoding="utf-8"?>
-<p:sld xmlns:a="http://schemas.openxmlformats.org/drawingml/2006/main" xmlns:r="http://schemas.openxmlformats.org/officeDocument/2006/relationships" xmlns:p="http://schemas.openxmlformats.org/presentationml/2006/main">
-  <p:cSld>
-    <p:bg>
-      <p:bgPr>
-        <a:blipFill dpi="0" rotWithShape="1">
-          <a:blip r:embed="rId2">
-            <a:lum/>
-          </a:blip>
-          <a:srcRect/>
-          <a:stretch>
-            <a:fillRect/>
-          </a:stretch>
-        </a:blipFill>
-        <a:effectLst/>
-      </p:bgPr>
-    </p:bg>
-    <p:spTree>
-      <p:nvGrpSpPr>
-        <p:cNvPr id="1" name=""/>
-        <p:cNvGrpSpPr/>
-        <p:nvPr/>
-      </p:nvGrpSpPr>
-      <p:grpSpPr>
-        <a:xfrm>
-          <a:off x="0" y="0"/>
-          <a:ext cx="0" cy="0"/>
-          <a:chOff x="0" y="0"/>
-          <a:chExt cx="0" cy="0"/>
-        </a:xfrm>
-      </p:grpSpPr>
-      <p:sp>
-        <p:nvSpPr>
-          <p:cNvPr id="2" name="Title 1"/>
-          <p:cNvSpPr>
-            <a:spLocks noGrp="1"/>
-          </p:cNvSpPr>
-          <p:nvPr>
-            <p:ph type="title"/>
-          </p:nvPr>
-        </p:nvSpPr>
-        <p:spPr/>
-        <p:txBody>
-          <a:bodyPr/>
-          <a:lstStyle/>
-          <a:p>
-            <a:r>
-              <a:rPr lang="ru-RU" dirty="0" smtClean="0">
-                <a:solidFill>
-                  <a:schemeClr val="bg1"/>
-                </a:solidFill>
-              </a:rPr>
-              <a:t>События и наследование</a:t>
-            </a:r>
-            <a:endParaRPr lang="en-US" dirty="0">
-              <a:solidFill>
-                <a:schemeClr val="bg1"/>
-              </a:solidFill>
-            </a:endParaRPr>
-          </a:p>
-        </p:txBody>
-      </p:sp>
-      <p:sp>
-        <p:nvSpPr>
-          <p:cNvPr id="3" name="Content Placeholder 2"/>
-          <p:cNvSpPr>
-            <a:spLocks noGrp="1"/>
-          </p:cNvSpPr>
-          <p:nvPr>
-            <p:ph idx="1"/>
-          </p:nvPr>
-        </p:nvSpPr>
-        <p:spPr/>
-        <p:txBody>
-          <a:bodyPr/>
-          <a:lstStyle/>
-          <a:p>
-            <a:pPr marL="0" indent="0">
-              <a:buNone/>
-            </a:pPr>
-            <a:r>
-              <a:rPr lang="ru-RU" dirty="0" smtClean="0">
-                <a:solidFill>
-                  <a:schemeClr val="bg1"/>
-                </a:solidFill>
-              </a:rPr>
-              <a:t>Наследники не могут генерировать события родительских классов. Или говоря проще – событие может быть сгенерировано только типом в котором оно объявлено.</a:t>
-            </a:r>
-            <a:endParaRPr lang="ru-RU" dirty="0">
-              <a:solidFill>
-                <a:schemeClr val="bg1"/>
-              </a:solidFill>
-            </a:endParaRPr>
-          </a:p>
-          <a:p>
-            <a:endParaRPr lang="en-US" dirty="0"/>
-          </a:p>
-        </p:txBody>
-      </p:sp>
-    </p:spTree>
-    <p:extLst>
-      <p:ext uri="{BB962C8B-B14F-4D97-AF65-F5344CB8AC3E}">
-        <p14:creationId xmlns:p14="http://schemas.microsoft.com/office/powerpoint/2010/main" val="3789171591"/>
-      </p:ext>
-    </p:extLst>
-  </p:cSld>
-  <p:clrMapOvr>
-    <a:masterClrMapping/>
-  </p:clrMapOvr>
-  <p:timing>
-    <p:tnLst>
-      <p:par>
-        <p:cTn id="1" dur="indefinite" restart="never" nodeType="tmRoot"/>
-      </p:par>
-    </p:tnLst>
-  </p:timing>
-</p:sld>
-</file>
-
 <file path=ppt/slides/slide21.xml><?xml version="1.0" encoding="utf-8"?>
 <p:sld xmlns:a="http://schemas.openxmlformats.org/drawingml/2006/main" xmlns:r="http://schemas.openxmlformats.org/officeDocument/2006/relationships" xmlns:p="http://schemas.openxmlformats.org/presentationml/2006/main">
   <p:cSld>
@@ -13392,28 +12820,12 @@
           <a:lstStyle/>
           <a:p>
             <a:r>
-              <a:rPr lang="ru-RU" dirty="0" smtClean="0">
-                <a:solidFill>
-                  <a:schemeClr val="bg1"/>
-                </a:solidFill>
-              </a:rPr>
-              <a:t>События: </a:t>
-            </a:r>
-            <a:r>
-              <a:rPr lang="en-US" dirty="0">
-                <a:solidFill>
-                  <a:schemeClr val="bg1"/>
-                </a:solidFill>
-              </a:rPr>
-              <a:t>class vs </a:t>
-            </a:r>
-            <a:r>
-              <a:rPr lang="en-US" dirty="0" err="1">
-                <a:solidFill>
-                  <a:schemeClr val="bg1"/>
-                </a:solidFill>
-              </a:rPr>
-              <a:t>struct</a:t>
+              <a:rPr lang="ru-RU" dirty="0">
+                <a:solidFill>
+                  <a:schemeClr val="bg1"/>
+                </a:solidFill>
+              </a:rPr>
+              <a:t>События и наследование</a:t>
             </a:r>
             <a:endParaRPr lang="en-US" dirty="0">
               <a:solidFill>
@@ -13442,42 +12854,13 @@
               <a:buNone/>
             </a:pPr>
             <a:r>
-              <a:rPr lang="ru-RU" dirty="0" smtClean="0">
-                <a:solidFill>
-                  <a:schemeClr val="bg1"/>
-                </a:solidFill>
-              </a:rPr>
-              <a:t>В структурах можно объявлять события. Проявляйте</a:t>
-            </a:r>
-            <a:r>
               <a:rPr lang="ru-RU" dirty="0">
                 <a:solidFill>
                   <a:schemeClr val="bg1"/>
                 </a:solidFill>
               </a:rPr>
-              <a:t>,</a:t>
-            </a:r>
-            <a:r>
-              <a:rPr lang="ru-RU" dirty="0" smtClean="0">
-                <a:solidFill>
-                  <a:schemeClr val="bg1"/>
-                </a:solidFill>
-              </a:rPr>
-              <a:t> однако, осторожность при их использовании чтобы не подписаться на событие у </a:t>
-            </a:r>
-            <a:r>
-              <a:rPr lang="ru-RU" smtClean="0">
-                <a:solidFill>
-                  <a:schemeClr val="bg1"/>
-                </a:solidFill>
-              </a:rPr>
-              <a:t>копии значения.</a:t>
-            </a:r>
-            <a:endParaRPr lang="ru-RU" dirty="0">
-              <a:solidFill>
-                <a:schemeClr val="bg1"/>
-              </a:solidFill>
-            </a:endParaRPr>
+              <a:t>Наследники не могут генерировать события родительских классов. Или говоря проще – событие может быть сгенерировано только типом в котором оно объявлено.</a:t>
+            </a:r>
           </a:p>
           <a:p>
             <a:endParaRPr lang="en-US" dirty="0"/>
@@ -13487,20 +12870,13 @@
     </p:spTree>
     <p:extLst>
       <p:ext uri="{BB962C8B-B14F-4D97-AF65-F5344CB8AC3E}">
-        <p14:creationId xmlns:p14="http://schemas.microsoft.com/office/powerpoint/2010/main" val="1663105596"/>
+        <p14:creationId xmlns:p14="http://schemas.microsoft.com/office/powerpoint/2010/main" val="3789171591"/>
       </p:ext>
     </p:extLst>
   </p:cSld>
   <p:clrMapOvr>
     <a:masterClrMapping/>
   </p:clrMapOvr>
-  <p:timing>
-    <p:tnLst>
-      <p:par>
-        <p:cTn id="1" dur="indefinite" restart="never" nodeType="tmRoot"/>
-      </p:par>
-    </p:tnLst>
-  </p:timing>
 </p:sld>
 </file>
 
@@ -13509,9 +12885,15 @@
   <p:cSld>
     <p:bg>
       <p:bgPr>
-        <a:solidFill>
-          <a:srgbClr val="6600CC"/>
-        </a:solidFill>
+        <a:blipFill dpi="0" rotWithShape="1">
+          <a:blip r:embed="rId2">
+            <a:lum/>
+          </a:blip>
+          <a:srcRect/>
+          <a:stretch>
+            <a:fillRect/>
+          </a:stretch>
+        </a:blipFill>
         <a:effectLst/>
       </p:bgPr>
     </p:bg>
@@ -13531,62 +12913,46 @@
       </p:grpSpPr>
       <p:sp>
         <p:nvSpPr>
-          <p:cNvPr id="12290" name="Прямоугольник 2"/>
+          <p:cNvPr id="2" name="Title 1"/>
           <p:cNvSpPr>
-            <a:spLocks noChangeArrowheads="1"/>
+            <a:spLocks noGrp="1"/>
           </p:cNvSpPr>
-          <p:nvPr/>
+          <p:nvPr>
+            <p:ph type="title"/>
+          </p:nvPr>
         </p:nvSpPr>
-        <p:spPr bwMode="auto">
-          <a:xfrm>
-            <a:off x="2133600" y="0"/>
-            <a:ext cx="5105400" cy="461963"/>
-          </a:xfrm>
-          <a:prstGeom prst="rect">
-            <a:avLst/>
-          </a:prstGeom>
-          <a:noFill/>
-          <a:ln>
-            <a:noFill/>
-          </a:ln>
-          <a:extLst>
-            <a:ext uri="{909E8E84-426E-40DD-AFC4-6F175D3DCCD1}">
-              <a14:hiddenFill xmlns:a14="http://schemas.microsoft.com/office/drawing/2010/main">
-                <a:solidFill>
-                  <a:srgbClr val="FFFFFF"/>
-                </a:solidFill>
-              </a14:hiddenFill>
-            </a:ext>
-            <a:ext uri="{91240B29-F687-4F45-9708-019B960494DF}">
-              <a14:hiddenLine xmlns:a14="http://schemas.microsoft.com/office/drawing/2010/main" w="9525">
-                <a:solidFill>
-                  <a:srgbClr val="000000"/>
-                </a:solidFill>
-                <a:miter lim="800000"/>
-                <a:headEnd/>
-                <a:tailEnd/>
-              </a14:hiddenLine>
-            </a:ext>
-          </a:extLst>
-        </p:spPr>
+        <p:spPr/>
         <p:txBody>
-          <a:bodyPr>
-            <a:spAutoFit/>
-          </a:bodyPr>
+          <a:bodyPr/>
           <a:lstStyle/>
           <a:p>
-            <a:pPr algn="ctr"/>
-            <a:r>
-              <a:rPr lang="ru-RU" sz="2400" b="1" dirty="0" smtClean="0">
-                <a:solidFill>
-                  <a:srgbClr val="FFFFFF"/>
-                </a:solidFill>
-              </a:rPr>
-              <a:t>Самостоятельное задание</a:t>
-            </a:r>
-            <a:endParaRPr lang="ru-RU" sz="2400" b="1" dirty="0">
-              <a:solidFill>
-                <a:srgbClr val="FFFFFF"/>
+            <a:r>
+              <a:rPr lang="ru-RU" dirty="0">
+                <a:solidFill>
+                  <a:schemeClr val="bg1"/>
+                </a:solidFill>
+              </a:rPr>
+              <a:t>События: </a:t>
+            </a:r>
+            <a:r>
+              <a:rPr lang="en-US" dirty="0">
+                <a:solidFill>
+                  <a:schemeClr val="bg1"/>
+                </a:solidFill>
+              </a:rPr>
+              <a:t>class vs </a:t>
+            </a:r>
+            <a:r>
+              <a:rPr lang="en-US" dirty="0" err="1">
+                <a:solidFill>
+                  <a:schemeClr val="bg1"/>
+                </a:solidFill>
+              </a:rPr>
+              <a:t>struct</a:t>
+            </a:r>
+            <a:endParaRPr lang="en-US" dirty="0">
+              <a:solidFill>
+                <a:schemeClr val="bg1"/>
               </a:solidFill>
             </a:endParaRPr>
           </a:p>
@@ -13594,216 +12960,59 @@
       </p:sp>
       <p:sp>
         <p:nvSpPr>
-          <p:cNvPr id="8" name="TextBox 6"/>
-          <p:cNvSpPr txBox="1">
-            <a:spLocks noChangeArrowheads="1"/>
+          <p:cNvPr id="3" name="Content Placeholder 2"/>
+          <p:cNvSpPr>
+            <a:spLocks noGrp="1"/>
           </p:cNvSpPr>
-          <p:nvPr/>
+          <p:nvPr>
+            <p:ph idx="1"/>
+          </p:nvPr>
         </p:nvSpPr>
-        <p:spPr bwMode="auto">
-          <a:xfrm>
-            <a:off x="152400" y="620688"/>
-            <a:ext cx="8839200" cy="923330"/>
-          </a:xfrm>
-          <a:prstGeom prst="rect">
-            <a:avLst/>
-          </a:prstGeom>
-          <a:noFill/>
-          <a:ln>
-            <a:noFill/>
-          </a:ln>
-          <a:extLst>
-            <a:ext uri="{909E8E84-426E-40DD-AFC4-6F175D3DCCD1}">
-              <a14:hiddenFill xmlns:a14="http://schemas.microsoft.com/office/drawing/2010/main">
-                <a:solidFill>
-                  <a:srgbClr val="FFFFFF"/>
-                </a:solidFill>
-              </a14:hiddenFill>
-            </a:ext>
-            <a:ext uri="{91240B29-F687-4F45-9708-019B960494DF}">
-              <a14:hiddenLine xmlns:a14="http://schemas.microsoft.com/office/drawing/2010/main" w="9525">
-                <a:solidFill>
-                  <a:srgbClr val="000000"/>
-                </a:solidFill>
-                <a:miter lim="800000"/>
-                <a:headEnd/>
-                <a:tailEnd/>
-              </a14:hiddenLine>
-            </a:ext>
-          </a:extLst>
-        </p:spPr>
+        <p:spPr/>
         <p:txBody>
-          <a:bodyPr>
-            <a:spAutoFit/>
-          </a:bodyPr>
-          <a:lstStyle>
-            <a:lvl1pPr defTabSz="358775" eaLnBrk="0" hangingPunct="0">
-              <a:defRPr>
-                <a:solidFill>
-                  <a:schemeClr val="tx1"/>
-                </a:solidFill>
-                <a:latin typeface="Arial" charset="0"/>
-              </a:defRPr>
-            </a:lvl1pPr>
-            <a:lvl2pPr marL="742950" indent="-285750" defTabSz="358775" eaLnBrk="0" hangingPunct="0">
-              <a:defRPr>
-                <a:solidFill>
-                  <a:schemeClr val="tx1"/>
-                </a:solidFill>
-                <a:latin typeface="Arial" charset="0"/>
-              </a:defRPr>
-            </a:lvl2pPr>
-            <a:lvl3pPr marL="1143000" indent="-228600" defTabSz="358775" eaLnBrk="0" hangingPunct="0">
-              <a:defRPr>
-                <a:solidFill>
-                  <a:schemeClr val="tx1"/>
-                </a:solidFill>
-                <a:latin typeface="Arial" charset="0"/>
-              </a:defRPr>
-            </a:lvl3pPr>
-            <a:lvl4pPr marL="1600200" indent="-228600" defTabSz="358775" eaLnBrk="0" hangingPunct="0">
-              <a:defRPr>
-                <a:solidFill>
-                  <a:schemeClr val="tx1"/>
-                </a:solidFill>
-                <a:latin typeface="Arial" charset="0"/>
-              </a:defRPr>
-            </a:lvl4pPr>
-            <a:lvl5pPr marL="2057400" indent="-228600" defTabSz="358775" eaLnBrk="0" hangingPunct="0">
-              <a:defRPr>
-                <a:solidFill>
-                  <a:schemeClr val="tx1"/>
-                </a:solidFill>
-                <a:latin typeface="Arial" charset="0"/>
-              </a:defRPr>
-            </a:lvl5pPr>
-            <a:lvl6pPr marL="2514600" indent="-228600" defTabSz="358775" eaLnBrk="0" fontAlgn="base" hangingPunct="0">
-              <a:spcBef>
-                <a:spcPct val="0"/>
-              </a:spcBef>
-              <a:spcAft>
-                <a:spcPct val="0"/>
-              </a:spcAft>
-              <a:defRPr>
-                <a:solidFill>
-                  <a:schemeClr val="tx1"/>
-                </a:solidFill>
-                <a:latin typeface="Arial" charset="0"/>
-              </a:defRPr>
-            </a:lvl6pPr>
-            <a:lvl7pPr marL="2971800" indent="-228600" defTabSz="358775" eaLnBrk="0" fontAlgn="base" hangingPunct="0">
-              <a:spcBef>
-                <a:spcPct val="0"/>
-              </a:spcBef>
-              <a:spcAft>
-                <a:spcPct val="0"/>
-              </a:spcAft>
-              <a:defRPr>
-                <a:solidFill>
-                  <a:schemeClr val="tx1"/>
-                </a:solidFill>
-                <a:latin typeface="Arial" charset="0"/>
-              </a:defRPr>
-            </a:lvl7pPr>
-            <a:lvl8pPr marL="3429000" indent="-228600" defTabSz="358775" eaLnBrk="0" fontAlgn="base" hangingPunct="0">
-              <a:spcBef>
-                <a:spcPct val="0"/>
-              </a:spcBef>
-              <a:spcAft>
-                <a:spcPct val="0"/>
-              </a:spcAft>
-              <a:defRPr>
-                <a:solidFill>
-                  <a:schemeClr val="tx1"/>
-                </a:solidFill>
-                <a:latin typeface="Arial" charset="0"/>
-              </a:defRPr>
-            </a:lvl8pPr>
-            <a:lvl9pPr marL="3886200" indent="-228600" defTabSz="358775" eaLnBrk="0" fontAlgn="base" hangingPunct="0">
-              <a:spcBef>
-                <a:spcPct val="0"/>
-              </a:spcBef>
-              <a:spcAft>
-                <a:spcPct val="0"/>
-              </a:spcAft>
-              <a:defRPr>
-                <a:solidFill>
-                  <a:schemeClr val="tx1"/>
-                </a:solidFill>
-                <a:latin typeface="Arial" charset="0"/>
-              </a:defRPr>
-            </a:lvl9pPr>
-          </a:lstStyle>
-          <a:p>
-            <a:pPr eaLnBrk="1" hangingPunct="1"/>
-            <a:r>
-              <a:rPr lang="ru-RU" dirty="0" smtClean="0">
-                <a:solidFill>
-                  <a:srgbClr val="FFFFFF"/>
-                </a:solidFill>
-                <a:cs typeface="Arial" charset="0"/>
-              </a:rPr>
-              <a:t>Добавление событий к классу</a:t>
-            </a:r>
-            <a:r>
-              <a:rPr lang="en-US" dirty="0" smtClean="0">
-                <a:solidFill>
-                  <a:srgbClr val="FFFFFF"/>
-                </a:solidFill>
-                <a:cs typeface="Arial" charset="0"/>
-              </a:rPr>
-              <a:t>Vehicle.</a:t>
-            </a:r>
-          </a:p>
-          <a:p>
-            <a:pPr eaLnBrk="1" hangingPunct="1"/>
+          <a:bodyPr/>
+          <a:lstStyle/>
+          <a:p>
+            <a:pPr marL="0" indent="0">
+              <a:buNone/>
+            </a:pPr>
+            <a:r>
+              <a:rPr lang="ru-RU" dirty="0">
+                <a:solidFill>
+                  <a:schemeClr val="bg1"/>
+                </a:solidFill>
+              </a:rPr>
+              <a:t>В структурах можно объявлять события. Проявляйте, однако, осторожность при их использовании чтобы не подписаться на событие у </a:t>
+            </a:r>
+            <a:r>
+              <a:rPr lang="ru-RU">
+                <a:solidFill>
+                  <a:schemeClr val="bg1"/>
+                </a:solidFill>
+              </a:rPr>
+              <a:t>копии значения.</a:t>
+            </a:r>
             <a:endParaRPr lang="ru-RU" dirty="0">
               <a:solidFill>
-                <a:srgbClr val="FFFFFF"/>
-              </a:solidFill>
-              <a:cs typeface="Arial" charset="0"/>
-            </a:endParaRPr>
-          </a:p>
-          <a:p>
-            <a:pPr eaLnBrk="1" hangingPunct="1"/>
-            <a:r>
-              <a:rPr lang="ru-RU" i="1" dirty="0" smtClean="0">
-                <a:solidFill>
-                  <a:srgbClr val="FFFFFF"/>
-                </a:solidFill>
-                <a:cs typeface="Arial" charset="0"/>
-              </a:rPr>
-              <a:t>Смотрите текст задания в файле </a:t>
-            </a:r>
-            <a:r>
-              <a:rPr lang="en-US" i="1" dirty="0">
-                <a:solidFill>
-                  <a:srgbClr val="FFFFFF"/>
-                </a:solidFill>
-                <a:cs typeface="Arial" charset="0"/>
-              </a:rPr>
-              <a:t>Homework\vehicle-events.docx</a:t>
-            </a:r>
+                <a:schemeClr val="bg1"/>
+              </a:solidFill>
+            </a:endParaRPr>
+          </a:p>
+          <a:p>
+            <a:endParaRPr lang="en-US" dirty="0"/>
           </a:p>
         </p:txBody>
       </p:sp>
     </p:spTree>
     <p:extLst>
       <p:ext uri="{BB962C8B-B14F-4D97-AF65-F5344CB8AC3E}">
-        <p14:creationId xmlns:p14="http://schemas.microsoft.com/office/powerpoint/2010/main" val="428226623"/>
+        <p14:creationId xmlns:p14="http://schemas.microsoft.com/office/powerpoint/2010/main" val="1663105596"/>
       </p:ext>
     </p:extLst>
   </p:cSld>
   <p:clrMapOvr>
     <a:masterClrMapping/>
   </p:clrMapOvr>
-  <p:timing>
-    <p:tnLst>
-      <p:par>
-        <p:cTn id="1" dur="indefinite" restart="never" nodeType="tmRoot"/>
-      </p:par>
-    </p:tnLst>
-  </p:timing>
 </p:sld>
 </file>
 
@@ -13880,18 +13089,13 @@
           <a:p>
             <a:pPr algn="ctr"/>
             <a:r>
-              <a:rPr lang="ru-RU" sz="2400" b="1" dirty="0" smtClean="0">
+              <a:rPr lang="ru-RU" sz="2400" b="1" dirty="0">
                 <a:solidFill>
                   <a:srgbClr val="FFFFFF"/>
                 </a:solidFill>
               </a:rPr>
-              <a:t>Домашнее задание</a:t>
-            </a:r>
-            <a:endParaRPr lang="ru-RU" sz="2400" b="1" dirty="0">
-              <a:solidFill>
-                <a:srgbClr val="FFFFFF"/>
-              </a:solidFill>
-            </a:endParaRPr>
+              <a:t>Самостоятельное задание</a:t>
+            </a:r>
           </a:p>
         </p:txBody>
       </p:sp>
@@ -14040,14 +13244,35 @@
           <a:p>
             <a:pPr eaLnBrk="1" hangingPunct="1"/>
             <a:r>
-              <a:rPr lang="ru-RU" i="1" dirty="0" smtClean="0">
+              <a:rPr lang="ru-RU" dirty="0">
                 <a:solidFill>
                   <a:srgbClr val="FFFFFF"/>
                 </a:solidFill>
                 <a:cs typeface="Arial" charset="0"/>
               </a:rPr>
-              <a:t>Создание </a:t>
-            </a:r>
+              <a:t>Добавление событий к классу</a:t>
+            </a:r>
+            <a:r>
+              <a:rPr lang="en-US" dirty="0">
+                <a:solidFill>
+                  <a:srgbClr val="FFFFFF"/>
+                </a:solidFill>
+                <a:cs typeface="Arial" charset="0"/>
+              </a:rPr>
+              <a:t>Vehicle.</a:t>
+            </a:r>
+          </a:p>
+          <a:p>
+            <a:pPr eaLnBrk="1" hangingPunct="1"/>
+            <a:endParaRPr lang="ru-RU" dirty="0">
+              <a:solidFill>
+                <a:srgbClr val="FFFFFF"/>
+              </a:solidFill>
+              <a:cs typeface="Arial" charset="0"/>
+            </a:endParaRPr>
+          </a:p>
+          <a:p>
+            <a:pPr eaLnBrk="1" hangingPunct="1"/>
             <a:r>
               <a:rPr lang="ru-RU" i="1" dirty="0">
                 <a:solidFill>
@@ -14055,19 +13280,280 @@
                 </a:solidFill>
                 <a:cs typeface="Arial" charset="0"/>
               </a:rPr>
-              <a:t>класса </a:t>
-            </a:r>
-            <a:r>
-              <a:rPr lang="en-US" i="1" dirty="0" smtClean="0">
+              <a:t>Смотрите текст задания в файле </a:t>
+            </a:r>
+            <a:r>
+              <a:rPr lang="en-US" i="1" dirty="0">
                 <a:solidFill>
                   <a:srgbClr val="FFFFFF"/>
                 </a:solidFill>
                 <a:cs typeface="Arial" charset="0"/>
               </a:rPr>
+              <a:t>Homework\vehicle-events.docx</a:t>
+            </a:r>
+          </a:p>
+        </p:txBody>
+      </p:sp>
+    </p:spTree>
+    <p:extLst>
+      <p:ext uri="{BB962C8B-B14F-4D97-AF65-F5344CB8AC3E}">
+        <p14:creationId xmlns:p14="http://schemas.microsoft.com/office/powerpoint/2010/main" val="428226623"/>
+      </p:ext>
+    </p:extLst>
+  </p:cSld>
+  <p:clrMapOvr>
+    <a:masterClrMapping/>
+  </p:clrMapOvr>
+</p:sld>
+</file>
+
+<file path=ppt/slides/slide24.xml><?xml version="1.0" encoding="utf-8"?>
+<p:sld xmlns:a="http://schemas.openxmlformats.org/drawingml/2006/main" xmlns:r="http://schemas.openxmlformats.org/officeDocument/2006/relationships" xmlns:p="http://schemas.openxmlformats.org/presentationml/2006/main">
+  <p:cSld>
+    <p:bg>
+      <p:bgPr>
+        <a:solidFill>
+          <a:srgbClr val="6600CC"/>
+        </a:solidFill>
+        <a:effectLst/>
+      </p:bgPr>
+    </p:bg>
+    <p:spTree>
+      <p:nvGrpSpPr>
+        <p:cNvPr id="1" name=""/>
+        <p:cNvGrpSpPr/>
+        <p:nvPr/>
+      </p:nvGrpSpPr>
+      <p:grpSpPr>
+        <a:xfrm>
+          <a:off x="0" y="0"/>
+          <a:ext cx="0" cy="0"/>
+          <a:chOff x="0" y="0"/>
+          <a:chExt cx="0" cy="0"/>
+        </a:xfrm>
+      </p:grpSpPr>
+      <p:sp>
+        <p:nvSpPr>
+          <p:cNvPr id="12290" name="Прямоугольник 2"/>
+          <p:cNvSpPr>
+            <a:spLocks noChangeArrowheads="1"/>
+          </p:cNvSpPr>
+          <p:nvPr/>
+        </p:nvSpPr>
+        <p:spPr bwMode="auto">
+          <a:xfrm>
+            <a:off x="2133600" y="0"/>
+            <a:ext cx="5105400" cy="461963"/>
+          </a:xfrm>
+          <a:prstGeom prst="rect">
+            <a:avLst/>
+          </a:prstGeom>
+          <a:noFill/>
+          <a:ln>
+            <a:noFill/>
+          </a:ln>
+          <a:extLst>
+            <a:ext uri="{909E8E84-426E-40DD-AFC4-6F175D3DCCD1}">
+              <a14:hiddenFill xmlns:a14="http://schemas.microsoft.com/office/drawing/2010/main">
+                <a:solidFill>
+                  <a:srgbClr val="FFFFFF"/>
+                </a:solidFill>
+              </a14:hiddenFill>
+            </a:ext>
+            <a:ext uri="{91240B29-F687-4F45-9708-019B960494DF}">
+              <a14:hiddenLine xmlns:a14="http://schemas.microsoft.com/office/drawing/2010/main" w="9525">
+                <a:solidFill>
+                  <a:srgbClr val="000000"/>
+                </a:solidFill>
+                <a:miter lim="800000"/>
+                <a:headEnd/>
+                <a:tailEnd/>
+              </a14:hiddenLine>
+            </a:ext>
+          </a:extLst>
+        </p:spPr>
+        <p:txBody>
+          <a:bodyPr>
+            <a:spAutoFit/>
+          </a:bodyPr>
+          <a:lstStyle/>
+          <a:p>
+            <a:pPr algn="ctr"/>
+            <a:r>
+              <a:rPr lang="ru-RU" sz="2400" b="1" dirty="0">
+                <a:solidFill>
+                  <a:srgbClr val="FFFFFF"/>
+                </a:solidFill>
+              </a:rPr>
+              <a:t>Домашнее задание</a:t>
+            </a:r>
+          </a:p>
+        </p:txBody>
+      </p:sp>
+      <p:sp>
+        <p:nvSpPr>
+          <p:cNvPr id="8" name="TextBox 6"/>
+          <p:cNvSpPr txBox="1">
+            <a:spLocks noChangeArrowheads="1"/>
+          </p:cNvSpPr>
+          <p:nvPr/>
+        </p:nvSpPr>
+        <p:spPr bwMode="auto">
+          <a:xfrm>
+            <a:off x="152400" y="620688"/>
+            <a:ext cx="8839200" cy="923330"/>
+          </a:xfrm>
+          <a:prstGeom prst="rect">
+            <a:avLst/>
+          </a:prstGeom>
+          <a:noFill/>
+          <a:ln>
+            <a:noFill/>
+          </a:ln>
+          <a:extLst>
+            <a:ext uri="{909E8E84-426E-40DD-AFC4-6F175D3DCCD1}">
+              <a14:hiddenFill xmlns:a14="http://schemas.microsoft.com/office/drawing/2010/main">
+                <a:solidFill>
+                  <a:srgbClr val="FFFFFF"/>
+                </a:solidFill>
+              </a14:hiddenFill>
+            </a:ext>
+            <a:ext uri="{91240B29-F687-4F45-9708-019B960494DF}">
+              <a14:hiddenLine xmlns:a14="http://schemas.microsoft.com/office/drawing/2010/main" w="9525">
+                <a:solidFill>
+                  <a:srgbClr val="000000"/>
+                </a:solidFill>
+                <a:miter lim="800000"/>
+                <a:headEnd/>
+                <a:tailEnd/>
+              </a14:hiddenLine>
+            </a:ext>
+          </a:extLst>
+        </p:spPr>
+        <p:txBody>
+          <a:bodyPr>
+            <a:spAutoFit/>
+          </a:bodyPr>
+          <a:lstStyle>
+            <a:lvl1pPr defTabSz="358775" eaLnBrk="0" hangingPunct="0">
+              <a:defRPr>
+                <a:solidFill>
+                  <a:schemeClr val="tx1"/>
+                </a:solidFill>
+                <a:latin typeface="Arial" charset="0"/>
+              </a:defRPr>
+            </a:lvl1pPr>
+            <a:lvl2pPr marL="742950" indent="-285750" defTabSz="358775" eaLnBrk="0" hangingPunct="0">
+              <a:defRPr>
+                <a:solidFill>
+                  <a:schemeClr val="tx1"/>
+                </a:solidFill>
+                <a:latin typeface="Arial" charset="0"/>
+              </a:defRPr>
+            </a:lvl2pPr>
+            <a:lvl3pPr marL="1143000" indent="-228600" defTabSz="358775" eaLnBrk="0" hangingPunct="0">
+              <a:defRPr>
+                <a:solidFill>
+                  <a:schemeClr val="tx1"/>
+                </a:solidFill>
+                <a:latin typeface="Arial" charset="0"/>
+              </a:defRPr>
+            </a:lvl3pPr>
+            <a:lvl4pPr marL="1600200" indent="-228600" defTabSz="358775" eaLnBrk="0" hangingPunct="0">
+              <a:defRPr>
+                <a:solidFill>
+                  <a:schemeClr val="tx1"/>
+                </a:solidFill>
+                <a:latin typeface="Arial" charset="0"/>
+              </a:defRPr>
+            </a:lvl4pPr>
+            <a:lvl5pPr marL="2057400" indent="-228600" defTabSz="358775" eaLnBrk="0" hangingPunct="0">
+              <a:defRPr>
+                <a:solidFill>
+                  <a:schemeClr val="tx1"/>
+                </a:solidFill>
+                <a:latin typeface="Arial" charset="0"/>
+              </a:defRPr>
+            </a:lvl5pPr>
+            <a:lvl6pPr marL="2514600" indent="-228600" defTabSz="358775" eaLnBrk="0" fontAlgn="base" hangingPunct="0">
+              <a:spcBef>
+                <a:spcPct val="0"/>
+              </a:spcBef>
+              <a:spcAft>
+                <a:spcPct val="0"/>
+              </a:spcAft>
+              <a:defRPr>
+                <a:solidFill>
+                  <a:schemeClr val="tx1"/>
+                </a:solidFill>
+                <a:latin typeface="Arial" charset="0"/>
+              </a:defRPr>
+            </a:lvl6pPr>
+            <a:lvl7pPr marL="2971800" indent="-228600" defTabSz="358775" eaLnBrk="0" fontAlgn="base" hangingPunct="0">
+              <a:spcBef>
+                <a:spcPct val="0"/>
+              </a:spcBef>
+              <a:spcAft>
+                <a:spcPct val="0"/>
+              </a:spcAft>
+              <a:defRPr>
+                <a:solidFill>
+                  <a:schemeClr val="tx1"/>
+                </a:solidFill>
+                <a:latin typeface="Arial" charset="0"/>
+              </a:defRPr>
+            </a:lvl7pPr>
+            <a:lvl8pPr marL="3429000" indent="-228600" defTabSz="358775" eaLnBrk="0" fontAlgn="base" hangingPunct="0">
+              <a:spcBef>
+                <a:spcPct val="0"/>
+              </a:spcBef>
+              <a:spcAft>
+                <a:spcPct val="0"/>
+              </a:spcAft>
+              <a:defRPr>
+                <a:solidFill>
+                  <a:schemeClr val="tx1"/>
+                </a:solidFill>
+                <a:latin typeface="Arial" charset="0"/>
+              </a:defRPr>
+            </a:lvl8pPr>
+            <a:lvl9pPr marL="3886200" indent="-228600" defTabSz="358775" eaLnBrk="0" fontAlgn="base" hangingPunct="0">
+              <a:spcBef>
+                <a:spcPct val="0"/>
+              </a:spcBef>
+              <a:spcAft>
+                <a:spcPct val="0"/>
+              </a:spcAft>
+              <a:defRPr>
+                <a:solidFill>
+                  <a:schemeClr val="tx1"/>
+                </a:solidFill>
+                <a:latin typeface="Arial" charset="0"/>
+              </a:defRPr>
+            </a:lvl9pPr>
+          </a:lstStyle>
+          <a:p>
+            <a:pPr eaLnBrk="1" hangingPunct="1"/>
+            <a:r>
+              <a:rPr lang="ru-RU" i="1" dirty="0">
+                <a:solidFill>
+                  <a:srgbClr val="FFFFFF"/>
+                </a:solidFill>
+                <a:cs typeface="Arial" charset="0"/>
+              </a:rPr>
+              <a:t>Создание класса </a:t>
+            </a:r>
+            <a:r>
+              <a:rPr lang="en-US" i="1" dirty="0">
+                <a:solidFill>
+                  <a:srgbClr val="FFFFFF"/>
+                </a:solidFill>
+                <a:cs typeface="Arial" charset="0"/>
+              </a:rPr>
               <a:t>“</a:t>
             </a:r>
             <a:r>
-              <a:rPr lang="ru-RU" i="1" dirty="0" smtClean="0">
+              <a:rPr lang="ru-RU" i="1" dirty="0">
                 <a:solidFill>
                   <a:srgbClr val="FFFFFF"/>
                 </a:solidFill>
@@ -14076,7 +13562,7 @@
               <a:t>Аккумулятор</a:t>
             </a:r>
             <a:r>
-              <a:rPr lang="en-US" i="1" dirty="0" smtClean="0">
+              <a:rPr lang="en-US" i="1" dirty="0">
                 <a:solidFill>
                   <a:srgbClr val="FFFFFF"/>
                 </a:solidFill>
@@ -14084,7 +13570,7 @@
               </a:rPr>
               <a:t>”.</a:t>
             </a:r>
-            <a:endParaRPr lang="ru-RU" i="1" dirty="0" smtClean="0">
+            <a:endParaRPr lang="ru-RU" i="1" dirty="0">
               <a:solidFill>
                 <a:srgbClr val="FFFFFF"/>
               </a:solidFill>
@@ -14103,7 +13589,7 @@
           <a:p>
             <a:pPr eaLnBrk="1" hangingPunct="1"/>
             <a:r>
-              <a:rPr lang="ru-RU" i="1" dirty="0" smtClean="0">
+              <a:rPr lang="ru-RU" i="1" dirty="0">
                 <a:solidFill>
                   <a:srgbClr val="FFFFFF"/>
                 </a:solidFill>
@@ -14112,7 +13598,7 @@
               <a:t>Смотрите текст задания в файле </a:t>
             </a:r>
             <a:r>
-              <a:rPr lang="en-US" i="1" smtClean="0">
+              <a:rPr lang="en-US" i="1">
                 <a:solidFill>
                   <a:srgbClr val="FFFFFF"/>
                 </a:solidFill>
@@ -14139,13 +13625,6 @@
   <p:clrMapOvr>
     <a:masterClrMapping/>
   </p:clrMapOvr>
-  <p:timing>
-    <p:tnLst>
-      <p:par>
-        <p:cTn id="1" dur="indefinite" restart="never" nodeType="tmRoot"/>
-      </p:par>
-    </p:tnLst>
-  </p:timing>
 </p:sld>
 </file>
 
@@ -15599,13 +15078,6 @@
   <p:clrMapOvr>
     <a:masterClrMapping/>
   </p:clrMapOvr>
-  <p:timing>
-    <p:tnLst>
-      <p:par>
-        <p:cTn id="1" dur="indefinite" restart="never" nodeType="tmRoot"/>
-      </p:par>
-    </p:tnLst>
-  </p:timing>
 </p:sld>
 </file>
 
@@ -16630,13 +16102,6 @@
   <p:clrMapOvr>
     <a:masterClrMapping/>
   </p:clrMapOvr>
-  <p:timing>
-    <p:tnLst>
-      <p:par>
-        <p:cTn id="1" dur="indefinite" restart="never" nodeType="tmRoot"/>
-      </p:par>
-    </p:tnLst>
-  </p:timing>
 </p:sld>
 </file>
 
@@ -16675,7 +16140,7 @@
           <a:lstStyle/>
           <a:p>
             <a:r>
-              <a:rPr lang="ru-RU" dirty="0" smtClean="0">
+              <a:rPr lang="ru-RU" dirty="0">
                 <a:solidFill>
                   <a:srgbClr val="002060"/>
                 </a:solidFill>
@@ -16724,13 +16189,6 @@
   <p:clrMapOvr>
     <a:masterClrMapping/>
   </p:clrMapOvr>
-  <p:timing>
-    <p:tnLst>
-      <p:par>
-        <p:cTn id="1" dur="indefinite" restart="never" nodeType="tmRoot"/>
-      </p:par>
-    </p:tnLst>
-  </p:timing>
 </p:sld>
 </file>
 
@@ -17739,13 +17197,6 @@
   <p:clrMapOvr>
     <a:masterClrMapping/>
   </p:clrMapOvr>
-  <p:timing>
-    <p:tnLst>
-      <p:par>
-        <p:cTn id="1" dur="indefinite" restart="never" nodeType="tmRoot"/>
-      </p:par>
-    </p:tnLst>
-  </p:timing>
 </p:sld>
 </file>
 
@@ -18789,23 +18240,7 @@
             <a:pPr eaLnBrk="1" hangingPunct="1"/>
             <a:r>
               <a:rPr lang="ru-RU" sz="1600" dirty="0"/>
-              <a:t>	Для шаблонных делегатов также </a:t>
-            </a:r>
-            <a:r>
-              <a:rPr lang="ru-RU" sz="1600" dirty="0" smtClean="0"/>
-              <a:t>мо</a:t>
-            </a:r>
-            <a:r>
-              <a:rPr lang="ru-RU" sz="1600" dirty="0"/>
-              <a:t>ж</a:t>
-            </a:r>
-            <a:r>
-              <a:rPr lang="ru-RU" sz="1600" dirty="0" smtClean="0"/>
-              <a:t>но </a:t>
-            </a:r>
-            <a:r>
-              <a:rPr lang="ru-RU" sz="1600" dirty="0"/>
-              <a:t>использовать сокращенную запись</a:t>
+              <a:t>	Для шаблонных делегатов также можно использовать сокращенную запись</a:t>
             </a:r>
             <a:r>
               <a:rPr lang="en-US" sz="1600" dirty="0"/>
@@ -18831,13 +18266,6 @@
   <p:clrMapOvr>
     <a:masterClrMapping/>
   </p:clrMapOvr>
-  <p:timing>
-    <p:tnLst>
-      <p:par>
-        <p:cTn id="1" dur="indefinite" restart="never" nodeType="tmRoot"/>
-      </p:par>
-    </p:tnLst>
-  </p:timing>
 </p:sld>
 </file>
 
@@ -19714,13 +19142,6 @@
   <p:clrMapOvr>
     <a:masterClrMapping/>
   </p:clrMapOvr>
-  <p:timing>
-    <p:tnLst>
-      <p:par>
-        <p:cTn id="1" dur="indefinite" restart="never" nodeType="tmRoot"/>
-      </p:par>
-    </p:tnLst>
-  </p:timing>
 </p:sld>
 </file>
 
@@ -20719,13 +20140,6 @@
   <p:clrMapOvr>
     <a:masterClrMapping/>
   </p:clrMapOvr>
-  <p:timing>
-    <p:tnLst>
-      <p:par>
-        <p:cTn id="1" dur="indefinite" restart="never" nodeType="tmRoot"/>
-      </p:par>
-    </p:tnLst>
-  </p:timing>
 </p:sld>
 </file>
 

--- a/Presentation/lesson-05-events.pptx
+++ b/Presentation/lesson-05-events.pptx
@@ -11,24 +11,25 @@
     <p:sldId id="274" r:id="rId5"/>
     <p:sldId id="295" r:id="rId6"/>
     <p:sldId id="275" r:id="rId7"/>
-    <p:sldId id="276" r:id="rId8"/>
-    <p:sldId id="277" r:id="rId9"/>
-    <p:sldId id="278" r:id="rId10"/>
-    <p:sldId id="297" r:id="rId11"/>
-    <p:sldId id="279" r:id="rId12"/>
-    <p:sldId id="280" r:id="rId13"/>
-    <p:sldId id="281" r:id="rId14"/>
-    <p:sldId id="290" r:id="rId15"/>
-    <p:sldId id="296" r:id="rId16"/>
-    <p:sldId id="282" r:id="rId17"/>
-    <p:sldId id="289" r:id="rId18"/>
-    <p:sldId id="283" r:id="rId19"/>
-    <p:sldId id="286" r:id="rId20"/>
-    <p:sldId id="291" r:id="rId21"/>
-    <p:sldId id="293" r:id="rId22"/>
-    <p:sldId id="294" r:id="rId23"/>
-    <p:sldId id="287" r:id="rId24"/>
-    <p:sldId id="288" r:id="rId25"/>
+    <p:sldId id="297" r:id="rId8"/>
+    <p:sldId id="276" r:id="rId9"/>
+    <p:sldId id="277" r:id="rId10"/>
+    <p:sldId id="278" r:id="rId11"/>
+    <p:sldId id="298" r:id="rId12"/>
+    <p:sldId id="279" r:id="rId13"/>
+    <p:sldId id="280" r:id="rId14"/>
+    <p:sldId id="281" r:id="rId15"/>
+    <p:sldId id="290" r:id="rId16"/>
+    <p:sldId id="296" r:id="rId17"/>
+    <p:sldId id="282" r:id="rId18"/>
+    <p:sldId id="289" r:id="rId19"/>
+    <p:sldId id="283" r:id="rId20"/>
+    <p:sldId id="286" r:id="rId21"/>
+    <p:sldId id="291" r:id="rId22"/>
+    <p:sldId id="293" r:id="rId23"/>
+    <p:sldId id="294" r:id="rId24"/>
+    <p:sldId id="287" r:id="rId25"/>
+    <p:sldId id="288" r:id="rId26"/>
   </p:sldIdLst>
   <p:sldSz cx="9144000" cy="6858000" type="screen4x3"/>
   <p:notesSz cx="6858000" cy="9144000"/>
@@ -142,10 +143,11 @@
             <p14:sldId id="274"/>
             <p14:sldId id="295"/>
             <p14:sldId id="275"/>
+            <p14:sldId id="297"/>
             <p14:sldId id="276"/>
             <p14:sldId id="277"/>
             <p14:sldId id="278"/>
-            <p14:sldId id="297"/>
+            <p14:sldId id="298"/>
           </p14:sldIdLst>
         </p14:section>
         <p14:section name="События" id="{51CD63FA-9B48-429F-B2C7-C63C3B612EDB}">
@@ -369,7 +371,7 @@
           <a:p>
             <a:fld id="{FAECF776-F836-4CCD-9497-99E5597B8B5D}" type="datetimeFigureOut">
               <a:rPr lang="en-US" smtClean="0"/>
-              <a:t>7/1/18</a:t>
+              <a:t>8/1/18</a:t>
             </a:fld>
             <a:endParaRPr lang="en-US"/>
           </a:p>
@@ -537,7 +539,7 @@
           <a:p>
             <a:fld id="{FAECF776-F836-4CCD-9497-99E5597B8B5D}" type="datetimeFigureOut">
               <a:rPr lang="en-US" smtClean="0"/>
-              <a:t>7/1/18</a:t>
+              <a:t>8/1/18</a:t>
             </a:fld>
             <a:endParaRPr lang="en-US"/>
           </a:p>
@@ -715,7 +717,7 @@
           <a:p>
             <a:fld id="{FAECF776-F836-4CCD-9497-99E5597B8B5D}" type="datetimeFigureOut">
               <a:rPr lang="en-US" smtClean="0"/>
-              <a:t>7/1/18</a:t>
+              <a:t>8/1/18</a:t>
             </a:fld>
             <a:endParaRPr lang="en-US"/>
           </a:p>
@@ -883,7 +885,7 @@
           <a:p>
             <a:fld id="{FAECF776-F836-4CCD-9497-99E5597B8B5D}" type="datetimeFigureOut">
               <a:rPr lang="en-US" smtClean="0"/>
-              <a:t>7/1/18</a:t>
+              <a:t>8/1/18</a:t>
             </a:fld>
             <a:endParaRPr lang="en-US"/>
           </a:p>
@@ -1128,7 +1130,7 @@
           <a:p>
             <a:fld id="{FAECF776-F836-4CCD-9497-99E5597B8B5D}" type="datetimeFigureOut">
               <a:rPr lang="en-US" smtClean="0"/>
-              <a:t>7/1/18</a:t>
+              <a:t>8/1/18</a:t>
             </a:fld>
             <a:endParaRPr lang="en-US"/>
           </a:p>
@@ -1413,7 +1415,7 @@
           <a:p>
             <a:fld id="{FAECF776-F836-4CCD-9497-99E5597B8B5D}" type="datetimeFigureOut">
               <a:rPr lang="en-US" smtClean="0"/>
-              <a:t>7/1/18</a:t>
+              <a:t>8/1/18</a:t>
             </a:fld>
             <a:endParaRPr lang="en-US"/>
           </a:p>
@@ -1832,7 +1834,7 @@
           <a:p>
             <a:fld id="{FAECF776-F836-4CCD-9497-99E5597B8B5D}" type="datetimeFigureOut">
               <a:rPr lang="en-US" smtClean="0"/>
-              <a:t>7/1/18</a:t>
+              <a:t>8/1/18</a:t>
             </a:fld>
             <a:endParaRPr lang="en-US"/>
           </a:p>
@@ -1949,7 +1951,7 @@
           <a:p>
             <a:fld id="{FAECF776-F836-4CCD-9497-99E5597B8B5D}" type="datetimeFigureOut">
               <a:rPr lang="en-US" smtClean="0"/>
-              <a:t>7/1/18</a:t>
+              <a:t>8/1/18</a:t>
             </a:fld>
             <a:endParaRPr lang="en-US"/>
           </a:p>
@@ -2044,7 +2046,7 @@
           <a:p>
             <a:fld id="{FAECF776-F836-4CCD-9497-99E5597B8B5D}" type="datetimeFigureOut">
               <a:rPr lang="en-US" smtClean="0"/>
-              <a:t>7/1/18</a:t>
+              <a:t>8/1/18</a:t>
             </a:fld>
             <a:endParaRPr lang="en-US"/>
           </a:p>
@@ -2319,7 +2321,7 @@
           <a:p>
             <a:fld id="{FAECF776-F836-4CCD-9497-99E5597B8B5D}" type="datetimeFigureOut">
               <a:rPr lang="en-US" smtClean="0"/>
-              <a:t>7/1/18</a:t>
+              <a:t>8/1/18</a:t>
             </a:fld>
             <a:endParaRPr lang="en-US"/>
           </a:p>
@@ -2571,7 +2573,7 @@
           <a:p>
             <a:fld id="{FAECF776-F836-4CCD-9497-99E5597B8B5D}" type="datetimeFigureOut">
               <a:rPr lang="en-US" smtClean="0"/>
-              <a:t>7/1/18</a:t>
+              <a:t>8/1/18</a:t>
             </a:fld>
             <a:endParaRPr lang="en-US"/>
           </a:p>
@@ -2782,7 +2784,7 @@
           <a:p>
             <a:fld id="{FAECF776-F836-4CCD-9497-99E5597B8B5D}" type="datetimeFigureOut">
               <a:rPr lang="en-US" smtClean="0"/>
-              <a:t>7/1/18</a:t>
+              <a:t>8/1/18</a:t>
             </a:fld>
             <a:endParaRPr lang="en-US"/>
           </a:p>
@@ -3418,6 +3420,1004 @@
       </p:grpSpPr>
       <p:sp>
         <p:nvSpPr>
+          <p:cNvPr id="8194" name="Прямоугольник 2"/>
+          <p:cNvSpPr>
+            <a:spLocks noChangeArrowheads="1"/>
+          </p:cNvSpPr>
+          <p:nvPr/>
+        </p:nvSpPr>
+        <p:spPr bwMode="auto">
+          <a:xfrm>
+            <a:off x="2362200" y="0"/>
+            <a:ext cx="5105400" cy="461963"/>
+          </a:xfrm>
+          <a:prstGeom prst="rect">
+            <a:avLst/>
+          </a:prstGeom>
+          <a:noFill/>
+          <a:ln>
+            <a:noFill/>
+          </a:ln>
+          <a:extLst>
+            <a:ext uri="{909E8E84-426E-40DD-AFC4-6F175D3DCCD1}">
+              <a14:hiddenFill xmlns:a14="http://schemas.microsoft.com/office/drawing/2010/main">
+                <a:solidFill>
+                  <a:srgbClr val="FFFFFF"/>
+                </a:solidFill>
+              </a14:hiddenFill>
+            </a:ext>
+            <a:ext uri="{91240B29-F687-4F45-9708-019B960494DF}">
+              <a14:hiddenLine xmlns:a14="http://schemas.microsoft.com/office/drawing/2010/main" w="9525">
+                <a:solidFill>
+                  <a:srgbClr val="000000"/>
+                </a:solidFill>
+                <a:miter lim="800000"/>
+                <a:headEnd/>
+                <a:tailEnd/>
+              </a14:hiddenLine>
+            </a:ext>
+          </a:extLst>
+        </p:spPr>
+        <p:txBody>
+          <a:bodyPr>
+            <a:spAutoFit/>
+          </a:bodyPr>
+          <a:lstStyle/>
+          <a:p>
+            <a:pPr algn="ctr"/>
+            <a:r>
+              <a:rPr lang="ru-RU" sz="2400" b="1"/>
+              <a:t>Анонимные методы.</a:t>
+            </a:r>
+          </a:p>
+        </p:txBody>
+      </p:sp>
+      <p:sp>
+        <p:nvSpPr>
+          <p:cNvPr id="8195" name="TextBox 6"/>
+          <p:cNvSpPr txBox="1">
+            <a:spLocks noChangeArrowheads="1"/>
+          </p:cNvSpPr>
+          <p:nvPr/>
+        </p:nvSpPr>
+        <p:spPr bwMode="auto">
+          <a:xfrm>
+            <a:off x="152400" y="457200"/>
+            <a:ext cx="8839200" cy="830263"/>
+          </a:xfrm>
+          <a:prstGeom prst="rect">
+            <a:avLst/>
+          </a:prstGeom>
+          <a:noFill/>
+          <a:ln>
+            <a:noFill/>
+          </a:ln>
+          <a:extLst>
+            <a:ext uri="{909E8E84-426E-40DD-AFC4-6F175D3DCCD1}">
+              <a14:hiddenFill xmlns:a14="http://schemas.microsoft.com/office/drawing/2010/main">
+                <a:solidFill>
+                  <a:srgbClr val="FFFFFF"/>
+                </a:solidFill>
+              </a14:hiddenFill>
+            </a:ext>
+            <a:ext uri="{91240B29-F687-4F45-9708-019B960494DF}">
+              <a14:hiddenLine xmlns:a14="http://schemas.microsoft.com/office/drawing/2010/main" w="9525">
+                <a:solidFill>
+                  <a:srgbClr val="000000"/>
+                </a:solidFill>
+                <a:miter lim="800000"/>
+                <a:headEnd/>
+                <a:tailEnd/>
+              </a14:hiddenLine>
+            </a:ext>
+          </a:extLst>
+        </p:spPr>
+        <p:txBody>
+          <a:bodyPr>
+            <a:spAutoFit/>
+          </a:bodyPr>
+          <a:lstStyle>
+            <a:lvl1pPr defTabSz="358775" eaLnBrk="0" hangingPunct="0">
+              <a:defRPr>
+                <a:solidFill>
+                  <a:schemeClr val="tx1"/>
+                </a:solidFill>
+                <a:latin typeface="Arial" charset="0"/>
+              </a:defRPr>
+            </a:lvl1pPr>
+            <a:lvl2pPr marL="742950" indent="-285750" defTabSz="358775" eaLnBrk="0" hangingPunct="0">
+              <a:defRPr>
+                <a:solidFill>
+                  <a:schemeClr val="tx1"/>
+                </a:solidFill>
+                <a:latin typeface="Arial" charset="0"/>
+              </a:defRPr>
+            </a:lvl2pPr>
+            <a:lvl3pPr marL="1143000" indent="-228600" defTabSz="358775" eaLnBrk="0" hangingPunct="0">
+              <a:defRPr>
+                <a:solidFill>
+                  <a:schemeClr val="tx1"/>
+                </a:solidFill>
+                <a:latin typeface="Arial" charset="0"/>
+              </a:defRPr>
+            </a:lvl3pPr>
+            <a:lvl4pPr marL="1600200" indent="-228600" defTabSz="358775" eaLnBrk="0" hangingPunct="0">
+              <a:defRPr>
+                <a:solidFill>
+                  <a:schemeClr val="tx1"/>
+                </a:solidFill>
+                <a:latin typeface="Arial" charset="0"/>
+              </a:defRPr>
+            </a:lvl4pPr>
+            <a:lvl5pPr marL="2057400" indent="-228600" defTabSz="358775" eaLnBrk="0" hangingPunct="0">
+              <a:defRPr>
+                <a:solidFill>
+                  <a:schemeClr val="tx1"/>
+                </a:solidFill>
+                <a:latin typeface="Arial" charset="0"/>
+              </a:defRPr>
+            </a:lvl5pPr>
+            <a:lvl6pPr marL="2514600" indent="-228600" defTabSz="358775" eaLnBrk="0" fontAlgn="base" hangingPunct="0">
+              <a:spcBef>
+                <a:spcPct val="0"/>
+              </a:spcBef>
+              <a:spcAft>
+                <a:spcPct val="0"/>
+              </a:spcAft>
+              <a:defRPr>
+                <a:solidFill>
+                  <a:schemeClr val="tx1"/>
+                </a:solidFill>
+                <a:latin typeface="Arial" charset="0"/>
+              </a:defRPr>
+            </a:lvl6pPr>
+            <a:lvl7pPr marL="2971800" indent="-228600" defTabSz="358775" eaLnBrk="0" fontAlgn="base" hangingPunct="0">
+              <a:spcBef>
+                <a:spcPct val="0"/>
+              </a:spcBef>
+              <a:spcAft>
+                <a:spcPct val="0"/>
+              </a:spcAft>
+              <a:defRPr>
+                <a:solidFill>
+                  <a:schemeClr val="tx1"/>
+                </a:solidFill>
+                <a:latin typeface="Arial" charset="0"/>
+              </a:defRPr>
+            </a:lvl7pPr>
+            <a:lvl8pPr marL="3429000" indent="-228600" defTabSz="358775" eaLnBrk="0" fontAlgn="base" hangingPunct="0">
+              <a:spcBef>
+                <a:spcPct val="0"/>
+              </a:spcBef>
+              <a:spcAft>
+                <a:spcPct val="0"/>
+              </a:spcAft>
+              <a:defRPr>
+                <a:solidFill>
+                  <a:schemeClr val="tx1"/>
+                </a:solidFill>
+                <a:latin typeface="Arial" charset="0"/>
+              </a:defRPr>
+            </a:lvl8pPr>
+            <a:lvl9pPr marL="3886200" indent="-228600" defTabSz="358775" eaLnBrk="0" fontAlgn="base" hangingPunct="0">
+              <a:spcBef>
+                <a:spcPct val="0"/>
+              </a:spcBef>
+              <a:spcAft>
+                <a:spcPct val="0"/>
+              </a:spcAft>
+              <a:defRPr>
+                <a:solidFill>
+                  <a:schemeClr val="tx1"/>
+                </a:solidFill>
+                <a:latin typeface="Arial" charset="0"/>
+              </a:defRPr>
+            </a:lvl9pPr>
+          </a:lstStyle>
+          <a:p>
+            <a:pPr eaLnBrk="1" hangingPunct="1"/>
+            <a:r>
+              <a:rPr lang="ru-RU" sz="1600"/>
+              <a:t>	Суть анонимных методов заключается в том, что при наличии делегата нет необходимости полностью описывать метод, указатель на который будет помещен в делегат. Исходя из этого</a:t>
+            </a:r>
+            <a:r>
+              <a:rPr lang="en-US" sz="1600"/>
+              <a:t>,</a:t>
+            </a:r>
+            <a:r>
+              <a:rPr lang="ru-RU" sz="1600"/>
+              <a:t> пример приобретает следующий вид</a:t>
+            </a:r>
+            <a:r>
+              <a:rPr lang="en-US" sz="1600"/>
+              <a:t>:</a:t>
+            </a:r>
+            <a:endParaRPr lang="be-BY" sz="1600">
+              <a:solidFill>
+                <a:srgbClr val="008080"/>
+              </a:solidFill>
+              <a:latin typeface="Courier New" pitchFamily="49" charset="0"/>
+              <a:cs typeface="Calibri" pitchFamily="34" charset="0"/>
+            </a:endParaRPr>
+          </a:p>
+        </p:txBody>
+      </p:sp>
+      <p:sp>
+        <p:nvSpPr>
+          <p:cNvPr id="32769" name="Rectangle 1"/>
+          <p:cNvSpPr>
+            <a:spLocks noChangeArrowheads="1"/>
+          </p:cNvSpPr>
+          <p:nvPr/>
+        </p:nvSpPr>
+        <p:spPr bwMode="auto">
+          <a:xfrm>
+            <a:off x="152400" y="1371600"/>
+            <a:ext cx="8839200" cy="4078288"/>
+          </a:xfrm>
+          <a:prstGeom prst="rect">
+            <a:avLst/>
+          </a:prstGeom>
+          <a:noFill/>
+          <a:ln w="9525">
+            <a:solidFill>
+              <a:schemeClr val="bg1">
+                <a:lumMod val="65000"/>
+              </a:schemeClr>
+            </a:solidFill>
+            <a:miter lim="800000"/>
+            <a:headEnd/>
+            <a:tailEnd/>
+          </a:ln>
+          <a:effectLst/>
+        </p:spPr>
+        <p:txBody>
+          <a:bodyPr anchor="ctr">
+            <a:spAutoFit/>
+          </a:bodyPr>
+          <a:lstStyle/>
+          <a:p>
+            <a:pPr eaLnBrk="0" hangingPunct="0">
+              <a:defRPr/>
+            </a:pPr>
+            <a:r>
+              <a:rPr lang="be-BY" sz="1000" dirty="0">
+                <a:solidFill>
+                  <a:schemeClr val="bg1"/>
+                </a:solidFill>
+                <a:latin typeface="Courier New" pitchFamily="49" charset="0"/>
+                <a:ea typeface="Calibri" pitchFamily="34" charset="0"/>
+                <a:cs typeface="Courier New" pitchFamily="49" charset="0"/>
+              </a:rPr>
+              <a:t>        delegate double Operator(double var1, double var2);</a:t>
+            </a:r>
+            <a:endParaRPr lang="be-BY" sz="900" dirty="0">
+              <a:solidFill>
+                <a:schemeClr val="bg1"/>
+              </a:solidFill>
+              <a:latin typeface="Arial" pitchFamily="34" charset="0"/>
+            </a:endParaRPr>
+          </a:p>
+          <a:p>
+            <a:pPr eaLnBrk="0" hangingPunct="0">
+              <a:defRPr/>
+            </a:pPr>
+            <a:endParaRPr lang="en-US" sz="1000" dirty="0">
+              <a:solidFill>
+                <a:schemeClr val="bg1"/>
+              </a:solidFill>
+              <a:latin typeface="Courier New" pitchFamily="49" charset="0"/>
+              <a:ea typeface="Calibri" pitchFamily="34" charset="0"/>
+              <a:cs typeface="Courier New" pitchFamily="49" charset="0"/>
+            </a:endParaRPr>
+          </a:p>
+          <a:p>
+            <a:pPr eaLnBrk="0" hangingPunct="0">
+              <a:defRPr/>
+            </a:pPr>
+            <a:r>
+              <a:rPr lang="be-BY" sz="1000" dirty="0">
+                <a:solidFill>
+                  <a:schemeClr val="bg1"/>
+                </a:solidFill>
+                <a:latin typeface="Courier New" pitchFamily="49" charset="0"/>
+                <a:ea typeface="Calibri" pitchFamily="34" charset="0"/>
+                <a:cs typeface="Courier New" pitchFamily="49" charset="0"/>
+              </a:rPr>
+              <a:t>        static void Calculate(Operator op)</a:t>
+            </a:r>
+            <a:endParaRPr lang="be-BY" sz="900" dirty="0">
+              <a:solidFill>
+                <a:schemeClr val="bg1"/>
+              </a:solidFill>
+              <a:latin typeface="Arial" pitchFamily="34" charset="0"/>
+            </a:endParaRPr>
+          </a:p>
+          <a:p>
+            <a:pPr eaLnBrk="0" hangingPunct="0">
+              <a:defRPr/>
+            </a:pPr>
+            <a:r>
+              <a:rPr lang="be-BY" sz="1000" dirty="0">
+                <a:solidFill>
+                  <a:schemeClr val="bg1"/>
+                </a:solidFill>
+                <a:latin typeface="Courier New" pitchFamily="49" charset="0"/>
+                <a:ea typeface="Calibri" pitchFamily="34" charset="0"/>
+                <a:cs typeface="Courier New" pitchFamily="49" charset="0"/>
+              </a:rPr>
+              <a:t>        {</a:t>
+            </a:r>
+            <a:endParaRPr lang="be-BY" sz="900" dirty="0">
+              <a:solidFill>
+                <a:schemeClr val="bg1"/>
+              </a:solidFill>
+              <a:latin typeface="Arial" pitchFamily="34" charset="0"/>
+            </a:endParaRPr>
+          </a:p>
+          <a:p>
+            <a:pPr eaLnBrk="0" hangingPunct="0">
+              <a:defRPr/>
+            </a:pPr>
+            <a:r>
+              <a:rPr lang="be-BY" sz="1000" dirty="0">
+                <a:solidFill>
+                  <a:schemeClr val="bg1"/>
+                </a:solidFill>
+                <a:latin typeface="Courier New" pitchFamily="49" charset="0"/>
+                <a:ea typeface="Calibri" pitchFamily="34" charset="0"/>
+                <a:cs typeface="Courier New" pitchFamily="49" charset="0"/>
+              </a:rPr>
+              <a:t>            double a = Double.Parse(Console.ReadLine());</a:t>
+            </a:r>
+            <a:endParaRPr lang="be-BY" sz="900" dirty="0">
+              <a:solidFill>
+                <a:schemeClr val="bg1"/>
+              </a:solidFill>
+              <a:latin typeface="Arial" pitchFamily="34" charset="0"/>
+            </a:endParaRPr>
+          </a:p>
+          <a:p>
+            <a:pPr eaLnBrk="0" hangingPunct="0">
+              <a:defRPr/>
+            </a:pPr>
+            <a:r>
+              <a:rPr lang="be-BY" sz="1000" dirty="0">
+                <a:solidFill>
+                  <a:schemeClr val="bg1"/>
+                </a:solidFill>
+                <a:latin typeface="Courier New" pitchFamily="49" charset="0"/>
+                <a:ea typeface="Calibri" pitchFamily="34" charset="0"/>
+                <a:cs typeface="Courier New" pitchFamily="49" charset="0"/>
+              </a:rPr>
+              <a:t>            double b = Double.Parse(Console.ReadLine());</a:t>
+            </a:r>
+            <a:endParaRPr lang="be-BY" sz="900" dirty="0">
+              <a:solidFill>
+                <a:schemeClr val="bg1"/>
+              </a:solidFill>
+              <a:latin typeface="Arial" pitchFamily="34" charset="0"/>
+            </a:endParaRPr>
+          </a:p>
+          <a:p>
+            <a:pPr eaLnBrk="0" hangingPunct="0">
+              <a:defRPr/>
+            </a:pPr>
+            <a:r>
+              <a:rPr lang="be-BY" sz="1000" dirty="0">
+                <a:solidFill>
+                  <a:schemeClr val="bg1"/>
+                </a:solidFill>
+                <a:latin typeface="Courier New" pitchFamily="49" charset="0"/>
+                <a:ea typeface="Calibri" pitchFamily="34" charset="0"/>
+                <a:cs typeface="Courier New" pitchFamily="49" charset="0"/>
+              </a:rPr>
+              <a:t>            Console.WriteLine("Answer is : {0}", op(a, b));</a:t>
+            </a:r>
+            <a:endParaRPr lang="be-BY" sz="900" dirty="0">
+              <a:solidFill>
+                <a:schemeClr val="bg1"/>
+              </a:solidFill>
+              <a:latin typeface="Arial" pitchFamily="34" charset="0"/>
+            </a:endParaRPr>
+          </a:p>
+          <a:p>
+            <a:pPr eaLnBrk="0" hangingPunct="0">
+              <a:defRPr/>
+            </a:pPr>
+            <a:r>
+              <a:rPr lang="be-BY" sz="1000" dirty="0">
+                <a:solidFill>
+                  <a:schemeClr val="bg1"/>
+                </a:solidFill>
+                <a:latin typeface="Courier New" pitchFamily="49" charset="0"/>
+                <a:ea typeface="Calibri" pitchFamily="34" charset="0"/>
+                <a:cs typeface="Courier New" pitchFamily="49" charset="0"/>
+              </a:rPr>
+              <a:t>        }</a:t>
+            </a:r>
+            <a:endParaRPr lang="en-US" sz="1000" dirty="0">
+              <a:solidFill>
+                <a:schemeClr val="bg1"/>
+              </a:solidFill>
+              <a:latin typeface="Courier New" pitchFamily="49" charset="0"/>
+              <a:ea typeface="Calibri" pitchFamily="34" charset="0"/>
+              <a:cs typeface="Courier New" pitchFamily="49" charset="0"/>
+            </a:endParaRPr>
+          </a:p>
+          <a:p>
+            <a:pPr eaLnBrk="0" hangingPunct="0">
+              <a:defRPr/>
+            </a:pPr>
+            <a:endParaRPr lang="be-BY" sz="900" dirty="0">
+              <a:solidFill>
+                <a:schemeClr val="bg1"/>
+              </a:solidFill>
+              <a:latin typeface="Arial" pitchFamily="34" charset="0"/>
+            </a:endParaRPr>
+          </a:p>
+          <a:p>
+            <a:pPr eaLnBrk="0" hangingPunct="0">
+              <a:defRPr/>
+            </a:pPr>
+            <a:r>
+              <a:rPr lang="be-BY" sz="1000" dirty="0">
+                <a:solidFill>
+                  <a:schemeClr val="bg1"/>
+                </a:solidFill>
+                <a:latin typeface="Courier New" pitchFamily="49" charset="0"/>
+                <a:ea typeface="Calibri" pitchFamily="34" charset="0"/>
+                <a:cs typeface="Courier New" pitchFamily="49" charset="0"/>
+              </a:rPr>
+              <a:t>        static void Main(string[] args)</a:t>
+            </a:r>
+            <a:endParaRPr lang="be-BY" sz="900" dirty="0">
+              <a:solidFill>
+                <a:schemeClr val="bg1"/>
+              </a:solidFill>
+              <a:latin typeface="Arial" pitchFamily="34" charset="0"/>
+            </a:endParaRPr>
+          </a:p>
+          <a:p>
+            <a:pPr eaLnBrk="0" hangingPunct="0">
+              <a:defRPr/>
+            </a:pPr>
+            <a:r>
+              <a:rPr lang="be-BY" sz="1000" dirty="0">
+                <a:solidFill>
+                  <a:schemeClr val="bg1"/>
+                </a:solidFill>
+                <a:latin typeface="Courier New" pitchFamily="49" charset="0"/>
+                <a:ea typeface="Calibri" pitchFamily="34" charset="0"/>
+                <a:cs typeface="Courier New" pitchFamily="49" charset="0"/>
+              </a:rPr>
+              <a:t>        {</a:t>
+            </a:r>
+            <a:endParaRPr lang="be-BY" sz="900" dirty="0">
+              <a:solidFill>
+                <a:schemeClr val="bg1"/>
+              </a:solidFill>
+              <a:latin typeface="Arial" pitchFamily="34" charset="0"/>
+            </a:endParaRPr>
+          </a:p>
+          <a:p>
+            <a:pPr eaLnBrk="0" hangingPunct="0">
+              <a:defRPr/>
+            </a:pPr>
+            <a:r>
+              <a:rPr lang="be-BY" sz="1000" dirty="0">
+                <a:solidFill>
+                  <a:schemeClr val="bg1"/>
+                </a:solidFill>
+                <a:latin typeface="Courier New" pitchFamily="49" charset="0"/>
+                <a:ea typeface="Calibri" pitchFamily="34" charset="0"/>
+                <a:cs typeface="Courier New" pitchFamily="49" charset="0"/>
+              </a:rPr>
+              <a:t>            Operator p = delegate(double a, double b)</a:t>
+            </a:r>
+            <a:endParaRPr lang="be-BY" sz="900" dirty="0">
+              <a:solidFill>
+                <a:schemeClr val="bg1"/>
+              </a:solidFill>
+              <a:latin typeface="Arial" pitchFamily="34" charset="0"/>
+            </a:endParaRPr>
+          </a:p>
+          <a:p>
+            <a:pPr eaLnBrk="0" hangingPunct="0">
+              <a:defRPr/>
+            </a:pPr>
+            <a:r>
+              <a:rPr lang="be-BY" sz="1000" dirty="0">
+                <a:solidFill>
+                  <a:schemeClr val="bg1"/>
+                </a:solidFill>
+                <a:latin typeface="Courier New" pitchFamily="49" charset="0"/>
+                <a:ea typeface="Calibri" pitchFamily="34" charset="0"/>
+                <a:cs typeface="Courier New" pitchFamily="49" charset="0"/>
+              </a:rPr>
+              <a:t>                                {</a:t>
+            </a:r>
+            <a:endParaRPr lang="be-BY" sz="900" dirty="0">
+              <a:solidFill>
+                <a:schemeClr val="bg1"/>
+              </a:solidFill>
+              <a:latin typeface="Arial" pitchFamily="34" charset="0"/>
+            </a:endParaRPr>
+          </a:p>
+          <a:p>
+            <a:pPr eaLnBrk="0" hangingPunct="0">
+              <a:defRPr/>
+            </a:pPr>
+            <a:r>
+              <a:rPr lang="be-BY" sz="1000" dirty="0">
+                <a:solidFill>
+                  <a:schemeClr val="bg1"/>
+                </a:solidFill>
+                <a:latin typeface="Courier New" pitchFamily="49" charset="0"/>
+                <a:ea typeface="Calibri" pitchFamily="34" charset="0"/>
+                <a:cs typeface="Courier New" pitchFamily="49" charset="0"/>
+              </a:rPr>
+              <a:t>                                    return a + b;</a:t>
+            </a:r>
+            <a:endParaRPr lang="be-BY" sz="900" dirty="0">
+              <a:solidFill>
+                <a:schemeClr val="bg1"/>
+              </a:solidFill>
+              <a:latin typeface="Arial" pitchFamily="34" charset="0"/>
+            </a:endParaRPr>
+          </a:p>
+          <a:p>
+            <a:pPr eaLnBrk="0" hangingPunct="0">
+              <a:defRPr/>
+            </a:pPr>
+            <a:r>
+              <a:rPr lang="be-BY" sz="1000" dirty="0">
+                <a:solidFill>
+                  <a:schemeClr val="bg1"/>
+                </a:solidFill>
+                <a:latin typeface="Courier New" pitchFamily="49" charset="0"/>
+                <a:ea typeface="Calibri" pitchFamily="34" charset="0"/>
+                <a:cs typeface="Courier New" pitchFamily="49" charset="0"/>
+              </a:rPr>
+              <a:t>                                };</a:t>
+            </a:r>
+            <a:endParaRPr lang="be-BY" sz="900" dirty="0">
+              <a:solidFill>
+                <a:schemeClr val="bg1"/>
+              </a:solidFill>
+              <a:latin typeface="Arial" pitchFamily="34" charset="0"/>
+            </a:endParaRPr>
+          </a:p>
+          <a:p>
+            <a:pPr eaLnBrk="0" hangingPunct="0">
+              <a:defRPr/>
+            </a:pPr>
+            <a:endParaRPr lang="en-US" sz="1000" dirty="0">
+              <a:solidFill>
+                <a:schemeClr val="bg1"/>
+              </a:solidFill>
+              <a:latin typeface="Courier New" pitchFamily="49" charset="0"/>
+              <a:ea typeface="Calibri" pitchFamily="34" charset="0"/>
+              <a:cs typeface="Courier New" pitchFamily="49" charset="0"/>
+            </a:endParaRPr>
+          </a:p>
+          <a:p>
+            <a:pPr eaLnBrk="0" hangingPunct="0">
+              <a:defRPr/>
+            </a:pPr>
+            <a:r>
+              <a:rPr lang="be-BY" sz="1000" dirty="0">
+                <a:solidFill>
+                  <a:schemeClr val="bg1"/>
+                </a:solidFill>
+                <a:latin typeface="Courier New" pitchFamily="49" charset="0"/>
+                <a:ea typeface="Calibri" pitchFamily="34" charset="0"/>
+                <a:cs typeface="Courier New" pitchFamily="49" charset="0"/>
+              </a:rPr>
+              <a:t>            Operator d = delegate(double a, double b)</a:t>
+            </a:r>
+            <a:endParaRPr lang="be-BY" sz="900" dirty="0">
+              <a:solidFill>
+                <a:schemeClr val="bg1"/>
+              </a:solidFill>
+              <a:latin typeface="Arial" pitchFamily="34" charset="0"/>
+            </a:endParaRPr>
+          </a:p>
+          <a:p>
+            <a:pPr eaLnBrk="0" hangingPunct="0">
+              <a:defRPr/>
+            </a:pPr>
+            <a:r>
+              <a:rPr lang="be-BY" sz="1000" dirty="0">
+                <a:solidFill>
+                  <a:schemeClr val="bg1"/>
+                </a:solidFill>
+                <a:latin typeface="Courier New" pitchFamily="49" charset="0"/>
+                <a:ea typeface="Calibri" pitchFamily="34" charset="0"/>
+                <a:cs typeface="Courier New" pitchFamily="49" charset="0"/>
+              </a:rPr>
+              <a:t>                                {</a:t>
+            </a:r>
+            <a:endParaRPr lang="be-BY" sz="900" dirty="0">
+              <a:solidFill>
+                <a:schemeClr val="bg1"/>
+              </a:solidFill>
+              <a:latin typeface="Arial" pitchFamily="34" charset="0"/>
+            </a:endParaRPr>
+          </a:p>
+          <a:p>
+            <a:pPr eaLnBrk="0" hangingPunct="0">
+              <a:defRPr/>
+            </a:pPr>
+            <a:r>
+              <a:rPr lang="be-BY" sz="1000" dirty="0">
+                <a:solidFill>
+                  <a:schemeClr val="bg1"/>
+                </a:solidFill>
+                <a:latin typeface="Courier New" pitchFamily="49" charset="0"/>
+                <a:ea typeface="Calibri" pitchFamily="34" charset="0"/>
+                <a:cs typeface="Courier New" pitchFamily="49" charset="0"/>
+              </a:rPr>
+              <a:t>                                    if (b == 0)</a:t>
+            </a:r>
+            <a:endParaRPr lang="be-BY" sz="900" dirty="0">
+              <a:solidFill>
+                <a:schemeClr val="bg1"/>
+              </a:solidFill>
+              <a:latin typeface="Arial" pitchFamily="34" charset="0"/>
+            </a:endParaRPr>
+          </a:p>
+          <a:p>
+            <a:pPr eaLnBrk="0" hangingPunct="0">
+              <a:defRPr/>
+            </a:pPr>
+            <a:r>
+              <a:rPr lang="be-BY" sz="1000" dirty="0">
+                <a:solidFill>
+                  <a:schemeClr val="bg1"/>
+                </a:solidFill>
+                <a:latin typeface="Courier New" pitchFamily="49" charset="0"/>
+                <a:ea typeface="Calibri" pitchFamily="34" charset="0"/>
+                <a:cs typeface="Courier New" pitchFamily="49" charset="0"/>
+              </a:rPr>
+              <a:t>                                        throw new DivideByZeroException();</a:t>
+            </a:r>
+            <a:endParaRPr lang="be-BY" sz="900" dirty="0">
+              <a:solidFill>
+                <a:schemeClr val="bg1"/>
+              </a:solidFill>
+              <a:latin typeface="Arial" pitchFamily="34" charset="0"/>
+            </a:endParaRPr>
+          </a:p>
+          <a:p>
+            <a:pPr eaLnBrk="0" hangingPunct="0">
+              <a:defRPr/>
+            </a:pPr>
+            <a:r>
+              <a:rPr lang="be-BY" sz="1000" dirty="0">
+                <a:solidFill>
+                  <a:schemeClr val="bg1"/>
+                </a:solidFill>
+                <a:latin typeface="Courier New" pitchFamily="49" charset="0"/>
+                <a:ea typeface="Calibri" pitchFamily="34" charset="0"/>
+                <a:cs typeface="Courier New" pitchFamily="49" charset="0"/>
+              </a:rPr>
+              <a:t>                                    return a / b;</a:t>
+            </a:r>
+            <a:endParaRPr lang="be-BY" sz="900" dirty="0">
+              <a:solidFill>
+                <a:schemeClr val="bg1"/>
+              </a:solidFill>
+              <a:latin typeface="Arial" pitchFamily="34" charset="0"/>
+            </a:endParaRPr>
+          </a:p>
+          <a:p>
+            <a:pPr eaLnBrk="0" hangingPunct="0">
+              <a:defRPr/>
+            </a:pPr>
+            <a:r>
+              <a:rPr lang="be-BY" sz="1000" dirty="0">
+                <a:solidFill>
+                  <a:schemeClr val="bg1"/>
+                </a:solidFill>
+                <a:latin typeface="Courier New" pitchFamily="49" charset="0"/>
+                <a:ea typeface="Calibri" pitchFamily="34" charset="0"/>
+                <a:cs typeface="Courier New" pitchFamily="49" charset="0"/>
+              </a:rPr>
+              <a:t>                                };</a:t>
+            </a:r>
+            <a:endParaRPr lang="be-BY" sz="900" dirty="0">
+              <a:solidFill>
+                <a:schemeClr val="bg1"/>
+              </a:solidFill>
+              <a:latin typeface="Arial" pitchFamily="34" charset="0"/>
+            </a:endParaRPr>
+          </a:p>
+          <a:p>
+            <a:pPr eaLnBrk="0" hangingPunct="0">
+              <a:defRPr/>
+            </a:pPr>
+            <a:endParaRPr lang="en-US" sz="1000" dirty="0">
+              <a:solidFill>
+                <a:schemeClr val="bg1"/>
+              </a:solidFill>
+              <a:latin typeface="Courier New" pitchFamily="49" charset="0"/>
+              <a:ea typeface="Calibri" pitchFamily="34" charset="0"/>
+              <a:cs typeface="Courier New" pitchFamily="49" charset="0"/>
+            </a:endParaRPr>
+          </a:p>
+          <a:p>
+            <a:pPr eaLnBrk="0" hangingPunct="0">
+              <a:defRPr/>
+            </a:pPr>
+            <a:r>
+              <a:rPr lang="be-BY" sz="1000" dirty="0">
+                <a:solidFill>
+                  <a:schemeClr val="bg1"/>
+                </a:solidFill>
+                <a:latin typeface="Courier New" pitchFamily="49" charset="0"/>
+                <a:ea typeface="Calibri" pitchFamily="34" charset="0"/>
+                <a:cs typeface="Courier New" pitchFamily="49" charset="0"/>
+              </a:rPr>
+              <a:t>            Calculate(p);</a:t>
+            </a:r>
+            <a:endParaRPr lang="be-BY" sz="900" dirty="0">
+              <a:solidFill>
+                <a:schemeClr val="bg1"/>
+              </a:solidFill>
+              <a:latin typeface="Arial" pitchFamily="34" charset="0"/>
+            </a:endParaRPr>
+          </a:p>
+          <a:p>
+            <a:pPr eaLnBrk="0" hangingPunct="0">
+              <a:defRPr/>
+            </a:pPr>
+            <a:r>
+              <a:rPr lang="be-BY" sz="1000" dirty="0">
+                <a:solidFill>
+                  <a:schemeClr val="bg1"/>
+                </a:solidFill>
+                <a:latin typeface="Courier New" pitchFamily="49" charset="0"/>
+                <a:ea typeface="Calibri" pitchFamily="34" charset="0"/>
+                <a:cs typeface="Courier New" pitchFamily="49" charset="0"/>
+              </a:rPr>
+              <a:t>            Calculate(d);</a:t>
+            </a:r>
+            <a:endParaRPr lang="be-BY" sz="900" dirty="0">
+              <a:solidFill>
+                <a:schemeClr val="bg1"/>
+              </a:solidFill>
+              <a:latin typeface="Arial" pitchFamily="34" charset="0"/>
+            </a:endParaRPr>
+          </a:p>
+          <a:p>
+            <a:pPr eaLnBrk="0" hangingPunct="0">
+              <a:defRPr/>
+            </a:pPr>
+            <a:r>
+              <a:rPr lang="be-BY" sz="1000" dirty="0">
+                <a:solidFill>
+                  <a:schemeClr val="bg1"/>
+                </a:solidFill>
+                <a:latin typeface="Courier New" pitchFamily="49" charset="0"/>
+                <a:ea typeface="Calibri" pitchFamily="34" charset="0"/>
+                <a:cs typeface="Courier New" pitchFamily="49" charset="0"/>
+              </a:rPr>
+              <a:t>        }</a:t>
+            </a:r>
+            <a:endParaRPr lang="be-BY" dirty="0">
+              <a:solidFill>
+                <a:schemeClr val="bg1"/>
+              </a:solidFill>
+              <a:latin typeface="Arial" pitchFamily="34" charset="0"/>
+            </a:endParaRPr>
+          </a:p>
+        </p:txBody>
+      </p:sp>
+      <p:sp>
+        <p:nvSpPr>
+          <p:cNvPr id="8197" name="TextBox 6"/>
+          <p:cNvSpPr txBox="1">
+            <a:spLocks noChangeArrowheads="1"/>
+          </p:cNvSpPr>
+          <p:nvPr/>
+        </p:nvSpPr>
+        <p:spPr bwMode="auto">
+          <a:xfrm>
+            <a:off x="152400" y="5570538"/>
+            <a:ext cx="8839200" cy="584200"/>
+          </a:xfrm>
+          <a:prstGeom prst="rect">
+            <a:avLst/>
+          </a:prstGeom>
+          <a:noFill/>
+          <a:ln>
+            <a:noFill/>
+          </a:ln>
+          <a:extLst>
+            <a:ext uri="{909E8E84-426E-40DD-AFC4-6F175D3DCCD1}">
+              <a14:hiddenFill xmlns:a14="http://schemas.microsoft.com/office/drawing/2010/main">
+                <a:solidFill>
+                  <a:srgbClr val="FFFFFF"/>
+                </a:solidFill>
+              </a14:hiddenFill>
+            </a:ext>
+            <a:ext uri="{91240B29-F687-4F45-9708-019B960494DF}">
+              <a14:hiddenLine xmlns:a14="http://schemas.microsoft.com/office/drawing/2010/main" w="9525">
+                <a:solidFill>
+                  <a:srgbClr val="000000"/>
+                </a:solidFill>
+                <a:miter lim="800000"/>
+                <a:headEnd/>
+                <a:tailEnd/>
+              </a14:hiddenLine>
+            </a:ext>
+          </a:extLst>
+        </p:spPr>
+        <p:txBody>
+          <a:bodyPr>
+            <a:spAutoFit/>
+          </a:bodyPr>
+          <a:lstStyle>
+            <a:lvl1pPr defTabSz="358775" eaLnBrk="0" hangingPunct="0">
+              <a:defRPr>
+                <a:solidFill>
+                  <a:schemeClr val="tx1"/>
+                </a:solidFill>
+                <a:latin typeface="Arial" charset="0"/>
+              </a:defRPr>
+            </a:lvl1pPr>
+            <a:lvl2pPr marL="742950" indent="-285750" defTabSz="358775" eaLnBrk="0" hangingPunct="0">
+              <a:defRPr>
+                <a:solidFill>
+                  <a:schemeClr val="tx1"/>
+                </a:solidFill>
+                <a:latin typeface="Arial" charset="0"/>
+              </a:defRPr>
+            </a:lvl2pPr>
+            <a:lvl3pPr marL="1143000" indent="-228600" defTabSz="358775" eaLnBrk="0" hangingPunct="0">
+              <a:defRPr>
+                <a:solidFill>
+                  <a:schemeClr val="tx1"/>
+                </a:solidFill>
+                <a:latin typeface="Arial" charset="0"/>
+              </a:defRPr>
+            </a:lvl3pPr>
+            <a:lvl4pPr marL="1600200" indent="-228600" defTabSz="358775" eaLnBrk="0" hangingPunct="0">
+              <a:defRPr>
+                <a:solidFill>
+                  <a:schemeClr val="tx1"/>
+                </a:solidFill>
+                <a:latin typeface="Arial" charset="0"/>
+              </a:defRPr>
+            </a:lvl4pPr>
+            <a:lvl5pPr marL="2057400" indent="-228600" defTabSz="358775" eaLnBrk="0" hangingPunct="0">
+              <a:defRPr>
+                <a:solidFill>
+                  <a:schemeClr val="tx1"/>
+                </a:solidFill>
+                <a:latin typeface="Arial" charset="0"/>
+              </a:defRPr>
+            </a:lvl5pPr>
+            <a:lvl6pPr marL="2514600" indent="-228600" defTabSz="358775" eaLnBrk="0" fontAlgn="base" hangingPunct="0">
+              <a:spcBef>
+                <a:spcPct val="0"/>
+              </a:spcBef>
+              <a:spcAft>
+                <a:spcPct val="0"/>
+              </a:spcAft>
+              <a:defRPr>
+                <a:solidFill>
+                  <a:schemeClr val="tx1"/>
+                </a:solidFill>
+                <a:latin typeface="Arial" charset="0"/>
+              </a:defRPr>
+            </a:lvl6pPr>
+            <a:lvl7pPr marL="2971800" indent="-228600" defTabSz="358775" eaLnBrk="0" fontAlgn="base" hangingPunct="0">
+              <a:spcBef>
+                <a:spcPct val="0"/>
+              </a:spcBef>
+              <a:spcAft>
+                <a:spcPct val="0"/>
+              </a:spcAft>
+              <a:defRPr>
+                <a:solidFill>
+                  <a:schemeClr val="tx1"/>
+                </a:solidFill>
+                <a:latin typeface="Arial" charset="0"/>
+              </a:defRPr>
+            </a:lvl7pPr>
+            <a:lvl8pPr marL="3429000" indent="-228600" defTabSz="358775" eaLnBrk="0" fontAlgn="base" hangingPunct="0">
+              <a:spcBef>
+                <a:spcPct val="0"/>
+              </a:spcBef>
+              <a:spcAft>
+                <a:spcPct val="0"/>
+              </a:spcAft>
+              <a:defRPr>
+                <a:solidFill>
+                  <a:schemeClr val="tx1"/>
+                </a:solidFill>
+                <a:latin typeface="Arial" charset="0"/>
+              </a:defRPr>
+            </a:lvl8pPr>
+            <a:lvl9pPr marL="3886200" indent="-228600" defTabSz="358775" eaLnBrk="0" fontAlgn="base" hangingPunct="0">
+              <a:spcBef>
+                <a:spcPct val="0"/>
+              </a:spcBef>
+              <a:spcAft>
+                <a:spcPct val="0"/>
+              </a:spcAft>
+              <a:defRPr>
+                <a:solidFill>
+                  <a:schemeClr val="tx1"/>
+                </a:solidFill>
+                <a:latin typeface="Arial" charset="0"/>
+              </a:defRPr>
+            </a:lvl9pPr>
+          </a:lstStyle>
+          <a:p>
+            <a:pPr eaLnBrk="1" hangingPunct="1"/>
+            <a:r>
+              <a:rPr lang="ru-RU" sz="1600"/>
+              <a:t>	Анонимные методы должны полностью поддерживать сигнатуру делегата, в том числе и тип возвращаемых значений.</a:t>
+            </a:r>
+            <a:endParaRPr lang="be-BY" sz="1600">
+              <a:solidFill>
+                <a:srgbClr val="008080"/>
+              </a:solidFill>
+              <a:latin typeface="Courier New" pitchFamily="49" charset="0"/>
+              <a:cs typeface="Calibri" pitchFamily="34" charset="0"/>
+            </a:endParaRPr>
+          </a:p>
+        </p:txBody>
+      </p:sp>
+    </p:spTree>
+    <p:extLst>
+      <p:ext uri="{BB962C8B-B14F-4D97-AF65-F5344CB8AC3E}">
+        <p14:creationId xmlns:p14="http://schemas.microsoft.com/office/powerpoint/2010/main" val="2009776621"/>
+      </p:ext>
+    </p:extLst>
+  </p:cSld>
+  <p:clrMapOvr>
+    <a:masterClrMapping/>
+  </p:clrMapOvr>
+</p:sld>
+</file>
+
+<file path=ppt/slides/slide11.xml><?xml version="1.0" encoding="utf-8"?>
+<p:sld xmlns:a="http://schemas.openxmlformats.org/drawingml/2006/main" xmlns:r="http://schemas.openxmlformats.org/officeDocument/2006/relationships" xmlns:p="http://schemas.openxmlformats.org/presentationml/2006/main">
+  <p:cSld>
+    <p:bg>
+      <p:bgPr>
+        <a:blipFill dpi="0" rotWithShape="1">
+          <a:blip r:embed="rId2">
+            <a:lum/>
+          </a:blip>
+          <a:srcRect/>
+          <a:stretch>
+            <a:fillRect/>
+          </a:stretch>
+        </a:blipFill>
+        <a:effectLst/>
+      </p:bgPr>
+    </p:bg>
+    <p:spTree>
+      <p:nvGrpSpPr>
+        <p:cNvPr id="1" name=""/>
+        <p:cNvGrpSpPr/>
+        <p:nvPr/>
+      </p:nvGrpSpPr>
+      <p:grpSpPr>
+        <a:xfrm>
+          <a:off x="0" y="0"/>
+          <a:ext cx="0" cy="0"/>
+          <a:chOff x="0" y="0"/>
+          <a:chExt cx="0" cy="0"/>
+        </a:xfrm>
+      </p:grpSpPr>
+      <p:sp>
+        <p:nvSpPr>
           <p:cNvPr id="2" name="Title 1"/>
           <p:cNvSpPr>
             <a:spLocks noGrp="1"/>
@@ -3519,7 +4519,7 @@
     </p:spTree>
     <p:extLst>
       <p:ext uri="{BB962C8B-B14F-4D97-AF65-F5344CB8AC3E}">
-        <p14:creationId xmlns:p14="http://schemas.microsoft.com/office/powerpoint/2010/main" val="887225517"/>
+        <p14:creationId xmlns:p14="http://schemas.microsoft.com/office/powerpoint/2010/main" val="18165384"/>
       </p:ext>
     </p:extLst>
   </p:cSld>
@@ -3529,7 +4529,7 @@
 </p:sld>
 </file>
 
-<file path=ppt/slides/slide11.xml><?xml version="1.0" encoding="utf-8"?>
+<file path=ppt/slides/slide12.xml><?xml version="1.0" encoding="utf-8"?>
 <p:sld xmlns:a="http://schemas.openxmlformats.org/drawingml/2006/main" xmlns:r="http://schemas.openxmlformats.org/officeDocument/2006/relationships" xmlns:p="http://schemas.openxmlformats.org/presentationml/2006/main">
   <p:cSld>
     <p:bg>
@@ -4550,7 +5550,7 @@
 </p:sld>
 </file>
 
-<file path=ppt/slides/slide12.xml><?xml version="1.0" encoding="utf-8"?>
+<file path=ppt/slides/slide13.xml><?xml version="1.0" encoding="utf-8"?>
 <p:sld xmlns:a="http://schemas.openxmlformats.org/drawingml/2006/main" xmlns:r="http://schemas.openxmlformats.org/officeDocument/2006/relationships" xmlns:p="http://schemas.openxmlformats.org/presentationml/2006/main">
   <p:cSld>
     <p:bg>
@@ -5808,7 +6808,7 @@
 </p:sld>
 </file>
 
-<file path=ppt/slides/slide13.xml><?xml version="1.0" encoding="utf-8"?>
+<file path=ppt/slides/slide14.xml><?xml version="1.0" encoding="utf-8"?>
 <p:sld xmlns:a="http://schemas.openxmlformats.org/drawingml/2006/main" xmlns:r="http://schemas.openxmlformats.org/officeDocument/2006/relationships" xmlns:p="http://schemas.openxmlformats.org/presentationml/2006/main">
   <p:cSld>
     <p:bg>
@@ -6623,7 +7623,7 @@
 </p:sld>
 </file>
 
-<file path=ppt/slides/slide14.xml><?xml version="1.0" encoding="utf-8"?>
+<file path=ppt/slides/slide15.xml><?xml version="1.0" encoding="utf-8"?>
 <p:sld xmlns:a="http://schemas.openxmlformats.org/drawingml/2006/main" xmlns:r="http://schemas.openxmlformats.org/officeDocument/2006/relationships" xmlns:p="http://schemas.openxmlformats.org/presentationml/2006/main" show="0">
   <p:cSld>
     <p:bg>
@@ -6888,7 +7888,7 @@
 </p:sld>
 </file>
 
-<file path=ppt/slides/slide15.xml><?xml version="1.0" encoding="utf-8"?>
+<file path=ppt/slides/slide16.xml><?xml version="1.0" encoding="utf-8"?>
 <p:sld xmlns:a="http://schemas.openxmlformats.org/drawingml/2006/main" xmlns:r="http://schemas.openxmlformats.org/officeDocument/2006/relationships" xmlns:p="http://schemas.openxmlformats.org/presentationml/2006/main">
   <p:cSld>
     <p:bg>
@@ -6995,7 +7995,7 @@
 </p:sld>
 </file>
 
-<file path=ppt/slides/slide16.xml><?xml version="1.0" encoding="utf-8"?>
+<file path=ppt/slides/slide17.xml><?xml version="1.0" encoding="utf-8"?>
 <p:sld xmlns:a="http://schemas.openxmlformats.org/drawingml/2006/main" xmlns:r="http://schemas.openxmlformats.org/officeDocument/2006/relationships" xmlns:p="http://schemas.openxmlformats.org/presentationml/2006/main">
   <p:cSld>
     <p:bg>
@@ -7687,7 +8687,7 @@
 </p:sld>
 </file>
 
-<file path=ppt/slides/slide17.xml><?xml version="1.0" encoding="utf-8"?>
+<file path=ppt/slides/slide18.xml><?xml version="1.0" encoding="utf-8"?>
 <p:sld xmlns:a="http://schemas.openxmlformats.org/drawingml/2006/main" xmlns:r="http://schemas.openxmlformats.org/officeDocument/2006/relationships" xmlns:p="http://schemas.openxmlformats.org/presentationml/2006/main">
   <p:cSld>
     <p:bg>
@@ -8485,7 +9485,7 @@
 </p:sld>
 </file>
 
-<file path=ppt/slides/slide18.xml><?xml version="1.0" encoding="utf-8"?>
+<file path=ppt/slides/slide19.xml><?xml version="1.0" encoding="utf-8"?>
 <p:sld xmlns:a="http://schemas.openxmlformats.org/drawingml/2006/main" xmlns:r="http://schemas.openxmlformats.org/officeDocument/2006/relationships" xmlns:p="http://schemas.openxmlformats.org/presentationml/2006/main">
   <p:cSld>
     <p:bg>
@@ -9514,7 +10514,160 @@
 </p:sld>
 </file>
 
-<file path=ppt/slides/slide19.xml><?xml version="1.0" encoding="utf-8"?>
+<file path=ppt/slides/slide2.xml><?xml version="1.0" encoding="utf-8"?>
+<p:sld xmlns:a="http://schemas.openxmlformats.org/drawingml/2006/main" xmlns:r="http://schemas.openxmlformats.org/officeDocument/2006/relationships" xmlns:p="http://schemas.openxmlformats.org/presentationml/2006/main">
+  <p:cSld>
+    <p:bg>
+      <p:bgPr>
+        <a:blipFill dpi="0" rotWithShape="1">
+          <a:blip r:embed="rId2">
+            <a:lum/>
+          </a:blip>
+          <a:srcRect/>
+          <a:stretch>
+            <a:fillRect/>
+          </a:stretch>
+        </a:blipFill>
+        <a:effectLst/>
+      </p:bgPr>
+    </p:bg>
+    <p:spTree>
+      <p:nvGrpSpPr>
+        <p:cNvPr id="1" name=""/>
+        <p:cNvGrpSpPr/>
+        <p:nvPr/>
+      </p:nvGrpSpPr>
+      <p:grpSpPr>
+        <a:xfrm>
+          <a:off x="0" y="0"/>
+          <a:ext cx="0" cy="0"/>
+          <a:chOff x="0" y="0"/>
+          <a:chExt cx="0" cy="0"/>
+        </a:xfrm>
+      </p:grpSpPr>
+      <p:sp>
+        <p:nvSpPr>
+          <p:cNvPr id="2" name="Title 1"/>
+          <p:cNvSpPr>
+            <a:spLocks noGrp="1"/>
+          </p:cNvSpPr>
+          <p:nvPr>
+            <p:ph type="title"/>
+          </p:nvPr>
+        </p:nvSpPr>
+        <p:spPr/>
+        <p:txBody>
+          <a:bodyPr/>
+          <a:lstStyle/>
+          <a:p>
+            <a:r>
+              <a:rPr lang="ru-RU" dirty="0">
+                <a:solidFill>
+                  <a:schemeClr val="bg1"/>
+                </a:solidFill>
+              </a:rPr>
+              <a:t>Материалы для обучения</a:t>
+            </a:r>
+            <a:endParaRPr lang="en-US" dirty="0">
+              <a:solidFill>
+                <a:schemeClr val="bg1"/>
+              </a:solidFill>
+            </a:endParaRPr>
+          </a:p>
+        </p:txBody>
+      </p:sp>
+      <p:sp>
+        <p:nvSpPr>
+          <p:cNvPr id="3" name="Content Placeholder 2"/>
+          <p:cNvSpPr>
+            <a:spLocks noGrp="1"/>
+          </p:cNvSpPr>
+          <p:nvPr>
+            <p:ph idx="1"/>
+          </p:nvPr>
+        </p:nvSpPr>
+        <p:spPr/>
+        <p:txBody>
+          <a:bodyPr/>
+          <a:lstStyle/>
+          <a:p>
+            <a:r>
+              <a:rPr lang="en-US" dirty="0">
+                <a:solidFill>
+                  <a:schemeClr val="bg1"/>
+                </a:solidFill>
+                <a:hlinkClick r:id="rId3"/>
+              </a:rPr>
+              <a:t>https://github.com/bazile/Training</a:t>
+            </a:r>
+            <a:br>
+              <a:rPr lang="en-US" dirty="0">
+                <a:solidFill>
+                  <a:schemeClr val="bg1"/>
+                </a:solidFill>
+              </a:rPr>
+            </a:br>
+            <a:r>
+              <a:rPr lang="ru-RU" dirty="0">
+                <a:solidFill>
+                  <a:schemeClr val="bg1"/>
+                </a:solidFill>
+              </a:rPr>
+              <a:t>Презентации и примеры кода используемые во время занятия</a:t>
+            </a:r>
+          </a:p>
+          <a:p>
+            <a:endParaRPr lang="ru-RU" dirty="0">
+              <a:solidFill>
+                <a:schemeClr val="bg1"/>
+              </a:solidFill>
+            </a:endParaRPr>
+          </a:p>
+          <a:p>
+            <a:r>
+              <a:rPr lang="en-US" dirty="0">
+                <a:solidFill>
+                  <a:schemeClr val="bg1"/>
+                </a:solidFill>
+                <a:hlinkClick r:id="rId4"/>
+              </a:rPr>
+              <a:t>http://belhard.nullptr.ru/</a:t>
+            </a:r>
+            <a:br>
+              <a:rPr lang="ru-RU" dirty="0">
+                <a:solidFill>
+                  <a:schemeClr val="bg1"/>
+                </a:solidFill>
+              </a:rPr>
+            </a:br>
+            <a:r>
+              <a:rPr lang="ru-RU" dirty="0">
+                <a:solidFill>
+                  <a:schemeClr val="bg1"/>
+                </a:solidFill>
+              </a:rPr>
+              <a:t>Книги, примеры к ним и другие полезные файлы.</a:t>
+            </a:r>
+          </a:p>
+          <a:p>
+            <a:endParaRPr lang="en-US" dirty="0"/>
+          </a:p>
+        </p:txBody>
+      </p:sp>
+    </p:spTree>
+    <p:extLst>
+      <p:ext uri="{BB962C8B-B14F-4D97-AF65-F5344CB8AC3E}">
+        <p14:creationId xmlns:p14="http://schemas.microsoft.com/office/powerpoint/2010/main" val="3949559832"/>
+      </p:ext>
+    </p:extLst>
+  </p:cSld>
+  <p:clrMapOvr>
+    <a:masterClrMapping/>
+  </p:clrMapOvr>
+</p:sld>
+</file>
+
+<file path=ppt/slides/slide20.xml><?xml version="1.0" encoding="utf-8"?>
 <p:sld xmlns:a="http://schemas.openxmlformats.org/drawingml/2006/main" xmlns:r="http://schemas.openxmlformats.org/officeDocument/2006/relationships" xmlns:p="http://schemas.openxmlformats.org/presentationml/2006/main">
   <p:cSld>
     <p:bg>
@@ -11028,160 +12181,7 @@
 </p:sld>
 </file>
 
-<file path=ppt/slides/slide2.xml><?xml version="1.0" encoding="utf-8"?>
-<p:sld xmlns:a="http://schemas.openxmlformats.org/drawingml/2006/main" xmlns:r="http://schemas.openxmlformats.org/officeDocument/2006/relationships" xmlns:p="http://schemas.openxmlformats.org/presentationml/2006/main">
-  <p:cSld>
-    <p:bg>
-      <p:bgPr>
-        <a:blipFill dpi="0" rotWithShape="1">
-          <a:blip r:embed="rId2">
-            <a:lum/>
-          </a:blip>
-          <a:srcRect/>
-          <a:stretch>
-            <a:fillRect/>
-          </a:stretch>
-        </a:blipFill>
-        <a:effectLst/>
-      </p:bgPr>
-    </p:bg>
-    <p:spTree>
-      <p:nvGrpSpPr>
-        <p:cNvPr id="1" name=""/>
-        <p:cNvGrpSpPr/>
-        <p:nvPr/>
-      </p:nvGrpSpPr>
-      <p:grpSpPr>
-        <a:xfrm>
-          <a:off x="0" y="0"/>
-          <a:ext cx="0" cy="0"/>
-          <a:chOff x="0" y="0"/>
-          <a:chExt cx="0" cy="0"/>
-        </a:xfrm>
-      </p:grpSpPr>
-      <p:sp>
-        <p:nvSpPr>
-          <p:cNvPr id="2" name="Title 1"/>
-          <p:cNvSpPr>
-            <a:spLocks noGrp="1"/>
-          </p:cNvSpPr>
-          <p:nvPr>
-            <p:ph type="title"/>
-          </p:nvPr>
-        </p:nvSpPr>
-        <p:spPr/>
-        <p:txBody>
-          <a:bodyPr/>
-          <a:lstStyle/>
-          <a:p>
-            <a:r>
-              <a:rPr lang="ru-RU" dirty="0">
-                <a:solidFill>
-                  <a:schemeClr val="bg1"/>
-                </a:solidFill>
-              </a:rPr>
-              <a:t>Материалы для обучения</a:t>
-            </a:r>
-            <a:endParaRPr lang="en-US" dirty="0">
-              <a:solidFill>
-                <a:schemeClr val="bg1"/>
-              </a:solidFill>
-            </a:endParaRPr>
-          </a:p>
-        </p:txBody>
-      </p:sp>
-      <p:sp>
-        <p:nvSpPr>
-          <p:cNvPr id="3" name="Content Placeholder 2"/>
-          <p:cNvSpPr>
-            <a:spLocks noGrp="1"/>
-          </p:cNvSpPr>
-          <p:nvPr>
-            <p:ph idx="1"/>
-          </p:nvPr>
-        </p:nvSpPr>
-        <p:spPr/>
-        <p:txBody>
-          <a:bodyPr/>
-          <a:lstStyle/>
-          <a:p>
-            <a:r>
-              <a:rPr lang="en-US" dirty="0">
-                <a:solidFill>
-                  <a:schemeClr val="bg1"/>
-                </a:solidFill>
-                <a:hlinkClick r:id="rId3"/>
-              </a:rPr>
-              <a:t>https://github.com/bazile/Training</a:t>
-            </a:r>
-            <a:br>
-              <a:rPr lang="en-US" dirty="0">
-                <a:solidFill>
-                  <a:schemeClr val="bg1"/>
-                </a:solidFill>
-              </a:rPr>
-            </a:br>
-            <a:r>
-              <a:rPr lang="ru-RU" dirty="0">
-                <a:solidFill>
-                  <a:schemeClr val="bg1"/>
-                </a:solidFill>
-              </a:rPr>
-              <a:t>Презентации и примеры кода используемые во время занятия</a:t>
-            </a:r>
-          </a:p>
-          <a:p>
-            <a:endParaRPr lang="ru-RU" dirty="0">
-              <a:solidFill>
-                <a:schemeClr val="bg1"/>
-              </a:solidFill>
-            </a:endParaRPr>
-          </a:p>
-          <a:p>
-            <a:r>
-              <a:rPr lang="en-US" dirty="0">
-                <a:solidFill>
-                  <a:schemeClr val="bg1"/>
-                </a:solidFill>
-                <a:hlinkClick r:id="rId4"/>
-              </a:rPr>
-              <a:t>http://belhard.nullptr.ru/</a:t>
-            </a:r>
-            <a:br>
-              <a:rPr lang="ru-RU" dirty="0">
-                <a:solidFill>
-                  <a:schemeClr val="bg1"/>
-                </a:solidFill>
-              </a:rPr>
-            </a:br>
-            <a:r>
-              <a:rPr lang="ru-RU" dirty="0">
-                <a:solidFill>
-                  <a:schemeClr val="bg1"/>
-                </a:solidFill>
-              </a:rPr>
-              <a:t>Книги, примеры к ним и другие полезные файлы.</a:t>
-            </a:r>
-          </a:p>
-          <a:p>
-            <a:endParaRPr lang="en-US" dirty="0"/>
-          </a:p>
-        </p:txBody>
-      </p:sp>
-    </p:spTree>
-    <p:extLst>
-      <p:ext uri="{BB962C8B-B14F-4D97-AF65-F5344CB8AC3E}">
-        <p14:creationId xmlns:p14="http://schemas.microsoft.com/office/powerpoint/2010/main" val="3949559832"/>
-      </p:ext>
-    </p:extLst>
-  </p:cSld>
-  <p:clrMapOvr>
-    <a:masterClrMapping/>
-  </p:clrMapOvr>
-</p:sld>
-</file>
-
-<file path=ppt/slides/slide20.xml><?xml version="1.0" encoding="utf-8"?>
+<file path=ppt/slides/slide21.xml><?xml version="1.0" encoding="utf-8"?>
 <p:sld xmlns:a="http://schemas.openxmlformats.org/drawingml/2006/main" xmlns:r="http://schemas.openxmlformats.org/officeDocument/2006/relationships" xmlns:p="http://schemas.openxmlformats.org/presentationml/2006/main">
   <p:cSld>
     <p:bg>
@@ -12773,113 +13773,6 @@
 </p:sld>
 </file>
 
-<file path=ppt/slides/slide21.xml><?xml version="1.0" encoding="utf-8"?>
-<p:sld xmlns:a="http://schemas.openxmlformats.org/drawingml/2006/main" xmlns:r="http://schemas.openxmlformats.org/officeDocument/2006/relationships" xmlns:p="http://schemas.openxmlformats.org/presentationml/2006/main">
-  <p:cSld>
-    <p:bg>
-      <p:bgPr>
-        <a:blipFill dpi="0" rotWithShape="1">
-          <a:blip r:embed="rId2">
-            <a:lum/>
-          </a:blip>
-          <a:srcRect/>
-          <a:stretch>
-            <a:fillRect/>
-          </a:stretch>
-        </a:blipFill>
-        <a:effectLst/>
-      </p:bgPr>
-    </p:bg>
-    <p:spTree>
-      <p:nvGrpSpPr>
-        <p:cNvPr id="1" name=""/>
-        <p:cNvGrpSpPr/>
-        <p:nvPr/>
-      </p:nvGrpSpPr>
-      <p:grpSpPr>
-        <a:xfrm>
-          <a:off x="0" y="0"/>
-          <a:ext cx="0" cy="0"/>
-          <a:chOff x="0" y="0"/>
-          <a:chExt cx="0" cy="0"/>
-        </a:xfrm>
-      </p:grpSpPr>
-      <p:sp>
-        <p:nvSpPr>
-          <p:cNvPr id="2" name="Title 1"/>
-          <p:cNvSpPr>
-            <a:spLocks noGrp="1"/>
-          </p:cNvSpPr>
-          <p:nvPr>
-            <p:ph type="title"/>
-          </p:nvPr>
-        </p:nvSpPr>
-        <p:spPr/>
-        <p:txBody>
-          <a:bodyPr/>
-          <a:lstStyle/>
-          <a:p>
-            <a:r>
-              <a:rPr lang="ru-RU" dirty="0">
-                <a:solidFill>
-                  <a:schemeClr val="bg1"/>
-                </a:solidFill>
-              </a:rPr>
-              <a:t>События и наследование</a:t>
-            </a:r>
-            <a:endParaRPr lang="en-US" dirty="0">
-              <a:solidFill>
-                <a:schemeClr val="bg1"/>
-              </a:solidFill>
-            </a:endParaRPr>
-          </a:p>
-        </p:txBody>
-      </p:sp>
-      <p:sp>
-        <p:nvSpPr>
-          <p:cNvPr id="3" name="Content Placeholder 2"/>
-          <p:cNvSpPr>
-            <a:spLocks noGrp="1"/>
-          </p:cNvSpPr>
-          <p:nvPr>
-            <p:ph idx="1"/>
-          </p:nvPr>
-        </p:nvSpPr>
-        <p:spPr/>
-        <p:txBody>
-          <a:bodyPr/>
-          <a:lstStyle/>
-          <a:p>
-            <a:pPr marL="0" indent="0">
-              <a:buNone/>
-            </a:pPr>
-            <a:r>
-              <a:rPr lang="ru-RU" dirty="0">
-                <a:solidFill>
-                  <a:schemeClr val="bg1"/>
-                </a:solidFill>
-              </a:rPr>
-              <a:t>Наследники не могут генерировать события родительских классов. Или говоря проще – событие может быть сгенерировано только типом в котором оно объявлено.</a:t>
-            </a:r>
-          </a:p>
-          <a:p>
-            <a:endParaRPr lang="en-US" dirty="0"/>
-          </a:p>
-        </p:txBody>
-      </p:sp>
-    </p:spTree>
-    <p:extLst>
-      <p:ext uri="{BB962C8B-B14F-4D97-AF65-F5344CB8AC3E}">
-        <p14:creationId xmlns:p14="http://schemas.microsoft.com/office/powerpoint/2010/main" val="3789171591"/>
-      </p:ext>
-    </p:extLst>
-  </p:cSld>
-  <p:clrMapOvr>
-    <a:masterClrMapping/>
-  </p:clrMapOvr>
-</p:sld>
-</file>
-
 <file path=ppt/slides/slide22.xml><?xml version="1.0" encoding="utf-8"?>
 <p:sld xmlns:a="http://schemas.openxmlformats.org/drawingml/2006/main" xmlns:r="http://schemas.openxmlformats.org/officeDocument/2006/relationships" xmlns:p="http://schemas.openxmlformats.org/presentationml/2006/main">
   <p:cSld>
@@ -12932,23 +13825,7 @@
                   <a:schemeClr val="bg1"/>
                 </a:solidFill>
               </a:rPr>
-              <a:t>События: </a:t>
-            </a:r>
-            <a:r>
-              <a:rPr lang="en-US" dirty="0">
-                <a:solidFill>
-                  <a:schemeClr val="bg1"/>
-                </a:solidFill>
-              </a:rPr>
-              <a:t>class vs </a:t>
-            </a:r>
-            <a:r>
-              <a:rPr lang="en-US" dirty="0" err="1">
-                <a:solidFill>
-                  <a:schemeClr val="bg1"/>
-                </a:solidFill>
-              </a:rPr>
-              <a:t>struct</a:t>
+              <a:t>События и наследование</a:t>
             </a:r>
             <a:endParaRPr lang="en-US" dirty="0">
               <a:solidFill>
@@ -12982,6 +13859,129 @@
                   <a:schemeClr val="bg1"/>
                 </a:solidFill>
               </a:rPr>
+              <a:t>Наследники не могут генерировать события родительских классов. Или говоря проще – событие может быть сгенерировано только типом в котором оно объявлено.</a:t>
+            </a:r>
+          </a:p>
+          <a:p>
+            <a:endParaRPr lang="en-US" dirty="0"/>
+          </a:p>
+        </p:txBody>
+      </p:sp>
+    </p:spTree>
+    <p:extLst>
+      <p:ext uri="{BB962C8B-B14F-4D97-AF65-F5344CB8AC3E}">
+        <p14:creationId xmlns:p14="http://schemas.microsoft.com/office/powerpoint/2010/main" val="3789171591"/>
+      </p:ext>
+    </p:extLst>
+  </p:cSld>
+  <p:clrMapOvr>
+    <a:masterClrMapping/>
+  </p:clrMapOvr>
+</p:sld>
+</file>
+
+<file path=ppt/slides/slide23.xml><?xml version="1.0" encoding="utf-8"?>
+<p:sld xmlns:a="http://schemas.openxmlformats.org/drawingml/2006/main" xmlns:r="http://schemas.openxmlformats.org/officeDocument/2006/relationships" xmlns:p="http://schemas.openxmlformats.org/presentationml/2006/main">
+  <p:cSld>
+    <p:bg>
+      <p:bgPr>
+        <a:blipFill dpi="0" rotWithShape="1">
+          <a:blip r:embed="rId2">
+            <a:lum/>
+          </a:blip>
+          <a:srcRect/>
+          <a:stretch>
+            <a:fillRect/>
+          </a:stretch>
+        </a:blipFill>
+        <a:effectLst/>
+      </p:bgPr>
+    </p:bg>
+    <p:spTree>
+      <p:nvGrpSpPr>
+        <p:cNvPr id="1" name=""/>
+        <p:cNvGrpSpPr/>
+        <p:nvPr/>
+      </p:nvGrpSpPr>
+      <p:grpSpPr>
+        <a:xfrm>
+          <a:off x="0" y="0"/>
+          <a:ext cx="0" cy="0"/>
+          <a:chOff x="0" y="0"/>
+          <a:chExt cx="0" cy="0"/>
+        </a:xfrm>
+      </p:grpSpPr>
+      <p:sp>
+        <p:nvSpPr>
+          <p:cNvPr id="2" name="Title 1"/>
+          <p:cNvSpPr>
+            <a:spLocks noGrp="1"/>
+          </p:cNvSpPr>
+          <p:nvPr>
+            <p:ph type="title"/>
+          </p:nvPr>
+        </p:nvSpPr>
+        <p:spPr/>
+        <p:txBody>
+          <a:bodyPr/>
+          <a:lstStyle/>
+          <a:p>
+            <a:r>
+              <a:rPr lang="ru-RU" dirty="0">
+                <a:solidFill>
+                  <a:schemeClr val="bg1"/>
+                </a:solidFill>
+              </a:rPr>
+              <a:t>События: </a:t>
+            </a:r>
+            <a:r>
+              <a:rPr lang="en-US" dirty="0">
+                <a:solidFill>
+                  <a:schemeClr val="bg1"/>
+                </a:solidFill>
+              </a:rPr>
+              <a:t>class vs </a:t>
+            </a:r>
+            <a:r>
+              <a:rPr lang="en-US" dirty="0" err="1">
+                <a:solidFill>
+                  <a:schemeClr val="bg1"/>
+                </a:solidFill>
+              </a:rPr>
+              <a:t>struct</a:t>
+            </a:r>
+            <a:endParaRPr lang="en-US" dirty="0">
+              <a:solidFill>
+                <a:schemeClr val="bg1"/>
+              </a:solidFill>
+            </a:endParaRPr>
+          </a:p>
+        </p:txBody>
+      </p:sp>
+      <p:sp>
+        <p:nvSpPr>
+          <p:cNvPr id="3" name="Content Placeholder 2"/>
+          <p:cNvSpPr>
+            <a:spLocks noGrp="1"/>
+          </p:cNvSpPr>
+          <p:nvPr>
+            <p:ph idx="1"/>
+          </p:nvPr>
+        </p:nvSpPr>
+        <p:spPr/>
+        <p:txBody>
+          <a:bodyPr/>
+          <a:lstStyle/>
+          <a:p>
+            <a:pPr marL="0" indent="0">
+              <a:buNone/>
+            </a:pPr>
+            <a:r>
+              <a:rPr lang="ru-RU" dirty="0">
+                <a:solidFill>
+                  <a:schemeClr val="bg1"/>
+                </a:solidFill>
+              </a:rPr>
               <a:t>В структурах можно объявлять события. Проявляйте, однако, осторожность при их использовании чтобы не подписаться на событие у </a:t>
             </a:r>
             <a:r>
@@ -13016,7 +14016,7 @@
 </p:sld>
 </file>
 
-<file path=ppt/slides/slide23.xml><?xml version="1.0" encoding="utf-8"?>
+<file path=ppt/slides/slide24.xml><?xml version="1.0" encoding="utf-8"?>
 <p:sld xmlns:a="http://schemas.openxmlformats.org/drawingml/2006/main" xmlns:r="http://schemas.openxmlformats.org/officeDocument/2006/relationships" xmlns:p="http://schemas.openxmlformats.org/presentationml/2006/main">
   <p:cSld>
     <p:bg>
@@ -13307,7 +14307,7 @@
 </p:sld>
 </file>
 
-<file path=ppt/slides/slide24.xml><?xml version="1.0" encoding="utf-8"?>
+<file path=ppt/slides/slide25.xml><?xml version="1.0" encoding="utf-8"?>
 <p:sld xmlns:a="http://schemas.openxmlformats.org/drawingml/2006/main" xmlns:r="http://schemas.openxmlformats.org/officeDocument/2006/relationships" xmlns:p="http://schemas.openxmlformats.org/presentationml/2006/main">
   <p:cSld>
     <p:bg>
@@ -17233,6 +18233,1670 @@
       </p:grpSpPr>
       <p:sp>
         <p:nvSpPr>
+          <p:cNvPr id="2" name="Title 1"/>
+          <p:cNvSpPr>
+            <a:spLocks noGrp="1"/>
+          </p:cNvSpPr>
+          <p:nvPr>
+            <p:ph type="title"/>
+          </p:nvPr>
+        </p:nvSpPr>
+        <p:spPr/>
+        <p:txBody>
+          <a:bodyPr/>
+          <a:lstStyle/>
+          <a:p>
+            <a:r>
+              <a:rPr lang="ru-RU" dirty="0">
+                <a:solidFill>
+                  <a:schemeClr val="bg1"/>
+                </a:solidFill>
+              </a:rPr>
+              <a:t>Комбинирование делегатов</a:t>
+            </a:r>
+            <a:endParaRPr lang="en-US" dirty="0">
+              <a:solidFill>
+                <a:schemeClr val="bg1"/>
+              </a:solidFill>
+            </a:endParaRPr>
+          </a:p>
+        </p:txBody>
+      </p:sp>
+      <p:graphicFrame>
+        <p:nvGraphicFramePr>
+          <p:cNvPr id="4" name="Table 3">
+            <a:extLst>
+              <a:ext uri="{FF2B5EF4-FFF2-40B4-BE49-F238E27FC236}">
+                <a16:creationId xmlns:a16="http://schemas.microsoft.com/office/drawing/2014/main" id="{FEC2A272-D8DB-B743-A5C6-EF56B2567AAE}"/>
+              </a:ext>
+            </a:extLst>
+          </p:cNvPr>
+          <p:cNvGraphicFramePr>
+            <a:graphicFrameLocks noGrp="1"/>
+          </p:cNvGraphicFramePr>
+          <p:nvPr>
+            <p:extLst>
+              <p:ext uri="{D42A27DB-BD31-4B8C-83A1-F6EECF244321}">
+                <p14:modId xmlns:p14="http://schemas.microsoft.com/office/powerpoint/2010/main" val="310588610"/>
+              </p:ext>
+            </p:extLst>
+          </p:nvPr>
+        </p:nvGraphicFramePr>
+        <p:xfrm>
+          <a:off x="642392" y="1412776"/>
+          <a:ext cx="8106072" cy="4754880"/>
+        </p:xfrm>
+        <a:graphic>
+          <a:graphicData uri="http://schemas.openxmlformats.org/drawingml/2006/table">
+            <a:tbl>
+              <a:tblPr firstRow="1" bandRow="1">
+                <a:tableStyleId>{5C22544A-7EE6-4342-B048-85BDC9FD1C3A}</a:tableStyleId>
+              </a:tblPr>
+              <a:tblGrid>
+                <a:gridCol w="3713584">
+                  <a:extLst>
+                    <a:ext uri="{9D8B030D-6E8A-4147-A177-3AD203B41FA5}">
+                      <a16:colId xmlns:a16="http://schemas.microsoft.com/office/drawing/2014/main" val="20000"/>
+                    </a:ext>
+                  </a:extLst>
+                </a:gridCol>
+                <a:gridCol w="4392488">
+                  <a:extLst>
+                    <a:ext uri="{9D8B030D-6E8A-4147-A177-3AD203B41FA5}">
+                      <a16:colId xmlns:a16="http://schemas.microsoft.com/office/drawing/2014/main" val="20001"/>
+                    </a:ext>
+                  </a:extLst>
+                </a:gridCol>
+              </a:tblGrid>
+              <a:tr h="302219">
+                <a:tc>
+                  <a:txBody>
+                    <a:bodyPr/>
+                    <a:lstStyle/>
+                    <a:p>
+                      <a:r>
+                        <a:rPr lang="ru-RU" sz="1800" dirty="0">
+                          <a:solidFill>
+                            <a:schemeClr val="bg1"/>
+                          </a:solidFill>
+                          <a:latin typeface="+mn-lt"/>
+                        </a:rPr>
+                        <a:t>Выражение</a:t>
+                      </a:r>
+                      <a:endParaRPr lang="en-US" sz="1800" dirty="0">
+                        <a:solidFill>
+                          <a:schemeClr val="bg1"/>
+                        </a:solidFill>
+                        <a:latin typeface="+mn-lt"/>
+                      </a:endParaRPr>
+                    </a:p>
+                  </a:txBody>
+                  <a:tcPr marL="45720" marR="45720">
+                    <a:lnL w="12700" cap="flat" cmpd="sng" algn="ctr">
+                      <a:solidFill>
+                        <a:srgbClr val="002060"/>
+                      </a:solidFill>
+                      <a:prstDash val="solid"/>
+                      <a:round/>
+                      <a:headEnd type="none" w="med" len="med"/>
+                      <a:tailEnd type="none" w="med" len="med"/>
+                    </a:lnL>
+                    <a:lnR w="12700" cap="flat" cmpd="sng" algn="ctr">
+                      <a:solidFill>
+                        <a:srgbClr val="002060"/>
+                      </a:solidFill>
+                      <a:prstDash val="solid"/>
+                      <a:round/>
+                      <a:headEnd type="none" w="med" len="med"/>
+                      <a:tailEnd type="none" w="med" len="med"/>
+                    </a:lnR>
+                    <a:lnT w="12700" cap="flat" cmpd="sng" algn="ctr">
+                      <a:solidFill>
+                        <a:srgbClr val="002060"/>
+                      </a:solidFill>
+                      <a:prstDash val="solid"/>
+                      <a:round/>
+                      <a:headEnd type="none" w="med" len="med"/>
+                      <a:tailEnd type="none" w="med" len="med"/>
+                    </a:lnT>
+                    <a:lnB w="12700" cap="flat" cmpd="sng" algn="ctr">
+                      <a:solidFill>
+                        <a:srgbClr val="002060"/>
+                      </a:solidFill>
+                      <a:prstDash val="solid"/>
+                      <a:round/>
+                      <a:headEnd type="none" w="med" len="med"/>
+                      <a:tailEnd type="none" w="med" len="med"/>
+                    </a:lnB>
+                    <a:solidFill>
+                      <a:srgbClr val="002060"/>
+                    </a:solidFill>
+                  </a:tcPr>
+                </a:tc>
+                <a:tc>
+                  <a:txBody>
+                    <a:bodyPr/>
+                    <a:lstStyle/>
+                    <a:p>
+                      <a:r>
+                        <a:rPr lang="ru-RU" sz="1800" dirty="0">
+                          <a:solidFill>
+                            <a:schemeClr val="bg1"/>
+                          </a:solidFill>
+                          <a:latin typeface="+mn-lt"/>
+                        </a:rPr>
+                        <a:t>Результат</a:t>
+                      </a:r>
+                      <a:endParaRPr lang="en-US" sz="1800" dirty="0">
+                        <a:solidFill>
+                          <a:schemeClr val="bg1"/>
+                        </a:solidFill>
+                        <a:latin typeface="+mn-lt"/>
+                      </a:endParaRPr>
+                    </a:p>
+                  </a:txBody>
+                  <a:tcPr marL="45720" marR="45720">
+                    <a:lnL w="12700" cap="flat" cmpd="sng" algn="ctr">
+                      <a:solidFill>
+                        <a:srgbClr val="002060"/>
+                      </a:solidFill>
+                      <a:prstDash val="solid"/>
+                      <a:round/>
+                      <a:headEnd type="none" w="med" len="med"/>
+                      <a:tailEnd type="none" w="med" len="med"/>
+                    </a:lnL>
+                    <a:lnR w="12700" cap="flat" cmpd="sng" algn="ctr">
+                      <a:solidFill>
+                        <a:srgbClr val="002060"/>
+                      </a:solidFill>
+                      <a:prstDash val="solid"/>
+                      <a:round/>
+                      <a:headEnd type="none" w="med" len="med"/>
+                      <a:tailEnd type="none" w="med" len="med"/>
+                    </a:lnR>
+                    <a:lnT w="12700" cap="flat" cmpd="sng" algn="ctr">
+                      <a:solidFill>
+                        <a:srgbClr val="002060"/>
+                      </a:solidFill>
+                      <a:prstDash val="solid"/>
+                      <a:round/>
+                      <a:headEnd type="none" w="med" len="med"/>
+                      <a:tailEnd type="none" w="med" len="med"/>
+                    </a:lnT>
+                    <a:lnB w="12700" cap="flat" cmpd="sng" algn="ctr">
+                      <a:solidFill>
+                        <a:srgbClr val="002060"/>
+                      </a:solidFill>
+                      <a:prstDash val="solid"/>
+                      <a:round/>
+                      <a:headEnd type="none" w="med" len="med"/>
+                      <a:tailEnd type="none" w="med" len="med"/>
+                    </a:lnB>
+                    <a:solidFill>
+                      <a:srgbClr val="002060"/>
+                    </a:solidFill>
+                  </a:tcPr>
+                </a:tc>
+                <a:extLst>
+                  <a:ext uri="{0D108BD9-81ED-4DB2-BD59-A6C34878D82A}">
+                    <a16:rowId xmlns:a16="http://schemas.microsoft.com/office/drawing/2014/main" val="10000"/>
+                  </a:ext>
+                </a:extLst>
+              </a:tr>
+              <a:tr h="252000">
+                <a:tc>
+                  <a:txBody>
+                    <a:bodyPr/>
+                    <a:lstStyle/>
+                    <a:p>
+                      <a:r>
+                        <a:rPr lang="en-US" sz="1800" dirty="0">
+                          <a:solidFill>
+                            <a:srgbClr val="002060"/>
+                          </a:solidFill>
+                          <a:latin typeface="+mn-lt"/>
+                        </a:rPr>
+                        <a:t>null + d1</a:t>
+                      </a:r>
+                    </a:p>
+                  </a:txBody>
+                  <a:tcPr anchor="ctr">
+                    <a:lnL w="12700" cap="flat" cmpd="sng" algn="ctr">
+                      <a:solidFill>
+                        <a:srgbClr val="002060"/>
+                      </a:solidFill>
+                      <a:prstDash val="solid"/>
+                      <a:round/>
+                      <a:headEnd type="none" w="med" len="med"/>
+                      <a:tailEnd type="none" w="med" len="med"/>
+                    </a:lnL>
+                    <a:lnR w="12700" cap="flat" cmpd="sng" algn="ctr">
+                      <a:solidFill>
+                        <a:srgbClr val="002060"/>
+                      </a:solidFill>
+                      <a:prstDash val="solid"/>
+                      <a:round/>
+                      <a:headEnd type="none" w="med" len="med"/>
+                      <a:tailEnd type="none" w="med" len="med"/>
+                    </a:lnR>
+                    <a:lnT w="12700" cap="flat" cmpd="sng" algn="ctr">
+                      <a:solidFill>
+                        <a:srgbClr val="002060"/>
+                      </a:solidFill>
+                      <a:prstDash val="solid"/>
+                      <a:round/>
+                      <a:headEnd type="none" w="med" len="med"/>
+                      <a:tailEnd type="none" w="med" len="med"/>
+                    </a:lnT>
+                    <a:lnB w="12700" cap="flat" cmpd="sng" algn="ctr">
+                      <a:solidFill>
+                        <a:srgbClr val="002060"/>
+                      </a:solidFill>
+                      <a:prstDash val="solid"/>
+                      <a:round/>
+                      <a:headEnd type="none" w="med" len="med"/>
+                      <a:tailEnd type="none" w="med" len="med"/>
+                    </a:lnB>
+                  </a:tcPr>
+                </a:tc>
+                <a:tc>
+                  <a:txBody>
+                    <a:bodyPr/>
+                    <a:lstStyle/>
+                    <a:p>
+                      <a:r>
+                        <a:rPr lang="en-US" sz="1800">
+                          <a:solidFill>
+                            <a:srgbClr val="002060"/>
+                          </a:solidFill>
+                          <a:latin typeface="+mn-lt"/>
+                        </a:rPr>
+                        <a:t>d1</a:t>
+                      </a:r>
+                    </a:p>
+                  </a:txBody>
+                  <a:tcPr anchor="ctr">
+                    <a:lnL w="12700" cap="flat" cmpd="sng" algn="ctr">
+                      <a:solidFill>
+                        <a:srgbClr val="002060"/>
+                      </a:solidFill>
+                      <a:prstDash val="solid"/>
+                      <a:round/>
+                      <a:headEnd type="none" w="med" len="med"/>
+                      <a:tailEnd type="none" w="med" len="med"/>
+                    </a:lnL>
+                    <a:lnR w="12700" cap="flat" cmpd="sng" algn="ctr">
+                      <a:solidFill>
+                        <a:srgbClr val="002060"/>
+                      </a:solidFill>
+                      <a:prstDash val="solid"/>
+                      <a:round/>
+                      <a:headEnd type="none" w="med" len="med"/>
+                      <a:tailEnd type="none" w="med" len="med"/>
+                    </a:lnR>
+                    <a:lnT w="12700" cap="flat" cmpd="sng" algn="ctr">
+                      <a:solidFill>
+                        <a:srgbClr val="002060"/>
+                      </a:solidFill>
+                      <a:prstDash val="solid"/>
+                      <a:round/>
+                      <a:headEnd type="none" w="med" len="med"/>
+                      <a:tailEnd type="none" w="med" len="med"/>
+                    </a:lnT>
+                    <a:lnB w="12700" cap="flat" cmpd="sng" algn="ctr">
+                      <a:solidFill>
+                        <a:srgbClr val="002060"/>
+                      </a:solidFill>
+                      <a:prstDash val="solid"/>
+                      <a:round/>
+                      <a:headEnd type="none" w="med" len="med"/>
+                      <a:tailEnd type="none" w="med" len="med"/>
+                    </a:lnB>
+                  </a:tcPr>
+                </a:tc>
+                <a:extLst>
+                  <a:ext uri="{0D108BD9-81ED-4DB2-BD59-A6C34878D82A}">
+                    <a16:rowId xmlns:a16="http://schemas.microsoft.com/office/drawing/2014/main" val="10001"/>
+                  </a:ext>
+                </a:extLst>
+              </a:tr>
+              <a:tr h="252000">
+                <a:tc>
+                  <a:txBody>
+                    <a:bodyPr/>
+                    <a:lstStyle/>
+                    <a:p>
+                      <a:r>
+                        <a:rPr lang="en-US" sz="1800" dirty="0">
+                          <a:solidFill>
+                            <a:srgbClr val="002060"/>
+                          </a:solidFill>
+                          <a:latin typeface="+mn-lt"/>
+                        </a:rPr>
+                        <a:t>d1 + null</a:t>
+                      </a:r>
+                    </a:p>
+                  </a:txBody>
+                  <a:tcPr anchor="ctr">
+                    <a:lnL w="12700" cap="flat" cmpd="sng" algn="ctr">
+                      <a:solidFill>
+                        <a:srgbClr val="002060"/>
+                      </a:solidFill>
+                      <a:prstDash val="solid"/>
+                      <a:round/>
+                      <a:headEnd type="none" w="med" len="med"/>
+                      <a:tailEnd type="none" w="med" len="med"/>
+                    </a:lnL>
+                    <a:lnR w="12700" cap="flat" cmpd="sng" algn="ctr">
+                      <a:solidFill>
+                        <a:srgbClr val="002060"/>
+                      </a:solidFill>
+                      <a:prstDash val="solid"/>
+                      <a:round/>
+                      <a:headEnd type="none" w="med" len="med"/>
+                      <a:tailEnd type="none" w="med" len="med"/>
+                    </a:lnR>
+                    <a:lnT w="12700" cap="flat" cmpd="sng" algn="ctr">
+                      <a:solidFill>
+                        <a:srgbClr val="002060"/>
+                      </a:solidFill>
+                      <a:prstDash val="solid"/>
+                      <a:round/>
+                      <a:headEnd type="none" w="med" len="med"/>
+                      <a:tailEnd type="none" w="med" len="med"/>
+                    </a:lnT>
+                    <a:lnB w="12700" cap="flat" cmpd="sng" algn="ctr">
+                      <a:solidFill>
+                        <a:srgbClr val="002060"/>
+                      </a:solidFill>
+                      <a:prstDash val="solid"/>
+                      <a:round/>
+                      <a:headEnd type="none" w="med" len="med"/>
+                      <a:tailEnd type="none" w="med" len="med"/>
+                    </a:lnB>
+                  </a:tcPr>
+                </a:tc>
+                <a:tc>
+                  <a:txBody>
+                    <a:bodyPr/>
+                    <a:lstStyle/>
+                    <a:p>
+                      <a:r>
+                        <a:rPr lang="en-US" sz="1800">
+                          <a:solidFill>
+                            <a:srgbClr val="002060"/>
+                          </a:solidFill>
+                          <a:latin typeface="+mn-lt"/>
+                        </a:rPr>
+                        <a:t>d1</a:t>
+                      </a:r>
+                    </a:p>
+                  </a:txBody>
+                  <a:tcPr anchor="ctr">
+                    <a:lnL w="12700" cap="flat" cmpd="sng" algn="ctr">
+                      <a:solidFill>
+                        <a:srgbClr val="002060"/>
+                      </a:solidFill>
+                      <a:prstDash val="solid"/>
+                      <a:round/>
+                      <a:headEnd type="none" w="med" len="med"/>
+                      <a:tailEnd type="none" w="med" len="med"/>
+                    </a:lnL>
+                    <a:lnR w="12700" cap="flat" cmpd="sng" algn="ctr">
+                      <a:solidFill>
+                        <a:srgbClr val="002060"/>
+                      </a:solidFill>
+                      <a:prstDash val="solid"/>
+                      <a:round/>
+                      <a:headEnd type="none" w="med" len="med"/>
+                      <a:tailEnd type="none" w="med" len="med"/>
+                    </a:lnR>
+                    <a:lnT w="12700" cap="flat" cmpd="sng" algn="ctr">
+                      <a:solidFill>
+                        <a:srgbClr val="002060"/>
+                      </a:solidFill>
+                      <a:prstDash val="solid"/>
+                      <a:round/>
+                      <a:headEnd type="none" w="med" len="med"/>
+                      <a:tailEnd type="none" w="med" len="med"/>
+                    </a:lnT>
+                    <a:lnB w="12700" cap="flat" cmpd="sng" algn="ctr">
+                      <a:solidFill>
+                        <a:srgbClr val="002060"/>
+                      </a:solidFill>
+                      <a:prstDash val="solid"/>
+                      <a:round/>
+                      <a:headEnd type="none" w="med" len="med"/>
+                      <a:tailEnd type="none" w="med" len="med"/>
+                    </a:lnB>
+                  </a:tcPr>
+                </a:tc>
+                <a:extLst>
+                  <a:ext uri="{0D108BD9-81ED-4DB2-BD59-A6C34878D82A}">
+                    <a16:rowId xmlns:a16="http://schemas.microsoft.com/office/drawing/2014/main" val="10002"/>
+                  </a:ext>
+                </a:extLst>
+              </a:tr>
+              <a:tr h="252000">
+                <a:tc>
+                  <a:txBody>
+                    <a:bodyPr/>
+                    <a:lstStyle/>
+                    <a:p>
+                      <a:r>
+                        <a:rPr lang="en-US" sz="1800" dirty="0">
+                          <a:solidFill>
+                            <a:srgbClr val="002060"/>
+                          </a:solidFill>
+                          <a:latin typeface="+mn-lt"/>
+                        </a:rPr>
+                        <a:t>d1 + d2</a:t>
+                      </a:r>
+                    </a:p>
+                  </a:txBody>
+                  <a:tcPr anchor="ctr">
+                    <a:lnL w="12700" cap="flat" cmpd="sng" algn="ctr">
+                      <a:solidFill>
+                        <a:srgbClr val="002060"/>
+                      </a:solidFill>
+                      <a:prstDash val="solid"/>
+                      <a:round/>
+                      <a:headEnd type="none" w="med" len="med"/>
+                      <a:tailEnd type="none" w="med" len="med"/>
+                    </a:lnL>
+                    <a:lnR w="12700" cap="flat" cmpd="sng" algn="ctr">
+                      <a:solidFill>
+                        <a:srgbClr val="002060"/>
+                      </a:solidFill>
+                      <a:prstDash val="solid"/>
+                      <a:round/>
+                      <a:headEnd type="none" w="med" len="med"/>
+                      <a:tailEnd type="none" w="med" len="med"/>
+                    </a:lnR>
+                    <a:lnT w="12700" cap="flat" cmpd="sng" algn="ctr">
+                      <a:solidFill>
+                        <a:srgbClr val="002060"/>
+                      </a:solidFill>
+                      <a:prstDash val="solid"/>
+                      <a:round/>
+                      <a:headEnd type="none" w="med" len="med"/>
+                      <a:tailEnd type="none" w="med" len="med"/>
+                    </a:lnT>
+                    <a:lnB w="12700" cap="flat" cmpd="sng" algn="ctr">
+                      <a:solidFill>
+                        <a:srgbClr val="002060"/>
+                      </a:solidFill>
+                      <a:prstDash val="solid"/>
+                      <a:round/>
+                      <a:headEnd type="none" w="med" len="med"/>
+                      <a:tailEnd type="none" w="med" len="med"/>
+                    </a:lnB>
+                  </a:tcPr>
+                </a:tc>
+                <a:tc>
+                  <a:txBody>
+                    <a:bodyPr/>
+                    <a:lstStyle/>
+                    <a:p>
+                      <a:r>
+                        <a:rPr lang="en-US" sz="1800">
+                          <a:solidFill>
+                            <a:srgbClr val="002060"/>
+                          </a:solidFill>
+                          <a:latin typeface="+mn-lt"/>
+                        </a:rPr>
+                        <a:t>[d1, d2]</a:t>
+                      </a:r>
+                    </a:p>
+                  </a:txBody>
+                  <a:tcPr anchor="ctr">
+                    <a:lnL w="12700" cap="flat" cmpd="sng" algn="ctr">
+                      <a:solidFill>
+                        <a:srgbClr val="002060"/>
+                      </a:solidFill>
+                      <a:prstDash val="solid"/>
+                      <a:round/>
+                      <a:headEnd type="none" w="med" len="med"/>
+                      <a:tailEnd type="none" w="med" len="med"/>
+                    </a:lnL>
+                    <a:lnR w="12700" cap="flat" cmpd="sng" algn="ctr">
+                      <a:solidFill>
+                        <a:srgbClr val="002060"/>
+                      </a:solidFill>
+                      <a:prstDash val="solid"/>
+                      <a:round/>
+                      <a:headEnd type="none" w="med" len="med"/>
+                      <a:tailEnd type="none" w="med" len="med"/>
+                    </a:lnR>
+                    <a:lnT w="12700" cap="flat" cmpd="sng" algn="ctr">
+                      <a:solidFill>
+                        <a:srgbClr val="002060"/>
+                      </a:solidFill>
+                      <a:prstDash val="solid"/>
+                      <a:round/>
+                      <a:headEnd type="none" w="med" len="med"/>
+                      <a:tailEnd type="none" w="med" len="med"/>
+                    </a:lnT>
+                    <a:lnB w="12700" cap="flat" cmpd="sng" algn="ctr">
+                      <a:solidFill>
+                        <a:srgbClr val="002060"/>
+                      </a:solidFill>
+                      <a:prstDash val="solid"/>
+                      <a:round/>
+                      <a:headEnd type="none" w="med" len="med"/>
+                      <a:tailEnd type="none" w="med" len="med"/>
+                    </a:lnB>
+                  </a:tcPr>
+                </a:tc>
+                <a:extLst>
+                  <a:ext uri="{0D108BD9-81ED-4DB2-BD59-A6C34878D82A}">
+                    <a16:rowId xmlns:a16="http://schemas.microsoft.com/office/drawing/2014/main" val="10003"/>
+                  </a:ext>
+                </a:extLst>
+              </a:tr>
+              <a:tr h="252000">
+                <a:tc>
+                  <a:txBody>
+                    <a:bodyPr/>
+                    <a:lstStyle/>
+                    <a:p>
+                      <a:r>
+                        <a:rPr lang="en-US" sz="1800" dirty="0">
+                          <a:solidFill>
+                            <a:srgbClr val="002060"/>
+                          </a:solidFill>
+                          <a:latin typeface="+mn-lt"/>
+                        </a:rPr>
+                        <a:t>d1 + [d2, d3]</a:t>
+                      </a:r>
+                    </a:p>
+                  </a:txBody>
+                  <a:tcPr anchor="ctr">
+                    <a:lnL w="12700" cap="flat" cmpd="sng" algn="ctr">
+                      <a:solidFill>
+                        <a:srgbClr val="002060"/>
+                      </a:solidFill>
+                      <a:prstDash val="solid"/>
+                      <a:round/>
+                      <a:headEnd type="none" w="med" len="med"/>
+                      <a:tailEnd type="none" w="med" len="med"/>
+                    </a:lnL>
+                    <a:lnR w="12700" cap="flat" cmpd="sng" algn="ctr">
+                      <a:solidFill>
+                        <a:srgbClr val="002060"/>
+                      </a:solidFill>
+                      <a:prstDash val="solid"/>
+                      <a:round/>
+                      <a:headEnd type="none" w="med" len="med"/>
+                      <a:tailEnd type="none" w="med" len="med"/>
+                    </a:lnR>
+                    <a:lnT w="12700" cap="flat" cmpd="sng" algn="ctr">
+                      <a:solidFill>
+                        <a:srgbClr val="002060"/>
+                      </a:solidFill>
+                      <a:prstDash val="solid"/>
+                      <a:round/>
+                      <a:headEnd type="none" w="med" len="med"/>
+                      <a:tailEnd type="none" w="med" len="med"/>
+                    </a:lnT>
+                    <a:lnB w="12700" cap="flat" cmpd="sng" algn="ctr">
+                      <a:solidFill>
+                        <a:srgbClr val="002060"/>
+                      </a:solidFill>
+                      <a:prstDash val="solid"/>
+                      <a:round/>
+                      <a:headEnd type="none" w="med" len="med"/>
+                      <a:tailEnd type="none" w="med" len="med"/>
+                    </a:lnB>
+                  </a:tcPr>
+                </a:tc>
+                <a:tc>
+                  <a:txBody>
+                    <a:bodyPr/>
+                    <a:lstStyle/>
+                    <a:p>
+                      <a:r>
+                        <a:rPr lang="en-US" sz="1800">
+                          <a:solidFill>
+                            <a:srgbClr val="002060"/>
+                          </a:solidFill>
+                          <a:latin typeface="+mn-lt"/>
+                        </a:rPr>
+                        <a:t>[d1, d2, d3]</a:t>
+                      </a:r>
+                    </a:p>
+                  </a:txBody>
+                  <a:tcPr anchor="ctr">
+                    <a:lnL w="12700" cap="flat" cmpd="sng" algn="ctr">
+                      <a:solidFill>
+                        <a:srgbClr val="002060"/>
+                      </a:solidFill>
+                      <a:prstDash val="solid"/>
+                      <a:round/>
+                      <a:headEnd type="none" w="med" len="med"/>
+                      <a:tailEnd type="none" w="med" len="med"/>
+                    </a:lnL>
+                    <a:lnR w="12700" cap="flat" cmpd="sng" algn="ctr">
+                      <a:solidFill>
+                        <a:srgbClr val="002060"/>
+                      </a:solidFill>
+                      <a:prstDash val="solid"/>
+                      <a:round/>
+                      <a:headEnd type="none" w="med" len="med"/>
+                      <a:tailEnd type="none" w="med" len="med"/>
+                    </a:lnR>
+                    <a:lnT w="12700" cap="flat" cmpd="sng" algn="ctr">
+                      <a:solidFill>
+                        <a:srgbClr val="002060"/>
+                      </a:solidFill>
+                      <a:prstDash val="solid"/>
+                      <a:round/>
+                      <a:headEnd type="none" w="med" len="med"/>
+                      <a:tailEnd type="none" w="med" len="med"/>
+                    </a:lnT>
+                    <a:lnB w="12700" cap="flat" cmpd="sng" algn="ctr">
+                      <a:solidFill>
+                        <a:srgbClr val="002060"/>
+                      </a:solidFill>
+                      <a:prstDash val="solid"/>
+                      <a:round/>
+                      <a:headEnd type="none" w="med" len="med"/>
+                      <a:tailEnd type="none" w="med" len="med"/>
+                    </a:lnB>
+                  </a:tcPr>
+                </a:tc>
+                <a:extLst>
+                  <a:ext uri="{0D108BD9-81ED-4DB2-BD59-A6C34878D82A}">
+                    <a16:rowId xmlns:a16="http://schemas.microsoft.com/office/drawing/2014/main" val="10004"/>
+                  </a:ext>
+                </a:extLst>
+              </a:tr>
+              <a:tr h="252000">
+                <a:tc>
+                  <a:txBody>
+                    <a:bodyPr/>
+                    <a:lstStyle/>
+                    <a:p>
+                      <a:r>
+                        <a:rPr lang="en-US" sz="1800" dirty="0">
+                          <a:solidFill>
+                            <a:srgbClr val="002060"/>
+                          </a:solidFill>
+                          <a:latin typeface="+mn-lt"/>
+                        </a:rPr>
+                        <a:t>[d1, d2] + [d2, d3]</a:t>
+                      </a:r>
+                    </a:p>
+                  </a:txBody>
+                  <a:tcPr anchor="ctr">
+                    <a:lnL w="12700" cap="flat" cmpd="sng" algn="ctr">
+                      <a:solidFill>
+                        <a:srgbClr val="002060"/>
+                      </a:solidFill>
+                      <a:prstDash val="solid"/>
+                      <a:round/>
+                      <a:headEnd type="none" w="med" len="med"/>
+                      <a:tailEnd type="none" w="med" len="med"/>
+                    </a:lnL>
+                    <a:lnR w="12700" cap="flat" cmpd="sng" algn="ctr">
+                      <a:solidFill>
+                        <a:srgbClr val="002060"/>
+                      </a:solidFill>
+                      <a:prstDash val="solid"/>
+                      <a:round/>
+                      <a:headEnd type="none" w="med" len="med"/>
+                      <a:tailEnd type="none" w="med" len="med"/>
+                    </a:lnR>
+                    <a:lnT w="12700" cap="flat" cmpd="sng" algn="ctr">
+                      <a:solidFill>
+                        <a:srgbClr val="002060"/>
+                      </a:solidFill>
+                      <a:prstDash val="solid"/>
+                      <a:round/>
+                      <a:headEnd type="none" w="med" len="med"/>
+                      <a:tailEnd type="none" w="med" len="med"/>
+                    </a:lnT>
+                    <a:lnB w="12700" cap="flat" cmpd="sng" algn="ctr">
+                      <a:solidFill>
+                        <a:srgbClr val="002060"/>
+                      </a:solidFill>
+                      <a:prstDash val="solid"/>
+                      <a:round/>
+                      <a:headEnd type="none" w="med" len="med"/>
+                      <a:tailEnd type="none" w="med" len="med"/>
+                    </a:lnB>
+                  </a:tcPr>
+                </a:tc>
+                <a:tc>
+                  <a:txBody>
+                    <a:bodyPr/>
+                    <a:lstStyle/>
+                    <a:p>
+                      <a:r>
+                        <a:rPr lang="en-US" sz="1800">
+                          <a:solidFill>
+                            <a:srgbClr val="002060"/>
+                          </a:solidFill>
+                          <a:latin typeface="+mn-lt"/>
+                        </a:rPr>
+                        <a:t>[d1, d2, d2, d3]</a:t>
+                      </a:r>
+                    </a:p>
+                  </a:txBody>
+                  <a:tcPr anchor="ctr">
+                    <a:lnL w="12700" cap="flat" cmpd="sng" algn="ctr">
+                      <a:solidFill>
+                        <a:srgbClr val="002060"/>
+                      </a:solidFill>
+                      <a:prstDash val="solid"/>
+                      <a:round/>
+                      <a:headEnd type="none" w="med" len="med"/>
+                      <a:tailEnd type="none" w="med" len="med"/>
+                    </a:lnL>
+                    <a:lnR w="12700" cap="flat" cmpd="sng" algn="ctr">
+                      <a:solidFill>
+                        <a:srgbClr val="002060"/>
+                      </a:solidFill>
+                      <a:prstDash val="solid"/>
+                      <a:round/>
+                      <a:headEnd type="none" w="med" len="med"/>
+                      <a:tailEnd type="none" w="med" len="med"/>
+                    </a:lnR>
+                    <a:lnT w="12700" cap="flat" cmpd="sng" algn="ctr">
+                      <a:solidFill>
+                        <a:srgbClr val="002060"/>
+                      </a:solidFill>
+                      <a:prstDash val="solid"/>
+                      <a:round/>
+                      <a:headEnd type="none" w="med" len="med"/>
+                      <a:tailEnd type="none" w="med" len="med"/>
+                    </a:lnT>
+                    <a:lnB w="12700" cap="flat" cmpd="sng" algn="ctr">
+                      <a:solidFill>
+                        <a:srgbClr val="002060"/>
+                      </a:solidFill>
+                      <a:prstDash val="solid"/>
+                      <a:round/>
+                      <a:headEnd type="none" w="med" len="med"/>
+                      <a:tailEnd type="none" w="med" len="med"/>
+                    </a:lnB>
+                  </a:tcPr>
+                </a:tc>
+                <a:extLst>
+                  <a:ext uri="{0D108BD9-81ED-4DB2-BD59-A6C34878D82A}">
+                    <a16:rowId xmlns:a16="http://schemas.microsoft.com/office/drawing/2014/main" val="10005"/>
+                  </a:ext>
+                </a:extLst>
+              </a:tr>
+              <a:tr h="252000">
+                <a:tc>
+                  <a:txBody>
+                    <a:bodyPr/>
+                    <a:lstStyle/>
+                    <a:p>
+                      <a:r>
+                        <a:rPr lang="en-US" sz="1800" dirty="0">
+                          <a:solidFill>
+                            <a:srgbClr val="002060"/>
+                          </a:solidFill>
+                          <a:latin typeface="+mn-lt"/>
+                        </a:rPr>
+                        <a:t>[d1, d2] — d1</a:t>
+                      </a:r>
+                    </a:p>
+                  </a:txBody>
+                  <a:tcPr anchor="ctr">
+                    <a:lnL w="12700" cap="flat" cmpd="sng" algn="ctr">
+                      <a:solidFill>
+                        <a:srgbClr val="002060"/>
+                      </a:solidFill>
+                      <a:prstDash val="solid"/>
+                      <a:round/>
+                      <a:headEnd type="none" w="med" len="med"/>
+                      <a:tailEnd type="none" w="med" len="med"/>
+                    </a:lnL>
+                    <a:lnR w="12700" cap="flat" cmpd="sng" algn="ctr">
+                      <a:solidFill>
+                        <a:srgbClr val="002060"/>
+                      </a:solidFill>
+                      <a:prstDash val="solid"/>
+                      <a:round/>
+                      <a:headEnd type="none" w="med" len="med"/>
+                      <a:tailEnd type="none" w="med" len="med"/>
+                    </a:lnR>
+                    <a:lnT w="12700" cap="flat" cmpd="sng" algn="ctr">
+                      <a:solidFill>
+                        <a:srgbClr val="002060"/>
+                      </a:solidFill>
+                      <a:prstDash val="solid"/>
+                      <a:round/>
+                      <a:headEnd type="none" w="med" len="med"/>
+                      <a:tailEnd type="none" w="med" len="med"/>
+                    </a:lnT>
+                    <a:lnB w="12700" cap="flat" cmpd="sng" algn="ctr">
+                      <a:solidFill>
+                        <a:srgbClr val="002060"/>
+                      </a:solidFill>
+                      <a:prstDash val="solid"/>
+                      <a:round/>
+                      <a:headEnd type="none" w="med" len="med"/>
+                      <a:tailEnd type="none" w="med" len="med"/>
+                    </a:lnB>
+                  </a:tcPr>
+                </a:tc>
+                <a:tc>
+                  <a:txBody>
+                    <a:bodyPr/>
+                    <a:lstStyle/>
+                    <a:p>
+                      <a:r>
+                        <a:rPr lang="en-US" sz="1800" dirty="0">
+                          <a:solidFill>
+                            <a:srgbClr val="002060"/>
+                          </a:solidFill>
+                          <a:latin typeface="+mn-lt"/>
+                        </a:rPr>
+                        <a:t>d2</a:t>
+                      </a:r>
+                    </a:p>
+                  </a:txBody>
+                  <a:tcPr anchor="ctr">
+                    <a:lnL w="12700" cap="flat" cmpd="sng" algn="ctr">
+                      <a:solidFill>
+                        <a:srgbClr val="002060"/>
+                      </a:solidFill>
+                      <a:prstDash val="solid"/>
+                      <a:round/>
+                      <a:headEnd type="none" w="med" len="med"/>
+                      <a:tailEnd type="none" w="med" len="med"/>
+                    </a:lnL>
+                    <a:lnR w="12700" cap="flat" cmpd="sng" algn="ctr">
+                      <a:solidFill>
+                        <a:srgbClr val="002060"/>
+                      </a:solidFill>
+                      <a:prstDash val="solid"/>
+                      <a:round/>
+                      <a:headEnd type="none" w="med" len="med"/>
+                      <a:tailEnd type="none" w="med" len="med"/>
+                    </a:lnR>
+                    <a:lnT w="12700" cap="flat" cmpd="sng" algn="ctr">
+                      <a:solidFill>
+                        <a:srgbClr val="002060"/>
+                      </a:solidFill>
+                      <a:prstDash val="solid"/>
+                      <a:round/>
+                      <a:headEnd type="none" w="med" len="med"/>
+                      <a:tailEnd type="none" w="med" len="med"/>
+                    </a:lnT>
+                    <a:lnB w="12700" cap="flat" cmpd="sng" algn="ctr">
+                      <a:solidFill>
+                        <a:srgbClr val="002060"/>
+                      </a:solidFill>
+                      <a:prstDash val="solid"/>
+                      <a:round/>
+                      <a:headEnd type="none" w="med" len="med"/>
+                      <a:tailEnd type="none" w="med" len="med"/>
+                    </a:lnB>
+                  </a:tcPr>
+                </a:tc>
+                <a:extLst>
+                  <a:ext uri="{0D108BD9-81ED-4DB2-BD59-A6C34878D82A}">
+                    <a16:rowId xmlns:a16="http://schemas.microsoft.com/office/drawing/2014/main" val="10006"/>
+                  </a:ext>
+                </a:extLst>
+              </a:tr>
+              <a:tr h="252000">
+                <a:tc>
+                  <a:txBody>
+                    <a:bodyPr/>
+                    <a:lstStyle/>
+                    <a:p>
+                      <a:r>
+                        <a:rPr lang="en-US" sz="1800" dirty="0">
+                          <a:solidFill>
+                            <a:srgbClr val="002060"/>
+                          </a:solidFill>
+                          <a:latin typeface="+mn-lt"/>
+                        </a:rPr>
+                        <a:t>[d1, d2] — d2</a:t>
+                      </a:r>
+                    </a:p>
+                  </a:txBody>
+                  <a:tcPr anchor="ctr">
+                    <a:lnL w="12700" cap="flat" cmpd="sng" algn="ctr">
+                      <a:solidFill>
+                        <a:srgbClr val="002060"/>
+                      </a:solidFill>
+                      <a:prstDash val="solid"/>
+                      <a:round/>
+                      <a:headEnd type="none" w="med" len="med"/>
+                      <a:tailEnd type="none" w="med" len="med"/>
+                    </a:lnL>
+                    <a:lnR w="12700" cap="flat" cmpd="sng" algn="ctr">
+                      <a:solidFill>
+                        <a:srgbClr val="002060"/>
+                      </a:solidFill>
+                      <a:prstDash val="solid"/>
+                      <a:round/>
+                      <a:headEnd type="none" w="med" len="med"/>
+                      <a:tailEnd type="none" w="med" len="med"/>
+                    </a:lnR>
+                    <a:lnT w="12700" cap="flat" cmpd="sng" algn="ctr">
+                      <a:solidFill>
+                        <a:srgbClr val="002060"/>
+                      </a:solidFill>
+                      <a:prstDash val="solid"/>
+                      <a:round/>
+                      <a:headEnd type="none" w="med" len="med"/>
+                      <a:tailEnd type="none" w="med" len="med"/>
+                    </a:lnT>
+                    <a:lnB w="12700" cap="flat" cmpd="sng" algn="ctr">
+                      <a:solidFill>
+                        <a:srgbClr val="002060"/>
+                      </a:solidFill>
+                      <a:prstDash val="solid"/>
+                      <a:round/>
+                      <a:headEnd type="none" w="med" len="med"/>
+                      <a:tailEnd type="none" w="med" len="med"/>
+                    </a:lnB>
+                  </a:tcPr>
+                </a:tc>
+                <a:tc>
+                  <a:txBody>
+                    <a:bodyPr/>
+                    <a:lstStyle/>
+                    <a:p>
+                      <a:r>
+                        <a:rPr lang="en-US" sz="1800">
+                          <a:solidFill>
+                            <a:srgbClr val="002060"/>
+                          </a:solidFill>
+                          <a:latin typeface="+mn-lt"/>
+                        </a:rPr>
+                        <a:t>d1</a:t>
+                      </a:r>
+                    </a:p>
+                  </a:txBody>
+                  <a:tcPr anchor="ctr">
+                    <a:lnL w="12700" cap="flat" cmpd="sng" algn="ctr">
+                      <a:solidFill>
+                        <a:srgbClr val="002060"/>
+                      </a:solidFill>
+                      <a:prstDash val="solid"/>
+                      <a:round/>
+                      <a:headEnd type="none" w="med" len="med"/>
+                      <a:tailEnd type="none" w="med" len="med"/>
+                    </a:lnL>
+                    <a:lnR w="12700" cap="flat" cmpd="sng" algn="ctr">
+                      <a:solidFill>
+                        <a:srgbClr val="002060"/>
+                      </a:solidFill>
+                      <a:prstDash val="solid"/>
+                      <a:round/>
+                      <a:headEnd type="none" w="med" len="med"/>
+                      <a:tailEnd type="none" w="med" len="med"/>
+                    </a:lnR>
+                    <a:lnT w="12700" cap="flat" cmpd="sng" algn="ctr">
+                      <a:solidFill>
+                        <a:srgbClr val="002060"/>
+                      </a:solidFill>
+                      <a:prstDash val="solid"/>
+                      <a:round/>
+                      <a:headEnd type="none" w="med" len="med"/>
+                      <a:tailEnd type="none" w="med" len="med"/>
+                    </a:lnT>
+                    <a:lnB w="12700" cap="flat" cmpd="sng" algn="ctr">
+                      <a:solidFill>
+                        <a:srgbClr val="002060"/>
+                      </a:solidFill>
+                      <a:prstDash val="solid"/>
+                      <a:round/>
+                      <a:headEnd type="none" w="med" len="med"/>
+                      <a:tailEnd type="none" w="med" len="med"/>
+                    </a:lnB>
+                  </a:tcPr>
+                </a:tc>
+                <a:extLst>
+                  <a:ext uri="{0D108BD9-81ED-4DB2-BD59-A6C34878D82A}">
+                    <a16:rowId xmlns:a16="http://schemas.microsoft.com/office/drawing/2014/main" val="10007"/>
+                  </a:ext>
+                </a:extLst>
+              </a:tr>
+              <a:tr h="252000">
+                <a:tc>
+                  <a:txBody>
+                    <a:bodyPr/>
+                    <a:lstStyle/>
+                    <a:p>
+                      <a:r>
+                        <a:rPr lang="en-US" sz="1800" dirty="0">
+                          <a:solidFill>
+                            <a:srgbClr val="002060"/>
+                          </a:solidFill>
+                          <a:latin typeface="+mn-lt"/>
+                        </a:rPr>
+                        <a:t>[d1, d2, d1] — d1</a:t>
+                      </a:r>
+                    </a:p>
+                  </a:txBody>
+                  <a:tcPr anchor="ctr">
+                    <a:lnL w="12700" cap="flat" cmpd="sng" algn="ctr">
+                      <a:solidFill>
+                        <a:srgbClr val="002060"/>
+                      </a:solidFill>
+                      <a:prstDash val="solid"/>
+                      <a:round/>
+                      <a:headEnd type="none" w="med" len="med"/>
+                      <a:tailEnd type="none" w="med" len="med"/>
+                    </a:lnL>
+                    <a:lnR w="12700" cap="flat" cmpd="sng" algn="ctr">
+                      <a:solidFill>
+                        <a:srgbClr val="002060"/>
+                      </a:solidFill>
+                      <a:prstDash val="solid"/>
+                      <a:round/>
+                      <a:headEnd type="none" w="med" len="med"/>
+                      <a:tailEnd type="none" w="med" len="med"/>
+                    </a:lnR>
+                    <a:lnT w="12700" cap="flat" cmpd="sng" algn="ctr">
+                      <a:solidFill>
+                        <a:srgbClr val="002060"/>
+                      </a:solidFill>
+                      <a:prstDash val="solid"/>
+                      <a:round/>
+                      <a:headEnd type="none" w="med" len="med"/>
+                      <a:tailEnd type="none" w="med" len="med"/>
+                    </a:lnT>
+                    <a:lnB w="12700" cap="flat" cmpd="sng" algn="ctr">
+                      <a:solidFill>
+                        <a:srgbClr val="002060"/>
+                      </a:solidFill>
+                      <a:prstDash val="solid"/>
+                      <a:round/>
+                      <a:headEnd type="none" w="med" len="med"/>
+                      <a:tailEnd type="none" w="med" len="med"/>
+                    </a:lnB>
+                  </a:tcPr>
+                </a:tc>
+                <a:tc>
+                  <a:txBody>
+                    <a:bodyPr/>
+                    <a:lstStyle/>
+                    <a:p>
+                      <a:r>
+                        <a:rPr lang="en-US" sz="1800" dirty="0">
+                          <a:solidFill>
+                            <a:srgbClr val="002060"/>
+                          </a:solidFill>
+                          <a:latin typeface="+mn-lt"/>
+                        </a:rPr>
+                        <a:t>[d1, d2]</a:t>
+                      </a:r>
+                    </a:p>
+                  </a:txBody>
+                  <a:tcPr anchor="ctr">
+                    <a:lnL w="12700" cap="flat" cmpd="sng" algn="ctr">
+                      <a:solidFill>
+                        <a:srgbClr val="002060"/>
+                      </a:solidFill>
+                      <a:prstDash val="solid"/>
+                      <a:round/>
+                      <a:headEnd type="none" w="med" len="med"/>
+                      <a:tailEnd type="none" w="med" len="med"/>
+                    </a:lnL>
+                    <a:lnR w="12700" cap="flat" cmpd="sng" algn="ctr">
+                      <a:solidFill>
+                        <a:srgbClr val="002060"/>
+                      </a:solidFill>
+                      <a:prstDash val="solid"/>
+                      <a:round/>
+                      <a:headEnd type="none" w="med" len="med"/>
+                      <a:tailEnd type="none" w="med" len="med"/>
+                    </a:lnR>
+                    <a:lnT w="12700" cap="flat" cmpd="sng" algn="ctr">
+                      <a:solidFill>
+                        <a:srgbClr val="002060"/>
+                      </a:solidFill>
+                      <a:prstDash val="solid"/>
+                      <a:round/>
+                      <a:headEnd type="none" w="med" len="med"/>
+                      <a:tailEnd type="none" w="med" len="med"/>
+                    </a:lnT>
+                    <a:lnB w="12700" cap="flat" cmpd="sng" algn="ctr">
+                      <a:solidFill>
+                        <a:srgbClr val="002060"/>
+                      </a:solidFill>
+                      <a:prstDash val="solid"/>
+                      <a:round/>
+                      <a:headEnd type="none" w="med" len="med"/>
+                      <a:tailEnd type="none" w="med" len="med"/>
+                    </a:lnB>
+                  </a:tcPr>
+                </a:tc>
+                <a:extLst>
+                  <a:ext uri="{0D108BD9-81ED-4DB2-BD59-A6C34878D82A}">
+                    <a16:rowId xmlns:a16="http://schemas.microsoft.com/office/drawing/2014/main" val="10008"/>
+                  </a:ext>
+                </a:extLst>
+              </a:tr>
+              <a:tr h="252000">
+                <a:tc>
+                  <a:txBody>
+                    <a:bodyPr/>
+                    <a:lstStyle/>
+                    <a:p>
+                      <a:r>
+                        <a:rPr lang="en-US" sz="1800" dirty="0">
+                          <a:solidFill>
+                            <a:srgbClr val="002060"/>
+                          </a:solidFill>
+                          <a:latin typeface="+mn-lt"/>
+                        </a:rPr>
+                        <a:t>[d1, d2, d3] — [d1, d2]</a:t>
+                      </a:r>
+                    </a:p>
+                  </a:txBody>
+                  <a:tcPr anchor="ctr">
+                    <a:lnL w="12700" cap="flat" cmpd="sng" algn="ctr">
+                      <a:solidFill>
+                        <a:srgbClr val="002060"/>
+                      </a:solidFill>
+                      <a:prstDash val="solid"/>
+                      <a:round/>
+                      <a:headEnd type="none" w="med" len="med"/>
+                      <a:tailEnd type="none" w="med" len="med"/>
+                    </a:lnL>
+                    <a:lnR w="12700" cap="flat" cmpd="sng" algn="ctr">
+                      <a:solidFill>
+                        <a:srgbClr val="002060"/>
+                      </a:solidFill>
+                      <a:prstDash val="solid"/>
+                      <a:round/>
+                      <a:headEnd type="none" w="med" len="med"/>
+                      <a:tailEnd type="none" w="med" len="med"/>
+                    </a:lnR>
+                    <a:lnT w="12700" cap="flat" cmpd="sng" algn="ctr">
+                      <a:solidFill>
+                        <a:srgbClr val="002060"/>
+                      </a:solidFill>
+                      <a:prstDash val="solid"/>
+                      <a:round/>
+                      <a:headEnd type="none" w="med" len="med"/>
+                      <a:tailEnd type="none" w="med" len="med"/>
+                    </a:lnT>
+                    <a:lnB w="12700" cap="flat" cmpd="sng" algn="ctr">
+                      <a:solidFill>
+                        <a:srgbClr val="002060"/>
+                      </a:solidFill>
+                      <a:prstDash val="solid"/>
+                      <a:round/>
+                      <a:headEnd type="none" w="med" len="med"/>
+                      <a:tailEnd type="none" w="med" len="med"/>
+                    </a:lnB>
+                  </a:tcPr>
+                </a:tc>
+                <a:tc>
+                  <a:txBody>
+                    <a:bodyPr/>
+                    <a:lstStyle/>
+                    <a:p>
+                      <a:r>
+                        <a:rPr lang="en-US" sz="1800" dirty="0">
+                          <a:solidFill>
+                            <a:srgbClr val="002060"/>
+                          </a:solidFill>
+                          <a:latin typeface="+mn-lt"/>
+                        </a:rPr>
+                        <a:t>d3</a:t>
+                      </a:r>
+                    </a:p>
+                  </a:txBody>
+                  <a:tcPr anchor="ctr">
+                    <a:lnL w="12700" cap="flat" cmpd="sng" algn="ctr">
+                      <a:solidFill>
+                        <a:srgbClr val="002060"/>
+                      </a:solidFill>
+                      <a:prstDash val="solid"/>
+                      <a:round/>
+                      <a:headEnd type="none" w="med" len="med"/>
+                      <a:tailEnd type="none" w="med" len="med"/>
+                    </a:lnL>
+                    <a:lnR w="12700" cap="flat" cmpd="sng" algn="ctr">
+                      <a:solidFill>
+                        <a:srgbClr val="002060"/>
+                      </a:solidFill>
+                      <a:prstDash val="solid"/>
+                      <a:round/>
+                      <a:headEnd type="none" w="med" len="med"/>
+                      <a:tailEnd type="none" w="med" len="med"/>
+                    </a:lnR>
+                    <a:lnT w="12700" cap="flat" cmpd="sng" algn="ctr">
+                      <a:solidFill>
+                        <a:srgbClr val="002060"/>
+                      </a:solidFill>
+                      <a:prstDash val="solid"/>
+                      <a:round/>
+                      <a:headEnd type="none" w="med" len="med"/>
+                      <a:tailEnd type="none" w="med" len="med"/>
+                    </a:lnT>
+                    <a:lnB w="12700" cap="flat" cmpd="sng" algn="ctr">
+                      <a:solidFill>
+                        <a:srgbClr val="002060"/>
+                      </a:solidFill>
+                      <a:prstDash val="solid"/>
+                      <a:round/>
+                      <a:headEnd type="none" w="med" len="med"/>
+                      <a:tailEnd type="none" w="med" len="med"/>
+                    </a:lnB>
+                  </a:tcPr>
+                </a:tc>
+                <a:extLst>
+                  <a:ext uri="{0D108BD9-81ED-4DB2-BD59-A6C34878D82A}">
+                    <a16:rowId xmlns:a16="http://schemas.microsoft.com/office/drawing/2014/main" val="10009"/>
+                  </a:ext>
+                </a:extLst>
+              </a:tr>
+              <a:tr h="252000">
+                <a:tc>
+                  <a:txBody>
+                    <a:bodyPr/>
+                    <a:lstStyle/>
+                    <a:p>
+                      <a:r>
+                        <a:rPr lang="en-US" sz="1800" dirty="0">
+                          <a:solidFill>
+                            <a:srgbClr val="002060"/>
+                          </a:solidFill>
+                          <a:latin typeface="+mn-lt"/>
+                        </a:rPr>
+                        <a:t>[d1, d2, d3] — [d2, d1]</a:t>
+                      </a:r>
+                    </a:p>
+                  </a:txBody>
+                  <a:tcPr anchor="ctr">
+                    <a:lnL w="12700" cap="flat" cmpd="sng" algn="ctr">
+                      <a:solidFill>
+                        <a:srgbClr val="002060"/>
+                      </a:solidFill>
+                      <a:prstDash val="solid"/>
+                      <a:round/>
+                      <a:headEnd type="none" w="med" len="med"/>
+                      <a:tailEnd type="none" w="med" len="med"/>
+                    </a:lnL>
+                    <a:lnR w="12700" cap="flat" cmpd="sng" algn="ctr">
+                      <a:solidFill>
+                        <a:srgbClr val="002060"/>
+                      </a:solidFill>
+                      <a:prstDash val="solid"/>
+                      <a:round/>
+                      <a:headEnd type="none" w="med" len="med"/>
+                      <a:tailEnd type="none" w="med" len="med"/>
+                    </a:lnR>
+                    <a:lnT w="12700" cap="flat" cmpd="sng" algn="ctr">
+                      <a:solidFill>
+                        <a:srgbClr val="002060"/>
+                      </a:solidFill>
+                      <a:prstDash val="solid"/>
+                      <a:round/>
+                      <a:headEnd type="none" w="med" len="med"/>
+                      <a:tailEnd type="none" w="med" len="med"/>
+                    </a:lnT>
+                    <a:lnB w="12700" cap="flat" cmpd="sng" algn="ctr">
+                      <a:solidFill>
+                        <a:srgbClr val="002060"/>
+                      </a:solidFill>
+                      <a:prstDash val="solid"/>
+                      <a:round/>
+                      <a:headEnd type="none" w="med" len="med"/>
+                      <a:tailEnd type="none" w="med" len="med"/>
+                    </a:lnB>
+                  </a:tcPr>
+                </a:tc>
+                <a:tc>
+                  <a:txBody>
+                    <a:bodyPr/>
+                    <a:lstStyle/>
+                    <a:p>
+                      <a:r>
+                        <a:rPr lang="en-US" sz="1800" dirty="0">
+                          <a:solidFill>
+                            <a:srgbClr val="002060"/>
+                          </a:solidFill>
+                          <a:latin typeface="+mn-lt"/>
+                        </a:rPr>
+                        <a:t>[d1, d2, d3]</a:t>
+                      </a:r>
+                    </a:p>
+                  </a:txBody>
+                  <a:tcPr anchor="ctr">
+                    <a:lnL w="12700" cap="flat" cmpd="sng" algn="ctr">
+                      <a:solidFill>
+                        <a:srgbClr val="002060"/>
+                      </a:solidFill>
+                      <a:prstDash val="solid"/>
+                      <a:round/>
+                      <a:headEnd type="none" w="med" len="med"/>
+                      <a:tailEnd type="none" w="med" len="med"/>
+                    </a:lnL>
+                    <a:lnR w="12700" cap="flat" cmpd="sng" algn="ctr">
+                      <a:solidFill>
+                        <a:srgbClr val="002060"/>
+                      </a:solidFill>
+                      <a:prstDash val="solid"/>
+                      <a:round/>
+                      <a:headEnd type="none" w="med" len="med"/>
+                      <a:tailEnd type="none" w="med" len="med"/>
+                    </a:lnR>
+                    <a:lnT w="12700" cap="flat" cmpd="sng" algn="ctr">
+                      <a:solidFill>
+                        <a:srgbClr val="002060"/>
+                      </a:solidFill>
+                      <a:prstDash val="solid"/>
+                      <a:round/>
+                      <a:headEnd type="none" w="med" len="med"/>
+                      <a:tailEnd type="none" w="med" len="med"/>
+                    </a:lnT>
+                    <a:lnB w="12700" cap="flat" cmpd="sng" algn="ctr">
+                      <a:solidFill>
+                        <a:srgbClr val="002060"/>
+                      </a:solidFill>
+                      <a:prstDash val="solid"/>
+                      <a:round/>
+                      <a:headEnd type="none" w="med" len="med"/>
+                      <a:tailEnd type="none" w="med" len="med"/>
+                    </a:lnB>
+                  </a:tcPr>
+                </a:tc>
+                <a:extLst>
+                  <a:ext uri="{0D108BD9-81ED-4DB2-BD59-A6C34878D82A}">
+                    <a16:rowId xmlns:a16="http://schemas.microsoft.com/office/drawing/2014/main" val="10010"/>
+                  </a:ext>
+                </a:extLst>
+              </a:tr>
+              <a:tr h="252000">
+                <a:tc>
+                  <a:txBody>
+                    <a:bodyPr/>
+                    <a:lstStyle/>
+                    <a:p>
+                      <a:r>
+                        <a:rPr lang="en-US" sz="1800" dirty="0">
+                          <a:solidFill>
+                            <a:srgbClr val="002060"/>
+                          </a:solidFill>
+                          <a:latin typeface="+mn-lt"/>
+                        </a:rPr>
+                        <a:t>[d1, d2, d3, d1, d2] — [d1, d2]</a:t>
+                      </a:r>
+                    </a:p>
+                  </a:txBody>
+                  <a:tcPr anchor="ctr">
+                    <a:lnL w="12700" cap="flat" cmpd="sng" algn="ctr">
+                      <a:solidFill>
+                        <a:srgbClr val="002060"/>
+                      </a:solidFill>
+                      <a:prstDash val="solid"/>
+                      <a:round/>
+                      <a:headEnd type="none" w="med" len="med"/>
+                      <a:tailEnd type="none" w="med" len="med"/>
+                    </a:lnL>
+                    <a:lnR w="12700" cap="flat" cmpd="sng" algn="ctr">
+                      <a:solidFill>
+                        <a:srgbClr val="002060"/>
+                      </a:solidFill>
+                      <a:prstDash val="solid"/>
+                      <a:round/>
+                      <a:headEnd type="none" w="med" len="med"/>
+                      <a:tailEnd type="none" w="med" len="med"/>
+                    </a:lnR>
+                    <a:lnT w="12700" cap="flat" cmpd="sng" algn="ctr">
+                      <a:solidFill>
+                        <a:srgbClr val="002060"/>
+                      </a:solidFill>
+                      <a:prstDash val="solid"/>
+                      <a:round/>
+                      <a:headEnd type="none" w="med" len="med"/>
+                      <a:tailEnd type="none" w="med" len="med"/>
+                    </a:lnT>
+                    <a:lnB w="12700" cap="flat" cmpd="sng" algn="ctr">
+                      <a:solidFill>
+                        <a:srgbClr val="002060"/>
+                      </a:solidFill>
+                      <a:prstDash val="solid"/>
+                      <a:round/>
+                      <a:headEnd type="none" w="med" len="med"/>
+                      <a:tailEnd type="none" w="med" len="med"/>
+                    </a:lnB>
+                  </a:tcPr>
+                </a:tc>
+                <a:tc>
+                  <a:txBody>
+                    <a:bodyPr/>
+                    <a:lstStyle/>
+                    <a:p>
+                      <a:r>
+                        <a:rPr lang="en-US" sz="1800" dirty="0">
+                          <a:solidFill>
+                            <a:srgbClr val="002060"/>
+                          </a:solidFill>
+                          <a:latin typeface="+mn-lt"/>
+                        </a:rPr>
+                        <a:t>[d1, d2, d3]</a:t>
+                      </a:r>
+                    </a:p>
+                  </a:txBody>
+                  <a:tcPr anchor="ctr">
+                    <a:lnL w="12700" cap="flat" cmpd="sng" algn="ctr">
+                      <a:solidFill>
+                        <a:srgbClr val="002060"/>
+                      </a:solidFill>
+                      <a:prstDash val="solid"/>
+                      <a:round/>
+                      <a:headEnd type="none" w="med" len="med"/>
+                      <a:tailEnd type="none" w="med" len="med"/>
+                    </a:lnL>
+                    <a:lnR w="12700" cap="flat" cmpd="sng" algn="ctr">
+                      <a:solidFill>
+                        <a:srgbClr val="002060"/>
+                      </a:solidFill>
+                      <a:prstDash val="solid"/>
+                      <a:round/>
+                      <a:headEnd type="none" w="med" len="med"/>
+                      <a:tailEnd type="none" w="med" len="med"/>
+                    </a:lnR>
+                    <a:lnT w="12700" cap="flat" cmpd="sng" algn="ctr">
+                      <a:solidFill>
+                        <a:srgbClr val="002060"/>
+                      </a:solidFill>
+                      <a:prstDash val="solid"/>
+                      <a:round/>
+                      <a:headEnd type="none" w="med" len="med"/>
+                      <a:tailEnd type="none" w="med" len="med"/>
+                    </a:lnT>
+                    <a:lnB w="12700" cap="flat" cmpd="sng" algn="ctr">
+                      <a:solidFill>
+                        <a:srgbClr val="002060"/>
+                      </a:solidFill>
+                      <a:prstDash val="solid"/>
+                      <a:round/>
+                      <a:headEnd type="none" w="med" len="med"/>
+                      <a:tailEnd type="none" w="med" len="med"/>
+                    </a:lnB>
+                  </a:tcPr>
+                </a:tc>
+                <a:extLst>
+                  <a:ext uri="{0D108BD9-81ED-4DB2-BD59-A6C34878D82A}">
+                    <a16:rowId xmlns:a16="http://schemas.microsoft.com/office/drawing/2014/main" val="10011"/>
+                  </a:ext>
+                </a:extLst>
+              </a:tr>
+              <a:tr h="252000">
+                <a:tc>
+                  <a:txBody>
+                    <a:bodyPr/>
+                    <a:lstStyle/>
+                    <a:p>
+                      <a:r>
+                        <a:rPr lang="en-US" sz="1800" dirty="0">
+                          <a:solidFill>
+                            <a:srgbClr val="002060"/>
+                          </a:solidFill>
+                          <a:latin typeface="+mn-lt"/>
+                        </a:rPr>
+                        <a:t>[d1, d2] — [d1, d2]</a:t>
+                      </a:r>
+                    </a:p>
+                  </a:txBody>
+                  <a:tcPr anchor="ctr">
+                    <a:lnL w="12700" cap="flat" cmpd="sng" algn="ctr">
+                      <a:solidFill>
+                        <a:srgbClr val="002060"/>
+                      </a:solidFill>
+                      <a:prstDash val="solid"/>
+                      <a:round/>
+                      <a:headEnd type="none" w="med" len="med"/>
+                      <a:tailEnd type="none" w="med" len="med"/>
+                    </a:lnL>
+                    <a:lnR w="12700" cap="flat" cmpd="sng" algn="ctr">
+                      <a:solidFill>
+                        <a:srgbClr val="002060"/>
+                      </a:solidFill>
+                      <a:prstDash val="solid"/>
+                      <a:round/>
+                      <a:headEnd type="none" w="med" len="med"/>
+                      <a:tailEnd type="none" w="med" len="med"/>
+                    </a:lnR>
+                    <a:lnT w="12700" cap="flat" cmpd="sng" algn="ctr">
+                      <a:solidFill>
+                        <a:srgbClr val="002060"/>
+                      </a:solidFill>
+                      <a:prstDash val="solid"/>
+                      <a:round/>
+                      <a:headEnd type="none" w="med" len="med"/>
+                      <a:tailEnd type="none" w="med" len="med"/>
+                    </a:lnT>
+                    <a:lnB w="12700" cap="flat" cmpd="sng" algn="ctr">
+                      <a:solidFill>
+                        <a:srgbClr val="002060"/>
+                      </a:solidFill>
+                      <a:prstDash val="solid"/>
+                      <a:round/>
+                      <a:headEnd type="none" w="med" len="med"/>
+                      <a:tailEnd type="none" w="med" len="med"/>
+                    </a:lnB>
+                  </a:tcPr>
+                </a:tc>
+                <a:tc>
+                  <a:txBody>
+                    <a:bodyPr/>
+                    <a:lstStyle/>
+                    <a:p>
+                      <a:r>
+                        <a:rPr lang="en-US" sz="1800" dirty="0">
+                          <a:solidFill>
+                            <a:srgbClr val="002060"/>
+                          </a:solidFill>
+                          <a:latin typeface="+mn-lt"/>
+                        </a:rPr>
+                        <a:t>null</a:t>
+                      </a:r>
+                    </a:p>
+                  </a:txBody>
+                  <a:tcPr anchor="ctr">
+                    <a:lnL w="12700" cap="flat" cmpd="sng" algn="ctr">
+                      <a:solidFill>
+                        <a:srgbClr val="002060"/>
+                      </a:solidFill>
+                      <a:prstDash val="solid"/>
+                      <a:round/>
+                      <a:headEnd type="none" w="med" len="med"/>
+                      <a:tailEnd type="none" w="med" len="med"/>
+                    </a:lnL>
+                    <a:lnR w="12700" cap="flat" cmpd="sng" algn="ctr">
+                      <a:solidFill>
+                        <a:srgbClr val="002060"/>
+                      </a:solidFill>
+                      <a:prstDash val="solid"/>
+                      <a:round/>
+                      <a:headEnd type="none" w="med" len="med"/>
+                      <a:tailEnd type="none" w="med" len="med"/>
+                    </a:lnR>
+                    <a:lnT w="12700" cap="flat" cmpd="sng" algn="ctr">
+                      <a:solidFill>
+                        <a:srgbClr val="002060"/>
+                      </a:solidFill>
+                      <a:prstDash val="solid"/>
+                      <a:round/>
+                      <a:headEnd type="none" w="med" len="med"/>
+                      <a:tailEnd type="none" w="med" len="med"/>
+                    </a:lnT>
+                    <a:lnB w="12700" cap="flat" cmpd="sng" algn="ctr">
+                      <a:solidFill>
+                        <a:srgbClr val="002060"/>
+                      </a:solidFill>
+                      <a:prstDash val="solid"/>
+                      <a:round/>
+                      <a:headEnd type="none" w="med" len="med"/>
+                      <a:tailEnd type="none" w="med" len="med"/>
+                    </a:lnB>
+                  </a:tcPr>
+                </a:tc>
+                <a:extLst>
+                  <a:ext uri="{0D108BD9-81ED-4DB2-BD59-A6C34878D82A}">
+                    <a16:rowId xmlns:a16="http://schemas.microsoft.com/office/drawing/2014/main" val="10012"/>
+                  </a:ext>
+                </a:extLst>
+              </a:tr>
+            </a:tbl>
+          </a:graphicData>
+        </a:graphic>
+      </p:graphicFrame>
+    </p:spTree>
+    <p:extLst>
+      <p:ext uri="{BB962C8B-B14F-4D97-AF65-F5344CB8AC3E}">
+        <p14:creationId xmlns:p14="http://schemas.microsoft.com/office/powerpoint/2010/main" val="887225517"/>
+      </p:ext>
+    </p:extLst>
+  </p:cSld>
+  <p:clrMapOvr>
+    <a:masterClrMapping/>
+  </p:clrMapOvr>
+</p:sld>
+</file>
+
+<file path=ppt/slides/slide8.xml><?xml version="1.0" encoding="utf-8"?>
+<p:sld xmlns:a="http://schemas.openxmlformats.org/drawingml/2006/main" xmlns:r="http://schemas.openxmlformats.org/officeDocument/2006/relationships" xmlns:p="http://schemas.openxmlformats.org/presentationml/2006/main">
+  <p:cSld>
+    <p:bg>
+      <p:bgPr>
+        <a:blipFill dpi="0" rotWithShape="1">
+          <a:blip r:embed="rId2">
+            <a:lum/>
+          </a:blip>
+          <a:srcRect/>
+          <a:stretch>
+            <a:fillRect/>
+          </a:stretch>
+        </a:blipFill>
+        <a:effectLst/>
+      </p:bgPr>
+    </p:bg>
+    <p:spTree>
+      <p:nvGrpSpPr>
+        <p:cNvPr id="1" name=""/>
+        <p:cNvGrpSpPr/>
+        <p:nvPr/>
+      </p:nvGrpSpPr>
+      <p:grpSpPr>
+        <a:xfrm>
+          <a:off x="0" y="0"/>
+          <a:ext cx="0" cy="0"/>
+          <a:chOff x="0" y="0"/>
+          <a:chExt cx="0" cy="0"/>
+        </a:xfrm>
+      </p:grpSpPr>
+      <p:sp>
+        <p:nvSpPr>
           <p:cNvPr id="6146" name="Прямоугольник 2"/>
           <p:cNvSpPr>
             <a:spLocks noChangeArrowheads="1"/>
@@ -18269,7 +20933,7 @@
 </p:sld>
 </file>
 
-<file path=ppt/slides/slide8.xml><?xml version="1.0" encoding="utf-8"?>
+<file path=ppt/slides/slide9.xml><?xml version="1.0" encoding="utf-8"?>
 <p:sld xmlns:a="http://schemas.openxmlformats.org/drawingml/2006/main" xmlns:r="http://schemas.openxmlformats.org/officeDocument/2006/relationships" xmlns:p="http://schemas.openxmlformats.org/presentationml/2006/main">
   <p:cSld>
     <p:bg>
@@ -19136,1004 +21800,6 @@
     <p:extLst>
       <p:ext uri="{BB962C8B-B14F-4D97-AF65-F5344CB8AC3E}">
         <p14:creationId xmlns:p14="http://schemas.microsoft.com/office/powerpoint/2010/main" val="1247407102"/>
-      </p:ext>
-    </p:extLst>
-  </p:cSld>
-  <p:clrMapOvr>
-    <a:masterClrMapping/>
-  </p:clrMapOvr>
-</p:sld>
-</file>
-
-<file path=ppt/slides/slide9.xml><?xml version="1.0" encoding="utf-8"?>
-<p:sld xmlns:a="http://schemas.openxmlformats.org/drawingml/2006/main" xmlns:r="http://schemas.openxmlformats.org/officeDocument/2006/relationships" xmlns:p="http://schemas.openxmlformats.org/presentationml/2006/main">
-  <p:cSld>
-    <p:bg>
-      <p:bgPr>
-        <a:blipFill dpi="0" rotWithShape="1">
-          <a:blip r:embed="rId2">
-            <a:lum/>
-          </a:blip>
-          <a:srcRect/>
-          <a:stretch>
-            <a:fillRect/>
-          </a:stretch>
-        </a:blipFill>
-        <a:effectLst/>
-      </p:bgPr>
-    </p:bg>
-    <p:spTree>
-      <p:nvGrpSpPr>
-        <p:cNvPr id="1" name=""/>
-        <p:cNvGrpSpPr/>
-        <p:nvPr/>
-      </p:nvGrpSpPr>
-      <p:grpSpPr>
-        <a:xfrm>
-          <a:off x="0" y="0"/>
-          <a:ext cx="0" cy="0"/>
-          <a:chOff x="0" y="0"/>
-          <a:chExt cx="0" cy="0"/>
-        </a:xfrm>
-      </p:grpSpPr>
-      <p:sp>
-        <p:nvSpPr>
-          <p:cNvPr id="8194" name="Прямоугольник 2"/>
-          <p:cNvSpPr>
-            <a:spLocks noChangeArrowheads="1"/>
-          </p:cNvSpPr>
-          <p:nvPr/>
-        </p:nvSpPr>
-        <p:spPr bwMode="auto">
-          <a:xfrm>
-            <a:off x="2362200" y="0"/>
-            <a:ext cx="5105400" cy="461963"/>
-          </a:xfrm>
-          <a:prstGeom prst="rect">
-            <a:avLst/>
-          </a:prstGeom>
-          <a:noFill/>
-          <a:ln>
-            <a:noFill/>
-          </a:ln>
-          <a:extLst>
-            <a:ext uri="{909E8E84-426E-40DD-AFC4-6F175D3DCCD1}">
-              <a14:hiddenFill xmlns:a14="http://schemas.microsoft.com/office/drawing/2010/main">
-                <a:solidFill>
-                  <a:srgbClr val="FFFFFF"/>
-                </a:solidFill>
-              </a14:hiddenFill>
-            </a:ext>
-            <a:ext uri="{91240B29-F687-4F45-9708-019B960494DF}">
-              <a14:hiddenLine xmlns:a14="http://schemas.microsoft.com/office/drawing/2010/main" w="9525">
-                <a:solidFill>
-                  <a:srgbClr val="000000"/>
-                </a:solidFill>
-                <a:miter lim="800000"/>
-                <a:headEnd/>
-                <a:tailEnd/>
-              </a14:hiddenLine>
-            </a:ext>
-          </a:extLst>
-        </p:spPr>
-        <p:txBody>
-          <a:bodyPr>
-            <a:spAutoFit/>
-          </a:bodyPr>
-          <a:lstStyle/>
-          <a:p>
-            <a:pPr algn="ctr"/>
-            <a:r>
-              <a:rPr lang="ru-RU" sz="2400" b="1"/>
-              <a:t>Анонимные методы.</a:t>
-            </a:r>
-          </a:p>
-        </p:txBody>
-      </p:sp>
-      <p:sp>
-        <p:nvSpPr>
-          <p:cNvPr id="8195" name="TextBox 6"/>
-          <p:cNvSpPr txBox="1">
-            <a:spLocks noChangeArrowheads="1"/>
-          </p:cNvSpPr>
-          <p:nvPr/>
-        </p:nvSpPr>
-        <p:spPr bwMode="auto">
-          <a:xfrm>
-            <a:off x="152400" y="457200"/>
-            <a:ext cx="8839200" cy="830263"/>
-          </a:xfrm>
-          <a:prstGeom prst="rect">
-            <a:avLst/>
-          </a:prstGeom>
-          <a:noFill/>
-          <a:ln>
-            <a:noFill/>
-          </a:ln>
-          <a:extLst>
-            <a:ext uri="{909E8E84-426E-40DD-AFC4-6F175D3DCCD1}">
-              <a14:hiddenFill xmlns:a14="http://schemas.microsoft.com/office/drawing/2010/main">
-                <a:solidFill>
-                  <a:srgbClr val="FFFFFF"/>
-                </a:solidFill>
-              </a14:hiddenFill>
-            </a:ext>
-            <a:ext uri="{91240B29-F687-4F45-9708-019B960494DF}">
-              <a14:hiddenLine xmlns:a14="http://schemas.microsoft.com/office/drawing/2010/main" w="9525">
-                <a:solidFill>
-                  <a:srgbClr val="000000"/>
-                </a:solidFill>
-                <a:miter lim="800000"/>
-                <a:headEnd/>
-                <a:tailEnd/>
-              </a14:hiddenLine>
-            </a:ext>
-          </a:extLst>
-        </p:spPr>
-        <p:txBody>
-          <a:bodyPr>
-            <a:spAutoFit/>
-          </a:bodyPr>
-          <a:lstStyle>
-            <a:lvl1pPr defTabSz="358775" eaLnBrk="0" hangingPunct="0">
-              <a:defRPr>
-                <a:solidFill>
-                  <a:schemeClr val="tx1"/>
-                </a:solidFill>
-                <a:latin typeface="Arial" charset="0"/>
-              </a:defRPr>
-            </a:lvl1pPr>
-            <a:lvl2pPr marL="742950" indent="-285750" defTabSz="358775" eaLnBrk="0" hangingPunct="0">
-              <a:defRPr>
-                <a:solidFill>
-                  <a:schemeClr val="tx1"/>
-                </a:solidFill>
-                <a:latin typeface="Arial" charset="0"/>
-              </a:defRPr>
-            </a:lvl2pPr>
-            <a:lvl3pPr marL="1143000" indent="-228600" defTabSz="358775" eaLnBrk="0" hangingPunct="0">
-              <a:defRPr>
-                <a:solidFill>
-                  <a:schemeClr val="tx1"/>
-                </a:solidFill>
-                <a:latin typeface="Arial" charset="0"/>
-              </a:defRPr>
-            </a:lvl3pPr>
-            <a:lvl4pPr marL="1600200" indent="-228600" defTabSz="358775" eaLnBrk="0" hangingPunct="0">
-              <a:defRPr>
-                <a:solidFill>
-                  <a:schemeClr val="tx1"/>
-                </a:solidFill>
-                <a:latin typeface="Arial" charset="0"/>
-              </a:defRPr>
-            </a:lvl4pPr>
-            <a:lvl5pPr marL="2057400" indent="-228600" defTabSz="358775" eaLnBrk="0" hangingPunct="0">
-              <a:defRPr>
-                <a:solidFill>
-                  <a:schemeClr val="tx1"/>
-                </a:solidFill>
-                <a:latin typeface="Arial" charset="0"/>
-              </a:defRPr>
-            </a:lvl5pPr>
-            <a:lvl6pPr marL="2514600" indent="-228600" defTabSz="358775" eaLnBrk="0" fontAlgn="base" hangingPunct="0">
-              <a:spcBef>
-                <a:spcPct val="0"/>
-              </a:spcBef>
-              <a:spcAft>
-                <a:spcPct val="0"/>
-              </a:spcAft>
-              <a:defRPr>
-                <a:solidFill>
-                  <a:schemeClr val="tx1"/>
-                </a:solidFill>
-                <a:latin typeface="Arial" charset="0"/>
-              </a:defRPr>
-            </a:lvl6pPr>
-            <a:lvl7pPr marL="2971800" indent="-228600" defTabSz="358775" eaLnBrk="0" fontAlgn="base" hangingPunct="0">
-              <a:spcBef>
-                <a:spcPct val="0"/>
-              </a:spcBef>
-              <a:spcAft>
-                <a:spcPct val="0"/>
-              </a:spcAft>
-              <a:defRPr>
-                <a:solidFill>
-                  <a:schemeClr val="tx1"/>
-                </a:solidFill>
-                <a:latin typeface="Arial" charset="0"/>
-              </a:defRPr>
-            </a:lvl7pPr>
-            <a:lvl8pPr marL="3429000" indent="-228600" defTabSz="358775" eaLnBrk="0" fontAlgn="base" hangingPunct="0">
-              <a:spcBef>
-                <a:spcPct val="0"/>
-              </a:spcBef>
-              <a:spcAft>
-                <a:spcPct val="0"/>
-              </a:spcAft>
-              <a:defRPr>
-                <a:solidFill>
-                  <a:schemeClr val="tx1"/>
-                </a:solidFill>
-                <a:latin typeface="Arial" charset="0"/>
-              </a:defRPr>
-            </a:lvl8pPr>
-            <a:lvl9pPr marL="3886200" indent="-228600" defTabSz="358775" eaLnBrk="0" fontAlgn="base" hangingPunct="0">
-              <a:spcBef>
-                <a:spcPct val="0"/>
-              </a:spcBef>
-              <a:spcAft>
-                <a:spcPct val="0"/>
-              </a:spcAft>
-              <a:defRPr>
-                <a:solidFill>
-                  <a:schemeClr val="tx1"/>
-                </a:solidFill>
-                <a:latin typeface="Arial" charset="0"/>
-              </a:defRPr>
-            </a:lvl9pPr>
-          </a:lstStyle>
-          <a:p>
-            <a:pPr eaLnBrk="1" hangingPunct="1"/>
-            <a:r>
-              <a:rPr lang="ru-RU" sz="1600"/>
-              <a:t>	Суть анонимных методов заключается в том, что при наличии делегата нет необходимости полностью описывать метод, указатель на который будет помещен в делегат. Исходя из этого</a:t>
-            </a:r>
-            <a:r>
-              <a:rPr lang="en-US" sz="1600"/>
-              <a:t>,</a:t>
-            </a:r>
-            <a:r>
-              <a:rPr lang="ru-RU" sz="1600"/>
-              <a:t> пример приобретает следующий вид</a:t>
-            </a:r>
-            <a:r>
-              <a:rPr lang="en-US" sz="1600"/>
-              <a:t>:</a:t>
-            </a:r>
-            <a:endParaRPr lang="be-BY" sz="1600">
-              <a:solidFill>
-                <a:srgbClr val="008080"/>
-              </a:solidFill>
-              <a:latin typeface="Courier New" pitchFamily="49" charset="0"/>
-              <a:cs typeface="Calibri" pitchFamily="34" charset="0"/>
-            </a:endParaRPr>
-          </a:p>
-        </p:txBody>
-      </p:sp>
-      <p:sp>
-        <p:nvSpPr>
-          <p:cNvPr id="32769" name="Rectangle 1"/>
-          <p:cNvSpPr>
-            <a:spLocks noChangeArrowheads="1"/>
-          </p:cNvSpPr>
-          <p:nvPr/>
-        </p:nvSpPr>
-        <p:spPr bwMode="auto">
-          <a:xfrm>
-            <a:off x="152400" y="1371600"/>
-            <a:ext cx="8839200" cy="4078288"/>
-          </a:xfrm>
-          <a:prstGeom prst="rect">
-            <a:avLst/>
-          </a:prstGeom>
-          <a:noFill/>
-          <a:ln w="9525">
-            <a:solidFill>
-              <a:schemeClr val="bg1">
-                <a:lumMod val="65000"/>
-              </a:schemeClr>
-            </a:solidFill>
-            <a:miter lim="800000"/>
-            <a:headEnd/>
-            <a:tailEnd/>
-          </a:ln>
-          <a:effectLst/>
-        </p:spPr>
-        <p:txBody>
-          <a:bodyPr anchor="ctr">
-            <a:spAutoFit/>
-          </a:bodyPr>
-          <a:lstStyle/>
-          <a:p>
-            <a:pPr eaLnBrk="0" hangingPunct="0">
-              <a:defRPr/>
-            </a:pPr>
-            <a:r>
-              <a:rPr lang="be-BY" sz="1000" dirty="0">
-                <a:solidFill>
-                  <a:schemeClr val="bg1"/>
-                </a:solidFill>
-                <a:latin typeface="Courier New" pitchFamily="49" charset="0"/>
-                <a:ea typeface="Calibri" pitchFamily="34" charset="0"/>
-                <a:cs typeface="Courier New" pitchFamily="49" charset="0"/>
-              </a:rPr>
-              <a:t>        delegate double Operator(double var1, double var2);</a:t>
-            </a:r>
-            <a:endParaRPr lang="be-BY" sz="900" dirty="0">
-              <a:solidFill>
-                <a:schemeClr val="bg1"/>
-              </a:solidFill>
-              <a:latin typeface="Arial" pitchFamily="34" charset="0"/>
-            </a:endParaRPr>
-          </a:p>
-          <a:p>
-            <a:pPr eaLnBrk="0" hangingPunct="0">
-              <a:defRPr/>
-            </a:pPr>
-            <a:endParaRPr lang="en-US" sz="1000" dirty="0">
-              <a:solidFill>
-                <a:schemeClr val="bg1"/>
-              </a:solidFill>
-              <a:latin typeface="Courier New" pitchFamily="49" charset="0"/>
-              <a:ea typeface="Calibri" pitchFamily="34" charset="0"/>
-              <a:cs typeface="Courier New" pitchFamily="49" charset="0"/>
-            </a:endParaRPr>
-          </a:p>
-          <a:p>
-            <a:pPr eaLnBrk="0" hangingPunct="0">
-              <a:defRPr/>
-            </a:pPr>
-            <a:r>
-              <a:rPr lang="be-BY" sz="1000" dirty="0">
-                <a:solidFill>
-                  <a:schemeClr val="bg1"/>
-                </a:solidFill>
-                <a:latin typeface="Courier New" pitchFamily="49" charset="0"/>
-                <a:ea typeface="Calibri" pitchFamily="34" charset="0"/>
-                <a:cs typeface="Courier New" pitchFamily="49" charset="0"/>
-              </a:rPr>
-              <a:t>        static void Calculate(Operator op)</a:t>
-            </a:r>
-            <a:endParaRPr lang="be-BY" sz="900" dirty="0">
-              <a:solidFill>
-                <a:schemeClr val="bg1"/>
-              </a:solidFill>
-              <a:latin typeface="Arial" pitchFamily="34" charset="0"/>
-            </a:endParaRPr>
-          </a:p>
-          <a:p>
-            <a:pPr eaLnBrk="0" hangingPunct="0">
-              <a:defRPr/>
-            </a:pPr>
-            <a:r>
-              <a:rPr lang="be-BY" sz="1000" dirty="0">
-                <a:solidFill>
-                  <a:schemeClr val="bg1"/>
-                </a:solidFill>
-                <a:latin typeface="Courier New" pitchFamily="49" charset="0"/>
-                <a:ea typeface="Calibri" pitchFamily="34" charset="0"/>
-                <a:cs typeface="Courier New" pitchFamily="49" charset="0"/>
-              </a:rPr>
-              <a:t>        {</a:t>
-            </a:r>
-            <a:endParaRPr lang="be-BY" sz="900" dirty="0">
-              <a:solidFill>
-                <a:schemeClr val="bg1"/>
-              </a:solidFill>
-              <a:latin typeface="Arial" pitchFamily="34" charset="0"/>
-            </a:endParaRPr>
-          </a:p>
-          <a:p>
-            <a:pPr eaLnBrk="0" hangingPunct="0">
-              <a:defRPr/>
-            </a:pPr>
-            <a:r>
-              <a:rPr lang="be-BY" sz="1000" dirty="0">
-                <a:solidFill>
-                  <a:schemeClr val="bg1"/>
-                </a:solidFill>
-                <a:latin typeface="Courier New" pitchFamily="49" charset="0"/>
-                <a:ea typeface="Calibri" pitchFamily="34" charset="0"/>
-                <a:cs typeface="Courier New" pitchFamily="49" charset="0"/>
-              </a:rPr>
-              <a:t>            double a = Double.Parse(Console.ReadLine());</a:t>
-            </a:r>
-            <a:endParaRPr lang="be-BY" sz="900" dirty="0">
-              <a:solidFill>
-                <a:schemeClr val="bg1"/>
-              </a:solidFill>
-              <a:latin typeface="Arial" pitchFamily="34" charset="0"/>
-            </a:endParaRPr>
-          </a:p>
-          <a:p>
-            <a:pPr eaLnBrk="0" hangingPunct="0">
-              <a:defRPr/>
-            </a:pPr>
-            <a:r>
-              <a:rPr lang="be-BY" sz="1000" dirty="0">
-                <a:solidFill>
-                  <a:schemeClr val="bg1"/>
-                </a:solidFill>
-                <a:latin typeface="Courier New" pitchFamily="49" charset="0"/>
-                <a:ea typeface="Calibri" pitchFamily="34" charset="0"/>
-                <a:cs typeface="Courier New" pitchFamily="49" charset="0"/>
-              </a:rPr>
-              <a:t>            double b = Double.Parse(Console.ReadLine());</a:t>
-            </a:r>
-            <a:endParaRPr lang="be-BY" sz="900" dirty="0">
-              <a:solidFill>
-                <a:schemeClr val="bg1"/>
-              </a:solidFill>
-              <a:latin typeface="Arial" pitchFamily="34" charset="0"/>
-            </a:endParaRPr>
-          </a:p>
-          <a:p>
-            <a:pPr eaLnBrk="0" hangingPunct="0">
-              <a:defRPr/>
-            </a:pPr>
-            <a:r>
-              <a:rPr lang="be-BY" sz="1000" dirty="0">
-                <a:solidFill>
-                  <a:schemeClr val="bg1"/>
-                </a:solidFill>
-                <a:latin typeface="Courier New" pitchFamily="49" charset="0"/>
-                <a:ea typeface="Calibri" pitchFamily="34" charset="0"/>
-                <a:cs typeface="Courier New" pitchFamily="49" charset="0"/>
-              </a:rPr>
-              <a:t>            Console.WriteLine("Answer is : {0}", op(a, b));</a:t>
-            </a:r>
-            <a:endParaRPr lang="be-BY" sz="900" dirty="0">
-              <a:solidFill>
-                <a:schemeClr val="bg1"/>
-              </a:solidFill>
-              <a:latin typeface="Arial" pitchFamily="34" charset="0"/>
-            </a:endParaRPr>
-          </a:p>
-          <a:p>
-            <a:pPr eaLnBrk="0" hangingPunct="0">
-              <a:defRPr/>
-            </a:pPr>
-            <a:r>
-              <a:rPr lang="be-BY" sz="1000" dirty="0">
-                <a:solidFill>
-                  <a:schemeClr val="bg1"/>
-                </a:solidFill>
-                <a:latin typeface="Courier New" pitchFamily="49" charset="0"/>
-                <a:ea typeface="Calibri" pitchFamily="34" charset="0"/>
-                <a:cs typeface="Courier New" pitchFamily="49" charset="0"/>
-              </a:rPr>
-              <a:t>        }</a:t>
-            </a:r>
-            <a:endParaRPr lang="en-US" sz="1000" dirty="0">
-              <a:solidFill>
-                <a:schemeClr val="bg1"/>
-              </a:solidFill>
-              <a:latin typeface="Courier New" pitchFamily="49" charset="0"/>
-              <a:ea typeface="Calibri" pitchFamily="34" charset="0"/>
-              <a:cs typeface="Courier New" pitchFamily="49" charset="0"/>
-            </a:endParaRPr>
-          </a:p>
-          <a:p>
-            <a:pPr eaLnBrk="0" hangingPunct="0">
-              <a:defRPr/>
-            </a:pPr>
-            <a:endParaRPr lang="be-BY" sz="900" dirty="0">
-              <a:solidFill>
-                <a:schemeClr val="bg1"/>
-              </a:solidFill>
-              <a:latin typeface="Arial" pitchFamily="34" charset="0"/>
-            </a:endParaRPr>
-          </a:p>
-          <a:p>
-            <a:pPr eaLnBrk="0" hangingPunct="0">
-              <a:defRPr/>
-            </a:pPr>
-            <a:r>
-              <a:rPr lang="be-BY" sz="1000" dirty="0">
-                <a:solidFill>
-                  <a:schemeClr val="bg1"/>
-                </a:solidFill>
-                <a:latin typeface="Courier New" pitchFamily="49" charset="0"/>
-                <a:ea typeface="Calibri" pitchFamily="34" charset="0"/>
-                <a:cs typeface="Courier New" pitchFamily="49" charset="0"/>
-              </a:rPr>
-              <a:t>        static void Main(string[] args)</a:t>
-            </a:r>
-            <a:endParaRPr lang="be-BY" sz="900" dirty="0">
-              <a:solidFill>
-                <a:schemeClr val="bg1"/>
-              </a:solidFill>
-              <a:latin typeface="Arial" pitchFamily="34" charset="0"/>
-            </a:endParaRPr>
-          </a:p>
-          <a:p>
-            <a:pPr eaLnBrk="0" hangingPunct="0">
-              <a:defRPr/>
-            </a:pPr>
-            <a:r>
-              <a:rPr lang="be-BY" sz="1000" dirty="0">
-                <a:solidFill>
-                  <a:schemeClr val="bg1"/>
-                </a:solidFill>
-                <a:latin typeface="Courier New" pitchFamily="49" charset="0"/>
-                <a:ea typeface="Calibri" pitchFamily="34" charset="0"/>
-                <a:cs typeface="Courier New" pitchFamily="49" charset="0"/>
-              </a:rPr>
-              <a:t>        {</a:t>
-            </a:r>
-            <a:endParaRPr lang="be-BY" sz="900" dirty="0">
-              <a:solidFill>
-                <a:schemeClr val="bg1"/>
-              </a:solidFill>
-              <a:latin typeface="Arial" pitchFamily="34" charset="0"/>
-            </a:endParaRPr>
-          </a:p>
-          <a:p>
-            <a:pPr eaLnBrk="0" hangingPunct="0">
-              <a:defRPr/>
-            </a:pPr>
-            <a:r>
-              <a:rPr lang="be-BY" sz="1000" dirty="0">
-                <a:solidFill>
-                  <a:schemeClr val="bg1"/>
-                </a:solidFill>
-                <a:latin typeface="Courier New" pitchFamily="49" charset="0"/>
-                <a:ea typeface="Calibri" pitchFamily="34" charset="0"/>
-                <a:cs typeface="Courier New" pitchFamily="49" charset="0"/>
-              </a:rPr>
-              <a:t>            Operator p = delegate(double a, double b)</a:t>
-            </a:r>
-            <a:endParaRPr lang="be-BY" sz="900" dirty="0">
-              <a:solidFill>
-                <a:schemeClr val="bg1"/>
-              </a:solidFill>
-              <a:latin typeface="Arial" pitchFamily="34" charset="0"/>
-            </a:endParaRPr>
-          </a:p>
-          <a:p>
-            <a:pPr eaLnBrk="0" hangingPunct="0">
-              <a:defRPr/>
-            </a:pPr>
-            <a:r>
-              <a:rPr lang="be-BY" sz="1000" dirty="0">
-                <a:solidFill>
-                  <a:schemeClr val="bg1"/>
-                </a:solidFill>
-                <a:latin typeface="Courier New" pitchFamily="49" charset="0"/>
-                <a:ea typeface="Calibri" pitchFamily="34" charset="0"/>
-                <a:cs typeface="Courier New" pitchFamily="49" charset="0"/>
-              </a:rPr>
-              <a:t>                                {</a:t>
-            </a:r>
-            <a:endParaRPr lang="be-BY" sz="900" dirty="0">
-              <a:solidFill>
-                <a:schemeClr val="bg1"/>
-              </a:solidFill>
-              <a:latin typeface="Arial" pitchFamily="34" charset="0"/>
-            </a:endParaRPr>
-          </a:p>
-          <a:p>
-            <a:pPr eaLnBrk="0" hangingPunct="0">
-              <a:defRPr/>
-            </a:pPr>
-            <a:r>
-              <a:rPr lang="be-BY" sz="1000" dirty="0">
-                <a:solidFill>
-                  <a:schemeClr val="bg1"/>
-                </a:solidFill>
-                <a:latin typeface="Courier New" pitchFamily="49" charset="0"/>
-                <a:ea typeface="Calibri" pitchFamily="34" charset="0"/>
-                <a:cs typeface="Courier New" pitchFamily="49" charset="0"/>
-              </a:rPr>
-              <a:t>                                    return a + b;</a:t>
-            </a:r>
-            <a:endParaRPr lang="be-BY" sz="900" dirty="0">
-              <a:solidFill>
-                <a:schemeClr val="bg1"/>
-              </a:solidFill>
-              <a:latin typeface="Arial" pitchFamily="34" charset="0"/>
-            </a:endParaRPr>
-          </a:p>
-          <a:p>
-            <a:pPr eaLnBrk="0" hangingPunct="0">
-              <a:defRPr/>
-            </a:pPr>
-            <a:r>
-              <a:rPr lang="be-BY" sz="1000" dirty="0">
-                <a:solidFill>
-                  <a:schemeClr val="bg1"/>
-                </a:solidFill>
-                <a:latin typeface="Courier New" pitchFamily="49" charset="0"/>
-                <a:ea typeface="Calibri" pitchFamily="34" charset="0"/>
-                <a:cs typeface="Courier New" pitchFamily="49" charset="0"/>
-              </a:rPr>
-              <a:t>                                };</a:t>
-            </a:r>
-            <a:endParaRPr lang="be-BY" sz="900" dirty="0">
-              <a:solidFill>
-                <a:schemeClr val="bg1"/>
-              </a:solidFill>
-              <a:latin typeface="Arial" pitchFamily="34" charset="0"/>
-            </a:endParaRPr>
-          </a:p>
-          <a:p>
-            <a:pPr eaLnBrk="0" hangingPunct="0">
-              <a:defRPr/>
-            </a:pPr>
-            <a:endParaRPr lang="en-US" sz="1000" dirty="0">
-              <a:solidFill>
-                <a:schemeClr val="bg1"/>
-              </a:solidFill>
-              <a:latin typeface="Courier New" pitchFamily="49" charset="0"/>
-              <a:ea typeface="Calibri" pitchFamily="34" charset="0"/>
-              <a:cs typeface="Courier New" pitchFamily="49" charset="0"/>
-            </a:endParaRPr>
-          </a:p>
-          <a:p>
-            <a:pPr eaLnBrk="0" hangingPunct="0">
-              <a:defRPr/>
-            </a:pPr>
-            <a:r>
-              <a:rPr lang="be-BY" sz="1000" dirty="0">
-                <a:solidFill>
-                  <a:schemeClr val="bg1"/>
-                </a:solidFill>
-                <a:latin typeface="Courier New" pitchFamily="49" charset="0"/>
-                <a:ea typeface="Calibri" pitchFamily="34" charset="0"/>
-                <a:cs typeface="Courier New" pitchFamily="49" charset="0"/>
-              </a:rPr>
-              <a:t>            Operator d = delegate(double a, double b)</a:t>
-            </a:r>
-            <a:endParaRPr lang="be-BY" sz="900" dirty="0">
-              <a:solidFill>
-                <a:schemeClr val="bg1"/>
-              </a:solidFill>
-              <a:latin typeface="Arial" pitchFamily="34" charset="0"/>
-            </a:endParaRPr>
-          </a:p>
-          <a:p>
-            <a:pPr eaLnBrk="0" hangingPunct="0">
-              <a:defRPr/>
-            </a:pPr>
-            <a:r>
-              <a:rPr lang="be-BY" sz="1000" dirty="0">
-                <a:solidFill>
-                  <a:schemeClr val="bg1"/>
-                </a:solidFill>
-                <a:latin typeface="Courier New" pitchFamily="49" charset="0"/>
-                <a:ea typeface="Calibri" pitchFamily="34" charset="0"/>
-                <a:cs typeface="Courier New" pitchFamily="49" charset="0"/>
-              </a:rPr>
-              <a:t>                                {</a:t>
-            </a:r>
-            <a:endParaRPr lang="be-BY" sz="900" dirty="0">
-              <a:solidFill>
-                <a:schemeClr val="bg1"/>
-              </a:solidFill>
-              <a:latin typeface="Arial" pitchFamily="34" charset="0"/>
-            </a:endParaRPr>
-          </a:p>
-          <a:p>
-            <a:pPr eaLnBrk="0" hangingPunct="0">
-              <a:defRPr/>
-            </a:pPr>
-            <a:r>
-              <a:rPr lang="be-BY" sz="1000" dirty="0">
-                <a:solidFill>
-                  <a:schemeClr val="bg1"/>
-                </a:solidFill>
-                <a:latin typeface="Courier New" pitchFamily="49" charset="0"/>
-                <a:ea typeface="Calibri" pitchFamily="34" charset="0"/>
-                <a:cs typeface="Courier New" pitchFamily="49" charset="0"/>
-              </a:rPr>
-              <a:t>                                    if (b == 0)</a:t>
-            </a:r>
-            <a:endParaRPr lang="be-BY" sz="900" dirty="0">
-              <a:solidFill>
-                <a:schemeClr val="bg1"/>
-              </a:solidFill>
-              <a:latin typeface="Arial" pitchFamily="34" charset="0"/>
-            </a:endParaRPr>
-          </a:p>
-          <a:p>
-            <a:pPr eaLnBrk="0" hangingPunct="0">
-              <a:defRPr/>
-            </a:pPr>
-            <a:r>
-              <a:rPr lang="be-BY" sz="1000" dirty="0">
-                <a:solidFill>
-                  <a:schemeClr val="bg1"/>
-                </a:solidFill>
-                <a:latin typeface="Courier New" pitchFamily="49" charset="0"/>
-                <a:ea typeface="Calibri" pitchFamily="34" charset="0"/>
-                <a:cs typeface="Courier New" pitchFamily="49" charset="0"/>
-              </a:rPr>
-              <a:t>                                        throw new DivideByZeroException();</a:t>
-            </a:r>
-            <a:endParaRPr lang="be-BY" sz="900" dirty="0">
-              <a:solidFill>
-                <a:schemeClr val="bg1"/>
-              </a:solidFill>
-              <a:latin typeface="Arial" pitchFamily="34" charset="0"/>
-            </a:endParaRPr>
-          </a:p>
-          <a:p>
-            <a:pPr eaLnBrk="0" hangingPunct="0">
-              <a:defRPr/>
-            </a:pPr>
-            <a:r>
-              <a:rPr lang="be-BY" sz="1000" dirty="0">
-                <a:solidFill>
-                  <a:schemeClr val="bg1"/>
-                </a:solidFill>
-                <a:latin typeface="Courier New" pitchFamily="49" charset="0"/>
-                <a:ea typeface="Calibri" pitchFamily="34" charset="0"/>
-                <a:cs typeface="Courier New" pitchFamily="49" charset="0"/>
-              </a:rPr>
-              <a:t>                                    return a / b;</a:t>
-            </a:r>
-            <a:endParaRPr lang="be-BY" sz="900" dirty="0">
-              <a:solidFill>
-                <a:schemeClr val="bg1"/>
-              </a:solidFill>
-              <a:latin typeface="Arial" pitchFamily="34" charset="0"/>
-            </a:endParaRPr>
-          </a:p>
-          <a:p>
-            <a:pPr eaLnBrk="0" hangingPunct="0">
-              <a:defRPr/>
-            </a:pPr>
-            <a:r>
-              <a:rPr lang="be-BY" sz="1000" dirty="0">
-                <a:solidFill>
-                  <a:schemeClr val="bg1"/>
-                </a:solidFill>
-                <a:latin typeface="Courier New" pitchFamily="49" charset="0"/>
-                <a:ea typeface="Calibri" pitchFamily="34" charset="0"/>
-                <a:cs typeface="Courier New" pitchFamily="49" charset="0"/>
-              </a:rPr>
-              <a:t>                                };</a:t>
-            </a:r>
-            <a:endParaRPr lang="be-BY" sz="900" dirty="0">
-              <a:solidFill>
-                <a:schemeClr val="bg1"/>
-              </a:solidFill>
-              <a:latin typeface="Arial" pitchFamily="34" charset="0"/>
-            </a:endParaRPr>
-          </a:p>
-          <a:p>
-            <a:pPr eaLnBrk="0" hangingPunct="0">
-              <a:defRPr/>
-            </a:pPr>
-            <a:endParaRPr lang="en-US" sz="1000" dirty="0">
-              <a:solidFill>
-                <a:schemeClr val="bg1"/>
-              </a:solidFill>
-              <a:latin typeface="Courier New" pitchFamily="49" charset="0"/>
-              <a:ea typeface="Calibri" pitchFamily="34" charset="0"/>
-              <a:cs typeface="Courier New" pitchFamily="49" charset="0"/>
-            </a:endParaRPr>
-          </a:p>
-          <a:p>
-            <a:pPr eaLnBrk="0" hangingPunct="0">
-              <a:defRPr/>
-            </a:pPr>
-            <a:r>
-              <a:rPr lang="be-BY" sz="1000" dirty="0">
-                <a:solidFill>
-                  <a:schemeClr val="bg1"/>
-                </a:solidFill>
-                <a:latin typeface="Courier New" pitchFamily="49" charset="0"/>
-                <a:ea typeface="Calibri" pitchFamily="34" charset="0"/>
-                <a:cs typeface="Courier New" pitchFamily="49" charset="0"/>
-              </a:rPr>
-              <a:t>            Calculate(p);</a:t>
-            </a:r>
-            <a:endParaRPr lang="be-BY" sz="900" dirty="0">
-              <a:solidFill>
-                <a:schemeClr val="bg1"/>
-              </a:solidFill>
-              <a:latin typeface="Arial" pitchFamily="34" charset="0"/>
-            </a:endParaRPr>
-          </a:p>
-          <a:p>
-            <a:pPr eaLnBrk="0" hangingPunct="0">
-              <a:defRPr/>
-            </a:pPr>
-            <a:r>
-              <a:rPr lang="be-BY" sz="1000" dirty="0">
-                <a:solidFill>
-                  <a:schemeClr val="bg1"/>
-                </a:solidFill>
-                <a:latin typeface="Courier New" pitchFamily="49" charset="0"/>
-                <a:ea typeface="Calibri" pitchFamily="34" charset="0"/>
-                <a:cs typeface="Courier New" pitchFamily="49" charset="0"/>
-              </a:rPr>
-              <a:t>            Calculate(d);</a:t>
-            </a:r>
-            <a:endParaRPr lang="be-BY" sz="900" dirty="0">
-              <a:solidFill>
-                <a:schemeClr val="bg1"/>
-              </a:solidFill>
-              <a:latin typeface="Arial" pitchFamily="34" charset="0"/>
-            </a:endParaRPr>
-          </a:p>
-          <a:p>
-            <a:pPr eaLnBrk="0" hangingPunct="0">
-              <a:defRPr/>
-            </a:pPr>
-            <a:r>
-              <a:rPr lang="be-BY" sz="1000" dirty="0">
-                <a:solidFill>
-                  <a:schemeClr val="bg1"/>
-                </a:solidFill>
-                <a:latin typeface="Courier New" pitchFamily="49" charset="0"/>
-                <a:ea typeface="Calibri" pitchFamily="34" charset="0"/>
-                <a:cs typeface="Courier New" pitchFamily="49" charset="0"/>
-              </a:rPr>
-              <a:t>        }</a:t>
-            </a:r>
-            <a:endParaRPr lang="be-BY" dirty="0">
-              <a:solidFill>
-                <a:schemeClr val="bg1"/>
-              </a:solidFill>
-              <a:latin typeface="Arial" pitchFamily="34" charset="0"/>
-            </a:endParaRPr>
-          </a:p>
-        </p:txBody>
-      </p:sp>
-      <p:sp>
-        <p:nvSpPr>
-          <p:cNvPr id="8197" name="TextBox 6"/>
-          <p:cNvSpPr txBox="1">
-            <a:spLocks noChangeArrowheads="1"/>
-          </p:cNvSpPr>
-          <p:nvPr/>
-        </p:nvSpPr>
-        <p:spPr bwMode="auto">
-          <a:xfrm>
-            <a:off x="152400" y="5570538"/>
-            <a:ext cx="8839200" cy="584200"/>
-          </a:xfrm>
-          <a:prstGeom prst="rect">
-            <a:avLst/>
-          </a:prstGeom>
-          <a:noFill/>
-          <a:ln>
-            <a:noFill/>
-          </a:ln>
-          <a:extLst>
-            <a:ext uri="{909E8E84-426E-40DD-AFC4-6F175D3DCCD1}">
-              <a14:hiddenFill xmlns:a14="http://schemas.microsoft.com/office/drawing/2010/main">
-                <a:solidFill>
-                  <a:srgbClr val="FFFFFF"/>
-                </a:solidFill>
-              </a14:hiddenFill>
-            </a:ext>
-            <a:ext uri="{91240B29-F687-4F45-9708-019B960494DF}">
-              <a14:hiddenLine xmlns:a14="http://schemas.microsoft.com/office/drawing/2010/main" w="9525">
-                <a:solidFill>
-                  <a:srgbClr val="000000"/>
-                </a:solidFill>
-                <a:miter lim="800000"/>
-                <a:headEnd/>
-                <a:tailEnd/>
-              </a14:hiddenLine>
-            </a:ext>
-          </a:extLst>
-        </p:spPr>
-        <p:txBody>
-          <a:bodyPr>
-            <a:spAutoFit/>
-          </a:bodyPr>
-          <a:lstStyle>
-            <a:lvl1pPr defTabSz="358775" eaLnBrk="0" hangingPunct="0">
-              <a:defRPr>
-                <a:solidFill>
-                  <a:schemeClr val="tx1"/>
-                </a:solidFill>
-                <a:latin typeface="Arial" charset="0"/>
-              </a:defRPr>
-            </a:lvl1pPr>
-            <a:lvl2pPr marL="742950" indent="-285750" defTabSz="358775" eaLnBrk="0" hangingPunct="0">
-              <a:defRPr>
-                <a:solidFill>
-                  <a:schemeClr val="tx1"/>
-                </a:solidFill>
-                <a:latin typeface="Arial" charset="0"/>
-              </a:defRPr>
-            </a:lvl2pPr>
-            <a:lvl3pPr marL="1143000" indent="-228600" defTabSz="358775" eaLnBrk="0" hangingPunct="0">
-              <a:defRPr>
-                <a:solidFill>
-                  <a:schemeClr val="tx1"/>
-                </a:solidFill>
-                <a:latin typeface="Arial" charset="0"/>
-              </a:defRPr>
-            </a:lvl3pPr>
-            <a:lvl4pPr marL="1600200" indent="-228600" defTabSz="358775" eaLnBrk="0" hangingPunct="0">
-              <a:defRPr>
-                <a:solidFill>
-                  <a:schemeClr val="tx1"/>
-                </a:solidFill>
-                <a:latin typeface="Arial" charset="0"/>
-              </a:defRPr>
-            </a:lvl4pPr>
-            <a:lvl5pPr marL="2057400" indent="-228600" defTabSz="358775" eaLnBrk="0" hangingPunct="0">
-              <a:defRPr>
-                <a:solidFill>
-                  <a:schemeClr val="tx1"/>
-                </a:solidFill>
-                <a:latin typeface="Arial" charset="0"/>
-              </a:defRPr>
-            </a:lvl5pPr>
-            <a:lvl6pPr marL="2514600" indent="-228600" defTabSz="358775" eaLnBrk="0" fontAlgn="base" hangingPunct="0">
-              <a:spcBef>
-                <a:spcPct val="0"/>
-              </a:spcBef>
-              <a:spcAft>
-                <a:spcPct val="0"/>
-              </a:spcAft>
-              <a:defRPr>
-                <a:solidFill>
-                  <a:schemeClr val="tx1"/>
-                </a:solidFill>
-                <a:latin typeface="Arial" charset="0"/>
-              </a:defRPr>
-            </a:lvl6pPr>
-            <a:lvl7pPr marL="2971800" indent="-228600" defTabSz="358775" eaLnBrk="0" fontAlgn="base" hangingPunct="0">
-              <a:spcBef>
-                <a:spcPct val="0"/>
-              </a:spcBef>
-              <a:spcAft>
-                <a:spcPct val="0"/>
-              </a:spcAft>
-              <a:defRPr>
-                <a:solidFill>
-                  <a:schemeClr val="tx1"/>
-                </a:solidFill>
-                <a:latin typeface="Arial" charset="0"/>
-              </a:defRPr>
-            </a:lvl7pPr>
-            <a:lvl8pPr marL="3429000" indent="-228600" defTabSz="358775" eaLnBrk="0" fontAlgn="base" hangingPunct="0">
-              <a:spcBef>
-                <a:spcPct val="0"/>
-              </a:spcBef>
-              <a:spcAft>
-                <a:spcPct val="0"/>
-              </a:spcAft>
-              <a:defRPr>
-                <a:solidFill>
-                  <a:schemeClr val="tx1"/>
-                </a:solidFill>
-                <a:latin typeface="Arial" charset="0"/>
-              </a:defRPr>
-            </a:lvl8pPr>
-            <a:lvl9pPr marL="3886200" indent="-228600" defTabSz="358775" eaLnBrk="0" fontAlgn="base" hangingPunct="0">
-              <a:spcBef>
-                <a:spcPct val="0"/>
-              </a:spcBef>
-              <a:spcAft>
-                <a:spcPct val="0"/>
-              </a:spcAft>
-              <a:defRPr>
-                <a:solidFill>
-                  <a:schemeClr val="tx1"/>
-                </a:solidFill>
-                <a:latin typeface="Arial" charset="0"/>
-              </a:defRPr>
-            </a:lvl9pPr>
-          </a:lstStyle>
-          <a:p>
-            <a:pPr eaLnBrk="1" hangingPunct="1"/>
-            <a:r>
-              <a:rPr lang="ru-RU" sz="1600"/>
-              <a:t>	Анонимные методы должны полностью поддерживать сигнатуру делегата, в том числе и тип возвращаемых значений.</a:t>
-            </a:r>
-            <a:endParaRPr lang="be-BY" sz="1600">
-              <a:solidFill>
-                <a:srgbClr val="008080"/>
-              </a:solidFill>
-              <a:latin typeface="Courier New" pitchFamily="49" charset="0"/>
-              <a:cs typeface="Calibri" pitchFamily="34" charset="0"/>
-            </a:endParaRPr>
-          </a:p>
-        </p:txBody>
-      </p:sp>
-    </p:spTree>
-    <p:extLst>
-      <p:ext uri="{BB962C8B-B14F-4D97-AF65-F5344CB8AC3E}">
-        <p14:creationId xmlns:p14="http://schemas.microsoft.com/office/powerpoint/2010/main" val="2009776621"/>
       </p:ext>
     </p:extLst>
   </p:cSld>

--- a/Presentation/lesson-05-events.pptx
+++ b/Presentation/lesson-05-events.pptx
@@ -8,28 +8,29 @@
     <p:sldId id="257" r:id="rId2"/>
     <p:sldId id="285" r:id="rId3"/>
     <p:sldId id="273" r:id="rId4"/>
-    <p:sldId id="274" r:id="rId5"/>
-    <p:sldId id="295" r:id="rId6"/>
-    <p:sldId id="275" r:id="rId7"/>
-    <p:sldId id="297" r:id="rId8"/>
-    <p:sldId id="276" r:id="rId9"/>
-    <p:sldId id="277" r:id="rId10"/>
-    <p:sldId id="278" r:id="rId11"/>
-    <p:sldId id="298" r:id="rId12"/>
-    <p:sldId id="279" r:id="rId13"/>
-    <p:sldId id="280" r:id="rId14"/>
-    <p:sldId id="281" r:id="rId15"/>
-    <p:sldId id="290" r:id="rId16"/>
-    <p:sldId id="296" r:id="rId17"/>
-    <p:sldId id="282" r:id="rId18"/>
-    <p:sldId id="289" r:id="rId19"/>
-    <p:sldId id="283" r:id="rId20"/>
-    <p:sldId id="286" r:id="rId21"/>
-    <p:sldId id="291" r:id="rId22"/>
-    <p:sldId id="293" r:id="rId23"/>
-    <p:sldId id="294" r:id="rId24"/>
-    <p:sldId id="287" r:id="rId25"/>
-    <p:sldId id="288" r:id="rId26"/>
+    <p:sldId id="299" r:id="rId5"/>
+    <p:sldId id="274" r:id="rId6"/>
+    <p:sldId id="295" r:id="rId7"/>
+    <p:sldId id="275" r:id="rId8"/>
+    <p:sldId id="297" r:id="rId9"/>
+    <p:sldId id="276" r:id="rId10"/>
+    <p:sldId id="277" r:id="rId11"/>
+    <p:sldId id="278" r:id="rId12"/>
+    <p:sldId id="298" r:id="rId13"/>
+    <p:sldId id="279" r:id="rId14"/>
+    <p:sldId id="280" r:id="rId15"/>
+    <p:sldId id="281" r:id="rId16"/>
+    <p:sldId id="290" r:id="rId17"/>
+    <p:sldId id="296" r:id="rId18"/>
+    <p:sldId id="282" r:id="rId19"/>
+    <p:sldId id="289" r:id="rId20"/>
+    <p:sldId id="283" r:id="rId21"/>
+    <p:sldId id="286" r:id="rId22"/>
+    <p:sldId id="291" r:id="rId23"/>
+    <p:sldId id="293" r:id="rId24"/>
+    <p:sldId id="294" r:id="rId25"/>
+    <p:sldId id="287" r:id="rId26"/>
+    <p:sldId id="288" r:id="rId27"/>
   </p:sldIdLst>
   <p:sldSz cx="9144000" cy="6858000" type="screen4x3"/>
   <p:notesSz cx="6858000" cy="9144000"/>
@@ -140,6 +141,7 @@
         <p14:section name="Делегаты" id="{7ECA1784-1F88-4A34-BDC5-15DA2528DC50}">
           <p14:sldIdLst>
             <p14:sldId id="273"/>
+            <p14:sldId id="299"/>
             <p14:sldId id="274"/>
             <p14:sldId id="295"/>
             <p14:sldId id="275"/>
@@ -371,7 +373,7 @@
           <a:p>
             <a:fld id="{FAECF776-F836-4CCD-9497-99E5597B8B5D}" type="datetimeFigureOut">
               <a:rPr lang="en-US" smtClean="0"/>
-              <a:t>8/1/18</a:t>
+              <a:t>8/8/18</a:t>
             </a:fld>
             <a:endParaRPr lang="en-US"/>
           </a:p>
@@ -539,7 +541,7 @@
           <a:p>
             <a:fld id="{FAECF776-F836-4CCD-9497-99E5597B8B5D}" type="datetimeFigureOut">
               <a:rPr lang="en-US" smtClean="0"/>
-              <a:t>8/1/18</a:t>
+              <a:t>8/8/18</a:t>
             </a:fld>
             <a:endParaRPr lang="en-US"/>
           </a:p>
@@ -717,7 +719,7 @@
           <a:p>
             <a:fld id="{FAECF776-F836-4CCD-9497-99E5597B8B5D}" type="datetimeFigureOut">
               <a:rPr lang="en-US" smtClean="0"/>
-              <a:t>8/1/18</a:t>
+              <a:t>8/8/18</a:t>
             </a:fld>
             <a:endParaRPr lang="en-US"/>
           </a:p>
@@ -885,7 +887,7 @@
           <a:p>
             <a:fld id="{FAECF776-F836-4CCD-9497-99E5597B8B5D}" type="datetimeFigureOut">
               <a:rPr lang="en-US" smtClean="0"/>
-              <a:t>8/1/18</a:t>
+              <a:t>8/8/18</a:t>
             </a:fld>
             <a:endParaRPr lang="en-US"/>
           </a:p>
@@ -1130,7 +1132,7 @@
           <a:p>
             <a:fld id="{FAECF776-F836-4CCD-9497-99E5597B8B5D}" type="datetimeFigureOut">
               <a:rPr lang="en-US" smtClean="0"/>
-              <a:t>8/1/18</a:t>
+              <a:t>8/8/18</a:t>
             </a:fld>
             <a:endParaRPr lang="en-US"/>
           </a:p>
@@ -1415,7 +1417,7 @@
           <a:p>
             <a:fld id="{FAECF776-F836-4CCD-9497-99E5597B8B5D}" type="datetimeFigureOut">
               <a:rPr lang="en-US" smtClean="0"/>
-              <a:t>8/1/18</a:t>
+              <a:t>8/8/18</a:t>
             </a:fld>
             <a:endParaRPr lang="en-US"/>
           </a:p>
@@ -1834,7 +1836,7 @@
           <a:p>
             <a:fld id="{FAECF776-F836-4CCD-9497-99E5597B8B5D}" type="datetimeFigureOut">
               <a:rPr lang="en-US" smtClean="0"/>
-              <a:t>8/1/18</a:t>
+              <a:t>8/8/18</a:t>
             </a:fld>
             <a:endParaRPr lang="en-US"/>
           </a:p>
@@ -1951,7 +1953,7 @@
           <a:p>
             <a:fld id="{FAECF776-F836-4CCD-9497-99E5597B8B5D}" type="datetimeFigureOut">
               <a:rPr lang="en-US" smtClean="0"/>
-              <a:t>8/1/18</a:t>
+              <a:t>8/8/18</a:t>
             </a:fld>
             <a:endParaRPr lang="en-US"/>
           </a:p>
@@ -2046,7 +2048,7 @@
           <a:p>
             <a:fld id="{FAECF776-F836-4CCD-9497-99E5597B8B5D}" type="datetimeFigureOut">
               <a:rPr lang="en-US" smtClean="0"/>
-              <a:t>8/1/18</a:t>
+              <a:t>8/8/18</a:t>
             </a:fld>
             <a:endParaRPr lang="en-US"/>
           </a:p>
@@ -2321,7 +2323,7 @@
           <a:p>
             <a:fld id="{FAECF776-F836-4CCD-9497-99E5597B8B5D}" type="datetimeFigureOut">
               <a:rPr lang="en-US" smtClean="0"/>
-              <a:t>8/1/18</a:t>
+              <a:t>8/8/18</a:t>
             </a:fld>
             <a:endParaRPr lang="en-US"/>
           </a:p>
@@ -2573,7 +2575,7 @@
           <a:p>
             <a:fld id="{FAECF776-F836-4CCD-9497-99E5597B8B5D}" type="datetimeFigureOut">
               <a:rPr lang="en-US" smtClean="0"/>
-              <a:t>8/1/18</a:t>
+              <a:t>8/8/18</a:t>
             </a:fld>
             <a:endParaRPr lang="en-US"/>
           </a:p>
@@ -2784,7 +2786,7 @@
           <a:p>
             <a:fld id="{FAECF776-F836-4CCD-9497-99E5597B8B5D}" type="datetimeFigureOut">
               <a:rPr lang="en-US" smtClean="0"/>
-              <a:t>8/1/18</a:t>
+              <a:t>8/8/18</a:t>
             </a:fld>
             <a:endParaRPr lang="en-US"/>
           </a:p>
@@ -3420,6 +3422,882 @@
       </p:grpSpPr>
       <p:sp>
         <p:nvSpPr>
+          <p:cNvPr id="7170" name="Прямоугольник 2"/>
+          <p:cNvSpPr>
+            <a:spLocks noChangeArrowheads="1"/>
+          </p:cNvSpPr>
+          <p:nvPr/>
+        </p:nvSpPr>
+        <p:spPr bwMode="auto">
+          <a:xfrm>
+            <a:off x="2362200" y="0"/>
+            <a:ext cx="5105400" cy="461963"/>
+          </a:xfrm>
+          <a:prstGeom prst="rect">
+            <a:avLst/>
+          </a:prstGeom>
+          <a:noFill/>
+          <a:ln>
+            <a:noFill/>
+          </a:ln>
+          <a:extLst>
+            <a:ext uri="{909E8E84-426E-40DD-AFC4-6F175D3DCCD1}">
+              <a14:hiddenFill xmlns:a14="http://schemas.microsoft.com/office/drawing/2010/main">
+                <a:solidFill>
+                  <a:srgbClr val="FFFFFF"/>
+                </a:solidFill>
+              </a14:hiddenFill>
+            </a:ext>
+            <a:ext uri="{91240B29-F687-4F45-9708-019B960494DF}">
+              <a14:hiddenLine xmlns:a14="http://schemas.microsoft.com/office/drawing/2010/main" w="9525">
+                <a:solidFill>
+                  <a:srgbClr val="000000"/>
+                </a:solidFill>
+                <a:miter lim="800000"/>
+                <a:headEnd/>
+                <a:tailEnd/>
+              </a14:hiddenLine>
+            </a:ext>
+          </a:extLst>
+        </p:spPr>
+        <p:txBody>
+          <a:bodyPr>
+            <a:spAutoFit/>
+          </a:bodyPr>
+          <a:lstStyle/>
+          <a:p>
+            <a:pPr algn="ctr"/>
+            <a:r>
+              <a:rPr lang="ru-RU" sz="2400" b="1"/>
+              <a:t>Анонимные методы.</a:t>
+            </a:r>
+          </a:p>
+        </p:txBody>
+      </p:sp>
+      <p:sp>
+        <p:nvSpPr>
+          <p:cNvPr id="7171" name="TextBox 6"/>
+          <p:cNvSpPr txBox="1">
+            <a:spLocks noChangeArrowheads="1"/>
+          </p:cNvSpPr>
+          <p:nvPr/>
+        </p:nvSpPr>
+        <p:spPr bwMode="auto">
+          <a:xfrm>
+            <a:off x="152400" y="457200"/>
+            <a:ext cx="8839200" cy="338138"/>
+          </a:xfrm>
+          <a:prstGeom prst="rect">
+            <a:avLst/>
+          </a:prstGeom>
+          <a:noFill/>
+          <a:ln>
+            <a:noFill/>
+          </a:ln>
+          <a:extLst>
+            <a:ext uri="{909E8E84-426E-40DD-AFC4-6F175D3DCCD1}">
+              <a14:hiddenFill xmlns:a14="http://schemas.microsoft.com/office/drawing/2010/main">
+                <a:solidFill>
+                  <a:srgbClr val="FFFFFF"/>
+                </a:solidFill>
+              </a14:hiddenFill>
+            </a:ext>
+            <a:ext uri="{91240B29-F687-4F45-9708-019B960494DF}">
+              <a14:hiddenLine xmlns:a14="http://schemas.microsoft.com/office/drawing/2010/main" w="9525">
+                <a:solidFill>
+                  <a:srgbClr val="000000"/>
+                </a:solidFill>
+                <a:miter lim="800000"/>
+                <a:headEnd/>
+                <a:tailEnd/>
+              </a14:hiddenLine>
+            </a:ext>
+          </a:extLst>
+        </p:spPr>
+        <p:txBody>
+          <a:bodyPr>
+            <a:spAutoFit/>
+          </a:bodyPr>
+          <a:lstStyle>
+            <a:lvl1pPr defTabSz="358775" eaLnBrk="0" hangingPunct="0">
+              <a:defRPr>
+                <a:solidFill>
+                  <a:schemeClr val="tx1"/>
+                </a:solidFill>
+                <a:latin typeface="Arial" charset="0"/>
+              </a:defRPr>
+            </a:lvl1pPr>
+            <a:lvl2pPr marL="742950" indent="-285750" defTabSz="358775" eaLnBrk="0" hangingPunct="0">
+              <a:defRPr>
+                <a:solidFill>
+                  <a:schemeClr val="tx1"/>
+                </a:solidFill>
+                <a:latin typeface="Arial" charset="0"/>
+              </a:defRPr>
+            </a:lvl2pPr>
+            <a:lvl3pPr marL="1143000" indent="-228600" defTabSz="358775" eaLnBrk="0" hangingPunct="0">
+              <a:defRPr>
+                <a:solidFill>
+                  <a:schemeClr val="tx1"/>
+                </a:solidFill>
+                <a:latin typeface="Arial" charset="0"/>
+              </a:defRPr>
+            </a:lvl3pPr>
+            <a:lvl4pPr marL="1600200" indent="-228600" defTabSz="358775" eaLnBrk="0" hangingPunct="0">
+              <a:defRPr>
+                <a:solidFill>
+                  <a:schemeClr val="tx1"/>
+                </a:solidFill>
+                <a:latin typeface="Arial" charset="0"/>
+              </a:defRPr>
+            </a:lvl4pPr>
+            <a:lvl5pPr marL="2057400" indent="-228600" defTabSz="358775" eaLnBrk="0" hangingPunct="0">
+              <a:defRPr>
+                <a:solidFill>
+                  <a:schemeClr val="tx1"/>
+                </a:solidFill>
+                <a:latin typeface="Arial" charset="0"/>
+              </a:defRPr>
+            </a:lvl5pPr>
+            <a:lvl6pPr marL="2514600" indent="-228600" defTabSz="358775" eaLnBrk="0" fontAlgn="base" hangingPunct="0">
+              <a:spcBef>
+                <a:spcPct val="0"/>
+              </a:spcBef>
+              <a:spcAft>
+                <a:spcPct val="0"/>
+              </a:spcAft>
+              <a:defRPr>
+                <a:solidFill>
+                  <a:schemeClr val="tx1"/>
+                </a:solidFill>
+                <a:latin typeface="Arial" charset="0"/>
+              </a:defRPr>
+            </a:lvl6pPr>
+            <a:lvl7pPr marL="2971800" indent="-228600" defTabSz="358775" eaLnBrk="0" fontAlgn="base" hangingPunct="0">
+              <a:spcBef>
+                <a:spcPct val="0"/>
+              </a:spcBef>
+              <a:spcAft>
+                <a:spcPct val="0"/>
+              </a:spcAft>
+              <a:defRPr>
+                <a:solidFill>
+                  <a:schemeClr val="tx1"/>
+                </a:solidFill>
+                <a:latin typeface="Arial" charset="0"/>
+              </a:defRPr>
+            </a:lvl7pPr>
+            <a:lvl8pPr marL="3429000" indent="-228600" defTabSz="358775" eaLnBrk="0" fontAlgn="base" hangingPunct="0">
+              <a:spcBef>
+                <a:spcPct val="0"/>
+              </a:spcBef>
+              <a:spcAft>
+                <a:spcPct val="0"/>
+              </a:spcAft>
+              <a:defRPr>
+                <a:solidFill>
+                  <a:schemeClr val="tx1"/>
+                </a:solidFill>
+                <a:latin typeface="Arial" charset="0"/>
+              </a:defRPr>
+            </a:lvl8pPr>
+            <a:lvl9pPr marL="3886200" indent="-228600" defTabSz="358775" eaLnBrk="0" fontAlgn="base" hangingPunct="0">
+              <a:spcBef>
+                <a:spcPct val="0"/>
+              </a:spcBef>
+              <a:spcAft>
+                <a:spcPct val="0"/>
+              </a:spcAft>
+              <a:defRPr>
+                <a:solidFill>
+                  <a:schemeClr val="tx1"/>
+                </a:solidFill>
+                <a:latin typeface="Arial" charset="0"/>
+              </a:defRPr>
+            </a:lvl9pPr>
+          </a:lstStyle>
+          <a:p>
+            <a:pPr eaLnBrk="1" hangingPunct="1"/>
+            <a:r>
+              <a:rPr lang="ru-RU" sz="1600"/>
+              <a:t>	Рассмотрим следующую ситуацию</a:t>
+            </a:r>
+            <a:r>
+              <a:rPr lang="en-US" sz="1600"/>
+              <a:t>:</a:t>
+            </a:r>
+            <a:endParaRPr lang="be-BY" sz="1600">
+              <a:solidFill>
+                <a:srgbClr val="008080"/>
+              </a:solidFill>
+              <a:latin typeface="Courier New" pitchFamily="49" charset="0"/>
+              <a:cs typeface="Calibri" pitchFamily="34" charset="0"/>
+            </a:endParaRPr>
+          </a:p>
+        </p:txBody>
+      </p:sp>
+      <p:sp>
+        <p:nvSpPr>
+          <p:cNvPr id="31745" name="Rectangle 1"/>
+          <p:cNvSpPr>
+            <a:spLocks noChangeArrowheads="1"/>
+          </p:cNvSpPr>
+          <p:nvPr/>
+        </p:nvSpPr>
+        <p:spPr bwMode="auto">
+          <a:xfrm>
+            <a:off x="152400" y="838200"/>
+            <a:ext cx="8839200" cy="4340225"/>
+          </a:xfrm>
+          <a:prstGeom prst="rect">
+            <a:avLst/>
+          </a:prstGeom>
+          <a:noFill/>
+          <a:ln w="9525">
+            <a:solidFill>
+              <a:schemeClr val="bg1">
+                <a:lumMod val="65000"/>
+              </a:schemeClr>
+            </a:solidFill>
+            <a:miter lim="800000"/>
+            <a:headEnd/>
+            <a:tailEnd/>
+          </a:ln>
+          <a:effectLst/>
+        </p:spPr>
+        <p:txBody>
+          <a:bodyPr anchor="ctr">
+            <a:spAutoFit/>
+          </a:bodyPr>
+          <a:lstStyle/>
+          <a:p>
+            <a:pPr eaLnBrk="0" hangingPunct="0">
+              <a:defRPr/>
+            </a:pPr>
+            <a:r>
+              <a:rPr lang="be-BY" sz="1000" dirty="0">
+                <a:solidFill>
+                  <a:schemeClr val="bg1"/>
+                </a:solidFill>
+                <a:latin typeface="Courier New" pitchFamily="49" charset="0"/>
+                <a:ea typeface="Calibri" pitchFamily="34" charset="0"/>
+                <a:cs typeface="Courier New" pitchFamily="49" charset="0"/>
+              </a:rPr>
+              <a:t>        static double Plus(double a, double b)</a:t>
+            </a:r>
+            <a:endParaRPr lang="be-BY" sz="900" dirty="0">
+              <a:solidFill>
+                <a:schemeClr val="bg1"/>
+              </a:solidFill>
+              <a:latin typeface="Arial" pitchFamily="34" charset="0"/>
+            </a:endParaRPr>
+          </a:p>
+          <a:p>
+            <a:pPr eaLnBrk="0" hangingPunct="0">
+              <a:defRPr/>
+            </a:pPr>
+            <a:r>
+              <a:rPr lang="be-BY" sz="1000" dirty="0">
+                <a:solidFill>
+                  <a:schemeClr val="bg1"/>
+                </a:solidFill>
+                <a:latin typeface="Courier New" pitchFamily="49" charset="0"/>
+                <a:ea typeface="Calibri" pitchFamily="34" charset="0"/>
+                <a:cs typeface="Courier New" pitchFamily="49" charset="0"/>
+              </a:rPr>
+              <a:t>        {</a:t>
+            </a:r>
+            <a:endParaRPr lang="be-BY" sz="900" dirty="0">
+              <a:solidFill>
+                <a:schemeClr val="bg1"/>
+              </a:solidFill>
+              <a:latin typeface="Arial" pitchFamily="34" charset="0"/>
+            </a:endParaRPr>
+          </a:p>
+          <a:p>
+            <a:pPr eaLnBrk="0" hangingPunct="0">
+              <a:defRPr/>
+            </a:pPr>
+            <a:r>
+              <a:rPr lang="be-BY" sz="1000" dirty="0">
+                <a:solidFill>
+                  <a:schemeClr val="bg1"/>
+                </a:solidFill>
+                <a:latin typeface="Courier New" pitchFamily="49" charset="0"/>
+                <a:ea typeface="Calibri" pitchFamily="34" charset="0"/>
+                <a:cs typeface="Courier New" pitchFamily="49" charset="0"/>
+              </a:rPr>
+              <a:t>            return a + b;</a:t>
+            </a:r>
+            <a:endParaRPr lang="be-BY" sz="900" dirty="0">
+              <a:solidFill>
+                <a:schemeClr val="bg1"/>
+              </a:solidFill>
+              <a:latin typeface="Arial" pitchFamily="34" charset="0"/>
+            </a:endParaRPr>
+          </a:p>
+          <a:p>
+            <a:pPr eaLnBrk="0" hangingPunct="0">
+              <a:defRPr/>
+            </a:pPr>
+            <a:r>
+              <a:rPr lang="be-BY" sz="1000" dirty="0">
+                <a:solidFill>
+                  <a:schemeClr val="bg1"/>
+                </a:solidFill>
+                <a:latin typeface="Courier New" pitchFamily="49" charset="0"/>
+                <a:ea typeface="Calibri" pitchFamily="34" charset="0"/>
+                <a:cs typeface="Courier New" pitchFamily="49" charset="0"/>
+              </a:rPr>
+              <a:t>        }</a:t>
+            </a:r>
+            <a:endParaRPr lang="en-US" sz="1000" dirty="0">
+              <a:solidFill>
+                <a:schemeClr val="bg1"/>
+              </a:solidFill>
+              <a:latin typeface="Courier New" pitchFamily="49" charset="0"/>
+              <a:ea typeface="Calibri" pitchFamily="34" charset="0"/>
+              <a:cs typeface="Courier New" pitchFamily="49" charset="0"/>
+            </a:endParaRPr>
+          </a:p>
+          <a:p>
+            <a:pPr eaLnBrk="0" hangingPunct="0">
+              <a:defRPr/>
+            </a:pPr>
+            <a:endParaRPr lang="be-BY" sz="900" dirty="0">
+              <a:solidFill>
+                <a:schemeClr val="bg1"/>
+              </a:solidFill>
+              <a:latin typeface="Arial" pitchFamily="34" charset="0"/>
+            </a:endParaRPr>
+          </a:p>
+          <a:p>
+            <a:pPr eaLnBrk="0" hangingPunct="0">
+              <a:defRPr/>
+            </a:pPr>
+            <a:r>
+              <a:rPr lang="be-BY" sz="1000" dirty="0">
+                <a:solidFill>
+                  <a:schemeClr val="bg1"/>
+                </a:solidFill>
+                <a:latin typeface="Courier New" pitchFamily="49" charset="0"/>
+                <a:ea typeface="Calibri" pitchFamily="34" charset="0"/>
+                <a:cs typeface="Courier New" pitchFamily="49" charset="0"/>
+              </a:rPr>
+              <a:t>        static double Divede(double a, double b)</a:t>
+            </a:r>
+            <a:endParaRPr lang="be-BY" sz="900" dirty="0">
+              <a:solidFill>
+                <a:schemeClr val="bg1"/>
+              </a:solidFill>
+              <a:latin typeface="Arial" pitchFamily="34" charset="0"/>
+            </a:endParaRPr>
+          </a:p>
+          <a:p>
+            <a:pPr eaLnBrk="0" hangingPunct="0">
+              <a:defRPr/>
+            </a:pPr>
+            <a:r>
+              <a:rPr lang="be-BY" sz="1000" dirty="0">
+                <a:solidFill>
+                  <a:schemeClr val="bg1"/>
+                </a:solidFill>
+                <a:latin typeface="Courier New" pitchFamily="49" charset="0"/>
+                <a:ea typeface="Calibri" pitchFamily="34" charset="0"/>
+                <a:cs typeface="Courier New" pitchFamily="49" charset="0"/>
+              </a:rPr>
+              <a:t>        {</a:t>
+            </a:r>
+            <a:endParaRPr lang="be-BY" sz="900" dirty="0">
+              <a:solidFill>
+                <a:schemeClr val="bg1"/>
+              </a:solidFill>
+              <a:latin typeface="Arial" pitchFamily="34" charset="0"/>
+            </a:endParaRPr>
+          </a:p>
+          <a:p>
+            <a:pPr eaLnBrk="0" hangingPunct="0">
+              <a:defRPr/>
+            </a:pPr>
+            <a:r>
+              <a:rPr lang="be-BY" sz="1000" dirty="0">
+                <a:solidFill>
+                  <a:schemeClr val="bg1"/>
+                </a:solidFill>
+                <a:latin typeface="Courier New" pitchFamily="49" charset="0"/>
+                <a:ea typeface="Calibri" pitchFamily="34" charset="0"/>
+                <a:cs typeface="Courier New" pitchFamily="49" charset="0"/>
+              </a:rPr>
+              <a:t>            if (b == 0)</a:t>
+            </a:r>
+            <a:endParaRPr lang="be-BY" sz="900" dirty="0">
+              <a:solidFill>
+                <a:schemeClr val="bg1"/>
+              </a:solidFill>
+              <a:latin typeface="Arial" pitchFamily="34" charset="0"/>
+            </a:endParaRPr>
+          </a:p>
+          <a:p>
+            <a:pPr eaLnBrk="0" hangingPunct="0">
+              <a:defRPr/>
+            </a:pPr>
+            <a:r>
+              <a:rPr lang="be-BY" sz="1000" dirty="0">
+                <a:solidFill>
+                  <a:schemeClr val="bg1"/>
+                </a:solidFill>
+                <a:latin typeface="Courier New" pitchFamily="49" charset="0"/>
+                <a:ea typeface="Calibri" pitchFamily="34" charset="0"/>
+                <a:cs typeface="Courier New" pitchFamily="49" charset="0"/>
+              </a:rPr>
+              <a:t>                throw new DivideByZeroException();</a:t>
+            </a:r>
+            <a:endParaRPr lang="be-BY" sz="900" dirty="0">
+              <a:solidFill>
+                <a:schemeClr val="bg1"/>
+              </a:solidFill>
+              <a:latin typeface="Arial" pitchFamily="34" charset="0"/>
+            </a:endParaRPr>
+          </a:p>
+          <a:p>
+            <a:pPr eaLnBrk="0" hangingPunct="0">
+              <a:defRPr/>
+            </a:pPr>
+            <a:r>
+              <a:rPr lang="be-BY" sz="1000" dirty="0">
+                <a:solidFill>
+                  <a:schemeClr val="bg1"/>
+                </a:solidFill>
+                <a:latin typeface="Courier New" pitchFamily="49" charset="0"/>
+                <a:ea typeface="Calibri" pitchFamily="34" charset="0"/>
+                <a:cs typeface="Courier New" pitchFamily="49" charset="0"/>
+              </a:rPr>
+              <a:t>            return a / b;</a:t>
+            </a:r>
+            <a:endParaRPr lang="be-BY" sz="900" dirty="0">
+              <a:solidFill>
+                <a:schemeClr val="bg1"/>
+              </a:solidFill>
+              <a:latin typeface="Arial" pitchFamily="34" charset="0"/>
+            </a:endParaRPr>
+          </a:p>
+          <a:p>
+            <a:pPr eaLnBrk="0" hangingPunct="0">
+              <a:defRPr/>
+            </a:pPr>
+            <a:r>
+              <a:rPr lang="be-BY" sz="1000" dirty="0">
+                <a:solidFill>
+                  <a:schemeClr val="bg1"/>
+                </a:solidFill>
+                <a:latin typeface="Courier New" pitchFamily="49" charset="0"/>
+                <a:ea typeface="Calibri" pitchFamily="34" charset="0"/>
+                <a:cs typeface="Courier New" pitchFamily="49" charset="0"/>
+              </a:rPr>
+              <a:t>        }</a:t>
+            </a:r>
+            <a:endParaRPr lang="en-US" sz="1000" dirty="0">
+              <a:solidFill>
+                <a:schemeClr val="bg1"/>
+              </a:solidFill>
+              <a:latin typeface="Courier New" pitchFamily="49" charset="0"/>
+              <a:ea typeface="Calibri" pitchFamily="34" charset="0"/>
+              <a:cs typeface="Courier New" pitchFamily="49" charset="0"/>
+            </a:endParaRPr>
+          </a:p>
+          <a:p>
+            <a:pPr eaLnBrk="0" hangingPunct="0">
+              <a:defRPr/>
+            </a:pPr>
+            <a:endParaRPr lang="be-BY" sz="900" dirty="0">
+              <a:solidFill>
+                <a:schemeClr val="bg1"/>
+              </a:solidFill>
+              <a:latin typeface="Arial" pitchFamily="34" charset="0"/>
+            </a:endParaRPr>
+          </a:p>
+          <a:p>
+            <a:pPr eaLnBrk="0" hangingPunct="0">
+              <a:defRPr/>
+            </a:pPr>
+            <a:r>
+              <a:rPr lang="be-BY" sz="1000" dirty="0">
+                <a:solidFill>
+                  <a:schemeClr val="bg1"/>
+                </a:solidFill>
+                <a:latin typeface="Courier New" pitchFamily="49" charset="0"/>
+                <a:ea typeface="Calibri" pitchFamily="34" charset="0"/>
+                <a:cs typeface="Courier New" pitchFamily="49" charset="0"/>
+              </a:rPr>
+              <a:t>        delegate double Operator(double var1, double var2);</a:t>
+            </a:r>
+            <a:endParaRPr lang="en-US" sz="1000" dirty="0">
+              <a:solidFill>
+                <a:schemeClr val="bg1"/>
+              </a:solidFill>
+              <a:latin typeface="Courier New" pitchFamily="49" charset="0"/>
+              <a:ea typeface="Calibri" pitchFamily="34" charset="0"/>
+              <a:cs typeface="Courier New" pitchFamily="49" charset="0"/>
+            </a:endParaRPr>
+          </a:p>
+          <a:p>
+            <a:pPr eaLnBrk="0" hangingPunct="0">
+              <a:defRPr/>
+            </a:pPr>
+            <a:endParaRPr lang="be-BY" sz="900" dirty="0">
+              <a:solidFill>
+                <a:schemeClr val="bg1"/>
+              </a:solidFill>
+              <a:latin typeface="Arial" pitchFamily="34" charset="0"/>
+            </a:endParaRPr>
+          </a:p>
+          <a:p>
+            <a:pPr eaLnBrk="0" hangingPunct="0">
+              <a:defRPr/>
+            </a:pPr>
+            <a:r>
+              <a:rPr lang="be-BY" sz="1000" dirty="0">
+                <a:solidFill>
+                  <a:schemeClr val="bg1"/>
+                </a:solidFill>
+                <a:latin typeface="Courier New" pitchFamily="49" charset="0"/>
+                <a:ea typeface="Calibri" pitchFamily="34" charset="0"/>
+                <a:cs typeface="Courier New" pitchFamily="49" charset="0"/>
+              </a:rPr>
+              <a:t>        static void Calculate(Operator op)</a:t>
+            </a:r>
+            <a:endParaRPr lang="be-BY" sz="900" dirty="0">
+              <a:solidFill>
+                <a:schemeClr val="bg1"/>
+              </a:solidFill>
+              <a:latin typeface="Arial" pitchFamily="34" charset="0"/>
+            </a:endParaRPr>
+          </a:p>
+          <a:p>
+            <a:pPr eaLnBrk="0" hangingPunct="0">
+              <a:defRPr/>
+            </a:pPr>
+            <a:r>
+              <a:rPr lang="be-BY" sz="1000" dirty="0">
+                <a:solidFill>
+                  <a:schemeClr val="bg1"/>
+                </a:solidFill>
+                <a:latin typeface="Courier New" pitchFamily="49" charset="0"/>
+                <a:ea typeface="Calibri" pitchFamily="34" charset="0"/>
+                <a:cs typeface="Courier New" pitchFamily="49" charset="0"/>
+              </a:rPr>
+              <a:t>        {</a:t>
+            </a:r>
+            <a:endParaRPr lang="be-BY" sz="900" dirty="0">
+              <a:solidFill>
+                <a:schemeClr val="bg1"/>
+              </a:solidFill>
+              <a:latin typeface="Arial" pitchFamily="34" charset="0"/>
+            </a:endParaRPr>
+          </a:p>
+          <a:p>
+            <a:pPr eaLnBrk="0" hangingPunct="0">
+              <a:defRPr/>
+            </a:pPr>
+            <a:r>
+              <a:rPr lang="be-BY" sz="1000" dirty="0">
+                <a:solidFill>
+                  <a:schemeClr val="bg1"/>
+                </a:solidFill>
+                <a:latin typeface="Courier New" pitchFamily="49" charset="0"/>
+                <a:ea typeface="Calibri" pitchFamily="34" charset="0"/>
+                <a:cs typeface="Courier New" pitchFamily="49" charset="0"/>
+              </a:rPr>
+              <a:t>            double a = Double.Parse(Console.ReadLine());</a:t>
+            </a:r>
+            <a:endParaRPr lang="be-BY" sz="900" dirty="0">
+              <a:solidFill>
+                <a:schemeClr val="bg1"/>
+              </a:solidFill>
+              <a:latin typeface="Arial" pitchFamily="34" charset="0"/>
+            </a:endParaRPr>
+          </a:p>
+          <a:p>
+            <a:pPr eaLnBrk="0" hangingPunct="0">
+              <a:defRPr/>
+            </a:pPr>
+            <a:r>
+              <a:rPr lang="be-BY" sz="1000" dirty="0">
+                <a:solidFill>
+                  <a:schemeClr val="bg1"/>
+                </a:solidFill>
+                <a:latin typeface="Courier New" pitchFamily="49" charset="0"/>
+                <a:ea typeface="Calibri" pitchFamily="34" charset="0"/>
+                <a:cs typeface="Courier New" pitchFamily="49" charset="0"/>
+              </a:rPr>
+              <a:t>            double b = Double.Parse(Console.ReadLine());</a:t>
+            </a:r>
+            <a:endParaRPr lang="be-BY" sz="900" dirty="0">
+              <a:solidFill>
+                <a:schemeClr val="bg1"/>
+              </a:solidFill>
+              <a:latin typeface="Arial" pitchFamily="34" charset="0"/>
+            </a:endParaRPr>
+          </a:p>
+          <a:p>
+            <a:pPr eaLnBrk="0" hangingPunct="0">
+              <a:defRPr/>
+            </a:pPr>
+            <a:r>
+              <a:rPr lang="be-BY" sz="1000" dirty="0">
+                <a:solidFill>
+                  <a:schemeClr val="bg1"/>
+                </a:solidFill>
+                <a:latin typeface="Courier New" pitchFamily="49" charset="0"/>
+                <a:ea typeface="Calibri" pitchFamily="34" charset="0"/>
+                <a:cs typeface="Courier New" pitchFamily="49" charset="0"/>
+              </a:rPr>
+              <a:t>            Console.WriteLine("Answer is : {0}", op(a, b));</a:t>
+            </a:r>
+            <a:endParaRPr lang="be-BY" sz="900" dirty="0">
+              <a:solidFill>
+                <a:schemeClr val="bg1"/>
+              </a:solidFill>
+              <a:latin typeface="Arial" pitchFamily="34" charset="0"/>
+            </a:endParaRPr>
+          </a:p>
+          <a:p>
+            <a:pPr eaLnBrk="0" hangingPunct="0">
+              <a:defRPr/>
+            </a:pPr>
+            <a:r>
+              <a:rPr lang="be-BY" sz="1000" dirty="0">
+                <a:solidFill>
+                  <a:schemeClr val="bg1"/>
+                </a:solidFill>
+                <a:latin typeface="Courier New" pitchFamily="49" charset="0"/>
+                <a:ea typeface="Calibri" pitchFamily="34" charset="0"/>
+                <a:cs typeface="Courier New" pitchFamily="49" charset="0"/>
+              </a:rPr>
+              <a:t>        }</a:t>
+            </a:r>
+            <a:endParaRPr lang="en-US" sz="1000" dirty="0">
+              <a:solidFill>
+                <a:schemeClr val="bg1"/>
+              </a:solidFill>
+              <a:latin typeface="Courier New" pitchFamily="49" charset="0"/>
+              <a:ea typeface="Calibri" pitchFamily="34" charset="0"/>
+              <a:cs typeface="Courier New" pitchFamily="49" charset="0"/>
+            </a:endParaRPr>
+          </a:p>
+          <a:p>
+            <a:pPr eaLnBrk="0" hangingPunct="0">
+              <a:defRPr/>
+            </a:pPr>
+            <a:endParaRPr lang="be-BY" sz="900" dirty="0">
+              <a:solidFill>
+                <a:schemeClr val="bg1"/>
+              </a:solidFill>
+              <a:latin typeface="Arial" pitchFamily="34" charset="0"/>
+            </a:endParaRPr>
+          </a:p>
+          <a:p>
+            <a:pPr eaLnBrk="0" hangingPunct="0">
+              <a:defRPr/>
+            </a:pPr>
+            <a:r>
+              <a:rPr lang="be-BY" sz="1000" dirty="0">
+                <a:solidFill>
+                  <a:schemeClr val="bg1"/>
+                </a:solidFill>
+                <a:latin typeface="Courier New" pitchFamily="49" charset="0"/>
+                <a:ea typeface="Calibri" pitchFamily="34" charset="0"/>
+                <a:cs typeface="Courier New" pitchFamily="49" charset="0"/>
+              </a:rPr>
+              <a:t>        static void Main(string[] args)</a:t>
+            </a:r>
+            <a:endParaRPr lang="be-BY" sz="900" dirty="0">
+              <a:solidFill>
+                <a:schemeClr val="bg1"/>
+              </a:solidFill>
+              <a:latin typeface="Arial" pitchFamily="34" charset="0"/>
+            </a:endParaRPr>
+          </a:p>
+          <a:p>
+            <a:pPr eaLnBrk="0" hangingPunct="0">
+              <a:defRPr/>
+            </a:pPr>
+            <a:r>
+              <a:rPr lang="be-BY" sz="1000" dirty="0">
+                <a:solidFill>
+                  <a:schemeClr val="bg1"/>
+                </a:solidFill>
+                <a:latin typeface="Courier New" pitchFamily="49" charset="0"/>
+                <a:ea typeface="Calibri" pitchFamily="34" charset="0"/>
+                <a:cs typeface="Courier New" pitchFamily="49" charset="0"/>
+              </a:rPr>
+              <a:t>        {</a:t>
+            </a:r>
+            <a:endParaRPr lang="be-BY" sz="900" dirty="0">
+              <a:solidFill>
+                <a:schemeClr val="bg1"/>
+              </a:solidFill>
+              <a:latin typeface="Arial" pitchFamily="34" charset="0"/>
+            </a:endParaRPr>
+          </a:p>
+          <a:p>
+            <a:pPr eaLnBrk="0" hangingPunct="0">
+              <a:defRPr/>
+            </a:pPr>
+            <a:r>
+              <a:rPr lang="be-BY" sz="1000" dirty="0">
+                <a:solidFill>
+                  <a:schemeClr val="bg1"/>
+                </a:solidFill>
+                <a:latin typeface="Courier New" pitchFamily="49" charset="0"/>
+                <a:ea typeface="Calibri" pitchFamily="34" charset="0"/>
+                <a:cs typeface="Courier New" pitchFamily="49" charset="0"/>
+              </a:rPr>
+              <a:t>            Operator p = new Operator(Plus);</a:t>
+            </a:r>
+            <a:endParaRPr lang="be-BY" sz="900" dirty="0">
+              <a:solidFill>
+                <a:schemeClr val="bg1"/>
+              </a:solidFill>
+              <a:latin typeface="Arial" pitchFamily="34" charset="0"/>
+            </a:endParaRPr>
+          </a:p>
+          <a:p>
+            <a:pPr eaLnBrk="0" hangingPunct="0">
+              <a:defRPr/>
+            </a:pPr>
+            <a:r>
+              <a:rPr lang="be-BY" sz="1000" dirty="0">
+                <a:solidFill>
+                  <a:schemeClr val="bg1"/>
+                </a:solidFill>
+                <a:latin typeface="Courier New" pitchFamily="49" charset="0"/>
+                <a:ea typeface="Calibri" pitchFamily="34" charset="0"/>
+                <a:cs typeface="Courier New" pitchFamily="49" charset="0"/>
+              </a:rPr>
+              <a:t>            Operator d = new Operator(Divede);</a:t>
+            </a:r>
+            <a:endParaRPr lang="be-BY" sz="900" dirty="0">
+              <a:solidFill>
+                <a:schemeClr val="bg1"/>
+              </a:solidFill>
+              <a:latin typeface="Arial" pitchFamily="34" charset="0"/>
+            </a:endParaRPr>
+          </a:p>
+          <a:p>
+            <a:pPr eaLnBrk="0" hangingPunct="0">
+              <a:defRPr/>
+            </a:pPr>
+            <a:r>
+              <a:rPr lang="be-BY" sz="1000" dirty="0">
+                <a:solidFill>
+                  <a:schemeClr val="bg1"/>
+                </a:solidFill>
+                <a:latin typeface="Courier New" pitchFamily="49" charset="0"/>
+                <a:ea typeface="Calibri" pitchFamily="34" charset="0"/>
+                <a:cs typeface="Courier New" pitchFamily="49" charset="0"/>
+              </a:rPr>
+              <a:t>            Calculate(p);</a:t>
+            </a:r>
+            <a:endParaRPr lang="be-BY" sz="900" dirty="0">
+              <a:solidFill>
+                <a:schemeClr val="bg1"/>
+              </a:solidFill>
+              <a:latin typeface="Arial" pitchFamily="34" charset="0"/>
+            </a:endParaRPr>
+          </a:p>
+          <a:p>
+            <a:pPr eaLnBrk="0" hangingPunct="0">
+              <a:defRPr/>
+            </a:pPr>
+            <a:r>
+              <a:rPr lang="be-BY" sz="1000" dirty="0">
+                <a:solidFill>
+                  <a:schemeClr val="bg1"/>
+                </a:solidFill>
+                <a:latin typeface="Courier New" pitchFamily="49" charset="0"/>
+                <a:ea typeface="Calibri" pitchFamily="34" charset="0"/>
+                <a:cs typeface="Courier New" pitchFamily="49" charset="0"/>
+              </a:rPr>
+              <a:t>            Calculate(d);</a:t>
+            </a:r>
+            <a:endParaRPr lang="be-BY" sz="900" dirty="0">
+              <a:solidFill>
+                <a:schemeClr val="bg1"/>
+              </a:solidFill>
+              <a:latin typeface="Arial" pitchFamily="34" charset="0"/>
+            </a:endParaRPr>
+          </a:p>
+          <a:p>
+            <a:pPr eaLnBrk="0" hangingPunct="0">
+              <a:defRPr/>
+            </a:pPr>
+            <a:r>
+              <a:rPr lang="be-BY" sz="1000" dirty="0">
+                <a:solidFill>
+                  <a:schemeClr val="bg1"/>
+                </a:solidFill>
+                <a:latin typeface="Courier New" pitchFamily="49" charset="0"/>
+                <a:ea typeface="Calibri" pitchFamily="34" charset="0"/>
+                <a:cs typeface="Courier New" pitchFamily="49" charset="0"/>
+              </a:rPr>
+              <a:t>        }</a:t>
+            </a:r>
+            <a:endParaRPr lang="be-BY" dirty="0">
+              <a:solidFill>
+                <a:schemeClr val="bg1"/>
+              </a:solidFill>
+              <a:latin typeface="Arial" pitchFamily="34" charset="0"/>
+            </a:endParaRPr>
+          </a:p>
+        </p:txBody>
+      </p:sp>
+    </p:spTree>
+    <p:extLst>
+      <p:ext uri="{BB962C8B-B14F-4D97-AF65-F5344CB8AC3E}">
+        <p14:creationId xmlns:p14="http://schemas.microsoft.com/office/powerpoint/2010/main" val="1247407102"/>
+      </p:ext>
+    </p:extLst>
+  </p:cSld>
+  <p:clrMapOvr>
+    <a:masterClrMapping/>
+  </p:clrMapOvr>
+</p:sld>
+</file>
+
+<file path=ppt/slides/slide11.xml><?xml version="1.0" encoding="utf-8"?>
+<p:sld xmlns:a="http://schemas.openxmlformats.org/drawingml/2006/main" xmlns:r="http://schemas.openxmlformats.org/officeDocument/2006/relationships" xmlns:p="http://schemas.openxmlformats.org/presentationml/2006/main">
+  <p:cSld>
+    <p:bg>
+      <p:bgPr>
+        <a:blipFill dpi="0" rotWithShape="1">
+          <a:blip r:embed="rId2">
+            <a:lum/>
+          </a:blip>
+          <a:srcRect/>
+          <a:stretch>
+            <a:fillRect/>
+          </a:stretch>
+        </a:blipFill>
+        <a:effectLst/>
+      </p:bgPr>
+    </p:bg>
+    <p:spTree>
+      <p:nvGrpSpPr>
+        <p:cNvPr id="1" name=""/>
+        <p:cNvGrpSpPr/>
+        <p:nvPr/>
+      </p:nvGrpSpPr>
+      <p:grpSpPr>
+        <a:xfrm>
+          <a:off x="0" y="0"/>
+          <a:ext cx="0" cy="0"/>
+          <a:chOff x="0" y="0"/>
+          <a:chExt cx="0" cy="0"/>
+        </a:xfrm>
+      </p:grpSpPr>
+      <p:sp>
+        <p:nvSpPr>
           <p:cNvPr id="8194" name="Прямоугольник 2"/>
           <p:cNvSpPr>
             <a:spLocks noChangeArrowheads="1"/>
@@ -4385,7 +5263,7 @@
 </p:sld>
 </file>
 
-<file path=ppt/slides/slide11.xml><?xml version="1.0" encoding="utf-8"?>
+<file path=ppt/slides/slide12.xml><?xml version="1.0" encoding="utf-8"?>
 <p:sld xmlns:a="http://schemas.openxmlformats.org/drawingml/2006/main" xmlns:r="http://schemas.openxmlformats.org/officeDocument/2006/relationships" xmlns:p="http://schemas.openxmlformats.org/presentationml/2006/main">
   <p:cSld>
     <p:bg>
@@ -4529,7 +5407,7 @@
 </p:sld>
 </file>
 
-<file path=ppt/slides/slide12.xml><?xml version="1.0" encoding="utf-8"?>
+<file path=ppt/slides/slide13.xml><?xml version="1.0" encoding="utf-8"?>
 <p:sld xmlns:a="http://schemas.openxmlformats.org/drawingml/2006/main" xmlns:r="http://schemas.openxmlformats.org/officeDocument/2006/relationships" xmlns:p="http://schemas.openxmlformats.org/presentationml/2006/main">
   <p:cSld>
     <p:bg>
@@ -5550,7 +6428,7 @@
 </p:sld>
 </file>
 
-<file path=ppt/slides/slide13.xml><?xml version="1.0" encoding="utf-8"?>
+<file path=ppt/slides/slide14.xml><?xml version="1.0" encoding="utf-8"?>
 <p:sld xmlns:a="http://schemas.openxmlformats.org/drawingml/2006/main" xmlns:r="http://schemas.openxmlformats.org/officeDocument/2006/relationships" xmlns:p="http://schemas.openxmlformats.org/presentationml/2006/main">
   <p:cSld>
     <p:bg>
@@ -6808,7 +7686,7 @@
 </p:sld>
 </file>
 
-<file path=ppt/slides/slide14.xml><?xml version="1.0" encoding="utf-8"?>
+<file path=ppt/slides/slide15.xml><?xml version="1.0" encoding="utf-8"?>
 <p:sld xmlns:a="http://schemas.openxmlformats.org/drawingml/2006/main" xmlns:r="http://schemas.openxmlformats.org/officeDocument/2006/relationships" xmlns:p="http://schemas.openxmlformats.org/presentationml/2006/main">
   <p:cSld>
     <p:bg>
@@ -7623,7 +8501,7 @@
 </p:sld>
 </file>
 
-<file path=ppt/slides/slide15.xml><?xml version="1.0" encoding="utf-8"?>
+<file path=ppt/slides/slide16.xml><?xml version="1.0" encoding="utf-8"?>
 <p:sld xmlns:a="http://schemas.openxmlformats.org/drawingml/2006/main" xmlns:r="http://schemas.openxmlformats.org/officeDocument/2006/relationships" xmlns:p="http://schemas.openxmlformats.org/presentationml/2006/main" show="0">
   <p:cSld>
     <p:bg>
@@ -7888,7 +8766,7 @@
 </p:sld>
 </file>
 
-<file path=ppt/slides/slide16.xml><?xml version="1.0" encoding="utf-8"?>
+<file path=ppt/slides/slide17.xml><?xml version="1.0" encoding="utf-8"?>
 <p:sld xmlns:a="http://schemas.openxmlformats.org/drawingml/2006/main" xmlns:r="http://schemas.openxmlformats.org/officeDocument/2006/relationships" xmlns:p="http://schemas.openxmlformats.org/presentationml/2006/main">
   <p:cSld>
     <p:bg>
@@ -7995,7 +8873,7 @@
 </p:sld>
 </file>
 
-<file path=ppt/slides/slide17.xml><?xml version="1.0" encoding="utf-8"?>
+<file path=ppt/slides/slide18.xml><?xml version="1.0" encoding="utf-8"?>
 <p:sld xmlns:a="http://schemas.openxmlformats.org/drawingml/2006/main" xmlns:r="http://schemas.openxmlformats.org/officeDocument/2006/relationships" xmlns:p="http://schemas.openxmlformats.org/presentationml/2006/main">
   <p:cSld>
     <p:bg>
@@ -8687,7 +9565,7 @@
 </p:sld>
 </file>
 
-<file path=ppt/slides/slide18.xml><?xml version="1.0" encoding="utf-8"?>
+<file path=ppt/slides/slide19.xml><?xml version="1.0" encoding="utf-8"?>
 <p:sld xmlns:a="http://schemas.openxmlformats.org/drawingml/2006/main" xmlns:r="http://schemas.openxmlformats.org/officeDocument/2006/relationships" xmlns:p="http://schemas.openxmlformats.org/presentationml/2006/main">
   <p:cSld>
     <p:bg>
@@ -9485,7 +10363,160 @@
 </p:sld>
 </file>
 
-<file path=ppt/slides/slide19.xml><?xml version="1.0" encoding="utf-8"?>
+<file path=ppt/slides/slide2.xml><?xml version="1.0" encoding="utf-8"?>
+<p:sld xmlns:a="http://schemas.openxmlformats.org/drawingml/2006/main" xmlns:r="http://schemas.openxmlformats.org/officeDocument/2006/relationships" xmlns:p="http://schemas.openxmlformats.org/presentationml/2006/main">
+  <p:cSld>
+    <p:bg>
+      <p:bgPr>
+        <a:blipFill dpi="0" rotWithShape="1">
+          <a:blip r:embed="rId2">
+            <a:lum/>
+          </a:blip>
+          <a:srcRect/>
+          <a:stretch>
+            <a:fillRect/>
+          </a:stretch>
+        </a:blipFill>
+        <a:effectLst/>
+      </p:bgPr>
+    </p:bg>
+    <p:spTree>
+      <p:nvGrpSpPr>
+        <p:cNvPr id="1" name=""/>
+        <p:cNvGrpSpPr/>
+        <p:nvPr/>
+      </p:nvGrpSpPr>
+      <p:grpSpPr>
+        <a:xfrm>
+          <a:off x="0" y="0"/>
+          <a:ext cx="0" cy="0"/>
+          <a:chOff x="0" y="0"/>
+          <a:chExt cx="0" cy="0"/>
+        </a:xfrm>
+      </p:grpSpPr>
+      <p:sp>
+        <p:nvSpPr>
+          <p:cNvPr id="2" name="Title 1"/>
+          <p:cNvSpPr>
+            <a:spLocks noGrp="1"/>
+          </p:cNvSpPr>
+          <p:nvPr>
+            <p:ph type="title"/>
+          </p:nvPr>
+        </p:nvSpPr>
+        <p:spPr/>
+        <p:txBody>
+          <a:bodyPr/>
+          <a:lstStyle/>
+          <a:p>
+            <a:r>
+              <a:rPr lang="ru-RU" dirty="0">
+                <a:solidFill>
+                  <a:schemeClr val="bg1"/>
+                </a:solidFill>
+              </a:rPr>
+              <a:t>Материалы для обучения</a:t>
+            </a:r>
+            <a:endParaRPr lang="en-US" dirty="0">
+              <a:solidFill>
+                <a:schemeClr val="bg1"/>
+              </a:solidFill>
+            </a:endParaRPr>
+          </a:p>
+        </p:txBody>
+      </p:sp>
+      <p:sp>
+        <p:nvSpPr>
+          <p:cNvPr id="3" name="Content Placeholder 2"/>
+          <p:cNvSpPr>
+            <a:spLocks noGrp="1"/>
+          </p:cNvSpPr>
+          <p:nvPr>
+            <p:ph idx="1"/>
+          </p:nvPr>
+        </p:nvSpPr>
+        <p:spPr/>
+        <p:txBody>
+          <a:bodyPr/>
+          <a:lstStyle/>
+          <a:p>
+            <a:r>
+              <a:rPr lang="en-US" dirty="0">
+                <a:solidFill>
+                  <a:schemeClr val="bg1"/>
+                </a:solidFill>
+                <a:hlinkClick r:id="rId3"/>
+              </a:rPr>
+              <a:t>https://github.com/bazile/Training</a:t>
+            </a:r>
+            <a:br>
+              <a:rPr lang="en-US" dirty="0">
+                <a:solidFill>
+                  <a:schemeClr val="bg1"/>
+                </a:solidFill>
+              </a:rPr>
+            </a:br>
+            <a:r>
+              <a:rPr lang="ru-RU" dirty="0">
+                <a:solidFill>
+                  <a:schemeClr val="bg1"/>
+                </a:solidFill>
+              </a:rPr>
+              <a:t>Презентации и примеры кода используемые во время занятия</a:t>
+            </a:r>
+          </a:p>
+          <a:p>
+            <a:endParaRPr lang="ru-RU" dirty="0">
+              <a:solidFill>
+                <a:schemeClr val="bg1"/>
+              </a:solidFill>
+            </a:endParaRPr>
+          </a:p>
+          <a:p>
+            <a:r>
+              <a:rPr lang="en-US" dirty="0">
+                <a:solidFill>
+                  <a:schemeClr val="bg1"/>
+                </a:solidFill>
+                <a:hlinkClick r:id="rId4"/>
+              </a:rPr>
+              <a:t>http://belhard.nullptr.ru/</a:t>
+            </a:r>
+            <a:br>
+              <a:rPr lang="ru-RU" dirty="0">
+                <a:solidFill>
+                  <a:schemeClr val="bg1"/>
+                </a:solidFill>
+              </a:rPr>
+            </a:br>
+            <a:r>
+              <a:rPr lang="ru-RU" dirty="0">
+                <a:solidFill>
+                  <a:schemeClr val="bg1"/>
+                </a:solidFill>
+              </a:rPr>
+              <a:t>Книги, примеры к ним и другие полезные файлы.</a:t>
+            </a:r>
+          </a:p>
+          <a:p>
+            <a:endParaRPr lang="en-US" dirty="0"/>
+          </a:p>
+        </p:txBody>
+      </p:sp>
+    </p:spTree>
+    <p:extLst>
+      <p:ext uri="{BB962C8B-B14F-4D97-AF65-F5344CB8AC3E}">
+        <p14:creationId xmlns:p14="http://schemas.microsoft.com/office/powerpoint/2010/main" val="3949559832"/>
+      </p:ext>
+    </p:extLst>
+  </p:cSld>
+  <p:clrMapOvr>
+    <a:masterClrMapping/>
+  </p:clrMapOvr>
+</p:sld>
+</file>
+
+<file path=ppt/slides/slide20.xml><?xml version="1.0" encoding="utf-8"?>
 <p:sld xmlns:a="http://schemas.openxmlformats.org/drawingml/2006/main" xmlns:r="http://schemas.openxmlformats.org/officeDocument/2006/relationships" xmlns:p="http://schemas.openxmlformats.org/presentationml/2006/main">
   <p:cSld>
     <p:bg>
@@ -10514,160 +11545,7 @@
 </p:sld>
 </file>
 
-<file path=ppt/slides/slide2.xml><?xml version="1.0" encoding="utf-8"?>
-<p:sld xmlns:a="http://schemas.openxmlformats.org/drawingml/2006/main" xmlns:r="http://schemas.openxmlformats.org/officeDocument/2006/relationships" xmlns:p="http://schemas.openxmlformats.org/presentationml/2006/main">
-  <p:cSld>
-    <p:bg>
-      <p:bgPr>
-        <a:blipFill dpi="0" rotWithShape="1">
-          <a:blip r:embed="rId2">
-            <a:lum/>
-          </a:blip>
-          <a:srcRect/>
-          <a:stretch>
-            <a:fillRect/>
-          </a:stretch>
-        </a:blipFill>
-        <a:effectLst/>
-      </p:bgPr>
-    </p:bg>
-    <p:spTree>
-      <p:nvGrpSpPr>
-        <p:cNvPr id="1" name=""/>
-        <p:cNvGrpSpPr/>
-        <p:nvPr/>
-      </p:nvGrpSpPr>
-      <p:grpSpPr>
-        <a:xfrm>
-          <a:off x="0" y="0"/>
-          <a:ext cx="0" cy="0"/>
-          <a:chOff x="0" y="0"/>
-          <a:chExt cx="0" cy="0"/>
-        </a:xfrm>
-      </p:grpSpPr>
-      <p:sp>
-        <p:nvSpPr>
-          <p:cNvPr id="2" name="Title 1"/>
-          <p:cNvSpPr>
-            <a:spLocks noGrp="1"/>
-          </p:cNvSpPr>
-          <p:nvPr>
-            <p:ph type="title"/>
-          </p:nvPr>
-        </p:nvSpPr>
-        <p:spPr/>
-        <p:txBody>
-          <a:bodyPr/>
-          <a:lstStyle/>
-          <a:p>
-            <a:r>
-              <a:rPr lang="ru-RU" dirty="0">
-                <a:solidFill>
-                  <a:schemeClr val="bg1"/>
-                </a:solidFill>
-              </a:rPr>
-              <a:t>Материалы для обучения</a:t>
-            </a:r>
-            <a:endParaRPr lang="en-US" dirty="0">
-              <a:solidFill>
-                <a:schemeClr val="bg1"/>
-              </a:solidFill>
-            </a:endParaRPr>
-          </a:p>
-        </p:txBody>
-      </p:sp>
-      <p:sp>
-        <p:nvSpPr>
-          <p:cNvPr id="3" name="Content Placeholder 2"/>
-          <p:cNvSpPr>
-            <a:spLocks noGrp="1"/>
-          </p:cNvSpPr>
-          <p:nvPr>
-            <p:ph idx="1"/>
-          </p:nvPr>
-        </p:nvSpPr>
-        <p:spPr/>
-        <p:txBody>
-          <a:bodyPr/>
-          <a:lstStyle/>
-          <a:p>
-            <a:r>
-              <a:rPr lang="en-US" dirty="0">
-                <a:solidFill>
-                  <a:schemeClr val="bg1"/>
-                </a:solidFill>
-                <a:hlinkClick r:id="rId3"/>
-              </a:rPr>
-              <a:t>https://github.com/bazile/Training</a:t>
-            </a:r>
-            <a:br>
-              <a:rPr lang="en-US" dirty="0">
-                <a:solidFill>
-                  <a:schemeClr val="bg1"/>
-                </a:solidFill>
-              </a:rPr>
-            </a:br>
-            <a:r>
-              <a:rPr lang="ru-RU" dirty="0">
-                <a:solidFill>
-                  <a:schemeClr val="bg1"/>
-                </a:solidFill>
-              </a:rPr>
-              <a:t>Презентации и примеры кода используемые во время занятия</a:t>
-            </a:r>
-          </a:p>
-          <a:p>
-            <a:endParaRPr lang="ru-RU" dirty="0">
-              <a:solidFill>
-                <a:schemeClr val="bg1"/>
-              </a:solidFill>
-            </a:endParaRPr>
-          </a:p>
-          <a:p>
-            <a:r>
-              <a:rPr lang="en-US" dirty="0">
-                <a:solidFill>
-                  <a:schemeClr val="bg1"/>
-                </a:solidFill>
-                <a:hlinkClick r:id="rId4"/>
-              </a:rPr>
-              <a:t>http://belhard.nullptr.ru/</a:t>
-            </a:r>
-            <a:br>
-              <a:rPr lang="ru-RU" dirty="0">
-                <a:solidFill>
-                  <a:schemeClr val="bg1"/>
-                </a:solidFill>
-              </a:rPr>
-            </a:br>
-            <a:r>
-              <a:rPr lang="ru-RU" dirty="0">
-                <a:solidFill>
-                  <a:schemeClr val="bg1"/>
-                </a:solidFill>
-              </a:rPr>
-              <a:t>Книги, примеры к ним и другие полезные файлы.</a:t>
-            </a:r>
-          </a:p>
-          <a:p>
-            <a:endParaRPr lang="en-US" dirty="0"/>
-          </a:p>
-        </p:txBody>
-      </p:sp>
-    </p:spTree>
-    <p:extLst>
-      <p:ext uri="{BB962C8B-B14F-4D97-AF65-F5344CB8AC3E}">
-        <p14:creationId xmlns:p14="http://schemas.microsoft.com/office/powerpoint/2010/main" val="3949559832"/>
-      </p:ext>
-    </p:extLst>
-  </p:cSld>
-  <p:clrMapOvr>
-    <a:masterClrMapping/>
-  </p:clrMapOvr>
-</p:sld>
-</file>
-
-<file path=ppt/slides/slide20.xml><?xml version="1.0" encoding="utf-8"?>
+<file path=ppt/slides/slide21.xml><?xml version="1.0" encoding="utf-8"?>
 <p:sld xmlns:a="http://schemas.openxmlformats.org/drawingml/2006/main" xmlns:r="http://schemas.openxmlformats.org/officeDocument/2006/relationships" xmlns:p="http://schemas.openxmlformats.org/presentationml/2006/main">
   <p:cSld>
     <p:bg>
@@ -12181,7 +13059,7 @@
 </p:sld>
 </file>
 
-<file path=ppt/slides/slide21.xml><?xml version="1.0" encoding="utf-8"?>
+<file path=ppt/slides/slide22.xml><?xml version="1.0" encoding="utf-8"?>
 <p:sld xmlns:a="http://schemas.openxmlformats.org/drawingml/2006/main" xmlns:r="http://schemas.openxmlformats.org/officeDocument/2006/relationships" xmlns:p="http://schemas.openxmlformats.org/presentationml/2006/main">
   <p:cSld>
     <p:bg>
@@ -13773,113 +14651,6 @@
 </p:sld>
 </file>
 
-<file path=ppt/slides/slide22.xml><?xml version="1.0" encoding="utf-8"?>
-<p:sld xmlns:a="http://schemas.openxmlformats.org/drawingml/2006/main" xmlns:r="http://schemas.openxmlformats.org/officeDocument/2006/relationships" xmlns:p="http://schemas.openxmlformats.org/presentationml/2006/main">
-  <p:cSld>
-    <p:bg>
-      <p:bgPr>
-        <a:blipFill dpi="0" rotWithShape="1">
-          <a:blip r:embed="rId2">
-            <a:lum/>
-          </a:blip>
-          <a:srcRect/>
-          <a:stretch>
-            <a:fillRect/>
-          </a:stretch>
-        </a:blipFill>
-        <a:effectLst/>
-      </p:bgPr>
-    </p:bg>
-    <p:spTree>
-      <p:nvGrpSpPr>
-        <p:cNvPr id="1" name=""/>
-        <p:cNvGrpSpPr/>
-        <p:nvPr/>
-      </p:nvGrpSpPr>
-      <p:grpSpPr>
-        <a:xfrm>
-          <a:off x="0" y="0"/>
-          <a:ext cx="0" cy="0"/>
-          <a:chOff x="0" y="0"/>
-          <a:chExt cx="0" cy="0"/>
-        </a:xfrm>
-      </p:grpSpPr>
-      <p:sp>
-        <p:nvSpPr>
-          <p:cNvPr id="2" name="Title 1"/>
-          <p:cNvSpPr>
-            <a:spLocks noGrp="1"/>
-          </p:cNvSpPr>
-          <p:nvPr>
-            <p:ph type="title"/>
-          </p:nvPr>
-        </p:nvSpPr>
-        <p:spPr/>
-        <p:txBody>
-          <a:bodyPr/>
-          <a:lstStyle/>
-          <a:p>
-            <a:r>
-              <a:rPr lang="ru-RU" dirty="0">
-                <a:solidFill>
-                  <a:schemeClr val="bg1"/>
-                </a:solidFill>
-              </a:rPr>
-              <a:t>События и наследование</a:t>
-            </a:r>
-            <a:endParaRPr lang="en-US" dirty="0">
-              <a:solidFill>
-                <a:schemeClr val="bg1"/>
-              </a:solidFill>
-            </a:endParaRPr>
-          </a:p>
-        </p:txBody>
-      </p:sp>
-      <p:sp>
-        <p:nvSpPr>
-          <p:cNvPr id="3" name="Content Placeholder 2"/>
-          <p:cNvSpPr>
-            <a:spLocks noGrp="1"/>
-          </p:cNvSpPr>
-          <p:nvPr>
-            <p:ph idx="1"/>
-          </p:nvPr>
-        </p:nvSpPr>
-        <p:spPr/>
-        <p:txBody>
-          <a:bodyPr/>
-          <a:lstStyle/>
-          <a:p>
-            <a:pPr marL="0" indent="0">
-              <a:buNone/>
-            </a:pPr>
-            <a:r>
-              <a:rPr lang="ru-RU" dirty="0">
-                <a:solidFill>
-                  <a:schemeClr val="bg1"/>
-                </a:solidFill>
-              </a:rPr>
-              <a:t>Наследники не могут генерировать события родительских классов. Или говоря проще – событие может быть сгенерировано только типом в котором оно объявлено.</a:t>
-            </a:r>
-          </a:p>
-          <a:p>
-            <a:endParaRPr lang="en-US" dirty="0"/>
-          </a:p>
-        </p:txBody>
-      </p:sp>
-    </p:spTree>
-    <p:extLst>
-      <p:ext uri="{BB962C8B-B14F-4D97-AF65-F5344CB8AC3E}">
-        <p14:creationId xmlns:p14="http://schemas.microsoft.com/office/powerpoint/2010/main" val="3789171591"/>
-      </p:ext>
-    </p:extLst>
-  </p:cSld>
-  <p:clrMapOvr>
-    <a:masterClrMapping/>
-  </p:clrMapOvr>
-</p:sld>
-</file>
-
 <file path=ppt/slides/slide23.xml><?xml version="1.0" encoding="utf-8"?>
 <p:sld xmlns:a="http://schemas.openxmlformats.org/drawingml/2006/main" xmlns:r="http://schemas.openxmlformats.org/officeDocument/2006/relationships" xmlns:p="http://schemas.openxmlformats.org/presentationml/2006/main">
   <p:cSld>
@@ -13932,23 +14703,7 @@
                   <a:schemeClr val="bg1"/>
                 </a:solidFill>
               </a:rPr>
-              <a:t>События: </a:t>
-            </a:r>
-            <a:r>
-              <a:rPr lang="en-US" dirty="0">
-                <a:solidFill>
-                  <a:schemeClr val="bg1"/>
-                </a:solidFill>
-              </a:rPr>
-              <a:t>class vs </a:t>
-            </a:r>
-            <a:r>
-              <a:rPr lang="en-US" dirty="0" err="1">
-                <a:solidFill>
-                  <a:schemeClr val="bg1"/>
-                </a:solidFill>
-              </a:rPr>
-              <a:t>struct</a:t>
+              <a:t>События и наследование</a:t>
             </a:r>
             <a:endParaRPr lang="en-US" dirty="0">
               <a:solidFill>
@@ -13982,6 +14737,129 @@
                   <a:schemeClr val="bg1"/>
                 </a:solidFill>
               </a:rPr>
+              <a:t>Наследники не могут генерировать события родительских классов. Или говоря проще – событие может быть сгенерировано только типом в котором оно объявлено.</a:t>
+            </a:r>
+          </a:p>
+          <a:p>
+            <a:endParaRPr lang="en-US" dirty="0"/>
+          </a:p>
+        </p:txBody>
+      </p:sp>
+    </p:spTree>
+    <p:extLst>
+      <p:ext uri="{BB962C8B-B14F-4D97-AF65-F5344CB8AC3E}">
+        <p14:creationId xmlns:p14="http://schemas.microsoft.com/office/powerpoint/2010/main" val="3789171591"/>
+      </p:ext>
+    </p:extLst>
+  </p:cSld>
+  <p:clrMapOvr>
+    <a:masterClrMapping/>
+  </p:clrMapOvr>
+</p:sld>
+</file>
+
+<file path=ppt/slides/slide24.xml><?xml version="1.0" encoding="utf-8"?>
+<p:sld xmlns:a="http://schemas.openxmlformats.org/drawingml/2006/main" xmlns:r="http://schemas.openxmlformats.org/officeDocument/2006/relationships" xmlns:p="http://schemas.openxmlformats.org/presentationml/2006/main">
+  <p:cSld>
+    <p:bg>
+      <p:bgPr>
+        <a:blipFill dpi="0" rotWithShape="1">
+          <a:blip r:embed="rId2">
+            <a:lum/>
+          </a:blip>
+          <a:srcRect/>
+          <a:stretch>
+            <a:fillRect/>
+          </a:stretch>
+        </a:blipFill>
+        <a:effectLst/>
+      </p:bgPr>
+    </p:bg>
+    <p:spTree>
+      <p:nvGrpSpPr>
+        <p:cNvPr id="1" name=""/>
+        <p:cNvGrpSpPr/>
+        <p:nvPr/>
+      </p:nvGrpSpPr>
+      <p:grpSpPr>
+        <a:xfrm>
+          <a:off x="0" y="0"/>
+          <a:ext cx="0" cy="0"/>
+          <a:chOff x="0" y="0"/>
+          <a:chExt cx="0" cy="0"/>
+        </a:xfrm>
+      </p:grpSpPr>
+      <p:sp>
+        <p:nvSpPr>
+          <p:cNvPr id="2" name="Title 1"/>
+          <p:cNvSpPr>
+            <a:spLocks noGrp="1"/>
+          </p:cNvSpPr>
+          <p:nvPr>
+            <p:ph type="title"/>
+          </p:nvPr>
+        </p:nvSpPr>
+        <p:spPr/>
+        <p:txBody>
+          <a:bodyPr/>
+          <a:lstStyle/>
+          <a:p>
+            <a:r>
+              <a:rPr lang="ru-RU" dirty="0">
+                <a:solidFill>
+                  <a:schemeClr val="bg1"/>
+                </a:solidFill>
+              </a:rPr>
+              <a:t>События: </a:t>
+            </a:r>
+            <a:r>
+              <a:rPr lang="en-US" dirty="0">
+                <a:solidFill>
+                  <a:schemeClr val="bg1"/>
+                </a:solidFill>
+              </a:rPr>
+              <a:t>class vs </a:t>
+            </a:r>
+            <a:r>
+              <a:rPr lang="en-US" dirty="0" err="1">
+                <a:solidFill>
+                  <a:schemeClr val="bg1"/>
+                </a:solidFill>
+              </a:rPr>
+              <a:t>struct</a:t>
+            </a:r>
+            <a:endParaRPr lang="en-US" dirty="0">
+              <a:solidFill>
+                <a:schemeClr val="bg1"/>
+              </a:solidFill>
+            </a:endParaRPr>
+          </a:p>
+        </p:txBody>
+      </p:sp>
+      <p:sp>
+        <p:nvSpPr>
+          <p:cNvPr id="3" name="Content Placeholder 2"/>
+          <p:cNvSpPr>
+            <a:spLocks noGrp="1"/>
+          </p:cNvSpPr>
+          <p:nvPr>
+            <p:ph idx="1"/>
+          </p:nvPr>
+        </p:nvSpPr>
+        <p:spPr/>
+        <p:txBody>
+          <a:bodyPr/>
+          <a:lstStyle/>
+          <a:p>
+            <a:pPr marL="0" indent="0">
+              <a:buNone/>
+            </a:pPr>
+            <a:r>
+              <a:rPr lang="ru-RU" dirty="0">
+                <a:solidFill>
+                  <a:schemeClr val="bg1"/>
+                </a:solidFill>
+              </a:rPr>
               <a:t>В структурах можно объявлять события. Проявляйте, однако, осторожность при их использовании чтобы не подписаться на событие у </a:t>
             </a:r>
             <a:r>
@@ -14016,7 +14894,7 @@
 </p:sld>
 </file>
 
-<file path=ppt/slides/slide24.xml><?xml version="1.0" encoding="utf-8"?>
+<file path=ppt/slides/slide25.xml><?xml version="1.0" encoding="utf-8"?>
 <p:sld xmlns:a="http://schemas.openxmlformats.org/drawingml/2006/main" xmlns:r="http://schemas.openxmlformats.org/officeDocument/2006/relationships" xmlns:p="http://schemas.openxmlformats.org/presentationml/2006/main">
   <p:cSld>
     <p:bg>
@@ -14307,7 +15185,7 @@
 </p:sld>
 </file>
 
-<file path=ppt/slides/slide25.xml><?xml version="1.0" encoding="utf-8"?>
+<file path=ppt/slides/slide26.xml><?xml version="1.0" encoding="utf-8"?>
 <p:sld xmlns:a="http://schemas.openxmlformats.org/drawingml/2006/main" xmlns:r="http://schemas.openxmlformats.org/officeDocument/2006/relationships" xmlns:p="http://schemas.openxmlformats.org/presentationml/2006/main">
   <p:cSld>
     <p:bg>
@@ -16114,6 +16992,229 @@
       </p:grpSpPr>
       <p:sp>
         <p:nvSpPr>
+          <p:cNvPr id="2" name="Title 1"/>
+          <p:cNvSpPr>
+            <a:spLocks noGrp="1"/>
+          </p:cNvSpPr>
+          <p:nvPr>
+            <p:ph type="title"/>
+          </p:nvPr>
+        </p:nvSpPr>
+        <p:spPr/>
+        <p:txBody>
+          <a:bodyPr/>
+          <a:lstStyle/>
+          <a:p>
+            <a:r>
+              <a:rPr lang="ru-RU" dirty="0">
+                <a:solidFill>
+                  <a:schemeClr val="bg1"/>
+                </a:solidFill>
+              </a:rPr>
+              <a:t>Зачем нужны делегаты?</a:t>
+            </a:r>
+            <a:endParaRPr lang="en-US" dirty="0">
+              <a:solidFill>
+                <a:schemeClr val="bg1"/>
+              </a:solidFill>
+            </a:endParaRPr>
+          </a:p>
+        </p:txBody>
+      </p:sp>
+      <p:sp>
+        <p:nvSpPr>
+          <p:cNvPr id="3" name="Content Placeholder 2"/>
+          <p:cNvSpPr>
+            <a:spLocks noGrp="1"/>
+          </p:cNvSpPr>
+          <p:nvPr>
+            <p:ph idx="1"/>
+          </p:nvPr>
+        </p:nvSpPr>
+        <p:spPr/>
+        <p:txBody>
+          <a:bodyPr/>
+          <a:lstStyle/>
+          <a:p>
+            <a:r>
+              <a:rPr lang="ru-RU" dirty="0">
+                <a:solidFill>
+                  <a:schemeClr val="bg1"/>
+                </a:solidFill>
+              </a:rPr>
+              <a:t>Уменьшение связанности кода (</a:t>
+            </a:r>
+            <a:r>
+              <a:rPr lang="en-US" dirty="0">
+                <a:solidFill>
+                  <a:schemeClr val="bg1"/>
+                </a:solidFill>
+              </a:rPr>
+              <a:t>decoupling</a:t>
+            </a:r>
+            <a:r>
+              <a:rPr lang="ru-RU" dirty="0">
+                <a:solidFill>
+                  <a:schemeClr val="bg1"/>
+                </a:solidFill>
+              </a:rPr>
+              <a:t>)</a:t>
+            </a:r>
+            <a:endParaRPr lang="en-US" dirty="0">
+              <a:solidFill>
+                <a:schemeClr val="bg1"/>
+              </a:solidFill>
+            </a:endParaRPr>
+          </a:p>
+          <a:p>
+            <a:pPr lvl="1"/>
+            <a:r>
+              <a:rPr lang="ru-RU" dirty="0">
+                <a:solidFill>
+                  <a:schemeClr val="bg1"/>
+                </a:solidFill>
+              </a:rPr>
+              <a:t>Шаблон проектирования «Стратегия»</a:t>
+            </a:r>
+          </a:p>
+          <a:p>
+            <a:r>
+              <a:rPr lang="ru-RU" dirty="0">
+                <a:solidFill>
+                  <a:schemeClr val="bg1"/>
+                </a:solidFill>
+              </a:rPr>
+              <a:t>Передача методов через параметры</a:t>
+            </a:r>
+          </a:p>
+          <a:p>
+            <a:r>
+              <a:rPr lang="ru-RU" dirty="0">
+                <a:solidFill>
+                  <a:schemeClr val="bg1"/>
+                </a:solidFill>
+              </a:rPr>
+              <a:t>Многоадресный вызов (</a:t>
+            </a:r>
+            <a:r>
+              <a:rPr lang="en-US" dirty="0">
+                <a:solidFill>
+                  <a:schemeClr val="bg1"/>
+                </a:solidFill>
+              </a:rPr>
+              <a:t>multicasting</a:t>
+            </a:r>
+            <a:r>
+              <a:rPr lang="ru-RU" dirty="0">
+                <a:solidFill>
+                  <a:schemeClr val="bg1"/>
+                </a:solidFill>
+              </a:rPr>
+              <a:t>)</a:t>
+            </a:r>
+            <a:endParaRPr lang="en-US" dirty="0">
+              <a:solidFill>
+                <a:schemeClr val="bg1"/>
+              </a:solidFill>
+            </a:endParaRPr>
+          </a:p>
+          <a:p>
+            <a:r>
+              <a:rPr lang="ru-RU" dirty="0">
+                <a:solidFill>
+                  <a:schemeClr val="bg1"/>
+                </a:solidFill>
+              </a:rPr>
+              <a:t>Обратный вызов (</a:t>
+            </a:r>
+            <a:r>
+              <a:rPr lang="en-US" dirty="0">
+                <a:solidFill>
+                  <a:schemeClr val="bg1"/>
+                </a:solidFill>
+              </a:rPr>
+              <a:t>callback</a:t>
+            </a:r>
+            <a:r>
+              <a:rPr lang="ru-RU" dirty="0">
+                <a:solidFill>
+                  <a:schemeClr val="bg1"/>
+                </a:solidFill>
+              </a:rPr>
+              <a:t>)</a:t>
+            </a:r>
+            <a:endParaRPr lang="en-US" dirty="0">
+              <a:solidFill>
+                <a:schemeClr val="bg1"/>
+              </a:solidFill>
+            </a:endParaRPr>
+          </a:p>
+          <a:p>
+            <a:r>
+              <a:rPr lang="en-US" dirty="0">
+                <a:solidFill>
+                  <a:schemeClr val="bg1"/>
+                </a:solidFill>
+              </a:rPr>
+              <a:t>LINQ</a:t>
+            </a:r>
+            <a:endParaRPr lang="ru-RU" dirty="0">
+              <a:solidFill>
+                <a:schemeClr val="bg1"/>
+              </a:solidFill>
+            </a:endParaRPr>
+          </a:p>
+          <a:p>
+            <a:endParaRPr lang="en-US" dirty="0"/>
+          </a:p>
+        </p:txBody>
+      </p:sp>
+    </p:spTree>
+    <p:extLst>
+      <p:ext uri="{BB962C8B-B14F-4D97-AF65-F5344CB8AC3E}">
+        <p14:creationId xmlns:p14="http://schemas.microsoft.com/office/powerpoint/2010/main" val="2659146808"/>
+      </p:ext>
+    </p:extLst>
+  </p:cSld>
+  <p:clrMapOvr>
+    <a:masterClrMapping/>
+  </p:clrMapOvr>
+</p:sld>
+</file>
+
+<file path=ppt/slides/slide5.xml><?xml version="1.0" encoding="utf-8"?>
+<p:sld xmlns:a="http://schemas.openxmlformats.org/drawingml/2006/main" xmlns:r="http://schemas.openxmlformats.org/officeDocument/2006/relationships" xmlns:p="http://schemas.openxmlformats.org/presentationml/2006/main">
+  <p:cSld>
+    <p:bg>
+      <p:bgPr>
+        <a:blipFill dpi="0" rotWithShape="1">
+          <a:blip r:embed="rId2">
+            <a:lum/>
+          </a:blip>
+          <a:srcRect/>
+          <a:stretch>
+            <a:fillRect/>
+          </a:stretch>
+        </a:blipFill>
+        <a:effectLst/>
+      </p:bgPr>
+    </p:bg>
+    <p:spTree>
+      <p:nvGrpSpPr>
+        <p:cNvPr id="1" name=""/>
+        <p:cNvGrpSpPr/>
+        <p:nvPr/>
+      </p:nvGrpSpPr>
+      <p:grpSpPr>
+        <a:xfrm>
+          <a:off x="0" y="0"/>
+          <a:ext cx="0" cy="0"/>
+          <a:chOff x="0" y="0"/>
+          <a:chExt cx="0" cy="0"/>
+        </a:xfrm>
+      </p:grpSpPr>
+      <p:sp>
+        <p:nvSpPr>
           <p:cNvPr id="4101" name="Rectangle 5"/>
           <p:cNvSpPr>
             <a:spLocks noChangeArrowheads="1"/>
@@ -17105,7 +18206,7 @@
 </p:sld>
 </file>
 
-<file path=ppt/slides/slide5.xml><?xml version="1.0" encoding="utf-8"?>
+<file path=ppt/slides/slide6.xml><?xml version="1.0" encoding="utf-8"?>
 <p:sld xmlns:a="http://schemas.openxmlformats.org/drawingml/2006/main" xmlns:r="http://schemas.openxmlformats.org/officeDocument/2006/relationships" xmlns:p="http://schemas.openxmlformats.org/presentationml/2006/main">
   <p:cSld>
     <p:spTree>
@@ -17192,7 +18293,7 @@
 </p:sld>
 </file>
 
-<file path=ppt/slides/slide6.xml><?xml version="1.0" encoding="utf-8"?>
+<file path=ppt/slides/slide7.xml><?xml version="1.0" encoding="utf-8"?>
 <p:sld xmlns:a="http://schemas.openxmlformats.org/drawingml/2006/main" xmlns:r="http://schemas.openxmlformats.org/officeDocument/2006/relationships" xmlns:p="http://schemas.openxmlformats.org/presentationml/2006/main">
   <p:cSld>
     <p:bg>
@@ -18200,7 +19301,7 @@
 </p:sld>
 </file>
 
-<file path=ppt/slides/slide7.xml><?xml version="1.0" encoding="utf-8"?>
+<file path=ppt/slides/slide8.xml><?xml version="1.0" encoding="utf-8"?>
 <p:sld xmlns:a="http://schemas.openxmlformats.org/drawingml/2006/main" xmlns:r="http://schemas.openxmlformats.org/officeDocument/2006/relationships" xmlns:p="http://schemas.openxmlformats.org/presentationml/2006/main">
   <p:cSld>
     <p:bg>
@@ -19864,7 +20965,7 @@
 </p:sld>
 </file>
 
-<file path=ppt/slides/slide8.xml><?xml version="1.0" encoding="utf-8"?>
+<file path=ppt/slides/slide9.xml><?xml version="1.0" encoding="utf-8"?>
 <p:sld xmlns:a="http://schemas.openxmlformats.org/drawingml/2006/main" xmlns:r="http://schemas.openxmlformats.org/officeDocument/2006/relationships" xmlns:p="http://schemas.openxmlformats.org/presentationml/2006/main">
   <p:cSld>
     <p:bg>
@@ -20924,882 +22025,6 @@
     <p:extLst>
       <p:ext uri="{BB962C8B-B14F-4D97-AF65-F5344CB8AC3E}">
         <p14:creationId xmlns:p14="http://schemas.microsoft.com/office/powerpoint/2010/main" val="3463883593"/>
-      </p:ext>
-    </p:extLst>
-  </p:cSld>
-  <p:clrMapOvr>
-    <a:masterClrMapping/>
-  </p:clrMapOvr>
-</p:sld>
-</file>
-
-<file path=ppt/slides/slide9.xml><?xml version="1.0" encoding="utf-8"?>
-<p:sld xmlns:a="http://schemas.openxmlformats.org/drawingml/2006/main" xmlns:r="http://schemas.openxmlformats.org/officeDocument/2006/relationships" xmlns:p="http://schemas.openxmlformats.org/presentationml/2006/main">
-  <p:cSld>
-    <p:bg>
-      <p:bgPr>
-        <a:blipFill dpi="0" rotWithShape="1">
-          <a:blip r:embed="rId2">
-            <a:lum/>
-          </a:blip>
-          <a:srcRect/>
-          <a:stretch>
-            <a:fillRect/>
-          </a:stretch>
-        </a:blipFill>
-        <a:effectLst/>
-      </p:bgPr>
-    </p:bg>
-    <p:spTree>
-      <p:nvGrpSpPr>
-        <p:cNvPr id="1" name=""/>
-        <p:cNvGrpSpPr/>
-        <p:nvPr/>
-      </p:nvGrpSpPr>
-      <p:grpSpPr>
-        <a:xfrm>
-          <a:off x="0" y="0"/>
-          <a:ext cx="0" cy="0"/>
-          <a:chOff x="0" y="0"/>
-          <a:chExt cx="0" cy="0"/>
-        </a:xfrm>
-      </p:grpSpPr>
-      <p:sp>
-        <p:nvSpPr>
-          <p:cNvPr id="7170" name="Прямоугольник 2"/>
-          <p:cNvSpPr>
-            <a:spLocks noChangeArrowheads="1"/>
-          </p:cNvSpPr>
-          <p:nvPr/>
-        </p:nvSpPr>
-        <p:spPr bwMode="auto">
-          <a:xfrm>
-            <a:off x="2362200" y="0"/>
-            <a:ext cx="5105400" cy="461963"/>
-          </a:xfrm>
-          <a:prstGeom prst="rect">
-            <a:avLst/>
-          </a:prstGeom>
-          <a:noFill/>
-          <a:ln>
-            <a:noFill/>
-          </a:ln>
-          <a:extLst>
-            <a:ext uri="{909E8E84-426E-40DD-AFC4-6F175D3DCCD1}">
-              <a14:hiddenFill xmlns:a14="http://schemas.microsoft.com/office/drawing/2010/main">
-                <a:solidFill>
-                  <a:srgbClr val="FFFFFF"/>
-                </a:solidFill>
-              </a14:hiddenFill>
-            </a:ext>
-            <a:ext uri="{91240B29-F687-4F45-9708-019B960494DF}">
-              <a14:hiddenLine xmlns:a14="http://schemas.microsoft.com/office/drawing/2010/main" w="9525">
-                <a:solidFill>
-                  <a:srgbClr val="000000"/>
-                </a:solidFill>
-                <a:miter lim="800000"/>
-                <a:headEnd/>
-                <a:tailEnd/>
-              </a14:hiddenLine>
-            </a:ext>
-          </a:extLst>
-        </p:spPr>
-        <p:txBody>
-          <a:bodyPr>
-            <a:spAutoFit/>
-          </a:bodyPr>
-          <a:lstStyle/>
-          <a:p>
-            <a:pPr algn="ctr"/>
-            <a:r>
-              <a:rPr lang="ru-RU" sz="2400" b="1"/>
-              <a:t>Анонимные методы.</a:t>
-            </a:r>
-          </a:p>
-        </p:txBody>
-      </p:sp>
-      <p:sp>
-        <p:nvSpPr>
-          <p:cNvPr id="7171" name="TextBox 6"/>
-          <p:cNvSpPr txBox="1">
-            <a:spLocks noChangeArrowheads="1"/>
-          </p:cNvSpPr>
-          <p:nvPr/>
-        </p:nvSpPr>
-        <p:spPr bwMode="auto">
-          <a:xfrm>
-            <a:off x="152400" y="457200"/>
-            <a:ext cx="8839200" cy="338138"/>
-          </a:xfrm>
-          <a:prstGeom prst="rect">
-            <a:avLst/>
-          </a:prstGeom>
-          <a:noFill/>
-          <a:ln>
-            <a:noFill/>
-          </a:ln>
-          <a:extLst>
-            <a:ext uri="{909E8E84-426E-40DD-AFC4-6F175D3DCCD1}">
-              <a14:hiddenFill xmlns:a14="http://schemas.microsoft.com/office/drawing/2010/main">
-                <a:solidFill>
-                  <a:srgbClr val="FFFFFF"/>
-                </a:solidFill>
-              </a14:hiddenFill>
-            </a:ext>
-            <a:ext uri="{91240B29-F687-4F45-9708-019B960494DF}">
-              <a14:hiddenLine xmlns:a14="http://schemas.microsoft.com/office/drawing/2010/main" w="9525">
-                <a:solidFill>
-                  <a:srgbClr val="000000"/>
-                </a:solidFill>
-                <a:miter lim="800000"/>
-                <a:headEnd/>
-                <a:tailEnd/>
-              </a14:hiddenLine>
-            </a:ext>
-          </a:extLst>
-        </p:spPr>
-        <p:txBody>
-          <a:bodyPr>
-            <a:spAutoFit/>
-          </a:bodyPr>
-          <a:lstStyle>
-            <a:lvl1pPr defTabSz="358775" eaLnBrk="0" hangingPunct="0">
-              <a:defRPr>
-                <a:solidFill>
-                  <a:schemeClr val="tx1"/>
-                </a:solidFill>
-                <a:latin typeface="Arial" charset="0"/>
-              </a:defRPr>
-            </a:lvl1pPr>
-            <a:lvl2pPr marL="742950" indent="-285750" defTabSz="358775" eaLnBrk="0" hangingPunct="0">
-              <a:defRPr>
-                <a:solidFill>
-                  <a:schemeClr val="tx1"/>
-                </a:solidFill>
-                <a:latin typeface="Arial" charset="0"/>
-              </a:defRPr>
-            </a:lvl2pPr>
-            <a:lvl3pPr marL="1143000" indent="-228600" defTabSz="358775" eaLnBrk="0" hangingPunct="0">
-              <a:defRPr>
-                <a:solidFill>
-                  <a:schemeClr val="tx1"/>
-                </a:solidFill>
-                <a:latin typeface="Arial" charset="0"/>
-              </a:defRPr>
-            </a:lvl3pPr>
-            <a:lvl4pPr marL="1600200" indent="-228600" defTabSz="358775" eaLnBrk="0" hangingPunct="0">
-              <a:defRPr>
-                <a:solidFill>
-                  <a:schemeClr val="tx1"/>
-                </a:solidFill>
-                <a:latin typeface="Arial" charset="0"/>
-              </a:defRPr>
-            </a:lvl4pPr>
-            <a:lvl5pPr marL="2057400" indent="-228600" defTabSz="358775" eaLnBrk="0" hangingPunct="0">
-              <a:defRPr>
-                <a:solidFill>
-                  <a:schemeClr val="tx1"/>
-                </a:solidFill>
-                <a:latin typeface="Arial" charset="0"/>
-              </a:defRPr>
-            </a:lvl5pPr>
-            <a:lvl6pPr marL="2514600" indent="-228600" defTabSz="358775" eaLnBrk="0" fontAlgn="base" hangingPunct="0">
-              <a:spcBef>
-                <a:spcPct val="0"/>
-              </a:spcBef>
-              <a:spcAft>
-                <a:spcPct val="0"/>
-              </a:spcAft>
-              <a:defRPr>
-                <a:solidFill>
-                  <a:schemeClr val="tx1"/>
-                </a:solidFill>
-                <a:latin typeface="Arial" charset="0"/>
-              </a:defRPr>
-            </a:lvl6pPr>
-            <a:lvl7pPr marL="2971800" indent="-228600" defTabSz="358775" eaLnBrk="0" fontAlgn="base" hangingPunct="0">
-              <a:spcBef>
-                <a:spcPct val="0"/>
-              </a:spcBef>
-              <a:spcAft>
-                <a:spcPct val="0"/>
-              </a:spcAft>
-              <a:defRPr>
-                <a:solidFill>
-                  <a:schemeClr val="tx1"/>
-                </a:solidFill>
-                <a:latin typeface="Arial" charset="0"/>
-              </a:defRPr>
-            </a:lvl7pPr>
-            <a:lvl8pPr marL="3429000" indent="-228600" defTabSz="358775" eaLnBrk="0" fontAlgn="base" hangingPunct="0">
-              <a:spcBef>
-                <a:spcPct val="0"/>
-              </a:spcBef>
-              <a:spcAft>
-                <a:spcPct val="0"/>
-              </a:spcAft>
-              <a:defRPr>
-                <a:solidFill>
-                  <a:schemeClr val="tx1"/>
-                </a:solidFill>
-                <a:latin typeface="Arial" charset="0"/>
-              </a:defRPr>
-            </a:lvl8pPr>
-            <a:lvl9pPr marL="3886200" indent="-228600" defTabSz="358775" eaLnBrk="0" fontAlgn="base" hangingPunct="0">
-              <a:spcBef>
-                <a:spcPct val="0"/>
-              </a:spcBef>
-              <a:spcAft>
-                <a:spcPct val="0"/>
-              </a:spcAft>
-              <a:defRPr>
-                <a:solidFill>
-                  <a:schemeClr val="tx1"/>
-                </a:solidFill>
-                <a:latin typeface="Arial" charset="0"/>
-              </a:defRPr>
-            </a:lvl9pPr>
-          </a:lstStyle>
-          <a:p>
-            <a:pPr eaLnBrk="1" hangingPunct="1"/>
-            <a:r>
-              <a:rPr lang="ru-RU" sz="1600"/>
-              <a:t>	Рассмотрим следующую ситуацию</a:t>
-            </a:r>
-            <a:r>
-              <a:rPr lang="en-US" sz="1600"/>
-              <a:t>:</a:t>
-            </a:r>
-            <a:endParaRPr lang="be-BY" sz="1600">
-              <a:solidFill>
-                <a:srgbClr val="008080"/>
-              </a:solidFill>
-              <a:latin typeface="Courier New" pitchFamily="49" charset="0"/>
-              <a:cs typeface="Calibri" pitchFamily="34" charset="0"/>
-            </a:endParaRPr>
-          </a:p>
-        </p:txBody>
-      </p:sp>
-      <p:sp>
-        <p:nvSpPr>
-          <p:cNvPr id="31745" name="Rectangle 1"/>
-          <p:cNvSpPr>
-            <a:spLocks noChangeArrowheads="1"/>
-          </p:cNvSpPr>
-          <p:nvPr/>
-        </p:nvSpPr>
-        <p:spPr bwMode="auto">
-          <a:xfrm>
-            <a:off x="152400" y="838200"/>
-            <a:ext cx="8839200" cy="4340225"/>
-          </a:xfrm>
-          <a:prstGeom prst="rect">
-            <a:avLst/>
-          </a:prstGeom>
-          <a:noFill/>
-          <a:ln w="9525">
-            <a:solidFill>
-              <a:schemeClr val="bg1">
-                <a:lumMod val="65000"/>
-              </a:schemeClr>
-            </a:solidFill>
-            <a:miter lim="800000"/>
-            <a:headEnd/>
-            <a:tailEnd/>
-          </a:ln>
-          <a:effectLst/>
-        </p:spPr>
-        <p:txBody>
-          <a:bodyPr anchor="ctr">
-            <a:spAutoFit/>
-          </a:bodyPr>
-          <a:lstStyle/>
-          <a:p>
-            <a:pPr eaLnBrk="0" hangingPunct="0">
-              <a:defRPr/>
-            </a:pPr>
-            <a:r>
-              <a:rPr lang="be-BY" sz="1000" dirty="0">
-                <a:solidFill>
-                  <a:schemeClr val="bg1"/>
-                </a:solidFill>
-                <a:latin typeface="Courier New" pitchFamily="49" charset="0"/>
-                <a:ea typeface="Calibri" pitchFamily="34" charset="0"/>
-                <a:cs typeface="Courier New" pitchFamily="49" charset="0"/>
-              </a:rPr>
-              <a:t>        static double Plus(double a, double b)</a:t>
-            </a:r>
-            <a:endParaRPr lang="be-BY" sz="900" dirty="0">
-              <a:solidFill>
-                <a:schemeClr val="bg1"/>
-              </a:solidFill>
-              <a:latin typeface="Arial" pitchFamily="34" charset="0"/>
-            </a:endParaRPr>
-          </a:p>
-          <a:p>
-            <a:pPr eaLnBrk="0" hangingPunct="0">
-              <a:defRPr/>
-            </a:pPr>
-            <a:r>
-              <a:rPr lang="be-BY" sz="1000" dirty="0">
-                <a:solidFill>
-                  <a:schemeClr val="bg1"/>
-                </a:solidFill>
-                <a:latin typeface="Courier New" pitchFamily="49" charset="0"/>
-                <a:ea typeface="Calibri" pitchFamily="34" charset="0"/>
-                <a:cs typeface="Courier New" pitchFamily="49" charset="0"/>
-              </a:rPr>
-              <a:t>        {</a:t>
-            </a:r>
-            <a:endParaRPr lang="be-BY" sz="900" dirty="0">
-              <a:solidFill>
-                <a:schemeClr val="bg1"/>
-              </a:solidFill>
-              <a:latin typeface="Arial" pitchFamily="34" charset="0"/>
-            </a:endParaRPr>
-          </a:p>
-          <a:p>
-            <a:pPr eaLnBrk="0" hangingPunct="0">
-              <a:defRPr/>
-            </a:pPr>
-            <a:r>
-              <a:rPr lang="be-BY" sz="1000" dirty="0">
-                <a:solidFill>
-                  <a:schemeClr val="bg1"/>
-                </a:solidFill>
-                <a:latin typeface="Courier New" pitchFamily="49" charset="0"/>
-                <a:ea typeface="Calibri" pitchFamily="34" charset="0"/>
-                <a:cs typeface="Courier New" pitchFamily="49" charset="0"/>
-              </a:rPr>
-              <a:t>            return a + b;</a:t>
-            </a:r>
-            <a:endParaRPr lang="be-BY" sz="900" dirty="0">
-              <a:solidFill>
-                <a:schemeClr val="bg1"/>
-              </a:solidFill>
-              <a:latin typeface="Arial" pitchFamily="34" charset="0"/>
-            </a:endParaRPr>
-          </a:p>
-          <a:p>
-            <a:pPr eaLnBrk="0" hangingPunct="0">
-              <a:defRPr/>
-            </a:pPr>
-            <a:r>
-              <a:rPr lang="be-BY" sz="1000" dirty="0">
-                <a:solidFill>
-                  <a:schemeClr val="bg1"/>
-                </a:solidFill>
-                <a:latin typeface="Courier New" pitchFamily="49" charset="0"/>
-                <a:ea typeface="Calibri" pitchFamily="34" charset="0"/>
-                <a:cs typeface="Courier New" pitchFamily="49" charset="0"/>
-              </a:rPr>
-              <a:t>        }</a:t>
-            </a:r>
-            <a:endParaRPr lang="en-US" sz="1000" dirty="0">
-              <a:solidFill>
-                <a:schemeClr val="bg1"/>
-              </a:solidFill>
-              <a:latin typeface="Courier New" pitchFamily="49" charset="0"/>
-              <a:ea typeface="Calibri" pitchFamily="34" charset="0"/>
-              <a:cs typeface="Courier New" pitchFamily="49" charset="0"/>
-            </a:endParaRPr>
-          </a:p>
-          <a:p>
-            <a:pPr eaLnBrk="0" hangingPunct="0">
-              <a:defRPr/>
-            </a:pPr>
-            <a:endParaRPr lang="be-BY" sz="900" dirty="0">
-              <a:solidFill>
-                <a:schemeClr val="bg1"/>
-              </a:solidFill>
-              <a:latin typeface="Arial" pitchFamily="34" charset="0"/>
-            </a:endParaRPr>
-          </a:p>
-          <a:p>
-            <a:pPr eaLnBrk="0" hangingPunct="0">
-              <a:defRPr/>
-            </a:pPr>
-            <a:r>
-              <a:rPr lang="be-BY" sz="1000" dirty="0">
-                <a:solidFill>
-                  <a:schemeClr val="bg1"/>
-                </a:solidFill>
-                <a:latin typeface="Courier New" pitchFamily="49" charset="0"/>
-                <a:ea typeface="Calibri" pitchFamily="34" charset="0"/>
-                <a:cs typeface="Courier New" pitchFamily="49" charset="0"/>
-              </a:rPr>
-              <a:t>        static double Divede(double a, double b)</a:t>
-            </a:r>
-            <a:endParaRPr lang="be-BY" sz="900" dirty="0">
-              <a:solidFill>
-                <a:schemeClr val="bg1"/>
-              </a:solidFill>
-              <a:latin typeface="Arial" pitchFamily="34" charset="0"/>
-            </a:endParaRPr>
-          </a:p>
-          <a:p>
-            <a:pPr eaLnBrk="0" hangingPunct="0">
-              <a:defRPr/>
-            </a:pPr>
-            <a:r>
-              <a:rPr lang="be-BY" sz="1000" dirty="0">
-                <a:solidFill>
-                  <a:schemeClr val="bg1"/>
-                </a:solidFill>
-                <a:latin typeface="Courier New" pitchFamily="49" charset="0"/>
-                <a:ea typeface="Calibri" pitchFamily="34" charset="0"/>
-                <a:cs typeface="Courier New" pitchFamily="49" charset="0"/>
-              </a:rPr>
-              <a:t>        {</a:t>
-            </a:r>
-            <a:endParaRPr lang="be-BY" sz="900" dirty="0">
-              <a:solidFill>
-                <a:schemeClr val="bg1"/>
-              </a:solidFill>
-              <a:latin typeface="Arial" pitchFamily="34" charset="0"/>
-            </a:endParaRPr>
-          </a:p>
-          <a:p>
-            <a:pPr eaLnBrk="0" hangingPunct="0">
-              <a:defRPr/>
-            </a:pPr>
-            <a:r>
-              <a:rPr lang="be-BY" sz="1000" dirty="0">
-                <a:solidFill>
-                  <a:schemeClr val="bg1"/>
-                </a:solidFill>
-                <a:latin typeface="Courier New" pitchFamily="49" charset="0"/>
-                <a:ea typeface="Calibri" pitchFamily="34" charset="0"/>
-                <a:cs typeface="Courier New" pitchFamily="49" charset="0"/>
-              </a:rPr>
-              <a:t>            if (b == 0)</a:t>
-            </a:r>
-            <a:endParaRPr lang="be-BY" sz="900" dirty="0">
-              <a:solidFill>
-                <a:schemeClr val="bg1"/>
-              </a:solidFill>
-              <a:latin typeface="Arial" pitchFamily="34" charset="0"/>
-            </a:endParaRPr>
-          </a:p>
-          <a:p>
-            <a:pPr eaLnBrk="0" hangingPunct="0">
-              <a:defRPr/>
-            </a:pPr>
-            <a:r>
-              <a:rPr lang="be-BY" sz="1000" dirty="0">
-                <a:solidFill>
-                  <a:schemeClr val="bg1"/>
-                </a:solidFill>
-                <a:latin typeface="Courier New" pitchFamily="49" charset="0"/>
-                <a:ea typeface="Calibri" pitchFamily="34" charset="0"/>
-                <a:cs typeface="Courier New" pitchFamily="49" charset="0"/>
-              </a:rPr>
-              <a:t>                throw new DivideByZeroException();</a:t>
-            </a:r>
-            <a:endParaRPr lang="be-BY" sz="900" dirty="0">
-              <a:solidFill>
-                <a:schemeClr val="bg1"/>
-              </a:solidFill>
-              <a:latin typeface="Arial" pitchFamily="34" charset="0"/>
-            </a:endParaRPr>
-          </a:p>
-          <a:p>
-            <a:pPr eaLnBrk="0" hangingPunct="0">
-              <a:defRPr/>
-            </a:pPr>
-            <a:r>
-              <a:rPr lang="be-BY" sz="1000" dirty="0">
-                <a:solidFill>
-                  <a:schemeClr val="bg1"/>
-                </a:solidFill>
-                <a:latin typeface="Courier New" pitchFamily="49" charset="0"/>
-                <a:ea typeface="Calibri" pitchFamily="34" charset="0"/>
-                <a:cs typeface="Courier New" pitchFamily="49" charset="0"/>
-              </a:rPr>
-              <a:t>            return a / b;</a:t>
-            </a:r>
-            <a:endParaRPr lang="be-BY" sz="900" dirty="0">
-              <a:solidFill>
-                <a:schemeClr val="bg1"/>
-              </a:solidFill>
-              <a:latin typeface="Arial" pitchFamily="34" charset="0"/>
-            </a:endParaRPr>
-          </a:p>
-          <a:p>
-            <a:pPr eaLnBrk="0" hangingPunct="0">
-              <a:defRPr/>
-            </a:pPr>
-            <a:r>
-              <a:rPr lang="be-BY" sz="1000" dirty="0">
-                <a:solidFill>
-                  <a:schemeClr val="bg1"/>
-                </a:solidFill>
-                <a:latin typeface="Courier New" pitchFamily="49" charset="0"/>
-                <a:ea typeface="Calibri" pitchFamily="34" charset="0"/>
-                <a:cs typeface="Courier New" pitchFamily="49" charset="0"/>
-              </a:rPr>
-              <a:t>        }</a:t>
-            </a:r>
-            <a:endParaRPr lang="en-US" sz="1000" dirty="0">
-              <a:solidFill>
-                <a:schemeClr val="bg1"/>
-              </a:solidFill>
-              <a:latin typeface="Courier New" pitchFamily="49" charset="0"/>
-              <a:ea typeface="Calibri" pitchFamily="34" charset="0"/>
-              <a:cs typeface="Courier New" pitchFamily="49" charset="0"/>
-            </a:endParaRPr>
-          </a:p>
-          <a:p>
-            <a:pPr eaLnBrk="0" hangingPunct="0">
-              <a:defRPr/>
-            </a:pPr>
-            <a:endParaRPr lang="be-BY" sz="900" dirty="0">
-              <a:solidFill>
-                <a:schemeClr val="bg1"/>
-              </a:solidFill>
-              <a:latin typeface="Arial" pitchFamily="34" charset="0"/>
-            </a:endParaRPr>
-          </a:p>
-          <a:p>
-            <a:pPr eaLnBrk="0" hangingPunct="0">
-              <a:defRPr/>
-            </a:pPr>
-            <a:r>
-              <a:rPr lang="be-BY" sz="1000" dirty="0">
-                <a:solidFill>
-                  <a:schemeClr val="bg1"/>
-                </a:solidFill>
-                <a:latin typeface="Courier New" pitchFamily="49" charset="0"/>
-                <a:ea typeface="Calibri" pitchFamily="34" charset="0"/>
-                <a:cs typeface="Courier New" pitchFamily="49" charset="0"/>
-              </a:rPr>
-              <a:t>        delegate double Operator(double var1, double var2);</a:t>
-            </a:r>
-            <a:endParaRPr lang="en-US" sz="1000" dirty="0">
-              <a:solidFill>
-                <a:schemeClr val="bg1"/>
-              </a:solidFill>
-              <a:latin typeface="Courier New" pitchFamily="49" charset="0"/>
-              <a:ea typeface="Calibri" pitchFamily="34" charset="0"/>
-              <a:cs typeface="Courier New" pitchFamily="49" charset="0"/>
-            </a:endParaRPr>
-          </a:p>
-          <a:p>
-            <a:pPr eaLnBrk="0" hangingPunct="0">
-              <a:defRPr/>
-            </a:pPr>
-            <a:endParaRPr lang="be-BY" sz="900" dirty="0">
-              <a:solidFill>
-                <a:schemeClr val="bg1"/>
-              </a:solidFill>
-              <a:latin typeface="Arial" pitchFamily="34" charset="0"/>
-            </a:endParaRPr>
-          </a:p>
-          <a:p>
-            <a:pPr eaLnBrk="0" hangingPunct="0">
-              <a:defRPr/>
-            </a:pPr>
-            <a:r>
-              <a:rPr lang="be-BY" sz="1000" dirty="0">
-                <a:solidFill>
-                  <a:schemeClr val="bg1"/>
-                </a:solidFill>
-                <a:latin typeface="Courier New" pitchFamily="49" charset="0"/>
-                <a:ea typeface="Calibri" pitchFamily="34" charset="0"/>
-                <a:cs typeface="Courier New" pitchFamily="49" charset="0"/>
-              </a:rPr>
-              <a:t>        static void Calculate(Operator op)</a:t>
-            </a:r>
-            <a:endParaRPr lang="be-BY" sz="900" dirty="0">
-              <a:solidFill>
-                <a:schemeClr val="bg1"/>
-              </a:solidFill>
-              <a:latin typeface="Arial" pitchFamily="34" charset="0"/>
-            </a:endParaRPr>
-          </a:p>
-          <a:p>
-            <a:pPr eaLnBrk="0" hangingPunct="0">
-              <a:defRPr/>
-            </a:pPr>
-            <a:r>
-              <a:rPr lang="be-BY" sz="1000" dirty="0">
-                <a:solidFill>
-                  <a:schemeClr val="bg1"/>
-                </a:solidFill>
-                <a:latin typeface="Courier New" pitchFamily="49" charset="0"/>
-                <a:ea typeface="Calibri" pitchFamily="34" charset="0"/>
-                <a:cs typeface="Courier New" pitchFamily="49" charset="0"/>
-              </a:rPr>
-              <a:t>        {</a:t>
-            </a:r>
-            <a:endParaRPr lang="be-BY" sz="900" dirty="0">
-              <a:solidFill>
-                <a:schemeClr val="bg1"/>
-              </a:solidFill>
-              <a:latin typeface="Arial" pitchFamily="34" charset="0"/>
-            </a:endParaRPr>
-          </a:p>
-          <a:p>
-            <a:pPr eaLnBrk="0" hangingPunct="0">
-              <a:defRPr/>
-            </a:pPr>
-            <a:r>
-              <a:rPr lang="be-BY" sz="1000" dirty="0">
-                <a:solidFill>
-                  <a:schemeClr val="bg1"/>
-                </a:solidFill>
-                <a:latin typeface="Courier New" pitchFamily="49" charset="0"/>
-                <a:ea typeface="Calibri" pitchFamily="34" charset="0"/>
-                <a:cs typeface="Courier New" pitchFamily="49" charset="0"/>
-              </a:rPr>
-              <a:t>            double a = Double.Parse(Console.ReadLine());</a:t>
-            </a:r>
-            <a:endParaRPr lang="be-BY" sz="900" dirty="0">
-              <a:solidFill>
-                <a:schemeClr val="bg1"/>
-              </a:solidFill>
-              <a:latin typeface="Arial" pitchFamily="34" charset="0"/>
-            </a:endParaRPr>
-          </a:p>
-          <a:p>
-            <a:pPr eaLnBrk="0" hangingPunct="0">
-              <a:defRPr/>
-            </a:pPr>
-            <a:r>
-              <a:rPr lang="be-BY" sz="1000" dirty="0">
-                <a:solidFill>
-                  <a:schemeClr val="bg1"/>
-                </a:solidFill>
-                <a:latin typeface="Courier New" pitchFamily="49" charset="0"/>
-                <a:ea typeface="Calibri" pitchFamily="34" charset="0"/>
-                <a:cs typeface="Courier New" pitchFamily="49" charset="0"/>
-              </a:rPr>
-              <a:t>            double b = Double.Parse(Console.ReadLine());</a:t>
-            </a:r>
-            <a:endParaRPr lang="be-BY" sz="900" dirty="0">
-              <a:solidFill>
-                <a:schemeClr val="bg1"/>
-              </a:solidFill>
-              <a:latin typeface="Arial" pitchFamily="34" charset="0"/>
-            </a:endParaRPr>
-          </a:p>
-          <a:p>
-            <a:pPr eaLnBrk="0" hangingPunct="0">
-              <a:defRPr/>
-            </a:pPr>
-            <a:r>
-              <a:rPr lang="be-BY" sz="1000" dirty="0">
-                <a:solidFill>
-                  <a:schemeClr val="bg1"/>
-                </a:solidFill>
-                <a:latin typeface="Courier New" pitchFamily="49" charset="0"/>
-                <a:ea typeface="Calibri" pitchFamily="34" charset="0"/>
-                <a:cs typeface="Courier New" pitchFamily="49" charset="0"/>
-              </a:rPr>
-              <a:t>            Console.WriteLine("Answer is : {0}", op(a, b));</a:t>
-            </a:r>
-            <a:endParaRPr lang="be-BY" sz="900" dirty="0">
-              <a:solidFill>
-                <a:schemeClr val="bg1"/>
-              </a:solidFill>
-              <a:latin typeface="Arial" pitchFamily="34" charset="0"/>
-            </a:endParaRPr>
-          </a:p>
-          <a:p>
-            <a:pPr eaLnBrk="0" hangingPunct="0">
-              <a:defRPr/>
-            </a:pPr>
-            <a:r>
-              <a:rPr lang="be-BY" sz="1000" dirty="0">
-                <a:solidFill>
-                  <a:schemeClr val="bg1"/>
-                </a:solidFill>
-                <a:latin typeface="Courier New" pitchFamily="49" charset="0"/>
-                <a:ea typeface="Calibri" pitchFamily="34" charset="0"/>
-                <a:cs typeface="Courier New" pitchFamily="49" charset="0"/>
-              </a:rPr>
-              <a:t>        }</a:t>
-            </a:r>
-            <a:endParaRPr lang="en-US" sz="1000" dirty="0">
-              <a:solidFill>
-                <a:schemeClr val="bg1"/>
-              </a:solidFill>
-              <a:latin typeface="Courier New" pitchFamily="49" charset="0"/>
-              <a:ea typeface="Calibri" pitchFamily="34" charset="0"/>
-              <a:cs typeface="Courier New" pitchFamily="49" charset="0"/>
-            </a:endParaRPr>
-          </a:p>
-          <a:p>
-            <a:pPr eaLnBrk="0" hangingPunct="0">
-              <a:defRPr/>
-            </a:pPr>
-            <a:endParaRPr lang="be-BY" sz="900" dirty="0">
-              <a:solidFill>
-                <a:schemeClr val="bg1"/>
-              </a:solidFill>
-              <a:latin typeface="Arial" pitchFamily="34" charset="0"/>
-            </a:endParaRPr>
-          </a:p>
-          <a:p>
-            <a:pPr eaLnBrk="0" hangingPunct="0">
-              <a:defRPr/>
-            </a:pPr>
-            <a:r>
-              <a:rPr lang="be-BY" sz="1000" dirty="0">
-                <a:solidFill>
-                  <a:schemeClr val="bg1"/>
-                </a:solidFill>
-                <a:latin typeface="Courier New" pitchFamily="49" charset="0"/>
-                <a:ea typeface="Calibri" pitchFamily="34" charset="0"/>
-                <a:cs typeface="Courier New" pitchFamily="49" charset="0"/>
-              </a:rPr>
-              <a:t>        static void Main(string[] args)</a:t>
-            </a:r>
-            <a:endParaRPr lang="be-BY" sz="900" dirty="0">
-              <a:solidFill>
-                <a:schemeClr val="bg1"/>
-              </a:solidFill>
-              <a:latin typeface="Arial" pitchFamily="34" charset="0"/>
-            </a:endParaRPr>
-          </a:p>
-          <a:p>
-            <a:pPr eaLnBrk="0" hangingPunct="0">
-              <a:defRPr/>
-            </a:pPr>
-            <a:r>
-              <a:rPr lang="be-BY" sz="1000" dirty="0">
-                <a:solidFill>
-                  <a:schemeClr val="bg1"/>
-                </a:solidFill>
-                <a:latin typeface="Courier New" pitchFamily="49" charset="0"/>
-                <a:ea typeface="Calibri" pitchFamily="34" charset="0"/>
-                <a:cs typeface="Courier New" pitchFamily="49" charset="0"/>
-              </a:rPr>
-              <a:t>        {</a:t>
-            </a:r>
-            <a:endParaRPr lang="be-BY" sz="900" dirty="0">
-              <a:solidFill>
-                <a:schemeClr val="bg1"/>
-              </a:solidFill>
-              <a:latin typeface="Arial" pitchFamily="34" charset="0"/>
-            </a:endParaRPr>
-          </a:p>
-          <a:p>
-            <a:pPr eaLnBrk="0" hangingPunct="0">
-              <a:defRPr/>
-            </a:pPr>
-            <a:r>
-              <a:rPr lang="be-BY" sz="1000" dirty="0">
-                <a:solidFill>
-                  <a:schemeClr val="bg1"/>
-                </a:solidFill>
-                <a:latin typeface="Courier New" pitchFamily="49" charset="0"/>
-                <a:ea typeface="Calibri" pitchFamily="34" charset="0"/>
-                <a:cs typeface="Courier New" pitchFamily="49" charset="0"/>
-              </a:rPr>
-              <a:t>            Operator p = new Operator(Plus);</a:t>
-            </a:r>
-            <a:endParaRPr lang="be-BY" sz="900" dirty="0">
-              <a:solidFill>
-                <a:schemeClr val="bg1"/>
-              </a:solidFill>
-              <a:latin typeface="Arial" pitchFamily="34" charset="0"/>
-            </a:endParaRPr>
-          </a:p>
-          <a:p>
-            <a:pPr eaLnBrk="0" hangingPunct="0">
-              <a:defRPr/>
-            </a:pPr>
-            <a:r>
-              <a:rPr lang="be-BY" sz="1000" dirty="0">
-                <a:solidFill>
-                  <a:schemeClr val="bg1"/>
-                </a:solidFill>
-                <a:latin typeface="Courier New" pitchFamily="49" charset="0"/>
-                <a:ea typeface="Calibri" pitchFamily="34" charset="0"/>
-                <a:cs typeface="Courier New" pitchFamily="49" charset="0"/>
-              </a:rPr>
-              <a:t>            Operator d = new Operator(Divede);</a:t>
-            </a:r>
-            <a:endParaRPr lang="be-BY" sz="900" dirty="0">
-              <a:solidFill>
-                <a:schemeClr val="bg1"/>
-              </a:solidFill>
-              <a:latin typeface="Arial" pitchFamily="34" charset="0"/>
-            </a:endParaRPr>
-          </a:p>
-          <a:p>
-            <a:pPr eaLnBrk="0" hangingPunct="0">
-              <a:defRPr/>
-            </a:pPr>
-            <a:r>
-              <a:rPr lang="be-BY" sz="1000" dirty="0">
-                <a:solidFill>
-                  <a:schemeClr val="bg1"/>
-                </a:solidFill>
-                <a:latin typeface="Courier New" pitchFamily="49" charset="0"/>
-                <a:ea typeface="Calibri" pitchFamily="34" charset="0"/>
-                <a:cs typeface="Courier New" pitchFamily="49" charset="0"/>
-              </a:rPr>
-              <a:t>            Calculate(p);</a:t>
-            </a:r>
-            <a:endParaRPr lang="be-BY" sz="900" dirty="0">
-              <a:solidFill>
-                <a:schemeClr val="bg1"/>
-              </a:solidFill>
-              <a:latin typeface="Arial" pitchFamily="34" charset="0"/>
-            </a:endParaRPr>
-          </a:p>
-          <a:p>
-            <a:pPr eaLnBrk="0" hangingPunct="0">
-              <a:defRPr/>
-            </a:pPr>
-            <a:r>
-              <a:rPr lang="be-BY" sz="1000" dirty="0">
-                <a:solidFill>
-                  <a:schemeClr val="bg1"/>
-                </a:solidFill>
-                <a:latin typeface="Courier New" pitchFamily="49" charset="0"/>
-                <a:ea typeface="Calibri" pitchFamily="34" charset="0"/>
-                <a:cs typeface="Courier New" pitchFamily="49" charset="0"/>
-              </a:rPr>
-              <a:t>            Calculate(d);</a:t>
-            </a:r>
-            <a:endParaRPr lang="be-BY" sz="900" dirty="0">
-              <a:solidFill>
-                <a:schemeClr val="bg1"/>
-              </a:solidFill>
-              <a:latin typeface="Arial" pitchFamily="34" charset="0"/>
-            </a:endParaRPr>
-          </a:p>
-          <a:p>
-            <a:pPr eaLnBrk="0" hangingPunct="0">
-              <a:defRPr/>
-            </a:pPr>
-            <a:r>
-              <a:rPr lang="be-BY" sz="1000" dirty="0">
-                <a:solidFill>
-                  <a:schemeClr val="bg1"/>
-                </a:solidFill>
-                <a:latin typeface="Courier New" pitchFamily="49" charset="0"/>
-                <a:ea typeface="Calibri" pitchFamily="34" charset="0"/>
-                <a:cs typeface="Courier New" pitchFamily="49" charset="0"/>
-              </a:rPr>
-              <a:t>        }</a:t>
-            </a:r>
-            <a:endParaRPr lang="be-BY" dirty="0">
-              <a:solidFill>
-                <a:schemeClr val="bg1"/>
-              </a:solidFill>
-              <a:latin typeface="Arial" pitchFamily="34" charset="0"/>
-            </a:endParaRPr>
-          </a:p>
-        </p:txBody>
-      </p:sp>
-    </p:spTree>
-    <p:extLst>
-      <p:ext uri="{BB962C8B-B14F-4D97-AF65-F5344CB8AC3E}">
-        <p14:creationId xmlns:p14="http://schemas.microsoft.com/office/powerpoint/2010/main" val="1247407102"/>
       </p:ext>
     </p:extLst>
   </p:cSld>

--- a/Presentation/lesson-05-events.pptx
+++ b/Presentation/lesson-05-events.pptx
@@ -17,20 +17,19 @@
     <p:sldId id="277" r:id="rId11"/>
     <p:sldId id="278" r:id="rId12"/>
     <p:sldId id="298" r:id="rId13"/>
-    <p:sldId id="279" r:id="rId14"/>
-    <p:sldId id="280" r:id="rId15"/>
-    <p:sldId id="281" r:id="rId16"/>
-    <p:sldId id="290" r:id="rId17"/>
-    <p:sldId id="296" r:id="rId18"/>
-    <p:sldId id="282" r:id="rId19"/>
-    <p:sldId id="289" r:id="rId20"/>
-    <p:sldId id="283" r:id="rId21"/>
-    <p:sldId id="286" r:id="rId22"/>
-    <p:sldId id="291" r:id="rId23"/>
-    <p:sldId id="293" r:id="rId24"/>
-    <p:sldId id="294" r:id="rId25"/>
-    <p:sldId id="287" r:id="rId26"/>
-    <p:sldId id="288" r:id="rId27"/>
+    <p:sldId id="282" r:id="rId14"/>
+    <p:sldId id="289" r:id="rId15"/>
+    <p:sldId id="279" r:id="rId16"/>
+    <p:sldId id="280" r:id="rId17"/>
+    <p:sldId id="281" r:id="rId18"/>
+    <p:sldId id="296" r:id="rId19"/>
+    <p:sldId id="283" r:id="rId20"/>
+    <p:sldId id="286" r:id="rId21"/>
+    <p:sldId id="291" r:id="rId22"/>
+    <p:sldId id="293" r:id="rId23"/>
+    <p:sldId id="294" r:id="rId24"/>
+    <p:sldId id="287" r:id="rId25"/>
+    <p:sldId id="288" r:id="rId26"/>
   </p:sldIdLst>
   <p:sldSz cx="9144000" cy="6858000" type="screen4x3"/>
   <p:notesSz cx="6858000" cy="9144000"/>
@@ -150,6 +149,8 @@
             <p14:sldId id="277"/>
             <p14:sldId id="278"/>
             <p14:sldId id="298"/>
+            <p14:sldId id="282"/>
+            <p14:sldId id="289"/>
           </p14:sldIdLst>
         </p14:section>
         <p14:section name="События" id="{51CD63FA-9B48-429F-B2C7-C63C3B612EDB}">
@@ -157,10 +158,7 @@
             <p14:sldId id="279"/>
             <p14:sldId id="280"/>
             <p14:sldId id="281"/>
-            <p14:sldId id="290"/>
             <p14:sldId id="296"/>
-            <p14:sldId id="282"/>
-            <p14:sldId id="289"/>
             <p14:sldId id="283"/>
             <p14:sldId id="286"/>
             <p14:sldId id="291"/>
@@ -177,7 +175,7 @@
       </p14:sectionLst>
     </p:ext>
     <p:ext uri="{EFAFB233-063F-42B5-8137-9DF3F51BA10A}">
-      <p15:sldGuideLst xmlns:p15="http://schemas.microsoft.com/office/powerpoint/2012/main">
+      <p15:sldGuideLst xmlns:p15="http://schemas.microsoft.com/office/powerpoint/2012/main" xmlns="">
         <p15:guide id="1" orient="horz" pos="2160">
           <p15:clr>
             <a:srgbClr val="A4A3A4"/>
@@ -373,7 +371,7 @@
           <a:p>
             <a:fld id="{FAECF776-F836-4CCD-9497-99E5597B8B5D}" type="datetimeFigureOut">
               <a:rPr lang="en-US" smtClean="0"/>
-              <a:t>8/8/18</a:t>
+              <a:t>2/20/2019</a:t>
             </a:fld>
             <a:endParaRPr lang="en-US"/>
           </a:p>
@@ -541,7 +539,7 @@
           <a:p>
             <a:fld id="{FAECF776-F836-4CCD-9497-99E5597B8B5D}" type="datetimeFigureOut">
               <a:rPr lang="en-US" smtClean="0"/>
-              <a:t>8/8/18</a:t>
+              <a:t>2/20/2019</a:t>
             </a:fld>
             <a:endParaRPr lang="en-US"/>
           </a:p>
@@ -719,7 +717,7 @@
           <a:p>
             <a:fld id="{FAECF776-F836-4CCD-9497-99E5597B8B5D}" type="datetimeFigureOut">
               <a:rPr lang="en-US" smtClean="0"/>
-              <a:t>8/8/18</a:t>
+              <a:t>2/20/2019</a:t>
             </a:fld>
             <a:endParaRPr lang="en-US"/>
           </a:p>
@@ -887,7 +885,7 @@
           <a:p>
             <a:fld id="{FAECF776-F836-4CCD-9497-99E5597B8B5D}" type="datetimeFigureOut">
               <a:rPr lang="en-US" smtClean="0"/>
-              <a:t>8/8/18</a:t>
+              <a:t>2/20/2019</a:t>
             </a:fld>
             <a:endParaRPr lang="en-US"/>
           </a:p>
@@ -1132,7 +1130,7 @@
           <a:p>
             <a:fld id="{FAECF776-F836-4CCD-9497-99E5597B8B5D}" type="datetimeFigureOut">
               <a:rPr lang="en-US" smtClean="0"/>
-              <a:t>8/8/18</a:t>
+              <a:t>2/20/2019</a:t>
             </a:fld>
             <a:endParaRPr lang="en-US"/>
           </a:p>
@@ -1417,7 +1415,7 @@
           <a:p>
             <a:fld id="{FAECF776-F836-4CCD-9497-99E5597B8B5D}" type="datetimeFigureOut">
               <a:rPr lang="en-US" smtClean="0"/>
-              <a:t>8/8/18</a:t>
+              <a:t>2/20/2019</a:t>
             </a:fld>
             <a:endParaRPr lang="en-US"/>
           </a:p>
@@ -1836,7 +1834,7 @@
           <a:p>
             <a:fld id="{FAECF776-F836-4CCD-9497-99E5597B8B5D}" type="datetimeFigureOut">
               <a:rPr lang="en-US" smtClean="0"/>
-              <a:t>8/8/18</a:t>
+              <a:t>2/20/2019</a:t>
             </a:fld>
             <a:endParaRPr lang="en-US"/>
           </a:p>
@@ -1953,7 +1951,7 @@
           <a:p>
             <a:fld id="{FAECF776-F836-4CCD-9497-99E5597B8B5D}" type="datetimeFigureOut">
               <a:rPr lang="en-US" smtClean="0"/>
-              <a:t>8/8/18</a:t>
+              <a:t>2/20/2019</a:t>
             </a:fld>
             <a:endParaRPr lang="en-US"/>
           </a:p>
@@ -2048,7 +2046,7 @@
           <a:p>
             <a:fld id="{FAECF776-F836-4CCD-9497-99E5597B8B5D}" type="datetimeFigureOut">
               <a:rPr lang="en-US" smtClean="0"/>
-              <a:t>8/8/18</a:t>
+              <a:t>2/20/2019</a:t>
             </a:fld>
             <a:endParaRPr lang="en-US"/>
           </a:p>
@@ -2323,7 +2321,7 @@
           <a:p>
             <a:fld id="{FAECF776-F836-4CCD-9497-99E5597B8B5D}" type="datetimeFigureOut">
               <a:rPr lang="en-US" smtClean="0"/>
-              <a:t>8/8/18</a:t>
+              <a:t>2/20/2019</a:t>
             </a:fld>
             <a:endParaRPr lang="en-US"/>
           </a:p>
@@ -2575,7 +2573,7 @@
           <a:p>
             <a:fld id="{FAECF776-F836-4CCD-9497-99E5597B8B5D}" type="datetimeFigureOut">
               <a:rPr lang="en-US" smtClean="0"/>
-              <a:t>8/8/18</a:t>
+              <a:t>2/20/2019</a:t>
             </a:fld>
             <a:endParaRPr lang="en-US"/>
           </a:p>
@@ -2786,7 +2784,7 @@
           <a:p>
             <a:fld id="{FAECF776-F836-4CCD-9497-99E5597B8B5D}" type="datetimeFigureOut">
               <a:rPr lang="en-US" smtClean="0"/>
-              <a:t>8/8/18</a:t>
+              <a:t>2/20/2019</a:t>
             </a:fld>
             <a:endParaRPr lang="en-US"/>
           </a:p>
@@ -3267,7 +3265,7 @@
           <p:cNvPr id="5" name="TextBox 4">
             <a:extLst>
               <a:ext uri="{FF2B5EF4-FFF2-40B4-BE49-F238E27FC236}">
-                <a16:creationId xmlns:a16="http://schemas.microsoft.com/office/drawing/2014/main" id="{79596117-FA9C-1A48-B099-EA32BBC62F23}"/>
+                <a16:creationId xmlns:a16="http://schemas.microsoft.com/office/drawing/2014/main" xmlns="" id="{79596117-FA9C-1A48-B099-EA32BBC62F23}"/>
               </a:ext>
             </a:extLst>
           </p:cNvPr>
@@ -5440,6 +5438,1496 @@
       </p:grpSpPr>
       <p:sp>
         <p:nvSpPr>
+          <p:cNvPr id="12290" name="Прямоугольник 2"/>
+          <p:cNvSpPr>
+            <a:spLocks noChangeArrowheads="1"/>
+          </p:cNvSpPr>
+          <p:nvPr/>
+        </p:nvSpPr>
+        <p:spPr bwMode="auto">
+          <a:xfrm>
+            <a:off x="228600" y="0"/>
+            <a:ext cx="8686800" cy="461665"/>
+          </a:xfrm>
+          <a:prstGeom prst="rect">
+            <a:avLst/>
+          </a:prstGeom>
+          <a:noFill/>
+          <a:ln>
+            <a:noFill/>
+          </a:ln>
+          <a:extLst>
+            <a:ext uri="{909E8E84-426E-40DD-AFC4-6F175D3DCCD1}">
+              <a14:hiddenFill xmlns:a14="http://schemas.microsoft.com/office/drawing/2010/main">
+                <a:solidFill>
+                  <a:srgbClr val="FFFFFF"/>
+                </a:solidFill>
+              </a14:hiddenFill>
+            </a:ext>
+            <a:ext uri="{91240B29-F687-4F45-9708-019B960494DF}">
+              <a14:hiddenLine xmlns:a14="http://schemas.microsoft.com/office/drawing/2010/main" w="9525">
+                <a:solidFill>
+                  <a:srgbClr val="000000"/>
+                </a:solidFill>
+                <a:miter lim="800000"/>
+                <a:headEnd/>
+                <a:tailEnd/>
+              </a14:hiddenLine>
+            </a:ext>
+          </a:extLst>
+        </p:spPr>
+        <p:txBody>
+          <a:bodyPr wrap="square">
+            <a:spAutoFit/>
+          </a:bodyPr>
+          <a:lstStyle/>
+          <a:p>
+            <a:pPr algn="ctr"/>
+            <a:r>
+              <a:rPr lang="ru-RU" sz="2400" b="1" dirty="0"/>
+              <a:t>Делегаты </a:t>
+            </a:r>
+            <a:r>
+              <a:rPr lang="en-US" sz="2400" b="1" dirty="0" err="1"/>
+              <a:t>System.Action</a:t>
+            </a:r>
+            <a:r>
+              <a:rPr lang="en-US" sz="2400" b="1" dirty="0"/>
+              <a:t> </a:t>
+            </a:r>
+            <a:r>
+              <a:rPr lang="ru-RU" sz="2400" b="1" dirty="0"/>
+              <a:t>и </a:t>
+            </a:r>
+            <a:r>
+              <a:rPr lang="en-US" sz="2400" b="1" dirty="0" err="1"/>
+              <a:t>System.Func</a:t>
+            </a:r>
+            <a:endParaRPr lang="ru-RU" sz="2400" b="1" dirty="0"/>
+          </a:p>
+        </p:txBody>
+      </p:sp>
+      <p:sp>
+        <p:nvSpPr>
+          <p:cNvPr id="12291" name="TextBox 6"/>
+          <p:cNvSpPr txBox="1">
+            <a:spLocks noChangeArrowheads="1"/>
+          </p:cNvSpPr>
+          <p:nvPr/>
+        </p:nvSpPr>
+        <p:spPr bwMode="auto">
+          <a:xfrm>
+            <a:off x="152400" y="1002828"/>
+            <a:ext cx="8839200" cy="3970318"/>
+          </a:xfrm>
+          <a:prstGeom prst="rect">
+            <a:avLst/>
+          </a:prstGeom>
+          <a:noFill/>
+          <a:ln>
+            <a:noFill/>
+          </a:ln>
+          <a:extLst>
+            <a:ext uri="{909E8E84-426E-40DD-AFC4-6F175D3DCCD1}">
+              <a14:hiddenFill xmlns:a14="http://schemas.microsoft.com/office/drawing/2010/main">
+                <a:solidFill>
+                  <a:srgbClr val="FFFFFF"/>
+                </a:solidFill>
+              </a14:hiddenFill>
+            </a:ext>
+            <a:ext uri="{91240B29-F687-4F45-9708-019B960494DF}">
+              <a14:hiddenLine xmlns:a14="http://schemas.microsoft.com/office/drawing/2010/main" w="9525">
+                <a:solidFill>
+                  <a:srgbClr val="000000"/>
+                </a:solidFill>
+                <a:miter lim="800000"/>
+                <a:headEnd/>
+                <a:tailEnd/>
+              </a14:hiddenLine>
+            </a:ext>
+          </a:extLst>
+        </p:spPr>
+        <p:txBody>
+          <a:bodyPr>
+            <a:spAutoFit/>
+          </a:bodyPr>
+          <a:lstStyle>
+            <a:lvl1pPr defTabSz="358775" eaLnBrk="0" hangingPunct="0">
+              <a:defRPr>
+                <a:solidFill>
+                  <a:schemeClr val="tx1"/>
+                </a:solidFill>
+                <a:latin typeface="Arial" charset="0"/>
+              </a:defRPr>
+            </a:lvl1pPr>
+            <a:lvl2pPr marL="742950" indent="-285750" defTabSz="358775" eaLnBrk="0" hangingPunct="0">
+              <a:defRPr>
+                <a:solidFill>
+                  <a:schemeClr val="tx1"/>
+                </a:solidFill>
+                <a:latin typeface="Arial" charset="0"/>
+              </a:defRPr>
+            </a:lvl2pPr>
+            <a:lvl3pPr marL="1143000" indent="-228600" defTabSz="358775" eaLnBrk="0" hangingPunct="0">
+              <a:defRPr>
+                <a:solidFill>
+                  <a:schemeClr val="tx1"/>
+                </a:solidFill>
+                <a:latin typeface="Arial" charset="0"/>
+              </a:defRPr>
+            </a:lvl3pPr>
+            <a:lvl4pPr marL="1600200" indent="-228600" defTabSz="358775" eaLnBrk="0" hangingPunct="0">
+              <a:defRPr>
+                <a:solidFill>
+                  <a:schemeClr val="tx1"/>
+                </a:solidFill>
+                <a:latin typeface="Arial" charset="0"/>
+              </a:defRPr>
+            </a:lvl4pPr>
+            <a:lvl5pPr marL="2057400" indent="-228600" defTabSz="358775" eaLnBrk="0" hangingPunct="0">
+              <a:defRPr>
+                <a:solidFill>
+                  <a:schemeClr val="tx1"/>
+                </a:solidFill>
+                <a:latin typeface="Arial" charset="0"/>
+              </a:defRPr>
+            </a:lvl5pPr>
+            <a:lvl6pPr marL="2514600" indent="-228600" defTabSz="358775" eaLnBrk="0" fontAlgn="base" hangingPunct="0">
+              <a:spcBef>
+                <a:spcPct val="0"/>
+              </a:spcBef>
+              <a:spcAft>
+                <a:spcPct val="0"/>
+              </a:spcAft>
+              <a:defRPr>
+                <a:solidFill>
+                  <a:schemeClr val="tx1"/>
+                </a:solidFill>
+                <a:latin typeface="Arial" charset="0"/>
+              </a:defRPr>
+            </a:lvl6pPr>
+            <a:lvl7pPr marL="2971800" indent="-228600" defTabSz="358775" eaLnBrk="0" fontAlgn="base" hangingPunct="0">
+              <a:spcBef>
+                <a:spcPct val="0"/>
+              </a:spcBef>
+              <a:spcAft>
+                <a:spcPct val="0"/>
+              </a:spcAft>
+              <a:defRPr>
+                <a:solidFill>
+                  <a:schemeClr val="tx1"/>
+                </a:solidFill>
+                <a:latin typeface="Arial" charset="0"/>
+              </a:defRPr>
+            </a:lvl7pPr>
+            <a:lvl8pPr marL="3429000" indent="-228600" defTabSz="358775" eaLnBrk="0" fontAlgn="base" hangingPunct="0">
+              <a:spcBef>
+                <a:spcPct val="0"/>
+              </a:spcBef>
+              <a:spcAft>
+                <a:spcPct val="0"/>
+              </a:spcAft>
+              <a:defRPr>
+                <a:solidFill>
+                  <a:schemeClr val="tx1"/>
+                </a:solidFill>
+                <a:latin typeface="Arial" charset="0"/>
+              </a:defRPr>
+            </a:lvl8pPr>
+            <a:lvl9pPr marL="3886200" indent="-228600" defTabSz="358775" eaLnBrk="0" fontAlgn="base" hangingPunct="0">
+              <a:spcBef>
+                <a:spcPct val="0"/>
+              </a:spcBef>
+              <a:spcAft>
+                <a:spcPct val="0"/>
+              </a:spcAft>
+              <a:defRPr>
+                <a:solidFill>
+                  <a:schemeClr val="tx1"/>
+                </a:solidFill>
+                <a:latin typeface="Arial" charset="0"/>
+              </a:defRPr>
+            </a:lvl9pPr>
+          </a:lstStyle>
+          <a:p>
+            <a:pPr marL="285750" indent="-285750" eaLnBrk="1" hangingPunct="1">
+              <a:buFont typeface="Arial" panose="020B0604020202020204" pitchFamily="34" charset="0"/>
+              <a:buChar char="•"/>
+            </a:pPr>
+            <a:r>
+              <a:rPr lang="ru-RU" sz="1400" dirty="0">
+                <a:solidFill>
+                  <a:schemeClr val="bg1"/>
+                </a:solidFill>
+              </a:rPr>
+              <a:t>Делегаты </a:t>
+            </a:r>
+            <a:r>
+              <a:rPr lang="en-US" sz="1400" dirty="0" err="1">
+                <a:solidFill>
+                  <a:schemeClr val="bg1"/>
+                </a:solidFill>
+              </a:rPr>
+              <a:t>System.Action</a:t>
+            </a:r>
+            <a:r>
+              <a:rPr lang="en-US" sz="1400" dirty="0">
+                <a:solidFill>
+                  <a:schemeClr val="bg1"/>
+                </a:solidFill>
+              </a:rPr>
+              <a:t> </a:t>
+            </a:r>
+            <a:r>
+              <a:rPr lang="ru-RU" sz="1400" dirty="0">
+                <a:solidFill>
+                  <a:schemeClr val="bg1"/>
+                </a:solidFill>
+              </a:rPr>
+              <a:t>описывают функцию без возвращаемого значения с количеством аргументов от 0 до 16.</a:t>
+            </a:r>
+            <a:endParaRPr lang="en-US" sz="1400" dirty="0">
+              <a:solidFill>
+                <a:schemeClr val="bg1"/>
+              </a:solidFill>
+            </a:endParaRPr>
+          </a:p>
+          <a:p>
+            <a:pPr marL="1028700" lvl="1" eaLnBrk="1" hangingPunct="1">
+              <a:buFont typeface="Arial" panose="020B0604020202020204" pitchFamily="34" charset="0"/>
+              <a:buChar char="•"/>
+            </a:pPr>
+            <a:r>
+              <a:rPr lang="en-US" sz="1400" dirty="0">
+                <a:solidFill>
+                  <a:schemeClr val="bg1"/>
+                </a:solidFill>
+              </a:rPr>
+              <a:t>Action</a:t>
+            </a:r>
+          </a:p>
+          <a:p>
+            <a:pPr marL="1028700" lvl="1" eaLnBrk="1" hangingPunct="1">
+              <a:buFont typeface="Arial" panose="020B0604020202020204" pitchFamily="34" charset="0"/>
+              <a:buChar char="•"/>
+            </a:pPr>
+            <a:r>
+              <a:rPr lang="en-US" sz="1400" dirty="0">
+                <a:solidFill>
+                  <a:schemeClr val="bg1"/>
+                </a:solidFill>
+              </a:rPr>
+              <a:t>Action&lt;T&gt;</a:t>
+            </a:r>
+          </a:p>
+          <a:p>
+            <a:pPr marL="1028700" lvl="1" eaLnBrk="1" hangingPunct="1">
+              <a:buFont typeface="Arial" panose="020B0604020202020204" pitchFamily="34" charset="0"/>
+              <a:buChar char="•"/>
+            </a:pPr>
+            <a:r>
+              <a:rPr lang="en-US" sz="1400" dirty="0">
+                <a:solidFill>
+                  <a:schemeClr val="bg1"/>
+                </a:solidFill>
+              </a:rPr>
+              <a:t>Action&lt;T1, T2&gt;</a:t>
+            </a:r>
+          </a:p>
+          <a:p>
+            <a:pPr marL="1028700" lvl="1" eaLnBrk="1" hangingPunct="1">
+              <a:buFont typeface="Arial" panose="020B0604020202020204" pitchFamily="34" charset="0"/>
+              <a:buChar char="•"/>
+            </a:pPr>
+            <a:r>
+              <a:rPr lang="en-US" sz="1400" dirty="0">
+                <a:solidFill>
+                  <a:schemeClr val="bg1"/>
+                </a:solidFill>
+              </a:rPr>
+              <a:t>Action&lt;T1, T2, T3&gt;</a:t>
+            </a:r>
+          </a:p>
+          <a:p>
+            <a:pPr marL="1028700" lvl="1" eaLnBrk="1" hangingPunct="1">
+              <a:buFont typeface="Arial" panose="020B0604020202020204" pitchFamily="34" charset="0"/>
+              <a:buChar char="•"/>
+            </a:pPr>
+            <a:r>
+              <a:rPr lang="en-US" sz="1400" dirty="0">
+                <a:solidFill>
+                  <a:schemeClr val="bg1"/>
+                </a:solidFill>
+              </a:rPr>
+              <a:t>…</a:t>
+            </a:r>
+          </a:p>
+          <a:p>
+            <a:pPr marL="1028700" lvl="1" eaLnBrk="1" hangingPunct="1">
+              <a:buFont typeface="Arial" panose="020B0604020202020204" pitchFamily="34" charset="0"/>
+              <a:buChar char="•"/>
+            </a:pPr>
+            <a:r>
+              <a:rPr lang="en-US" sz="1400" dirty="0">
+                <a:solidFill>
+                  <a:schemeClr val="bg1"/>
+                </a:solidFill>
+              </a:rPr>
+              <a:t>Action&lt;T1, T2, T3, T4, T5, T6, T7, T8, T9, T10, T11, T12, T13, T14, T15, T16&gt;</a:t>
+            </a:r>
+          </a:p>
+          <a:p>
+            <a:pPr marL="285750" indent="-285750" eaLnBrk="1" hangingPunct="1">
+              <a:buFont typeface="Arial" panose="020B0604020202020204" pitchFamily="34" charset="0"/>
+              <a:buChar char="•"/>
+            </a:pPr>
+            <a:r>
+              <a:rPr lang="ru-RU" sz="1400" dirty="0">
+                <a:solidFill>
+                  <a:schemeClr val="bg1"/>
+                </a:solidFill>
+              </a:rPr>
+              <a:t>Делегаты </a:t>
+            </a:r>
+            <a:r>
+              <a:rPr lang="en-US" sz="1400" dirty="0" err="1">
+                <a:solidFill>
+                  <a:schemeClr val="bg1"/>
+                </a:solidFill>
+              </a:rPr>
+              <a:t>System.Func</a:t>
+            </a:r>
+            <a:r>
+              <a:rPr lang="en-US" sz="1400" dirty="0">
+                <a:solidFill>
+                  <a:schemeClr val="bg1"/>
+                </a:solidFill>
+              </a:rPr>
+              <a:t> </a:t>
+            </a:r>
+            <a:r>
+              <a:rPr lang="ru-RU" sz="1400" dirty="0">
+                <a:solidFill>
+                  <a:schemeClr val="bg1"/>
+                </a:solidFill>
+              </a:rPr>
+              <a:t>описывают функцию с возвращаемым значением с количеством аргументов от 0 до 16.</a:t>
+            </a:r>
+            <a:endParaRPr lang="en-US" sz="1400" dirty="0">
+              <a:solidFill>
+                <a:schemeClr val="bg1"/>
+              </a:solidFill>
+            </a:endParaRPr>
+          </a:p>
+          <a:p>
+            <a:pPr marL="1028700" lvl="1" eaLnBrk="1" hangingPunct="1">
+              <a:buFont typeface="Arial" panose="020B0604020202020204" pitchFamily="34" charset="0"/>
+              <a:buChar char="•"/>
+            </a:pPr>
+            <a:r>
+              <a:rPr lang="en-US" sz="1400" dirty="0" err="1">
+                <a:solidFill>
+                  <a:schemeClr val="bg1"/>
+                </a:solidFill>
+              </a:rPr>
+              <a:t>Func</a:t>
+            </a:r>
+            <a:r>
+              <a:rPr lang="en-US" sz="1400" dirty="0">
+                <a:solidFill>
+                  <a:schemeClr val="bg1"/>
+                </a:solidFill>
+              </a:rPr>
+              <a:t>&lt;</a:t>
+            </a:r>
+            <a:r>
+              <a:rPr lang="en-US" sz="1400" dirty="0" err="1">
+                <a:solidFill>
+                  <a:schemeClr val="bg1"/>
+                </a:solidFill>
+              </a:rPr>
+              <a:t>TResult</a:t>
+            </a:r>
+            <a:r>
+              <a:rPr lang="en-US" sz="1400" dirty="0">
+                <a:solidFill>
+                  <a:schemeClr val="bg1"/>
+                </a:solidFill>
+              </a:rPr>
+              <a:t>&gt;</a:t>
+            </a:r>
+          </a:p>
+          <a:p>
+            <a:pPr marL="1028700" lvl="1" eaLnBrk="1" hangingPunct="1">
+              <a:buFont typeface="Arial" panose="020B0604020202020204" pitchFamily="34" charset="0"/>
+              <a:buChar char="•"/>
+            </a:pPr>
+            <a:r>
+              <a:rPr lang="en-US" sz="1400" dirty="0" err="1">
+                <a:solidFill>
+                  <a:schemeClr val="bg1"/>
+                </a:solidFill>
+              </a:rPr>
+              <a:t>Func</a:t>
+            </a:r>
+            <a:r>
+              <a:rPr lang="en-US" sz="1400" dirty="0">
+                <a:solidFill>
+                  <a:schemeClr val="bg1"/>
+                </a:solidFill>
+              </a:rPr>
+              <a:t>&lt;T, </a:t>
+            </a:r>
+            <a:r>
+              <a:rPr lang="en-US" sz="1400" dirty="0" err="1">
+                <a:solidFill>
+                  <a:schemeClr val="bg1"/>
+                </a:solidFill>
+              </a:rPr>
+              <a:t>TResult</a:t>
+            </a:r>
+            <a:r>
+              <a:rPr lang="en-US" sz="1400" dirty="0">
+                <a:solidFill>
+                  <a:schemeClr val="bg1"/>
+                </a:solidFill>
+              </a:rPr>
+              <a:t>&gt;</a:t>
+            </a:r>
+          </a:p>
+          <a:p>
+            <a:pPr marL="1028700" lvl="1" eaLnBrk="1" hangingPunct="1">
+              <a:buFont typeface="Arial" panose="020B0604020202020204" pitchFamily="34" charset="0"/>
+              <a:buChar char="•"/>
+            </a:pPr>
+            <a:r>
+              <a:rPr lang="en-US" sz="1400" dirty="0" err="1">
+                <a:solidFill>
+                  <a:schemeClr val="bg1"/>
+                </a:solidFill>
+              </a:rPr>
+              <a:t>Func</a:t>
+            </a:r>
+            <a:r>
+              <a:rPr lang="en-US" sz="1400" dirty="0">
+                <a:solidFill>
+                  <a:schemeClr val="bg1"/>
+                </a:solidFill>
+              </a:rPr>
+              <a:t>&lt;T1, T2, </a:t>
+            </a:r>
+            <a:r>
+              <a:rPr lang="en-US" sz="1400" dirty="0" err="1">
+                <a:solidFill>
+                  <a:schemeClr val="bg1"/>
+                </a:solidFill>
+              </a:rPr>
+              <a:t>TResult</a:t>
+            </a:r>
+            <a:r>
+              <a:rPr lang="en-US" sz="1400" dirty="0">
+                <a:solidFill>
+                  <a:schemeClr val="bg1"/>
+                </a:solidFill>
+              </a:rPr>
+              <a:t>&gt;</a:t>
+            </a:r>
+          </a:p>
+          <a:p>
+            <a:pPr marL="1028700" lvl="1" eaLnBrk="1" hangingPunct="1">
+              <a:buFont typeface="Arial" panose="020B0604020202020204" pitchFamily="34" charset="0"/>
+              <a:buChar char="•"/>
+            </a:pPr>
+            <a:r>
+              <a:rPr lang="en-US" sz="1400" dirty="0" err="1">
+                <a:solidFill>
+                  <a:schemeClr val="bg1"/>
+                </a:solidFill>
+              </a:rPr>
+              <a:t>Func</a:t>
+            </a:r>
+            <a:r>
+              <a:rPr lang="en-US" sz="1400" dirty="0">
+                <a:solidFill>
+                  <a:schemeClr val="bg1"/>
+                </a:solidFill>
+              </a:rPr>
+              <a:t>&lt;T1, T2, T3, </a:t>
+            </a:r>
+            <a:r>
+              <a:rPr lang="en-US" sz="1400" dirty="0" err="1">
+                <a:solidFill>
+                  <a:schemeClr val="bg1"/>
+                </a:solidFill>
+              </a:rPr>
+              <a:t>TResult</a:t>
+            </a:r>
+            <a:r>
+              <a:rPr lang="en-US" sz="1400" dirty="0">
+                <a:solidFill>
+                  <a:schemeClr val="bg1"/>
+                </a:solidFill>
+              </a:rPr>
+              <a:t>&gt;</a:t>
+            </a:r>
+          </a:p>
+          <a:p>
+            <a:pPr marL="1028700" lvl="1" eaLnBrk="1" hangingPunct="1">
+              <a:buFont typeface="Arial" panose="020B0604020202020204" pitchFamily="34" charset="0"/>
+              <a:buChar char="•"/>
+            </a:pPr>
+            <a:r>
+              <a:rPr lang="en-US" sz="1400" dirty="0">
+                <a:solidFill>
+                  <a:schemeClr val="bg1"/>
+                </a:solidFill>
+              </a:rPr>
+              <a:t>…</a:t>
+            </a:r>
+          </a:p>
+          <a:p>
+            <a:pPr marL="1028700" lvl="1" eaLnBrk="1" hangingPunct="1">
+              <a:buFont typeface="Arial" panose="020B0604020202020204" pitchFamily="34" charset="0"/>
+              <a:buChar char="•"/>
+            </a:pPr>
+            <a:r>
+              <a:rPr lang="en-US" sz="1400" dirty="0" err="1">
+                <a:solidFill>
+                  <a:schemeClr val="bg1"/>
+                </a:solidFill>
+              </a:rPr>
+              <a:t>Func</a:t>
+            </a:r>
+            <a:r>
+              <a:rPr lang="en-US" sz="1400" dirty="0">
+                <a:solidFill>
+                  <a:schemeClr val="bg1"/>
+                </a:solidFill>
+              </a:rPr>
+              <a:t>&lt;T1, T2, T3, T4, T5, T6, T7, T8, T9, T10, T11, T12, T13, T14, T15, T16, </a:t>
+            </a:r>
+            <a:r>
+              <a:rPr lang="en-US" sz="1400" dirty="0" err="1">
+                <a:solidFill>
+                  <a:schemeClr val="bg1"/>
+                </a:solidFill>
+              </a:rPr>
+              <a:t>TResult</a:t>
+            </a:r>
+            <a:r>
+              <a:rPr lang="en-US" sz="1400" dirty="0">
+                <a:solidFill>
+                  <a:schemeClr val="bg1"/>
+                </a:solidFill>
+              </a:rPr>
+              <a:t>&gt;</a:t>
+            </a:r>
+          </a:p>
+          <a:p>
+            <a:pPr marL="285750" eaLnBrk="1" hangingPunct="1"/>
+            <a:endParaRPr lang="en-US" sz="1400" dirty="0">
+              <a:solidFill>
+                <a:schemeClr val="bg1"/>
+              </a:solidFill>
+            </a:endParaRPr>
+          </a:p>
+          <a:p>
+            <a:pPr eaLnBrk="1" hangingPunct="1"/>
+            <a:r>
+              <a:rPr lang="ru-RU" sz="1400" dirty="0">
+                <a:solidFill>
+                  <a:schemeClr val="bg1"/>
+                </a:solidFill>
+              </a:rPr>
+              <a:t>Где </a:t>
+            </a:r>
+            <a:r>
+              <a:rPr lang="en-US" sz="1400" dirty="0">
+                <a:solidFill>
+                  <a:schemeClr val="bg1"/>
+                </a:solidFill>
+              </a:rPr>
+              <a:t>T1, T2, ,,, T16 </a:t>
+            </a:r>
+            <a:r>
+              <a:rPr lang="ru-RU" sz="1400" dirty="0">
+                <a:solidFill>
+                  <a:schemeClr val="bg1"/>
+                </a:solidFill>
+              </a:rPr>
+              <a:t>– тип аргумента, </a:t>
+            </a:r>
+            <a:r>
+              <a:rPr lang="en-US" sz="1400" dirty="0" err="1">
+                <a:solidFill>
+                  <a:schemeClr val="bg1"/>
+                </a:solidFill>
+              </a:rPr>
+              <a:t>TResult</a:t>
+            </a:r>
+            <a:r>
+              <a:rPr lang="en-US" sz="1400" dirty="0">
+                <a:solidFill>
+                  <a:schemeClr val="bg1"/>
+                </a:solidFill>
+              </a:rPr>
+              <a:t> </a:t>
+            </a:r>
+            <a:r>
+              <a:rPr lang="ru-RU" sz="1400" dirty="0">
+                <a:solidFill>
+                  <a:schemeClr val="bg1"/>
+                </a:solidFill>
+              </a:rPr>
+              <a:t>тип возвращаемого значения.</a:t>
+            </a:r>
+          </a:p>
+        </p:txBody>
+      </p:sp>
+    </p:spTree>
+    <p:extLst>
+      <p:ext uri="{BB962C8B-B14F-4D97-AF65-F5344CB8AC3E}">
+        <p14:creationId xmlns:p14="http://schemas.microsoft.com/office/powerpoint/2010/main" val="1894118169"/>
+      </p:ext>
+    </p:extLst>
+  </p:cSld>
+  <p:clrMapOvr>
+    <a:masterClrMapping/>
+  </p:clrMapOvr>
+</p:sld>
+</file>
+
+<file path=ppt/slides/slide14.xml><?xml version="1.0" encoding="utf-8"?>
+<p:sld xmlns:a="http://schemas.openxmlformats.org/drawingml/2006/main" xmlns:r="http://schemas.openxmlformats.org/officeDocument/2006/relationships" xmlns:p="http://schemas.openxmlformats.org/presentationml/2006/main">
+  <p:cSld>
+    <p:bg>
+      <p:bgPr>
+        <a:blipFill dpi="0" rotWithShape="1">
+          <a:blip r:embed="rId2">
+            <a:lum/>
+          </a:blip>
+          <a:srcRect/>
+          <a:stretch>
+            <a:fillRect/>
+          </a:stretch>
+        </a:blipFill>
+        <a:effectLst/>
+      </p:bgPr>
+    </p:bg>
+    <p:spTree>
+      <p:nvGrpSpPr>
+        <p:cNvPr id="1" name=""/>
+        <p:cNvGrpSpPr/>
+        <p:nvPr/>
+      </p:nvGrpSpPr>
+      <p:grpSpPr>
+        <a:xfrm>
+          <a:off x="0" y="0"/>
+          <a:ext cx="0" cy="0"/>
+          <a:chOff x="0" y="0"/>
+          <a:chExt cx="0" cy="0"/>
+        </a:xfrm>
+      </p:grpSpPr>
+      <p:sp>
+        <p:nvSpPr>
+          <p:cNvPr id="12290" name="Прямоугольник 2"/>
+          <p:cNvSpPr>
+            <a:spLocks noChangeArrowheads="1"/>
+          </p:cNvSpPr>
+          <p:nvPr/>
+        </p:nvSpPr>
+        <p:spPr bwMode="auto">
+          <a:xfrm>
+            <a:off x="228600" y="0"/>
+            <a:ext cx="8686800" cy="830997"/>
+          </a:xfrm>
+          <a:prstGeom prst="rect">
+            <a:avLst/>
+          </a:prstGeom>
+          <a:noFill/>
+          <a:ln>
+            <a:noFill/>
+          </a:ln>
+          <a:extLst>
+            <a:ext uri="{909E8E84-426E-40DD-AFC4-6F175D3DCCD1}">
+              <a14:hiddenFill xmlns:a14="http://schemas.microsoft.com/office/drawing/2010/main">
+                <a:solidFill>
+                  <a:srgbClr val="FFFFFF"/>
+                </a:solidFill>
+              </a14:hiddenFill>
+            </a:ext>
+            <a:ext uri="{91240B29-F687-4F45-9708-019B960494DF}">
+              <a14:hiddenLine xmlns:a14="http://schemas.microsoft.com/office/drawing/2010/main" w="9525">
+                <a:solidFill>
+                  <a:srgbClr val="000000"/>
+                </a:solidFill>
+                <a:miter lim="800000"/>
+                <a:headEnd/>
+                <a:tailEnd/>
+              </a14:hiddenLine>
+            </a:ext>
+          </a:extLst>
+        </p:spPr>
+        <p:txBody>
+          <a:bodyPr wrap="square">
+            <a:spAutoFit/>
+          </a:bodyPr>
+          <a:lstStyle/>
+          <a:p>
+            <a:pPr algn="ctr"/>
+            <a:r>
+              <a:rPr lang="ru-RU" sz="2400" b="1" dirty="0"/>
+              <a:t>Делегаты </a:t>
+            </a:r>
+            <a:r>
+              <a:rPr lang="en-US" sz="2400" b="1" dirty="0" err="1"/>
+              <a:t>System.EventHandler</a:t>
+            </a:r>
+            <a:r>
+              <a:rPr lang="en-US" sz="2400" b="1" dirty="0"/>
+              <a:t> </a:t>
+            </a:r>
+            <a:r>
+              <a:rPr lang="ru-RU" sz="2400" b="1" dirty="0"/>
+              <a:t>и </a:t>
+            </a:r>
+            <a:r>
+              <a:rPr lang="en-US" sz="2400" b="1" dirty="0" err="1"/>
+              <a:t>System.EventHandler</a:t>
+            </a:r>
+            <a:r>
+              <a:rPr lang="en-US" sz="2400" b="1" dirty="0"/>
+              <a:t>&lt;</a:t>
+            </a:r>
+            <a:r>
+              <a:rPr lang="en-US" sz="2400" b="1" dirty="0" err="1"/>
+              <a:t>TEventArgs</a:t>
+            </a:r>
+            <a:r>
+              <a:rPr lang="en-US" sz="2400" b="1" dirty="0"/>
+              <a:t>&gt;</a:t>
+            </a:r>
+            <a:endParaRPr lang="ru-RU" sz="2400" b="1" dirty="0"/>
+          </a:p>
+        </p:txBody>
+      </p:sp>
+      <p:sp>
+        <p:nvSpPr>
+          <p:cNvPr id="12291" name="TextBox 6"/>
+          <p:cNvSpPr txBox="1">
+            <a:spLocks noChangeArrowheads="1"/>
+          </p:cNvSpPr>
+          <p:nvPr/>
+        </p:nvSpPr>
+        <p:spPr bwMode="auto">
+          <a:xfrm>
+            <a:off x="152400" y="1002828"/>
+            <a:ext cx="8839200" cy="1138238"/>
+          </a:xfrm>
+          <a:prstGeom prst="rect">
+            <a:avLst/>
+          </a:prstGeom>
+          <a:noFill/>
+          <a:ln>
+            <a:noFill/>
+          </a:ln>
+          <a:extLst>
+            <a:ext uri="{909E8E84-426E-40DD-AFC4-6F175D3DCCD1}">
+              <a14:hiddenFill xmlns:a14="http://schemas.microsoft.com/office/drawing/2010/main">
+                <a:solidFill>
+                  <a:srgbClr val="FFFFFF"/>
+                </a:solidFill>
+              </a14:hiddenFill>
+            </a:ext>
+            <a:ext uri="{91240B29-F687-4F45-9708-019B960494DF}">
+              <a14:hiddenLine xmlns:a14="http://schemas.microsoft.com/office/drawing/2010/main" w="9525">
+                <a:solidFill>
+                  <a:srgbClr val="000000"/>
+                </a:solidFill>
+                <a:miter lim="800000"/>
+                <a:headEnd/>
+                <a:tailEnd/>
+              </a14:hiddenLine>
+            </a:ext>
+          </a:extLst>
+        </p:spPr>
+        <p:txBody>
+          <a:bodyPr>
+            <a:spAutoFit/>
+          </a:bodyPr>
+          <a:lstStyle>
+            <a:lvl1pPr defTabSz="358775" eaLnBrk="0" hangingPunct="0">
+              <a:defRPr>
+                <a:solidFill>
+                  <a:schemeClr val="tx1"/>
+                </a:solidFill>
+                <a:latin typeface="Arial" charset="0"/>
+              </a:defRPr>
+            </a:lvl1pPr>
+            <a:lvl2pPr marL="742950" indent="-285750" defTabSz="358775" eaLnBrk="0" hangingPunct="0">
+              <a:defRPr>
+                <a:solidFill>
+                  <a:schemeClr val="tx1"/>
+                </a:solidFill>
+                <a:latin typeface="Arial" charset="0"/>
+              </a:defRPr>
+            </a:lvl2pPr>
+            <a:lvl3pPr marL="1143000" indent="-228600" defTabSz="358775" eaLnBrk="0" hangingPunct="0">
+              <a:defRPr>
+                <a:solidFill>
+                  <a:schemeClr val="tx1"/>
+                </a:solidFill>
+                <a:latin typeface="Arial" charset="0"/>
+              </a:defRPr>
+            </a:lvl3pPr>
+            <a:lvl4pPr marL="1600200" indent="-228600" defTabSz="358775" eaLnBrk="0" hangingPunct="0">
+              <a:defRPr>
+                <a:solidFill>
+                  <a:schemeClr val="tx1"/>
+                </a:solidFill>
+                <a:latin typeface="Arial" charset="0"/>
+              </a:defRPr>
+            </a:lvl4pPr>
+            <a:lvl5pPr marL="2057400" indent="-228600" defTabSz="358775" eaLnBrk="0" hangingPunct="0">
+              <a:defRPr>
+                <a:solidFill>
+                  <a:schemeClr val="tx1"/>
+                </a:solidFill>
+                <a:latin typeface="Arial" charset="0"/>
+              </a:defRPr>
+            </a:lvl5pPr>
+            <a:lvl6pPr marL="2514600" indent="-228600" defTabSz="358775" eaLnBrk="0" fontAlgn="base" hangingPunct="0">
+              <a:spcBef>
+                <a:spcPct val="0"/>
+              </a:spcBef>
+              <a:spcAft>
+                <a:spcPct val="0"/>
+              </a:spcAft>
+              <a:defRPr>
+                <a:solidFill>
+                  <a:schemeClr val="tx1"/>
+                </a:solidFill>
+                <a:latin typeface="Arial" charset="0"/>
+              </a:defRPr>
+            </a:lvl6pPr>
+            <a:lvl7pPr marL="2971800" indent="-228600" defTabSz="358775" eaLnBrk="0" fontAlgn="base" hangingPunct="0">
+              <a:spcBef>
+                <a:spcPct val="0"/>
+              </a:spcBef>
+              <a:spcAft>
+                <a:spcPct val="0"/>
+              </a:spcAft>
+              <a:defRPr>
+                <a:solidFill>
+                  <a:schemeClr val="tx1"/>
+                </a:solidFill>
+                <a:latin typeface="Arial" charset="0"/>
+              </a:defRPr>
+            </a:lvl7pPr>
+            <a:lvl8pPr marL="3429000" indent="-228600" defTabSz="358775" eaLnBrk="0" fontAlgn="base" hangingPunct="0">
+              <a:spcBef>
+                <a:spcPct val="0"/>
+              </a:spcBef>
+              <a:spcAft>
+                <a:spcPct val="0"/>
+              </a:spcAft>
+              <a:defRPr>
+                <a:solidFill>
+                  <a:schemeClr val="tx1"/>
+                </a:solidFill>
+                <a:latin typeface="Arial" charset="0"/>
+              </a:defRPr>
+            </a:lvl8pPr>
+            <a:lvl9pPr marL="3886200" indent="-228600" defTabSz="358775" eaLnBrk="0" fontAlgn="base" hangingPunct="0">
+              <a:spcBef>
+                <a:spcPct val="0"/>
+              </a:spcBef>
+              <a:spcAft>
+                <a:spcPct val="0"/>
+              </a:spcAft>
+              <a:defRPr>
+                <a:solidFill>
+                  <a:schemeClr val="tx1"/>
+                </a:solidFill>
+                <a:latin typeface="Arial" charset="0"/>
+              </a:defRPr>
+            </a:lvl9pPr>
+          </a:lstStyle>
+          <a:p>
+            <a:pPr eaLnBrk="1" hangingPunct="1"/>
+            <a:r>
+              <a:rPr lang="ru-RU" sz="1600" dirty="0">
+                <a:solidFill>
+                  <a:schemeClr val="bg1"/>
+                </a:solidFill>
+              </a:rPr>
+              <a:t>Для обработки событий в приложениях </a:t>
+            </a:r>
+            <a:r>
+              <a:rPr lang="en-US" sz="1600" dirty="0">
+                <a:solidFill>
+                  <a:schemeClr val="bg1"/>
+                </a:solidFill>
+              </a:rPr>
+              <a:t>Windows Forms</a:t>
+            </a:r>
+            <a:r>
+              <a:rPr lang="ru-RU" sz="1600" dirty="0">
+                <a:solidFill>
+                  <a:schemeClr val="bg1"/>
+                </a:solidFill>
+              </a:rPr>
+              <a:t> применяются готовые делегаты</a:t>
+            </a:r>
+            <a:r>
+              <a:rPr lang="en-US" sz="1600" dirty="0">
+                <a:solidFill>
+                  <a:schemeClr val="bg1"/>
+                </a:solidFill>
+              </a:rPr>
+              <a:t>:</a:t>
+            </a:r>
+          </a:p>
+          <a:p>
+            <a:pPr eaLnBrk="1" hangingPunct="1"/>
+            <a:endParaRPr lang="en-US" sz="1600" dirty="0">
+              <a:solidFill>
+                <a:schemeClr val="bg1"/>
+              </a:solidFill>
+            </a:endParaRPr>
+          </a:p>
+          <a:p>
+            <a:r>
+              <a:rPr lang="en-US" sz="1200" dirty="0">
+                <a:solidFill>
+                  <a:schemeClr val="bg1"/>
+                </a:solidFill>
+                <a:latin typeface="Courier New" pitchFamily="49" charset="0"/>
+                <a:ea typeface="Times New Roman" pitchFamily="18" charset="0"/>
+                <a:cs typeface="Courier New" pitchFamily="49" charset="0"/>
+              </a:rPr>
+              <a:t>public delegate void </a:t>
+            </a:r>
+            <a:r>
+              <a:rPr lang="en-US" sz="1200" dirty="0" err="1">
+                <a:solidFill>
+                  <a:schemeClr val="bg1"/>
+                </a:solidFill>
+                <a:latin typeface="Courier New" pitchFamily="49" charset="0"/>
+                <a:ea typeface="Times New Roman" pitchFamily="18" charset="0"/>
+                <a:cs typeface="Courier New" pitchFamily="49" charset="0"/>
+              </a:rPr>
+              <a:t>EventHandler</a:t>
+            </a:r>
+            <a:r>
+              <a:rPr lang="en-US" sz="1200" dirty="0">
+                <a:solidFill>
+                  <a:schemeClr val="bg1"/>
+                </a:solidFill>
+                <a:latin typeface="Courier New" pitchFamily="49" charset="0"/>
+                <a:ea typeface="Times New Roman" pitchFamily="18" charset="0"/>
+                <a:cs typeface="Courier New" pitchFamily="49" charset="0"/>
+              </a:rPr>
+              <a:t>(object sender, </a:t>
+            </a:r>
+            <a:r>
+              <a:rPr lang="en-US" sz="1200" dirty="0" err="1">
+                <a:solidFill>
+                  <a:schemeClr val="bg1"/>
+                </a:solidFill>
+                <a:latin typeface="Courier New" pitchFamily="49" charset="0"/>
+                <a:ea typeface="Times New Roman" pitchFamily="18" charset="0"/>
+                <a:cs typeface="Courier New" pitchFamily="49" charset="0"/>
+              </a:rPr>
+              <a:t>EventArgs</a:t>
+            </a:r>
+            <a:r>
+              <a:rPr lang="en-US" sz="1200" dirty="0">
+                <a:solidFill>
+                  <a:schemeClr val="bg1"/>
+                </a:solidFill>
+                <a:latin typeface="Courier New" pitchFamily="49" charset="0"/>
+                <a:ea typeface="Times New Roman" pitchFamily="18" charset="0"/>
+                <a:cs typeface="Courier New" pitchFamily="49" charset="0"/>
+              </a:rPr>
+              <a:t> e);</a:t>
+            </a:r>
+            <a:endParaRPr lang="be-BY" sz="1200" dirty="0">
+              <a:solidFill>
+                <a:schemeClr val="bg1"/>
+              </a:solidFill>
+              <a:latin typeface="Courier New" pitchFamily="49" charset="0"/>
+              <a:cs typeface="Courier New" pitchFamily="49" charset="0"/>
+            </a:endParaRPr>
+          </a:p>
+          <a:p>
+            <a:r>
+              <a:rPr lang="en-US" sz="1200" dirty="0">
+                <a:solidFill>
+                  <a:schemeClr val="bg1"/>
+                </a:solidFill>
+                <a:latin typeface="Courier New" pitchFamily="49" charset="0"/>
+                <a:cs typeface="Times New Roman" pitchFamily="18" charset="0"/>
+              </a:rPr>
+              <a:t>public delegate void </a:t>
+            </a:r>
+            <a:r>
+              <a:rPr lang="en-US" sz="1200" dirty="0" err="1">
+                <a:solidFill>
+                  <a:schemeClr val="bg1"/>
+                </a:solidFill>
+                <a:latin typeface="Courier New" pitchFamily="49" charset="0"/>
+                <a:cs typeface="Times New Roman" pitchFamily="18" charset="0"/>
+              </a:rPr>
+              <a:t>EventHandler</a:t>
+            </a:r>
+            <a:r>
+              <a:rPr lang="en-US" sz="1200" dirty="0">
+                <a:solidFill>
+                  <a:schemeClr val="bg1"/>
+                </a:solidFill>
+                <a:latin typeface="Courier New" pitchFamily="49" charset="0"/>
+                <a:cs typeface="Times New Roman" pitchFamily="18" charset="0"/>
+              </a:rPr>
+              <a:t>&lt;</a:t>
+            </a:r>
+            <a:r>
+              <a:rPr lang="en-US" sz="1200" dirty="0" err="1">
+                <a:solidFill>
+                  <a:schemeClr val="bg1"/>
+                </a:solidFill>
+                <a:latin typeface="Courier New" pitchFamily="49" charset="0"/>
+                <a:cs typeface="Times New Roman" pitchFamily="18" charset="0"/>
+              </a:rPr>
+              <a:t>TEventArgs</a:t>
+            </a:r>
+            <a:r>
+              <a:rPr lang="en-US" sz="1200" dirty="0">
+                <a:solidFill>
+                  <a:schemeClr val="bg1"/>
+                </a:solidFill>
+                <a:latin typeface="Courier New" pitchFamily="49" charset="0"/>
+                <a:cs typeface="Times New Roman" pitchFamily="18" charset="0"/>
+              </a:rPr>
+              <a:t>&gt;(object sender, </a:t>
+            </a:r>
+            <a:r>
+              <a:rPr lang="en-US" sz="1200" dirty="0" err="1">
+                <a:solidFill>
+                  <a:schemeClr val="bg1"/>
+                </a:solidFill>
+                <a:latin typeface="Courier New" pitchFamily="49" charset="0"/>
+                <a:cs typeface="Times New Roman" pitchFamily="18" charset="0"/>
+              </a:rPr>
+              <a:t>TEventArgs</a:t>
+            </a:r>
+            <a:r>
+              <a:rPr lang="en-US" sz="1200" dirty="0">
+                <a:solidFill>
+                  <a:schemeClr val="bg1"/>
+                </a:solidFill>
+                <a:latin typeface="Courier New" pitchFamily="49" charset="0"/>
+                <a:cs typeface="Times New Roman" pitchFamily="18" charset="0"/>
+              </a:rPr>
+              <a:t> e)</a:t>
+            </a:r>
+            <a:endParaRPr lang="be-BY" sz="1200" dirty="0">
+              <a:solidFill>
+                <a:schemeClr val="bg1"/>
+              </a:solidFill>
+              <a:latin typeface="Courier New" pitchFamily="49" charset="0"/>
+              <a:cs typeface="Courier New" pitchFamily="49" charset="0"/>
+            </a:endParaRPr>
+          </a:p>
+          <a:p>
+            <a:r>
+              <a:rPr lang="en-US" sz="1200" dirty="0">
+                <a:solidFill>
+                  <a:schemeClr val="bg1"/>
+                </a:solidFill>
+                <a:latin typeface="Courier New" pitchFamily="49" charset="0"/>
+                <a:cs typeface="Times New Roman" pitchFamily="18" charset="0"/>
+              </a:rPr>
+              <a:t>                                                       where </a:t>
+            </a:r>
+            <a:r>
+              <a:rPr lang="en-US" sz="1200" dirty="0" err="1">
+                <a:solidFill>
+                  <a:schemeClr val="bg1"/>
+                </a:solidFill>
+                <a:latin typeface="Courier New" pitchFamily="49" charset="0"/>
+                <a:cs typeface="Times New Roman" pitchFamily="18" charset="0"/>
+              </a:rPr>
+              <a:t>TEventArgs</a:t>
+            </a:r>
+            <a:r>
+              <a:rPr lang="en-US" sz="1200" dirty="0">
+                <a:solidFill>
+                  <a:schemeClr val="bg1"/>
+                </a:solidFill>
+                <a:latin typeface="Courier New" pitchFamily="49" charset="0"/>
+                <a:cs typeface="Times New Roman" pitchFamily="18" charset="0"/>
+              </a:rPr>
+              <a:t> : </a:t>
+            </a:r>
+            <a:r>
+              <a:rPr lang="en-US" sz="1200" dirty="0" err="1">
+                <a:solidFill>
+                  <a:schemeClr val="bg1"/>
+                </a:solidFill>
+                <a:latin typeface="Courier New" pitchFamily="49" charset="0"/>
+                <a:cs typeface="Times New Roman" pitchFamily="18" charset="0"/>
+              </a:rPr>
+              <a:t>EventArgs</a:t>
+            </a:r>
+            <a:r>
+              <a:rPr lang="en-US" sz="1200" dirty="0">
+                <a:solidFill>
+                  <a:schemeClr val="bg1"/>
+                </a:solidFill>
+                <a:latin typeface="Courier New" pitchFamily="49" charset="0"/>
+                <a:cs typeface="Times New Roman" pitchFamily="18" charset="0"/>
+              </a:rPr>
+              <a:t>;</a:t>
+            </a:r>
+            <a:endParaRPr lang="ru-RU" sz="1600" dirty="0">
+              <a:solidFill>
+                <a:schemeClr val="bg1"/>
+              </a:solidFill>
+            </a:endParaRPr>
+          </a:p>
+        </p:txBody>
+      </p:sp>
+      <p:sp>
+        <p:nvSpPr>
+          <p:cNvPr id="12292" name="TextBox 6"/>
+          <p:cNvSpPr txBox="1">
+            <a:spLocks noChangeArrowheads="1"/>
+          </p:cNvSpPr>
+          <p:nvPr/>
+        </p:nvSpPr>
+        <p:spPr bwMode="auto">
+          <a:xfrm>
+            <a:off x="152400" y="2222028"/>
+            <a:ext cx="8839200" cy="584200"/>
+          </a:xfrm>
+          <a:prstGeom prst="rect">
+            <a:avLst/>
+          </a:prstGeom>
+          <a:noFill/>
+          <a:ln>
+            <a:noFill/>
+          </a:ln>
+          <a:extLst>
+            <a:ext uri="{909E8E84-426E-40DD-AFC4-6F175D3DCCD1}">
+              <a14:hiddenFill xmlns:a14="http://schemas.microsoft.com/office/drawing/2010/main">
+                <a:solidFill>
+                  <a:srgbClr val="FFFFFF"/>
+                </a:solidFill>
+              </a14:hiddenFill>
+            </a:ext>
+            <a:ext uri="{91240B29-F687-4F45-9708-019B960494DF}">
+              <a14:hiddenLine xmlns:a14="http://schemas.microsoft.com/office/drawing/2010/main" w="9525">
+                <a:solidFill>
+                  <a:srgbClr val="000000"/>
+                </a:solidFill>
+                <a:miter lim="800000"/>
+                <a:headEnd/>
+                <a:tailEnd/>
+              </a14:hiddenLine>
+            </a:ext>
+          </a:extLst>
+        </p:spPr>
+        <p:txBody>
+          <a:bodyPr>
+            <a:spAutoFit/>
+          </a:bodyPr>
+          <a:lstStyle>
+            <a:lvl1pPr defTabSz="358775" eaLnBrk="0" hangingPunct="0">
+              <a:defRPr>
+                <a:solidFill>
+                  <a:schemeClr val="tx1"/>
+                </a:solidFill>
+                <a:latin typeface="Arial" charset="0"/>
+              </a:defRPr>
+            </a:lvl1pPr>
+            <a:lvl2pPr marL="742950" indent="-285750" defTabSz="358775" eaLnBrk="0" hangingPunct="0">
+              <a:defRPr>
+                <a:solidFill>
+                  <a:schemeClr val="tx1"/>
+                </a:solidFill>
+                <a:latin typeface="Arial" charset="0"/>
+              </a:defRPr>
+            </a:lvl2pPr>
+            <a:lvl3pPr marL="1143000" indent="-228600" defTabSz="358775" eaLnBrk="0" hangingPunct="0">
+              <a:defRPr>
+                <a:solidFill>
+                  <a:schemeClr val="tx1"/>
+                </a:solidFill>
+                <a:latin typeface="Arial" charset="0"/>
+              </a:defRPr>
+            </a:lvl3pPr>
+            <a:lvl4pPr marL="1600200" indent="-228600" defTabSz="358775" eaLnBrk="0" hangingPunct="0">
+              <a:defRPr>
+                <a:solidFill>
+                  <a:schemeClr val="tx1"/>
+                </a:solidFill>
+                <a:latin typeface="Arial" charset="0"/>
+              </a:defRPr>
+            </a:lvl4pPr>
+            <a:lvl5pPr marL="2057400" indent="-228600" defTabSz="358775" eaLnBrk="0" hangingPunct="0">
+              <a:defRPr>
+                <a:solidFill>
+                  <a:schemeClr val="tx1"/>
+                </a:solidFill>
+                <a:latin typeface="Arial" charset="0"/>
+              </a:defRPr>
+            </a:lvl5pPr>
+            <a:lvl6pPr marL="2514600" indent="-228600" defTabSz="358775" eaLnBrk="0" fontAlgn="base" hangingPunct="0">
+              <a:spcBef>
+                <a:spcPct val="0"/>
+              </a:spcBef>
+              <a:spcAft>
+                <a:spcPct val="0"/>
+              </a:spcAft>
+              <a:defRPr>
+                <a:solidFill>
+                  <a:schemeClr val="tx1"/>
+                </a:solidFill>
+                <a:latin typeface="Arial" charset="0"/>
+              </a:defRPr>
+            </a:lvl6pPr>
+            <a:lvl7pPr marL="2971800" indent="-228600" defTabSz="358775" eaLnBrk="0" fontAlgn="base" hangingPunct="0">
+              <a:spcBef>
+                <a:spcPct val="0"/>
+              </a:spcBef>
+              <a:spcAft>
+                <a:spcPct val="0"/>
+              </a:spcAft>
+              <a:defRPr>
+                <a:solidFill>
+                  <a:schemeClr val="tx1"/>
+                </a:solidFill>
+                <a:latin typeface="Arial" charset="0"/>
+              </a:defRPr>
+            </a:lvl7pPr>
+            <a:lvl8pPr marL="3429000" indent="-228600" defTabSz="358775" eaLnBrk="0" fontAlgn="base" hangingPunct="0">
+              <a:spcBef>
+                <a:spcPct val="0"/>
+              </a:spcBef>
+              <a:spcAft>
+                <a:spcPct val="0"/>
+              </a:spcAft>
+              <a:defRPr>
+                <a:solidFill>
+                  <a:schemeClr val="tx1"/>
+                </a:solidFill>
+                <a:latin typeface="Arial" charset="0"/>
+              </a:defRPr>
+            </a:lvl8pPr>
+            <a:lvl9pPr marL="3886200" indent="-228600" defTabSz="358775" eaLnBrk="0" fontAlgn="base" hangingPunct="0">
+              <a:spcBef>
+                <a:spcPct val="0"/>
+              </a:spcBef>
+              <a:spcAft>
+                <a:spcPct val="0"/>
+              </a:spcAft>
+              <a:defRPr>
+                <a:solidFill>
+                  <a:schemeClr val="tx1"/>
+                </a:solidFill>
+                <a:latin typeface="Arial" charset="0"/>
+              </a:defRPr>
+            </a:lvl9pPr>
+          </a:lstStyle>
+          <a:p>
+            <a:pPr eaLnBrk="1" hangingPunct="1"/>
+            <a:r>
+              <a:rPr lang="ru-RU" sz="1600" dirty="0">
+                <a:solidFill>
+                  <a:schemeClr val="bg1"/>
+                </a:solidFill>
+                <a:latin typeface="Courier New" pitchFamily="49" charset="0"/>
+                <a:ea typeface="Times New Roman" pitchFamily="18" charset="0"/>
+                <a:cs typeface="Courier New" pitchFamily="49" charset="0"/>
+              </a:rPr>
+              <a:t>   </a:t>
+            </a:r>
+            <a:r>
+              <a:rPr lang="en-US" sz="1600" dirty="0">
+                <a:solidFill>
+                  <a:schemeClr val="bg1"/>
+                </a:solidFill>
+                <a:latin typeface="Courier New" pitchFamily="49" charset="0"/>
+                <a:ea typeface="Times New Roman" pitchFamily="18" charset="0"/>
+                <a:cs typeface="Courier New" pitchFamily="49" charset="0"/>
+              </a:rPr>
+              <a:t>object sender</a:t>
+            </a:r>
+            <a:r>
+              <a:rPr lang="ru-RU" sz="1600" dirty="0">
+                <a:solidFill>
+                  <a:schemeClr val="bg1"/>
+                </a:solidFill>
+                <a:latin typeface="Courier New" pitchFamily="49" charset="0"/>
+                <a:ea typeface="Times New Roman" pitchFamily="18" charset="0"/>
+                <a:cs typeface="Courier New" pitchFamily="49" charset="0"/>
+              </a:rPr>
+              <a:t> </a:t>
+            </a:r>
+            <a:r>
+              <a:rPr lang="en-US" sz="1600" dirty="0">
+                <a:solidFill>
+                  <a:schemeClr val="bg1"/>
+                </a:solidFill>
+                <a:ea typeface="Times New Roman" pitchFamily="18" charset="0"/>
+                <a:cs typeface="Arial" charset="0"/>
+              </a:rPr>
+              <a:t>– </a:t>
+            </a:r>
+            <a:r>
+              <a:rPr lang="ru-RU" sz="1600" dirty="0">
+                <a:solidFill>
+                  <a:schemeClr val="bg1"/>
+                </a:solidFill>
+                <a:ea typeface="Times New Roman" pitchFamily="18" charset="0"/>
+                <a:cs typeface="Arial" charset="0"/>
+              </a:rPr>
+              <a:t>объект, который генерирует событие.</a:t>
+            </a:r>
+          </a:p>
+          <a:p>
+            <a:pPr eaLnBrk="1" hangingPunct="1"/>
+            <a:r>
+              <a:rPr lang="ru-RU" sz="1600" dirty="0">
+                <a:solidFill>
+                  <a:schemeClr val="bg1"/>
+                </a:solidFill>
+                <a:latin typeface="Courier New" pitchFamily="49" charset="0"/>
+                <a:ea typeface="Times New Roman" pitchFamily="18" charset="0"/>
+                <a:cs typeface="Courier New" pitchFamily="49" charset="0"/>
+              </a:rPr>
+              <a:t>   </a:t>
+            </a:r>
+            <a:r>
+              <a:rPr lang="en-US" sz="1600" dirty="0" err="1">
+                <a:solidFill>
+                  <a:schemeClr val="bg1"/>
+                </a:solidFill>
+                <a:latin typeface="Courier New" pitchFamily="49" charset="0"/>
+                <a:ea typeface="Times New Roman" pitchFamily="18" charset="0"/>
+                <a:cs typeface="Courier New" pitchFamily="49" charset="0"/>
+              </a:rPr>
+              <a:t>EventArgs</a:t>
+            </a:r>
+            <a:r>
+              <a:rPr lang="en-US" sz="1600" dirty="0">
+                <a:solidFill>
+                  <a:schemeClr val="bg1"/>
+                </a:solidFill>
+                <a:latin typeface="Courier New" pitchFamily="49" charset="0"/>
+                <a:ea typeface="Times New Roman" pitchFamily="18" charset="0"/>
+                <a:cs typeface="Courier New" pitchFamily="49" charset="0"/>
+              </a:rPr>
+              <a:t> e</a:t>
+            </a:r>
+            <a:r>
+              <a:rPr lang="ru-RU" sz="1600" dirty="0">
+                <a:solidFill>
+                  <a:schemeClr val="bg1"/>
+                </a:solidFill>
+                <a:latin typeface="Courier New" pitchFamily="49" charset="0"/>
+                <a:ea typeface="Times New Roman" pitchFamily="18" charset="0"/>
+                <a:cs typeface="Courier New" pitchFamily="49" charset="0"/>
+              </a:rPr>
+              <a:t> </a:t>
+            </a:r>
+            <a:r>
+              <a:rPr lang="en-US" sz="1600" dirty="0">
+                <a:solidFill>
+                  <a:schemeClr val="bg1"/>
+                </a:solidFill>
+                <a:latin typeface="Courier New" pitchFamily="49" charset="0"/>
+                <a:ea typeface="Times New Roman" pitchFamily="18" charset="0"/>
+                <a:cs typeface="Courier New" pitchFamily="49" charset="0"/>
+              </a:rPr>
+              <a:t>  </a:t>
+            </a:r>
+            <a:r>
+              <a:rPr lang="en-US" sz="1600" dirty="0">
+                <a:solidFill>
+                  <a:schemeClr val="bg1"/>
+                </a:solidFill>
+                <a:ea typeface="Times New Roman" pitchFamily="18" charset="0"/>
+                <a:cs typeface="Arial" charset="0"/>
+              </a:rPr>
+              <a:t>–</a:t>
+            </a:r>
+            <a:r>
+              <a:rPr lang="ru-RU" sz="1600" dirty="0">
+                <a:solidFill>
+                  <a:schemeClr val="bg1"/>
+                </a:solidFill>
+                <a:ea typeface="Times New Roman" pitchFamily="18" charset="0"/>
+                <a:cs typeface="Arial" charset="0"/>
+              </a:rPr>
+              <a:t> объект, содержащий аргументы( параметры ) события.</a:t>
+            </a:r>
+            <a:endParaRPr lang="ru-RU" sz="1600" dirty="0">
+              <a:solidFill>
+                <a:schemeClr val="bg1"/>
+              </a:solidFill>
+              <a:cs typeface="Arial" charset="0"/>
+            </a:endParaRPr>
+          </a:p>
+        </p:txBody>
+      </p:sp>
+    </p:spTree>
+    <p:extLst>
+      <p:ext uri="{BB962C8B-B14F-4D97-AF65-F5344CB8AC3E}">
+        <p14:creationId xmlns:p14="http://schemas.microsoft.com/office/powerpoint/2010/main" val="3940884637"/>
+      </p:ext>
+    </p:extLst>
+  </p:cSld>
+  <p:clrMapOvr>
+    <a:masterClrMapping/>
+  </p:clrMapOvr>
+</p:sld>
+</file>
+
+<file path=ppt/slides/slide15.xml><?xml version="1.0" encoding="utf-8"?>
+<p:sld xmlns:a="http://schemas.openxmlformats.org/drawingml/2006/main" xmlns:r="http://schemas.openxmlformats.org/officeDocument/2006/relationships" xmlns:p="http://schemas.openxmlformats.org/presentationml/2006/main">
+  <p:cSld>
+    <p:bg>
+      <p:bgPr>
+        <a:blipFill dpi="0" rotWithShape="1">
+          <a:blip r:embed="rId2">
+            <a:lum/>
+          </a:blip>
+          <a:srcRect/>
+          <a:stretch>
+            <a:fillRect/>
+          </a:stretch>
+        </a:blipFill>
+        <a:effectLst/>
+      </p:bgPr>
+    </p:bg>
+    <p:spTree>
+      <p:nvGrpSpPr>
+        <p:cNvPr id="1" name=""/>
+        <p:cNvGrpSpPr/>
+        <p:nvPr/>
+      </p:nvGrpSpPr>
+      <p:grpSpPr>
+        <a:xfrm>
+          <a:off x="0" y="0"/>
+          <a:ext cx="0" cy="0"/>
+          <a:chOff x="0" y="0"/>
+          <a:chExt cx="0" cy="0"/>
+        </a:xfrm>
+      </p:grpSpPr>
+      <p:sp>
+        <p:nvSpPr>
           <p:cNvPr id="9218" name="Прямоугольник 2"/>
           <p:cNvSpPr>
             <a:spLocks noChangeArrowheads="1"/>
@@ -6428,7 +7916,7 @@
 </p:sld>
 </file>
 
-<file path=ppt/slides/slide14.xml><?xml version="1.0" encoding="utf-8"?>
+<file path=ppt/slides/slide16.xml><?xml version="1.0" encoding="utf-8"?>
 <p:sld xmlns:a="http://schemas.openxmlformats.org/drawingml/2006/main" xmlns:r="http://schemas.openxmlformats.org/officeDocument/2006/relationships" xmlns:p="http://schemas.openxmlformats.org/presentationml/2006/main">
   <p:cSld>
     <p:bg>
@@ -7686,7 +9174,7 @@
 </p:sld>
 </file>
 
-<file path=ppt/slides/slide15.xml><?xml version="1.0" encoding="utf-8"?>
+<file path=ppt/slides/slide17.xml><?xml version="1.0" encoding="utf-8"?>
 <p:sld xmlns:a="http://schemas.openxmlformats.org/drawingml/2006/main" xmlns:r="http://schemas.openxmlformats.org/officeDocument/2006/relationships" xmlns:p="http://schemas.openxmlformats.org/presentationml/2006/main">
   <p:cSld>
     <p:bg>
@@ -8501,272 +9989,7 @@
 </p:sld>
 </file>
 
-<file path=ppt/slides/slide16.xml><?xml version="1.0" encoding="utf-8"?>
-<p:sld xmlns:a="http://schemas.openxmlformats.org/drawingml/2006/main" xmlns:r="http://schemas.openxmlformats.org/officeDocument/2006/relationships" xmlns:p="http://schemas.openxmlformats.org/presentationml/2006/main" show="0">
-  <p:cSld>
-    <p:bg>
-      <p:bgPr>
-        <a:solidFill>
-          <a:srgbClr val="C00000"/>
-        </a:solidFill>
-        <a:effectLst/>
-      </p:bgPr>
-    </p:bg>
-    <p:spTree>
-      <p:nvGrpSpPr>
-        <p:cNvPr id="1" name=""/>
-        <p:cNvGrpSpPr/>
-        <p:nvPr/>
-      </p:nvGrpSpPr>
-      <p:grpSpPr>
-        <a:xfrm>
-          <a:off x="0" y="0"/>
-          <a:ext cx="0" cy="0"/>
-          <a:chOff x="0" y="0"/>
-          <a:chExt cx="0" cy="0"/>
-        </a:xfrm>
-      </p:grpSpPr>
-      <p:sp>
-        <p:nvSpPr>
-          <p:cNvPr id="9218" name="Прямоугольник 2"/>
-          <p:cNvSpPr>
-            <a:spLocks noChangeArrowheads="1"/>
-          </p:cNvSpPr>
-          <p:nvPr/>
-        </p:nvSpPr>
-        <p:spPr bwMode="auto">
-          <a:xfrm>
-            <a:off x="2133600" y="0"/>
-            <a:ext cx="5105400" cy="461963"/>
-          </a:xfrm>
-          <a:prstGeom prst="rect">
-            <a:avLst/>
-          </a:prstGeom>
-          <a:noFill/>
-          <a:ln>
-            <a:noFill/>
-          </a:ln>
-          <a:extLst>
-            <a:ext uri="{909E8E84-426E-40DD-AFC4-6F175D3DCCD1}">
-              <a14:hiddenFill xmlns:a14="http://schemas.microsoft.com/office/drawing/2010/main">
-                <a:solidFill>
-                  <a:srgbClr val="FFFFFF"/>
-                </a:solidFill>
-              </a14:hiddenFill>
-            </a:ext>
-            <a:ext uri="{91240B29-F687-4F45-9708-019B960494DF}">
-              <a14:hiddenLine xmlns:a14="http://schemas.microsoft.com/office/drawing/2010/main" w="9525">
-                <a:solidFill>
-                  <a:srgbClr val="000000"/>
-                </a:solidFill>
-                <a:miter lim="800000"/>
-                <a:headEnd/>
-                <a:tailEnd/>
-              </a14:hiddenLine>
-            </a:ext>
-          </a:extLst>
-        </p:spPr>
-        <p:txBody>
-          <a:bodyPr>
-            <a:spAutoFit/>
-          </a:bodyPr>
-          <a:lstStyle/>
-          <a:p>
-            <a:pPr algn="ctr"/>
-            <a:r>
-              <a:rPr lang="en-US" sz="2400" b="1" dirty="0"/>
-              <a:t>C# 6. Null-Conditional Operator</a:t>
-            </a:r>
-            <a:endParaRPr lang="ru-RU" sz="2400" b="1" dirty="0"/>
-          </a:p>
-        </p:txBody>
-      </p:sp>
-      <p:sp>
-        <p:nvSpPr>
-          <p:cNvPr id="9219" name="TextBox 6"/>
-          <p:cNvSpPr txBox="1">
-            <a:spLocks noChangeArrowheads="1"/>
-          </p:cNvSpPr>
-          <p:nvPr/>
-        </p:nvSpPr>
-        <p:spPr bwMode="auto">
-          <a:xfrm>
-            <a:off x="152400" y="457200"/>
-            <a:ext cx="8839200" cy="830997"/>
-          </a:xfrm>
-          <a:prstGeom prst="rect">
-            <a:avLst/>
-          </a:prstGeom>
-          <a:noFill/>
-          <a:ln>
-            <a:noFill/>
-          </a:ln>
-          <a:extLst>
-            <a:ext uri="{909E8E84-426E-40DD-AFC4-6F175D3DCCD1}">
-              <a14:hiddenFill xmlns:a14="http://schemas.microsoft.com/office/drawing/2010/main">
-                <a:solidFill>
-                  <a:srgbClr val="FFFFFF"/>
-                </a:solidFill>
-              </a14:hiddenFill>
-            </a:ext>
-            <a:ext uri="{91240B29-F687-4F45-9708-019B960494DF}">
-              <a14:hiddenLine xmlns:a14="http://schemas.microsoft.com/office/drawing/2010/main" w="9525">
-                <a:solidFill>
-                  <a:srgbClr val="000000"/>
-                </a:solidFill>
-                <a:miter lim="800000"/>
-                <a:headEnd/>
-                <a:tailEnd/>
-              </a14:hiddenLine>
-            </a:ext>
-          </a:extLst>
-        </p:spPr>
-        <p:txBody>
-          <a:bodyPr>
-            <a:spAutoFit/>
-          </a:bodyPr>
-          <a:lstStyle>
-            <a:lvl1pPr defTabSz="358775" eaLnBrk="0" hangingPunct="0">
-              <a:defRPr>
-                <a:solidFill>
-                  <a:schemeClr val="tx1"/>
-                </a:solidFill>
-                <a:latin typeface="Arial" charset="0"/>
-              </a:defRPr>
-            </a:lvl1pPr>
-            <a:lvl2pPr marL="742950" indent="-285750" defTabSz="358775" eaLnBrk="0" hangingPunct="0">
-              <a:defRPr>
-                <a:solidFill>
-                  <a:schemeClr val="tx1"/>
-                </a:solidFill>
-                <a:latin typeface="Arial" charset="0"/>
-              </a:defRPr>
-            </a:lvl2pPr>
-            <a:lvl3pPr marL="1143000" indent="-228600" defTabSz="358775" eaLnBrk="0" hangingPunct="0">
-              <a:defRPr>
-                <a:solidFill>
-                  <a:schemeClr val="tx1"/>
-                </a:solidFill>
-                <a:latin typeface="Arial" charset="0"/>
-              </a:defRPr>
-            </a:lvl3pPr>
-            <a:lvl4pPr marL="1600200" indent="-228600" defTabSz="358775" eaLnBrk="0" hangingPunct="0">
-              <a:defRPr>
-                <a:solidFill>
-                  <a:schemeClr val="tx1"/>
-                </a:solidFill>
-                <a:latin typeface="Arial" charset="0"/>
-              </a:defRPr>
-            </a:lvl4pPr>
-            <a:lvl5pPr marL="2057400" indent="-228600" defTabSz="358775" eaLnBrk="0" hangingPunct="0">
-              <a:defRPr>
-                <a:solidFill>
-                  <a:schemeClr val="tx1"/>
-                </a:solidFill>
-                <a:latin typeface="Arial" charset="0"/>
-              </a:defRPr>
-            </a:lvl5pPr>
-            <a:lvl6pPr marL="2514600" indent="-228600" defTabSz="358775" eaLnBrk="0" fontAlgn="base" hangingPunct="0">
-              <a:spcBef>
-                <a:spcPct val="0"/>
-              </a:spcBef>
-              <a:spcAft>
-                <a:spcPct val="0"/>
-              </a:spcAft>
-              <a:defRPr>
-                <a:solidFill>
-                  <a:schemeClr val="tx1"/>
-                </a:solidFill>
-                <a:latin typeface="Arial" charset="0"/>
-              </a:defRPr>
-            </a:lvl6pPr>
-            <a:lvl7pPr marL="2971800" indent="-228600" defTabSz="358775" eaLnBrk="0" fontAlgn="base" hangingPunct="0">
-              <a:spcBef>
-                <a:spcPct val="0"/>
-              </a:spcBef>
-              <a:spcAft>
-                <a:spcPct val="0"/>
-              </a:spcAft>
-              <a:defRPr>
-                <a:solidFill>
-                  <a:schemeClr val="tx1"/>
-                </a:solidFill>
-                <a:latin typeface="Arial" charset="0"/>
-              </a:defRPr>
-            </a:lvl7pPr>
-            <a:lvl8pPr marL="3429000" indent="-228600" defTabSz="358775" eaLnBrk="0" fontAlgn="base" hangingPunct="0">
-              <a:spcBef>
-                <a:spcPct val="0"/>
-              </a:spcBef>
-              <a:spcAft>
-                <a:spcPct val="0"/>
-              </a:spcAft>
-              <a:defRPr>
-                <a:solidFill>
-                  <a:schemeClr val="tx1"/>
-                </a:solidFill>
-                <a:latin typeface="Arial" charset="0"/>
-              </a:defRPr>
-            </a:lvl8pPr>
-            <a:lvl9pPr marL="3886200" indent="-228600" defTabSz="358775" eaLnBrk="0" fontAlgn="base" hangingPunct="0">
-              <a:spcBef>
-                <a:spcPct val="0"/>
-              </a:spcBef>
-              <a:spcAft>
-                <a:spcPct val="0"/>
-              </a:spcAft>
-              <a:defRPr>
-                <a:solidFill>
-                  <a:schemeClr val="tx1"/>
-                </a:solidFill>
-                <a:latin typeface="Arial" charset="0"/>
-              </a:defRPr>
-            </a:lvl9pPr>
-          </a:lstStyle>
-          <a:p>
-            <a:pPr eaLnBrk="1" hangingPunct="1"/>
-            <a:r>
-              <a:rPr lang="en-US" sz="1600" dirty="0" err="1"/>
-              <a:t>eventName</a:t>
-            </a:r>
-            <a:r>
-              <a:rPr lang="en-US" sz="1600" dirty="0"/>
-              <a:t>?.Invoke()</a:t>
-            </a:r>
-            <a:endParaRPr lang="ru-RU" sz="1600" dirty="0"/>
-          </a:p>
-          <a:p>
-            <a:pPr eaLnBrk="1" hangingPunct="1"/>
-            <a:endParaRPr lang="en-US" sz="1600" dirty="0">
-              <a:hlinkClick r:id="rId2"/>
-            </a:endParaRPr>
-          </a:p>
-          <a:p>
-            <a:pPr eaLnBrk="1" hangingPunct="1"/>
-            <a:r>
-              <a:rPr lang="en-US" sz="1600" dirty="0">
-                <a:hlinkClick r:id="rId2"/>
-              </a:rPr>
-              <a:t>http://msdn.microsoft.com/en-us/magazine/dn802602.aspx</a:t>
-            </a:r>
-            <a:endParaRPr lang="ru-RU" sz="1600" dirty="0"/>
-          </a:p>
-        </p:txBody>
-      </p:sp>
-    </p:spTree>
-    <p:extLst>
-      <p:ext uri="{BB962C8B-B14F-4D97-AF65-F5344CB8AC3E}">
-        <p14:creationId xmlns:p14="http://schemas.microsoft.com/office/powerpoint/2010/main" val="1203268294"/>
-      </p:ext>
-    </p:extLst>
-  </p:cSld>
-  <p:clrMapOvr>
-    <a:masterClrMapping/>
-  </p:clrMapOvr>
-</p:sld>
-</file>
-
-<file path=ppt/slides/slide17.xml><?xml version="1.0" encoding="utf-8"?>
+<file path=ppt/slides/slide18.xml><?xml version="1.0" encoding="utf-8"?>
 <p:sld xmlns:a="http://schemas.openxmlformats.org/drawingml/2006/main" xmlns:r="http://schemas.openxmlformats.org/officeDocument/2006/relationships" xmlns:p="http://schemas.openxmlformats.org/presentationml/2006/main">
   <p:cSld>
     <p:bg>
@@ -8809,7 +10032,9 @@
         </p:nvSpPr>
         <p:spPr/>
         <p:txBody>
-          <a:bodyPr/>
+          <a:bodyPr>
+            <a:normAutofit fontScale="90000"/>
+          </a:bodyPr>
           <a:lstStyle/>
           <a:p>
             <a:r>
@@ -8818,7 +10043,38 @@
                   <a:schemeClr val="bg1"/>
                 </a:solidFill>
               </a:rPr>
-              <a:t>Упрощенная генерация событий</a:t>
+              <a:t>Упрощенная генерация </a:t>
+            </a:r>
+            <a:r>
+              <a:rPr lang="ru-RU" dirty="0" smtClean="0">
+                <a:solidFill>
+                  <a:schemeClr val="bg1"/>
+                </a:solidFill>
+              </a:rPr>
+              <a:t>событий</a:t>
+            </a:r>
+            <a:r>
+              <a:rPr lang="en-US" dirty="0">
+                <a:solidFill>
+                  <a:schemeClr val="bg1"/>
+                </a:solidFill>
+              </a:rPr>
+              <a:t/>
+            </a:r>
+            <a:br>
+              <a:rPr lang="en-US" dirty="0">
+                <a:solidFill>
+                  <a:schemeClr val="bg1"/>
+                </a:solidFill>
+              </a:rPr>
+            </a:br>
+            <a:r>
+              <a:rPr lang="en-US" dirty="0" smtClean="0">
+                <a:solidFill>
+                  <a:schemeClr val="bg1"/>
+                </a:solidFill>
+              </a:rPr>
+              <a:t>(C# 6)</a:t>
             </a:r>
             <a:endParaRPr lang="en-US" dirty="0">
               <a:solidFill>
@@ -8838,25 +10094,720 @@
             <p:ph idx="1"/>
           </p:nvPr>
         </p:nvSpPr>
-        <p:spPr/>
+        <p:spPr>
+          <a:xfrm>
+            <a:off x="457200" y="1600201"/>
+            <a:ext cx="8229600" cy="1396752"/>
+          </a:xfrm>
+        </p:spPr>
         <p:txBody>
-          <a:bodyPr/>
+          <a:bodyPr>
+            <a:normAutofit/>
+          </a:bodyPr>
           <a:lstStyle/>
           <a:p>
             <a:pPr marL="0" indent="0">
               <a:buNone/>
             </a:pPr>
             <a:r>
-              <a:rPr lang="ru-RU" dirty="0">
+              <a:rPr lang="ru-RU" sz="2800" dirty="0" smtClean="0">
+                <a:solidFill>
+                  <a:schemeClr val="bg1"/>
+                </a:solidFill>
+              </a:rPr>
+              <a:t>Перед генерацией события необходима проверка на </a:t>
+            </a:r>
+            <a:r>
+              <a:rPr lang="en-US" sz="2800" dirty="0" smtClean="0">
+                <a:solidFill>
+                  <a:schemeClr val="bg1"/>
+                </a:solidFill>
+              </a:rPr>
+              <a:t>null </a:t>
+            </a:r>
+            <a:r>
+              <a:rPr lang="ru-RU" sz="2800" dirty="0" smtClean="0">
+                <a:solidFill>
+                  <a:schemeClr val="bg1"/>
+                </a:solidFill>
+              </a:rPr>
+              <a:t>чтобы избежать </a:t>
+            </a:r>
+            <a:r>
+              <a:rPr lang="en-US" sz="2800" dirty="0" err="1" smtClean="0">
+                <a:solidFill>
+                  <a:schemeClr val="bg1"/>
+                </a:solidFill>
+              </a:rPr>
+              <a:t>NullReferenceException</a:t>
+            </a:r>
+            <a:r>
+              <a:rPr lang="en-US" sz="2800" dirty="0" smtClean="0">
+                <a:solidFill>
+                  <a:schemeClr val="bg1"/>
+                </a:solidFill>
+              </a:rPr>
+              <a:t>.</a:t>
+            </a:r>
+            <a:r>
+              <a:rPr lang="ru-RU" sz="2800" dirty="0" smtClean="0">
+                <a:solidFill>
+                  <a:schemeClr val="bg1"/>
+                </a:solidFill>
+              </a:rPr>
+              <a:t> Классическая проверка выглядит так:</a:t>
+            </a:r>
+            <a:endParaRPr lang="en-US" sz="2800" dirty="0"/>
+          </a:p>
+        </p:txBody>
+      </p:sp>
+      <p:sp>
+        <p:nvSpPr>
+          <p:cNvPr id="4" name="Content Placeholder 2"/>
+          <p:cNvSpPr txBox="1">
+            <a:spLocks/>
+          </p:cNvSpPr>
+          <p:nvPr/>
+        </p:nvSpPr>
+        <p:spPr>
+          <a:xfrm>
+            <a:off x="467544" y="3140968"/>
+            <a:ext cx="8229600" cy="576064"/>
+          </a:xfrm>
+          <a:prstGeom prst="rect">
+            <a:avLst/>
+          </a:prstGeom>
+          <a:solidFill>
+            <a:schemeClr val="bg1"/>
+          </a:solidFill>
+        </p:spPr>
+        <p:txBody>
+          <a:bodyPr vert="horz" lIns="91440" tIns="45720" rIns="91440" bIns="45720" rtlCol="0">
+            <a:normAutofit/>
+          </a:bodyPr>
+          <a:lstStyle>
+            <a:lvl1pPr marL="342900" indent="-342900" algn="l" defTabSz="914400" rtl="0" eaLnBrk="1" latinLnBrk="0" hangingPunct="1">
+              <a:spcBef>
+                <a:spcPct val="20000"/>
+              </a:spcBef>
+              <a:buFont typeface="Arial" pitchFamily="34" charset="0"/>
+              <a:buChar char="•"/>
+              <a:defRPr sz="3200" kern="1200">
+                <a:solidFill>
+                  <a:schemeClr val="tx1"/>
+                </a:solidFill>
+                <a:latin typeface="+mn-lt"/>
+                <a:ea typeface="+mn-ea"/>
+                <a:cs typeface="+mn-cs"/>
+              </a:defRPr>
+            </a:lvl1pPr>
+            <a:lvl2pPr marL="742950" indent="-285750" algn="l" defTabSz="914400" rtl="0" eaLnBrk="1" latinLnBrk="0" hangingPunct="1">
+              <a:spcBef>
+                <a:spcPct val="20000"/>
+              </a:spcBef>
+              <a:buFont typeface="Arial" pitchFamily="34" charset="0"/>
+              <a:buChar char="–"/>
+              <a:defRPr sz="2800" kern="1200">
+                <a:solidFill>
+                  <a:schemeClr val="tx1"/>
+                </a:solidFill>
+                <a:latin typeface="+mn-lt"/>
+                <a:ea typeface="+mn-ea"/>
+                <a:cs typeface="+mn-cs"/>
+              </a:defRPr>
+            </a:lvl2pPr>
+            <a:lvl3pPr marL="1143000" indent="-228600" algn="l" defTabSz="914400" rtl="0" eaLnBrk="1" latinLnBrk="0" hangingPunct="1">
+              <a:spcBef>
+                <a:spcPct val="20000"/>
+              </a:spcBef>
+              <a:buFont typeface="Arial" pitchFamily="34" charset="0"/>
+              <a:buChar char="•"/>
+              <a:defRPr sz="2400" kern="1200">
+                <a:solidFill>
+                  <a:schemeClr val="tx1"/>
+                </a:solidFill>
+                <a:latin typeface="+mn-lt"/>
+                <a:ea typeface="+mn-ea"/>
+                <a:cs typeface="+mn-cs"/>
+              </a:defRPr>
+            </a:lvl3pPr>
+            <a:lvl4pPr marL="1600200" indent="-228600" algn="l" defTabSz="914400" rtl="0" eaLnBrk="1" latinLnBrk="0" hangingPunct="1">
+              <a:spcBef>
+                <a:spcPct val="20000"/>
+              </a:spcBef>
+              <a:buFont typeface="Arial" pitchFamily="34" charset="0"/>
+              <a:buChar char="–"/>
+              <a:defRPr sz="2000" kern="1200">
+                <a:solidFill>
+                  <a:schemeClr val="tx1"/>
+                </a:solidFill>
+                <a:latin typeface="+mn-lt"/>
+                <a:ea typeface="+mn-ea"/>
+                <a:cs typeface="+mn-cs"/>
+              </a:defRPr>
+            </a:lvl4pPr>
+            <a:lvl5pPr marL="2057400" indent="-228600" algn="l" defTabSz="914400" rtl="0" eaLnBrk="1" latinLnBrk="0" hangingPunct="1">
+              <a:spcBef>
+                <a:spcPct val="20000"/>
+              </a:spcBef>
+              <a:buFont typeface="Arial" pitchFamily="34" charset="0"/>
+              <a:buChar char="»"/>
+              <a:defRPr sz="2000" kern="1200">
+                <a:solidFill>
+                  <a:schemeClr val="tx1"/>
+                </a:solidFill>
+                <a:latin typeface="+mn-lt"/>
+                <a:ea typeface="+mn-ea"/>
+                <a:cs typeface="+mn-cs"/>
+              </a:defRPr>
+            </a:lvl5pPr>
+            <a:lvl6pPr marL="2514600" indent="-228600" algn="l" defTabSz="914400" rtl="0" eaLnBrk="1" latinLnBrk="0" hangingPunct="1">
+              <a:spcBef>
+                <a:spcPct val="20000"/>
+              </a:spcBef>
+              <a:buFont typeface="Arial" pitchFamily="34" charset="0"/>
+              <a:buChar char="•"/>
+              <a:defRPr sz="2000" kern="1200">
+                <a:solidFill>
+                  <a:schemeClr val="tx1"/>
+                </a:solidFill>
+                <a:latin typeface="+mn-lt"/>
+                <a:ea typeface="+mn-ea"/>
+                <a:cs typeface="+mn-cs"/>
+              </a:defRPr>
+            </a:lvl6pPr>
+            <a:lvl7pPr marL="2971800" indent="-228600" algn="l" defTabSz="914400" rtl="0" eaLnBrk="1" latinLnBrk="0" hangingPunct="1">
+              <a:spcBef>
+                <a:spcPct val="20000"/>
+              </a:spcBef>
+              <a:buFont typeface="Arial" pitchFamily="34" charset="0"/>
+              <a:buChar char="•"/>
+              <a:defRPr sz="2000" kern="1200">
+                <a:solidFill>
+                  <a:schemeClr val="tx1"/>
+                </a:solidFill>
+                <a:latin typeface="+mn-lt"/>
+                <a:ea typeface="+mn-ea"/>
+                <a:cs typeface="+mn-cs"/>
+              </a:defRPr>
+            </a:lvl7pPr>
+            <a:lvl8pPr marL="3429000" indent="-228600" algn="l" defTabSz="914400" rtl="0" eaLnBrk="1" latinLnBrk="0" hangingPunct="1">
+              <a:spcBef>
+                <a:spcPct val="20000"/>
+              </a:spcBef>
+              <a:buFont typeface="Arial" pitchFamily="34" charset="0"/>
+              <a:buChar char="•"/>
+              <a:defRPr sz="2000" kern="1200">
+                <a:solidFill>
+                  <a:schemeClr val="tx1"/>
+                </a:solidFill>
+                <a:latin typeface="+mn-lt"/>
+                <a:ea typeface="+mn-ea"/>
+                <a:cs typeface="+mn-cs"/>
+              </a:defRPr>
+            </a:lvl8pPr>
+            <a:lvl9pPr marL="3886200" indent="-228600" algn="l" defTabSz="914400" rtl="0" eaLnBrk="1" latinLnBrk="0" hangingPunct="1">
+              <a:spcBef>
+                <a:spcPct val="20000"/>
+              </a:spcBef>
+              <a:buFont typeface="Arial" pitchFamily="34" charset="0"/>
+              <a:buChar char="•"/>
+              <a:defRPr sz="2000" kern="1200">
+                <a:solidFill>
+                  <a:schemeClr val="tx1"/>
+                </a:solidFill>
+                <a:latin typeface="+mn-lt"/>
+                <a:ea typeface="+mn-ea"/>
+                <a:cs typeface="+mn-cs"/>
+              </a:defRPr>
+            </a:lvl9pPr>
+          </a:lstStyle>
+          <a:p>
+            <a:pPr marL="0" indent="0">
+              <a:buNone/>
+            </a:pPr>
+            <a:r>
+              <a:rPr lang="en-US" sz="2400" dirty="0">
+                <a:solidFill>
+                  <a:srgbClr val="0000FF"/>
+                </a:solidFill>
+                <a:latin typeface="Consolas" panose="020B0609020204030204" pitchFamily="49" charset="0"/>
+                <a:cs typeface="Consolas" panose="020B0609020204030204" pitchFamily="49" charset="0"/>
+              </a:rPr>
+              <a:t>if</a:t>
+            </a:r>
+            <a:r>
+              <a:rPr lang="en-US" sz="2400" dirty="0" smtClean="0">
+                <a:solidFill>
+                  <a:srgbClr val="000000"/>
+                </a:solidFill>
+                <a:latin typeface="Consolas" panose="020B0609020204030204" pitchFamily="49" charset="0"/>
+                <a:cs typeface="Consolas" panose="020B0609020204030204" pitchFamily="49" charset="0"/>
+              </a:rPr>
+              <a:t> (</a:t>
+            </a:r>
+            <a:r>
+              <a:rPr lang="en-US" sz="2400" dirty="0" err="1" smtClean="0">
+                <a:solidFill>
+                  <a:srgbClr val="000000"/>
+                </a:solidFill>
+                <a:latin typeface="Consolas" panose="020B0609020204030204" pitchFamily="49" charset="0"/>
+                <a:cs typeface="Consolas" panose="020B0609020204030204" pitchFamily="49" charset="0"/>
+              </a:rPr>
+              <a:t>someEvent</a:t>
+            </a:r>
+            <a:r>
+              <a:rPr lang="en-US" sz="2400" dirty="0" smtClean="0">
+                <a:solidFill>
+                  <a:srgbClr val="000000"/>
+                </a:solidFill>
+                <a:latin typeface="Consolas" panose="020B0609020204030204" pitchFamily="49" charset="0"/>
+                <a:cs typeface="Consolas" panose="020B0609020204030204" pitchFamily="49" charset="0"/>
+              </a:rPr>
+              <a:t> != </a:t>
+            </a:r>
+            <a:r>
+              <a:rPr lang="en-US" sz="2400" dirty="0">
+                <a:solidFill>
+                  <a:srgbClr val="0000FF"/>
+                </a:solidFill>
+                <a:latin typeface="Consolas" panose="020B0609020204030204" pitchFamily="49" charset="0"/>
+                <a:cs typeface="Consolas" panose="020B0609020204030204" pitchFamily="49" charset="0"/>
+              </a:rPr>
+              <a:t>null</a:t>
+            </a:r>
+            <a:r>
+              <a:rPr lang="en-US" sz="2400" dirty="0" smtClean="0">
+                <a:solidFill>
+                  <a:srgbClr val="000000"/>
+                </a:solidFill>
+                <a:latin typeface="Consolas" panose="020B0609020204030204" pitchFamily="49" charset="0"/>
+                <a:cs typeface="Consolas" panose="020B0609020204030204" pitchFamily="49" charset="0"/>
+              </a:rPr>
+              <a:t>) </a:t>
+            </a:r>
+            <a:r>
+              <a:rPr lang="en-US" sz="2400" dirty="0" err="1" smtClean="0">
+                <a:solidFill>
+                  <a:srgbClr val="000000"/>
+                </a:solidFill>
+                <a:latin typeface="Consolas" panose="020B0609020204030204" pitchFamily="49" charset="0"/>
+                <a:cs typeface="Consolas" panose="020B0609020204030204" pitchFamily="49" charset="0"/>
+              </a:rPr>
+              <a:t>someEvent</a:t>
+            </a:r>
+            <a:r>
+              <a:rPr lang="en-US" sz="2400" dirty="0" smtClean="0">
+                <a:solidFill>
+                  <a:srgbClr val="000000"/>
+                </a:solidFill>
+                <a:latin typeface="Consolas" panose="020B0609020204030204" pitchFamily="49" charset="0"/>
+                <a:cs typeface="Consolas" panose="020B0609020204030204" pitchFamily="49" charset="0"/>
+              </a:rPr>
+              <a:t>();</a:t>
+            </a:r>
+            <a:endParaRPr lang="en-US" sz="2400" dirty="0">
+              <a:solidFill>
+                <a:srgbClr val="000000"/>
+              </a:solidFill>
+              <a:latin typeface="Consolas" panose="020B0609020204030204" pitchFamily="49" charset="0"/>
+              <a:cs typeface="Consolas" panose="020B0609020204030204" pitchFamily="49" charset="0"/>
+            </a:endParaRPr>
+          </a:p>
+        </p:txBody>
+      </p:sp>
+      <p:sp>
+        <p:nvSpPr>
+          <p:cNvPr id="5" name="Content Placeholder 2"/>
+          <p:cNvSpPr txBox="1">
+            <a:spLocks/>
+          </p:cNvSpPr>
+          <p:nvPr/>
+        </p:nvSpPr>
+        <p:spPr>
+          <a:xfrm>
+            <a:off x="467544" y="4077072"/>
+            <a:ext cx="8229600" cy="698376"/>
+          </a:xfrm>
+          <a:prstGeom prst="rect">
+            <a:avLst/>
+          </a:prstGeom>
+        </p:spPr>
+        <p:txBody>
+          <a:bodyPr vert="horz" lIns="91440" tIns="45720" rIns="91440" bIns="45720" rtlCol="0">
+            <a:normAutofit/>
+          </a:bodyPr>
+          <a:lstStyle>
+            <a:lvl1pPr marL="342900" indent="-342900" algn="l" defTabSz="914400" rtl="0" eaLnBrk="1" latinLnBrk="0" hangingPunct="1">
+              <a:spcBef>
+                <a:spcPct val="20000"/>
+              </a:spcBef>
+              <a:buFont typeface="Arial" pitchFamily="34" charset="0"/>
+              <a:buChar char="•"/>
+              <a:defRPr sz="3200" kern="1200">
+                <a:solidFill>
+                  <a:schemeClr val="tx1"/>
+                </a:solidFill>
+                <a:latin typeface="+mn-lt"/>
+                <a:ea typeface="+mn-ea"/>
+                <a:cs typeface="+mn-cs"/>
+              </a:defRPr>
+            </a:lvl1pPr>
+            <a:lvl2pPr marL="742950" indent="-285750" algn="l" defTabSz="914400" rtl="0" eaLnBrk="1" latinLnBrk="0" hangingPunct="1">
+              <a:spcBef>
+                <a:spcPct val="20000"/>
+              </a:spcBef>
+              <a:buFont typeface="Arial" pitchFamily="34" charset="0"/>
+              <a:buChar char="–"/>
+              <a:defRPr sz="2800" kern="1200">
+                <a:solidFill>
+                  <a:schemeClr val="tx1"/>
+                </a:solidFill>
+                <a:latin typeface="+mn-lt"/>
+                <a:ea typeface="+mn-ea"/>
+                <a:cs typeface="+mn-cs"/>
+              </a:defRPr>
+            </a:lvl2pPr>
+            <a:lvl3pPr marL="1143000" indent="-228600" algn="l" defTabSz="914400" rtl="0" eaLnBrk="1" latinLnBrk="0" hangingPunct="1">
+              <a:spcBef>
+                <a:spcPct val="20000"/>
+              </a:spcBef>
+              <a:buFont typeface="Arial" pitchFamily="34" charset="0"/>
+              <a:buChar char="•"/>
+              <a:defRPr sz="2400" kern="1200">
+                <a:solidFill>
+                  <a:schemeClr val="tx1"/>
+                </a:solidFill>
+                <a:latin typeface="+mn-lt"/>
+                <a:ea typeface="+mn-ea"/>
+                <a:cs typeface="+mn-cs"/>
+              </a:defRPr>
+            </a:lvl3pPr>
+            <a:lvl4pPr marL="1600200" indent="-228600" algn="l" defTabSz="914400" rtl="0" eaLnBrk="1" latinLnBrk="0" hangingPunct="1">
+              <a:spcBef>
+                <a:spcPct val="20000"/>
+              </a:spcBef>
+              <a:buFont typeface="Arial" pitchFamily="34" charset="0"/>
+              <a:buChar char="–"/>
+              <a:defRPr sz="2000" kern="1200">
+                <a:solidFill>
+                  <a:schemeClr val="tx1"/>
+                </a:solidFill>
+                <a:latin typeface="+mn-lt"/>
+                <a:ea typeface="+mn-ea"/>
+                <a:cs typeface="+mn-cs"/>
+              </a:defRPr>
+            </a:lvl4pPr>
+            <a:lvl5pPr marL="2057400" indent="-228600" algn="l" defTabSz="914400" rtl="0" eaLnBrk="1" latinLnBrk="0" hangingPunct="1">
+              <a:spcBef>
+                <a:spcPct val="20000"/>
+              </a:spcBef>
+              <a:buFont typeface="Arial" pitchFamily="34" charset="0"/>
+              <a:buChar char="»"/>
+              <a:defRPr sz="2000" kern="1200">
+                <a:solidFill>
+                  <a:schemeClr val="tx1"/>
+                </a:solidFill>
+                <a:latin typeface="+mn-lt"/>
+                <a:ea typeface="+mn-ea"/>
+                <a:cs typeface="+mn-cs"/>
+              </a:defRPr>
+            </a:lvl5pPr>
+            <a:lvl6pPr marL="2514600" indent="-228600" algn="l" defTabSz="914400" rtl="0" eaLnBrk="1" latinLnBrk="0" hangingPunct="1">
+              <a:spcBef>
+                <a:spcPct val="20000"/>
+              </a:spcBef>
+              <a:buFont typeface="Arial" pitchFamily="34" charset="0"/>
+              <a:buChar char="•"/>
+              <a:defRPr sz="2000" kern="1200">
+                <a:solidFill>
+                  <a:schemeClr val="tx1"/>
+                </a:solidFill>
+                <a:latin typeface="+mn-lt"/>
+                <a:ea typeface="+mn-ea"/>
+                <a:cs typeface="+mn-cs"/>
+              </a:defRPr>
+            </a:lvl6pPr>
+            <a:lvl7pPr marL="2971800" indent="-228600" algn="l" defTabSz="914400" rtl="0" eaLnBrk="1" latinLnBrk="0" hangingPunct="1">
+              <a:spcBef>
+                <a:spcPct val="20000"/>
+              </a:spcBef>
+              <a:buFont typeface="Arial" pitchFamily="34" charset="0"/>
+              <a:buChar char="•"/>
+              <a:defRPr sz="2000" kern="1200">
+                <a:solidFill>
+                  <a:schemeClr val="tx1"/>
+                </a:solidFill>
+                <a:latin typeface="+mn-lt"/>
+                <a:ea typeface="+mn-ea"/>
+                <a:cs typeface="+mn-cs"/>
+              </a:defRPr>
+            </a:lvl7pPr>
+            <a:lvl8pPr marL="3429000" indent="-228600" algn="l" defTabSz="914400" rtl="0" eaLnBrk="1" latinLnBrk="0" hangingPunct="1">
+              <a:spcBef>
+                <a:spcPct val="20000"/>
+              </a:spcBef>
+              <a:buFont typeface="Arial" pitchFamily="34" charset="0"/>
+              <a:buChar char="•"/>
+              <a:defRPr sz="2000" kern="1200">
+                <a:solidFill>
+                  <a:schemeClr val="tx1"/>
+                </a:solidFill>
+                <a:latin typeface="+mn-lt"/>
+                <a:ea typeface="+mn-ea"/>
+                <a:cs typeface="+mn-cs"/>
+              </a:defRPr>
+            </a:lvl8pPr>
+            <a:lvl9pPr marL="3886200" indent="-228600" algn="l" defTabSz="914400" rtl="0" eaLnBrk="1" latinLnBrk="0" hangingPunct="1">
+              <a:spcBef>
+                <a:spcPct val="20000"/>
+              </a:spcBef>
+              <a:buFont typeface="Arial" pitchFamily="34" charset="0"/>
+              <a:buChar char="•"/>
+              <a:defRPr sz="2000" kern="1200">
+                <a:solidFill>
+                  <a:schemeClr val="tx1"/>
+                </a:solidFill>
+                <a:latin typeface="+mn-lt"/>
+                <a:ea typeface="+mn-ea"/>
+                <a:cs typeface="+mn-cs"/>
+              </a:defRPr>
+            </a:lvl9pPr>
+          </a:lstStyle>
+          <a:p>
+            <a:pPr marL="0" indent="0">
+              <a:buFont typeface="Arial" pitchFamily="34" charset="0"/>
+              <a:buNone/>
+            </a:pPr>
+            <a:r>
+              <a:rPr lang="ru-RU" sz="2800" dirty="0" smtClean="0">
+                <a:solidFill>
+                  <a:schemeClr val="bg1"/>
+                </a:solidFill>
+              </a:rPr>
+              <a:t>В </a:t>
+            </a:r>
+            <a:r>
+              <a:rPr lang="en-US" sz="2800" dirty="0" smtClean="0">
+                <a:solidFill>
+                  <a:schemeClr val="bg1"/>
+                </a:solidFill>
+              </a:rPr>
+              <a:t>C# 6 </a:t>
+            </a:r>
+            <a:r>
+              <a:rPr lang="ru-RU" sz="2800" dirty="0" smtClean="0">
+                <a:solidFill>
+                  <a:schemeClr val="bg1"/>
+                </a:solidFill>
+              </a:rPr>
+              <a:t>код можно упростить используя оператор </a:t>
+            </a:r>
+            <a:r>
+              <a:rPr lang="en-US" sz="2800" dirty="0" smtClean="0">
                 <a:solidFill>
                   <a:schemeClr val="bg1"/>
                 </a:solidFill>
               </a:rPr>
               <a:t>?.</a:t>
             </a:r>
-          </a:p>
-          <a:p>
-            <a:endParaRPr lang="en-US" dirty="0"/>
+            <a:endParaRPr lang="en-US" sz="2800" dirty="0"/>
+          </a:p>
+        </p:txBody>
+      </p:sp>
+      <p:sp>
+        <p:nvSpPr>
+          <p:cNvPr id="6" name="Content Placeholder 2"/>
+          <p:cNvSpPr txBox="1">
+            <a:spLocks/>
+          </p:cNvSpPr>
+          <p:nvPr/>
+        </p:nvSpPr>
+        <p:spPr>
+          <a:xfrm>
+            <a:off x="477888" y="4797152"/>
+            <a:ext cx="8229600" cy="576064"/>
+          </a:xfrm>
+          <a:prstGeom prst="rect">
+            <a:avLst/>
+          </a:prstGeom>
+          <a:solidFill>
+            <a:schemeClr val="bg1"/>
+          </a:solidFill>
+        </p:spPr>
+        <p:txBody>
+          <a:bodyPr vert="horz" lIns="91440" tIns="45720" rIns="91440" bIns="45720" rtlCol="0">
+            <a:normAutofit/>
+          </a:bodyPr>
+          <a:lstStyle>
+            <a:lvl1pPr marL="342900" indent="-342900" algn="l" defTabSz="914400" rtl="0" eaLnBrk="1" latinLnBrk="0" hangingPunct="1">
+              <a:spcBef>
+                <a:spcPct val="20000"/>
+              </a:spcBef>
+              <a:buFont typeface="Arial" pitchFamily="34" charset="0"/>
+              <a:buChar char="•"/>
+              <a:defRPr sz="3200" kern="1200">
+                <a:solidFill>
+                  <a:schemeClr val="tx1"/>
+                </a:solidFill>
+                <a:latin typeface="+mn-lt"/>
+                <a:ea typeface="+mn-ea"/>
+                <a:cs typeface="+mn-cs"/>
+              </a:defRPr>
+            </a:lvl1pPr>
+            <a:lvl2pPr marL="742950" indent="-285750" algn="l" defTabSz="914400" rtl="0" eaLnBrk="1" latinLnBrk="0" hangingPunct="1">
+              <a:spcBef>
+                <a:spcPct val="20000"/>
+              </a:spcBef>
+              <a:buFont typeface="Arial" pitchFamily="34" charset="0"/>
+              <a:buChar char="–"/>
+              <a:defRPr sz="2800" kern="1200">
+                <a:solidFill>
+                  <a:schemeClr val="tx1"/>
+                </a:solidFill>
+                <a:latin typeface="+mn-lt"/>
+                <a:ea typeface="+mn-ea"/>
+                <a:cs typeface="+mn-cs"/>
+              </a:defRPr>
+            </a:lvl2pPr>
+            <a:lvl3pPr marL="1143000" indent="-228600" algn="l" defTabSz="914400" rtl="0" eaLnBrk="1" latinLnBrk="0" hangingPunct="1">
+              <a:spcBef>
+                <a:spcPct val="20000"/>
+              </a:spcBef>
+              <a:buFont typeface="Arial" pitchFamily="34" charset="0"/>
+              <a:buChar char="•"/>
+              <a:defRPr sz="2400" kern="1200">
+                <a:solidFill>
+                  <a:schemeClr val="tx1"/>
+                </a:solidFill>
+                <a:latin typeface="+mn-lt"/>
+                <a:ea typeface="+mn-ea"/>
+                <a:cs typeface="+mn-cs"/>
+              </a:defRPr>
+            </a:lvl3pPr>
+            <a:lvl4pPr marL="1600200" indent="-228600" algn="l" defTabSz="914400" rtl="0" eaLnBrk="1" latinLnBrk="0" hangingPunct="1">
+              <a:spcBef>
+                <a:spcPct val="20000"/>
+              </a:spcBef>
+              <a:buFont typeface="Arial" pitchFamily="34" charset="0"/>
+              <a:buChar char="–"/>
+              <a:defRPr sz="2000" kern="1200">
+                <a:solidFill>
+                  <a:schemeClr val="tx1"/>
+                </a:solidFill>
+                <a:latin typeface="+mn-lt"/>
+                <a:ea typeface="+mn-ea"/>
+                <a:cs typeface="+mn-cs"/>
+              </a:defRPr>
+            </a:lvl4pPr>
+            <a:lvl5pPr marL="2057400" indent="-228600" algn="l" defTabSz="914400" rtl="0" eaLnBrk="1" latinLnBrk="0" hangingPunct="1">
+              <a:spcBef>
+                <a:spcPct val="20000"/>
+              </a:spcBef>
+              <a:buFont typeface="Arial" pitchFamily="34" charset="0"/>
+              <a:buChar char="»"/>
+              <a:defRPr sz="2000" kern="1200">
+                <a:solidFill>
+                  <a:schemeClr val="tx1"/>
+                </a:solidFill>
+                <a:latin typeface="+mn-lt"/>
+                <a:ea typeface="+mn-ea"/>
+                <a:cs typeface="+mn-cs"/>
+              </a:defRPr>
+            </a:lvl5pPr>
+            <a:lvl6pPr marL="2514600" indent="-228600" algn="l" defTabSz="914400" rtl="0" eaLnBrk="1" latinLnBrk="0" hangingPunct="1">
+              <a:spcBef>
+                <a:spcPct val="20000"/>
+              </a:spcBef>
+              <a:buFont typeface="Arial" pitchFamily="34" charset="0"/>
+              <a:buChar char="•"/>
+              <a:defRPr sz="2000" kern="1200">
+                <a:solidFill>
+                  <a:schemeClr val="tx1"/>
+                </a:solidFill>
+                <a:latin typeface="+mn-lt"/>
+                <a:ea typeface="+mn-ea"/>
+                <a:cs typeface="+mn-cs"/>
+              </a:defRPr>
+            </a:lvl6pPr>
+            <a:lvl7pPr marL="2971800" indent="-228600" algn="l" defTabSz="914400" rtl="0" eaLnBrk="1" latinLnBrk="0" hangingPunct="1">
+              <a:spcBef>
+                <a:spcPct val="20000"/>
+              </a:spcBef>
+              <a:buFont typeface="Arial" pitchFamily="34" charset="0"/>
+              <a:buChar char="•"/>
+              <a:defRPr sz="2000" kern="1200">
+                <a:solidFill>
+                  <a:schemeClr val="tx1"/>
+                </a:solidFill>
+                <a:latin typeface="+mn-lt"/>
+                <a:ea typeface="+mn-ea"/>
+                <a:cs typeface="+mn-cs"/>
+              </a:defRPr>
+            </a:lvl7pPr>
+            <a:lvl8pPr marL="3429000" indent="-228600" algn="l" defTabSz="914400" rtl="0" eaLnBrk="1" latinLnBrk="0" hangingPunct="1">
+              <a:spcBef>
+                <a:spcPct val="20000"/>
+              </a:spcBef>
+              <a:buFont typeface="Arial" pitchFamily="34" charset="0"/>
+              <a:buChar char="•"/>
+              <a:defRPr sz="2000" kern="1200">
+                <a:solidFill>
+                  <a:schemeClr val="tx1"/>
+                </a:solidFill>
+                <a:latin typeface="+mn-lt"/>
+                <a:ea typeface="+mn-ea"/>
+                <a:cs typeface="+mn-cs"/>
+              </a:defRPr>
+            </a:lvl8pPr>
+            <a:lvl9pPr marL="3886200" indent="-228600" algn="l" defTabSz="914400" rtl="0" eaLnBrk="1" latinLnBrk="0" hangingPunct="1">
+              <a:spcBef>
+                <a:spcPct val="20000"/>
+              </a:spcBef>
+              <a:buFont typeface="Arial" pitchFamily="34" charset="0"/>
+              <a:buChar char="•"/>
+              <a:defRPr sz="2000" kern="1200">
+                <a:solidFill>
+                  <a:schemeClr val="tx1"/>
+                </a:solidFill>
+                <a:latin typeface="+mn-lt"/>
+                <a:ea typeface="+mn-ea"/>
+                <a:cs typeface="+mn-cs"/>
+              </a:defRPr>
+            </a:lvl9pPr>
+          </a:lstStyle>
+          <a:p>
+            <a:pPr marL="0" indent="0">
+              <a:buFont typeface="Arial" pitchFamily="34" charset="0"/>
+              <a:buNone/>
+            </a:pPr>
+            <a:r>
+              <a:rPr lang="en-US" sz="2400" dirty="0" err="1" smtClean="0">
+                <a:solidFill>
+                  <a:srgbClr val="000000"/>
+                </a:solidFill>
+                <a:latin typeface="Consolas" panose="020B0609020204030204" pitchFamily="49" charset="0"/>
+                <a:cs typeface="Consolas" panose="020B0609020204030204" pitchFamily="49" charset="0"/>
+              </a:rPr>
+              <a:t>someEvent</a:t>
+            </a:r>
+            <a:r>
+              <a:rPr lang="en-US" sz="2400" dirty="0" smtClean="0">
+                <a:solidFill>
+                  <a:srgbClr val="000000"/>
+                </a:solidFill>
+                <a:latin typeface="Consolas" panose="020B0609020204030204" pitchFamily="49" charset="0"/>
+                <a:cs typeface="Consolas" panose="020B0609020204030204" pitchFamily="49" charset="0"/>
+              </a:rPr>
+              <a:t>?.Invoke();</a:t>
+            </a:r>
+            <a:endParaRPr lang="en-US" sz="2400" dirty="0">
+              <a:solidFill>
+                <a:srgbClr val="000000"/>
+              </a:solidFill>
+              <a:latin typeface="Consolas" panose="020B0609020204030204" pitchFamily="49" charset="0"/>
+              <a:cs typeface="Consolas" panose="020B0609020204030204" pitchFamily="49" charset="0"/>
+            </a:endParaRPr>
           </a:p>
         </p:txBody>
       </p:sp>
@@ -8873,1650 +10824,7 @@
 </p:sld>
 </file>
 
-<file path=ppt/slides/slide18.xml><?xml version="1.0" encoding="utf-8"?>
-<p:sld xmlns:a="http://schemas.openxmlformats.org/drawingml/2006/main" xmlns:r="http://schemas.openxmlformats.org/officeDocument/2006/relationships" xmlns:p="http://schemas.openxmlformats.org/presentationml/2006/main">
-  <p:cSld>
-    <p:bg>
-      <p:bgPr>
-        <a:blipFill dpi="0" rotWithShape="1">
-          <a:blip r:embed="rId2">
-            <a:lum/>
-          </a:blip>
-          <a:srcRect/>
-          <a:stretch>
-            <a:fillRect/>
-          </a:stretch>
-        </a:blipFill>
-        <a:effectLst/>
-      </p:bgPr>
-    </p:bg>
-    <p:spTree>
-      <p:nvGrpSpPr>
-        <p:cNvPr id="1" name=""/>
-        <p:cNvGrpSpPr/>
-        <p:nvPr/>
-      </p:nvGrpSpPr>
-      <p:grpSpPr>
-        <a:xfrm>
-          <a:off x="0" y="0"/>
-          <a:ext cx="0" cy="0"/>
-          <a:chOff x="0" y="0"/>
-          <a:chExt cx="0" cy="0"/>
-        </a:xfrm>
-      </p:grpSpPr>
-      <p:sp>
-        <p:nvSpPr>
-          <p:cNvPr id="12290" name="Прямоугольник 2"/>
-          <p:cNvSpPr>
-            <a:spLocks noChangeArrowheads="1"/>
-          </p:cNvSpPr>
-          <p:nvPr/>
-        </p:nvSpPr>
-        <p:spPr bwMode="auto">
-          <a:xfrm>
-            <a:off x="228600" y="0"/>
-            <a:ext cx="8686800" cy="461665"/>
-          </a:xfrm>
-          <a:prstGeom prst="rect">
-            <a:avLst/>
-          </a:prstGeom>
-          <a:noFill/>
-          <a:ln>
-            <a:noFill/>
-          </a:ln>
-          <a:extLst>
-            <a:ext uri="{909E8E84-426E-40DD-AFC4-6F175D3DCCD1}">
-              <a14:hiddenFill xmlns:a14="http://schemas.microsoft.com/office/drawing/2010/main">
-                <a:solidFill>
-                  <a:srgbClr val="FFFFFF"/>
-                </a:solidFill>
-              </a14:hiddenFill>
-            </a:ext>
-            <a:ext uri="{91240B29-F687-4F45-9708-019B960494DF}">
-              <a14:hiddenLine xmlns:a14="http://schemas.microsoft.com/office/drawing/2010/main" w="9525">
-                <a:solidFill>
-                  <a:srgbClr val="000000"/>
-                </a:solidFill>
-                <a:miter lim="800000"/>
-                <a:headEnd/>
-                <a:tailEnd/>
-              </a14:hiddenLine>
-            </a:ext>
-          </a:extLst>
-        </p:spPr>
-        <p:txBody>
-          <a:bodyPr wrap="square">
-            <a:spAutoFit/>
-          </a:bodyPr>
-          <a:lstStyle/>
-          <a:p>
-            <a:pPr algn="ctr"/>
-            <a:r>
-              <a:rPr lang="ru-RU" sz="2400" b="1" dirty="0"/>
-              <a:t>Делегаты </a:t>
-            </a:r>
-            <a:r>
-              <a:rPr lang="en-US" sz="2400" b="1" dirty="0" err="1"/>
-              <a:t>System.Action</a:t>
-            </a:r>
-            <a:r>
-              <a:rPr lang="en-US" sz="2400" b="1" dirty="0"/>
-              <a:t> </a:t>
-            </a:r>
-            <a:r>
-              <a:rPr lang="ru-RU" sz="2400" b="1" dirty="0"/>
-              <a:t>и </a:t>
-            </a:r>
-            <a:r>
-              <a:rPr lang="en-US" sz="2400" b="1" dirty="0" err="1"/>
-              <a:t>System.Func</a:t>
-            </a:r>
-            <a:endParaRPr lang="ru-RU" sz="2400" b="1" dirty="0"/>
-          </a:p>
-        </p:txBody>
-      </p:sp>
-      <p:sp>
-        <p:nvSpPr>
-          <p:cNvPr id="12291" name="TextBox 6"/>
-          <p:cNvSpPr txBox="1">
-            <a:spLocks noChangeArrowheads="1"/>
-          </p:cNvSpPr>
-          <p:nvPr/>
-        </p:nvSpPr>
-        <p:spPr bwMode="auto">
-          <a:xfrm>
-            <a:off x="152400" y="1002828"/>
-            <a:ext cx="8839200" cy="3970318"/>
-          </a:xfrm>
-          <a:prstGeom prst="rect">
-            <a:avLst/>
-          </a:prstGeom>
-          <a:noFill/>
-          <a:ln>
-            <a:noFill/>
-          </a:ln>
-          <a:extLst>
-            <a:ext uri="{909E8E84-426E-40DD-AFC4-6F175D3DCCD1}">
-              <a14:hiddenFill xmlns:a14="http://schemas.microsoft.com/office/drawing/2010/main">
-                <a:solidFill>
-                  <a:srgbClr val="FFFFFF"/>
-                </a:solidFill>
-              </a14:hiddenFill>
-            </a:ext>
-            <a:ext uri="{91240B29-F687-4F45-9708-019B960494DF}">
-              <a14:hiddenLine xmlns:a14="http://schemas.microsoft.com/office/drawing/2010/main" w="9525">
-                <a:solidFill>
-                  <a:srgbClr val="000000"/>
-                </a:solidFill>
-                <a:miter lim="800000"/>
-                <a:headEnd/>
-                <a:tailEnd/>
-              </a14:hiddenLine>
-            </a:ext>
-          </a:extLst>
-        </p:spPr>
-        <p:txBody>
-          <a:bodyPr>
-            <a:spAutoFit/>
-          </a:bodyPr>
-          <a:lstStyle>
-            <a:lvl1pPr defTabSz="358775" eaLnBrk="0" hangingPunct="0">
-              <a:defRPr>
-                <a:solidFill>
-                  <a:schemeClr val="tx1"/>
-                </a:solidFill>
-                <a:latin typeface="Arial" charset="0"/>
-              </a:defRPr>
-            </a:lvl1pPr>
-            <a:lvl2pPr marL="742950" indent="-285750" defTabSz="358775" eaLnBrk="0" hangingPunct="0">
-              <a:defRPr>
-                <a:solidFill>
-                  <a:schemeClr val="tx1"/>
-                </a:solidFill>
-                <a:latin typeface="Arial" charset="0"/>
-              </a:defRPr>
-            </a:lvl2pPr>
-            <a:lvl3pPr marL="1143000" indent="-228600" defTabSz="358775" eaLnBrk="0" hangingPunct="0">
-              <a:defRPr>
-                <a:solidFill>
-                  <a:schemeClr val="tx1"/>
-                </a:solidFill>
-                <a:latin typeface="Arial" charset="0"/>
-              </a:defRPr>
-            </a:lvl3pPr>
-            <a:lvl4pPr marL="1600200" indent="-228600" defTabSz="358775" eaLnBrk="0" hangingPunct="0">
-              <a:defRPr>
-                <a:solidFill>
-                  <a:schemeClr val="tx1"/>
-                </a:solidFill>
-                <a:latin typeface="Arial" charset="0"/>
-              </a:defRPr>
-            </a:lvl4pPr>
-            <a:lvl5pPr marL="2057400" indent="-228600" defTabSz="358775" eaLnBrk="0" hangingPunct="0">
-              <a:defRPr>
-                <a:solidFill>
-                  <a:schemeClr val="tx1"/>
-                </a:solidFill>
-                <a:latin typeface="Arial" charset="0"/>
-              </a:defRPr>
-            </a:lvl5pPr>
-            <a:lvl6pPr marL="2514600" indent="-228600" defTabSz="358775" eaLnBrk="0" fontAlgn="base" hangingPunct="0">
-              <a:spcBef>
-                <a:spcPct val="0"/>
-              </a:spcBef>
-              <a:spcAft>
-                <a:spcPct val="0"/>
-              </a:spcAft>
-              <a:defRPr>
-                <a:solidFill>
-                  <a:schemeClr val="tx1"/>
-                </a:solidFill>
-                <a:latin typeface="Arial" charset="0"/>
-              </a:defRPr>
-            </a:lvl6pPr>
-            <a:lvl7pPr marL="2971800" indent="-228600" defTabSz="358775" eaLnBrk="0" fontAlgn="base" hangingPunct="0">
-              <a:spcBef>
-                <a:spcPct val="0"/>
-              </a:spcBef>
-              <a:spcAft>
-                <a:spcPct val="0"/>
-              </a:spcAft>
-              <a:defRPr>
-                <a:solidFill>
-                  <a:schemeClr val="tx1"/>
-                </a:solidFill>
-                <a:latin typeface="Arial" charset="0"/>
-              </a:defRPr>
-            </a:lvl7pPr>
-            <a:lvl8pPr marL="3429000" indent="-228600" defTabSz="358775" eaLnBrk="0" fontAlgn="base" hangingPunct="0">
-              <a:spcBef>
-                <a:spcPct val="0"/>
-              </a:spcBef>
-              <a:spcAft>
-                <a:spcPct val="0"/>
-              </a:spcAft>
-              <a:defRPr>
-                <a:solidFill>
-                  <a:schemeClr val="tx1"/>
-                </a:solidFill>
-                <a:latin typeface="Arial" charset="0"/>
-              </a:defRPr>
-            </a:lvl8pPr>
-            <a:lvl9pPr marL="3886200" indent="-228600" defTabSz="358775" eaLnBrk="0" fontAlgn="base" hangingPunct="0">
-              <a:spcBef>
-                <a:spcPct val="0"/>
-              </a:spcBef>
-              <a:spcAft>
-                <a:spcPct val="0"/>
-              </a:spcAft>
-              <a:defRPr>
-                <a:solidFill>
-                  <a:schemeClr val="tx1"/>
-                </a:solidFill>
-                <a:latin typeface="Arial" charset="0"/>
-              </a:defRPr>
-            </a:lvl9pPr>
-          </a:lstStyle>
-          <a:p>
-            <a:pPr marL="285750" indent="-285750" eaLnBrk="1" hangingPunct="1">
-              <a:buFont typeface="Arial" panose="020B0604020202020204" pitchFamily="34" charset="0"/>
-              <a:buChar char="•"/>
-            </a:pPr>
-            <a:r>
-              <a:rPr lang="ru-RU" sz="1400" dirty="0">
-                <a:solidFill>
-                  <a:schemeClr val="bg1"/>
-                </a:solidFill>
-              </a:rPr>
-              <a:t>Делегаты </a:t>
-            </a:r>
-            <a:r>
-              <a:rPr lang="en-US" sz="1400" dirty="0" err="1">
-                <a:solidFill>
-                  <a:schemeClr val="bg1"/>
-                </a:solidFill>
-              </a:rPr>
-              <a:t>System.Action</a:t>
-            </a:r>
-            <a:r>
-              <a:rPr lang="en-US" sz="1400" dirty="0">
-                <a:solidFill>
-                  <a:schemeClr val="bg1"/>
-                </a:solidFill>
-              </a:rPr>
-              <a:t> </a:t>
-            </a:r>
-            <a:r>
-              <a:rPr lang="ru-RU" sz="1400" dirty="0">
-                <a:solidFill>
-                  <a:schemeClr val="bg1"/>
-                </a:solidFill>
-              </a:rPr>
-              <a:t>описывают функцию без возвращаемого значения с количеством аргументов от 0 до 16.</a:t>
-            </a:r>
-            <a:endParaRPr lang="en-US" sz="1400" dirty="0">
-              <a:solidFill>
-                <a:schemeClr val="bg1"/>
-              </a:solidFill>
-            </a:endParaRPr>
-          </a:p>
-          <a:p>
-            <a:pPr marL="1028700" lvl="1" eaLnBrk="1" hangingPunct="1">
-              <a:buFont typeface="Arial" panose="020B0604020202020204" pitchFamily="34" charset="0"/>
-              <a:buChar char="•"/>
-            </a:pPr>
-            <a:r>
-              <a:rPr lang="en-US" sz="1400" dirty="0">
-                <a:solidFill>
-                  <a:schemeClr val="bg1"/>
-                </a:solidFill>
-              </a:rPr>
-              <a:t>Action</a:t>
-            </a:r>
-          </a:p>
-          <a:p>
-            <a:pPr marL="1028700" lvl="1" eaLnBrk="1" hangingPunct="1">
-              <a:buFont typeface="Arial" panose="020B0604020202020204" pitchFamily="34" charset="0"/>
-              <a:buChar char="•"/>
-            </a:pPr>
-            <a:r>
-              <a:rPr lang="en-US" sz="1400" dirty="0">
-                <a:solidFill>
-                  <a:schemeClr val="bg1"/>
-                </a:solidFill>
-              </a:rPr>
-              <a:t>Action&lt;T&gt;</a:t>
-            </a:r>
-          </a:p>
-          <a:p>
-            <a:pPr marL="1028700" lvl="1" eaLnBrk="1" hangingPunct="1">
-              <a:buFont typeface="Arial" panose="020B0604020202020204" pitchFamily="34" charset="0"/>
-              <a:buChar char="•"/>
-            </a:pPr>
-            <a:r>
-              <a:rPr lang="en-US" sz="1400" dirty="0">
-                <a:solidFill>
-                  <a:schemeClr val="bg1"/>
-                </a:solidFill>
-              </a:rPr>
-              <a:t>Action&lt;T1, T2&gt;</a:t>
-            </a:r>
-          </a:p>
-          <a:p>
-            <a:pPr marL="1028700" lvl="1" eaLnBrk="1" hangingPunct="1">
-              <a:buFont typeface="Arial" panose="020B0604020202020204" pitchFamily="34" charset="0"/>
-              <a:buChar char="•"/>
-            </a:pPr>
-            <a:r>
-              <a:rPr lang="en-US" sz="1400" dirty="0">
-                <a:solidFill>
-                  <a:schemeClr val="bg1"/>
-                </a:solidFill>
-              </a:rPr>
-              <a:t>Action&lt;T1, T2, T3&gt;</a:t>
-            </a:r>
-          </a:p>
-          <a:p>
-            <a:pPr marL="1028700" lvl="1" eaLnBrk="1" hangingPunct="1">
-              <a:buFont typeface="Arial" panose="020B0604020202020204" pitchFamily="34" charset="0"/>
-              <a:buChar char="•"/>
-            </a:pPr>
-            <a:r>
-              <a:rPr lang="en-US" sz="1400" dirty="0">
-                <a:solidFill>
-                  <a:schemeClr val="bg1"/>
-                </a:solidFill>
-              </a:rPr>
-              <a:t>…</a:t>
-            </a:r>
-          </a:p>
-          <a:p>
-            <a:pPr marL="1028700" lvl="1" eaLnBrk="1" hangingPunct="1">
-              <a:buFont typeface="Arial" panose="020B0604020202020204" pitchFamily="34" charset="0"/>
-              <a:buChar char="•"/>
-            </a:pPr>
-            <a:r>
-              <a:rPr lang="en-US" sz="1400" dirty="0">
-                <a:solidFill>
-                  <a:schemeClr val="bg1"/>
-                </a:solidFill>
-              </a:rPr>
-              <a:t>Action&lt;T1, T2, T3, T4, T5, T6, T7, T8, T9, T10, T11, T12, T13, T14, T15, T16&gt;</a:t>
-            </a:r>
-          </a:p>
-          <a:p>
-            <a:pPr marL="285750" indent="-285750" eaLnBrk="1" hangingPunct="1">
-              <a:buFont typeface="Arial" panose="020B0604020202020204" pitchFamily="34" charset="0"/>
-              <a:buChar char="•"/>
-            </a:pPr>
-            <a:r>
-              <a:rPr lang="ru-RU" sz="1400" dirty="0">
-                <a:solidFill>
-                  <a:schemeClr val="bg1"/>
-                </a:solidFill>
-              </a:rPr>
-              <a:t>Делегаты </a:t>
-            </a:r>
-            <a:r>
-              <a:rPr lang="en-US" sz="1400" dirty="0" err="1">
-                <a:solidFill>
-                  <a:schemeClr val="bg1"/>
-                </a:solidFill>
-              </a:rPr>
-              <a:t>System.Func</a:t>
-            </a:r>
-            <a:r>
-              <a:rPr lang="en-US" sz="1400" dirty="0">
-                <a:solidFill>
-                  <a:schemeClr val="bg1"/>
-                </a:solidFill>
-              </a:rPr>
-              <a:t> </a:t>
-            </a:r>
-            <a:r>
-              <a:rPr lang="ru-RU" sz="1400" dirty="0">
-                <a:solidFill>
-                  <a:schemeClr val="bg1"/>
-                </a:solidFill>
-              </a:rPr>
-              <a:t>описывают функцию с возвращаемым значением с количеством аргументов от 0 до 16.</a:t>
-            </a:r>
-            <a:endParaRPr lang="en-US" sz="1400" dirty="0">
-              <a:solidFill>
-                <a:schemeClr val="bg1"/>
-              </a:solidFill>
-            </a:endParaRPr>
-          </a:p>
-          <a:p>
-            <a:pPr marL="1028700" lvl="1" eaLnBrk="1" hangingPunct="1">
-              <a:buFont typeface="Arial" panose="020B0604020202020204" pitchFamily="34" charset="0"/>
-              <a:buChar char="•"/>
-            </a:pPr>
-            <a:r>
-              <a:rPr lang="en-US" sz="1400" dirty="0" err="1">
-                <a:solidFill>
-                  <a:schemeClr val="bg1"/>
-                </a:solidFill>
-              </a:rPr>
-              <a:t>Func</a:t>
-            </a:r>
-            <a:r>
-              <a:rPr lang="en-US" sz="1400" dirty="0">
-                <a:solidFill>
-                  <a:schemeClr val="bg1"/>
-                </a:solidFill>
-              </a:rPr>
-              <a:t>&lt;</a:t>
-            </a:r>
-            <a:r>
-              <a:rPr lang="en-US" sz="1400" dirty="0" err="1">
-                <a:solidFill>
-                  <a:schemeClr val="bg1"/>
-                </a:solidFill>
-              </a:rPr>
-              <a:t>TResult</a:t>
-            </a:r>
-            <a:r>
-              <a:rPr lang="en-US" sz="1400" dirty="0">
-                <a:solidFill>
-                  <a:schemeClr val="bg1"/>
-                </a:solidFill>
-              </a:rPr>
-              <a:t>&gt;</a:t>
-            </a:r>
-          </a:p>
-          <a:p>
-            <a:pPr marL="1028700" lvl="1" eaLnBrk="1" hangingPunct="1">
-              <a:buFont typeface="Arial" panose="020B0604020202020204" pitchFamily="34" charset="0"/>
-              <a:buChar char="•"/>
-            </a:pPr>
-            <a:r>
-              <a:rPr lang="en-US" sz="1400" dirty="0" err="1">
-                <a:solidFill>
-                  <a:schemeClr val="bg1"/>
-                </a:solidFill>
-              </a:rPr>
-              <a:t>Func</a:t>
-            </a:r>
-            <a:r>
-              <a:rPr lang="en-US" sz="1400" dirty="0">
-                <a:solidFill>
-                  <a:schemeClr val="bg1"/>
-                </a:solidFill>
-              </a:rPr>
-              <a:t>&lt;T, </a:t>
-            </a:r>
-            <a:r>
-              <a:rPr lang="en-US" sz="1400" dirty="0" err="1">
-                <a:solidFill>
-                  <a:schemeClr val="bg1"/>
-                </a:solidFill>
-              </a:rPr>
-              <a:t>TResult</a:t>
-            </a:r>
-            <a:r>
-              <a:rPr lang="en-US" sz="1400" dirty="0">
-                <a:solidFill>
-                  <a:schemeClr val="bg1"/>
-                </a:solidFill>
-              </a:rPr>
-              <a:t>&gt;</a:t>
-            </a:r>
-          </a:p>
-          <a:p>
-            <a:pPr marL="1028700" lvl="1" eaLnBrk="1" hangingPunct="1">
-              <a:buFont typeface="Arial" panose="020B0604020202020204" pitchFamily="34" charset="0"/>
-              <a:buChar char="•"/>
-            </a:pPr>
-            <a:r>
-              <a:rPr lang="en-US" sz="1400" dirty="0" err="1">
-                <a:solidFill>
-                  <a:schemeClr val="bg1"/>
-                </a:solidFill>
-              </a:rPr>
-              <a:t>Func</a:t>
-            </a:r>
-            <a:r>
-              <a:rPr lang="en-US" sz="1400" dirty="0">
-                <a:solidFill>
-                  <a:schemeClr val="bg1"/>
-                </a:solidFill>
-              </a:rPr>
-              <a:t>&lt;T1, T2, </a:t>
-            </a:r>
-            <a:r>
-              <a:rPr lang="en-US" sz="1400" dirty="0" err="1">
-                <a:solidFill>
-                  <a:schemeClr val="bg1"/>
-                </a:solidFill>
-              </a:rPr>
-              <a:t>TResult</a:t>
-            </a:r>
-            <a:r>
-              <a:rPr lang="en-US" sz="1400" dirty="0">
-                <a:solidFill>
-                  <a:schemeClr val="bg1"/>
-                </a:solidFill>
-              </a:rPr>
-              <a:t>&gt;</a:t>
-            </a:r>
-          </a:p>
-          <a:p>
-            <a:pPr marL="1028700" lvl="1" eaLnBrk="1" hangingPunct="1">
-              <a:buFont typeface="Arial" panose="020B0604020202020204" pitchFamily="34" charset="0"/>
-              <a:buChar char="•"/>
-            </a:pPr>
-            <a:r>
-              <a:rPr lang="en-US" sz="1400" dirty="0" err="1">
-                <a:solidFill>
-                  <a:schemeClr val="bg1"/>
-                </a:solidFill>
-              </a:rPr>
-              <a:t>Func</a:t>
-            </a:r>
-            <a:r>
-              <a:rPr lang="en-US" sz="1400" dirty="0">
-                <a:solidFill>
-                  <a:schemeClr val="bg1"/>
-                </a:solidFill>
-              </a:rPr>
-              <a:t>&lt;T1, T2, T3, </a:t>
-            </a:r>
-            <a:r>
-              <a:rPr lang="en-US" sz="1400" dirty="0" err="1">
-                <a:solidFill>
-                  <a:schemeClr val="bg1"/>
-                </a:solidFill>
-              </a:rPr>
-              <a:t>TResult</a:t>
-            </a:r>
-            <a:r>
-              <a:rPr lang="en-US" sz="1400" dirty="0">
-                <a:solidFill>
-                  <a:schemeClr val="bg1"/>
-                </a:solidFill>
-              </a:rPr>
-              <a:t>&gt;</a:t>
-            </a:r>
-          </a:p>
-          <a:p>
-            <a:pPr marL="1028700" lvl="1" eaLnBrk="1" hangingPunct="1">
-              <a:buFont typeface="Arial" panose="020B0604020202020204" pitchFamily="34" charset="0"/>
-              <a:buChar char="•"/>
-            </a:pPr>
-            <a:r>
-              <a:rPr lang="en-US" sz="1400" dirty="0">
-                <a:solidFill>
-                  <a:schemeClr val="bg1"/>
-                </a:solidFill>
-              </a:rPr>
-              <a:t>…</a:t>
-            </a:r>
-          </a:p>
-          <a:p>
-            <a:pPr marL="1028700" lvl="1" eaLnBrk="1" hangingPunct="1">
-              <a:buFont typeface="Arial" panose="020B0604020202020204" pitchFamily="34" charset="0"/>
-              <a:buChar char="•"/>
-            </a:pPr>
-            <a:r>
-              <a:rPr lang="en-US" sz="1400" dirty="0" err="1">
-                <a:solidFill>
-                  <a:schemeClr val="bg1"/>
-                </a:solidFill>
-              </a:rPr>
-              <a:t>Func</a:t>
-            </a:r>
-            <a:r>
-              <a:rPr lang="en-US" sz="1400" dirty="0">
-                <a:solidFill>
-                  <a:schemeClr val="bg1"/>
-                </a:solidFill>
-              </a:rPr>
-              <a:t>&lt;T1, T2, T3, T4, T5, T6, T7, T8, T9, T10, T11, T12, T13, T14, T15, T16, </a:t>
-            </a:r>
-            <a:r>
-              <a:rPr lang="en-US" sz="1400" dirty="0" err="1">
-                <a:solidFill>
-                  <a:schemeClr val="bg1"/>
-                </a:solidFill>
-              </a:rPr>
-              <a:t>TResult</a:t>
-            </a:r>
-            <a:r>
-              <a:rPr lang="en-US" sz="1400" dirty="0">
-                <a:solidFill>
-                  <a:schemeClr val="bg1"/>
-                </a:solidFill>
-              </a:rPr>
-              <a:t>&gt;</a:t>
-            </a:r>
-          </a:p>
-          <a:p>
-            <a:pPr marL="285750" eaLnBrk="1" hangingPunct="1"/>
-            <a:endParaRPr lang="en-US" sz="1400" dirty="0">
-              <a:solidFill>
-                <a:schemeClr val="bg1"/>
-              </a:solidFill>
-            </a:endParaRPr>
-          </a:p>
-          <a:p>
-            <a:pPr eaLnBrk="1" hangingPunct="1"/>
-            <a:r>
-              <a:rPr lang="ru-RU" sz="1400" dirty="0">
-                <a:solidFill>
-                  <a:schemeClr val="bg1"/>
-                </a:solidFill>
-              </a:rPr>
-              <a:t>Где </a:t>
-            </a:r>
-            <a:r>
-              <a:rPr lang="en-US" sz="1400" dirty="0">
-                <a:solidFill>
-                  <a:schemeClr val="bg1"/>
-                </a:solidFill>
-              </a:rPr>
-              <a:t>T1, T2, ,,, T16 </a:t>
-            </a:r>
-            <a:r>
-              <a:rPr lang="ru-RU" sz="1400" dirty="0">
-                <a:solidFill>
-                  <a:schemeClr val="bg1"/>
-                </a:solidFill>
-              </a:rPr>
-              <a:t>– тип аргумента, </a:t>
-            </a:r>
-            <a:r>
-              <a:rPr lang="en-US" sz="1400" dirty="0" err="1">
-                <a:solidFill>
-                  <a:schemeClr val="bg1"/>
-                </a:solidFill>
-              </a:rPr>
-              <a:t>TResult</a:t>
-            </a:r>
-            <a:r>
-              <a:rPr lang="en-US" sz="1400" dirty="0">
-                <a:solidFill>
-                  <a:schemeClr val="bg1"/>
-                </a:solidFill>
-              </a:rPr>
-              <a:t> </a:t>
-            </a:r>
-            <a:r>
-              <a:rPr lang="ru-RU" sz="1400" dirty="0">
-                <a:solidFill>
-                  <a:schemeClr val="bg1"/>
-                </a:solidFill>
-              </a:rPr>
-              <a:t>тип возвращаемого значения.</a:t>
-            </a:r>
-          </a:p>
-        </p:txBody>
-      </p:sp>
-    </p:spTree>
-    <p:extLst>
-      <p:ext uri="{BB962C8B-B14F-4D97-AF65-F5344CB8AC3E}">
-        <p14:creationId xmlns:p14="http://schemas.microsoft.com/office/powerpoint/2010/main" val="1894118169"/>
-      </p:ext>
-    </p:extLst>
-  </p:cSld>
-  <p:clrMapOvr>
-    <a:masterClrMapping/>
-  </p:clrMapOvr>
-</p:sld>
-</file>
-
 <file path=ppt/slides/slide19.xml><?xml version="1.0" encoding="utf-8"?>
-<p:sld xmlns:a="http://schemas.openxmlformats.org/drawingml/2006/main" xmlns:r="http://schemas.openxmlformats.org/officeDocument/2006/relationships" xmlns:p="http://schemas.openxmlformats.org/presentationml/2006/main">
-  <p:cSld>
-    <p:bg>
-      <p:bgPr>
-        <a:blipFill dpi="0" rotWithShape="1">
-          <a:blip r:embed="rId2">
-            <a:lum/>
-          </a:blip>
-          <a:srcRect/>
-          <a:stretch>
-            <a:fillRect/>
-          </a:stretch>
-        </a:blipFill>
-        <a:effectLst/>
-      </p:bgPr>
-    </p:bg>
-    <p:spTree>
-      <p:nvGrpSpPr>
-        <p:cNvPr id="1" name=""/>
-        <p:cNvGrpSpPr/>
-        <p:nvPr/>
-      </p:nvGrpSpPr>
-      <p:grpSpPr>
-        <a:xfrm>
-          <a:off x="0" y="0"/>
-          <a:ext cx="0" cy="0"/>
-          <a:chOff x="0" y="0"/>
-          <a:chExt cx="0" cy="0"/>
-        </a:xfrm>
-      </p:grpSpPr>
-      <p:sp>
-        <p:nvSpPr>
-          <p:cNvPr id="12290" name="Прямоугольник 2"/>
-          <p:cNvSpPr>
-            <a:spLocks noChangeArrowheads="1"/>
-          </p:cNvSpPr>
-          <p:nvPr/>
-        </p:nvSpPr>
-        <p:spPr bwMode="auto">
-          <a:xfrm>
-            <a:off x="228600" y="0"/>
-            <a:ext cx="8686800" cy="830997"/>
-          </a:xfrm>
-          <a:prstGeom prst="rect">
-            <a:avLst/>
-          </a:prstGeom>
-          <a:noFill/>
-          <a:ln>
-            <a:noFill/>
-          </a:ln>
-          <a:extLst>
-            <a:ext uri="{909E8E84-426E-40DD-AFC4-6F175D3DCCD1}">
-              <a14:hiddenFill xmlns:a14="http://schemas.microsoft.com/office/drawing/2010/main">
-                <a:solidFill>
-                  <a:srgbClr val="FFFFFF"/>
-                </a:solidFill>
-              </a14:hiddenFill>
-            </a:ext>
-            <a:ext uri="{91240B29-F687-4F45-9708-019B960494DF}">
-              <a14:hiddenLine xmlns:a14="http://schemas.microsoft.com/office/drawing/2010/main" w="9525">
-                <a:solidFill>
-                  <a:srgbClr val="000000"/>
-                </a:solidFill>
-                <a:miter lim="800000"/>
-                <a:headEnd/>
-                <a:tailEnd/>
-              </a14:hiddenLine>
-            </a:ext>
-          </a:extLst>
-        </p:spPr>
-        <p:txBody>
-          <a:bodyPr wrap="square">
-            <a:spAutoFit/>
-          </a:bodyPr>
-          <a:lstStyle/>
-          <a:p>
-            <a:pPr algn="ctr"/>
-            <a:r>
-              <a:rPr lang="ru-RU" sz="2400" b="1" dirty="0"/>
-              <a:t>Делегаты </a:t>
-            </a:r>
-            <a:r>
-              <a:rPr lang="en-US" sz="2400" b="1" dirty="0" err="1"/>
-              <a:t>System.EventHandler</a:t>
-            </a:r>
-            <a:r>
-              <a:rPr lang="en-US" sz="2400" b="1" dirty="0"/>
-              <a:t> </a:t>
-            </a:r>
-            <a:r>
-              <a:rPr lang="ru-RU" sz="2400" b="1" dirty="0"/>
-              <a:t>и </a:t>
-            </a:r>
-            <a:r>
-              <a:rPr lang="en-US" sz="2400" b="1" dirty="0" err="1"/>
-              <a:t>System.EventHandler</a:t>
-            </a:r>
-            <a:r>
-              <a:rPr lang="en-US" sz="2400" b="1" dirty="0"/>
-              <a:t>&lt;</a:t>
-            </a:r>
-            <a:r>
-              <a:rPr lang="en-US" sz="2400" b="1" dirty="0" err="1"/>
-              <a:t>TEventArgs</a:t>
-            </a:r>
-            <a:r>
-              <a:rPr lang="en-US" sz="2400" b="1" dirty="0"/>
-              <a:t>&gt;</a:t>
-            </a:r>
-            <a:endParaRPr lang="ru-RU" sz="2400" b="1" dirty="0"/>
-          </a:p>
-        </p:txBody>
-      </p:sp>
-      <p:sp>
-        <p:nvSpPr>
-          <p:cNvPr id="12291" name="TextBox 6"/>
-          <p:cNvSpPr txBox="1">
-            <a:spLocks noChangeArrowheads="1"/>
-          </p:cNvSpPr>
-          <p:nvPr/>
-        </p:nvSpPr>
-        <p:spPr bwMode="auto">
-          <a:xfrm>
-            <a:off x="152400" y="1002828"/>
-            <a:ext cx="8839200" cy="1138238"/>
-          </a:xfrm>
-          <a:prstGeom prst="rect">
-            <a:avLst/>
-          </a:prstGeom>
-          <a:noFill/>
-          <a:ln>
-            <a:noFill/>
-          </a:ln>
-          <a:extLst>
-            <a:ext uri="{909E8E84-426E-40DD-AFC4-6F175D3DCCD1}">
-              <a14:hiddenFill xmlns:a14="http://schemas.microsoft.com/office/drawing/2010/main">
-                <a:solidFill>
-                  <a:srgbClr val="FFFFFF"/>
-                </a:solidFill>
-              </a14:hiddenFill>
-            </a:ext>
-            <a:ext uri="{91240B29-F687-4F45-9708-019B960494DF}">
-              <a14:hiddenLine xmlns:a14="http://schemas.microsoft.com/office/drawing/2010/main" w="9525">
-                <a:solidFill>
-                  <a:srgbClr val="000000"/>
-                </a:solidFill>
-                <a:miter lim="800000"/>
-                <a:headEnd/>
-                <a:tailEnd/>
-              </a14:hiddenLine>
-            </a:ext>
-          </a:extLst>
-        </p:spPr>
-        <p:txBody>
-          <a:bodyPr>
-            <a:spAutoFit/>
-          </a:bodyPr>
-          <a:lstStyle>
-            <a:lvl1pPr defTabSz="358775" eaLnBrk="0" hangingPunct="0">
-              <a:defRPr>
-                <a:solidFill>
-                  <a:schemeClr val="tx1"/>
-                </a:solidFill>
-                <a:latin typeface="Arial" charset="0"/>
-              </a:defRPr>
-            </a:lvl1pPr>
-            <a:lvl2pPr marL="742950" indent="-285750" defTabSz="358775" eaLnBrk="0" hangingPunct="0">
-              <a:defRPr>
-                <a:solidFill>
-                  <a:schemeClr val="tx1"/>
-                </a:solidFill>
-                <a:latin typeface="Arial" charset="0"/>
-              </a:defRPr>
-            </a:lvl2pPr>
-            <a:lvl3pPr marL="1143000" indent="-228600" defTabSz="358775" eaLnBrk="0" hangingPunct="0">
-              <a:defRPr>
-                <a:solidFill>
-                  <a:schemeClr val="tx1"/>
-                </a:solidFill>
-                <a:latin typeface="Arial" charset="0"/>
-              </a:defRPr>
-            </a:lvl3pPr>
-            <a:lvl4pPr marL="1600200" indent="-228600" defTabSz="358775" eaLnBrk="0" hangingPunct="0">
-              <a:defRPr>
-                <a:solidFill>
-                  <a:schemeClr val="tx1"/>
-                </a:solidFill>
-                <a:latin typeface="Arial" charset="0"/>
-              </a:defRPr>
-            </a:lvl4pPr>
-            <a:lvl5pPr marL="2057400" indent="-228600" defTabSz="358775" eaLnBrk="0" hangingPunct="0">
-              <a:defRPr>
-                <a:solidFill>
-                  <a:schemeClr val="tx1"/>
-                </a:solidFill>
-                <a:latin typeface="Arial" charset="0"/>
-              </a:defRPr>
-            </a:lvl5pPr>
-            <a:lvl6pPr marL="2514600" indent="-228600" defTabSz="358775" eaLnBrk="0" fontAlgn="base" hangingPunct="0">
-              <a:spcBef>
-                <a:spcPct val="0"/>
-              </a:spcBef>
-              <a:spcAft>
-                <a:spcPct val="0"/>
-              </a:spcAft>
-              <a:defRPr>
-                <a:solidFill>
-                  <a:schemeClr val="tx1"/>
-                </a:solidFill>
-                <a:latin typeface="Arial" charset="0"/>
-              </a:defRPr>
-            </a:lvl6pPr>
-            <a:lvl7pPr marL="2971800" indent="-228600" defTabSz="358775" eaLnBrk="0" fontAlgn="base" hangingPunct="0">
-              <a:spcBef>
-                <a:spcPct val="0"/>
-              </a:spcBef>
-              <a:spcAft>
-                <a:spcPct val="0"/>
-              </a:spcAft>
-              <a:defRPr>
-                <a:solidFill>
-                  <a:schemeClr val="tx1"/>
-                </a:solidFill>
-                <a:latin typeface="Arial" charset="0"/>
-              </a:defRPr>
-            </a:lvl7pPr>
-            <a:lvl8pPr marL="3429000" indent="-228600" defTabSz="358775" eaLnBrk="0" fontAlgn="base" hangingPunct="0">
-              <a:spcBef>
-                <a:spcPct val="0"/>
-              </a:spcBef>
-              <a:spcAft>
-                <a:spcPct val="0"/>
-              </a:spcAft>
-              <a:defRPr>
-                <a:solidFill>
-                  <a:schemeClr val="tx1"/>
-                </a:solidFill>
-                <a:latin typeface="Arial" charset="0"/>
-              </a:defRPr>
-            </a:lvl8pPr>
-            <a:lvl9pPr marL="3886200" indent="-228600" defTabSz="358775" eaLnBrk="0" fontAlgn="base" hangingPunct="0">
-              <a:spcBef>
-                <a:spcPct val="0"/>
-              </a:spcBef>
-              <a:spcAft>
-                <a:spcPct val="0"/>
-              </a:spcAft>
-              <a:defRPr>
-                <a:solidFill>
-                  <a:schemeClr val="tx1"/>
-                </a:solidFill>
-                <a:latin typeface="Arial" charset="0"/>
-              </a:defRPr>
-            </a:lvl9pPr>
-          </a:lstStyle>
-          <a:p>
-            <a:pPr eaLnBrk="1" hangingPunct="1"/>
-            <a:r>
-              <a:rPr lang="ru-RU" sz="1600" dirty="0">
-                <a:solidFill>
-                  <a:schemeClr val="bg1"/>
-                </a:solidFill>
-              </a:rPr>
-              <a:t>Для обработки событий в приложениях </a:t>
-            </a:r>
-            <a:r>
-              <a:rPr lang="en-US" sz="1600" dirty="0">
-                <a:solidFill>
-                  <a:schemeClr val="bg1"/>
-                </a:solidFill>
-              </a:rPr>
-              <a:t>Windows Forms</a:t>
-            </a:r>
-            <a:r>
-              <a:rPr lang="ru-RU" sz="1600" dirty="0">
-                <a:solidFill>
-                  <a:schemeClr val="bg1"/>
-                </a:solidFill>
-              </a:rPr>
-              <a:t> применяются готовые делегаты</a:t>
-            </a:r>
-            <a:r>
-              <a:rPr lang="en-US" sz="1600" dirty="0">
-                <a:solidFill>
-                  <a:schemeClr val="bg1"/>
-                </a:solidFill>
-              </a:rPr>
-              <a:t>:</a:t>
-            </a:r>
-          </a:p>
-          <a:p>
-            <a:pPr eaLnBrk="1" hangingPunct="1"/>
-            <a:endParaRPr lang="en-US" sz="1600" dirty="0">
-              <a:solidFill>
-                <a:schemeClr val="bg1"/>
-              </a:solidFill>
-            </a:endParaRPr>
-          </a:p>
-          <a:p>
-            <a:r>
-              <a:rPr lang="en-US" sz="1200" dirty="0">
-                <a:solidFill>
-                  <a:schemeClr val="bg1"/>
-                </a:solidFill>
-                <a:latin typeface="Courier New" pitchFamily="49" charset="0"/>
-                <a:ea typeface="Times New Roman" pitchFamily="18" charset="0"/>
-                <a:cs typeface="Courier New" pitchFamily="49" charset="0"/>
-              </a:rPr>
-              <a:t>public delegate void </a:t>
-            </a:r>
-            <a:r>
-              <a:rPr lang="en-US" sz="1200" dirty="0" err="1">
-                <a:solidFill>
-                  <a:schemeClr val="bg1"/>
-                </a:solidFill>
-                <a:latin typeface="Courier New" pitchFamily="49" charset="0"/>
-                <a:ea typeface="Times New Roman" pitchFamily="18" charset="0"/>
-                <a:cs typeface="Courier New" pitchFamily="49" charset="0"/>
-              </a:rPr>
-              <a:t>EventHandler</a:t>
-            </a:r>
-            <a:r>
-              <a:rPr lang="en-US" sz="1200" dirty="0">
-                <a:solidFill>
-                  <a:schemeClr val="bg1"/>
-                </a:solidFill>
-                <a:latin typeface="Courier New" pitchFamily="49" charset="0"/>
-                <a:ea typeface="Times New Roman" pitchFamily="18" charset="0"/>
-                <a:cs typeface="Courier New" pitchFamily="49" charset="0"/>
-              </a:rPr>
-              <a:t>(object sender, </a:t>
-            </a:r>
-            <a:r>
-              <a:rPr lang="en-US" sz="1200" dirty="0" err="1">
-                <a:solidFill>
-                  <a:schemeClr val="bg1"/>
-                </a:solidFill>
-                <a:latin typeface="Courier New" pitchFamily="49" charset="0"/>
-                <a:ea typeface="Times New Roman" pitchFamily="18" charset="0"/>
-                <a:cs typeface="Courier New" pitchFamily="49" charset="0"/>
-              </a:rPr>
-              <a:t>EventArgs</a:t>
-            </a:r>
-            <a:r>
-              <a:rPr lang="en-US" sz="1200" dirty="0">
-                <a:solidFill>
-                  <a:schemeClr val="bg1"/>
-                </a:solidFill>
-                <a:latin typeface="Courier New" pitchFamily="49" charset="0"/>
-                <a:ea typeface="Times New Roman" pitchFamily="18" charset="0"/>
-                <a:cs typeface="Courier New" pitchFamily="49" charset="0"/>
-              </a:rPr>
-              <a:t> e);</a:t>
-            </a:r>
-            <a:endParaRPr lang="be-BY" sz="1200" dirty="0">
-              <a:solidFill>
-                <a:schemeClr val="bg1"/>
-              </a:solidFill>
-              <a:latin typeface="Courier New" pitchFamily="49" charset="0"/>
-              <a:cs typeface="Courier New" pitchFamily="49" charset="0"/>
-            </a:endParaRPr>
-          </a:p>
-          <a:p>
-            <a:r>
-              <a:rPr lang="en-US" sz="1200" dirty="0">
-                <a:solidFill>
-                  <a:schemeClr val="bg1"/>
-                </a:solidFill>
-                <a:latin typeface="Courier New" pitchFamily="49" charset="0"/>
-                <a:cs typeface="Times New Roman" pitchFamily="18" charset="0"/>
-              </a:rPr>
-              <a:t>public delegate void </a:t>
-            </a:r>
-            <a:r>
-              <a:rPr lang="en-US" sz="1200" dirty="0" err="1">
-                <a:solidFill>
-                  <a:schemeClr val="bg1"/>
-                </a:solidFill>
-                <a:latin typeface="Courier New" pitchFamily="49" charset="0"/>
-                <a:cs typeface="Times New Roman" pitchFamily="18" charset="0"/>
-              </a:rPr>
-              <a:t>EventHandler</a:t>
-            </a:r>
-            <a:r>
-              <a:rPr lang="en-US" sz="1200" dirty="0">
-                <a:solidFill>
-                  <a:schemeClr val="bg1"/>
-                </a:solidFill>
-                <a:latin typeface="Courier New" pitchFamily="49" charset="0"/>
-                <a:cs typeface="Times New Roman" pitchFamily="18" charset="0"/>
-              </a:rPr>
-              <a:t>&lt;</a:t>
-            </a:r>
-            <a:r>
-              <a:rPr lang="en-US" sz="1200" dirty="0" err="1">
-                <a:solidFill>
-                  <a:schemeClr val="bg1"/>
-                </a:solidFill>
-                <a:latin typeface="Courier New" pitchFamily="49" charset="0"/>
-                <a:cs typeface="Times New Roman" pitchFamily="18" charset="0"/>
-              </a:rPr>
-              <a:t>TEventArgs</a:t>
-            </a:r>
-            <a:r>
-              <a:rPr lang="en-US" sz="1200" dirty="0">
-                <a:solidFill>
-                  <a:schemeClr val="bg1"/>
-                </a:solidFill>
-                <a:latin typeface="Courier New" pitchFamily="49" charset="0"/>
-                <a:cs typeface="Times New Roman" pitchFamily="18" charset="0"/>
-              </a:rPr>
-              <a:t>&gt;(object sender, </a:t>
-            </a:r>
-            <a:r>
-              <a:rPr lang="en-US" sz="1200" dirty="0" err="1">
-                <a:solidFill>
-                  <a:schemeClr val="bg1"/>
-                </a:solidFill>
-                <a:latin typeface="Courier New" pitchFamily="49" charset="0"/>
-                <a:cs typeface="Times New Roman" pitchFamily="18" charset="0"/>
-              </a:rPr>
-              <a:t>TEventArgs</a:t>
-            </a:r>
-            <a:r>
-              <a:rPr lang="en-US" sz="1200" dirty="0">
-                <a:solidFill>
-                  <a:schemeClr val="bg1"/>
-                </a:solidFill>
-                <a:latin typeface="Courier New" pitchFamily="49" charset="0"/>
-                <a:cs typeface="Times New Roman" pitchFamily="18" charset="0"/>
-              </a:rPr>
-              <a:t> e)</a:t>
-            </a:r>
-            <a:endParaRPr lang="be-BY" sz="1200" dirty="0">
-              <a:solidFill>
-                <a:schemeClr val="bg1"/>
-              </a:solidFill>
-              <a:latin typeface="Courier New" pitchFamily="49" charset="0"/>
-              <a:cs typeface="Courier New" pitchFamily="49" charset="0"/>
-            </a:endParaRPr>
-          </a:p>
-          <a:p>
-            <a:r>
-              <a:rPr lang="en-US" sz="1200" dirty="0">
-                <a:solidFill>
-                  <a:schemeClr val="bg1"/>
-                </a:solidFill>
-                <a:latin typeface="Courier New" pitchFamily="49" charset="0"/>
-                <a:cs typeface="Times New Roman" pitchFamily="18" charset="0"/>
-              </a:rPr>
-              <a:t>                                                       where </a:t>
-            </a:r>
-            <a:r>
-              <a:rPr lang="en-US" sz="1200" dirty="0" err="1">
-                <a:solidFill>
-                  <a:schemeClr val="bg1"/>
-                </a:solidFill>
-                <a:latin typeface="Courier New" pitchFamily="49" charset="0"/>
-                <a:cs typeface="Times New Roman" pitchFamily="18" charset="0"/>
-              </a:rPr>
-              <a:t>TEventArgs</a:t>
-            </a:r>
-            <a:r>
-              <a:rPr lang="en-US" sz="1200" dirty="0">
-                <a:solidFill>
-                  <a:schemeClr val="bg1"/>
-                </a:solidFill>
-                <a:latin typeface="Courier New" pitchFamily="49" charset="0"/>
-                <a:cs typeface="Times New Roman" pitchFamily="18" charset="0"/>
-              </a:rPr>
-              <a:t> : </a:t>
-            </a:r>
-            <a:r>
-              <a:rPr lang="en-US" sz="1200" dirty="0" err="1">
-                <a:solidFill>
-                  <a:schemeClr val="bg1"/>
-                </a:solidFill>
-                <a:latin typeface="Courier New" pitchFamily="49" charset="0"/>
-                <a:cs typeface="Times New Roman" pitchFamily="18" charset="0"/>
-              </a:rPr>
-              <a:t>EventArgs</a:t>
-            </a:r>
-            <a:r>
-              <a:rPr lang="en-US" sz="1200" dirty="0">
-                <a:solidFill>
-                  <a:schemeClr val="bg1"/>
-                </a:solidFill>
-                <a:latin typeface="Courier New" pitchFamily="49" charset="0"/>
-                <a:cs typeface="Times New Roman" pitchFamily="18" charset="0"/>
-              </a:rPr>
-              <a:t>;</a:t>
-            </a:r>
-            <a:endParaRPr lang="ru-RU" sz="1600" dirty="0">
-              <a:solidFill>
-                <a:schemeClr val="bg1"/>
-              </a:solidFill>
-            </a:endParaRPr>
-          </a:p>
-        </p:txBody>
-      </p:sp>
-      <p:sp>
-        <p:nvSpPr>
-          <p:cNvPr id="12292" name="TextBox 6"/>
-          <p:cNvSpPr txBox="1">
-            <a:spLocks noChangeArrowheads="1"/>
-          </p:cNvSpPr>
-          <p:nvPr/>
-        </p:nvSpPr>
-        <p:spPr bwMode="auto">
-          <a:xfrm>
-            <a:off x="152400" y="2222028"/>
-            <a:ext cx="8839200" cy="584200"/>
-          </a:xfrm>
-          <a:prstGeom prst="rect">
-            <a:avLst/>
-          </a:prstGeom>
-          <a:noFill/>
-          <a:ln>
-            <a:noFill/>
-          </a:ln>
-          <a:extLst>
-            <a:ext uri="{909E8E84-426E-40DD-AFC4-6F175D3DCCD1}">
-              <a14:hiddenFill xmlns:a14="http://schemas.microsoft.com/office/drawing/2010/main">
-                <a:solidFill>
-                  <a:srgbClr val="FFFFFF"/>
-                </a:solidFill>
-              </a14:hiddenFill>
-            </a:ext>
-            <a:ext uri="{91240B29-F687-4F45-9708-019B960494DF}">
-              <a14:hiddenLine xmlns:a14="http://schemas.microsoft.com/office/drawing/2010/main" w="9525">
-                <a:solidFill>
-                  <a:srgbClr val="000000"/>
-                </a:solidFill>
-                <a:miter lim="800000"/>
-                <a:headEnd/>
-                <a:tailEnd/>
-              </a14:hiddenLine>
-            </a:ext>
-          </a:extLst>
-        </p:spPr>
-        <p:txBody>
-          <a:bodyPr>
-            <a:spAutoFit/>
-          </a:bodyPr>
-          <a:lstStyle>
-            <a:lvl1pPr defTabSz="358775" eaLnBrk="0" hangingPunct="0">
-              <a:defRPr>
-                <a:solidFill>
-                  <a:schemeClr val="tx1"/>
-                </a:solidFill>
-                <a:latin typeface="Arial" charset="0"/>
-              </a:defRPr>
-            </a:lvl1pPr>
-            <a:lvl2pPr marL="742950" indent="-285750" defTabSz="358775" eaLnBrk="0" hangingPunct="0">
-              <a:defRPr>
-                <a:solidFill>
-                  <a:schemeClr val="tx1"/>
-                </a:solidFill>
-                <a:latin typeface="Arial" charset="0"/>
-              </a:defRPr>
-            </a:lvl2pPr>
-            <a:lvl3pPr marL="1143000" indent="-228600" defTabSz="358775" eaLnBrk="0" hangingPunct="0">
-              <a:defRPr>
-                <a:solidFill>
-                  <a:schemeClr val="tx1"/>
-                </a:solidFill>
-                <a:latin typeface="Arial" charset="0"/>
-              </a:defRPr>
-            </a:lvl3pPr>
-            <a:lvl4pPr marL="1600200" indent="-228600" defTabSz="358775" eaLnBrk="0" hangingPunct="0">
-              <a:defRPr>
-                <a:solidFill>
-                  <a:schemeClr val="tx1"/>
-                </a:solidFill>
-                <a:latin typeface="Arial" charset="0"/>
-              </a:defRPr>
-            </a:lvl4pPr>
-            <a:lvl5pPr marL="2057400" indent="-228600" defTabSz="358775" eaLnBrk="0" hangingPunct="0">
-              <a:defRPr>
-                <a:solidFill>
-                  <a:schemeClr val="tx1"/>
-                </a:solidFill>
-                <a:latin typeface="Arial" charset="0"/>
-              </a:defRPr>
-            </a:lvl5pPr>
-            <a:lvl6pPr marL="2514600" indent="-228600" defTabSz="358775" eaLnBrk="0" fontAlgn="base" hangingPunct="0">
-              <a:spcBef>
-                <a:spcPct val="0"/>
-              </a:spcBef>
-              <a:spcAft>
-                <a:spcPct val="0"/>
-              </a:spcAft>
-              <a:defRPr>
-                <a:solidFill>
-                  <a:schemeClr val="tx1"/>
-                </a:solidFill>
-                <a:latin typeface="Arial" charset="0"/>
-              </a:defRPr>
-            </a:lvl6pPr>
-            <a:lvl7pPr marL="2971800" indent="-228600" defTabSz="358775" eaLnBrk="0" fontAlgn="base" hangingPunct="0">
-              <a:spcBef>
-                <a:spcPct val="0"/>
-              </a:spcBef>
-              <a:spcAft>
-                <a:spcPct val="0"/>
-              </a:spcAft>
-              <a:defRPr>
-                <a:solidFill>
-                  <a:schemeClr val="tx1"/>
-                </a:solidFill>
-                <a:latin typeface="Arial" charset="0"/>
-              </a:defRPr>
-            </a:lvl7pPr>
-            <a:lvl8pPr marL="3429000" indent="-228600" defTabSz="358775" eaLnBrk="0" fontAlgn="base" hangingPunct="0">
-              <a:spcBef>
-                <a:spcPct val="0"/>
-              </a:spcBef>
-              <a:spcAft>
-                <a:spcPct val="0"/>
-              </a:spcAft>
-              <a:defRPr>
-                <a:solidFill>
-                  <a:schemeClr val="tx1"/>
-                </a:solidFill>
-                <a:latin typeface="Arial" charset="0"/>
-              </a:defRPr>
-            </a:lvl8pPr>
-            <a:lvl9pPr marL="3886200" indent="-228600" defTabSz="358775" eaLnBrk="0" fontAlgn="base" hangingPunct="0">
-              <a:spcBef>
-                <a:spcPct val="0"/>
-              </a:spcBef>
-              <a:spcAft>
-                <a:spcPct val="0"/>
-              </a:spcAft>
-              <a:defRPr>
-                <a:solidFill>
-                  <a:schemeClr val="tx1"/>
-                </a:solidFill>
-                <a:latin typeface="Arial" charset="0"/>
-              </a:defRPr>
-            </a:lvl9pPr>
-          </a:lstStyle>
-          <a:p>
-            <a:pPr eaLnBrk="1" hangingPunct="1"/>
-            <a:r>
-              <a:rPr lang="ru-RU" sz="1600" dirty="0">
-                <a:solidFill>
-                  <a:schemeClr val="bg1"/>
-                </a:solidFill>
-                <a:latin typeface="Courier New" pitchFamily="49" charset="0"/>
-                <a:ea typeface="Times New Roman" pitchFamily="18" charset="0"/>
-                <a:cs typeface="Courier New" pitchFamily="49" charset="0"/>
-              </a:rPr>
-              <a:t>   </a:t>
-            </a:r>
-            <a:r>
-              <a:rPr lang="en-US" sz="1600" dirty="0">
-                <a:solidFill>
-                  <a:schemeClr val="bg1"/>
-                </a:solidFill>
-                <a:latin typeface="Courier New" pitchFamily="49" charset="0"/>
-                <a:ea typeface="Times New Roman" pitchFamily="18" charset="0"/>
-                <a:cs typeface="Courier New" pitchFamily="49" charset="0"/>
-              </a:rPr>
-              <a:t>object sender</a:t>
-            </a:r>
-            <a:r>
-              <a:rPr lang="ru-RU" sz="1600" dirty="0">
-                <a:solidFill>
-                  <a:schemeClr val="bg1"/>
-                </a:solidFill>
-                <a:latin typeface="Courier New" pitchFamily="49" charset="0"/>
-                <a:ea typeface="Times New Roman" pitchFamily="18" charset="0"/>
-                <a:cs typeface="Courier New" pitchFamily="49" charset="0"/>
-              </a:rPr>
-              <a:t> </a:t>
-            </a:r>
-            <a:r>
-              <a:rPr lang="en-US" sz="1600" dirty="0">
-                <a:solidFill>
-                  <a:schemeClr val="bg1"/>
-                </a:solidFill>
-                <a:ea typeface="Times New Roman" pitchFamily="18" charset="0"/>
-                <a:cs typeface="Arial" charset="0"/>
-              </a:rPr>
-              <a:t>– </a:t>
-            </a:r>
-            <a:r>
-              <a:rPr lang="ru-RU" sz="1600" dirty="0">
-                <a:solidFill>
-                  <a:schemeClr val="bg1"/>
-                </a:solidFill>
-                <a:ea typeface="Times New Roman" pitchFamily="18" charset="0"/>
-                <a:cs typeface="Arial" charset="0"/>
-              </a:rPr>
-              <a:t>объект, который генерирует событие.</a:t>
-            </a:r>
-          </a:p>
-          <a:p>
-            <a:pPr eaLnBrk="1" hangingPunct="1"/>
-            <a:r>
-              <a:rPr lang="ru-RU" sz="1600" dirty="0">
-                <a:solidFill>
-                  <a:schemeClr val="bg1"/>
-                </a:solidFill>
-                <a:latin typeface="Courier New" pitchFamily="49" charset="0"/>
-                <a:ea typeface="Times New Roman" pitchFamily="18" charset="0"/>
-                <a:cs typeface="Courier New" pitchFamily="49" charset="0"/>
-              </a:rPr>
-              <a:t>   </a:t>
-            </a:r>
-            <a:r>
-              <a:rPr lang="en-US" sz="1600" dirty="0" err="1">
-                <a:solidFill>
-                  <a:schemeClr val="bg1"/>
-                </a:solidFill>
-                <a:latin typeface="Courier New" pitchFamily="49" charset="0"/>
-                <a:ea typeface="Times New Roman" pitchFamily="18" charset="0"/>
-                <a:cs typeface="Courier New" pitchFamily="49" charset="0"/>
-              </a:rPr>
-              <a:t>EventArgs</a:t>
-            </a:r>
-            <a:r>
-              <a:rPr lang="en-US" sz="1600" dirty="0">
-                <a:solidFill>
-                  <a:schemeClr val="bg1"/>
-                </a:solidFill>
-                <a:latin typeface="Courier New" pitchFamily="49" charset="0"/>
-                <a:ea typeface="Times New Roman" pitchFamily="18" charset="0"/>
-                <a:cs typeface="Courier New" pitchFamily="49" charset="0"/>
-              </a:rPr>
-              <a:t> e</a:t>
-            </a:r>
-            <a:r>
-              <a:rPr lang="ru-RU" sz="1600" dirty="0">
-                <a:solidFill>
-                  <a:schemeClr val="bg1"/>
-                </a:solidFill>
-                <a:latin typeface="Courier New" pitchFamily="49" charset="0"/>
-                <a:ea typeface="Times New Roman" pitchFamily="18" charset="0"/>
-                <a:cs typeface="Courier New" pitchFamily="49" charset="0"/>
-              </a:rPr>
-              <a:t> </a:t>
-            </a:r>
-            <a:r>
-              <a:rPr lang="en-US" sz="1600" dirty="0">
-                <a:solidFill>
-                  <a:schemeClr val="bg1"/>
-                </a:solidFill>
-                <a:latin typeface="Courier New" pitchFamily="49" charset="0"/>
-                <a:ea typeface="Times New Roman" pitchFamily="18" charset="0"/>
-                <a:cs typeface="Courier New" pitchFamily="49" charset="0"/>
-              </a:rPr>
-              <a:t>  </a:t>
-            </a:r>
-            <a:r>
-              <a:rPr lang="en-US" sz="1600" dirty="0">
-                <a:solidFill>
-                  <a:schemeClr val="bg1"/>
-                </a:solidFill>
-                <a:ea typeface="Times New Roman" pitchFamily="18" charset="0"/>
-                <a:cs typeface="Arial" charset="0"/>
-              </a:rPr>
-              <a:t>–</a:t>
-            </a:r>
-            <a:r>
-              <a:rPr lang="ru-RU" sz="1600" dirty="0">
-                <a:solidFill>
-                  <a:schemeClr val="bg1"/>
-                </a:solidFill>
-                <a:ea typeface="Times New Roman" pitchFamily="18" charset="0"/>
-                <a:cs typeface="Arial" charset="0"/>
-              </a:rPr>
-              <a:t> объект, содержащий аргументы( параметры ) события.</a:t>
-            </a:r>
-            <a:endParaRPr lang="ru-RU" sz="1600" dirty="0">
-              <a:solidFill>
-                <a:schemeClr val="bg1"/>
-              </a:solidFill>
-              <a:cs typeface="Arial" charset="0"/>
-            </a:endParaRPr>
-          </a:p>
-        </p:txBody>
-      </p:sp>
-    </p:spTree>
-    <p:extLst>
-      <p:ext uri="{BB962C8B-B14F-4D97-AF65-F5344CB8AC3E}">
-        <p14:creationId xmlns:p14="http://schemas.microsoft.com/office/powerpoint/2010/main" val="3940884637"/>
-      </p:ext>
-    </p:extLst>
-  </p:cSld>
-  <p:clrMapOvr>
-    <a:masterClrMapping/>
-  </p:clrMapOvr>
-</p:sld>
-</file>
-
-<file path=ppt/slides/slide2.xml><?xml version="1.0" encoding="utf-8"?>
-<p:sld xmlns:a="http://schemas.openxmlformats.org/drawingml/2006/main" xmlns:r="http://schemas.openxmlformats.org/officeDocument/2006/relationships" xmlns:p="http://schemas.openxmlformats.org/presentationml/2006/main">
-  <p:cSld>
-    <p:bg>
-      <p:bgPr>
-        <a:blipFill dpi="0" rotWithShape="1">
-          <a:blip r:embed="rId2">
-            <a:lum/>
-          </a:blip>
-          <a:srcRect/>
-          <a:stretch>
-            <a:fillRect/>
-          </a:stretch>
-        </a:blipFill>
-        <a:effectLst/>
-      </p:bgPr>
-    </p:bg>
-    <p:spTree>
-      <p:nvGrpSpPr>
-        <p:cNvPr id="1" name=""/>
-        <p:cNvGrpSpPr/>
-        <p:nvPr/>
-      </p:nvGrpSpPr>
-      <p:grpSpPr>
-        <a:xfrm>
-          <a:off x="0" y="0"/>
-          <a:ext cx="0" cy="0"/>
-          <a:chOff x="0" y="0"/>
-          <a:chExt cx="0" cy="0"/>
-        </a:xfrm>
-      </p:grpSpPr>
-      <p:sp>
-        <p:nvSpPr>
-          <p:cNvPr id="2" name="Title 1"/>
-          <p:cNvSpPr>
-            <a:spLocks noGrp="1"/>
-          </p:cNvSpPr>
-          <p:nvPr>
-            <p:ph type="title"/>
-          </p:nvPr>
-        </p:nvSpPr>
-        <p:spPr/>
-        <p:txBody>
-          <a:bodyPr/>
-          <a:lstStyle/>
-          <a:p>
-            <a:r>
-              <a:rPr lang="ru-RU" dirty="0">
-                <a:solidFill>
-                  <a:schemeClr val="bg1"/>
-                </a:solidFill>
-              </a:rPr>
-              <a:t>Материалы для обучения</a:t>
-            </a:r>
-            <a:endParaRPr lang="en-US" dirty="0">
-              <a:solidFill>
-                <a:schemeClr val="bg1"/>
-              </a:solidFill>
-            </a:endParaRPr>
-          </a:p>
-        </p:txBody>
-      </p:sp>
-      <p:sp>
-        <p:nvSpPr>
-          <p:cNvPr id="3" name="Content Placeholder 2"/>
-          <p:cNvSpPr>
-            <a:spLocks noGrp="1"/>
-          </p:cNvSpPr>
-          <p:nvPr>
-            <p:ph idx="1"/>
-          </p:nvPr>
-        </p:nvSpPr>
-        <p:spPr/>
-        <p:txBody>
-          <a:bodyPr/>
-          <a:lstStyle/>
-          <a:p>
-            <a:r>
-              <a:rPr lang="en-US" dirty="0">
-                <a:solidFill>
-                  <a:schemeClr val="bg1"/>
-                </a:solidFill>
-                <a:hlinkClick r:id="rId3"/>
-              </a:rPr>
-              <a:t>https://github.com/bazile/Training</a:t>
-            </a:r>
-            <a:br>
-              <a:rPr lang="en-US" dirty="0">
-                <a:solidFill>
-                  <a:schemeClr val="bg1"/>
-                </a:solidFill>
-              </a:rPr>
-            </a:br>
-            <a:r>
-              <a:rPr lang="ru-RU" dirty="0">
-                <a:solidFill>
-                  <a:schemeClr val="bg1"/>
-                </a:solidFill>
-              </a:rPr>
-              <a:t>Презентации и примеры кода используемые во время занятия</a:t>
-            </a:r>
-          </a:p>
-          <a:p>
-            <a:endParaRPr lang="ru-RU" dirty="0">
-              <a:solidFill>
-                <a:schemeClr val="bg1"/>
-              </a:solidFill>
-            </a:endParaRPr>
-          </a:p>
-          <a:p>
-            <a:r>
-              <a:rPr lang="en-US" dirty="0">
-                <a:solidFill>
-                  <a:schemeClr val="bg1"/>
-                </a:solidFill>
-                <a:hlinkClick r:id="rId4"/>
-              </a:rPr>
-              <a:t>http://belhard.nullptr.ru/</a:t>
-            </a:r>
-            <a:br>
-              <a:rPr lang="ru-RU" dirty="0">
-                <a:solidFill>
-                  <a:schemeClr val="bg1"/>
-                </a:solidFill>
-              </a:rPr>
-            </a:br>
-            <a:r>
-              <a:rPr lang="ru-RU" dirty="0">
-                <a:solidFill>
-                  <a:schemeClr val="bg1"/>
-                </a:solidFill>
-              </a:rPr>
-              <a:t>Книги, примеры к ним и другие полезные файлы.</a:t>
-            </a:r>
-          </a:p>
-          <a:p>
-            <a:endParaRPr lang="en-US" dirty="0"/>
-          </a:p>
-        </p:txBody>
-      </p:sp>
-    </p:spTree>
-    <p:extLst>
-      <p:ext uri="{BB962C8B-B14F-4D97-AF65-F5344CB8AC3E}">
-        <p14:creationId xmlns:p14="http://schemas.microsoft.com/office/powerpoint/2010/main" val="3949559832"/>
-      </p:ext>
-    </p:extLst>
-  </p:cSld>
-  <p:clrMapOvr>
-    <a:masterClrMapping/>
-  </p:clrMapOvr>
-</p:sld>
-</file>
-
-<file path=ppt/slides/slide20.xml><?xml version="1.0" encoding="utf-8"?>
 <p:sld xmlns:a="http://schemas.openxmlformats.org/drawingml/2006/main" xmlns:r="http://schemas.openxmlformats.org/officeDocument/2006/relationships" xmlns:p="http://schemas.openxmlformats.org/presentationml/2006/main">
   <p:cSld>
     <p:bg>
@@ -11545,7 +11853,176 @@
 </p:sld>
 </file>
 
-<file path=ppt/slides/slide21.xml><?xml version="1.0" encoding="utf-8"?>
+<file path=ppt/slides/slide2.xml><?xml version="1.0" encoding="utf-8"?>
+<p:sld xmlns:a="http://schemas.openxmlformats.org/drawingml/2006/main" xmlns:r="http://schemas.openxmlformats.org/officeDocument/2006/relationships" xmlns:p="http://schemas.openxmlformats.org/presentationml/2006/main">
+  <p:cSld>
+    <p:bg>
+      <p:bgPr>
+        <a:blipFill dpi="0" rotWithShape="1">
+          <a:blip r:embed="rId2">
+            <a:lum/>
+          </a:blip>
+          <a:srcRect/>
+          <a:stretch>
+            <a:fillRect/>
+          </a:stretch>
+        </a:blipFill>
+        <a:effectLst/>
+      </p:bgPr>
+    </p:bg>
+    <p:spTree>
+      <p:nvGrpSpPr>
+        <p:cNvPr id="1" name=""/>
+        <p:cNvGrpSpPr/>
+        <p:nvPr/>
+      </p:nvGrpSpPr>
+      <p:grpSpPr>
+        <a:xfrm>
+          <a:off x="0" y="0"/>
+          <a:ext cx="0" cy="0"/>
+          <a:chOff x="0" y="0"/>
+          <a:chExt cx="0" cy="0"/>
+        </a:xfrm>
+      </p:grpSpPr>
+      <p:sp>
+        <p:nvSpPr>
+          <p:cNvPr id="2" name="Title 1"/>
+          <p:cNvSpPr>
+            <a:spLocks noGrp="1"/>
+          </p:cNvSpPr>
+          <p:nvPr>
+            <p:ph type="title"/>
+          </p:nvPr>
+        </p:nvSpPr>
+        <p:spPr/>
+        <p:txBody>
+          <a:bodyPr/>
+          <a:lstStyle/>
+          <a:p>
+            <a:r>
+              <a:rPr lang="ru-RU" dirty="0">
+                <a:solidFill>
+                  <a:schemeClr val="bg1"/>
+                </a:solidFill>
+              </a:rPr>
+              <a:t>Материалы для обучения</a:t>
+            </a:r>
+            <a:endParaRPr lang="en-US" dirty="0">
+              <a:solidFill>
+                <a:schemeClr val="bg1"/>
+              </a:solidFill>
+            </a:endParaRPr>
+          </a:p>
+        </p:txBody>
+      </p:sp>
+      <p:sp>
+        <p:nvSpPr>
+          <p:cNvPr id="3" name="Content Placeholder 2"/>
+          <p:cNvSpPr>
+            <a:spLocks noGrp="1"/>
+          </p:cNvSpPr>
+          <p:nvPr>
+            <p:ph idx="1"/>
+          </p:nvPr>
+        </p:nvSpPr>
+        <p:spPr/>
+        <p:txBody>
+          <a:bodyPr/>
+          <a:lstStyle/>
+          <a:p>
+            <a:r>
+              <a:rPr lang="en-US" dirty="0">
+                <a:solidFill>
+                  <a:schemeClr val="bg1"/>
+                </a:solidFill>
+                <a:hlinkClick r:id="rId3"/>
+              </a:rPr>
+              <a:t>https://github.com/bazile/Training</a:t>
+            </a:r>
+            <a:r>
+              <a:rPr lang="en-US" dirty="0">
+                <a:solidFill>
+                  <a:schemeClr val="bg1"/>
+                </a:solidFill>
+              </a:rPr>
+              <a:t/>
+            </a:r>
+            <a:br>
+              <a:rPr lang="en-US" dirty="0">
+                <a:solidFill>
+                  <a:schemeClr val="bg1"/>
+                </a:solidFill>
+              </a:rPr>
+            </a:br>
+            <a:r>
+              <a:rPr lang="ru-RU" dirty="0">
+                <a:solidFill>
+                  <a:schemeClr val="bg1"/>
+                </a:solidFill>
+              </a:rPr>
+              <a:t>Презентации и примеры кода используемые во время занятия</a:t>
+            </a:r>
+          </a:p>
+          <a:p>
+            <a:endParaRPr lang="ru-RU" dirty="0">
+              <a:solidFill>
+                <a:schemeClr val="bg1"/>
+              </a:solidFill>
+            </a:endParaRPr>
+          </a:p>
+          <a:p>
+            <a:r>
+              <a:rPr lang="en-US" dirty="0">
+                <a:solidFill>
+                  <a:schemeClr val="bg1"/>
+                </a:solidFill>
+                <a:hlinkClick r:id="rId4"/>
+              </a:rPr>
+              <a:t>http://belhard.nullptr.ru/</a:t>
+            </a:r>
+            <a:r>
+              <a:rPr lang="ru-RU" dirty="0">
+                <a:solidFill>
+                  <a:schemeClr val="bg1"/>
+                </a:solidFill>
+              </a:rPr>
+              <a:t/>
+            </a:r>
+            <a:br>
+              <a:rPr lang="ru-RU" dirty="0">
+                <a:solidFill>
+                  <a:schemeClr val="bg1"/>
+                </a:solidFill>
+              </a:rPr>
+            </a:br>
+            <a:r>
+              <a:rPr lang="ru-RU" dirty="0">
+                <a:solidFill>
+                  <a:schemeClr val="bg1"/>
+                </a:solidFill>
+              </a:rPr>
+              <a:t>Книги, примеры к ним и другие полезные файлы.</a:t>
+            </a:r>
+          </a:p>
+          <a:p>
+            <a:endParaRPr lang="en-US" dirty="0"/>
+          </a:p>
+        </p:txBody>
+      </p:sp>
+    </p:spTree>
+    <p:extLst>
+      <p:ext uri="{BB962C8B-B14F-4D97-AF65-F5344CB8AC3E}">
+        <p14:creationId xmlns:p14="http://schemas.microsoft.com/office/powerpoint/2010/main" val="3949559832"/>
+      </p:ext>
+    </p:extLst>
+  </p:cSld>
+  <p:clrMapOvr>
+    <a:masterClrMapping/>
+  </p:clrMapOvr>
+</p:sld>
+</file>
+
+<file path=ppt/slides/slide20.xml><?xml version="1.0" encoding="utf-8"?>
 <p:sld xmlns:a="http://schemas.openxmlformats.org/drawingml/2006/main" xmlns:r="http://schemas.openxmlformats.org/officeDocument/2006/relationships" xmlns:p="http://schemas.openxmlformats.org/presentationml/2006/main">
   <p:cSld>
     <p:bg>
@@ -13059,7 +13536,7 @@
 </p:sld>
 </file>
 
-<file path=ppt/slides/slide22.xml><?xml version="1.0" encoding="utf-8"?>
+<file path=ppt/slides/slide21.xml><?xml version="1.0" encoding="utf-8"?>
 <p:sld xmlns:a="http://schemas.openxmlformats.org/drawingml/2006/main" xmlns:r="http://schemas.openxmlformats.org/officeDocument/2006/relationships" xmlns:p="http://schemas.openxmlformats.org/presentationml/2006/main">
   <p:cSld>
     <p:bg>
@@ -14651,6 +15128,113 @@
 </p:sld>
 </file>
 
+<file path=ppt/slides/slide22.xml><?xml version="1.0" encoding="utf-8"?>
+<p:sld xmlns:a="http://schemas.openxmlformats.org/drawingml/2006/main" xmlns:r="http://schemas.openxmlformats.org/officeDocument/2006/relationships" xmlns:p="http://schemas.openxmlformats.org/presentationml/2006/main">
+  <p:cSld>
+    <p:bg>
+      <p:bgPr>
+        <a:blipFill dpi="0" rotWithShape="1">
+          <a:blip r:embed="rId2">
+            <a:lum/>
+          </a:blip>
+          <a:srcRect/>
+          <a:stretch>
+            <a:fillRect/>
+          </a:stretch>
+        </a:blipFill>
+        <a:effectLst/>
+      </p:bgPr>
+    </p:bg>
+    <p:spTree>
+      <p:nvGrpSpPr>
+        <p:cNvPr id="1" name=""/>
+        <p:cNvGrpSpPr/>
+        <p:nvPr/>
+      </p:nvGrpSpPr>
+      <p:grpSpPr>
+        <a:xfrm>
+          <a:off x="0" y="0"/>
+          <a:ext cx="0" cy="0"/>
+          <a:chOff x="0" y="0"/>
+          <a:chExt cx="0" cy="0"/>
+        </a:xfrm>
+      </p:grpSpPr>
+      <p:sp>
+        <p:nvSpPr>
+          <p:cNvPr id="2" name="Title 1"/>
+          <p:cNvSpPr>
+            <a:spLocks noGrp="1"/>
+          </p:cNvSpPr>
+          <p:nvPr>
+            <p:ph type="title"/>
+          </p:nvPr>
+        </p:nvSpPr>
+        <p:spPr/>
+        <p:txBody>
+          <a:bodyPr/>
+          <a:lstStyle/>
+          <a:p>
+            <a:r>
+              <a:rPr lang="ru-RU" dirty="0">
+                <a:solidFill>
+                  <a:schemeClr val="bg1"/>
+                </a:solidFill>
+              </a:rPr>
+              <a:t>События и наследование</a:t>
+            </a:r>
+            <a:endParaRPr lang="en-US" dirty="0">
+              <a:solidFill>
+                <a:schemeClr val="bg1"/>
+              </a:solidFill>
+            </a:endParaRPr>
+          </a:p>
+        </p:txBody>
+      </p:sp>
+      <p:sp>
+        <p:nvSpPr>
+          <p:cNvPr id="3" name="Content Placeholder 2"/>
+          <p:cNvSpPr>
+            <a:spLocks noGrp="1"/>
+          </p:cNvSpPr>
+          <p:nvPr>
+            <p:ph idx="1"/>
+          </p:nvPr>
+        </p:nvSpPr>
+        <p:spPr/>
+        <p:txBody>
+          <a:bodyPr/>
+          <a:lstStyle/>
+          <a:p>
+            <a:pPr marL="0" indent="0">
+              <a:buNone/>
+            </a:pPr>
+            <a:r>
+              <a:rPr lang="ru-RU" dirty="0">
+                <a:solidFill>
+                  <a:schemeClr val="bg1"/>
+                </a:solidFill>
+              </a:rPr>
+              <a:t>Наследники не могут генерировать события родительских классов. Или говоря проще – событие может быть сгенерировано только типом в котором оно объявлено.</a:t>
+            </a:r>
+          </a:p>
+          <a:p>
+            <a:endParaRPr lang="en-US" dirty="0"/>
+          </a:p>
+        </p:txBody>
+      </p:sp>
+    </p:spTree>
+    <p:extLst>
+      <p:ext uri="{BB962C8B-B14F-4D97-AF65-F5344CB8AC3E}">
+        <p14:creationId xmlns:p14="http://schemas.microsoft.com/office/powerpoint/2010/main" val="3789171591"/>
+      </p:ext>
+    </p:extLst>
+  </p:cSld>
+  <p:clrMapOvr>
+    <a:masterClrMapping/>
+  </p:clrMapOvr>
+</p:sld>
+</file>
+
 <file path=ppt/slides/slide23.xml><?xml version="1.0" encoding="utf-8"?>
 <p:sld xmlns:a="http://schemas.openxmlformats.org/drawingml/2006/main" xmlns:r="http://schemas.openxmlformats.org/officeDocument/2006/relationships" xmlns:p="http://schemas.openxmlformats.org/presentationml/2006/main">
   <p:cSld>
@@ -14703,7 +15287,23 @@
                   <a:schemeClr val="bg1"/>
                 </a:solidFill>
               </a:rPr>
-              <a:t>События и наследование</a:t>
+              <a:t>События: </a:t>
+            </a:r>
+            <a:r>
+              <a:rPr lang="en-US" dirty="0">
+                <a:solidFill>
+                  <a:schemeClr val="bg1"/>
+                </a:solidFill>
+              </a:rPr>
+              <a:t>class vs </a:t>
+            </a:r>
+            <a:r>
+              <a:rPr lang="en-US" dirty="0" err="1">
+                <a:solidFill>
+                  <a:schemeClr val="bg1"/>
+                </a:solidFill>
+              </a:rPr>
+              <a:t>struct</a:t>
             </a:r>
             <a:endParaRPr lang="en-US" dirty="0">
               <a:solidFill>
@@ -14737,129 +15337,6 @@
                   <a:schemeClr val="bg1"/>
                 </a:solidFill>
               </a:rPr>
-              <a:t>Наследники не могут генерировать события родительских классов. Или говоря проще – событие может быть сгенерировано только типом в котором оно объявлено.</a:t>
-            </a:r>
-          </a:p>
-          <a:p>
-            <a:endParaRPr lang="en-US" dirty="0"/>
-          </a:p>
-        </p:txBody>
-      </p:sp>
-    </p:spTree>
-    <p:extLst>
-      <p:ext uri="{BB962C8B-B14F-4D97-AF65-F5344CB8AC3E}">
-        <p14:creationId xmlns:p14="http://schemas.microsoft.com/office/powerpoint/2010/main" val="3789171591"/>
-      </p:ext>
-    </p:extLst>
-  </p:cSld>
-  <p:clrMapOvr>
-    <a:masterClrMapping/>
-  </p:clrMapOvr>
-</p:sld>
-</file>
-
-<file path=ppt/slides/slide24.xml><?xml version="1.0" encoding="utf-8"?>
-<p:sld xmlns:a="http://schemas.openxmlformats.org/drawingml/2006/main" xmlns:r="http://schemas.openxmlformats.org/officeDocument/2006/relationships" xmlns:p="http://schemas.openxmlformats.org/presentationml/2006/main">
-  <p:cSld>
-    <p:bg>
-      <p:bgPr>
-        <a:blipFill dpi="0" rotWithShape="1">
-          <a:blip r:embed="rId2">
-            <a:lum/>
-          </a:blip>
-          <a:srcRect/>
-          <a:stretch>
-            <a:fillRect/>
-          </a:stretch>
-        </a:blipFill>
-        <a:effectLst/>
-      </p:bgPr>
-    </p:bg>
-    <p:spTree>
-      <p:nvGrpSpPr>
-        <p:cNvPr id="1" name=""/>
-        <p:cNvGrpSpPr/>
-        <p:nvPr/>
-      </p:nvGrpSpPr>
-      <p:grpSpPr>
-        <a:xfrm>
-          <a:off x="0" y="0"/>
-          <a:ext cx="0" cy="0"/>
-          <a:chOff x="0" y="0"/>
-          <a:chExt cx="0" cy="0"/>
-        </a:xfrm>
-      </p:grpSpPr>
-      <p:sp>
-        <p:nvSpPr>
-          <p:cNvPr id="2" name="Title 1"/>
-          <p:cNvSpPr>
-            <a:spLocks noGrp="1"/>
-          </p:cNvSpPr>
-          <p:nvPr>
-            <p:ph type="title"/>
-          </p:nvPr>
-        </p:nvSpPr>
-        <p:spPr/>
-        <p:txBody>
-          <a:bodyPr/>
-          <a:lstStyle/>
-          <a:p>
-            <a:r>
-              <a:rPr lang="ru-RU" dirty="0">
-                <a:solidFill>
-                  <a:schemeClr val="bg1"/>
-                </a:solidFill>
-              </a:rPr>
-              <a:t>События: </a:t>
-            </a:r>
-            <a:r>
-              <a:rPr lang="en-US" dirty="0">
-                <a:solidFill>
-                  <a:schemeClr val="bg1"/>
-                </a:solidFill>
-              </a:rPr>
-              <a:t>class vs </a:t>
-            </a:r>
-            <a:r>
-              <a:rPr lang="en-US" dirty="0" err="1">
-                <a:solidFill>
-                  <a:schemeClr val="bg1"/>
-                </a:solidFill>
-              </a:rPr>
-              <a:t>struct</a:t>
-            </a:r>
-            <a:endParaRPr lang="en-US" dirty="0">
-              <a:solidFill>
-                <a:schemeClr val="bg1"/>
-              </a:solidFill>
-            </a:endParaRPr>
-          </a:p>
-        </p:txBody>
-      </p:sp>
-      <p:sp>
-        <p:nvSpPr>
-          <p:cNvPr id="3" name="Content Placeholder 2"/>
-          <p:cNvSpPr>
-            <a:spLocks noGrp="1"/>
-          </p:cNvSpPr>
-          <p:nvPr>
-            <p:ph idx="1"/>
-          </p:nvPr>
-        </p:nvSpPr>
-        <p:spPr/>
-        <p:txBody>
-          <a:bodyPr/>
-          <a:lstStyle/>
-          <a:p>
-            <a:pPr marL="0" indent="0">
-              <a:buNone/>
-            </a:pPr>
-            <a:r>
-              <a:rPr lang="ru-RU" dirty="0">
-                <a:solidFill>
-                  <a:schemeClr val="bg1"/>
-                </a:solidFill>
-              </a:rPr>
               <a:t>В структурах можно объявлять события. Проявляйте, однако, осторожность при их использовании чтобы не подписаться на событие у </a:t>
             </a:r>
             <a:r>
@@ -14894,7 +15371,7 @@
 </p:sld>
 </file>
 
-<file path=ppt/slides/slide25.xml><?xml version="1.0" encoding="utf-8"?>
+<file path=ppt/slides/slide24.xml><?xml version="1.0" encoding="utf-8"?>
 <p:sld xmlns:a="http://schemas.openxmlformats.org/drawingml/2006/main" xmlns:r="http://schemas.openxmlformats.org/officeDocument/2006/relationships" xmlns:p="http://schemas.openxmlformats.org/presentationml/2006/main">
   <p:cSld>
     <p:bg>
@@ -15185,7 +15662,7 @@
 </p:sld>
 </file>
 
-<file path=ppt/slides/slide26.xml><?xml version="1.0" encoding="utf-8"?>
+<file path=ppt/slides/slide25.xml><?xml version="1.0" encoding="utf-8"?>
 <p:sld xmlns:a="http://schemas.openxmlformats.org/drawingml/2006/main" xmlns:r="http://schemas.openxmlformats.org/officeDocument/2006/relationships" xmlns:p="http://schemas.openxmlformats.org/presentationml/2006/main">
   <p:cSld>
     <p:bg>
@@ -19368,7 +19845,7 @@
           <p:cNvPr id="4" name="Table 3">
             <a:extLst>
               <a:ext uri="{FF2B5EF4-FFF2-40B4-BE49-F238E27FC236}">
-                <a16:creationId xmlns:a16="http://schemas.microsoft.com/office/drawing/2014/main" id="{FEC2A272-D8DB-B743-A5C6-EF56B2567AAE}"/>
+                <a16:creationId xmlns:a16="http://schemas.microsoft.com/office/drawing/2014/main" xmlns="" id="{FEC2A272-D8DB-B743-A5C6-EF56B2567AAE}"/>
               </a:ext>
             </a:extLst>
           </p:cNvPr>
@@ -19397,14 +19874,14 @@
                 <a:gridCol w="3713584">
                   <a:extLst>
                     <a:ext uri="{9D8B030D-6E8A-4147-A177-3AD203B41FA5}">
-                      <a16:colId xmlns:a16="http://schemas.microsoft.com/office/drawing/2014/main" val="20000"/>
+                      <a16:colId xmlns:a16="http://schemas.microsoft.com/office/drawing/2014/main" xmlns="" val="20000"/>
                     </a:ext>
                   </a:extLst>
                 </a:gridCol>
                 <a:gridCol w="4392488">
                   <a:extLst>
                     <a:ext uri="{9D8B030D-6E8A-4147-A177-3AD203B41FA5}">
-                      <a16:colId xmlns:a16="http://schemas.microsoft.com/office/drawing/2014/main" val="20001"/>
+                      <a16:colId xmlns:a16="http://schemas.microsoft.com/office/drawing/2014/main" xmlns="" val="20001"/>
                     </a:ext>
                   </a:extLst>
                 </a:gridCol>
@@ -19540,7 +20017,7 @@
                 </a:tc>
                 <a:extLst>
                   <a:ext uri="{0D108BD9-81ED-4DB2-BD59-A6C34878D82A}">
-                    <a16:rowId xmlns:a16="http://schemas.microsoft.com/office/drawing/2014/main" val="10000"/>
+                    <a16:rowId xmlns:a16="http://schemas.microsoft.com/office/drawing/2014/main" xmlns="" val="10000"/>
                   </a:ext>
                 </a:extLst>
               </a:tr>
@@ -19657,7 +20134,7 @@
                 </a:tc>
                 <a:extLst>
                   <a:ext uri="{0D108BD9-81ED-4DB2-BD59-A6C34878D82A}">
-                    <a16:rowId xmlns:a16="http://schemas.microsoft.com/office/drawing/2014/main" val="10001"/>
+                    <a16:rowId xmlns:a16="http://schemas.microsoft.com/office/drawing/2014/main" xmlns="" val="10001"/>
                   </a:ext>
                 </a:extLst>
               </a:tr>
@@ -19774,7 +20251,7 @@
                 </a:tc>
                 <a:extLst>
                   <a:ext uri="{0D108BD9-81ED-4DB2-BD59-A6C34878D82A}">
-                    <a16:rowId xmlns:a16="http://schemas.microsoft.com/office/drawing/2014/main" val="10002"/>
+                    <a16:rowId xmlns:a16="http://schemas.microsoft.com/office/drawing/2014/main" xmlns="" val="10002"/>
                   </a:ext>
                 </a:extLst>
               </a:tr>
@@ -19891,7 +20368,7 @@
                 </a:tc>
                 <a:extLst>
                   <a:ext uri="{0D108BD9-81ED-4DB2-BD59-A6C34878D82A}">
-                    <a16:rowId xmlns:a16="http://schemas.microsoft.com/office/drawing/2014/main" val="10003"/>
+                    <a16:rowId xmlns:a16="http://schemas.microsoft.com/office/drawing/2014/main" xmlns="" val="10003"/>
                   </a:ext>
                 </a:extLst>
               </a:tr>
@@ -20008,7 +20485,7 @@
                 </a:tc>
                 <a:extLst>
                   <a:ext uri="{0D108BD9-81ED-4DB2-BD59-A6C34878D82A}">
-                    <a16:rowId xmlns:a16="http://schemas.microsoft.com/office/drawing/2014/main" val="10004"/>
+                    <a16:rowId xmlns:a16="http://schemas.microsoft.com/office/drawing/2014/main" xmlns="" val="10004"/>
                   </a:ext>
                 </a:extLst>
               </a:tr>
@@ -20125,7 +20602,7 @@
                 </a:tc>
                 <a:extLst>
                   <a:ext uri="{0D108BD9-81ED-4DB2-BD59-A6C34878D82A}">
-                    <a16:rowId xmlns:a16="http://schemas.microsoft.com/office/drawing/2014/main" val="10005"/>
+                    <a16:rowId xmlns:a16="http://schemas.microsoft.com/office/drawing/2014/main" xmlns="" val="10005"/>
                   </a:ext>
                 </a:extLst>
               </a:tr>
@@ -20242,7 +20719,7 @@
                 </a:tc>
                 <a:extLst>
                   <a:ext uri="{0D108BD9-81ED-4DB2-BD59-A6C34878D82A}">
-                    <a16:rowId xmlns:a16="http://schemas.microsoft.com/office/drawing/2014/main" val="10006"/>
+                    <a16:rowId xmlns:a16="http://schemas.microsoft.com/office/drawing/2014/main" xmlns="" val="10006"/>
                   </a:ext>
                 </a:extLst>
               </a:tr>
@@ -20359,7 +20836,7 @@
                 </a:tc>
                 <a:extLst>
                   <a:ext uri="{0D108BD9-81ED-4DB2-BD59-A6C34878D82A}">
-                    <a16:rowId xmlns:a16="http://schemas.microsoft.com/office/drawing/2014/main" val="10007"/>
+                    <a16:rowId xmlns:a16="http://schemas.microsoft.com/office/drawing/2014/main" xmlns="" val="10007"/>
                   </a:ext>
                 </a:extLst>
               </a:tr>
@@ -20476,7 +20953,7 @@
                 </a:tc>
                 <a:extLst>
                   <a:ext uri="{0D108BD9-81ED-4DB2-BD59-A6C34878D82A}">
-                    <a16:rowId xmlns:a16="http://schemas.microsoft.com/office/drawing/2014/main" val="10008"/>
+                    <a16:rowId xmlns:a16="http://schemas.microsoft.com/office/drawing/2014/main" xmlns="" val="10008"/>
                   </a:ext>
                 </a:extLst>
               </a:tr>
@@ -20593,7 +21070,7 @@
                 </a:tc>
                 <a:extLst>
                   <a:ext uri="{0D108BD9-81ED-4DB2-BD59-A6C34878D82A}">
-                    <a16:rowId xmlns:a16="http://schemas.microsoft.com/office/drawing/2014/main" val="10009"/>
+                    <a16:rowId xmlns:a16="http://schemas.microsoft.com/office/drawing/2014/main" xmlns="" val="10009"/>
                   </a:ext>
                 </a:extLst>
               </a:tr>
@@ -20710,7 +21187,7 @@
                 </a:tc>
                 <a:extLst>
                   <a:ext uri="{0D108BD9-81ED-4DB2-BD59-A6C34878D82A}">
-                    <a16:rowId xmlns:a16="http://schemas.microsoft.com/office/drawing/2014/main" val="10010"/>
+                    <a16:rowId xmlns:a16="http://schemas.microsoft.com/office/drawing/2014/main" xmlns="" val="10010"/>
                   </a:ext>
                 </a:extLst>
               </a:tr>
@@ -20827,7 +21304,7 @@
                 </a:tc>
                 <a:extLst>
                   <a:ext uri="{0D108BD9-81ED-4DB2-BD59-A6C34878D82A}">
-                    <a16:rowId xmlns:a16="http://schemas.microsoft.com/office/drawing/2014/main" val="10011"/>
+                    <a16:rowId xmlns:a16="http://schemas.microsoft.com/office/drawing/2014/main" xmlns="" val="10011"/>
                   </a:ext>
                 </a:extLst>
               </a:tr>
@@ -20944,7 +21421,7 @@
                 </a:tc>
                 <a:extLst>
                   <a:ext uri="{0D108BD9-81ED-4DB2-BD59-A6C34878D82A}">
-                    <a16:rowId xmlns:a16="http://schemas.microsoft.com/office/drawing/2014/main" val="10012"/>
+                    <a16:rowId xmlns:a16="http://schemas.microsoft.com/office/drawing/2014/main" xmlns="" val="10012"/>
                   </a:ext>
                 </a:extLst>
               </a:tr>
